--- a/MINI PROJECT REVIEW.pptx
+++ b/MINI PROJECT REVIEW.pptx
@@ -5,60 +5,57 @@
     <p:sldMasterId id="2147483648" r:id="rId1"/>
   </p:sldMasterIdLst>
   <p:notesMasterIdLst>
-    <p:notesMasterId r:id="rId4"/>
+    <p:notesMasterId r:id="rId25"/>
   </p:notesMasterIdLst>
   <p:sldIdLst>
-    <p:sldId id="256" r:id="rId3"/>
-    <p:sldId id="257" r:id="rId5"/>
-    <p:sldId id="258" r:id="rId6"/>
-    <p:sldId id="259" r:id="rId7"/>
-    <p:sldId id="260" r:id="rId8"/>
-    <p:sldId id="261" r:id="rId9"/>
-    <p:sldId id="262" r:id="rId10"/>
-    <p:sldId id="279" r:id="rId11"/>
-    <p:sldId id="263" r:id="rId12"/>
-    <p:sldId id="264" r:id="rId13"/>
-    <p:sldId id="265" r:id="rId14"/>
-    <p:sldId id="278" r:id="rId15"/>
-    <p:sldId id="267" r:id="rId16"/>
-    <p:sldId id="268" r:id="rId17"/>
-    <p:sldId id="269" r:id="rId18"/>
-    <p:sldId id="270" r:id="rId19"/>
-    <p:sldId id="271" r:id="rId20"/>
-    <p:sldId id="272" r:id="rId21"/>
-    <p:sldId id="273" r:id="rId22"/>
-    <p:sldId id="274" r:id="rId23"/>
-    <p:sldId id="275" r:id="rId24"/>
-    <p:sldId id="276" r:id="rId25"/>
+    <p:sldId id="256" r:id="rId2"/>
+    <p:sldId id="257" r:id="rId3"/>
+    <p:sldId id="258" r:id="rId4"/>
+    <p:sldId id="259" r:id="rId5"/>
+    <p:sldId id="260" r:id="rId6"/>
+    <p:sldId id="261" r:id="rId7"/>
+    <p:sldId id="262" r:id="rId8"/>
+    <p:sldId id="279" r:id="rId9"/>
+    <p:sldId id="281" r:id="rId10"/>
+    <p:sldId id="263" r:id="rId11"/>
+    <p:sldId id="264" r:id="rId12"/>
+    <p:sldId id="265" r:id="rId13"/>
+    <p:sldId id="278" r:id="rId14"/>
+    <p:sldId id="267" r:id="rId15"/>
+    <p:sldId id="268" r:id="rId16"/>
+    <p:sldId id="269" r:id="rId17"/>
+    <p:sldId id="270" r:id="rId18"/>
+    <p:sldId id="271" r:id="rId19"/>
+    <p:sldId id="272" r:id="rId20"/>
+    <p:sldId id="273" r:id="rId21"/>
+    <p:sldId id="274" r:id="rId22"/>
+    <p:sldId id="275" r:id="rId23"/>
+    <p:sldId id="276" r:id="rId24"/>
   </p:sldIdLst>
-  <p:sldSz cx="9144000" cy="5143500"/>
+  <p:sldSz cx="9144000" cy="5143500" type="screen16x9"/>
   <p:notesSz cx="6858000" cy="9144000"/>
   <p:embeddedFontLst>
     <p:embeddedFont>
-      <p:font typeface="SimSun" panose="02010600030101010101" pitchFamily="2" charset="-122"/>
-      <p:regular r:id="rId29"/>
+      <p:font typeface="Cambria" panose="02040503050406030204" pitchFamily="18" charset="0"/>
+      <p:regular r:id="rId26"/>
+      <p:bold r:id="rId27"/>
+      <p:italic r:id="rId28"/>
+      <p:boldItalic r:id="rId29"/>
     </p:embeddedFont>
     <p:embeddedFont>
-      <p:font typeface="Maven Pro"/>
+      <p:font typeface="Georgia" panose="02040502050405020303" pitchFamily="18" charset="0"/>
       <p:regular r:id="rId30"/>
+      <p:bold r:id="rId31"/>
+      <p:italic r:id="rId32"/>
+      <p:boldItalic r:id="rId33"/>
     </p:embeddedFont>
     <p:embeddedFont>
-      <p:font typeface="Nunito" panose="00000500000000000000"/>
-      <p:regular r:id="rId31"/>
+      <p:font typeface="Maven Pro" panose="020B0604020202020204" charset="0"/>
+      <p:regular r:id="rId34"/>
     </p:embeddedFont>
     <p:embeddedFont>
-      <p:font typeface="Georgia" panose="02040502050405020303" charset="0"/>
-      <p:regular r:id="rId32"/>
-      <p:bold r:id="rId33"/>
-      <p:italic r:id="rId34"/>
-      <p:boldItalic r:id="rId35"/>
-    </p:embeddedFont>
-    <p:embeddedFont>
-      <p:font typeface="Cambria" panose="02040503050406030204" charset="0"/>
-      <p:regular r:id="rId36"/>
-      <p:bold r:id="rId37"/>
-      <p:italic r:id="rId38"/>
-      <p:boldItalic r:id="rId39"/>
+      <p:font typeface="Nunito" panose="020B0604020202020204" charset="0"/>
+      <p:regular r:id="rId35"/>
     </p:embeddedFont>
   </p:embeddedFontLst>
   <p:defaultTextStyle>
@@ -290,6 +287,22 @@
       </a:defRPr>
     </a:lvl9pPr>
   </p:defaultTextStyle>
+  <p:extLst>
+    <p:ext uri="{EFAFB233-063F-42B5-8137-9DF3F51BA10A}">
+      <p15:sldGuideLst xmlns:p15="http://schemas.microsoft.com/office/powerpoint/2012/main">
+        <p15:guide id="1" orient="horz" pos="1619">
+          <p15:clr>
+            <a:srgbClr val="A4A3A4"/>
+          </p15:clr>
+        </p15:guide>
+        <p15:guide id="2" pos="2828">
+          <p15:clr>
+            <a:srgbClr val="A4A3A4"/>
+          </p15:clr>
+        </p15:guide>
+      </p15:sldGuideLst>
+    </p:ext>
+  </p:extLst>
 </p:presentation>
 </file>
 
@@ -303,7 +316,7 @@
     </p:bg>
     <p:spTree>
       <p:nvGrpSpPr>
-        <p:cNvPr id="2" name="Shape 2"/>
+        <p:cNvPr id="1" name="Shape 2"/>
         <p:cNvGrpSpPr/>
         <p:nvPr/>
       </p:nvGrpSpPr>
@@ -318,7 +331,9 @@
       <p:sp>
         <p:nvSpPr>
           <p:cNvPr id="3" name="Google Shape;3;n"/>
-          <p:cNvSpPr/>
+          <p:cNvSpPr>
+            <a:spLocks noGrp="1" noRot="1" noChangeAspect="1"/>
+          </p:cNvSpPr>
           <p:nvPr>
             <p:ph type="sldImg" idx="2"/>
           </p:nvPr>
@@ -367,7 +382,9 @@
       <p:sp>
         <p:nvSpPr>
           <p:cNvPr id="4" name="Google Shape;4;n"/>
-          <p:cNvSpPr txBox="1"/>
+          <p:cNvSpPr txBox="1">
+            <a:spLocks noGrp="1"/>
+          </p:cNvSpPr>
           <p:nvPr>
             <p:ph type="body" idx="1"/>
           </p:nvPr>
@@ -490,7 +507,9 @@
               <a:defRPr sz="1100"/>
             </a:lvl9pPr>
           </a:lstStyle>
-          <a:p/>
+          <a:p>
+            <a:endParaRPr/>
+          </a:p>
         </p:txBody>
       </p:sp>
     </p:spTree>
@@ -729,11 +748,11 @@
 </file>
 
 <file path=ppt/notesSlides/notesSlide1.xml><?xml version="1.0" encoding="utf-8"?>
-<p:notes xmlns:a="http://schemas.openxmlformats.org/drawingml/2006/main" xmlns:r="http://schemas.openxmlformats.org/officeDocument/2006/relationships" xmlns:p="http://schemas.openxmlformats.org/presentationml/2006/main" showMasterPhAnim="0" showMasterSp="0">
+<p:notes xmlns:a="http://schemas.openxmlformats.org/drawingml/2006/main" xmlns:r="http://schemas.openxmlformats.org/officeDocument/2006/relationships" xmlns:p="http://schemas.openxmlformats.org/presentationml/2006/main" showMasterSp="0" showMasterPhAnim="0">
   <p:cSld>
     <p:spTree>
       <p:nvGrpSpPr>
-        <p:cNvPr id="273" name="Shape 273"/>
+        <p:cNvPr id="1" name="Shape 273"/>
         <p:cNvGrpSpPr/>
         <p:nvPr/>
       </p:nvGrpSpPr>
@@ -748,7 +767,9 @@
       <p:sp>
         <p:nvSpPr>
           <p:cNvPr id="274" name="Google Shape;274;p:notes"/>
-          <p:cNvSpPr/>
+          <p:cNvSpPr>
+            <a:spLocks noGrp="1" noRot="1" noChangeAspect="1"/>
+          </p:cNvSpPr>
           <p:nvPr>
             <p:ph type="sldImg" idx="2"/>
           </p:nvPr>
@@ -787,7 +808,9 @@
       <p:sp>
         <p:nvSpPr>
           <p:cNvPr id="275" name="Google Shape;275;p:notes"/>
-          <p:cNvSpPr txBox="1"/>
+          <p:cNvSpPr txBox="1">
+            <a:spLocks noGrp="1"/>
+          </p:cNvSpPr>
           <p:nvPr>
             <p:ph type="body" idx="1"/>
           </p:nvPr>
@@ -816,6 +839,7 @@
               </a:spcAft>
               <a:buNone/>
             </a:pPr>
+            <a:endParaRPr/>
           </a:p>
         </p:txBody>
       </p:sp>
@@ -828,11 +852,115 @@
 </file>
 
 <file path=ppt/notesSlides/notesSlide10.xml><?xml version="1.0" encoding="utf-8"?>
-<p:notes xmlns:a="http://schemas.openxmlformats.org/drawingml/2006/main" xmlns:r="http://schemas.openxmlformats.org/officeDocument/2006/relationships" xmlns:p="http://schemas.openxmlformats.org/presentationml/2006/main" showMasterPhAnim="0" showMasterSp="0">
+<p:notes xmlns:a="http://schemas.openxmlformats.org/drawingml/2006/main" xmlns:r="http://schemas.openxmlformats.org/officeDocument/2006/relationships" xmlns:p="http://schemas.openxmlformats.org/presentationml/2006/main" showMasterSp="0" showMasterPhAnim="0">
   <p:cSld>
     <p:spTree>
       <p:nvGrpSpPr>
-        <p:cNvPr id="321" name="Shape 321"/>
+        <p:cNvPr id="1" name="Shape 315"/>
+        <p:cNvGrpSpPr/>
+        <p:nvPr/>
+      </p:nvGrpSpPr>
+      <p:grpSpPr>
+        <a:xfrm>
+          <a:off x="0" y="0"/>
+          <a:ext cx="0" cy="0"/>
+          <a:chOff x="0" y="0"/>
+          <a:chExt cx="0" cy="0"/>
+        </a:xfrm>
+      </p:grpSpPr>
+      <p:sp>
+        <p:nvSpPr>
+          <p:cNvPr id="316" name="Google Shape;316;ga6a217c1e4_0_578:notes"/>
+          <p:cNvSpPr>
+            <a:spLocks noGrp="1" noRot="1" noChangeAspect="1"/>
+          </p:cNvSpPr>
+          <p:nvPr>
+            <p:ph type="sldImg" idx="2"/>
+          </p:nvPr>
+        </p:nvSpPr>
+        <p:spPr>
+          <a:xfrm>
+            <a:off x="381300" y="685800"/>
+            <a:ext cx="6096000" cy="3429000"/>
+          </a:xfrm>
+          <a:custGeom>
+            <a:avLst/>
+            <a:gdLst/>
+            <a:ahLst/>
+            <a:cxnLst/>
+            <a:rect l="l" t="t" r="r" b="b"/>
+            <a:pathLst>
+              <a:path w="120000" h="120000" extrusionOk="0">
+                <a:moveTo>
+                  <a:pt x="0" y="0"/>
+                </a:moveTo>
+                <a:lnTo>
+                  <a:pt x="120000" y="0"/>
+                </a:lnTo>
+                <a:lnTo>
+                  <a:pt x="120000" y="120000"/>
+                </a:lnTo>
+                <a:lnTo>
+                  <a:pt x="0" y="120000"/>
+                </a:lnTo>
+                <a:close/>
+              </a:path>
+            </a:pathLst>
+          </a:custGeom>
+        </p:spPr>
+      </p:sp>
+      <p:sp>
+        <p:nvSpPr>
+          <p:cNvPr id="317" name="Google Shape;317;ga6a217c1e4_0_578:notes"/>
+          <p:cNvSpPr txBox="1">
+            <a:spLocks noGrp="1"/>
+          </p:cNvSpPr>
+          <p:nvPr>
+            <p:ph type="body" idx="1"/>
+          </p:nvPr>
+        </p:nvSpPr>
+        <p:spPr>
+          <a:xfrm>
+            <a:off x="685800" y="4343400"/>
+            <a:ext cx="5486400" cy="4114800"/>
+          </a:xfrm>
+          <a:prstGeom prst="rect">
+            <a:avLst/>
+          </a:prstGeom>
+        </p:spPr>
+        <p:txBody>
+          <a:bodyPr spcFirstLastPara="1" wrap="square" lIns="91425" tIns="91425" rIns="91425" bIns="91425" anchor="t" anchorCtr="0">
+            <a:noAutofit/>
+          </a:bodyPr>
+          <a:lstStyle/>
+          <a:p>
+            <a:pPr marL="0" lvl="0" indent="0" algn="l" rtl="0">
+              <a:spcBef>
+                <a:spcPts val="0"/>
+              </a:spcBef>
+              <a:spcAft>
+                <a:spcPts val="0"/>
+              </a:spcAft>
+              <a:buNone/>
+            </a:pPr>
+            <a:endParaRPr/>
+          </a:p>
+        </p:txBody>
+      </p:sp>
+    </p:spTree>
+  </p:cSld>
+  <p:clrMapOvr>
+    <a:masterClrMapping/>
+  </p:clrMapOvr>
+</p:notes>
+</file>
+
+<file path=ppt/notesSlides/notesSlide11.xml><?xml version="1.0" encoding="utf-8"?>
+<p:notes xmlns:a="http://schemas.openxmlformats.org/drawingml/2006/main" xmlns:r="http://schemas.openxmlformats.org/officeDocument/2006/relationships" xmlns:p="http://schemas.openxmlformats.org/presentationml/2006/main" showMasterSp="0" showMasterPhAnim="0">
+  <p:cSld>
+    <p:spTree>
+      <p:nvGrpSpPr>
+        <p:cNvPr id="1" name="Shape 321"/>
         <p:cNvGrpSpPr/>
         <p:nvPr/>
       </p:nvGrpSpPr>
@@ -847,7 +975,9 @@
       <p:sp>
         <p:nvSpPr>
           <p:cNvPr id="322" name="Google Shape;322;ga6a217c1e4_0_583:notes"/>
-          <p:cNvSpPr/>
+          <p:cNvSpPr>
+            <a:spLocks noGrp="1" noRot="1" noChangeAspect="1"/>
+          </p:cNvSpPr>
           <p:nvPr>
             <p:ph type="sldImg" idx="2"/>
           </p:nvPr>
@@ -886,7 +1016,9 @@
       <p:sp>
         <p:nvSpPr>
           <p:cNvPr id="323" name="Google Shape;323;ga6a217c1e4_0_583:notes"/>
-          <p:cNvSpPr txBox="1"/>
+          <p:cNvSpPr txBox="1">
+            <a:spLocks noGrp="1"/>
+          </p:cNvSpPr>
           <p:nvPr>
             <p:ph type="body" idx="1"/>
           </p:nvPr>
@@ -915,6 +1047,7 @@
               </a:spcAft>
               <a:buNone/>
             </a:pPr>
+            <a:endParaRPr/>
           </a:p>
         </p:txBody>
       </p:sp>
@@ -926,12 +1059,12 @@
 </p:notes>
 </file>
 
-<file path=ppt/notesSlides/notesSlide11.xml><?xml version="1.0" encoding="utf-8"?>
-<p:notes xmlns:a="http://schemas.openxmlformats.org/drawingml/2006/main" xmlns:r="http://schemas.openxmlformats.org/officeDocument/2006/relationships" xmlns:p="http://schemas.openxmlformats.org/presentationml/2006/main" showMasterPhAnim="0" showMasterSp="0">
+<file path=ppt/notesSlides/notesSlide12.xml><?xml version="1.0" encoding="utf-8"?>
+<p:notes xmlns:a="http://schemas.openxmlformats.org/drawingml/2006/main" xmlns:r="http://schemas.openxmlformats.org/officeDocument/2006/relationships" xmlns:p="http://schemas.openxmlformats.org/presentationml/2006/main" showMasterSp="0" showMasterPhAnim="0">
   <p:cSld>
     <p:spTree>
       <p:nvGrpSpPr>
-        <p:cNvPr id="327" name="Shape 327"/>
+        <p:cNvPr id="1" name="Shape 327"/>
         <p:cNvGrpSpPr/>
         <p:nvPr/>
       </p:nvGrpSpPr>
@@ -946,7 +1079,9 @@
       <p:sp>
         <p:nvSpPr>
           <p:cNvPr id="328" name="Google Shape;328;ga6a217c1e4_0_588:notes"/>
-          <p:cNvSpPr/>
+          <p:cNvSpPr>
+            <a:spLocks noGrp="1" noRot="1" noChangeAspect="1"/>
+          </p:cNvSpPr>
           <p:nvPr>
             <p:ph type="sldImg" idx="2"/>
           </p:nvPr>
@@ -985,7 +1120,9 @@
       <p:sp>
         <p:nvSpPr>
           <p:cNvPr id="329" name="Google Shape;329;ga6a217c1e4_0_588:notes"/>
-          <p:cNvSpPr txBox="1"/>
+          <p:cNvSpPr txBox="1">
+            <a:spLocks noGrp="1"/>
+          </p:cNvSpPr>
           <p:nvPr>
             <p:ph type="body" idx="1"/>
           </p:nvPr>
@@ -1014,6 +1151,7 @@
               </a:spcAft>
               <a:buNone/>
             </a:pPr>
+            <a:endParaRPr/>
           </a:p>
         </p:txBody>
       </p:sp>
@@ -1025,12 +1163,12 @@
 </p:notes>
 </file>
 
-<file path=ppt/notesSlides/notesSlide12.xml><?xml version="1.0" encoding="utf-8"?>
-<p:notes xmlns:a="http://schemas.openxmlformats.org/drawingml/2006/main" xmlns:r="http://schemas.openxmlformats.org/officeDocument/2006/relationships" xmlns:p="http://schemas.openxmlformats.org/presentationml/2006/main" showMasterPhAnim="0" showMasterSp="0">
+<file path=ppt/notesSlides/notesSlide13.xml><?xml version="1.0" encoding="utf-8"?>
+<p:notes xmlns:a="http://schemas.openxmlformats.org/drawingml/2006/main" xmlns:r="http://schemas.openxmlformats.org/officeDocument/2006/relationships" xmlns:p="http://schemas.openxmlformats.org/presentationml/2006/main" showMasterSp="0" showMasterPhAnim="0">
   <p:cSld>
     <p:spTree>
       <p:nvGrpSpPr>
-        <p:cNvPr id="339" name="Shape 339"/>
+        <p:cNvPr id="1" name="Shape 339"/>
         <p:cNvGrpSpPr/>
         <p:nvPr/>
       </p:nvGrpSpPr>
@@ -1045,7 +1183,9 @@
       <p:sp>
         <p:nvSpPr>
           <p:cNvPr id="340" name="Google Shape;340;ga6a217c1e4_0_598:notes"/>
-          <p:cNvSpPr/>
+          <p:cNvSpPr>
+            <a:spLocks noGrp="1" noRot="1" noChangeAspect="1"/>
+          </p:cNvSpPr>
           <p:nvPr>
             <p:ph type="sldImg" idx="2"/>
           </p:nvPr>
@@ -1084,7 +1224,9 @@
       <p:sp>
         <p:nvSpPr>
           <p:cNvPr id="341" name="Google Shape;341;ga6a217c1e4_0_598:notes"/>
-          <p:cNvSpPr txBox="1"/>
+          <p:cNvSpPr txBox="1">
+            <a:spLocks noGrp="1"/>
+          </p:cNvSpPr>
           <p:nvPr>
             <p:ph type="body" idx="1"/>
           </p:nvPr>
@@ -1113,6 +1255,7 @@
               </a:spcAft>
               <a:buNone/>
             </a:pPr>
+            <a:endParaRPr/>
           </a:p>
         </p:txBody>
       </p:sp>
@@ -1124,12 +1267,12 @@
 </p:notes>
 </file>
 
-<file path=ppt/notesSlides/notesSlide13.xml><?xml version="1.0" encoding="utf-8"?>
-<p:notes xmlns:a="http://schemas.openxmlformats.org/drawingml/2006/main" xmlns:r="http://schemas.openxmlformats.org/officeDocument/2006/relationships" xmlns:p="http://schemas.openxmlformats.org/presentationml/2006/main" showMasterPhAnim="0" showMasterSp="0">
+<file path=ppt/notesSlides/notesSlide14.xml><?xml version="1.0" encoding="utf-8"?>
+<p:notes xmlns:a="http://schemas.openxmlformats.org/drawingml/2006/main" xmlns:r="http://schemas.openxmlformats.org/officeDocument/2006/relationships" xmlns:p="http://schemas.openxmlformats.org/presentationml/2006/main" showMasterSp="0" showMasterPhAnim="0">
   <p:cSld>
     <p:spTree>
       <p:nvGrpSpPr>
-        <p:cNvPr id="345" name="Shape 345"/>
+        <p:cNvPr id="1" name="Shape 345"/>
         <p:cNvGrpSpPr/>
         <p:nvPr/>
       </p:nvGrpSpPr>
@@ -1144,7 +1287,9 @@
       <p:sp>
         <p:nvSpPr>
           <p:cNvPr id="346" name="Google Shape;346;ga6a217c1e4_0_603:notes"/>
-          <p:cNvSpPr/>
+          <p:cNvSpPr>
+            <a:spLocks noGrp="1" noRot="1" noChangeAspect="1"/>
+          </p:cNvSpPr>
           <p:nvPr>
             <p:ph type="sldImg" idx="2"/>
           </p:nvPr>
@@ -1183,7 +1328,9 @@
       <p:sp>
         <p:nvSpPr>
           <p:cNvPr id="347" name="Google Shape;347;ga6a217c1e4_0_603:notes"/>
-          <p:cNvSpPr txBox="1"/>
+          <p:cNvSpPr txBox="1">
+            <a:spLocks noGrp="1"/>
+          </p:cNvSpPr>
           <p:nvPr>
             <p:ph type="body" idx="1"/>
           </p:nvPr>
@@ -1212,6 +1359,7 @@
               </a:spcAft>
               <a:buNone/>
             </a:pPr>
+            <a:endParaRPr/>
           </a:p>
         </p:txBody>
       </p:sp>
@@ -1223,12 +1371,12 @@
 </p:notes>
 </file>
 
-<file path=ppt/notesSlides/notesSlide14.xml><?xml version="1.0" encoding="utf-8"?>
-<p:notes xmlns:a="http://schemas.openxmlformats.org/drawingml/2006/main" xmlns:r="http://schemas.openxmlformats.org/officeDocument/2006/relationships" xmlns:p="http://schemas.openxmlformats.org/presentationml/2006/main" showMasterPhAnim="0" showMasterSp="0">
+<file path=ppt/notesSlides/notesSlide15.xml><?xml version="1.0" encoding="utf-8"?>
+<p:notes xmlns:a="http://schemas.openxmlformats.org/drawingml/2006/main" xmlns:r="http://schemas.openxmlformats.org/officeDocument/2006/relationships" xmlns:p="http://schemas.openxmlformats.org/presentationml/2006/main" showMasterSp="0" showMasterPhAnim="0">
   <p:cSld>
     <p:spTree>
       <p:nvGrpSpPr>
-        <p:cNvPr id="351" name="Shape 351"/>
+        <p:cNvPr id="1" name="Shape 351"/>
         <p:cNvGrpSpPr/>
         <p:nvPr/>
       </p:nvGrpSpPr>
@@ -1243,7 +1391,9 @@
       <p:sp>
         <p:nvSpPr>
           <p:cNvPr id="352" name="Google Shape;352;ga6a217c1e4_0_608:notes"/>
-          <p:cNvSpPr/>
+          <p:cNvSpPr>
+            <a:spLocks noGrp="1" noRot="1" noChangeAspect="1"/>
+          </p:cNvSpPr>
           <p:nvPr>
             <p:ph type="sldImg" idx="2"/>
           </p:nvPr>
@@ -1282,7 +1432,9 @@
       <p:sp>
         <p:nvSpPr>
           <p:cNvPr id="353" name="Google Shape;353;ga6a217c1e4_0_608:notes"/>
-          <p:cNvSpPr txBox="1"/>
+          <p:cNvSpPr txBox="1">
+            <a:spLocks noGrp="1"/>
+          </p:cNvSpPr>
           <p:nvPr>
             <p:ph type="body" idx="1"/>
           </p:nvPr>
@@ -1311,6 +1463,7 @@
               </a:spcAft>
               <a:buNone/>
             </a:pPr>
+            <a:endParaRPr/>
           </a:p>
         </p:txBody>
       </p:sp>
@@ -1322,12 +1475,12 @@
 </p:notes>
 </file>
 
-<file path=ppt/notesSlides/notesSlide15.xml><?xml version="1.0" encoding="utf-8"?>
-<p:notes xmlns:a="http://schemas.openxmlformats.org/drawingml/2006/main" xmlns:r="http://schemas.openxmlformats.org/officeDocument/2006/relationships" xmlns:p="http://schemas.openxmlformats.org/presentationml/2006/main" showMasterPhAnim="0" showMasterSp="0">
+<file path=ppt/notesSlides/notesSlide16.xml><?xml version="1.0" encoding="utf-8"?>
+<p:notes xmlns:a="http://schemas.openxmlformats.org/drawingml/2006/main" xmlns:r="http://schemas.openxmlformats.org/officeDocument/2006/relationships" xmlns:p="http://schemas.openxmlformats.org/presentationml/2006/main" showMasterSp="0" showMasterPhAnim="0">
   <p:cSld>
     <p:spTree>
       <p:nvGrpSpPr>
-        <p:cNvPr id="357" name="Shape 357"/>
+        <p:cNvPr id="1" name="Shape 357"/>
         <p:cNvGrpSpPr/>
         <p:nvPr/>
       </p:nvGrpSpPr>
@@ -1342,7 +1495,9 @@
       <p:sp>
         <p:nvSpPr>
           <p:cNvPr id="358" name="Google Shape;358;ga6a217c1e4_0_245:notes"/>
-          <p:cNvSpPr/>
+          <p:cNvSpPr>
+            <a:spLocks noGrp="1" noRot="1" noChangeAspect="1"/>
+          </p:cNvSpPr>
           <p:nvPr>
             <p:ph type="sldImg" idx="2"/>
           </p:nvPr>
@@ -1381,7 +1536,9 @@
       <p:sp>
         <p:nvSpPr>
           <p:cNvPr id="359" name="Google Shape;359;ga6a217c1e4_0_245:notes"/>
-          <p:cNvSpPr txBox="1"/>
+          <p:cNvSpPr txBox="1">
+            <a:spLocks noGrp="1"/>
+          </p:cNvSpPr>
           <p:nvPr>
             <p:ph type="body" idx="1"/>
           </p:nvPr>
@@ -1410,6 +1567,7 @@
               </a:spcAft>
               <a:buNone/>
             </a:pPr>
+            <a:endParaRPr/>
           </a:p>
         </p:txBody>
       </p:sp>
@@ -1421,12 +1579,12 @@
 </p:notes>
 </file>
 
-<file path=ppt/notesSlides/notesSlide16.xml><?xml version="1.0" encoding="utf-8"?>
-<p:notes xmlns:a="http://schemas.openxmlformats.org/drawingml/2006/main" xmlns:r="http://schemas.openxmlformats.org/officeDocument/2006/relationships" xmlns:p="http://schemas.openxmlformats.org/presentationml/2006/main" showMasterPhAnim="0" showMasterSp="0">
+<file path=ppt/notesSlides/notesSlide17.xml><?xml version="1.0" encoding="utf-8"?>
+<p:notes xmlns:a="http://schemas.openxmlformats.org/drawingml/2006/main" xmlns:r="http://schemas.openxmlformats.org/officeDocument/2006/relationships" xmlns:p="http://schemas.openxmlformats.org/presentationml/2006/main" showMasterSp="0" showMasterPhAnim="0">
   <p:cSld>
     <p:spTree>
       <p:nvGrpSpPr>
-        <p:cNvPr id="363" name="Shape 363"/>
+        <p:cNvPr id="1" name="Shape 363"/>
         <p:cNvGrpSpPr/>
         <p:nvPr/>
       </p:nvGrpSpPr>
@@ -1441,7 +1599,9 @@
       <p:sp>
         <p:nvSpPr>
           <p:cNvPr id="364" name="Google Shape;364;ga6a217c1e4_0_250:notes"/>
-          <p:cNvSpPr/>
+          <p:cNvSpPr>
+            <a:spLocks noGrp="1" noRot="1" noChangeAspect="1"/>
+          </p:cNvSpPr>
           <p:nvPr>
             <p:ph type="sldImg" idx="2"/>
           </p:nvPr>
@@ -1480,7 +1640,9 @@
       <p:sp>
         <p:nvSpPr>
           <p:cNvPr id="365" name="Google Shape;365;ga6a217c1e4_0_250:notes"/>
-          <p:cNvSpPr txBox="1"/>
+          <p:cNvSpPr txBox="1">
+            <a:spLocks noGrp="1"/>
+          </p:cNvSpPr>
           <p:nvPr>
             <p:ph type="body" idx="1"/>
           </p:nvPr>
@@ -1509,6 +1671,7 @@
               </a:spcAft>
               <a:buNone/>
             </a:pPr>
+            <a:endParaRPr/>
           </a:p>
         </p:txBody>
       </p:sp>
@@ -1520,12 +1683,12 @@
 </p:notes>
 </file>
 
-<file path=ppt/notesSlides/notesSlide17.xml><?xml version="1.0" encoding="utf-8"?>
-<p:notes xmlns:a="http://schemas.openxmlformats.org/drawingml/2006/main" xmlns:r="http://schemas.openxmlformats.org/officeDocument/2006/relationships" xmlns:p="http://schemas.openxmlformats.org/presentationml/2006/main" showMasterPhAnim="0" showMasterSp="0">
+<file path=ppt/notesSlides/notesSlide18.xml><?xml version="1.0" encoding="utf-8"?>
+<p:notes xmlns:a="http://schemas.openxmlformats.org/drawingml/2006/main" xmlns:r="http://schemas.openxmlformats.org/officeDocument/2006/relationships" xmlns:p="http://schemas.openxmlformats.org/presentationml/2006/main" showMasterSp="0" showMasterPhAnim="0">
   <p:cSld>
     <p:spTree>
       <p:nvGrpSpPr>
-        <p:cNvPr id="369" name="Shape 369"/>
+        <p:cNvPr id="1" name="Shape 369"/>
         <p:cNvGrpSpPr/>
         <p:nvPr/>
       </p:nvGrpSpPr>
@@ -1540,7 +1703,9 @@
       <p:sp>
         <p:nvSpPr>
           <p:cNvPr id="370" name="Google Shape;370;ga6a217c1e4_0_255:notes"/>
-          <p:cNvSpPr/>
+          <p:cNvSpPr>
+            <a:spLocks noGrp="1" noRot="1" noChangeAspect="1"/>
+          </p:cNvSpPr>
           <p:nvPr>
             <p:ph type="sldImg" idx="2"/>
           </p:nvPr>
@@ -1579,7 +1744,9 @@
       <p:sp>
         <p:nvSpPr>
           <p:cNvPr id="371" name="Google Shape;371;ga6a217c1e4_0_255:notes"/>
-          <p:cNvSpPr txBox="1"/>
+          <p:cNvSpPr txBox="1">
+            <a:spLocks noGrp="1"/>
+          </p:cNvSpPr>
           <p:nvPr>
             <p:ph type="body" idx="1"/>
           </p:nvPr>
@@ -1608,6 +1775,7 @@
               </a:spcAft>
               <a:buNone/>
             </a:pPr>
+            <a:endParaRPr/>
           </a:p>
         </p:txBody>
       </p:sp>
@@ -1619,12 +1787,12 @@
 </p:notes>
 </file>
 
-<file path=ppt/notesSlides/notesSlide18.xml><?xml version="1.0" encoding="utf-8"?>
-<p:notes xmlns:a="http://schemas.openxmlformats.org/drawingml/2006/main" xmlns:r="http://schemas.openxmlformats.org/officeDocument/2006/relationships" xmlns:p="http://schemas.openxmlformats.org/presentationml/2006/main" showMasterPhAnim="0" showMasterSp="0">
+<file path=ppt/notesSlides/notesSlide19.xml><?xml version="1.0" encoding="utf-8"?>
+<p:notes xmlns:a="http://schemas.openxmlformats.org/drawingml/2006/main" xmlns:r="http://schemas.openxmlformats.org/officeDocument/2006/relationships" xmlns:p="http://schemas.openxmlformats.org/presentationml/2006/main" showMasterSp="0" showMasterPhAnim="0">
   <p:cSld>
     <p:spTree>
       <p:nvGrpSpPr>
-        <p:cNvPr id="375" name="Shape 375"/>
+        <p:cNvPr id="1" name="Shape 375"/>
         <p:cNvGrpSpPr/>
         <p:nvPr/>
       </p:nvGrpSpPr>
@@ -1639,7 +1807,9 @@
       <p:sp>
         <p:nvSpPr>
           <p:cNvPr id="376" name="Google Shape;376;ga6a217c1e4_0_260:notes"/>
-          <p:cNvSpPr/>
+          <p:cNvSpPr>
+            <a:spLocks noGrp="1" noRot="1" noChangeAspect="1"/>
+          </p:cNvSpPr>
           <p:nvPr>
             <p:ph type="sldImg" idx="2"/>
           </p:nvPr>
@@ -1678,7 +1848,9 @@
       <p:sp>
         <p:nvSpPr>
           <p:cNvPr id="377" name="Google Shape;377;ga6a217c1e4_0_260:notes"/>
-          <p:cNvSpPr txBox="1"/>
+          <p:cNvSpPr txBox="1">
+            <a:spLocks noGrp="1"/>
+          </p:cNvSpPr>
           <p:nvPr>
             <p:ph type="body" idx="1"/>
           </p:nvPr>
@@ -1707,6 +1879,7 @@
               </a:spcAft>
               <a:buNone/>
             </a:pPr>
+            <a:endParaRPr/>
           </a:p>
         </p:txBody>
       </p:sp>
@@ -1718,12 +1891,116 @@
 </p:notes>
 </file>
 
-<file path=ppt/notesSlides/notesSlide19.xml><?xml version="1.0" encoding="utf-8"?>
-<p:notes xmlns:a="http://schemas.openxmlformats.org/drawingml/2006/main" xmlns:r="http://schemas.openxmlformats.org/officeDocument/2006/relationships" xmlns:p="http://schemas.openxmlformats.org/presentationml/2006/main" showMasterPhAnim="0" showMasterSp="0">
+<file path=ppt/notesSlides/notesSlide2.xml><?xml version="1.0" encoding="utf-8"?>
+<p:notes xmlns:a="http://schemas.openxmlformats.org/drawingml/2006/main" xmlns:r="http://schemas.openxmlformats.org/officeDocument/2006/relationships" xmlns:p="http://schemas.openxmlformats.org/presentationml/2006/main" showMasterSp="0" showMasterPhAnim="0">
   <p:cSld>
     <p:spTree>
       <p:nvGrpSpPr>
-        <p:cNvPr id="381" name="Shape 381"/>
+        <p:cNvPr id="1" name="Shape 279"/>
+        <p:cNvGrpSpPr/>
+        <p:nvPr/>
+      </p:nvGrpSpPr>
+      <p:grpSpPr>
+        <a:xfrm>
+          <a:off x="0" y="0"/>
+          <a:ext cx="0" cy="0"/>
+          <a:chOff x="0" y="0"/>
+          <a:chExt cx="0" cy="0"/>
+        </a:xfrm>
+      </p:grpSpPr>
+      <p:sp>
+        <p:nvSpPr>
+          <p:cNvPr id="280" name="Google Shape;280;ga6a217c1e4_0_47:notes"/>
+          <p:cNvSpPr>
+            <a:spLocks noGrp="1" noRot="1" noChangeAspect="1"/>
+          </p:cNvSpPr>
+          <p:nvPr>
+            <p:ph type="sldImg" idx="2"/>
+          </p:nvPr>
+        </p:nvSpPr>
+        <p:spPr>
+          <a:xfrm>
+            <a:off x="381300" y="685800"/>
+            <a:ext cx="6096000" cy="3429000"/>
+          </a:xfrm>
+          <a:custGeom>
+            <a:avLst/>
+            <a:gdLst/>
+            <a:ahLst/>
+            <a:cxnLst/>
+            <a:rect l="l" t="t" r="r" b="b"/>
+            <a:pathLst>
+              <a:path w="120000" h="120000" extrusionOk="0">
+                <a:moveTo>
+                  <a:pt x="0" y="0"/>
+                </a:moveTo>
+                <a:lnTo>
+                  <a:pt x="120000" y="0"/>
+                </a:lnTo>
+                <a:lnTo>
+                  <a:pt x="120000" y="120000"/>
+                </a:lnTo>
+                <a:lnTo>
+                  <a:pt x="0" y="120000"/>
+                </a:lnTo>
+                <a:close/>
+              </a:path>
+            </a:pathLst>
+          </a:custGeom>
+        </p:spPr>
+      </p:sp>
+      <p:sp>
+        <p:nvSpPr>
+          <p:cNvPr id="281" name="Google Shape;281;ga6a217c1e4_0_47:notes"/>
+          <p:cNvSpPr txBox="1">
+            <a:spLocks noGrp="1"/>
+          </p:cNvSpPr>
+          <p:nvPr>
+            <p:ph type="body" idx="1"/>
+          </p:nvPr>
+        </p:nvSpPr>
+        <p:spPr>
+          <a:xfrm>
+            <a:off x="685800" y="4343400"/>
+            <a:ext cx="5486400" cy="4114800"/>
+          </a:xfrm>
+          <a:prstGeom prst="rect">
+            <a:avLst/>
+          </a:prstGeom>
+        </p:spPr>
+        <p:txBody>
+          <a:bodyPr spcFirstLastPara="1" wrap="square" lIns="91425" tIns="91425" rIns="91425" bIns="91425" anchor="t" anchorCtr="0">
+            <a:noAutofit/>
+          </a:bodyPr>
+          <a:lstStyle/>
+          <a:p>
+            <a:pPr marL="0" lvl="0" indent="0" algn="l" rtl="0">
+              <a:spcBef>
+                <a:spcPts val="0"/>
+              </a:spcBef>
+              <a:spcAft>
+                <a:spcPts val="0"/>
+              </a:spcAft>
+              <a:buNone/>
+            </a:pPr>
+            <a:endParaRPr/>
+          </a:p>
+        </p:txBody>
+      </p:sp>
+    </p:spTree>
+  </p:cSld>
+  <p:clrMapOvr>
+    <a:masterClrMapping/>
+  </p:clrMapOvr>
+</p:notes>
+</file>
+
+<file path=ppt/notesSlides/notesSlide20.xml><?xml version="1.0" encoding="utf-8"?>
+<p:notes xmlns:a="http://schemas.openxmlformats.org/drawingml/2006/main" xmlns:r="http://schemas.openxmlformats.org/officeDocument/2006/relationships" xmlns:p="http://schemas.openxmlformats.org/presentationml/2006/main" showMasterSp="0" showMasterPhAnim="0">
+  <p:cSld>
+    <p:spTree>
+      <p:nvGrpSpPr>
+        <p:cNvPr id="1" name="Shape 381"/>
         <p:cNvGrpSpPr/>
         <p:nvPr/>
       </p:nvGrpSpPr>
@@ -1738,7 +2015,9 @@
       <p:sp>
         <p:nvSpPr>
           <p:cNvPr id="382" name="Google Shape;382;ga6a217c1e4_0_52:notes"/>
-          <p:cNvSpPr/>
+          <p:cNvSpPr>
+            <a:spLocks noGrp="1" noRot="1" noChangeAspect="1"/>
+          </p:cNvSpPr>
           <p:nvPr>
             <p:ph type="sldImg" idx="2"/>
           </p:nvPr>
@@ -1777,7 +2056,9 @@
       <p:sp>
         <p:nvSpPr>
           <p:cNvPr id="383" name="Google Shape;383;ga6a217c1e4_0_52:notes"/>
-          <p:cNvSpPr txBox="1"/>
+          <p:cNvSpPr txBox="1">
+            <a:spLocks noGrp="1"/>
+          </p:cNvSpPr>
           <p:nvPr>
             <p:ph type="body" idx="1"/>
           </p:nvPr>
@@ -1806,6 +2087,7 @@
               </a:spcAft>
               <a:buNone/>
             </a:pPr>
+            <a:endParaRPr/>
           </a:p>
         </p:txBody>
       </p:sp>
@@ -1817,111 +2099,12 @@
 </p:notes>
 </file>
 
-<file path=ppt/notesSlides/notesSlide2.xml><?xml version="1.0" encoding="utf-8"?>
-<p:notes xmlns:a="http://schemas.openxmlformats.org/drawingml/2006/main" xmlns:r="http://schemas.openxmlformats.org/officeDocument/2006/relationships" xmlns:p="http://schemas.openxmlformats.org/presentationml/2006/main" showMasterPhAnim="0" showMasterSp="0">
+<file path=ppt/notesSlides/notesSlide21.xml><?xml version="1.0" encoding="utf-8"?>
+<p:notes xmlns:a="http://schemas.openxmlformats.org/drawingml/2006/main" xmlns:r="http://schemas.openxmlformats.org/officeDocument/2006/relationships" xmlns:p="http://schemas.openxmlformats.org/presentationml/2006/main" showMasterSp="0" showMasterPhAnim="0">
   <p:cSld>
     <p:spTree>
       <p:nvGrpSpPr>
-        <p:cNvPr id="279" name="Shape 279"/>
-        <p:cNvGrpSpPr/>
-        <p:nvPr/>
-      </p:nvGrpSpPr>
-      <p:grpSpPr>
-        <a:xfrm>
-          <a:off x="0" y="0"/>
-          <a:ext cx="0" cy="0"/>
-          <a:chOff x="0" y="0"/>
-          <a:chExt cx="0" cy="0"/>
-        </a:xfrm>
-      </p:grpSpPr>
-      <p:sp>
-        <p:nvSpPr>
-          <p:cNvPr id="280" name="Google Shape;280;ga6a217c1e4_0_47:notes"/>
-          <p:cNvSpPr/>
-          <p:nvPr>
-            <p:ph type="sldImg" idx="2"/>
-          </p:nvPr>
-        </p:nvSpPr>
-        <p:spPr>
-          <a:xfrm>
-            <a:off x="381300" y="685800"/>
-            <a:ext cx="6096000" cy="3429000"/>
-          </a:xfrm>
-          <a:custGeom>
-            <a:avLst/>
-            <a:gdLst/>
-            <a:ahLst/>
-            <a:cxnLst/>
-            <a:rect l="l" t="t" r="r" b="b"/>
-            <a:pathLst>
-              <a:path w="120000" h="120000" extrusionOk="0">
-                <a:moveTo>
-                  <a:pt x="0" y="0"/>
-                </a:moveTo>
-                <a:lnTo>
-                  <a:pt x="120000" y="0"/>
-                </a:lnTo>
-                <a:lnTo>
-                  <a:pt x="120000" y="120000"/>
-                </a:lnTo>
-                <a:lnTo>
-                  <a:pt x="0" y="120000"/>
-                </a:lnTo>
-                <a:close/>
-              </a:path>
-            </a:pathLst>
-          </a:custGeom>
-        </p:spPr>
-      </p:sp>
-      <p:sp>
-        <p:nvSpPr>
-          <p:cNvPr id="281" name="Google Shape;281;ga6a217c1e4_0_47:notes"/>
-          <p:cNvSpPr txBox="1"/>
-          <p:nvPr>
-            <p:ph type="body" idx="1"/>
-          </p:nvPr>
-        </p:nvSpPr>
-        <p:spPr>
-          <a:xfrm>
-            <a:off x="685800" y="4343400"/>
-            <a:ext cx="5486400" cy="4114800"/>
-          </a:xfrm>
-          <a:prstGeom prst="rect">
-            <a:avLst/>
-          </a:prstGeom>
-        </p:spPr>
-        <p:txBody>
-          <a:bodyPr spcFirstLastPara="1" wrap="square" lIns="91425" tIns="91425" rIns="91425" bIns="91425" anchor="t" anchorCtr="0">
-            <a:noAutofit/>
-          </a:bodyPr>
-          <a:lstStyle/>
-          <a:p>
-            <a:pPr marL="0" lvl="0" indent="0" algn="l" rtl="0">
-              <a:spcBef>
-                <a:spcPts val="0"/>
-              </a:spcBef>
-              <a:spcAft>
-                <a:spcPts val="0"/>
-              </a:spcAft>
-              <a:buNone/>
-            </a:pPr>
-          </a:p>
-        </p:txBody>
-      </p:sp>
-    </p:spTree>
-  </p:cSld>
-  <p:clrMapOvr>
-    <a:masterClrMapping/>
-  </p:clrMapOvr>
-</p:notes>
-</file>
-
-<file path=ppt/notesSlides/notesSlide20.xml><?xml version="1.0" encoding="utf-8"?>
-<p:notes xmlns:a="http://schemas.openxmlformats.org/drawingml/2006/main" xmlns:r="http://schemas.openxmlformats.org/officeDocument/2006/relationships" xmlns:p="http://schemas.openxmlformats.org/presentationml/2006/main" showMasterPhAnim="0" showMasterSp="0">
-  <p:cSld>
-    <p:spTree>
-      <p:nvGrpSpPr>
-        <p:cNvPr id="387" name="Shape 387"/>
+        <p:cNvPr id="1" name="Shape 387"/>
         <p:cNvGrpSpPr/>
         <p:nvPr/>
       </p:nvGrpSpPr>
@@ -1936,7 +2119,9 @@
       <p:sp>
         <p:nvSpPr>
           <p:cNvPr id="388" name="Google Shape;388;ga6a217c1e4_0_57:notes"/>
-          <p:cNvSpPr/>
+          <p:cNvSpPr>
+            <a:spLocks noGrp="1" noRot="1" noChangeAspect="1"/>
+          </p:cNvSpPr>
           <p:nvPr>
             <p:ph type="sldImg" idx="2"/>
           </p:nvPr>
@@ -1975,7 +2160,9 @@
       <p:sp>
         <p:nvSpPr>
           <p:cNvPr id="389" name="Google Shape;389;ga6a217c1e4_0_57:notes"/>
-          <p:cNvSpPr txBox="1"/>
+          <p:cNvSpPr txBox="1">
+            <a:spLocks noGrp="1"/>
+          </p:cNvSpPr>
           <p:nvPr>
             <p:ph type="body" idx="1"/>
           </p:nvPr>
@@ -2004,6 +2191,7 @@
               </a:spcAft>
               <a:buNone/>
             </a:pPr>
+            <a:endParaRPr/>
           </a:p>
         </p:txBody>
       </p:sp>
@@ -2015,12 +2203,12 @@
 </p:notes>
 </file>
 
-<file path=ppt/notesSlides/notesSlide21.xml><?xml version="1.0" encoding="utf-8"?>
-<p:notes xmlns:a="http://schemas.openxmlformats.org/drawingml/2006/main" xmlns:r="http://schemas.openxmlformats.org/officeDocument/2006/relationships" xmlns:p="http://schemas.openxmlformats.org/presentationml/2006/main" showMasterPhAnim="0" showMasterSp="0">
+<file path=ppt/notesSlides/notesSlide22.xml><?xml version="1.0" encoding="utf-8"?>
+<p:notes xmlns:a="http://schemas.openxmlformats.org/drawingml/2006/main" xmlns:r="http://schemas.openxmlformats.org/officeDocument/2006/relationships" xmlns:p="http://schemas.openxmlformats.org/presentationml/2006/main" showMasterSp="0" showMasterPhAnim="0">
   <p:cSld>
     <p:spTree>
       <p:nvGrpSpPr>
-        <p:cNvPr id="393" name="Shape 393"/>
+        <p:cNvPr id="1" name="Shape 393"/>
         <p:cNvGrpSpPr/>
         <p:nvPr/>
       </p:nvGrpSpPr>
@@ -2035,7 +2223,9 @@
       <p:sp>
         <p:nvSpPr>
           <p:cNvPr id="394" name="Google Shape;394;ga6a217c1e4_0_62:notes"/>
-          <p:cNvSpPr/>
+          <p:cNvSpPr>
+            <a:spLocks noGrp="1" noRot="1" noChangeAspect="1"/>
+          </p:cNvSpPr>
           <p:nvPr>
             <p:ph type="sldImg" idx="2"/>
           </p:nvPr>
@@ -2074,7 +2264,9 @@
       <p:sp>
         <p:nvSpPr>
           <p:cNvPr id="395" name="Google Shape;395;ga6a217c1e4_0_62:notes"/>
-          <p:cNvSpPr txBox="1"/>
+          <p:cNvSpPr txBox="1">
+            <a:spLocks noGrp="1"/>
+          </p:cNvSpPr>
           <p:nvPr>
             <p:ph type="body" idx="1"/>
           </p:nvPr>
@@ -2103,6 +2295,7 @@
               </a:spcAft>
               <a:buNone/>
             </a:pPr>
+            <a:endParaRPr/>
           </a:p>
         </p:txBody>
       </p:sp>
@@ -2115,11 +2308,11 @@
 </file>
 
 <file path=ppt/notesSlides/notesSlide3.xml><?xml version="1.0" encoding="utf-8"?>
-<p:notes xmlns:a="http://schemas.openxmlformats.org/drawingml/2006/main" xmlns:r="http://schemas.openxmlformats.org/officeDocument/2006/relationships" xmlns:p="http://schemas.openxmlformats.org/presentationml/2006/main" showMasterPhAnim="0" showMasterSp="0">
+<p:notes xmlns:a="http://schemas.openxmlformats.org/drawingml/2006/main" xmlns:r="http://schemas.openxmlformats.org/officeDocument/2006/relationships" xmlns:p="http://schemas.openxmlformats.org/presentationml/2006/main" showMasterSp="0" showMasterPhAnim="0">
   <p:cSld>
     <p:spTree>
       <p:nvGrpSpPr>
-        <p:cNvPr id="285" name="Shape 285"/>
+        <p:cNvPr id="1" name="Shape 285"/>
         <p:cNvGrpSpPr/>
         <p:nvPr/>
       </p:nvGrpSpPr>
@@ -2134,7 +2327,9 @@
       <p:sp>
         <p:nvSpPr>
           <p:cNvPr id="286" name="Google Shape;286;ga6a217c1e4_0_553:notes"/>
-          <p:cNvSpPr/>
+          <p:cNvSpPr>
+            <a:spLocks noGrp="1" noRot="1" noChangeAspect="1"/>
+          </p:cNvSpPr>
           <p:nvPr>
             <p:ph type="sldImg" idx="2"/>
           </p:nvPr>
@@ -2173,7 +2368,9 @@
       <p:sp>
         <p:nvSpPr>
           <p:cNvPr id="287" name="Google Shape;287;ga6a217c1e4_0_553:notes"/>
-          <p:cNvSpPr txBox="1"/>
+          <p:cNvSpPr txBox="1">
+            <a:spLocks noGrp="1"/>
+          </p:cNvSpPr>
           <p:nvPr>
             <p:ph type="body" idx="1"/>
           </p:nvPr>
@@ -2202,6 +2399,7 @@
               </a:spcAft>
               <a:buNone/>
             </a:pPr>
+            <a:endParaRPr/>
           </a:p>
         </p:txBody>
       </p:sp>
@@ -2214,11 +2412,11 @@
 </file>
 
 <file path=ppt/notesSlides/notesSlide4.xml><?xml version="1.0" encoding="utf-8"?>
-<p:notes xmlns:a="http://schemas.openxmlformats.org/drawingml/2006/main" xmlns:r="http://schemas.openxmlformats.org/officeDocument/2006/relationships" xmlns:p="http://schemas.openxmlformats.org/presentationml/2006/main" showMasterPhAnim="0" showMasterSp="0">
+<p:notes xmlns:a="http://schemas.openxmlformats.org/drawingml/2006/main" xmlns:r="http://schemas.openxmlformats.org/officeDocument/2006/relationships" xmlns:p="http://schemas.openxmlformats.org/presentationml/2006/main" showMasterSp="0" showMasterPhAnim="0">
   <p:cSld>
     <p:spTree>
       <p:nvGrpSpPr>
-        <p:cNvPr id="291" name="Shape 291"/>
+        <p:cNvPr id="1" name="Shape 291"/>
         <p:cNvGrpSpPr/>
         <p:nvPr/>
       </p:nvGrpSpPr>
@@ -2233,7 +2431,9 @@
       <p:sp>
         <p:nvSpPr>
           <p:cNvPr id="292" name="Google Shape;292;ga6a217c1e4_0_558:notes"/>
-          <p:cNvSpPr/>
+          <p:cNvSpPr>
+            <a:spLocks noGrp="1" noRot="1" noChangeAspect="1"/>
+          </p:cNvSpPr>
           <p:nvPr>
             <p:ph type="sldImg" idx="2"/>
           </p:nvPr>
@@ -2272,7 +2472,9 @@
       <p:sp>
         <p:nvSpPr>
           <p:cNvPr id="293" name="Google Shape;293;ga6a217c1e4_0_558:notes"/>
-          <p:cNvSpPr txBox="1"/>
+          <p:cNvSpPr txBox="1">
+            <a:spLocks noGrp="1"/>
+          </p:cNvSpPr>
           <p:nvPr>
             <p:ph type="body" idx="1"/>
           </p:nvPr>
@@ -2301,6 +2503,7 @@
               </a:spcAft>
               <a:buNone/>
             </a:pPr>
+            <a:endParaRPr/>
           </a:p>
         </p:txBody>
       </p:sp>
@@ -2313,11 +2516,11 @@
 </file>
 
 <file path=ppt/notesSlides/notesSlide5.xml><?xml version="1.0" encoding="utf-8"?>
-<p:notes xmlns:a="http://schemas.openxmlformats.org/drawingml/2006/main" xmlns:r="http://schemas.openxmlformats.org/officeDocument/2006/relationships" xmlns:p="http://schemas.openxmlformats.org/presentationml/2006/main" showMasterPhAnim="0" showMasterSp="0">
+<p:notes xmlns:a="http://schemas.openxmlformats.org/drawingml/2006/main" xmlns:r="http://schemas.openxmlformats.org/officeDocument/2006/relationships" xmlns:p="http://schemas.openxmlformats.org/presentationml/2006/main" showMasterSp="0" showMasterPhAnim="0">
   <p:cSld>
     <p:spTree>
       <p:nvGrpSpPr>
-        <p:cNvPr id="297" name="Shape 297"/>
+        <p:cNvPr id="1" name="Shape 297"/>
         <p:cNvGrpSpPr/>
         <p:nvPr/>
       </p:nvGrpSpPr>
@@ -2332,7 +2535,9 @@
       <p:sp>
         <p:nvSpPr>
           <p:cNvPr id="298" name="Google Shape;298;ga6a217c1e4_0_563:notes"/>
-          <p:cNvSpPr/>
+          <p:cNvSpPr>
+            <a:spLocks noGrp="1" noRot="1" noChangeAspect="1"/>
+          </p:cNvSpPr>
           <p:nvPr>
             <p:ph type="sldImg" idx="2"/>
           </p:nvPr>
@@ -2371,7 +2576,9 @@
       <p:sp>
         <p:nvSpPr>
           <p:cNvPr id="299" name="Google Shape;299;ga6a217c1e4_0_563:notes"/>
-          <p:cNvSpPr txBox="1"/>
+          <p:cNvSpPr txBox="1">
+            <a:spLocks noGrp="1"/>
+          </p:cNvSpPr>
           <p:nvPr>
             <p:ph type="body" idx="1"/>
           </p:nvPr>
@@ -2400,6 +2607,7 @@
               </a:spcAft>
               <a:buNone/>
             </a:pPr>
+            <a:endParaRPr/>
           </a:p>
         </p:txBody>
       </p:sp>
@@ -2412,11 +2620,11 @@
 </file>
 
 <file path=ppt/notesSlides/notesSlide6.xml><?xml version="1.0" encoding="utf-8"?>
-<p:notes xmlns:a="http://schemas.openxmlformats.org/drawingml/2006/main" xmlns:r="http://schemas.openxmlformats.org/officeDocument/2006/relationships" xmlns:p="http://schemas.openxmlformats.org/presentationml/2006/main" showMasterPhAnim="0" showMasterSp="0">
+<p:notes xmlns:a="http://schemas.openxmlformats.org/drawingml/2006/main" xmlns:r="http://schemas.openxmlformats.org/officeDocument/2006/relationships" xmlns:p="http://schemas.openxmlformats.org/presentationml/2006/main" showMasterSp="0" showMasterPhAnim="0">
   <p:cSld>
     <p:spTree>
       <p:nvGrpSpPr>
-        <p:cNvPr id="303" name="Shape 303"/>
+        <p:cNvPr id="1" name="Shape 303"/>
         <p:cNvGrpSpPr/>
         <p:nvPr/>
       </p:nvGrpSpPr>
@@ -2431,7 +2639,9 @@
       <p:sp>
         <p:nvSpPr>
           <p:cNvPr id="304" name="Google Shape;304;ga6a217c1e4_0_568:notes"/>
-          <p:cNvSpPr/>
+          <p:cNvSpPr>
+            <a:spLocks noGrp="1" noRot="1" noChangeAspect="1"/>
+          </p:cNvSpPr>
           <p:nvPr>
             <p:ph type="sldImg" idx="2"/>
           </p:nvPr>
@@ -2470,7 +2680,9 @@
       <p:sp>
         <p:nvSpPr>
           <p:cNvPr id="305" name="Google Shape;305;ga6a217c1e4_0_568:notes"/>
-          <p:cNvSpPr txBox="1"/>
+          <p:cNvSpPr txBox="1">
+            <a:spLocks noGrp="1"/>
+          </p:cNvSpPr>
           <p:nvPr>
             <p:ph type="body" idx="1"/>
           </p:nvPr>
@@ -2499,6 +2711,7 @@
               </a:spcAft>
               <a:buNone/>
             </a:pPr>
+            <a:endParaRPr/>
           </a:p>
         </p:txBody>
       </p:sp>
@@ -2511,11 +2724,11 @@
 </file>
 
 <file path=ppt/notesSlides/notesSlide7.xml><?xml version="1.0" encoding="utf-8"?>
-<p:notes xmlns:a="http://schemas.openxmlformats.org/drawingml/2006/main" xmlns:r="http://schemas.openxmlformats.org/officeDocument/2006/relationships" xmlns:p="http://schemas.openxmlformats.org/presentationml/2006/main" showMasterPhAnim="0" showMasterSp="0">
+<p:notes xmlns:a="http://schemas.openxmlformats.org/drawingml/2006/main" xmlns:r="http://schemas.openxmlformats.org/officeDocument/2006/relationships" xmlns:p="http://schemas.openxmlformats.org/presentationml/2006/main" showMasterSp="0" showMasterPhAnim="0">
   <p:cSld>
     <p:spTree>
       <p:nvGrpSpPr>
-        <p:cNvPr id="309" name="Shape 309"/>
+        <p:cNvPr id="1" name="Shape 309"/>
         <p:cNvGrpSpPr/>
         <p:nvPr/>
       </p:nvGrpSpPr>
@@ -2530,7 +2743,9 @@
       <p:sp>
         <p:nvSpPr>
           <p:cNvPr id="310" name="Google Shape;310;ga6a217c1e4_0_573:notes"/>
-          <p:cNvSpPr/>
+          <p:cNvSpPr>
+            <a:spLocks noGrp="1" noRot="1" noChangeAspect="1"/>
+          </p:cNvSpPr>
           <p:nvPr>
             <p:ph type="sldImg" idx="2"/>
           </p:nvPr>
@@ -2569,7 +2784,9 @@
       <p:sp>
         <p:nvSpPr>
           <p:cNvPr id="311" name="Google Shape;311;ga6a217c1e4_0_573:notes"/>
-          <p:cNvSpPr txBox="1"/>
+          <p:cNvSpPr txBox="1">
+            <a:spLocks noGrp="1"/>
+          </p:cNvSpPr>
           <p:nvPr>
             <p:ph type="body" idx="1"/>
           </p:nvPr>
@@ -2598,6 +2815,7 @@
               </a:spcAft>
               <a:buNone/>
             </a:pPr>
+            <a:endParaRPr/>
           </a:p>
         </p:txBody>
       </p:sp>
@@ -2618,18 +2836,30 @@
         <p:cNvGrpSpPr/>
         <p:nvPr/>
       </p:nvGrpSpPr>
-      <p:grpSpPr/>
+      <p:grpSpPr>
+        <a:xfrm>
+          <a:off x="0" y="0"/>
+          <a:ext cx="0" cy="0"/>
+          <a:chOff x="0" y="0"/>
+          <a:chExt cx="0" cy="0"/>
+        </a:xfrm>
+      </p:grpSpPr>
       <p:sp>
         <p:nvSpPr>
           <p:cNvPr id="5121" name="Slide Image Placeholder 1"/>
           <p:cNvSpPr>
-            <a:spLocks noGrp="1" noRot="1"/>
+            <a:spLocks noGrp="1" noRot="1" noChangeAspect="1"/>
           </p:cNvSpPr>
           <p:nvPr>
             <p:ph type="sldImg"/>
           </p:nvPr>
         </p:nvSpPr>
-        <p:spPr/>
+        <p:spPr>
+          <a:xfrm>
+            <a:off x="381000" y="685800"/>
+            <a:ext cx="6096000" cy="3429000"/>
+          </a:xfrm>
+        </p:spPr>
       </p:sp>
       <p:sp>
         <p:nvSpPr>
@@ -2644,6 +2874,7 @@
         <p:spPr/>
         <p:txBody>
           <a:bodyPr lIns="91440" tIns="45720" rIns="91440" bIns="45720" anchor="t"/>
+          <a:lstStyle/>
           <a:p>
             <a:pPr lvl="0"/>
             <a:endParaRPr lang="en-US" altLang="zh-CN"/>
@@ -2675,13 +2906,13 @@
         </p:spPr>
         <p:txBody>
           <a:bodyPr vert="horz" lIns="91440" tIns="45720" rIns="91440" bIns="45720" anchor="b"/>
+          <a:lstStyle/>
           <a:p>
             <a:pPr lvl="0"/>
             <a:r>
               <a:rPr lang="en-US" altLang="zh-CN" sz="1200"/>
               <a:t>Varun Bohara</a:t>
             </a:r>
-            <a:endParaRPr lang="en-US" altLang="zh-CN" sz="1200"/>
           </a:p>
         </p:txBody>
       </p:sp>
@@ -2694,11 +2925,11 @@
 </file>
 
 <file path=ppt/notesSlides/notesSlide9.xml><?xml version="1.0" encoding="utf-8"?>
-<p:notes xmlns:a="http://schemas.openxmlformats.org/drawingml/2006/main" xmlns:r="http://schemas.openxmlformats.org/officeDocument/2006/relationships" xmlns:p="http://schemas.openxmlformats.org/presentationml/2006/main" showMasterPhAnim="0" showMasterSp="0">
+<p:notes xmlns:a="http://schemas.openxmlformats.org/drawingml/2006/main" xmlns:r="http://schemas.openxmlformats.org/officeDocument/2006/relationships" xmlns:p="http://schemas.openxmlformats.org/presentationml/2006/main">
   <p:cSld>
     <p:spTree>
       <p:nvGrpSpPr>
-        <p:cNvPr id="315" name="Shape 315"/>
+        <p:cNvPr id="1" name=""/>
         <p:cNvGrpSpPr/>
         <p:nvPr/>
       </p:nvGrpSpPr>
@@ -2712,79 +2943,46 @@
       </p:grpSpPr>
       <p:sp>
         <p:nvSpPr>
-          <p:cNvPr id="316" name="Google Shape;316;ga6a217c1e4_0_578:notes"/>
-          <p:cNvSpPr/>
+          <p:cNvPr id="2" name="Slide Image Placeholder 1"/>
+          <p:cNvSpPr>
+            <a:spLocks noGrp="1" noRot="1" noChangeAspect="1"/>
+          </p:cNvSpPr>
           <p:nvPr>
-            <p:ph type="sldImg" idx="2"/>
+            <p:ph type="sldImg"/>
           </p:nvPr>
         </p:nvSpPr>
         <p:spPr>
           <a:xfrm>
-            <a:off x="381300" y="685800"/>
+            <a:off x="381000" y="685800"/>
             <a:ext cx="6096000" cy="3429000"/>
           </a:xfrm>
-          <a:custGeom>
-            <a:avLst/>
-            <a:gdLst/>
-            <a:ahLst/>
-            <a:cxnLst/>
-            <a:rect l="l" t="t" r="r" b="b"/>
-            <a:pathLst>
-              <a:path w="120000" h="120000" extrusionOk="0">
-                <a:moveTo>
-                  <a:pt x="0" y="0"/>
-                </a:moveTo>
-                <a:lnTo>
-                  <a:pt x="120000" y="0"/>
-                </a:lnTo>
-                <a:lnTo>
-                  <a:pt x="120000" y="120000"/>
-                </a:lnTo>
-                <a:lnTo>
-                  <a:pt x="0" y="120000"/>
-                </a:lnTo>
-                <a:close/>
-              </a:path>
-            </a:pathLst>
-          </a:custGeom>
         </p:spPr>
       </p:sp>
       <p:sp>
         <p:nvSpPr>
-          <p:cNvPr id="317" name="Google Shape;317;ga6a217c1e4_0_578:notes"/>
-          <p:cNvSpPr txBox="1"/>
+          <p:cNvPr id="3" name="Notes Placeholder 2"/>
+          <p:cNvSpPr>
+            <a:spLocks noGrp="1"/>
+          </p:cNvSpPr>
           <p:nvPr>
             <p:ph type="body" idx="1"/>
           </p:nvPr>
         </p:nvSpPr>
-        <p:spPr>
-          <a:xfrm>
-            <a:off x="685800" y="4343400"/>
-            <a:ext cx="5486400" cy="4114800"/>
-          </a:xfrm>
-          <a:prstGeom prst="rect">
-            <a:avLst/>
-          </a:prstGeom>
-        </p:spPr>
+        <p:spPr/>
         <p:txBody>
-          <a:bodyPr spcFirstLastPara="1" wrap="square" lIns="91425" tIns="91425" rIns="91425" bIns="91425" anchor="t" anchorCtr="0">
-            <a:noAutofit/>
-          </a:bodyPr>
+          <a:bodyPr/>
           <a:lstStyle/>
           <a:p>
-            <a:pPr marL="0" lvl="0" indent="0" algn="l" rtl="0">
-              <a:spcBef>
-                <a:spcPts val="0"/>
-              </a:spcBef>
-              <a:spcAft>
-                <a:spcPts val="0"/>
-              </a:spcAft>
-              <a:buNone/>
-            </a:pPr>
+            <a:endParaRPr lang="en-IN" dirty="0"/>
           </a:p>
         </p:txBody>
       </p:sp>
     </p:spTree>
+    <p:extLst>
+      <p:ext uri="{BB962C8B-B14F-4D97-AF65-F5344CB8AC3E}">
+        <p14:creationId xmlns:p14="http://schemas.microsoft.com/office/powerpoint/2010/main" val="2773821672"/>
+      </p:ext>
+    </p:extLst>
   </p:cSld>
   <p:clrMapOvr>
     <a:masterClrMapping/>
@@ -2793,7 +2991,7 @@
 </file>
 
 <file path=ppt/slideLayouts/slideLayout1.xml><?xml version="1.0" encoding="utf-8"?>
-<p:sldLayout xmlns:a="http://schemas.openxmlformats.org/drawingml/2006/main" xmlns:r="http://schemas.openxmlformats.org/officeDocument/2006/relationships" xmlns:p="http://schemas.openxmlformats.org/presentationml/2006/main" type="title" matchingName="Title slide">
+<p:sldLayout xmlns:a="http://schemas.openxmlformats.org/drawingml/2006/main" xmlns:r="http://schemas.openxmlformats.org/officeDocument/2006/relationships" xmlns:p="http://schemas.openxmlformats.org/presentationml/2006/main" matchingName="Title slide" type="title">
   <p:cSld name="TITLE">
     <p:bg>
       <p:bgPr>
@@ -2805,7 +3003,7 @@
     </p:bg>
     <p:spTree>
       <p:nvGrpSpPr>
-        <p:cNvPr id="9" name="Shape 9"/>
+        <p:cNvPr id="1" name="Shape 9"/>
         <p:cNvGrpSpPr/>
         <p:nvPr/>
       </p:nvGrpSpPr>
@@ -2886,6 +3084,7 @@
                   </a:spcAft>
                   <a:buNone/>
                 </a:pPr>
+                <a:endParaRPr/>
               </a:p>
             </p:txBody>
           </p:sp>
@@ -2930,6 +3129,7 @@
                   </a:spcAft>
                   <a:buNone/>
                 </a:pPr>
+                <a:endParaRPr/>
               </a:p>
             </p:txBody>
           </p:sp>
@@ -2989,6 +3189,7 @@
                   </a:spcAft>
                   <a:buNone/>
                 </a:pPr>
+                <a:endParaRPr/>
               </a:p>
             </p:txBody>
           </p:sp>
@@ -3033,6 +3234,7 @@
                   </a:spcAft>
                   <a:buNone/>
                 </a:pPr>
+                <a:endParaRPr/>
               </a:p>
             </p:txBody>
           </p:sp>
@@ -3077,6 +3279,7 @@
                   </a:spcAft>
                   <a:buNone/>
                 </a:pPr>
+                <a:endParaRPr/>
               </a:p>
             </p:txBody>
           </p:sp>
@@ -3136,6 +3339,7 @@
                   </a:spcAft>
                   <a:buNone/>
                 </a:pPr>
+                <a:endParaRPr/>
               </a:p>
             </p:txBody>
           </p:sp>
@@ -3180,6 +3384,7 @@
                   </a:spcAft>
                   <a:buNone/>
                 </a:pPr>
+                <a:endParaRPr/>
               </a:p>
             </p:txBody>
           </p:sp>
@@ -3224,6 +3429,7 @@
                   </a:spcAft>
                   <a:buNone/>
                 </a:pPr>
+                <a:endParaRPr/>
               </a:p>
             </p:txBody>
           </p:sp>
@@ -3268,6 +3474,7 @@
                   </a:spcAft>
                   <a:buNone/>
                 </a:pPr>
+                <a:endParaRPr/>
               </a:p>
             </p:txBody>
           </p:sp>
@@ -3327,6 +3534,7 @@
                   </a:spcAft>
                   <a:buNone/>
                 </a:pPr>
+                <a:endParaRPr/>
               </a:p>
             </p:txBody>
           </p:sp>
@@ -3371,6 +3579,7 @@
                   </a:spcAft>
                   <a:buNone/>
                 </a:pPr>
+                <a:endParaRPr/>
               </a:p>
             </p:txBody>
           </p:sp>
@@ -3415,6 +3624,7 @@
                   </a:spcAft>
                   <a:buNone/>
                 </a:pPr>
+                <a:endParaRPr/>
               </a:p>
             </p:txBody>
           </p:sp>
@@ -3459,6 +3669,7 @@
                   </a:spcAft>
                   <a:buNone/>
                 </a:pPr>
+                <a:endParaRPr/>
               </a:p>
             </p:txBody>
           </p:sp>
@@ -3503,6 +3714,7 @@
                   </a:spcAft>
                   <a:buNone/>
                 </a:pPr>
+                <a:endParaRPr/>
               </a:p>
             </p:txBody>
           </p:sp>
@@ -3560,6 +3772,7 @@
                 </a:spcAft>
                 <a:buNone/>
               </a:pPr>
+              <a:endParaRPr/>
             </a:p>
           </p:txBody>
         </p:sp>
@@ -3601,6 +3814,7 @@
                 </a:spcAft>
                 <a:buNone/>
               </a:pPr>
+              <a:endParaRPr/>
             </a:p>
           </p:txBody>
         </p:sp>
@@ -3656,6 +3870,7 @@
                   </a:spcAft>
                   <a:buNone/>
                 </a:pPr>
+                <a:endParaRPr/>
               </a:p>
             </p:txBody>
           </p:sp>
@@ -3700,6 +3915,7 @@
                   </a:spcAft>
                   <a:buNone/>
                 </a:pPr>
+                <a:endParaRPr/>
               </a:p>
             </p:txBody>
           </p:sp>
@@ -3741,6 +3957,7 @@
                   </a:spcAft>
                   <a:buNone/>
                 </a:pPr>
+                <a:endParaRPr/>
               </a:p>
             </p:txBody>
           </p:sp>
@@ -3786,6 +4003,7 @@
                 </a:spcAft>
                 <a:buNone/>
               </a:pPr>
+              <a:endParaRPr/>
             </a:p>
           </p:txBody>
         </p:sp>
@@ -3841,6 +4059,7 @@
                   </a:spcAft>
                   <a:buNone/>
                 </a:pPr>
+                <a:endParaRPr/>
               </a:p>
             </p:txBody>
           </p:sp>
@@ -3885,6 +4104,7 @@
                   </a:spcAft>
                   <a:buNone/>
                 </a:pPr>
+                <a:endParaRPr/>
               </a:p>
             </p:txBody>
           </p:sp>
@@ -3927,6 +4147,7 @@
                 </a:spcAft>
                 <a:buNone/>
               </a:pPr>
+              <a:endParaRPr/>
             </a:p>
           </p:txBody>
         </p:sp>
@@ -3968,6 +4189,7 @@
                 </a:spcAft>
                 <a:buNone/>
               </a:pPr>
+              <a:endParaRPr/>
             </a:p>
           </p:txBody>
         </p:sp>
@@ -4012,6 +4234,7 @@
                 </a:spcAft>
                 <a:buNone/>
               </a:pPr>
+              <a:endParaRPr/>
             </a:p>
           </p:txBody>
         </p:sp>
@@ -4051,6 +4274,7 @@
                 </a:spcAft>
                 <a:buNone/>
               </a:pPr>
+              <a:endParaRPr/>
             </a:p>
           </p:txBody>
         </p:sp>
@@ -4095,6 +4319,7 @@
                 </a:spcAft>
                 <a:buNone/>
               </a:pPr>
+              <a:endParaRPr/>
             </a:p>
           </p:txBody>
         </p:sp>
@@ -4139,6 +4364,7 @@
                 </a:spcAft>
                 <a:buNone/>
               </a:pPr>
+              <a:endParaRPr/>
             </a:p>
           </p:txBody>
         </p:sp>
@@ -4146,7 +4372,9 @@
       <p:sp>
         <p:nvSpPr>
           <p:cNvPr id="46" name="Google Shape;46;p2"/>
-          <p:cNvSpPr txBox="1"/>
+          <p:cNvSpPr txBox="1">
+            <a:spLocks noGrp="1"/>
+          </p:cNvSpPr>
           <p:nvPr>
             <p:ph type="ctrTitle"/>
           </p:nvPr>
@@ -4328,13 +4556,17 @@
               </a:defRPr>
             </a:lvl9pPr>
           </a:lstStyle>
-          <a:p/>
+          <a:p>
+            <a:endParaRPr/>
+          </a:p>
         </p:txBody>
       </p:sp>
       <p:sp>
         <p:nvSpPr>
           <p:cNvPr id="47" name="Google Shape;47;p2"/>
-          <p:cNvSpPr txBox="1"/>
+          <p:cNvSpPr txBox="1">
+            <a:spLocks noGrp="1"/>
+          </p:cNvSpPr>
           <p:nvPr>
             <p:ph type="subTitle" idx="1"/>
           </p:nvPr>
@@ -4543,13 +4775,17 @@
               </a:defRPr>
             </a:lvl9pPr>
           </a:lstStyle>
-          <a:p/>
+          <a:p>
+            <a:endParaRPr/>
+          </a:p>
         </p:txBody>
       </p:sp>
       <p:sp>
         <p:nvSpPr>
           <p:cNvPr id="48" name="Google Shape;48;p2"/>
-          <p:cNvSpPr txBox="1"/>
+          <p:cNvSpPr txBox="1">
+            <a:spLocks noGrp="1"/>
+          </p:cNvSpPr>
           <p:nvPr>
             <p:ph type="sldNum" idx="12"/>
           </p:nvPr>
@@ -4653,6 +4889,7 @@
             </a:pPr>
             <a:fld id="{00000000-1234-1234-1234-123412341234}" type="slidenum">
               <a:rPr lang="en-GB"/>
+              <a:t>‹#›</a:t>
             </a:fld>
             <a:endParaRPr lang="en-GB"/>
           </a:p>
@@ -4679,7 +4916,7 @@
     </p:bg>
     <p:spTree>
       <p:nvGrpSpPr>
-        <p:cNvPr id="141" name="Shape 141"/>
+        <p:cNvPr id="1" name="Shape 141"/>
         <p:cNvGrpSpPr/>
         <p:nvPr/>
       </p:nvGrpSpPr>
@@ -4760,6 +4997,7 @@
                   </a:spcAft>
                   <a:buNone/>
                 </a:pPr>
+                <a:endParaRPr/>
               </a:p>
             </p:txBody>
           </p:sp>
@@ -4804,6 +5042,7 @@
                   </a:spcAft>
                   <a:buNone/>
                 </a:pPr>
+                <a:endParaRPr/>
               </a:p>
             </p:txBody>
           </p:sp>
@@ -4848,6 +5087,7 @@
                   </a:spcAft>
                   <a:buNone/>
                 </a:pPr>
+                <a:endParaRPr/>
               </a:p>
             </p:txBody>
           </p:sp>
@@ -4892,6 +5132,7 @@
                   </a:spcAft>
                   <a:buNone/>
                 </a:pPr>
+                <a:endParaRPr/>
               </a:p>
             </p:txBody>
           </p:sp>
@@ -4951,6 +5192,7 @@
                   </a:spcAft>
                   <a:buNone/>
                 </a:pPr>
+                <a:endParaRPr/>
               </a:p>
             </p:txBody>
           </p:sp>
@@ -4995,6 +5237,7 @@
                   </a:spcAft>
                   <a:buNone/>
                 </a:pPr>
+                <a:endParaRPr/>
               </a:p>
             </p:txBody>
           </p:sp>
@@ -5039,6 +5282,7 @@
                   </a:spcAft>
                   <a:buNone/>
                 </a:pPr>
+                <a:endParaRPr/>
               </a:p>
             </p:txBody>
           </p:sp>
@@ -5083,6 +5327,7 @@
                   </a:spcAft>
                   <a:buNone/>
                 </a:pPr>
+                <a:endParaRPr/>
               </a:p>
             </p:txBody>
           </p:sp>
@@ -5127,6 +5372,7 @@
                   </a:spcAft>
                   <a:buNone/>
                 </a:pPr>
+                <a:endParaRPr/>
               </a:p>
             </p:txBody>
           </p:sp>
@@ -5186,6 +5432,7 @@
                   </a:spcAft>
                   <a:buNone/>
                 </a:pPr>
+                <a:endParaRPr/>
               </a:p>
             </p:txBody>
           </p:sp>
@@ -5230,6 +5477,7 @@
                   </a:spcAft>
                   <a:buNone/>
                 </a:pPr>
+                <a:endParaRPr/>
               </a:p>
             </p:txBody>
           </p:sp>
@@ -5274,6 +5522,7 @@
                   </a:spcAft>
                   <a:buNone/>
                 </a:pPr>
+                <a:endParaRPr/>
               </a:p>
             </p:txBody>
           </p:sp>
@@ -5318,6 +5567,7 @@
                   </a:spcAft>
                   <a:buNone/>
                 </a:pPr>
+                <a:endParaRPr/>
               </a:p>
             </p:txBody>
           </p:sp>
@@ -5377,6 +5627,7 @@
                   </a:spcAft>
                   <a:buNone/>
                 </a:pPr>
+                <a:endParaRPr/>
               </a:p>
             </p:txBody>
           </p:sp>
@@ -5421,6 +5672,7 @@
                   </a:spcAft>
                   <a:buNone/>
                 </a:pPr>
+                <a:endParaRPr/>
               </a:p>
             </p:txBody>
           </p:sp>
@@ -5465,6 +5717,7 @@
                   </a:spcAft>
                   <a:buNone/>
                 </a:pPr>
+                <a:endParaRPr/>
               </a:p>
             </p:txBody>
           </p:sp>
@@ -5524,6 +5777,7 @@
                   </a:spcAft>
                   <a:buNone/>
                 </a:pPr>
+                <a:endParaRPr/>
               </a:p>
             </p:txBody>
           </p:sp>
@@ -5568,6 +5822,7 @@
                   </a:spcAft>
                   <a:buNone/>
                 </a:pPr>
+                <a:endParaRPr/>
               </a:p>
             </p:txBody>
           </p:sp>
@@ -5612,6 +5867,7 @@
                   </a:spcAft>
                   <a:buNone/>
                 </a:pPr>
+                <a:endParaRPr/>
               </a:p>
             </p:txBody>
           </p:sp>
@@ -5656,6 +5912,7 @@
                   </a:spcAft>
                   <a:buNone/>
                 </a:pPr>
+                <a:endParaRPr/>
               </a:p>
             </p:txBody>
           </p:sp>
@@ -5700,6 +5957,7 @@
                   </a:spcAft>
                   <a:buNone/>
                 </a:pPr>
+                <a:endParaRPr/>
               </a:p>
             </p:txBody>
           </p:sp>
@@ -5759,6 +6017,7 @@
                   </a:spcAft>
                   <a:buNone/>
                 </a:pPr>
+                <a:endParaRPr/>
               </a:p>
             </p:txBody>
           </p:sp>
@@ -5803,6 +6062,7 @@
                   </a:spcAft>
                   <a:buNone/>
                 </a:pPr>
+                <a:endParaRPr/>
               </a:p>
             </p:txBody>
           </p:sp>
@@ -5847,6 +6107,7 @@
                   </a:spcAft>
                   <a:buNone/>
                 </a:pPr>
+                <a:endParaRPr/>
               </a:p>
             </p:txBody>
           </p:sp>
@@ -5891,6 +6152,7 @@
                   </a:spcAft>
                   <a:buNone/>
                 </a:pPr>
+                <a:endParaRPr/>
               </a:p>
             </p:txBody>
           </p:sp>
@@ -5950,6 +6212,7 @@
                   </a:spcAft>
                   <a:buNone/>
                 </a:pPr>
+                <a:endParaRPr/>
               </a:p>
             </p:txBody>
           </p:sp>
@@ -5994,6 +6257,7 @@
                   </a:spcAft>
                   <a:buNone/>
                 </a:pPr>
+                <a:endParaRPr/>
               </a:p>
             </p:txBody>
           </p:sp>
@@ -6038,6 +6302,7 @@
                   </a:spcAft>
                   <a:buNone/>
                 </a:pPr>
+                <a:endParaRPr/>
               </a:p>
             </p:txBody>
           </p:sp>
@@ -6097,6 +6362,7 @@
                   </a:spcAft>
                   <a:buNone/>
                 </a:pPr>
+                <a:endParaRPr/>
               </a:p>
             </p:txBody>
           </p:sp>
@@ -6141,6 +6407,7 @@
                   </a:spcAft>
                   <a:buNone/>
                 </a:pPr>
+                <a:endParaRPr/>
               </a:p>
             </p:txBody>
           </p:sp>
@@ -6185,6 +6452,7 @@
                   </a:spcAft>
                   <a:buNone/>
                 </a:pPr>
+                <a:endParaRPr/>
               </a:p>
             </p:txBody>
           </p:sp>
@@ -6229,6 +6497,7 @@
                   </a:spcAft>
                   <a:buNone/>
                 </a:pPr>
+                <a:endParaRPr/>
               </a:p>
             </p:txBody>
           </p:sp>
@@ -6273,6 +6542,7 @@
                   </a:spcAft>
                   <a:buNone/>
                 </a:pPr>
+                <a:endParaRPr/>
               </a:p>
             </p:txBody>
           </p:sp>
@@ -6332,6 +6602,7 @@
                   </a:spcAft>
                   <a:buNone/>
                 </a:pPr>
+                <a:endParaRPr/>
               </a:p>
             </p:txBody>
           </p:sp>
@@ -6376,6 +6647,7 @@
                   </a:spcAft>
                   <a:buNone/>
                 </a:pPr>
+                <a:endParaRPr/>
               </a:p>
             </p:txBody>
           </p:sp>
@@ -6420,6 +6692,7 @@
                   </a:spcAft>
                   <a:buNone/>
                 </a:pPr>
+                <a:endParaRPr/>
               </a:p>
             </p:txBody>
           </p:sp>
@@ -6464,6 +6737,7 @@
                   </a:spcAft>
                   <a:buNone/>
                 </a:pPr>
+                <a:endParaRPr/>
               </a:p>
             </p:txBody>
           </p:sp>
@@ -6523,6 +6797,7 @@
                   </a:spcAft>
                   <a:buNone/>
                 </a:pPr>
+                <a:endParaRPr/>
               </a:p>
             </p:txBody>
           </p:sp>
@@ -6567,6 +6842,7 @@
                   </a:spcAft>
                   <a:buNone/>
                 </a:pPr>
+                <a:endParaRPr/>
               </a:p>
             </p:txBody>
           </p:sp>
@@ -6611,6 +6887,7 @@
                   </a:spcAft>
                   <a:buNone/>
                 </a:pPr>
+                <a:endParaRPr/>
               </a:p>
             </p:txBody>
           </p:sp>
@@ -6655,6 +6932,7 @@
                   </a:spcAft>
                   <a:buNone/>
                 </a:pPr>
+                <a:endParaRPr/>
               </a:p>
             </p:txBody>
           </p:sp>
@@ -6714,6 +6992,7 @@
                   </a:spcAft>
                   <a:buNone/>
                 </a:pPr>
+                <a:endParaRPr/>
               </a:p>
             </p:txBody>
           </p:sp>
@@ -6758,6 +7037,7 @@
                   </a:spcAft>
                   <a:buNone/>
                 </a:pPr>
+                <a:endParaRPr/>
               </a:p>
             </p:txBody>
           </p:sp>
@@ -6802,6 +7082,7 @@
                   </a:spcAft>
                   <a:buNone/>
                 </a:pPr>
+                <a:endParaRPr/>
               </a:p>
             </p:txBody>
           </p:sp>
@@ -6861,6 +7142,7 @@
                   </a:spcAft>
                   <a:buNone/>
                 </a:pPr>
+                <a:endParaRPr/>
               </a:p>
             </p:txBody>
           </p:sp>
@@ -6905,6 +7187,7 @@
                   </a:spcAft>
                   <a:buNone/>
                 </a:pPr>
+                <a:endParaRPr/>
               </a:p>
             </p:txBody>
           </p:sp>
@@ -6949,6 +7232,7 @@
                   </a:spcAft>
                   <a:buNone/>
                 </a:pPr>
+                <a:endParaRPr/>
               </a:p>
             </p:txBody>
           </p:sp>
@@ -6993,6 +7277,7 @@
                   </a:spcAft>
                   <a:buNone/>
                 </a:pPr>
+                <a:endParaRPr/>
               </a:p>
             </p:txBody>
           </p:sp>
@@ -7052,6 +7337,7 @@
                   </a:spcAft>
                   <a:buNone/>
                 </a:pPr>
+                <a:endParaRPr/>
               </a:p>
             </p:txBody>
           </p:sp>
@@ -7096,6 +7382,7 @@
                   </a:spcAft>
                   <a:buNone/>
                 </a:pPr>
+                <a:endParaRPr/>
               </a:p>
             </p:txBody>
           </p:sp>
@@ -7140,6 +7427,7 @@
                   </a:spcAft>
                   <a:buNone/>
                 </a:pPr>
+                <a:endParaRPr/>
               </a:p>
             </p:txBody>
           </p:sp>
@@ -7184,6 +7472,7 @@
                   </a:spcAft>
                   <a:buNone/>
                 </a:pPr>
+                <a:endParaRPr/>
               </a:p>
             </p:txBody>
           </p:sp>
@@ -7243,6 +7532,7 @@
                   </a:spcAft>
                   <a:buNone/>
                 </a:pPr>
+                <a:endParaRPr/>
               </a:p>
             </p:txBody>
           </p:sp>
@@ -7287,6 +7577,7 @@
                   </a:spcAft>
                   <a:buNone/>
                 </a:pPr>
+                <a:endParaRPr/>
               </a:p>
             </p:txBody>
           </p:sp>
@@ -7331,6 +7622,7 @@
                   </a:spcAft>
                   <a:buNone/>
                 </a:pPr>
+                <a:endParaRPr/>
               </a:p>
             </p:txBody>
           </p:sp>
@@ -7375,6 +7667,7 @@
                   </a:spcAft>
                   <a:buNone/>
                 </a:pPr>
+                <a:endParaRPr/>
               </a:p>
             </p:txBody>
           </p:sp>
@@ -7419,6 +7712,7 @@
                   </a:spcAft>
                   <a:buNone/>
                 </a:pPr>
+                <a:endParaRPr/>
               </a:p>
             </p:txBody>
           </p:sp>
@@ -7478,6 +7772,7 @@
                   </a:spcAft>
                   <a:buNone/>
                 </a:pPr>
+                <a:endParaRPr/>
               </a:p>
             </p:txBody>
           </p:sp>
@@ -7522,6 +7817,7 @@
                   </a:spcAft>
                   <a:buNone/>
                 </a:pPr>
+                <a:endParaRPr/>
               </a:p>
             </p:txBody>
           </p:sp>
@@ -7566,6 +7862,7 @@
                   </a:spcAft>
                   <a:buNone/>
                 </a:pPr>
+                <a:endParaRPr/>
               </a:p>
             </p:txBody>
           </p:sp>
@@ -7610,6 +7907,7 @@
                   </a:spcAft>
                   <a:buNone/>
                 </a:pPr>
+                <a:endParaRPr/>
               </a:p>
             </p:txBody>
           </p:sp>
@@ -7669,6 +7967,7 @@
                   </a:spcAft>
                   <a:buNone/>
                 </a:pPr>
+                <a:endParaRPr/>
               </a:p>
             </p:txBody>
           </p:sp>
@@ -7713,6 +8012,7 @@
                   </a:spcAft>
                   <a:buNone/>
                 </a:pPr>
+                <a:endParaRPr/>
               </a:p>
             </p:txBody>
           </p:sp>
@@ -7757,6 +8057,7 @@
                   </a:spcAft>
                   <a:buNone/>
                 </a:pPr>
+                <a:endParaRPr/>
               </a:p>
             </p:txBody>
           </p:sp>
@@ -7816,6 +8117,7 @@
                   </a:spcAft>
                   <a:buNone/>
                 </a:pPr>
+                <a:endParaRPr/>
               </a:p>
             </p:txBody>
           </p:sp>
@@ -7860,6 +8162,7 @@
                   </a:spcAft>
                   <a:buNone/>
                 </a:pPr>
+                <a:endParaRPr/>
               </a:p>
             </p:txBody>
           </p:sp>
@@ -7904,6 +8207,7 @@
                   </a:spcAft>
                   <a:buNone/>
                 </a:pPr>
+                <a:endParaRPr/>
               </a:p>
             </p:txBody>
           </p:sp>
@@ -7948,6 +8252,7 @@
                   </a:spcAft>
                   <a:buNone/>
                 </a:pPr>
+                <a:endParaRPr/>
               </a:p>
             </p:txBody>
           </p:sp>
@@ -8007,6 +8312,7 @@
                   </a:spcAft>
                   <a:buNone/>
                 </a:pPr>
+                <a:endParaRPr/>
               </a:p>
             </p:txBody>
           </p:sp>
@@ -8051,6 +8357,7 @@
                   </a:spcAft>
                   <a:buNone/>
                 </a:pPr>
+                <a:endParaRPr/>
               </a:p>
             </p:txBody>
           </p:sp>
@@ -8095,6 +8402,7 @@
                   </a:spcAft>
                   <a:buNone/>
                 </a:pPr>
+                <a:endParaRPr/>
               </a:p>
             </p:txBody>
           </p:sp>
@@ -8139,6 +8447,7 @@
                   </a:spcAft>
                   <a:buNone/>
                 </a:pPr>
+                <a:endParaRPr/>
               </a:p>
             </p:txBody>
           </p:sp>
@@ -8183,6 +8492,7 @@
                   </a:spcAft>
                   <a:buNone/>
                 </a:pPr>
+                <a:endParaRPr/>
               </a:p>
             </p:txBody>
           </p:sp>
@@ -8242,6 +8552,7 @@
                   </a:spcAft>
                   <a:buNone/>
                 </a:pPr>
+                <a:endParaRPr/>
               </a:p>
             </p:txBody>
           </p:sp>
@@ -8286,6 +8597,7 @@
                   </a:spcAft>
                   <a:buNone/>
                 </a:pPr>
+                <a:endParaRPr/>
               </a:p>
             </p:txBody>
           </p:sp>
@@ -8330,6 +8642,7 @@
                   </a:spcAft>
                   <a:buNone/>
                 </a:pPr>
+                <a:endParaRPr/>
               </a:p>
             </p:txBody>
           </p:sp>
@@ -8374,6 +8687,7 @@
                   </a:spcAft>
                   <a:buNone/>
                 </a:pPr>
+                <a:endParaRPr/>
               </a:p>
             </p:txBody>
           </p:sp>
@@ -8433,6 +8747,7 @@
                   </a:spcAft>
                   <a:buNone/>
                 </a:pPr>
+                <a:endParaRPr/>
               </a:p>
             </p:txBody>
           </p:sp>
@@ -8477,6 +8792,7 @@
                   </a:spcAft>
                   <a:buNone/>
                 </a:pPr>
+                <a:endParaRPr/>
               </a:p>
             </p:txBody>
           </p:sp>
@@ -8521,6 +8837,7 @@
                   </a:spcAft>
                   <a:buNone/>
                 </a:pPr>
+                <a:endParaRPr/>
               </a:p>
             </p:txBody>
           </p:sp>
@@ -8580,6 +8897,7 @@
                   </a:spcAft>
                   <a:buNone/>
                 </a:pPr>
+                <a:endParaRPr/>
               </a:p>
             </p:txBody>
           </p:sp>
@@ -8624,6 +8942,7 @@
                   </a:spcAft>
                   <a:buNone/>
                 </a:pPr>
+                <a:endParaRPr/>
               </a:p>
             </p:txBody>
           </p:sp>
@@ -8668,6 +8987,7 @@
                   </a:spcAft>
                   <a:buNone/>
                 </a:pPr>
+                <a:endParaRPr/>
               </a:p>
             </p:txBody>
           </p:sp>
@@ -8712,6 +9032,7 @@
                   </a:spcAft>
                   <a:buNone/>
                 </a:pPr>
+                <a:endParaRPr/>
               </a:p>
             </p:txBody>
           </p:sp>
@@ -8756,6 +9077,7 @@
                   </a:spcAft>
                   <a:buNone/>
                 </a:pPr>
+                <a:endParaRPr/>
               </a:p>
             </p:txBody>
           </p:sp>
@@ -8815,6 +9137,7 @@
                   </a:spcAft>
                   <a:buNone/>
                 </a:pPr>
+                <a:endParaRPr/>
               </a:p>
             </p:txBody>
           </p:sp>
@@ -8859,6 +9182,7 @@
                   </a:spcAft>
                   <a:buNone/>
                 </a:pPr>
+                <a:endParaRPr/>
               </a:p>
             </p:txBody>
           </p:sp>
@@ -8903,6 +9227,7 @@
                   </a:spcAft>
                   <a:buNone/>
                 </a:pPr>
+                <a:endParaRPr/>
               </a:p>
             </p:txBody>
           </p:sp>
@@ -8947,6 +9272,7 @@
                   </a:spcAft>
                   <a:buNone/>
                 </a:pPr>
+                <a:endParaRPr/>
               </a:p>
             </p:txBody>
           </p:sp>
@@ -9006,6 +9332,7 @@
                   </a:spcAft>
                   <a:buNone/>
                 </a:pPr>
+                <a:endParaRPr/>
               </a:p>
             </p:txBody>
           </p:sp>
@@ -9050,6 +9377,7 @@
                   </a:spcAft>
                   <a:buNone/>
                 </a:pPr>
+                <a:endParaRPr/>
               </a:p>
             </p:txBody>
           </p:sp>
@@ -9094,6 +9422,7 @@
                   </a:spcAft>
                   <a:buNone/>
                 </a:pPr>
+                <a:endParaRPr/>
               </a:p>
             </p:txBody>
           </p:sp>
@@ -9138,6 +9467,7 @@
                   </a:spcAft>
                   <a:buNone/>
                 </a:pPr>
+                <a:endParaRPr/>
               </a:p>
             </p:txBody>
           </p:sp>
@@ -9197,6 +9527,7 @@
                   </a:spcAft>
                   <a:buNone/>
                 </a:pPr>
+                <a:endParaRPr/>
               </a:p>
             </p:txBody>
           </p:sp>
@@ -9241,6 +9572,7 @@
                   </a:spcAft>
                   <a:buNone/>
                 </a:pPr>
+                <a:endParaRPr/>
               </a:p>
             </p:txBody>
           </p:sp>
@@ -9285,6 +9617,7 @@
                   </a:spcAft>
                   <a:buNone/>
                 </a:pPr>
+                <a:endParaRPr/>
               </a:p>
             </p:txBody>
           </p:sp>
@@ -9344,6 +9677,7 @@
                   </a:spcAft>
                   <a:buNone/>
                 </a:pPr>
+                <a:endParaRPr/>
               </a:p>
             </p:txBody>
           </p:sp>
@@ -9388,6 +9722,7 @@
                   </a:spcAft>
                   <a:buNone/>
                 </a:pPr>
+                <a:endParaRPr/>
               </a:p>
             </p:txBody>
           </p:sp>
@@ -9432,6 +9767,7 @@
                   </a:spcAft>
                   <a:buNone/>
                 </a:pPr>
+                <a:endParaRPr/>
               </a:p>
             </p:txBody>
           </p:sp>
@@ -9476,6 +9812,7 @@
                   </a:spcAft>
                   <a:buNone/>
                 </a:pPr>
+                <a:endParaRPr/>
               </a:p>
             </p:txBody>
           </p:sp>
@@ -9484,7 +9821,9 @@
       <p:sp>
         <p:nvSpPr>
           <p:cNvPr id="268" name="Google Shape;268;p11"/>
-          <p:cNvSpPr txBox="1"/>
+          <p:cNvSpPr txBox="1">
+            <a:spLocks noGrp="1"/>
+          </p:cNvSpPr>
           <p:nvPr>
             <p:ph type="title" hasCustomPrompt="1"/>
           </p:nvPr>
@@ -9676,7 +10015,9 @@
       <p:sp>
         <p:nvSpPr>
           <p:cNvPr id="269" name="Google Shape;269;p11"/>
-          <p:cNvSpPr txBox="1"/>
+          <p:cNvSpPr txBox="1">
+            <a:spLocks noGrp="1"/>
+          </p:cNvSpPr>
           <p:nvPr>
             <p:ph type="body" idx="1"/>
           </p:nvPr>
@@ -9858,13 +10199,17 @@
               </a:defRPr>
             </a:lvl9pPr>
           </a:lstStyle>
-          <a:p/>
+          <a:p>
+            <a:endParaRPr/>
+          </a:p>
         </p:txBody>
       </p:sp>
       <p:sp>
         <p:nvSpPr>
           <p:cNvPr id="270" name="Google Shape;270;p11"/>
-          <p:cNvSpPr txBox="1"/>
+          <p:cNvSpPr txBox="1">
+            <a:spLocks noGrp="1"/>
+          </p:cNvSpPr>
           <p:nvPr>
             <p:ph type="sldNum" idx="12"/>
           </p:nvPr>
@@ -9968,6 +10313,7 @@
             </a:pPr>
             <a:fld id="{00000000-1234-1234-1234-123412341234}" type="slidenum">
               <a:rPr lang="en-GB"/>
+              <a:t>‹#›</a:t>
             </a:fld>
             <a:endParaRPr lang="en-GB"/>
           </a:p>
@@ -9982,11 +10328,11 @@
 </file>
 
 <file path=ppt/slideLayouts/slideLayout11.xml><?xml version="1.0" encoding="utf-8"?>
-<p:sldLayout xmlns:a="http://schemas.openxmlformats.org/drawingml/2006/main" xmlns:r="http://schemas.openxmlformats.org/officeDocument/2006/relationships" xmlns:p="http://schemas.openxmlformats.org/presentationml/2006/main" type="blank" matchingName="Blank">
+<p:sldLayout xmlns:a="http://schemas.openxmlformats.org/drawingml/2006/main" xmlns:r="http://schemas.openxmlformats.org/officeDocument/2006/relationships" xmlns:p="http://schemas.openxmlformats.org/presentationml/2006/main" matchingName="Blank" type="blank">
   <p:cSld name="BLANK">
     <p:spTree>
       <p:nvGrpSpPr>
-        <p:cNvPr id="271" name="Shape 271"/>
+        <p:cNvPr id="1" name="Shape 271"/>
         <p:cNvGrpSpPr/>
         <p:nvPr/>
       </p:nvGrpSpPr>
@@ -10001,7 +10347,9 @@
       <p:sp>
         <p:nvSpPr>
           <p:cNvPr id="272" name="Google Shape;272;p12"/>
-          <p:cNvSpPr txBox="1"/>
+          <p:cNvSpPr txBox="1">
+            <a:spLocks noGrp="1"/>
+          </p:cNvSpPr>
           <p:nvPr>
             <p:ph type="sldNum" idx="12"/>
           </p:nvPr>
@@ -10069,6 +10417,7 @@
             </a:pPr>
             <a:fld id="{00000000-1234-1234-1234-123412341234}" type="slidenum">
               <a:rPr lang="en-GB"/>
+              <a:t>‹#›</a:t>
             </a:fld>
             <a:endParaRPr lang="en-GB"/>
           </a:p>
@@ -10116,10 +10465,9 @@
           <a:p>
             <a:pPr fontAlgn="base"/>
             <a:r>
-              <a:rPr lang="en-US" strike="noStrike" noProof="1" smtClean="0"/>
+              <a:rPr lang="en-US" strike="noStrike" noProof="1"/>
               <a:t>Click to edit Master title style</a:t>
             </a:r>
-            <a:endParaRPr lang="en-US" strike="noStrike" noProof="1"/>
           </a:p>
         </p:txBody>
       </p:sp>
@@ -10140,42 +10488,37 @@
           <a:p>
             <a:pPr lvl="0" fontAlgn="base"/>
             <a:r>
-              <a:rPr lang="en-US" strike="noStrike" noProof="1" smtClean="0"/>
+              <a:rPr lang="en-US" strike="noStrike" noProof="1"/>
               <a:t>Click to edit Master text styles</a:t>
             </a:r>
-            <a:endParaRPr lang="en-US" strike="noStrike" noProof="1" smtClean="0"/>
           </a:p>
           <a:p>
             <a:pPr lvl="1" fontAlgn="base"/>
             <a:r>
-              <a:rPr lang="en-US" strike="noStrike" noProof="1" smtClean="0"/>
+              <a:rPr lang="en-US" strike="noStrike" noProof="1"/>
               <a:t>Second level</a:t>
             </a:r>
-            <a:endParaRPr lang="en-US" strike="noStrike" noProof="1" smtClean="0"/>
           </a:p>
           <a:p>
             <a:pPr lvl="2" fontAlgn="base"/>
             <a:r>
-              <a:rPr lang="en-US" strike="noStrike" noProof="1" smtClean="0"/>
+              <a:rPr lang="en-US" strike="noStrike" noProof="1"/>
               <a:t>Third level</a:t>
             </a:r>
-            <a:endParaRPr lang="en-US" strike="noStrike" noProof="1" smtClean="0"/>
           </a:p>
           <a:p>
             <a:pPr lvl="3" fontAlgn="base"/>
             <a:r>
-              <a:rPr lang="en-US" strike="noStrike" noProof="1" smtClean="0"/>
+              <a:rPr lang="en-US" strike="noStrike" noProof="1"/>
               <a:t>Fourth level</a:t>
             </a:r>
-            <a:endParaRPr lang="en-US" strike="noStrike" noProof="1" smtClean="0"/>
           </a:p>
           <a:p>
             <a:pPr lvl="4" fontAlgn="base"/>
             <a:r>
-              <a:rPr lang="en-US" strike="noStrike" noProof="1" smtClean="0"/>
+              <a:rPr lang="en-US" strike="noStrike" noProof="1"/>
               <a:t>Fifth level</a:t>
             </a:r>
-            <a:endParaRPr lang="en-US" strike="noStrike" noProof="1"/>
           </a:p>
         </p:txBody>
       </p:sp>
@@ -10197,9 +10540,10 @@
         </p:spPr>
         <p:txBody>
           <a:bodyPr/>
+          <a:lstStyle/>
           <a:p>
             <a:pPr lvl="0" fontAlgn="base"/>
-            <a:endParaRPr lang="zh-CN" altLang="en-US" strike="noStrike" noProof="1" dirty="0"/>
+            <a:endParaRPr lang="zh-CN" altLang="en-US" strike="noStrike" noProof="1"/>
           </a:p>
         </p:txBody>
       </p:sp>
@@ -10221,9 +10565,10 @@
         </p:spPr>
         <p:txBody>
           <a:bodyPr/>
+          <a:lstStyle/>
           <a:p>
             <a:pPr lvl="0" fontAlgn="base"/>
-            <a:endParaRPr lang="zh-CN" altLang="en-US" strike="noStrike" noProof="1" dirty="0"/>
+            <a:endParaRPr lang="zh-CN" altLang="en-US" strike="noStrike" noProof="1"/>
           </a:p>
         </p:txBody>
       </p:sp>
@@ -10240,6 +10585,7 @@
         <p:spPr/>
         <p:txBody>
           <a:bodyPr/>
+          <a:lstStyle/>
           <a:p>
             <a:pPr lvl="0" fontAlgn="base"/>
             <a:fld id="{9A0DB2DC-4C9A-4742-B13C-FB6460FD3503}" type="slidenum">
@@ -10248,8 +10594,9 @@
                 <a:ea typeface="SimSun" panose="02010600030101010101" pitchFamily="2" charset="-122"/>
                 <a:cs typeface="+mn-cs"/>
               </a:rPr>
+              <a:t>‹#›</a:t>
             </a:fld>
-            <a:endParaRPr lang="zh-CN" altLang="en-US" strike="noStrike" noProof="1" dirty="0"/>
+            <a:endParaRPr lang="zh-CN" altLang="en-US" strike="noStrike" noProof="1"/>
           </a:p>
         </p:txBody>
       </p:sp>
@@ -10295,10 +10642,9 @@
           <a:p>
             <a:pPr fontAlgn="base"/>
             <a:r>
-              <a:rPr lang="en-US" strike="noStrike" noProof="1" smtClean="0"/>
+              <a:rPr lang="en-US" strike="noStrike" noProof="1"/>
               <a:t>Click to edit Master title style</a:t>
             </a:r>
-            <a:endParaRPr lang="en-US" strike="noStrike" noProof="1"/>
           </a:p>
         </p:txBody>
       </p:sp>
@@ -10324,42 +10670,37 @@
           <a:p>
             <a:pPr lvl="0" fontAlgn="base"/>
             <a:r>
-              <a:rPr lang="en-US" strike="noStrike" noProof="1" smtClean="0"/>
+              <a:rPr lang="en-US" strike="noStrike" noProof="1"/>
               <a:t>Click to edit Master text styles</a:t>
             </a:r>
-            <a:endParaRPr lang="en-US" strike="noStrike" noProof="1" smtClean="0"/>
           </a:p>
           <a:p>
             <a:pPr lvl="1" fontAlgn="base"/>
             <a:r>
-              <a:rPr lang="en-US" strike="noStrike" noProof="1" smtClean="0"/>
+              <a:rPr lang="en-US" strike="noStrike" noProof="1"/>
               <a:t>Second level</a:t>
             </a:r>
-            <a:endParaRPr lang="en-US" strike="noStrike" noProof="1" smtClean="0"/>
           </a:p>
           <a:p>
             <a:pPr lvl="2" fontAlgn="base"/>
             <a:r>
-              <a:rPr lang="en-US" strike="noStrike" noProof="1" smtClean="0"/>
+              <a:rPr lang="en-US" strike="noStrike" noProof="1"/>
               <a:t>Third level</a:t>
             </a:r>
-            <a:endParaRPr lang="en-US" strike="noStrike" noProof="1" smtClean="0"/>
           </a:p>
           <a:p>
             <a:pPr lvl="3" fontAlgn="base"/>
             <a:r>
-              <a:rPr lang="en-US" strike="noStrike" noProof="1" smtClean="0"/>
+              <a:rPr lang="en-US" strike="noStrike" noProof="1"/>
               <a:t>Fourth level</a:t>
             </a:r>
-            <a:endParaRPr lang="en-US" strike="noStrike" noProof="1" smtClean="0"/>
           </a:p>
           <a:p>
             <a:pPr lvl="4" fontAlgn="base"/>
             <a:r>
-              <a:rPr lang="en-US" strike="noStrike" noProof="1" smtClean="0"/>
+              <a:rPr lang="en-US" strike="noStrike" noProof="1"/>
               <a:t>Fifth level</a:t>
             </a:r>
-            <a:endParaRPr lang="en-US" strike="noStrike" noProof="1"/>
           </a:p>
         </p:txBody>
       </p:sp>
@@ -10385,42 +10726,37 @@
           <a:p>
             <a:pPr lvl="0" fontAlgn="base"/>
             <a:r>
-              <a:rPr lang="en-US" strike="noStrike" noProof="1" smtClean="0"/>
+              <a:rPr lang="en-US" strike="noStrike" noProof="1"/>
               <a:t>Click to edit Master text styles</a:t>
             </a:r>
-            <a:endParaRPr lang="en-US" strike="noStrike" noProof="1" smtClean="0"/>
           </a:p>
           <a:p>
             <a:pPr lvl="1" fontAlgn="base"/>
             <a:r>
-              <a:rPr lang="en-US" strike="noStrike" noProof="1" smtClean="0"/>
+              <a:rPr lang="en-US" strike="noStrike" noProof="1"/>
               <a:t>Second level</a:t>
             </a:r>
-            <a:endParaRPr lang="en-US" strike="noStrike" noProof="1" smtClean="0"/>
           </a:p>
           <a:p>
             <a:pPr lvl="2" fontAlgn="base"/>
             <a:r>
-              <a:rPr lang="en-US" strike="noStrike" noProof="1" smtClean="0"/>
+              <a:rPr lang="en-US" strike="noStrike" noProof="1"/>
               <a:t>Third level</a:t>
             </a:r>
-            <a:endParaRPr lang="en-US" strike="noStrike" noProof="1" smtClean="0"/>
           </a:p>
           <a:p>
             <a:pPr lvl="3" fontAlgn="base"/>
             <a:r>
-              <a:rPr lang="en-US" strike="noStrike" noProof="1" smtClean="0"/>
+              <a:rPr lang="en-US" strike="noStrike" noProof="1"/>
               <a:t>Fourth level</a:t>
             </a:r>
-            <a:endParaRPr lang="en-US" strike="noStrike" noProof="1" smtClean="0"/>
           </a:p>
           <a:p>
             <a:pPr lvl="4" fontAlgn="base"/>
             <a:r>
-              <a:rPr lang="en-US" strike="noStrike" noProof="1" smtClean="0"/>
+              <a:rPr lang="en-US" strike="noStrike" noProof="1"/>
               <a:t>Fifth level</a:t>
             </a:r>
-            <a:endParaRPr lang="en-US" strike="noStrike" noProof="1"/>
           </a:p>
         </p:txBody>
       </p:sp>
@@ -10442,9 +10778,10 @@
         </p:spPr>
         <p:txBody>
           <a:bodyPr/>
+          <a:lstStyle/>
           <a:p>
             <a:pPr lvl="0" fontAlgn="base"/>
-            <a:endParaRPr lang="zh-CN" altLang="en-US" strike="noStrike" noProof="1" dirty="0"/>
+            <a:endParaRPr lang="zh-CN" altLang="en-US" strike="noStrike" noProof="1"/>
           </a:p>
         </p:txBody>
       </p:sp>
@@ -10466,9 +10803,10 @@
         </p:spPr>
         <p:txBody>
           <a:bodyPr/>
+          <a:lstStyle/>
           <a:p>
             <a:pPr lvl="0" fontAlgn="base"/>
-            <a:endParaRPr lang="zh-CN" altLang="en-US" strike="noStrike" noProof="1" dirty="0"/>
+            <a:endParaRPr lang="zh-CN" altLang="en-US" strike="noStrike" noProof="1"/>
           </a:p>
         </p:txBody>
       </p:sp>
@@ -10485,6 +10823,7 @@
         <p:spPr/>
         <p:txBody>
           <a:bodyPr/>
+          <a:lstStyle/>
           <a:p>
             <a:pPr lvl="0" fontAlgn="base"/>
             <a:fld id="{9A0DB2DC-4C9A-4742-B13C-FB6460FD3503}" type="slidenum">
@@ -10493,8 +10832,9 @@
                 <a:ea typeface="SimSun" panose="02010600030101010101" pitchFamily="2" charset="-122"/>
                 <a:cs typeface="+mn-cs"/>
               </a:rPr>
+              <a:t>‹#›</a:t>
             </a:fld>
-            <a:endParaRPr lang="zh-CN" altLang="en-US" strike="noStrike" noProof="1" dirty="0"/>
+            <a:endParaRPr lang="zh-CN" altLang="en-US" strike="noStrike" noProof="1"/>
           </a:p>
         </p:txBody>
       </p:sp>
@@ -10507,7 +10847,7 @@
 </file>
 
 <file path=ppt/slideLayouts/slideLayout2.xml><?xml version="1.0" encoding="utf-8"?>
-<p:sldLayout xmlns:a="http://schemas.openxmlformats.org/drawingml/2006/main" xmlns:r="http://schemas.openxmlformats.org/officeDocument/2006/relationships" xmlns:p="http://schemas.openxmlformats.org/presentationml/2006/main" type="secHead" matchingName="Section header">
+<p:sldLayout xmlns:a="http://schemas.openxmlformats.org/drawingml/2006/main" xmlns:r="http://schemas.openxmlformats.org/officeDocument/2006/relationships" xmlns:p="http://schemas.openxmlformats.org/presentationml/2006/main" matchingName="Section header" type="secHead">
   <p:cSld name="SECTION_HEADER">
     <p:bg>
       <p:bgPr>
@@ -10519,7 +10859,7 @@
     </p:bg>
     <p:spTree>
       <p:nvGrpSpPr>
-        <p:cNvPr id="49" name="Shape 49"/>
+        <p:cNvPr id="1" name="Shape 49"/>
         <p:cNvGrpSpPr/>
         <p:nvPr/>
       </p:nvGrpSpPr>
@@ -10600,6 +10940,7 @@
                   </a:spcAft>
                   <a:buNone/>
                 </a:pPr>
+                <a:endParaRPr/>
               </a:p>
             </p:txBody>
           </p:sp>
@@ -10644,6 +10985,7 @@
                   </a:spcAft>
                   <a:buNone/>
                 </a:pPr>
+                <a:endParaRPr/>
               </a:p>
             </p:txBody>
           </p:sp>
@@ -10703,6 +11045,7 @@
                   </a:spcAft>
                   <a:buNone/>
                 </a:pPr>
+                <a:endParaRPr/>
               </a:p>
             </p:txBody>
           </p:sp>
@@ -10747,6 +11090,7 @@
                   </a:spcAft>
                   <a:buNone/>
                 </a:pPr>
+                <a:endParaRPr/>
               </a:p>
             </p:txBody>
           </p:sp>
@@ -10791,6 +11135,7 @@
                   </a:spcAft>
                   <a:buNone/>
                 </a:pPr>
+                <a:endParaRPr/>
               </a:p>
             </p:txBody>
           </p:sp>
@@ -10850,6 +11195,7 @@
                   </a:spcAft>
                   <a:buNone/>
                 </a:pPr>
+                <a:endParaRPr/>
               </a:p>
             </p:txBody>
           </p:sp>
@@ -10894,6 +11240,7 @@
                   </a:spcAft>
                   <a:buNone/>
                 </a:pPr>
+                <a:endParaRPr/>
               </a:p>
             </p:txBody>
           </p:sp>
@@ -10938,6 +11285,7 @@
                   </a:spcAft>
                   <a:buNone/>
                 </a:pPr>
+                <a:endParaRPr/>
               </a:p>
             </p:txBody>
           </p:sp>
@@ -10982,6 +11330,7 @@
                   </a:spcAft>
                   <a:buNone/>
                 </a:pPr>
+                <a:endParaRPr/>
               </a:p>
             </p:txBody>
           </p:sp>
@@ -11056,6 +11405,7 @@
                   </a:spcAft>
                   <a:buNone/>
                 </a:pPr>
+                <a:endParaRPr/>
               </a:p>
             </p:txBody>
           </p:sp>
@@ -11100,6 +11450,7 @@
                   </a:spcAft>
                   <a:buNone/>
                 </a:pPr>
+                <a:endParaRPr/>
               </a:p>
             </p:txBody>
           </p:sp>
@@ -11159,6 +11510,7 @@
                   </a:spcAft>
                   <a:buNone/>
                 </a:pPr>
+                <a:endParaRPr/>
               </a:p>
             </p:txBody>
           </p:sp>
@@ -11203,6 +11555,7 @@
                   </a:spcAft>
                   <a:buNone/>
                 </a:pPr>
+                <a:endParaRPr/>
               </a:p>
             </p:txBody>
           </p:sp>
@@ -11247,6 +11600,7 @@
                   </a:spcAft>
                   <a:buNone/>
                 </a:pPr>
+                <a:endParaRPr/>
               </a:p>
             </p:txBody>
           </p:sp>
@@ -11306,6 +11660,7 @@
                   </a:spcAft>
                   <a:buNone/>
                 </a:pPr>
+                <a:endParaRPr/>
               </a:p>
             </p:txBody>
           </p:sp>
@@ -11350,6 +11705,7 @@
                   </a:spcAft>
                   <a:buNone/>
                 </a:pPr>
+                <a:endParaRPr/>
               </a:p>
             </p:txBody>
           </p:sp>
@@ -11394,6 +11750,7 @@
                   </a:spcAft>
                   <a:buNone/>
                 </a:pPr>
+                <a:endParaRPr/>
               </a:p>
             </p:txBody>
           </p:sp>
@@ -11438,6 +11795,7 @@
                   </a:spcAft>
                   <a:buNone/>
                 </a:pPr>
+                <a:endParaRPr/>
               </a:p>
             </p:txBody>
           </p:sp>
@@ -11497,6 +11855,7 @@
                   </a:spcAft>
                   <a:buNone/>
                 </a:pPr>
+                <a:endParaRPr/>
               </a:p>
             </p:txBody>
           </p:sp>
@@ -11541,6 +11900,7 @@
                   </a:spcAft>
                   <a:buNone/>
                 </a:pPr>
+                <a:endParaRPr/>
               </a:p>
             </p:txBody>
           </p:sp>
@@ -11585,6 +11945,7 @@
                   </a:spcAft>
                   <a:buNone/>
                 </a:pPr>
+                <a:endParaRPr/>
               </a:p>
             </p:txBody>
           </p:sp>
@@ -11629,6 +11990,7 @@
                   </a:spcAft>
                   <a:buNone/>
                 </a:pPr>
+                <a:endParaRPr/>
               </a:p>
             </p:txBody>
           </p:sp>
@@ -11673,6 +12035,7 @@
                   </a:spcAft>
                   <a:buNone/>
                 </a:pPr>
+                <a:endParaRPr/>
               </a:p>
             </p:txBody>
           </p:sp>
@@ -11681,7 +12044,9 @@
       <p:sp>
         <p:nvSpPr>
           <p:cNvPr id="82" name="Google Shape;82;p3"/>
-          <p:cNvSpPr txBox="1"/>
+          <p:cNvSpPr txBox="1">
+            <a:spLocks noGrp="1"/>
+          </p:cNvSpPr>
           <p:nvPr>
             <p:ph type="title"/>
           </p:nvPr>
@@ -11863,13 +12228,17 @@
               </a:defRPr>
             </a:lvl9pPr>
           </a:lstStyle>
-          <a:p/>
+          <a:p>
+            <a:endParaRPr/>
+          </a:p>
         </p:txBody>
       </p:sp>
       <p:sp>
         <p:nvSpPr>
           <p:cNvPr id="83" name="Google Shape;83;p3"/>
-          <p:cNvSpPr txBox="1"/>
+          <p:cNvSpPr txBox="1">
+            <a:spLocks noGrp="1"/>
+          </p:cNvSpPr>
           <p:nvPr>
             <p:ph type="sldNum" idx="12"/>
           </p:nvPr>
@@ -11973,6 +12342,7 @@
             </a:pPr>
             <a:fld id="{00000000-1234-1234-1234-123412341234}" type="slidenum">
               <a:rPr lang="en-GB"/>
+              <a:t>‹#›</a:t>
             </a:fld>
             <a:endParaRPr lang="en-GB"/>
           </a:p>
@@ -11987,11 +12357,11 @@
 </file>
 
 <file path=ppt/slideLayouts/slideLayout3.xml><?xml version="1.0" encoding="utf-8"?>
-<p:sldLayout xmlns:a="http://schemas.openxmlformats.org/drawingml/2006/main" xmlns:r="http://schemas.openxmlformats.org/officeDocument/2006/relationships" xmlns:p="http://schemas.openxmlformats.org/presentationml/2006/main" type="tx" matchingName="Title and body">
+<p:sldLayout xmlns:a="http://schemas.openxmlformats.org/drawingml/2006/main" xmlns:r="http://schemas.openxmlformats.org/officeDocument/2006/relationships" xmlns:p="http://schemas.openxmlformats.org/presentationml/2006/main" matchingName="Title and body" type="tx">
   <p:cSld name="TITLE_AND_BODY">
     <p:spTree>
       <p:nvGrpSpPr>
-        <p:cNvPr id="84" name="Shape 84"/>
+        <p:cNvPr id="1" name="Shape 84"/>
         <p:cNvGrpSpPr/>
         <p:nvPr/>
       </p:nvGrpSpPr>
@@ -12058,6 +12428,7 @@
                 </a:spcAft>
                 <a:buNone/>
               </a:pPr>
+              <a:endParaRPr/>
             </a:p>
           </p:txBody>
         </p:sp>
@@ -12102,6 +12473,7 @@
                 </a:spcAft>
                 <a:buNone/>
               </a:pPr>
+              <a:endParaRPr/>
             </a:p>
           </p:txBody>
         </p:sp>
@@ -12109,7 +12481,9 @@
       <p:sp>
         <p:nvSpPr>
           <p:cNvPr id="88" name="Google Shape;88;p4"/>
-          <p:cNvSpPr txBox="1"/>
+          <p:cNvSpPr txBox="1">
+            <a:spLocks noGrp="1"/>
+          </p:cNvSpPr>
           <p:nvPr>
             <p:ph type="title"/>
           </p:nvPr>
@@ -12228,13 +12602,17 @@
               <a:defRPr/>
             </a:lvl9pPr>
           </a:lstStyle>
-          <a:p/>
+          <a:p>
+            <a:endParaRPr/>
+          </a:p>
         </p:txBody>
       </p:sp>
       <p:sp>
         <p:nvSpPr>
           <p:cNvPr id="89" name="Google Shape;89;p4"/>
-          <p:cNvSpPr txBox="1"/>
+          <p:cNvSpPr txBox="1">
+            <a:spLocks noGrp="1"/>
+          </p:cNvSpPr>
           <p:nvPr>
             <p:ph type="body" idx="1"/>
           </p:nvPr>
@@ -12353,13 +12731,17 @@
               <a:defRPr/>
             </a:lvl9pPr>
           </a:lstStyle>
-          <a:p/>
+          <a:p>
+            <a:endParaRPr/>
+          </a:p>
         </p:txBody>
       </p:sp>
       <p:sp>
         <p:nvSpPr>
           <p:cNvPr id="90" name="Google Shape;90;p4"/>
-          <p:cNvSpPr txBox="1"/>
+          <p:cNvSpPr txBox="1">
+            <a:spLocks noGrp="1"/>
+          </p:cNvSpPr>
           <p:nvPr>
             <p:ph type="sldNum" idx="12"/>
           </p:nvPr>
@@ -12427,6 +12809,7 @@
             </a:pPr>
             <a:fld id="{00000000-1234-1234-1234-123412341234}" type="slidenum">
               <a:rPr lang="en-GB"/>
+              <a:t>‹#›</a:t>
             </a:fld>
             <a:endParaRPr lang="en-GB"/>
           </a:p>
@@ -12441,11 +12824,11 @@
 </file>
 
 <file path=ppt/slideLayouts/slideLayout4.xml><?xml version="1.0" encoding="utf-8"?>
-<p:sldLayout xmlns:a="http://schemas.openxmlformats.org/drawingml/2006/main" xmlns:r="http://schemas.openxmlformats.org/officeDocument/2006/relationships" xmlns:p="http://schemas.openxmlformats.org/presentationml/2006/main" type="twoColTx" matchingName="Title and two columns">
+<p:sldLayout xmlns:a="http://schemas.openxmlformats.org/drawingml/2006/main" xmlns:r="http://schemas.openxmlformats.org/officeDocument/2006/relationships" xmlns:p="http://schemas.openxmlformats.org/presentationml/2006/main" matchingName="Title and two columns" type="twoColTx">
   <p:cSld name="TITLE_AND_TWO_COLUMNS">
     <p:spTree>
       <p:nvGrpSpPr>
-        <p:cNvPr id="91" name="Shape 91"/>
+        <p:cNvPr id="1" name="Shape 91"/>
         <p:cNvGrpSpPr/>
         <p:nvPr/>
       </p:nvGrpSpPr>
@@ -12512,6 +12895,7 @@
                 </a:spcAft>
                 <a:buNone/>
               </a:pPr>
+              <a:endParaRPr/>
             </a:p>
           </p:txBody>
         </p:sp>
@@ -12556,6 +12940,7 @@
                 </a:spcAft>
                 <a:buNone/>
               </a:pPr>
+              <a:endParaRPr/>
             </a:p>
           </p:txBody>
         </p:sp>
@@ -12563,7 +12948,9 @@
       <p:sp>
         <p:nvSpPr>
           <p:cNvPr id="95" name="Google Shape;95;p5"/>
-          <p:cNvSpPr txBox="1"/>
+          <p:cNvSpPr txBox="1">
+            <a:spLocks noGrp="1"/>
+          </p:cNvSpPr>
           <p:nvPr>
             <p:ph type="title"/>
           </p:nvPr>
@@ -12682,13 +13069,17 @@
               <a:defRPr/>
             </a:lvl9pPr>
           </a:lstStyle>
-          <a:p/>
+          <a:p>
+            <a:endParaRPr/>
+          </a:p>
         </p:txBody>
       </p:sp>
       <p:sp>
         <p:nvSpPr>
           <p:cNvPr id="96" name="Google Shape;96;p5"/>
-          <p:cNvSpPr txBox="1"/>
+          <p:cNvSpPr txBox="1">
+            <a:spLocks noGrp="1"/>
+          </p:cNvSpPr>
           <p:nvPr>
             <p:ph type="body" idx="1"/>
           </p:nvPr>
@@ -12807,13 +13198,17 @@
               <a:defRPr/>
             </a:lvl9pPr>
           </a:lstStyle>
-          <a:p/>
+          <a:p>
+            <a:endParaRPr/>
+          </a:p>
         </p:txBody>
       </p:sp>
       <p:sp>
         <p:nvSpPr>
           <p:cNvPr id="97" name="Google Shape;97;p5"/>
-          <p:cNvSpPr txBox="1"/>
+          <p:cNvSpPr txBox="1">
+            <a:spLocks noGrp="1"/>
+          </p:cNvSpPr>
           <p:nvPr>
             <p:ph type="body" idx="2"/>
           </p:nvPr>
@@ -12932,13 +13327,17 @@
               <a:defRPr/>
             </a:lvl9pPr>
           </a:lstStyle>
-          <a:p/>
+          <a:p>
+            <a:endParaRPr/>
+          </a:p>
         </p:txBody>
       </p:sp>
       <p:sp>
         <p:nvSpPr>
           <p:cNvPr id="98" name="Google Shape;98;p5"/>
-          <p:cNvSpPr txBox="1"/>
+          <p:cNvSpPr txBox="1">
+            <a:spLocks noGrp="1"/>
+          </p:cNvSpPr>
           <p:nvPr>
             <p:ph type="sldNum" idx="12"/>
           </p:nvPr>
@@ -13006,6 +13405,7 @@
             </a:pPr>
             <a:fld id="{00000000-1234-1234-1234-123412341234}" type="slidenum">
               <a:rPr lang="en-GB"/>
+              <a:t>‹#›</a:t>
             </a:fld>
             <a:endParaRPr lang="en-GB"/>
           </a:p>
@@ -13020,11 +13420,11 @@
 </file>
 
 <file path=ppt/slideLayouts/slideLayout5.xml><?xml version="1.0" encoding="utf-8"?>
-<p:sldLayout xmlns:a="http://schemas.openxmlformats.org/drawingml/2006/main" xmlns:r="http://schemas.openxmlformats.org/officeDocument/2006/relationships" xmlns:p="http://schemas.openxmlformats.org/presentationml/2006/main" type="titleOnly" matchingName="Title only">
+<p:sldLayout xmlns:a="http://schemas.openxmlformats.org/drawingml/2006/main" xmlns:r="http://schemas.openxmlformats.org/officeDocument/2006/relationships" xmlns:p="http://schemas.openxmlformats.org/presentationml/2006/main" matchingName="Title only" type="titleOnly">
   <p:cSld name="TITLE_ONLY">
     <p:spTree>
       <p:nvGrpSpPr>
-        <p:cNvPr id="99" name="Shape 99"/>
+        <p:cNvPr id="1" name="Shape 99"/>
         <p:cNvGrpSpPr/>
         <p:nvPr/>
       </p:nvGrpSpPr>
@@ -13091,6 +13491,7 @@
                 </a:spcAft>
                 <a:buNone/>
               </a:pPr>
+              <a:endParaRPr/>
             </a:p>
           </p:txBody>
         </p:sp>
@@ -13135,6 +13536,7 @@
                 </a:spcAft>
                 <a:buNone/>
               </a:pPr>
+              <a:endParaRPr/>
             </a:p>
           </p:txBody>
         </p:sp>
@@ -13142,7 +13544,9 @@
       <p:sp>
         <p:nvSpPr>
           <p:cNvPr id="103" name="Google Shape;103;p6"/>
-          <p:cNvSpPr txBox="1"/>
+          <p:cNvSpPr txBox="1">
+            <a:spLocks noGrp="1"/>
+          </p:cNvSpPr>
           <p:nvPr>
             <p:ph type="title"/>
           </p:nvPr>
@@ -13261,13 +13665,17 @@
               <a:defRPr/>
             </a:lvl9pPr>
           </a:lstStyle>
-          <a:p/>
+          <a:p>
+            <a:endParaRPr/>
+          </a:p>
         </p:txBody>
       </p:sp>
       <p:sp>
         <p:nvSpPr>
           <p:cNvPr id="104" name="Google Shape;104;p6"/>
-          <p:cNvSpPr txBox="1"/>
+          <p:cNvSpPr txBox="1">
+            <a:spLocks noGrp="1"/>
+          </p:cNvSpPr>
           <p:nvPr>
             <p:ph type="sldNum" idx="12"/>
           </p:nvPr>
@@ -13335,6 +13743,7 @@
             </a:pPr>
             <a:fld id="{00000000-1234-1234-1234-123412341234}" type="slidenum">
               <a:rPr lang="en-GB"/>
+              <a:t>‹#›</a:t>
             </a:fld>
             <a:endParaRPr lang="en-GB"/>
           </a:p>
@@ -13353,7 +13762,7 @@
   <p:cSld name="ONE_COLUMN_TEXT">
     <p:spTree>
       <p:nvGrpSpPr>
-        <p:cNvPr id="105" name="Shape 105"/>
+        <p:cNvPr id="1" name="Shape 105"/>
         <p:cNvGrpSpPr/>
         <p:nvPr/>
       </p:nvGrpSpPr>
@@ -13420,6 +13829,7 @@
                 </a:spcAft>
                 <a:buNone/>
               </a:pPr>
+              <a:endParaRPr/>
             </a:p>
           </p:txBody>
         </p:sp>
@@ -13464,6 +13874,7 @@
                 </a:spcAft>
                 <a:buNone/>
               </a:pPr>
+              <a:endParaRPr/>
             </a:p>
           </p:txBody>
         </p:sp>
@@ -13471,7 +13882,9 @@
       <p:sp>
         <p:nvSpPr>
           <p:cNvPr id="109" name="Google Shape;109;p7"/>
-          <p:cNvSpPr txBox="1"/>
+          <p:cNvSpPr txBox="1">
+            <a:spLocks noGrp="1"/>
+          </p:cNvSpPr>
           <p:nvPr>
             <p:ph type="title"/>
           </p:nvPr>
@@ -13590,13 +14003,17 @@
               <a:defRPr/>
             </a:lvl9pPr>
           </a:lstStyle>
-          <a:p/>
+          <a:p>
+            <a:endParaRPr/>
+          </a:p>
         </p:txBody>
       </p:sp>
       <p:sp>
         <p:nvSpPr>
           <p:cNvPr id="110" name="Google Shape;110;p7"/>
-          <p:cNvSpPr txBox="1"/>
+          <p:cNvSpPr txBox="1">
+            <a:spLocks noGrp="1"/>
+          </p:cNvSpPr>
           <p:nvPr>
             <p:ph type="body" idx="1"/>
           </p:nvPr>
@@ -13715,13 +14132,17 @@
               <a:defRPr/>
             </a:lvl9pPr>
           </a:lstStyle>
-          <a:p/>
+          <a:p>
+            <a:endParaRPr/>
+          </a:p>
         </p:txBody>
       </p:sp>
       <p:sp>
         <p:nvSpPr>
           <p:cNvPr id="111" name="Google Shape;111;p7"/>
-          <p:cNvSpPr txBox="1"/>
+          <p:cNvSpPr txBox="1">
+            <a:spLocks noGrp="1"/>
+          </p:cNvSpPr>
           <p:nvPr>
             <p:ph type="sldNum" idx="12"/>
           </p:nvPr>
@@ -13789,6 +14210,7 @@
             </a:pPr>
             <a:fld id="{00000000-1234-1234-1234-123412341234}" type="slidenum">
               <a:rPr lang="en-GB"/>
+              <a:t>‹#›</a:t>
             </a:fld>
             <a:endParaRPr lang="en-GB"/>
           </a:p>
@@ -13815,7 +14237,7 @@
     </p:bg>
     <p:spTree>
       <p:nvGrpSpPr>
-        <p:cNvPr id="112" name="Shape 112"/>
+        <p:cNvPr id="1" name="Shape 112"/>
         <p:cNvGrpSpPr/>
         <p:nvPr/>
       </p:nvGrpSpPr>
@@ -13893,6 +14315,7 @@
                   </a:spcAft>
                   <a:buNone/>
                 </a:pPr>
+                <a:endParaRPr/>
               </a:p>
             </p:txBody>
           </p:sp>
@@ -13937,6 +14360,7 @@
                   </a:spcAft>
                   <a:buNone/>
                 </a:pPr>
+                <a:endParaRPr/>
               </a:p>
             </p:txBody>
           </p:sp>
@@ -13978,6 +14402,7 @@
                   </a:spcAft>
                   <a:buNone/>
                 </a:pPr>
+                <a:endParaRPr/>
               </a:p>
             </p:txBody>
           </p:sp>
@@ -14034,6 +14459,7 @@
                   </a:spcAft>
                   <a:buNone/>
                 </a:pPr>
+                <a:endParaRPr/>
               </a:p>
             </p:txBody>
           </p:sp>
@@ -14075,6 +14501,7 @@
                   </a:spcAft>
                   <a:buNone/>
                 </a:pPr>
+                <a:endParaRPr/>
               </a:p>
             </p:txBody>
           </p:sp>
@@ -14119,6 +14546,7 @@
                   </a:spcAft>
                   <a:buNone/>
                 </a:pPr>
+                <a:endParaRPr/>
               </a:p>
             </p:txBody>
           </p:sp>
@@ -14175,6 +14603,7 @@
                   </a:spcAft>
                   <a:buNone/>
                 </a:pPr>
+                <a:endParaRPr/>
               </a:p>
             </p:txBody>
           </p:sp>
@@ -14219,6 +14648,7 @@
                   </a:spcAft>
                   <a:buNone/>
                 </a:pPr>
+                <a:endParaRPr/>
               </a:p>
             </p:txBody>
           </p:sp>
@@ -14227,7 +14657,9 @@
       <p:sp>
         <p:nvSpPr>
           <p:cNvPr id="125" name="Google Shape;125;p8"/>
-          <p:cNvSpPr txBox="1"/>
+          <p:cNvSpPr txBox="1">
+            <a:spLocks noGrp="1"/>
+          </p:cNvSpPr>
           <p:nvPr>
             <p:ph type="title"/>
           </p:nvPr>
@@ -14409,13 +14841,17 @@
               </a:defRPr>
             </a:lvl9pPr>
           </a:lstStyle>
-          <a:p/>
+          <a:p>
+            <a:endParaRPr/>
+          </a:p>
         </p:txBody>
       </p:sp>
       <p:sp>
         <p:nvSpPr>
           <p:cNvPr id="126" name="Google Shape;126;p8"/>
-          <p:cNvSpPr txBox="1"/>
+          <p:cNvSpPr txBox="1">
+            <a:spLocks noGrp="1"/>
+          </p:cNvSpPr>
           <p:nvPr>
             <p:ph type="sldNum" idx="12"/>
           </p:nvPr>
@@ -14519,6 +14955,7 @@
             </a:pPr>
             <a:fld id="{00000000-1234-1234-1234-123412341234}" type="slidenum">
               <a:rPr lang="en-GB"/>
+              <a:t>‹#›</a:t>
             </a:fld>
             <a:endParaRPr lang="en-GB"/>
           </a:p>
@@ -14537,7 +14974,7 @@
   <p:cSld name="SECTION_TITLE_AND_DESCRIPTION">
     <p:spTree>
       <p:nvGrpSpPr>
-        <p:cNvPr id="127" name="Shape 127"/>
+        <p:cNvPr id="1" name="Shape 127"/>
         <p:cNvGrpSpPr/>
         <p:nvPr/>
       </p:nvGrpSpPr>
@@ -14604,6 +15041,7 @@
                 </a:spcAft>
                 <a:buNone/>
               </a:pPr>
+              <a:endParaRPr/>
             </a:p>
           </p:txBody>
         </p:sp>
@@ -14648,6 +15086,7 @@
                 </a:spcAft>
                 <a:buNone/>
               </a:pPr>
+              <a:endParaRPr/>
             </a:p>
           </p:txBody>
         </p:sp>
@@ -14655,7 +15094,9 @@
       <p:sp>
         <p:nvSpPr>
           <p:cNvPr id="131" name="Google Shape;131;p9"/>
-          <p:cNvSpPr txBox="1"/>
+          <p:cNvSpPr txBox="1">
+            <a:spLocks noGrp="1"/>
+          </p:cNvSpPr>
           <p:nvPr>
             <p:ph type="title"/>
           </p:nvPr>
@@ -14783,13 +15224,17 @@
               <a:defRPr/>
             </a:lvl9pPr>
           </a:lstStyle>
-          <a:p/>
+          <a:p>
+            <a:endParaRPr/>
+          </a:p>
         </p:txBody>
       </p:sp>
       <p:sp>
         <p:nvSpPr>
           <p:cNvPr id="132" name="Google Shape;132;p9"/>
-          <p:cNvSpPr txBox="1"/>
+          <p:cNvSpPr txBox="1">
+            <a:spLocks noGrp="1"/>
+          </p:cNvSpPr>
           <p:nvPr>
             <p:ph type="subTitle" idx="1"/>
           </p:nvPr>
@@ -14944,13 +15389,17 @@
               <a:defRPr sz="1600"/>
             </a:lvl9pPr>
           </a:lstStyle>
-          <a:p/>
+          <a:p>
+            <a:endParaRPr/>
+          </a:p>
         </p:txBody>
       </p:sp>
       <p:sp>
         <p:nvSpPr>
           <p:cNvPr id="133" name="Google Shape;133;p9"/>
-          <p:cNvSpPr txBox="1"/>
+          <p:cNvSpPr txBox="1">
+            <a:spLocks noGrp="1"/>
+          </p:cNvSpPr>
           <p:nvPr>
             <p:ph type="body" idx="2"/>
           </p:nvPr>
@@ -15078,13 +15527,17 @@
               <a:defRPr/>
             </a:lvl9pPr>
           </a:lstStyle>
-          <a:p/>
+          <a:p>
+            <a:endParaRPr/>
+          </a:p>
         </p:txBody>
       </p:sp>
       <p:sp>
         <p:nvSpPr>
           <p:cNvPr id="134" name="Google Shape;134;p9"/>
-          <p:cNvSpPr txBox="1"/>
+          <p:cNvSpPr txBox="1">
+            <a:spLocks noGrp="1"/>
+          </p:cNvSpPr>
           <p:nvPr>
             <p:ph type="sldNum" idx="12"/>
           </p:nvPr>
@@ -15152,6 +15605,7 @@
             </a:pPr>
             <a:fld id="{00000000-1234-1234-1234-123412341234}" type="slidenum">
               <a:rPr lang="en-GB"/>
+              <a:t>‹#›</a:t>
             </a:fld>
             <a:endParaRPr lang="en-GB"/>
           </a:p>
@@ -15170,7 +15624,7 @@
   <p:cSld name="CAPTION_ONLY">
     <p:spTree>
       <p:nvGrpSpPr>
-        <p:cNvPr id="135" name="Shape 135"/>
+        <p:cNvPr id="1" name="Shape 135"/>
         <p:cNvGrpSpPr/>
         <p:nvPr/>
       </p:nvGrpSpPr>
@@ -15237,6 +15691,7 @@
                 </a:spcAft>
                 <a:buNone/>
               </a:pPr>
+              <a:endParaRPr/>
             </a:p>
           </p:txBody>
         </p:sp>
@@ -15281,6 +15736,7 @@
                 </a:spcAft>
                 <a:buNone/>
               </a:pPr>
+              <a:endParaRPr/>
             </a:p>
           </p:txBody>
         </p:sp>
@@ -15288,7 +15744,9 @@
       <p:sp>
         <p:nvSpPr>
           <p:cNvPr id="139" name="Google Shape;139;p10"/>
-          <p:cNvSpPr txBox="1"/>
+          <p:cNvSpPr txBox="1">
+            <a:spLocks noGrp="1"/>
+          </p:cNvSpPr>
           <p:nvPr>
             <p:ph type="body" idx="1"/>
           </p:nvPr>
@@ -15322,13 +15780,17 @@
               <a:defRPr/>
             </a:lvl1pPr>
           </a:lstStyle>
-          <a:p/>
+          <a:p>
+            <a:endParaRPr/>
+          </a:p>
         </p:txBody>
       </p:sp>
       <p:sp>
         <p:nvSpPr>
           <p:cNvPr id="140" name="Google Shape;140;p10"/>
-          <p:cNvSpPr txBox="1"/>
+          <p:cNvSpPr txBox="1">
+            <a:spLocks noGrp="1"/>
+          </p:cNvSpPr>
           <p:nvPr>
             <p:ph type="sldNum" idx="12"/>
           </p:nvPr>
@@ -15396,6 +15858,7 @@
             </a:pPr>
             <a:fld id="{00000000-1234-1234-1234-123412341234}" type="slidenum">
               <a:rPr lang="en-GB"/>
+              <a:t>‹#›</a:t>
             </a:fld>
             <a:endParaRPr lang="en-GB"/>
           </a:p>
@@ -15422,7 +15885,7 @@
     </p:bg>
     <p:spTree>
       <p:nvGrpSpPr>
-        <p:cNvPr id="5" name="Shape 5"/>
+        <p:cNvPr id="1" name="Shape 5"/>
         <p:cNvGrpSpPr/>
         <p:nvPr/>
       </p:nvGrpSpPr>
@@ -15437,7 +15900,9 @@
       <p:sp>
         <p:nvSpPr>
           <p:cNvPr id="6" name="Google Shape;6;p1"/>
-          <p:cNvSpPr txBox="1"/>
+          <p:cNvSpPr txBox="1">
+            <a:spLocks noGrp="1"/>
+          </p:cNvSpPr>
           <p:nvPr>
             <p:ph type="title"/>
           </p:nvPr>
@@ -15668,13 +16133,17 @@
               </a:defRPr>
             </a:lvl9pPr>
           </a:lstStyle>
-          <a:p/>
+          <a:p>
+            <a:endParaRPr/>
+          </a:p>
         </p:txBody>
       </p:sp>
       <p:sp>
         <p:nvSpPr>
           <p:cNvPr id="7" name="Google Shape;7;p1"/>
-          <p:cNvSpPr txBox="1"/>
+          <p:cNvSpPr txBox="1">
+            <a:spLocks noGrp="1"/>
+          </p:cNvSpPr>
           <p:nvPr>
             <p:ph type="body" idx="1"/>
           </p:nvPr>
@@ -15932,13 +16401,17 @@
               </a:defRPr>
             </a:lvl9pPr>
           </a:lstStyle>
-          <a:p/>
+          <a:p>
+            <a:endParaRPr/>
+          </a:p>
         </p:txBody>
       </p:sp>
       <p:sp>
         <p:nvSpPr>
           <p:cNvPr id="8" name="Google Shape;8;p1"/>
-          <p:cNvSpPr txBox="1"/>
+          <p:cNvSpPr txBox="1">
+            <a:spLocks noGrp="1"/>
+          </p:cNvSpPr>
           <p:nvPr>
             <p:ph type="sldNum" idx="12"/>
           </p:nvPr>
@@ -16082,6 +16555,7 @@
             </a:pPr>
             <a:fld id="{00000000-1234-1234-1234-123412341234}" type="slidenum">
               <a:rPr lang="en-GB"/>
+              <a:t>‹#›</a:t>
             </a:fld>
             <a:endParaRPr lang="en-GB"/>
           </a:p>
@@ -16815,7 +17289,7 @@
     </p:bg>
     <p:spTree>
       <p:nvGrpSpPr>
-        <p:cNvPr id="276" name="Shape 276"/>
+        <p:cNvPr id="1" name="Shape 276"/>
         <p:cNvGrpSpPr/>
         <p:nvPr/>
       </p:nvGrpSpPr>
@@ -16830,7 +17304,9 @@
       <p:sp>
         <p:nvSpPr>
           <p:cNvPr id="277" name="Google Shape;277;p13"/>
-          <p:cNvSpPr txBox="1"/>
+          <p:cNvSpPr txBox="1">
+            <a:spLocks noGrp="1"/>
+          </p:cNvSpPr>
           <p:nvPr>
             <p:ph type="ctrTitle"/>
           </p:nvPr>
@@ -17005,7 +17481,9 @@
       <p:sp>
         <p:nvSpPr>
           <p:cNvPr id="278" name="Google Shape;278;p13"/>
-          <p:cNvSpPr txBox="1"/>
+          <p:cNvSpPr txBox="1">
+            <a:spLocks noGrp="1"/>
+          </p:cNvSpPr>
           <p:nvPr>
             <p:ph type="subTitle" idx="1"/>
           </p:nvPr>
@@ -17084,13 +17562,6 @@
               </a:rPr>
               <a:t>Guide : Dr P.G.Sunita Hiremath.</a:t>
             </a:r>
-            <a:endParaRPr lang="en-US">
-              <a:solidFill>
-                <a:schemeClr val="bg2"/>
-              </a:solidFill>
-              <a:latin typeface="Georgia" panose="02040502050405020303" charset="0"/>
-              <a:cs typeface="Georgia" panose="02040502050405020303" charset="0"/>
-            </a:endParaRPr>
           </a:p>
           <a:p>
             <a:pPr marL="0" lvl="0" indent="0" algn="l" rtl="0">
@@ -17112,13 +17583,6 @@
               </a:rPr>
               <a:t>TEAM Members:</a:t>
             </a:r>
-            <a:endParaRPr lang="en-US">
-              <a:solidFill>
-                <a:schemeClr val="bg2"/>
-              </a:solidFill>
-              <a:latin typeface="Georgia" panose="02040502050405020303" charset="0"/>
-              <a:cs typeface="Georgia" panose="02040502050405020303" charset="0"/>
-            </a:endParaRPr>
           </a:p>
           <a:p>
             <a:pPr marL="0" lvl="0" indent="0" algn="l" rtl="0">
@@ -17140,13 +17604,6 @@
               </a:rPr>
               <a:t>* Varun Bohara.                01fe18bcs278</a:t>
             </a:r>
-            <a:endParaRPr lang="en-US">
-              <a:solidFill>
-                <a:schemeClr val="bg2"/>
-              </a:solidFill>
-              <a:latin typeface="Georgia" panose="02040502050405020303" charset="0"/>
-              <a:cs typeface="Georgia" panose="02040502050405020303" charset="0"/>
-            </a:endParaRPr>
           </a:p>
           <a:p>
             <a:pPr marL="0" lvl="0" indent="0" algn="l" rtl="0">
@@ -17168,13 +17625,6 @@
               </a:rPr>
               <a:t>* Sakshi Tahlani.               01fe18bcs271</a:t>
             </a:r>
-            <a:endParaRPr lang="en-US">
-              <a:solidFill>
-                <a:schemeClr val="bg2"/>
-              </a:solidFill>
-              <a:latin typeface="Georgia" panose="02040502050405020303" charset="0"/>
-              <a:cs typeface="Georgia" panose="02040502050405020303" charset="0"/>
-            </a:endParaRPr>
           </a:p>
           <a:p>
             <a:pPr marL="0" lvl="0" indent="0" algn="l" rtl="0">
@@ -17196,13 +17646,6 @@
               </a:rPr>
               <a:t>* Abhishek Rao.                01fe18bcs297</a:t>
             </a:r>
-            <a:endParaRPr lang="en-US">
-              <a:solidFill>
-                <a:schemeClr val="bg2"/>
-              </a:solidFill>
-              <a:latin typeface="Georgia" panose="02040502050405020303" charset="0"/>
-              <a:cs typeface="Georgia" panose="02040502050405020303" charset="0"/>
-            </a:endParaRPr>
           </a:p>
           <a:p>
             <a:pPr marL="0" lvl="0" indent="0" algn="l" rtl="0">
@@ -17274,7 +17717,7 @@
           <p:nvPr/>
         </p:nvPicPr>
         <p:blipFill>
-          <a:blip r:embed="rId1">
+          <a:blip r:embed="rId3">
             <a:clrChange>
               <a:clrFrom>
                 <a:srgbClr val="FFFFFF">
@@ -17317,7 +17760,559 @@
   <p:cSld>
     <p:spTree>
       <p:nvGrpSpPr>
-        <p:cNvPr id="324" name="Shape 324"/>
+        <p:cNvPr id="1" name="Shape 318"/>
+        <p:cNvGrpSpPr/>
+        <p:nvPr/>
+      </p:nvGrpSpPr>
+      <p:grpSpPr>
+        <a:xfrm>
+          <a:off x="0" y="0"/>
+          <a:ext cx="0" cy="0"/>
+          <a:chOff x="0" y="0"/>
+          <a:chExt cx="0" cy="0"/>
+        </a:xfrm>
+      </p:grpSpPr>
+      <p:sp>
+        <p:nvSpPr>
+          <p:cNvPr id="319" name="Google Shape;319;p20"/>
+          <p:cNvSpPr txBox="1">
+            <a:spLocks noGrp="1"/>
+          </p:cNvSpPr>
+          <p:nvPr>
+            <p:ph type="title"/>
+          </p:nvPr>
+        </p:nvSpPr>
+        <p:spPr>
+          <a:prstGeom prst="rect">
+            <a:avLst/>
+          </a:prstGeom>
+        </p:spPr>
+        <p:txBody>
+          <a:bodyPr spcFirstLastPara="1" wrap="square" lIns="91425" tIns="91425" rIns="91425" bIns="91425" anchor="t" anchorCtr="0">
+            <a:noAutofit/>
+          </a:bodyPr>
+          <a:lstStyle/>
+          <a:p>
+            <a:pPr marL="0" lvl="0" indent="0" algn="l" rtl="0">
+              <a:spcBef>
+                <a:spcPts val="0"/>
+              </a:spcBef>
+              <a:spcAft>
+                <a:spcPts val="0"/>
+              </a:spcAft>
+              <a:buNone/>
+            </a:pPr>
+            <a:r>
+              <a:rPr lang="en-US">
+                <a:latin typeface="Georgia" panose="02040502050405020303" charset="0"/>
+                <a:cs typeface="Georgia" panose="02040502050405020303" charset="0"/>
+                <a:sym typeface="+mn-ea"/>
+              </a:rPr>
+              <a:t>PROPOSED METHODOLOGY</a:t>
+            </a:r>
+            <a:br>
+              <a:rPr lang="en-US">
+                <a:latin typeface="Georgia" panose="02040502050405020303" charset="0"/>
+                <a:cs typeface="Georgia" panose="02040502050405020303" charset="0"/>
+                <a:sym typeface="+mn-ea"/>
+              </a:rPr>
+            </a:br>
+            <a:endParaRPr lang="en-US">
+              <a:latin typeface="Georgia" panose="02040502050405020303" charset="0"/>
+              <a:cs typeface="Georgia" panose="02040502050405020303" charset="0"/>
+              <a:sym typeface="+mn-ea"/>
+            </a:endParaRPr>
+          </a:p>
+        </p:txBody>
+      </p:sp>
+      <p:sp>
+        <p:nvSpPr>
+          <p:cNvPr id="2" name="Rounded Rectangle 1"/>
+          <p:cNvSpPr/>
+          <p:nvPr/>
+        </p:nvSpPr>
+        <p:spPr>
+          <a:xfrm>
+            <a:off x="2187575" y="1633220"/>
+            <a:ext cx="2330450" cy="2085975"/>
+          </a:xfrm>
+          <a:prstGeom prst="roundRect">
+            <a:avLst/>
+          </a:prstGeom>
+        </p:spPr>
+        <p:style>
+          <a:lnRef idx="2">
+            <a:schemeClr val="accent3"/>
+          </a:lnRef>
+          <a:fillRef idx="1">
+            <a:schemeClr val="lt1"/>
+          </a:fillRef>
+          <a:effectRef idx="0">
+            <a:schemeClr val="accent3"/>
+          </a:effectRef>
+          <a:fontRef idx="minor">
+            <a:schemeClr val="dk1"/>
+          </a:fontRef>
+        </p:style>
+        <p:txBody>
+          <a:bodyPr rtlCol="0" anchor="ctr"/>
+          <a:lstStyle/>
+          <a:p>
+            <a:pPr algn="ctr"/>
+            <a:endParaRPr lang="en-US"/>
+          </a:p>
+        </p:txBody>
+      </p:sp>
+      <p:sp>
+        <p:nvSpPr>
+          <p:cNvPr id="5" name="Text Box 0"/>
+          <p:cNvSpPr txBox="1"/>
+          <p:nvPr/>
+        </p:nvSpPr>
+        <p:spPr>
+          <a:xfrm>
+            <a:off x="1049655" y="2118360"/>
+            <a:ext cx="622300" cy="306705"/>
+          </a:xfrm>
+          <a:prstGeom prst="rect">
+            <a:avLst/>
+          </a:prstGeom>
+          <a:noFill/>
+        </p:spPr>
+        <p:txBody>
+          <a:bodyPr wrap="none" rtlCol="0">
+            <a:spAutoFit/>
+          </a:bodyPr>
+          <a:lstStyle/>
+          <a:p>
+            <a:r>
+              <a:rPr lang="en-US">
+                <a:latin typeface="Georgia" panose="02040502050405020303" charset="0"/>
+                <a:cs typeface="Georgia" panose="02040502050405020303" charset="0"/>
+              </a:rPr>
+              <a:t>Input</a:t>
+            </a:r>
+          </a:p>
+        </p:txBody>
+      </p:sp>
+      <p:sp>
+        <p:nvSpPr>
+          <p:cNvPr id="3" name="Text Box 2"/>
+          <p:cNvSpPr txBox="1"/>
+          <p:nvPr/>
+        </p:nvSpPr>
+        <p:spPr>
+          <a:xfrm>
+            <a:off x="5257800" y="3361690"/>
+            <a:ext cx="744220" cy="306705"/>
+          </a:xfrm>
+          <a:prstGeom prst="rect">
+            <a:avLst/>
+          </a:prstGeom>
+          <a:noFill/>
+        </p:spPr>
+        <p:txBody>
+          <a:bodyPr wrap="none" rtlCol="0">
+            <a:spAutoFit/>
+          </a:bodyPr>
+          <a:lstStyle/>
+          <a:p>
+            <a:r>
+              <a:rPr lang="en-US">
+                <a:latin typeface="Georgia" panose="02040502050405020303" charset="0"/>
+                <a:cs typeface="Georgia" panose="02040502050405020303" charset="0"/>
+              </a:rPr>
+              <a:t>Output</a:t>
+            </a:r>
+          </a:p>
+        </p:txBody>
+      </p:sp>
+      <p:pic>
+        <p:nvPicPr>
+          <p:cNvPr id="4" name="Content Placeholder 3" descr="02891"/>
+          <p:cNvPicPr>
+            <a:picLocks noGrp="1" noChangeAspect="1"/>
+          </p:cNvPicPr>
+          <p:nvPr>
+            <p:ph idx="1"/>
+          </p:nvPr>
+        </p:nvPicPr>
+        <p:blipFill>
+          <a:blip r:embed="rId3"/>
+          <a:stretch>
+            <a:fillRect/>
+          </a:stretch>
+        </p:blipFill>
+        <p:spPr>
+          <a:xfrm>
+            <a:off x="935355" y="2425065"/>
+            <a:ext cx="1003300" cy="668020"/>
+          </a:xfrm>
+          <a:prstGeom prst="rect">
+            <a:avLst/>
+          </a:prstGeom>
+        </p:spPr>
+      </p:pic>
+      <p:sp>
+        <p:nvSpPr>
+          <p:cNvPr id="7" name="Rounded Rectangle 6"/>
+          <p:cNvSpPr/>
+          <p:nvPr/>
+        </p:nvSpPr>
+        <p:spPr>
+          <a:xfrm>
+            <a:off x="2545080" y="2910205"/>
+            <a:ext cx="1640205" cy="471805"/>
+          </a:xfrm>
+          <a:prstGeom prst="roundRect">
+            <a:avLst/>
+          </a:prstGeom>
+        </p:spPr>
+        <p:style>
+          <a:lnRef idx="2">
+            <a:schemeClr val="accent1"/>
+          </a:lnRef>
+          <a:fillRef idx="1">
+            <a:schemeClr val="lt1"/>
+          </a:fillRef>
+          <a:effectRef idx="0">
+            <a:schemeClr val="accent1"/>
+          </a:effectRef>
+          <a:fontRef idx="minor">
+            <a:schemeClr val="dk1"/>
+          </a:fontRef>
+        </p:style>
+        <p:txBody>
+          <a:bodyPr rtlCol="0" anchor="ctr"/>
+          <a:lstStyle/>
+          <a:p>
+            <a:pPr algn="ctr"/>
+            <a:r>
+              <a:rPr lang="en-US" dirty="0">
+                <a:latin typeface="Georgia" panose="02040502050405020303" charset="0"/>
+                <a:cs typeface="Georgia" panose="02040502050405020303" charset="0"/>
+              </a:rPr>
+              <a:t>Visual Module</a:t>
+            </a:r>
+          </a:p>
+        </p:txBody>
+      </p:sp>
+      <p:sp>
+        <p:nvSpPr>
+          <p:cNvPr id="8" name="Rounded Rectangle 7"/>
+          <p:cNvSpPr/>
+          <p:nvPr/>
+        </p:nvSpPr>
+        <p:spPr>
+          <a:xfrm>
+            <a:off x="2532380" y="1953260"/>
+            <a:ext cx="1640205" cy="471805"/>
+          </a:xfrm>
+          <a:prstGeom prst="roundRect">
+            <a:avLst/>
+          </a:prstGeom>
+        </p:spPr>
+        <p:style>
+          <a:lnRef idx="2">
+            <a:schemeClr val="accent1"/>
+          </a:lnRef>
+          <a:fillRef idx="1">
+            <a:schemeClr val="lt1"/>
+          </a:fillRef>
+          <a:effectRef idx="0">
+            <a:schemeClr val="accent1"/>
+          </a:effectRef>
+          <a:fontRef idx="minor">
+            <a:schemeClr val="dk1"/>
+          </a:fontRef>
+        </p:style>
+        <p:txBody>
+          <a:bodyPr rtlCol="0" anchor="ctr"/>
+          <a:lstStyle/>
+          <a:p>
+            <a:pPr algn="ctr"/>
+            <a:r>
+              <a:rPr lang="en-US" dirty="0">
+                <a:latin typeface="Georgia" panose="02040502050405020303" charset="0"/>
+                <a:cs typeface="Georgia" panose="02040502050405020303" charset="0"/>
+              </a:rPr>
+              <a:t>Image Module</a:t>
+            </a:r>
+          </a:p>
+        </p:txBody>
+      </p:sp>
+      <p:sp>
+        <p:nvSpPr>
+          <p:cNvPr id="9" name="Rounded Rectangle 8"/>
+          <p:cNvSpPr/>
+          <p:nvPr/>
+        </p:nvSpPr>
+        <p:spPr>
+          <a:xfrm>
+            <a:off x="4808220" y="2425065"/>
+            <a:ext cx="1640205" cy="471805"/>
+          </a:xfrm>
+          <a:prstGeom prst="roundRect">
+            <a:avLst/>
+          </a:prstGeom>
+        </p:spPr>
+        <p:style>
+          <a:lnRef idx="2">
+            <a:schemeClr val="accent1"/>
+          </a:lnRef>
+          <a:fillRef idx="1">
+            <a:schemeClr val="lt1"/>
+          </a:fillRef>
+          <a:effectRef idx="0">
+            <a:schemeClr val="accent1"/>
+          </a:effectRef>
+          <a:fontRef idx="minor">
+            <a:schemeClr val="dk1"/>
+          </a:fontRef>
+        </p:style>
+        <p:txBody>
+          <a:bodyPr rtlCol="0" anchor="ctr"/>
+          <a:lstStyle/>
+          <a:p>
+            <a:pPr algn="ctr"/>
+            <a:r>
+              <a:rPr lang="en-US">
+                <a:latin typeface="Georgia" panose="02040502050405020303" charset="0"/>
+                <a:cs typeface="Georgia" panose="02040502050405020303" charset="0"/>
+              </a:rPr>
+              <a:t>Decoder</a:t>
+            </a:r>
+          </a:p>
+        </p:txBody>
+      </p:sp>
+      <p:cxnSp>
+        <p:nvCxnSpPr>
+          <p:cNvPr id="10" name="Straight Arrow Connector 9"/>
+          <p:cNvCxnSpPr/>
+          <p:nvPr/>
+        </p:nvCxnSpPr>
+        <p:spPr>
+          <a:xfrm>
+            <a:off x="5609590" y="2922270"/>
+            <a:ext cx="1905" cy="503555"/>
+          </a:xfrm>
+          <a:prstGeom prst="straightConnector1">
+            <a:avLst/>
+          </a:prstGeom>
+          <a:ln w="41275" cmpd="sng">
+            <a:solidFill>
+              <a:schemeClr val="accent1">
+                <a:shade val="50000"/>
+              </a:schemeClr>
+            </a:solidFill>
+            <a:prstDash val="solid"/>
+            <a:tailEnd type="arrow"/>
+          </a:ln>
+        </p:spPr>
+        <p:style>
+          <a:lnRef idx="1">
+            <a:schemeClr val="accent1"/>
+          </a:lnRef>
+          <a:fillRef idx="0">
+            <a:schemeClr val="accent1"/>
+          </a:fillRef>
+          <a:effectRef idx="0">
+            <a:schemeClr val="accent1"/>
+          </a:effectRef>
+          <a:fontRef idx="minor">
+            <a:schemeClr val="tx1"/>
+          </a:fontRef>
+        </p:style>
+      </p:cxnSp>
+      <p:cxnSp>
+        <p:nvCxnSpPr>
+          <p:cNvPr id="11" name="Straight Arrow Connector 10"/>
+          <p:cNvCxnSpPr/>
+          <p:nvPr/>
+        </p:nvCxnSpPr>
+        <p:spPr>
+          <a:xfrm>
+            <a:off x="6461125" y="2661285"/>
+            <a:ext cx="576000" cy="10160"/>
+          </a:xfrm>
+          <a:prstGeom prst="straightConnector1">
+            <a:avLst/>
+          </a:prstGeom>
+          <a:ln w="41275" cmpd="sng">
+            <a:tailEnd type="arrow"/>
+          </a:ln>
+        </p:spPr>
+        <p:style>
+          <a:lnRef idx="1">
+            <a:schemeClr val="accent1"/>
+          </a:lnRef>
+          <a:fillRef idx="0">
+            <a:schemeClr val="accent1"/>
+          </a:fillRef>
+          <a:effectRef idx="0">
+            <a:schemeClr val="accent1"/>
+          </a:effectRef>
+          <a:fontRef idx="minor">
+            <a:schemeClr val="tx1"/>
+          </a:fontRef>
+        </p:style>
+      </p:cxnSp>
+      <p:sp>
+        <p:nvSpPr>
+          <p:cNvPr id="12" name="Rounded Rectangle 11"/>
+          <p:cNvSpPr/>
+          <p:nvPr/>
+        </p:nvSpPr>
+        <p:spPr>
+          <a:xfrm>
+            <a:off x="7024370" y="2425065"/>
+            <a:ext cx="1640205" cy="471805"/>
+          </a:xfrm>
+          <a:prstGeom prst="roundRect">
+            <a:avLst/>
+          </a:prstGeom>
+        </p:spPr>
+        <p:style>
+          <a:lnRef idx="2">
+            <a:schemeClr val="accent1"/>
+          </a:lnRef>
+          <a:fillRef idx="1">
+            <a:schemeClr val="lt1"/>
+          </a:fillRef>
+          <a:effectRef idx="0">
+            <a:schemeClr val="accent1"/>
+          </a:effectRef>
+          <a:fontRef idx="minor">
+            <a:schemeClr val="dk1"/>
+          </a:fontRef>
+        </p:style>
+        <p:txBody>
+          <a:bodyPr rtlCol="0" anchor="ctr"/>
+          <a:lstStyle/>
+          <a:p>
+            <a:pPr algn="ctr"/>
+            <a:r>
+              <a:rPr lang="en-US">
+                <a:latin typeface="Georgia" panose="02040502050405020303" charset="0"/>
+                <a:cs typeface="Georgia" panose="02040502050405020303" charset="0"/>
+              </a:rPr>
+              <a:t>Performance Evaluation</a:t>
+            </a:r>
+          </a:p>
+        </p:txBody>
+      </p:sp>
+      <p:cxnSp>
+        <p:nvCxnSpPr>
+          <p:cNvPr id="13" name="Straight Arrow Connector 12"/>
+          <p:cNvCxnSpPr/>
+          <p:nvPr/>
+        </p:nvCxnSpPr>
+        <p:spPr>
+          <a:xfrm>
+            <a:off x="4518025" y="2671445"/>
+            <a:ext cx="282575" cy="6985"/>
+          </a:xfrm>
+          <a:prstGeom prst="straightConnector1">
+            <a:avLst/>
+          </a:prstGeom>
+          <a:ln w="41275" cmpd="sng">
+            <a:tailEnd type="arrow"/>
+          </a:ln>
+        </p:spPr>
+        <p:style>
+          <a:lnRef idx="1">
+            <a:schemeClr val="accent1"/>
+          </a:lnRef>
+          <a:fillRef idx="0">
+            <a:schemeClr val="accent1"/>
+          </a:fillRef>
+          <a:effectRef idx="0">
+            <a:schemeClr val="accent1"/>
+          </a:effectRef>
+          <a:fontRef idx="minor">
+            <a:schemeClr val="tx1"/>
+          </a:fontRef>
+        </p:style>
+      </p:cxnSp>
+      <p:sp>
+        <p:nvSpPr>
+          <p:cNvPr id="14" name="Text Box 13"/>
+          <p:cNvSpPr txBox="1"/>
+          <p:nvPr/>
+        </p:nvSpPr>
+        <p:spPr>
+          <a:xfrm>
+            <a:off x="5076190" y="3668395"/>
+            <a:ext cx="1104265" cy="306705"/>
+          </a:xfrm>
+          <a:prstGeom prst="rect">
+            <a:avLst/>
+          </a:prstGeom>
+          <a:noFill/>
+        </p:spPr>
+        <p:txBody>
+          <a:bodyPr wrap="square" rtlCol="0">
+            <a:spAutoFit/>
+          </a:bodyPr>
+          <a:lstStyle/>
+          <a:p>
+            <a:r>
+              <a:rPr lang="en-US">
+                <a:latin typeface="Georgia" panose="02040502050405020303" charset="0"/>
+                <a:cs typeface="Georgia" panose="02040502050405020303" charset="0"/>
+              </a:rPr>
+              <a:t>Hateful (1)</a:t>
+            </a:r>
+          </a:p>
+        </p:txBody>
+      </p:sp>
+      <p:cxnSp>
+        <p:nvCxnSpPr>
+          <p:cNvPr id="15" name="Straight Arrow Connector 14"/>
+          <p:cNvCxnSpPr/>
+          <p:nvPr/>
+        </p:nvCxnSpPr>
+        <p:spPr>
+          <a:xfrm>
+            <a:off x="1938655" y="2678430"/>
+            <a:ext cx="252000" cy="6985"/>
+          </a:xfrm>
+          <a:prstGeom prst="straightConnector1">
+            <a:avLst/>
+          </a:prstGeom>
+          <a:ln w="41275" cmpd="sng">
+            <a:tailEnd type="arrow"/>
+          </a:ln>
+        </p:spPr>
+        <p:style>
+          <a:lnRef idx="1">
+            <a:schemeClr val="accent1"/>
+          </a:lnRef>
+          <a:fillRef idx="0">
+            <a:schemeClr val="accent1"/>
+          </a:fillRef>
+          <a:effectRef idx="0">
+            <a:schemeClr val="accent1"/>
+          </a:effectRef>
+          <a:fontRef idx="minor">
+            <a:schemeClr val="tx1"/>
+          </a:fontRef>
+        </p:style>
+      </p:cxnSp>
+    </p:spTree>
+  </p:cSld>
+  <p:clrMapOvr>
+    <a:masterClrMapping/>
+  </p:clrMapOvr>
+</p:sld>
+</file>
+
+<file path=ppt/slides/slide11.xml><?xml version="1.0" encoding="utf-8"?>
+<p:sld xmlns:a="http://schemas.openxmlformats.org/drawingml/2006/main" xmlns:r="http://schemas.openxmlformats.org/officeDocument/2006/relationships" xmlns:p="http://schemas.openxmlformats.org/presentationml/2006/main">
+  <p:cSld>
+    <p:spTree>
+      <p:nvGrpSpPr>
+        <p:cNvPr id="1" name="Shape 324"/>
         <p:cNvGrpSpPr/>
         <p:nvPr/>
       </p:nvGrpSpPr>
@@ -17332,7 +18327,9 @@
       <p:sp>
         <p:nvSpPr>
           <p:cNvPr id="325" name="Google Shape;325;p21"/>
-          <p:cNvSpPr txBox="1"/>
+          <p:cNvSpPr txBox="1">
+            <a:spLocks noGrp="1"/>
+          </p:cNvSpPr>
           <p:nvPr>
             <p:ph type="title"/>
           </p:nvPr>
@@ -17387,7 +18384,9 @@
       <p:sp>
         <p:nvSpPr>
           <p:cNvPr id="326" name="Google Shape;326;p21"/>
-          <p:cNvSpPr txBox="1"/>
+          <p:cNvSpPr txBox="1">
+            <a:spLocks noGrp="1"/>
+          </p:cNvSpPr>
           <p:nvPr>
             <p:ph type="body" idx="1"/>
           </p:nvPr>
@@ -17423,10 +18422,6 @@
               </a:rPr>
               <a:t>Functional</a:t>
             </a:r>
-            <a:endParaRPr lang="en-US" b="1">
-              <a:latin typeface="Georgia" panose="02040502050405020303" charset="0"/>
-              <a:cs typeface="Georgia" panose="02040502050405020303" charset="0"/>
-            </a:endParaRPr>
           </a:p>
           <a:p>
             <a:pPr marL="285750" lvl="0" indent="-285750" algn="l" rtl="0">
@@ -17446,10 +18441,6 @@
               </a:rPr>
               <a:t>The model shall be able to generate image and text representations .</a:t>
             </a:r>
-            <a:endParaRPr lang="en-US">
-              <a:latin typeface="Georgia" panose="02040502050405020303" charset="0"/>
-              <a:cs typeface="Georgia" panose="02040502050405020303" charset="0"/>
-            </a:endParaRPr>
           </a:p>
           <a:p>
             <a:pPr marL="285750" lvl="0" indent="-285750" algn="l" rtl="0">
@@ -17469,10 +18460,6 @@
               </a:rPr>
               <a:t>The model shall be able to classify the meme as hateful or non hateful using provided embeddings .</a:t>
             </a:r>
-            <a:endParaRPr lang="en-US">
-              <a:latin typeface="Georgia" panose="02040502050405020303" charset="0"/>
-              <a:cs typeface="Georgia" panose="02040502050405020303" charset="0"/>
-            </a:endParaRPr>
           </a:p>
           <a:p>
             <a:pPr marL="285750" lvl="0" indent="-285750" algn="l" rtl="0">
@@ -17492,10 +18479,6 @@
               </a:rPr>
               <a:t>The model shall be able to generate the probability of the meme being hateful .</a:t>
             </a:r>
-            <a:endParaRPr lang="en-US">
-              <a:latin typeface="Georgia" panose="02040502050405020303" charset="0"/>
-              <a:cs typeface="Georgia" panose="02040502050405020303" charset="0"/>
-            </a:endParaRPr>
           </a:p>
           <a:p>
             <a:pPr marL="0" lvl="0" indent="0" algn="l" rtl="0">
@@ -17514,10 +18497,6 @@
               </a:rPr>
               <a:t>Non Functional</a:t>
             </a:r>
-            <a:endParaRPr lang="en-US" b="1">
-              <a:latin typeface="Georgia" panose="02040502050405020303" charset="0"/>
-              <a:cs typeface="Georgia" panose="02040502050405020303" charset="0"/>
-            </a:endParaRPr>
           </a:p>
           <a:p>
             <a:pPr marL="285750" lvl="0" indent="-285750" algn="l" rtl="0">
@@ -17537,10 +18516,6 @@
               </a:rPr>
               <a:t>The model should be atleast 70% accurate .</a:t>
             </a:r>
-            <a:endParaRPr lang="en-US">
-              <a:latin typeface="Georgia" panose="02040502050405020303" charset="0"/>
-              <a:cs typeface="Georgia" panose="02040502050405020303" charset="0"/>
-            </a:endParaRPr>
           </a:p>
           <a:p>
             <a:pPr marL="285750" lvl="0" indent="-285750" algn="l" rtl="0">
@@ -17560,10 +18535,6 @@
               </a:rPr>
               <a:t>The model should not under-perform on limited computing resources.   </a:t>
             </a:r>
-            <a:endParaRPr lang="en-US">
-              <a:latin typeface="Georgia" panose="02040502050405020303" charset="0"/>
-              <a:cs typeface="Georgia" panose="02040502050405020303" charset="0"/>
-            </a:endParaRPr>
           </a:p>
           <a:p>
             <a:pPr marL="285750" lvl="0" indent="-285750" algn="l" rtl="0">
@@ -17591,12 +18562,12 @@
 </p:sld>
 </file>
 
-<file path=ppt/slides/slide11.xml><?xml version="1.0" encoding="utf-8"?>
+<file path=ppt/slides/slide12.xml><?xml version="1.0" encoding="utf-8"?>
 <p:sld xmlns:a="http://schemas.openxmlformats.org/drawingml/2006/main" xmlns:r="http://schemas.openxmlformats.org/officeDocument/2006/relationships" xmlns:p="http://schemas.openxmlformats.org/presentationml/2006/main">
   <p:cSld>
     <p:spTree>
       <p:nvGrpSpPr>
-        <p:cNvPr id="330" name="Shape 330"/>
+        <p:cNvPr id="1" name="Shape 330"/>
         <p:cNvGrpSpPr/>
         <p:nvPr/>
       </p:nvGrpSpPr>
@@ -17611,7 +18582,9 @@
       <p:sp>
         <p:nvSpPr>
           <p:cNvPr id="331" name="Google Shape;331;p22"/>
-          <p:cNvSpPr txBox="1"/>
+          <p:cNvSpPr txBox="1">
+            <a:spLocks noGrp="1"/>
+          </p:cNvSpPr>
           <p:nvPr>
             <p:ph type="title"/>
           </p:nvPr>
@@ -17648,18 +18621,15 @@
               </a:rPr>
               <a:t>REFERENCES</a:t>
             </a:r>
-            <a:endParaRPr lang="en-US">
-              <a:latin typeface="Georgia" panose="02040502050405020303" charset="0"/>
-              <a:cs typeface="Georgia" panose="02040502050405020303" charset="0"/>
-              <a:sym typeface="+mn-ea"/>
-            </a:endParaRPr>
           </a:p>
         </p:txBody>
       </p:sp>
       <p:sp>
         <p:nvSpPr>
           <p:cNvPr id="332" name="Google Shape;332;p22"/>
-          <p:cNvSpPr txBox="1"/>
+          <p:cNvSpPr txBox="1">
+            <a:spLocks noGrp="1"/>
+          </p:cNvSpPr>
           <p:nvPr>
             <p:ph type="body" idx="1"/>
           </p:nvPr>
@@ -17712,10 +18682,6 @@
               </a:rPr>
               <a:t>https://nirkin.com/hateful-memes/</a:t>
             </a:r>
-            <a:endParaRPr>
-              <a:latin typeface="Georgia" panose="02040502050405020303" charset="0"/>
-              <a:cs typeface="Georgia" panose="02040502050405020303" charset="0"/>
-            </a:endParaRPr>
           </a:p>
         </p:txBody>
       </p:sp>
@@ -17727,7 +18693,7 @@
 </p:sld>
 </file>
 
-<file path=ppt/slides/slide12.xml><?xml version="1.0" encoding="utf-8"?>
+<file path=ppt/slides/slide13.xml><?xml version="1.0" encoding="utf-8"?>
 <p:sld xmlns:a="http://schemas.openxmlformats.org/drawingml/2006/main" xmlns:r="http://schemas.openxmlformats.org/officeDocument/2006/relationships" xmlns:p="http://schemas.openxmlformats.org/presentationml/2006/main">
   <p:cSld>
     <p:spTree>
@@ -17736,7 +18702,14 @@
         <p:cNvGrpSpPr/>
         <p:nvPr/>
       </p:nvGrpSpPr>
-      <p:grpSpPr/>
+      <p:grpSpPr>
+        <a:xfrm>
+          <a:off x="0" y="0"/>
+          <a:ext cx="0" cy="0"/>
+          <a:chOff x="0" y="0"/>
+          <a:chExt cx="0" cy="0"/>
+        </a:xfrm>
+      </p:grpSpPr>
       <p:sp>
         <p:nvSpPr>
           <p:cNvPr id="2" name="Title 1"/>
@@ -17750,6 +18723,7 @@
         <p:spPr/>
         <p:txBody>
           <a:bodyPr/>
+          <a:lstStyle/>
           <a:p>
             <a:r>
               <a:rPr lang="en-US">
@@ -17758,10 +18732,6 @@
               </a:rPr>
               <a:t>Hypernetworks</a:t>
             </a:r>
-            <a:endParaRPr lang="en-US">
-              <a:latin typeface="Georgia" panose="02040502050405020303" charset="0"/>
-              <a:cs typeface="Georgia" panose="02040502050405020303" charset="0"/>
-            </a:endParaRPr>
           </a:p>
         </p:txBody>
       </p:sp>
@@ -17778,6 +18748,7 @@
         <p:spPr/>
         <p:txBody>
           <a:bodyPr/>
+          <a:lstStyle/>
           <a:p>
             <a:r>
               <a:rPr lang="en-US">
@@ -17786,10 +18757,6 @@
               </a:rPr>
               <a:t>In a typical deep network , the majority of parameters are in the kernels of convolutional layers.</a:t>
             </a:r>
-            <a:endParaRPr lang="en-US">
-              <a:latin typeface="Georgia" panose="02040502050405020303" charset="0"/>
-              <a:cs typeface="Georgia" panose="02040502050405020303" charset="0"/>
-            </a:endParaRPr>
           </a:p>
           <a:p>
             <a:r>
@@ -17855,10 +18822,6 @@
               </a:rPr>
               <a:t>. </a:t>
             </a:r>
-            <a:endParaRPr lang="en-US">
-              <a:latin typeface="Georgia" panose="02040502050405020303" charset="0"/>
-              <a:cs typeface="Georgia" panose="02040502050405020303" charset="0"/>
-            </a:endParaRPr>
           </a:p>
           <a:p>
             <a:endParaRPr lang="en-US">
@@ -18063,6 +19026,7 @@
           </p:style>
           <p:txBody>
             <a:bodyPr rtlCol="0" anchor="ctr"/>
+            <a:lstStyle/>
             <a:p>
               <a:pPr algn="ctr"/>
               <a:endParaRPr lang="en-US"/>
@@ -18089,6 +19053,7 @@
             <a:bodyPr wrap="square" rtlCol="0">
               <a:spAutoFit/>
             </a:bodyPr>
+            <a:lstStyle/>
             <a:p>
               <a:r>
                 <a:rPr lang="en-US" sz="1200"/>
@@ -18126,7 +19091,6 @@
                 <a:rPr lang="en-US" sz="1200"/>
                 <a:t> </a:t>
               </a:r>
-              <a:endParaRPr lang="en-US" sz="1200"/>
             </a:p>
           </p:txBody>
         </p:sp>
@@ -18150,6 +19114,7 @@
             <a:bodyPr wrap="square" rtlCol="0">
               <a:spAutoFit/>
             </a:bodyPr>
+            <a:lstStyle/>
             <a:p>
               <a:r>
                 <a:rPr lang="en-US"/>
@@ -18159,7 +19124,6 @@
                 <a:rPr lang="en-US" baseline="30000"/>
                 <a:t>1</a:t>
               </a:r>
-              <a:endParaRPr lang="en-US" baseline="30000"/>
             </a:p>
           </p:txBody>
         </p:sp>
@@ -18183,12 +19147,12 @@
             <a:bodyPr wrap="square" rtlCol="0">
               <a:spAutoFit/>
             </a:bodyPr>
+            <a:lstStyle/>
             <a:p>
               <a:r>
                 <a:rPr lang="en-US"/>
                 <a:t>...........</a:t>
               </a:r>
-              <a:endParaRPr lang="en-US"/>
             </a:p>
           </p:txBody>
         </p:sp>
@@ -18223,6 +19187,7 @@
           </p:style>
           <p:txBody>
             <a:bodyPr rtlCol="0" anchor="ctr"/>
+            <a:lstStyle/>
             <a:p>
               <a:pPr algn="ctr"/>
               <a:endParaRPr lang="en-US"/>
@@ -18249,6 +19214,7 @@
             <a:bodyPr wrap="square" rtlCol="0">
               <a:spAutoFit/>
             </a:bodyPr>
+            <a:lstStyle/>
             <a:p>
               <a:r>
                 <a:rPr lang="en-US"/>
@@ -18258,7 +19224,6 @@
                 <a:rPr lang="en-US" baseline="30000"/>
                 <a:t>D</a:t>
               </a:r>
-              <a:endParaRPr lang="en-US" baseline="30000"/>
             </a:p>
           </p:txBody>
         </p:sp>
@@ -18282,6 +19247,7 @@
             <a:bodyPr wrap="square" rtlCol="0">
               <a:spAutoFit/>
             </a:bodyPr>
+            <a:lstStyle/>
             <a:p>
               <a:r>
                 <a:rPr lang="en-US" sz="1200"/>
@@ -18319,7 +19285,6 @@
                 <a:rPr lang="en-US" sz="1200"/>
                 <a:t> </a:t>
               </a:r>
-              <a:endParaRPr lang="en-US" sz="1200"/>
             </a:p>
           </p:txBody>
         </p:sp>
@@ -18333,7 +19298,7 @@
           <p:nvPr/>
         </p:nvPicPr>
         <p:blipFill>
-          <a:blip r:embed="rId1"/>
+          <a:blip r:embed="rId2"/>
           <a:stretch>
             <a:fillRect/>
           </a:stretch>
@@ -18360,12 +19325,12 @@
 </p:sld>
 </file>
 
-<file path=ppt/slides/slide13.xml><?xml version="1.0" encoding="utf-8"?>
+<file path=ppt/slides/slide14.xml><?xml version="1.0" encoding="utf-8"?>
 <p:sld xmlns:a="http://schemas.openxmlformats.org/drawingml/2006/main" xmlns:r="http://schemas.openxmlformats.org/officeDocument/2006/relationships" xmlns:p="http://schemas.openxmlformats.org/presentationml/2006/main">
   <p:cSld>
     <p:spTree>
       <p:nvGrpSpPr>
-        <p:cNvPr id="342" name="Shape 342"/>
+        <p:cNvPr id="1" name="Shape 342"/>
         <p:cNvGrpSpPr/>
         <p:nvPr/>
       </p:nvGrpSpPr>
@@ -18380,7 +19345,9 @@
       <p:sp>
         <p:nvSpPr>
           <p:cNvPr id="343" name="Google Shape;343;p24"/>
-          <p:cNvSpPr txBox="1"/>
+          <p:cNvSpPr txBox="1">
+            <a:spLocks noGrp="1"/>
+          </p:cNvSpPr>
           <p:nvPr>
             <p:ph type="title"/>
           </p:nvPr>
@@ -18409,13 +19376,16 @@
               </a:spcAft>
               <a:buNone/>
             </a:pPr>
+            <a:endParaRPr/>
           </a:p>
         </p:txBody>
       </p:sp>
       <p:sp>
         <p:nvSpPr>
           <p:cNvPr id="344" name="Google Shape;344;p24"/>
-          <p:cNvSpPr txBox="1"/>
+          <p:cNvSpPr txBox="1">
+            <a:spLocks noGrp="1"/>
+          </p:cNvSpPr>
           <p:nvPr>
             <p:ph type="body" idx="1"/>
           </p:nvPr>
@@ -18444,6 +19414,7 @@
               </a:spcAft>
               <a:buNone/>
             </a:pPr>
+            <a:endParaRPr/>
           </a:p>
         </p:txBody>
       </p:sp>
@@ -18455,12 +19426,12 @@
 </p:sld>
 </file>
 
-<file path=ppt/slides/slide14.xml><?xml version="1.0" encoding="utf-8"?>
+<file path=ppt/slides/slide15.xml><?xml version="1.0" encoding="utf-8"?>
 <p:sld xmlns:a="http://schemas.openxmlformats.org/drawingml/2006/main" xmlns:r="http://schemas.openxmlformats.org/officeDocument/2006/relationships" xmlns:p="http://schemas.openxmlformats.org/presentationml/2006/main">
   <p:cSld>
     <p:spTree>
       <p:nvGrpSpPr>
-        <p:cNvPr id="348" name="Shape 348"/>
+        <p:cNvPr id="1" name="Shape 348"/>
         <p:cNvGrpSpPr/>
         <p:nvPr/>
       </p:nvGrpSpPr>
@@ -18475,7 +19446,9 @@
       <p:sp>
         <p:nvSpPr>
           <p:cNvPr id="349" name="Google Shape;349;p25"/>
-          <p:cNvSpPr txBox="1"/>
+          <p:cNvSpPr txBox="1">
+            <a:spLocks noGrp="1"/>
+          </p:cNvSpPr>
           <p:nvPr>
             <p:ph type="title"/>
           </p:nvPr>
@@ -18504,13 +19477,16 @@
               </a:spcAft>
               <a:buNone/>
             </a:pPr>
+            <a:endParaRPr/>
           </a:p>
         </p:txBody>
       </p:sp>
       <p:sp>
         <p:nvSpPr>
           <p:cNvPr id="350" name="Google Shape;350;p25"/>
-          <p:cNvSpPr txBox="1"/>
+          <p:cNvSpPr txBox="1">
+            <a:spLocks noGrp="1"/>
+          </p:cNvSpPr>
           <p:nvPr>
             <p:ph type="body" idx="1"/>
           </p:nvPr>
@@ -18539,6 +19515,7 @@
               </a:spcAft>
               <a:buNone/>
             </a:pPr>
+            <a:endParaRPr/>
           </a:p>
         </p:txBody>
       </p:sp>
@@ -18550,12 +19527,12 @@
 </p:sld>
 </file>
 
-<file path=ppt/slides/slide15.xml><?xml version="1.0" encoding="utf-8"?>
+<file path=ppt/slides/slide16.xml><?xml version="1.0" encoding="utf-8"?>
 <p:sld xmlns:a="http://schemas.openxmlformats.org/drawingml/2006/main" xmlns:r="http://schemas.openxmlformats.org/officeDocument/2006/relationships" xmlns:p="http://schemas.openxmlformats.org/presentationml/2006/main">
   <p:cSld>
     <p:spTree>
       <p:nvGrpSpPr>
-        <p:cNvPr id="354" name="Shape 354"/>
+        <p:cNvPr id="1" name="Shape 354"/>
         <p:cNvGrpSpPr/>
         <p:nvPr/>
       </p:nvGrpSpPr>
@@ -18570,7 +19547,9 @@
       <p:sp>
         <p:nvSpPr>
           <p:cNvPr id="355" name="Google Shape;355;p26"/>
-          <p:cNvSpPr txBox="1"/>
+          <p:cNvSpPr txBox="1">
+            <a:spLocks noGrp="1"/>
+          </p:cNvSpPr>
           <p:nvPr>
             <p:ph type="title"/>
           </p:nvPr>
@@ -18599,13 +19578,16 @@
               </a:spcAft>
               <a:buNone/>
             </a:pPr>
+            <a:endParaRPr/>
           </a:p>
         </p:txBody>
       </p:sp>
       <p:sp>
         <p:nvSpPr>
           <p:cNvPr id="356" name="Google Shape;356;p26"/>
-          <p:cNvSpPr txBox="1"/>
+          <p:cNvSpPr txBox="1">
+            <a:spLocks noGrp="1"/>
+          </p:cNvSpPr>
           <p:nvPr>
             <p:ph type="body" idx="1"/>
           </p:nvPr>
@@ -18634,6 +19616,7 @@
               </a:spcAft>
               <a:buNone/>
             </a:pPr>
+            <a:endParaRPr/>
           </a:p>
         </p:txBody>
       </p:sp>
@@ -18645,12 +19628,12 @@
 </p:sld>
 </file>
 
-<file path=ppt/slides/slide16.xml><?xml version="1.0" encoding="utf-8"?>
+<file path=ppt/slides/slide17.xml><?xml version="1.0" encoding="utf-8"?>
 <p:sld xmlns:a="http://schemas.openxmlformats.org/drawingml/2006/main" xmlns:r="http://schemas.openxmlformats.org/officeDocument/2006/relationships" xmlns:p="http://schemas.openxmlformats.org/presentationml/2006/main">
   <p:cSld>
     <p:spTree>
       <p:nvGrpSpPr>
-        <p:cNvPr id="360" name="Shape 360"/>
+        <p:cNvPr id="1" name="Shape 360"/>
         <p:cNvGrpSpPr/>
         <p:nvPr/>
       </p:nvGrpSpPr>
@@ -18665,7 +19648,9 @@
       <p:sp>
         <p:nvSpPr>
           <p:cNvPr id="361" name="Google Shape;361;p27"/>
-          <p:cNvSpPr txBox="1"/>
+          <p:cNvSpPr txBox="1">
+            <a:spLocks noGrp="1"/>
+          </p:cNvSpPr>
           <p:nvPr>
             <p:ph type="title"/>
           </p:nvPr>
@@ -18694,13 +19679,16 @@
               </a:spcAft>
               <a:buNone/>
             </a:pPr>
+            <a:endParaRPr/>
           </a:p>
         </p:txBody>
       </p:sp>
       <p:sp>
         <p:nvSpPr>
           <p:cNvPr id="362" name="Google Shape;362;p27"/>
-          <p:cNvSpPr txBox="1"/>
+          <p:cNvSpPr txBox="1">
+            <a:spLocks noGrp="1"/>
+          </p:cNvSpPr>
           <p:nvPr>
             <p:ph type="body" idx="1"/>
           </p:nvPr>
@@ -18729,6 +19717,7 @@
               </a:spcAft>
               <a:buNone/>
             </a:pPr>
+            <a:endParaRPr/>
           </a:p>
         </p:txBody>
       </p:sp>
@@ -18740,12 +19729,12 @@
 </p:sld>
 </file>
 
-<file path=ppt/slides/slide17.xml><?xml version="1.0" encoding="utf-8"?>
+<file path=ppt/slides/slide18.xml><?xml version="1.0" encoding="utf-8"?>
 <p:sld xmlns:a="http://schemas.openxmlformats.org/drawingml/2006/main" xmlns:r="http://schemas.openxmlformats.org/officeDocument/2006/relationships" xmlns:p="http://schemas.openxmlformats.org/presentationml/2006/main">
   <p:cSld>
     <p:spTree>
       <p:nvGrpSpPr>
-        <p:cNvPr id="366" name="Shape 366"/>
+        <p:cNvPr id="1" name="Shape 366"/>
         <p:cNvGrpSpPr/>
         <p:nvPr/>
       </p:nvGrpSpPr>
@@ -18760,7 +19749,9 @@
       <p:sp>
         <p:nvSpPr>
           <p:cNvPr id="367" name="Google Shape;367;p28"/>
-          <p:cNvSpPr txBox="1"/>
+          <p:cNvSpPr txBox="1">
+            <a:spLocks noGrp="1"/>
+          </p:cNvSpPr>
           <p:nvPr>
             <p:ph type="title"/>
           </p:nvPr>
@@ -18789,13 +19780,16 @@
               </a:spcAft>
               <a:buNone/>
             </a:pPr>
+            <a:endParaRPr/>
           </a:p>
         </p:txBody>
       </p:sp>
       <p:sp>
         <p:nvSpPr>
           <p:cNvPr id="368" name="Google Shape;368;p28"/>
-          <p:cNvSpPr txBox="1"/>
+          <p:cNvSpPr txBox="1">
+            <a:spLocks noGrp="1"/>
+          </p:cNvSpPr>
           <p:nvPr>
             <p:ph type="body" idx="1"/>
           </p:nvPr>
@@ -18824,6 +19818,7 @@
               </a:spcAft>
               <a:buNone/>
             </a:pPr>
+            <a:endParaRPr/>
           </a:p>
         </p:txBody>
       </p:sp>
@@ -18835,12 +19830,12 @@
 </p:sld>
 </file>
 
-<file path=ppt/slides/slide18.xml><?xml version="1.0" encoding="utf-8"?>
+<file path=ppt/slides/slide19.xml><?xml version="1.0" encoding="utf-8"?>
 <p:sld xmlns:a="http://schemas.openxmlformats.org/drawingml/2006/main" xmlns:r="http://schemas.openxmlformats.org/officeDocument/2006/relationships" xmlns:p="http://schemas.openxmlformats.org/presentationml/2006/main">
   <p:cSld>
     <p:spTree>
       <p:nvGrpSpPr>
-        <p:cNvPr id="372" name="Shape 372"/>
+        <p:cNvPr id="1" name="Shape 372"/>
         <p:cNvGrpSpPr/>
         <p:nvPr/>
       </p:nvGrpSpPr>
@@ -18855,7 +19850,9 @@
       <p:sp>
         <p:nvSpPr>
           <p:cNvPr id="373" name="Google Shape;373;p29"/>
-          <p:cNvSpPr txBox="1"/>
+          <p:cNvSpPr txBox="1">
+            <a:spLocks noGrp="1"/>
+          </p:cNvSpPr>
           <p:nvPr>
             <p:ph type="title"/>
           </p:nvPr>
@@ -18884,13 +19881,16 @@
               </a:spcAft>
               <a:buNone/>
             </a:pPr>
+            <a:endParaRPr/>
           </a:p>
         </p:txBody>
       </p:sp>
       <p:sp>
         <p:nvSpPr>
           <p:cNvPr id="374" name="Google Shape;374;p29"/>
-          <p:cNvSpPr txBox="1"/>
+          <p:cNvSpPr txBox="1">
+            <a:spLocks noGrp="1"/>
+          </p:cNvSpPr>
           <p:nvPr>
             <p:ph type="body" idx="1"/>
           </p:nvPr>
@@ -18919,101 +19919,7 @@
               </a:spcAft>
               <a:buNone/>
             </a:pPr>
-          </a:p>
-        </p:txBody>
-      </p:sp>
-    </p:spTree>
-  </p:cSld>
-  <p:clrMapOvr>
-    <a:masterClrMapping/>
-  </p:clrMapOvr>
-</p:sld>
-</file>
-
-<file path=ppt/slides/slide19.xml><?xml version="1.0" encoding="utf-8"?>
-<p:sld xmlns:a="http://schemas.openxmlformats.org/drawingml/2006/main" xmlns:r="http://schemas.openxmlformats.org/officeDocument/2006/relationships" xmlns:p="http://schemas.openxmlformats.org/presentationml/2006/main">
-  <p:cSld>
-    <p:spTree>
-      <p:nvGrpSpPr>
-        <p:cNvPr id="378" name="Shape 378"/>
-        <p:cNvGrpSpPr/>
-        <p:nvPr/>
-      </p:nvGrpSpPr>
-      <p:grpSpPr>
-        <a:xfrm>
-          <a:off x="0" y="0"/>
-          <a:ext cx="0" cy="0"/>
-          <a:chOff x="0" y="0"/>
-          <a:chExt cx="0" cy="0"/>
-        </a:xfrm>
-      </p:grpSpPr>
-      <p:sp>
-        <p:nvSpPr>
-          <p:cNvPr id="379" name="Google Shape;379;p30"/>
-          <p:cNvSpPr txBox="1"/>
-          <p:nvPr>
-            <p:ph type="title"/>
-          </p:nvPr>
-        </p:nvSpPr>
-        <p:spPr>
-          <a:xfrm>
-            <a:off x="1303800" y="598575"/>
-            <a:ext cx="7030500" cy="999300"/>
-          </a:xfrm>
-          <a:prstGeom prst="rect">
-            <a:avLst/>
-          </a:prstGeom>
-        </p:spPr>
-        <p:txBody>
-          <a:bodyPr spcFirstLastPara="1" wrap="square" lIns="91425" tIns="91425" rIns="91425" bIns="91425" anchor="t" anchorCtr="0">
-            <a:noAutofit/>
-          </a:bodyPr>
-          <a:lstStyle/>
-          <a:p>
-            <a:pPr marL="0" lvl="0" indent="0" algn="l" rtl="0">
-              <a:spcBef>
-                <a:spcPts val="0"/>
-              </a:spcBef>
-              <a:spcAft>
-                <a:spcPts val="0"/>
-              </a:spcAft>
-              <a:buNone/>
-            </a:pPr>
-          </a:p>
-        </p:txBody>
-      </p:sp>
-      <p:sp>
-        <p:nvSpPr>
-          <p:cNvPr id="380" name="Google Shape;380;p30"/>
-          <p:cNvSpPr txBox="1"/>
-          <p:nvPr>
-            <p:ph type="body" idx="1"/>
-          </p:nvPr>
-        </p:nvSpPr>
-        <p:spPr>
-          <a:xfrm>
-            <a:off x="1303800" y="1990050"/>
-            <a:ext cx="7030500" cy="2541600"/>
-          </a:xfrm>
-          <a:prstGeom prst="rect">
-            <a:avLst/>
-          </a:prstGeom>
-        </p:spPr>
-        <p:txBody>
-          <a:bodyPr spcFirstLastPara="1" wrap="square" lIns="91425" tIns="91425" rIns="91425" bIns="91425" anchor="t" anchorCtr="0">
-            <a:noAutofit/>
-          </a:bodyPr>
-          <a:lstStyle/>
-          <a:p>
-            <a:pPr marL="0" lvl="0" indent="0" algn="l" rtl="0">
-              <a:spcBef>
-                <a:spcPts val="0"/>
-              </a:spcBef>
-              <a:spcAft>
-                <a:spcPts val="1600"/>
-              </a:spcAft>
-              <a:buNone/>
-            </a:pPr>
+            <a:endParaRPr/>
           </a:p>
         </p:txBody>
       </p:sp>
@@ -19030,7 +19936,7 @@
   <p:cSld>
     <p:spTree>
       <p:nvGrpSpPr>
-        <p:cNvPr id="282" name="Shape 282"/>
+        <p:cNvPr id="1" name="Shape 282"/>
         <p:cNvGrpSpPr/>
         <p:nvPr/>
       </p:nvGrpSpPr>
@@ -19045,7 +19951,9 @@
       <p:sp>
         <p:nvSpPr>
           <p:cNvPr id="283" name="Google Shape;283;p14"/>
-          <p:cNvSpPr txBox="1"/>
+          <p:cNvSpPr txBox="1">
+            <a:spLocks noGrp="1"/>
+          </p:cNvSpPr>
           <p:nvPr>
             <p:ph type="title"/>
           </p:nvPr>
@@ -19081,17 +19989,15 @@
               </a:rPr>
               <a:t>OUTLINE</a:t>
             </a:r>
-            <a:endParaRPr lang="en-US">
-              <a:latin typeface="Georgia" panose="02040502050405020303" charset="0"/>
-              <a:cs typeface="Georgia" panose="02040502050405020303" charset="0"/>
-            </a:endParaRPr>
           </a:p>
         </p:txBody>
       </p:sp>
       <p:sp>
         <p:nvSpPr>
           <p:cNvPr id="284" name="Google Shape;284;p14"/>
-          <p:cNvSpPr txBox="1"/>
+          <p:cNvSpPr txBox="1">
+            <a:spLocks noGrp="1"/>
+          </p:cNvSpPr>
           <p:nvPr>
             <p:ph type="body" idx="1"/>
           </p:nvPr>
@@ -19131,10 +20037,6 @@
               </a:rPr>
               <a:t>INTRODUCTION</a:t>
             </a:r>
-            <a:endParaRPr lang="en-US">
-              <a:latin typeface="Georgia" panose="02040502050405020303" charset="0"/>
-              <a:cs typeface="Georgia" panose="02040502050405020303" charset="0"/>
-            </a:endParaRPr>
           </a:p>
           <a:p>
             <a:pPr marL="400050" lvl="0" indent="-400050" algn="l" rtl="0">
@@ -19157,10 +20059,6 @@
               </a:rPr>
               <a:t>MOTIVATION</a:t>
             </a:r>
-            <a:endParaRPr lang="en-US">
-              <a:latin typeface="Georgia" panose="02040502050405020303" charset="0"/>
-              <a:cs typeface="Georgia" panose="02040502050405020303" charset="0"/>
-            </a:endParaRPr>
           </a:p>
           <a:p>
             <a:pPr marL="400050" lvl="0" indent="-400050" algn="l" rtl="0">
@@ -19183,10 +20081,6 @@
               </a:rPr>
               <a:t>PROBLEM STATEMENT</a:t>
             </a:r>
-            <a:endParaRPr lang="en-US">
-              <a:latin typeface="Georgia" panose="02040502050405020303" charset="0"/>
-              <a:cs typeface="Georgia" panose="02040502050405020303" charset="0"/>
-            </a:endParaRPr>
           </a:p>
           <a:p>
             <a:pPr marL="400050" lvl="0" indent="-400050" algn="l" rtl="0">
@@ -19209,10 +20103,6 @@
               </a:rPr>
               <a:t>OBJECTIVES</a:t>
             </a:r>
-            <a:endParaRPr lang="en-US">
-              <a:latin typeface="Georgia" panose="02040502050405020303" charset="0"/>
-              <a:cs typeface="Georgia" panose="02040502050405020303" charset="0"/>
-            </a:endParaRPr>
           </a:p>
           <a:p>
             <a:pPr marL="400050" lvl="0" indent="-400050" algn="l" rtl="0">
@@ -19235,10 +20125,6 @@
               </a:rPr>
               <a:t>LITERATURE SURVEY</a:t>
             </a:r>
-            <a:endParaRPr lang="en-US">
-              <a:latin typeface="Georgia" panose="02040502050405020303" charset="0"/>
-              <a:cs typeface="Georgia" panose="02040502050405020303" charset="0"/>
-            </a:endParaRPr>
           </a:p>
           <a:p>
             <a:pPr marL="400050" lvl="0" indent="-400050" algn="l" rtl="0">
@@ -19261,10 +20147,6 @@
               </a:rPr>
               <a:t>PROPOSED METHODOLOGY</a:t>
             </a:r>
-            <a:endParaRPr lang="en-US">
-              <a:latin typeface="Georgia" panose="02040502050405020303" charset="0"/>
-              <a:cs typeface="Georgia" panose="02040502050405020303" charset="0"/>
-            </a:endParaRPr>
           </a:p>
           <a:p>
             <a:pPr marL="400050" lvl="0" indent="-400050" algn="l" rtl="0">
@@ -19287,10 +20169,6 @@
               </a:rPr>
               <a:t>REQUIREMENT ANALYSIS</a:t>
             </a:r>
-            <a:endParaRPr lang="en-US">
-              <a:latin typeface="Georgia" panose="02040502050405020303" charset="0"/>
-              <a:cs typeface="Georgia" panose="02040502050405020303" charset="0"/>
-            </a:endParaRPr>
           </a:p>
           <a:p>
             <a:pPr marL="400050" lvl="0" indent="-400050" algn="l" rtl="0">
@@ -19313,10 +20191,6 @@
               </a:rPr>
               <a:t>REFERENCES</a:t>
             </a:r>
-            <a:endParaRPr lang="en-US">
-              <a:latin typeface="Georgia" panose="02040502050405020303" charset="0"/>
-              <a:cs typeface="Georgia" panose="02040502050405020303" charset="0"/>
-            </a:endParaRPr>
           </a:p>
         </p:txBody>
       </p:sp>
@@ -19333,7 +20207,7 @@
   <p:cSld>
     <p:spTree>
       <p:nvGrpSpPr>
-        <p:cNvPr id="384" name="Shape 384"/>
+        <p:cNvPr id="1" name="Shape 378"/>
         <p:cNvGrpSpPr/>
         <p:nvPr/>
       </p:nvGrpSpPr>
@@ -19347,8 +20221,10 @@
       </p:grpSpPr>
       <p:sp>
         <p:nvSpPr>
-          <p:cNvPr id="385" name="Google Shape;385;p31"/>
-          <p:cNvSpPr txBox="1"/>
+          <p:cNvPr id="379" name="Google Shape;379;p30"/>
+          <p:cNvSpPr txBox="1">
+            <a:spLocks noGrp="1"/>
+          </p:cNvSpPr>
           <p:nvPr>
             <p:ph type="title"/>
           </p:nvPr>
@@ -19377,13 +20253,16 @@
               </a:spcAft>
               <a:buNone/>
             </a:pPr>
+            <a:endParaRPr/>
           </a:p>
         </p:txBody>
       </p:sp>
       <p:sp>
         <p:nvSpPr>
-          <p:cNvPr id="386" name="Google Shape;386;p31"/>
-          <p:cNvSpPr txBox="1"/>
+          <p:cNvPr id="380" name="Google Shape;380;p30"/>
+          <p:cNvSpPr txBox="1">
+            <a:spLocks noGrp="1"/>
+          </p:cNvSpPr>
           <p:nvPr>
             <p:ph type="body" idx="1"/>
           </p:nvPr>
@@ -19412,6 +20291,7 @@
               </a:spcAft>
               <a:buNone/>
             </a:pPr>
+            <a:endParaRPr/>
           </a:p>
         </p:txBody>
       </p:sp>
@@ -19428,7 +20308,7 @@
   <p:cSld>
     <p:spTree>
       <p:nvGrpSpPr>
-        <p:cNvPr id="390" name="Shape 390"/>
+        <p:cNvPr id="1" name="Shape 384"/>
         <p:cNvGrpSpPr/>
         <p:nvPr/>
       </p:nvGrpSpPr>
@@ -19442,8 +20322,10 @@
       </p:grpSpPr>
       <p:sp>
         <p:nvSpPr>
-          <p:cNvPr id="391" name="Google Shape;391;p32"/>
-          <p:cNvSpPr txBox="1"/>
+          <p:cNvPr id="385" name="Google Shape;385;p31"/>
+          <p:cNvSpPr txBox="1">
+            <a:spLocks noGrp="1"/>
+          </p:cNvSpPr>
           <p:nvPr>
             <p:ph type="title"/>
           </p:nvPr>
@@ -19472,13 +20354,16 @@
               </a:spcAft>
               <a:buNone/>
             </a:pPr>
+            <a:endParaRPr/>
           </a:p>
         </p:txBody>
       </p:sp>
       <p:sp>
         <p:nvSpPr>
-          <p:cNvPr id="392" name="Google Shape;392;p32"/>
-          <p:cNvSpPr txBox="1"/>
+          <p:cNvPr id="386" name="Google Shape;386;p31"/>
+          <p:cNvSpPr txBox="1">
+            <a:spLocks noGrp="1"/>
+          </p:cNvSpPr>
           <p:nvPr>
             <p:ph type="body" idx="1"/>
           </p:nvPr>
@@ -19507,6 +20392,7 @@
               </a:spcAft>
               <a:buNone/>
             </a:pPr>
+            <a:endParaRPr/>
           </a:p>
         </p:txBody>
       </p:sp>
@@ -19523,7 +20409,7 @@
   <p:cSld>
     <p:spTree>
       <p:nvGrpSpPr>
-        <p:cNvPr id="396" name="Shape 396"/>
+        <p:cNvPr id="1" name="Shape 390"/>
         <p:cNvGrpSpPr/>
         <p:nvPr/>
       </p:nvGrpSpPr>
@@ -19537,8 +20423,10 @@
       </p:grpSpPr>
       <p:sp>
         <p:nvSpPr>
-          <p:cNvPr id="397" name="Google Shape;397;p33"/>
-          <p:cNvSpPr txBox="1"/>
+          <p:cNvPr id="391" name="Google Shape;391;p32"/>
+          <p:cNvSpPr txBox="1">
+            <a:spLocks noGrp="1"/>
+          </p:cNvSpPr>
           <p:nvPr>
             <p:ph type="title"/>
           </p:nvPr>
@@ -19567,13 +20455,16 @@
               </a:spcAft>
               <a:buNone/>
             </a:pPr>
+            <a:endParaRPr/>
           </a:p>
         </p:txBody>
       </p:sp>
       <p:sp>
         <p:nvSpPr>
-          <p:cNvPr id="398" name="Google Shape;398;p33"/>
-          <p:cNvSpPr txBox="1"/>
+          <p:cNvPr id="392" name="Google Shape;392;p32"/>
+          <p:cNvSpPr txBox="1">
+            <a:spLocks noGrp="1"/>
+          </p:cNvSpPr>
           <p:nvPr>
             <p:ph type="body" idx="1"/>
           </p:nvPr>
@@ -19602,6 +20493,7 @@
               </a:spcAft>
               <a:buNone/>
             </a:pPr>
+            <a:endParaRPr/>
           </a:p>
         </p:txBody>
       </p:sp>
@@ -19613,12 +20505,12 @@
 </p:sld>
 </file>
 
-<file path=ppt/slides/slide3.xml><?xml version="1.0" encoding="utf-8"?>
+<file path=ppt/slides/slide23.xml><?xml version="1.0" encoding="utf-8"?>
 <p:sld xmlns:a="http://schemas.openxmlformats.org/drawingml/2006/main" xmlns:r="http://schemas.openxmlformats.org/officeDocument/2006/relationships" xmlns:p="http://schemas.openxmlformats.org/presentationml/2006/main">
   <p:cSld>
     <p:spTree>
       <p:nvGrpSpPr>
-        <p:cNvPr id="288" name="Shape 288"/>
+        <p:cNvPr id="1" name="Shape 396"/>
         <p:cNvGrpSpPr/>
         <p:nvPr/>
       </p:nvGrpSpPr>
@@ -19632,8 +20524,10 @@
       </p:grpSpPr>
       <p:sp>
         <p:nvSpPr>
-          <p:cNvPr id="289" name="Google Shape;289;p15"/>
-          <p:cNvSpPr txBox="1"/>
+          <p:cNvPr id="397" name="Google Shape;397;p33"/>
+          <p:cNvSpPr txBox="1">
+            <a:spLocks noGrp="1"/>
+          </p:cNvSpPr>
           <p:nvPr>
             <p:ph type="title"/>
           </p:nvPr>
@@ -19662,6 +20556,107 @@
               </a:spcAft>
               <a:buNone/>
             </a:pPr>
+            <a:endParaRPr/>
+          </a:p>
+        </p:txBody>
+      </p:sp>
+      <p:sp>
+        <p:nvSpPr>
+          <p:cNvPr id="398" name="Google Shape;398;p33"/>
+          <p:cNvSpPr txBox="1">
+            <a:spLocks noGrp="1"/>
+          </p:cNvSpPr>
+          <p:nvPr>
+            <p:ph type="body" idx="1"/>
+          </p:nvPr>
+        </p:nvSpPr>
+        <p:spPr>
+          <a:xfrm>
+            <a:off x="1303800" y="1990050"/>
+            <a:ext cx="7030500" cy="2541600"/>
+          </a:xfrm>
+          <a:prstGeom prst="rect">
+            <a:avLst/>
+          </a:prstGeom>
+        </p:spPr>
+        <p:txBody>
+          <a:bodyPr spcFirstLastPara="1" wrap="square" lIns="91425" tIns="91425" rIns="91425" bIns="91425" anchor="t" anchorCtr="0">
+            <a:noAutofit/>
+          </a:bodyPr>
+          <a:lstStyle/>
+          <a:p>
+            <a:pPr marL="0" lvl="0" indent="0" algn="l" rtl="0">
+              <a:spcBef>
+                <a:spcPts val="0"/>
+              </a:spcBef>
+              <a:spcAft>
+                <a:spcPts val="1600"/>
+              </a:spcAft>
+              <a:buNone/>
+            </a:pPr>
+            <a:endParaRPr/>
+          </a:p>
+        </p:txBody>
+      </p:sp>
+    </p:spTree>
+  </p:cSld>
+  <p:clrMapOvr>
+    <a:masterClrMapping/>
+  </p:clrMapOvr>
+</p:sld>
+</file>
+
+<file path=ppt/slides/slide3.xml><?xml version="1.0" encoding="utf-8"?>
+<p:sld xmlns:a="http://schemas.openxmlformats.org/drawingml/2006/main" xmlns:r="http://schemas.openxmlformats.org/officeDocument/2006/relationships" xmlns:p="http://schemas.openxmlformats.org/presentationml/2006/main">
+  <p:cSld>
+    <p:spTree>
+      <p:nvGrpSpPr>
+        <p:cNvPr id="1" name="Shape 288"/>
+        <p:cNvGrpSpPr/>
+        <p:nvPr/>
+      </p:nvGrpSpPr>
+      <p:grpSpPr>
+        <a:xfrm>
+          <a:off x="0" y="0"/>
+          <a:ext cx="0" cy="0"/>
+          <a:chOff x="0" y="0"/>
+          <a:chExt cx="0" cy="0"/>
+        </a:xfrm>
+      </p:grpSpPr>
+      <p:sp>
+        <p:nvSpPr>
+          <p:cNvPr id="289" name="Google Shape;289;p15"/>
+          <p:cNvSpPr txBox="1">
+            <a:spLocks noGrp="1"/>
+          </p:cNvSpPr>
+          <p:nvPr>
+            <p:ph type="title"/>
+          </p:nvPr>
+        </p:nvSpPr>
+        <p:spPr>
+          <a:xfrm>
+            <a:off x="1303800" y="598575"/>
+            <a:ext cx="7030500" cy="999300"/>
+          </a:xfrm>
+          <a:prstGeom prst="rect">
+            <a:avLst/>
+          </a:prstGeom>
+        </p:spPr>
+        <p:txBody>
+          <a:bodyPr spcFirstLastPara="1" wrap="square" lIns="91425" tIns="91425" rIns="91425" bIns="91425" anchor="t" anchorCtr="0">
+            <a:noAutofit/>
+          </a:bodyPr>
+          <a:lstStyle/>
+          <a:p>
+            <a:pPr marL="0" lvl="0" indent="0" algn="l" rtl="0">
+              <a:spcBef>
+                <a:spcPts val="0"/>
+              </a:spcBef>
+              <a:spcAft>
+                <a:spcPts val="0"/>
+              </a:spcAft>
+              <a:buNone/>
+            </a:pPr>
             <a:r>
               <a:rPr lang="en-US">
                 <a:solidFill>
@@ -19672,20 +20667,15 @@
               </a:rPr>
               <a:t>INTRODUCTION</a:t>
             </a:r>
-            <a:endParaRPr lang="en-US">
-              <a:solidFill>
-                <a:schemeClr val="bg2"/>
-              </a:solidFill>
-              <a:latin typeface="Georgia" panose="02040502050405020303" charset="0"/>
-              <a:cs typeface="Georgia" panose="02040502050405020303" charset="0"/>
-            </a:endParaRPr>
           </a:p>
         </p:txBody>
       </p:sp>
       <p:sp>
         <p:nvSpPr>
           <p:cNvPr id="290" name="Google Shape;290;p15"/>
-          <p:cNvSpPr txBox="1"/>
+          <p:cNvSpPr txBox="1">
+            <a:spLocks noGrp="1"/>
+          </p:cNvSpPr>
           <p:nvPr>
             <p:ph type="body" idx="1"/>
           </p:nvPr>
@@ -19721,10 +20711,6 @@
               </a:rPr>
               <a:t>“Memes” are cultural inside jokes, a way of connecting with people across internet through instantly recognizable photos. They collect emotions, ideas and actions into an easy-to-translate format.</a:t>
             </a:r>
-            <a:endParaRPr lang="en-US">
-              <a:latin typeface="Georgia" panose="02040502050405020303" charset="0"/>
-              <a:cs typeface="Georgia" panose="02040502050405020303" charset="0"/>
-            </a:endParaRPr>
           </a:p>
           <a:p>
             <a:pPr marL="0" lvl="0" indent="0" algn="l" rtl="0">
@@ -19750,10 +20736,6 @@
               </a:rPr>
               <a:t> : Besides reflecting humour ,the rise of memes has shown to be having a harmful  effect  on an individual as well as  political, religional , communal sectors of society.  </a:t>
             </a:r>
-            <a:endParaRPr lang="en-US">
-              <a:latin typeface="Georgia" panose="02040502050405020303" charset="0"/>
-              <a:cs typeface="Georgia" panose="02040502050405020303" charset="0"/>
-            </a:endParaRPr>
           </a:p>
           <a:p>
             <a:pPr marL="0" lvl="0" indent="0" algn="l" rtl="0">
@@ -19879,10 +20861,6 @@
               </a:rPr>
               <a:t>: Interpretation of memes using multimodal models .</a:t>
             </a:r>
-            <a:endParaRPr lang="en-US">
-              <a:latin typeface="Georgia" panose="02040502050405020303" charset="0"/>
-              <a:cs typeface="Georgia" panose="02040502050405020303" charset="0"/>
-            </a:endParaRPr>
           </a:p>
           <a:p>
             <a:pPr marL="0" lvl="0" indent="0" algn="l" rtl="0">
@@ -19929,7 +20907,7 @@
   <p:cSld>
     <p:spTree>
       <p:nvGrpSpPr>
-        <p:cNvPr id="294" name="Shape 294"/>
+        <p:cNvPr id="1" name="Shape 294"/>
         <p:cNvGrpSpPr/>
         <p:nvPr/>
       </p:nvGrpSpPr>
@@ -19944,7 +20922,9 @@
       <p:sp>
         <p:nvSpPr>
           <p:cNvPr id="295" name="Google Shape;295;p16"/>
-          <p:cNvSpPr txBox="1"/>
+          <p:cNvSpPr txBox="1">
+            <a:spLocks noGrp="1"/>
+          </p:cNvSpPr>
           <p:nvPr>
             <p:ph type="title"/>
           </p:nvPr>
@@ -19980,10 +20960,6 @@
               </a:rPr>
               <a:t>MOTIVATION</a:t>
             </a:r>
-            <a:endParaRPr lang="en-US">
-              <a:latin typeface="Georgia" panose="02040502050405020303" charset="0"/>
-              <a:cs typeface="Georgia" panose="02040502050405020303" charset="0"/>
-            </a:endParaRPr>
           </a:p>
         </p:txBody>
       </p:sp>
@@ -19996,7 +20972,7 @@
           <p:nvPr/>
         </p:nvPicPr>
         <p:blipFill>
-          <a:blip r:embed="rId1"/>
+          <a:blip r:embed="rId3"/>
           <a:stretch>
             <a:fillRect/>
           </a:stretch>
@@ -20020,7 +20996,7 @@
           <p:nvPr/>
         </p:nvPicPr>
         <p:blipFill>
-          <a:blip r:embed="rId2"/>
+          <a:blip r:embed="rId4"/>
           <a:stretch>
             <a:fillRect/>
           </a:stretch>
@@ -20044,7 +21020,7 @@
           <p:nvPr/>
         </p:nvPicPr>
         <p:blipFill>
-          <a:blip r:embed="rId3"/>
+          <a:blip r:embed="rId5"/>
           <a:stretch>
             <a:fillRect/>
           </a:stretch>
@@ -20072,7 +21048,7 @@
   <p:cSld>
     <p:spTree>
       <p:nvGrpSpPr>
-        <p:cNvPr id="300" name="Shape 300"/>
+        <p:cNvPr id="1" name="Shape 300"/>
         <p:cNvGrpSpPr/>
         <p:nvPr/>
       </p:nvGrpSpPr>
@@ -20087,7 +21063,9 @@
       <p:sp>
         <p:nvSpPr>
           <p:cNvPr id="301" name="Google Shape;301;p17"/>
-          <p:cNvSpPr txBox="1"/>
+          <p:cNvSpPr txBox="1">
+            <a:spLocks noGrp="1"/>
+          </p:cNvSpPr>
           <p:nvPr>
             <p:ph type="title"/>
           </p:nvPr>
@@ -20140,7 +21118,9 @@
       <p:sp>
         <p:nvSpPr>
           <p:cNvPr id="302" name="Google Shape;302;p17"/>
-          <p:cNvSpPr txBox="1"/>
+          <p:cNvSpPr txBox="1">
+            <a:spLocks noGrp="1"/>
+          </p:cNvSpPr>
           <p:nvPr>
             <p:ph type="body" idx="1"/>
           </p:nvPr>
@@ -20260,10 +21240,6 @@
               </a:rPr>
               <a:t>them.</a:t>
             </a:r>
-            <a:endParaRPr lang="en-US" sz="1600">
-              <a:latin typeface="Georgia" panose="02040502050405020303" charset="0"/>
-              <a:cs typeface="Georgia" panose="02040502050405020303" charset="0"/>
-            </a:endParaRPr>
           </a:p>
           <a:p>
             <a:pPr marL="0" lvl="0" indent="0" algn="l" rtl="0">
@@ -20282,10 +21258,6 @@
               </a:rPr>
               <a:t>			</a:t>
             </a:r>
-            <a:endParaRPr lang="en-US">
-              <a:latin typeface="Georgia" panose="02040502050405020303" charset="0"/>
-              <a:cs typeface="Georgia" panose="02040502050405020303" charset="0"/>
-            </a:endParaRPr>
           </a:p>
         </p:txBody>
       </p:sp>
@@ -20309,6 +21281,7 @@
           <a:bodyPr wrap="square" rtlCol="0">
             <a:spAutoFit/>
           </a:bodyPr>
+          <a:lstStyle/>
           <a:p>
             <a:r>
               <a:rPr lang="en-US">
@@ -20317,10 +21290,6 @@
               </a:rPr>
               <a:t>Input</a:t>
             </a:r>
-            <a:endParaRPr lang="en-US">
-              <a:latin typeface="Georgia" panose="02040502050405020303" charset="0"/>
-              <a:cs typeface="Georgia" panose="02040502050405020303" charset="0"/>
-            </a:endParaRPr>
           </a:p>
         </p:txBody>
       </p:sp>
@@ -20344,6 +21313,7 @@
           <a:bodyPr wrap="square" rtlCol="0">
             <a:spAutoFit/>
           </a:bodyPr>
+          <a:lstStyle/>
           <a:p>
             <a:r>
               <a:rPr lang="en-US">
@@ -20352,10 +21322,6 @@
               </a:rPr>
               <a:t>Output</a:t>
             </a:r>
-            <a:endParaRPr lang="en-US">
-              <a:latin typeface="Georgia" panose="02040502050405020303" charset="0"/>
-              <a:cs typeface="Georgia" panose="02040502050405020303" charset="0"/>
-            </a:endParaRPr>
           </a:p>
         </p:txBody>
       </p:sp>
@@ -20379,6 +21345,7 @@
           <a:bodyPr wrap="square" rtlCol="0">
             <a:spAutoFit/>
           </a:bodyPr>
+          <a:lstStyle/>
           <a:p>
             <a:r>
               <a:rPr lang="en-US">
@@ -20387,10 +21354,6 @@
               </a:rPr>
               <a:t>Hateful(1)</a:t>
             </a:r>
-            <a:endParaRPr lang="en-US">
-              <a:latin typeface="Georgia" panose="02040502050405020303" charset="0"/>
-              <a:cs typeface="Georgia" panose="02040502050405020303" charset="0"/>
-            </a:endParaRPr>
           </a:p>
         </p:txBody>
       </p:sp>
@@ -20414,12 +21377,12 @@
           <a:bodyPr wrap="square" rtlCol="0">
             <a:spAutoFit/>
           </a:bodyPr>
+          <a:lstStyle/>
           <a:p>
             <a:r>
               <a:rPr lang="en-US"/>
               <a:t>Non Hateful(0)</a:t>
             </a:r>
-            <a:endParaRPr lang="en-US"/>
           </a:p>
         </p:txBody>
       </p:sp>
@@ -20432,7 +21395,7 @@
           <p:nvPr/>
         </p:nvPicPr>
         <p:blipFill>
-          <a:blip r:embed="rId1"/>
+          <a:blip r:embed="rId3"/>
           <a:stretch>
             <a:fillRect/>
           </a:stretch>
@@ -20456,7 +21419,7 @@
           <p:nvPr/>
         </p:nvPicPr>
         <p:blipFill>
-          <a:blip r:embed="rId2"/>
+          <a:blip r:embed="rId4"/>
           <a:stretch>
             <a:fillRect/>
           </a:stretch>
@@ -20562,7 +21525,7 @@
   <p:cSld>
     <p:spTree>
       <p:nvGrpSpPr>
-        <p:cNvPr id="306" name="Shape 306"/>
+        <p:cNvPr id="1" name="Shape 306"/>
         <p:cNvGrpSpPr/>
         <p:nvPr/>
       </p:nvGrpSpPr>
@@ -20577,7 +21540,9 @@
       <p:sp>
         <p:nvSpPr>
           <p:cNvPr id="307" name="Google Shape;307;p18"/>
-          <p:cNvSpPr txBox="1"/>
+          <p:cNvSpPr txBox="1">
+            <a:spLocks noGrp="1"/>
+          </p:cNvSpPr>
           <p:nvPr>
             <p:ph type="title"/>
           </p:nvPr>
@@ -20639,7 +21604,9 @@
       <p:sp>
         <p:nvSpPr>
           <p:cNvPr id="308" name="Google Shape;308;p18"/>
-          <p:cNvSpPr txBox="1"/>
+          <p:cNvSpPr txBox="1">
+            <a:spLocks noGrp="1"/>
+          </p:cNvSpPr>
           <p:nvPr>
             <p:ph type="body" idx="1"/>
           </p:nvPr>
@@ -20676,10 +21643,6 @@
               </a:rPr>
               <a:t>To generate embeddings of image and text .</a:t>
             </a:r>
-            <a:endParaRPr lang="en-US">
-              <a:latin typeface="Georgia" panose="02040502050405020303" charset="0"/>
-              <a:cs typeface="Georgia" panose="02040502050405020303" charset="0"/>
-            </a:endParaRPr>
           </a:p>
           <a:p>
             <a:pPr marL="342900" lvl="0" indent="-342900" algn="l" rtl="0">
@@ -20699,10 +21662,6 @@
               </a:rPr>
               <a:t>To fuse the text and image embeddings and build a classifier. </a:t>
             </a:r>
-            <a:endParaRPr lang="en-US">
-              <a:latin typeface="Georgia" panose="02040502050405020303" charset="0"/>
-              <a:cs typeface="Georgia" panose="02040502050405020303" charset="0"/>
-            </a:endParaRPr>
           </a:p>
           <a:p>
             <a:pPr marL="342900" lvl="0" indent="-342900" algn="l" rtl="0">
@@ -20722,10 +21681,6 @@
               </a:rPr>
               <a:t>To evaluate the performace of the multimodal model using AUC ROC.</a:t>
             </a:r>
-            <a:endParaRPr lang="en-US">
-              <a:latin typeface="Georgia" panose="02040502050405020303" charset="0"/>
-              <a:cs typeface="Georgia" panose="02040502050405020303" charset="0"/>
-            </a:endParaRPr>
           </a:p>
           <a:p>
             <a:pPr marL="342900" lvl="0" indent="-342900" algn="l" rtl="0">
@@ -20757,7 +21712,7 @@
   <p:cSld>
     <p:spTree>
       <p:nvGrpSpPr>
-        <p:cNvPr id="312" name="Shape 312"/>
+        <p:cNvPr id="1" name="Shape 312"/>
         <p:cNvGrpSpPr/>
         <p:nvPr/>
       </p:nvGrpSpPr>
@@ -20772,7 +21727,9 @@
       <p:sp>
         <p:nvSpPr>
           <p:cNvPr id="313" name="Google Shape;313;p19"/>
-          <p:cNvSpPr txBox="1"/>
+          <p:cNvSpPr txBox="1">
+            <a:spLocks noGrp="1"/>
+          </p:cNvSpPr>
           <p:nvPr>
             <p:ph type="title"/>
           </p:nvPr>
@@ -20841,7 +21798,14 @@
         <p:cNvGrpSpPr/>
         <p:nvPr/>
       </p:nvGrpSpPr>
-      <p:grpSpPr/>
+      <p:grpSpPr>
+        <a:xfrm>
+          <a:off x="0" y="0"/>
+          <a:ext cx="0" cy="0"/>
+          <a:chOff x="0" y="0"/>
+          <a:chExt cx="0" cy="0"/>
+        </a:xfrm>
+      </p:grpSpPr>
       <p:sp>
         <p:nvSpPr>
           <p:cNvPr id="4097" name="Title 1"/>
@@ -20855,42 +21819,64 @@
         <p:spPr/>
         <p:txBody>
           <a:bodyPr anchor="ctr"/>
+          <a:lstStyle/>
           <a:p>
             <a:pPr algn="ctr"/>
             <a:r>
-              <a:rPr lang="en-US" altLang="zh-CN" sz="1600">
+              <a:rPr lang="en-US" altLang="zh-CN" sz="1600" dirty="0">
                 <a:latin typeface="Georgia" panose="02040502050405020303" charset="0"/>
                 <a:cs typeface="Georgia" panose="02040502050405020303" charset="0"/>
               </a:rPr>
               <a:t>Hateful Memes Challenge</a:t>
             </a:r>
             <a:br>
-              <a:rPr lang="en-US" altLang="zh-CN" sz="1600">
+              <a:rPr lang="en-US" altLang="zh-CN" sz="1600" dirty="0">
                 <a:latin typeface="Georgia" panose="02040502050405020303" charset="0"/>
                 <a:cs typeface="Georgia" panose="02040502050405020303" charset="0"/>
               </a:rPr>
             </a:br>
             <a:r>
-              <a:rPr lang="en-US" altLang="zh-CN" sz="1600">
+              <a:rPr lang="en-US" altLang="zh-CN" sz="1600" dirty="0">
                 <a:latin typeface="Georgia" panose="02040502050405020303" charset="0"/>
                 <a:cs typeface="Georgia" panose="02040502050405020303" charset="0"/>
               </a:rPr>
               <a:t>2020, SEP 22    </a:t>
             </a:r>
             <a:br>
-              <a:rPr lang="en-US" altLang="zh-CN" sz="1600">
+              <a:rPr lang="en-US" altLang="zh-CN" sz="1600" dirty="0">
                 <a:latin typeface="Georgia" panose="02040502050405020303" charset="0"/>
                 <a:cs typeface="Georgia" panose="02040502050405020303" charset="0"/>
               </a:rPr>
             </a:br>
             <a:r>
-              <a:rPr lang="en-US" altLang="zh-CN" sz="1600">
+              <a:rPr lang="en-US" altLang="zh-CN" sz="1600" dirty="0">
                 <a:latin typeface="Georgia" panose="02040502050405020303" charset="0"/>
                 <a:cs typeface="Georgia" panose="02040502050405020303" charset="0"/>
               </a:rPr>
-              <a:t>Yuval Nirkin   Assaf Rabinowitz   Yoni Solel</a:t>
+              <a:t>Yuval </a:t>
             </a:r>
-            <a:endParaRPr lang="en-US" altLang="zh-CN" sz="1600">
+            <a:r>
+              <a:rPr lang="en-US" altLang="zh-CN" sz="1600" dirty="0" err="1">
+                <a:latin typeface="Georgia" panose="02040502050405020303" charset="0"/>
+                <a:cs typeface="Georgia" panose="02040502050405020303" charset="0"/>
+              </a:rPr>
+              <a:t>Nirkin</a:t>
+            </a:r>
+            <a:r>
+              <a:rPr lang="en-US" altLang="zh-CN" sz="1600" dirty="0">
+                <a:latin typeface="Georgia" panose="02040502050405020303" charset="0"/>
+                <a:cs typeface="Georgia" panose="02040502050405020303" charset="0"/>
+              </a:rPr>
+              <a:t>   Assaf Rabinowitz   Yoni </a:t>
+            </a:r>
+            <a:r>
+              <a:rPr lang="en-US" altLang="zh-CN" sz="1600" dirty="0" err="1">
+                <a:latin typeface="Georgia" panose="02040502050405020303" charset="0"/>
+                <a:cs typeface="Georgia" panose="02040502050405020303" charset="0"/>
+              </a:rPr>
+              <a:t>Solel</a:t>
+            </a:r>
+            <a:endParaRPr lang="en-US" altLang="zh-CN" sz="1600" dirty="0">
               <a:latin typeface="Georgia" panose="02040502050405020303" charset="0"/>
               <a:cs typeface="Georgia" panose="02040502050405020303" charset="0"/>
             </a:endParaRPr>
@@ -20910,6 +21896,7 @@
         <p:spPr/>
         <p:txBody>
           <a:bodyPr/>
+          <a:lstStyle/>
           <a:p>
             <a:pPr marL="0" marR="0" indent="0" algn="l" defTabSz="914400" rtl="0" eaLnBrk="1" fontAlgn="base" latinLnBrk="0" hangingPunct="1">
               <a:lnSpc>
@@ -20939,16 +21926,6 @@
               </a:rPr>
               <a:t>Data Processing </a:t>
             </a:r>
-            <a:endParaRPr kumimoji="0" lang="en-US" sz="1800" b="0" i="0" u="none" strike="noStrike" kern="1200" cap="none" spc="0" normalizeH="0" baseline="0" noProof="1">
-              <a:solidFill>
-                <a:schemeClr val="bg2">
-                  <a:lumMod val="50000"/>
-                </a:schemeClr>
-              </a:solidFill>
-              <a:latin typeface="Georgia" panose="02040502050405020303" charset="0"/>
-              <a:ea typeface="+mn-ea"/>
-              <a:cs typeface="Georgia" panose="02040502050405020303" charset="0"/>
-            </a:endParaRPr>
           </a:p>
           <a:p>
             <a:pPr marL="342900" marR="0" indent="-342900" algn="l" defTabSz="914400" rtl="0" eaLnBrk="1" fontAlgn="base" latinLnBrk="0" hangingPunct="1">
@@ -21019,16 +21996,6 @@
               </a:rPr>
               <a:t>Image Embedding: MobileNetV2 </a:t>
             </a:r>
-            <a:endParaRPr kumimoji="0" lang="en-US" sz="1800" b="0" i="0" u="none" strike="noStrike" kern="1200" cap="none" spc="0" normalizeH="0" baseline="0" noProof="1">
-              <a:solidFill>
-                <a:schemeClr val="bg2">
-                  <a:lumMod val="50000"/>
-                </a:schemeClr>
-              </a:solidFill>
-              <a:latin typeface="Georgia" panose="02040502050405020303" charset="0"/>
-              <a:ea typeface="+mn-ea"/>
-              <a:cs typeface="Georgia" panose="02040502050405020303" charset="0"/>
-            </a:endParaRPr>
           </a:p>
           <a:p>
             <a:pPr marL="342900" marR="0" indent="-342900" algn="l" defTabSz="914400" rtl="0" eaLnBrk="1" fontAlgn="base" latinLnBrk="0" hangingPunct="1">
@@ -21099,16 +22066,6 @@
               </a:rPr>
               <a:t>Decoder</a:t>
             </a:r>
-            <a:endParaRPr kumimoji="0" lang="en-US" sz="1800" b="0" i="0" u="none" strike="noStrike" kern="1200" cap="none" spc="0" normalizeH="0" baseline="0" noProof="1">
-              <a:solidFill>
-                <a:schemeClr val="bg2">
-                  <a:lumMod val="50000"/>
-                </a:schemeClr>
-              </a:solidFill>
-              <a:latin typeface="Georgia" panose="02040502050405020303" charset="0"/>
-              <a:ea typeface="+mn-ea"/>
-              <a:cs typeface="Georgia" panose="02040502050405020303" charset="0"/>
-            </a:endParaRPr>
           </a:p>
           <a:p>
             <a:pPr marL="0" marR="0" indent="0" algn="l" defTabSz="914400" rtl="0" eaLnBrk="1" fontAlgn="base" latinLnBrk="0" hangingPunct="1">
@@ -21189,6 +22146,7 @@
           <a:bodyPr wrap="square" anchor="t">
             <a:spAutoFit/>
           </a:bodyPr>
+          <a:lstStyle/>
           <a:p>
             <a:r>
               <a:rPr lang="en-US" altLang="zh-CN">
@@ -21196,9 +22154,6 @@
               </a:rPr>
               <a:t>Varun Bohara</a:t>
             </a:r>
-            <a:endParaRPr lang="en-US" altLang="zh-CN">
-              <a:latin typeface="Cambria" panose="02040503050406030204" charset="0"/>
-            </a:endParaRPr>
           </a:p>
         </p:txBody>
       </p:sp>
@@ -21206,14 +22161,14 @@
         <p:nvPicPr>
           <p:cNvPr id="6147" name="Picture 3"/>
           <p:cNvPicPr>
-            <a:picLocks noChangeAspect="1"/>
+            <a:picLocks noGrp="1" noChangeAspect="1"/>
           </p:cNvPicPr>
           <p:nvPr>
             <p:ph sz="half" idx="2"/>
           </p:nvPr>
         </p:nvPicPr>
         <p:blipFill>
-          <a:blip r:embed="rId1">
+          <a:blip r:embed="rId3">
             <a:clrChange>
               <a:clrFrom>
                 <a:srgbClr val="FFFFFF">
@@ -21259,7 +22214,7 @@
   <p:cSld>
     <p:spTree>
       <p:nvGrpSpPr>
-        <p:cNvPr id="318" name="Shape 318"/>
+        <p:cNvPr id="1" name=""/>
         <p:cNvGrpSpPr/>
         <p:nvPr/>
       </p:nvGrpSpPr>
@@ -21273,182 +22228,121 @@
       </p:grpSpPr>
       <p:sp>
         <p:nvSpPr>
-          <p:cNvPr id="319" name="Google Shape;319;p20"/>
-          <p:cNvSpPr txBox="1"/>
+          <p:cNvPr id="3" name="Content Placeholder 2">
+            <a:extLst>
+              <a:ext uri="{FF2B5EF4-FFF2-40B4-BE49-F238E27FC236}">
+                <a16:creationId xmlns:a16="http://schemas.microsoft.com/office/drawing/2014/main" id="{686C24D2-EADB-4067-915C-F2FC845788B7}"/>
+              </a:ext>
+            </a:extLst>
+          </p:cNvPr>
+          <p:cNvSpPr>
+            <a:spLocks noGrp="1"/>
+          </p:cNvSpPr>
           <p:nvPr>
-            <p:ph type="title"/>
+            <p:ph idx="1"/>
           </p:nvPr>
         </p:nvSpPr>
         <p:spPr>
-          <a:prstGeom prst="rect">
-            <a:avLst/>
-          </a:prstGeom>
+          <a:xfrm>
+            <a:off x="144254" y="305074"/>
+            <a:ext cx="8833339" cy="4825502"/>
+          </a:xfrm>
         </p:spPr>
         <p:txBody>
-          <a:bodyPr spcFirstLastPara="1" wrap="square" lIns="91425" tIns="91425" rIns="91425" bIns="91425" anchor="t" anchorCtr="0">
-            <a:noAutofit/>
+          <a:bodyPr>
+            <a:normAutofit/>
           </a:bodyPr>
           <a:lstStyle/>
           <a:p>
-            <a:pPr marL="0" lvl="0" indent="0" algn="l" rtl="0">
-              <a:spcBef>
-                <a:spcPts val="0"/>
-              </a:spcBef>
-              <a:spcAft>
-                <a:spcPts val="0"/>
-              </a:spcAft>
+            <a:pPr marL="146050" indent="0">
               <a:buNone/>
             </a:pPr>
             <a:r>
-              <a:rPr lang="en-US">
-                <a:latin typeface="Georgia" panose="02040502050405020303" charset="0"/>
-                <a:cs typeface="Georgia" panose="02040502050405020303" charset="0"/>
-                <a:sym typeface="+mn-ea"/>
-              </a:rPr>
-              <a:t>PROPOSED METHODOLOGY</a:t>
+              <a:rPr lang="en-US" sz="1800" b="1" u="sng" dirty="0"/>
+              <a:t>Exploring Hate Speech Detection in Multimodal Publications ( WACV, 2020) </a:t>
             </a:r>
-            <a:br>
-              <a:rPr lang="en-US">
-                <a:latin typeface="Georgia" panose="02040502050405020303" charset="0"/>
-                <a:cs typeface="Georgia" panose="02040502050405020303" charset="0"/>
-                <a:sym typeface="+mn-ea"/>
-              </a:rPr>
-            </a:br>
-            <a:endParaRPr lang="en-US">
-              <a:latin typeface="Georgia" panose="02040502050405020303" charset="0"/>
-              <a:cs typeface="Georgia" panose="02040502050405020303" charset="0"/>
-              <a:sym typeface="+mn-ea"/>
-            </a:endParaRPr>
+            <a:r>
+              <a:rPr lang="en-US" sz="1800" b="1" dirty="0"/>
+              <a:t>[1]</a:t>
+            </a:r>
+            <a:endParaRPr lang="en-IN" sz="1400" b="1" dirty="0"/>
+          </a:p>
+          <a:p>
+            <a:r>
+              <a:rPr lang="en-IN" sz="1500" dirty="0"/>
+              <a:t>TKM</a:t>
+            </a:r>
+            <a:r>
+              <a:rPr lang="en-IN" sz="1200" dirty="0"/>
+              <a:t>( Textual Kernels Model ): </a:t>
+            </a:r>
+          </a:p>
+          <a:p>
+            <a:pPr marL="146050" indent="0">
+              <a:buNone/>
+            </a:pPr>
+            <a:endParaRPr lang="en-IN" sz="1200" dirty="0"/>
           </a:p>
         </p:txBody>
       </p:sp>
       <p:sp>
         <p:nvSpPr>
-          <p:cNvPr id="2" name="Rounded Rectangle 1"/>
-          <p:cNvSpPr/>
-          <p:nvPr/>
+          <p:cNvPr id="4" name="Slide Number Placeholder 3">
+            <a:extLst>
+              <a:ext uri="{FF2B5EF4-FFF2-40B4-BE49-F238E27FC236}">
+                <a16:creationId xmlns:a16="http://schemas.microsoft.com/office/drawing/2014/main" id="{B0CEB6EC-DBAD-466D-9E68-CD1D600D35F3}"/>
+              </a:ext>
+            </a:extLst>
+          </p:cNvPr>
+          <p:cNvSpPr>
+            <a:spLocks noGrp="1"/>
+          </p:cNvSpPr>
+          <p:nvPr>
+            <p:ph type="sldNum" sz="quarter" idx="12"/>
+          </p:nvPr>
         </p:nvSpPr>
-        <p:spPr>
-          <a:xfrm>
-            <a:off x="2187575" y="1633220"/>
-            <a:ext cx="2330450" cy="2085975"/>
-          </a:xfrm>
-          <a:prstGeom prst="roundRect">
-            <a:avLst/>
-          </a:prstGeom>
-        </p:spPr>
-        <p:style>
-          <a:lnRef idx="2">
-            <a:schemeClr val="accent3"/>
-          </a:lnRef>
-          <a:fillRef idx="1">
-            <a:schemeClr val="lt1"/>
-          </a:fillRef>
-          <a:effectRef idx="0">
-            <a:schemeClr val="accent3"/>
-          </a:effectRef>
-          <a:fontRef idx="minor">
-            <a:schemeClr val="dk1"/>
-          </a:fontRef>
-        </p:style>
+        <p:spPr/>
         <p:txBody>
-          <a:bodyPr rtlCol="0" anchor="ctr"/>
+          <a:bodyPr/>
+          <a:lstStyle/>
           <a:p>
-            <a:pPr algn="ctr"/>
-            <a:endParaRPr lang="en-US"/>
-          </a:p>
-        </p:txBody>
-      </p:sp>
-      <p:sp>
-        <p:nvSpPr>
-          <p:cNvPr id="1" name="Text Box 0"/>
-          <p:cNvSpPr txBox="1"/>
-          <p:nvPr/>
-        </p:nvSpPr>
-        <p:spPr>
-          <a:xfrm>
-            <a:off x="1049655" y="2118360"/>
-            <a:ext cx="622300" cy="306705"/>
-          </a:xfrm>
-          <a:prstGeom prst="rect">
-            <a:avLst/>
-          </a:prstGeom>
-          <a:noFill/>
-        </p:spPr>
-        <p:txBody>
-          <a:bodyPr wrap="none" rtlCol="0">
-            <a:spAutoFit/>
-          </a:bodyPr>
-          <a:p>
-            <a:r>
-              <a:rPr lang="en-US">
-                <a:latin typeface="Georgia" panose="02040502050405020303" charset="0"/>
-                <a:cs typeface="Georgia" panose="02040502050405020303" charset="0"/>
-              </a:rPr>
-              <a:t>Input</a:t>
-            </a:r>
-            <a:endParaRPr lang="en-US">
-              <a:latin typeface="Georgia" panose="02040502050405020303" charset="0"/>
-              <a:cs typeface="Georgia" panose="02040502050405020303" charset="0"/>
-            </a:endParaRPr>
-          </a:p>
-        </p:txBody>
-      </p:sp>
-      <p:sp>
-        <p:nvSpPr>
-          <p:cNvPr id="3" name="Text Box 2"/>
-          <p:cNvSpPr txBox="1"/>
-          <p:nvPr/>
-        </p:nvSpPr>
-        <p:spPr>
-          <a:xfrm>
-            <a:off x="5257800" y="3361690"/>
-            <a:ext cx="744220" cy="306705"/>
-          </a:xfrm>
-          <a:prstGeom prst="rect">
-            <a:avLst/>
-          </a:prstGeom>
-          <a:noFill/>
-        </p:spPr>
-        <p:txBody>
-          <a:bodyPr wrap="none" rtlCol="0">
-            <a:spAutoFit/>
-          </a:bodyPr>
-          <a:p>
-            <a:r>
-              <a:rPr lang="en-US">
-                <a:latin typeface="Georgia" panose="02040502050405020303" charset="0"/>
-                <a:cs typeface="Georgia" panose="02040502050405020303" charset="0"/>
-              </a:rPr>
-              <a:t>Output</a:t>
-            </a:r>
-            <a:endParaRPr lang="en-US">
-              <a:latin typeface="Georgia" panose="02040502050405020303" charset="0"/>
-              <a:cs typeface="Georgia" panose="02040502050405020303" charset="0"/>
-            </a:endParaRPr>
+            <a:fld id="{7870A25B-082D-42BE-9910-664729240837}" type="slidenum">
+              <a:rPr lang="en-IN" smtClean="0"/>
+              <a:t>9</a:t>
+            </a:fld>
+            <a:endParaRPr lang="en-IN" dirty="0"/>
           </a:p>
         </p:txBody>
       </p:sp>
       <p:pic>
         <p:nvPicPr>
-          <p:cNvPr id="4" name="Content Placeholder 3" descr="02891"/>
+          <p:cNvPr id="6" name="Picture 5">
+            <a:extLst>
+              <a:ext uri="{FF2B5EF4-FFF2-40B4-BE49-F238E27FC236}">
+                <a16:creationId xmlns:a16="http://schemas.microsoft.com/office/drawing/2014/main" id="{3B704845-4C44-48CD-A781-797F6BEAE2FD}"/>
+              </a:ext>
+            </a:extLst>
+          </p:cNvPr>
           <p:cNvPicPr>
             <a:picLocks noChangeAspect="1"/>
           </p:cNvPicPr>
-          <p:nvPr>
-            <p:ph idx="1"/>
-          </p:nvPr>
+          <p:nvPr/>
         </p:nvPicPr>
-        <p:blipFill>
-          <a:blip r:embed="rId1"/>
-          <a:stretch>
-            <a:fillRect/>
-          </a:stretch>
+        <p:blipFill rotWithShape="1">
+          <a:blip r:embed="rId3">
+            <a:extLst>
+              <a:ext uri="{28A0092B-C50C-407E-A947-70E740481C1C}">
+                <a14:useLocalDpi xmlns:a14="http://schemas.microsoft.com/office/drawing/2010/main" val="0"/>
+              </a:ext>
+            </a:extLst>
+          </a:blip>
+          <a:srcRect l="8653" t="878" r="69" b="616"/>
+          <a:stretch/>
         </p:blipFill>
         <p:spPr>
           <a:xfrm>
-            <a:off x="935355" y="2425065"/>
-            <a:ext cx="1003300" cy="668020"/>
+            <a:off x="685800" y="967308"/>
+            <a:ext cx="6710846" cy="4067754"/>
           </a:xfrm>
           <a:prstGeom prst="rect">
             <a:avLst/>
@@ -21457,307 +22351,20 @@
       </p:pic>
       <p:sp>
         <p:nvSpPr>
-          <p:cNvPr id="7" name="Rounded Rectangle 6"/>
-          <p:cNvSpPr/>
-          <p:nvPr/>
-        </p:nvSpPr>
-        <p:spPr>
-          <a:xfrm>
-            <a:off x="2545080" y="2910205"/>
-            <a:ext cx="1640205" cy="471805"/>
-          </a:xfrm>
-          <a:prstGeom prst="roundRect">
-            <a:avLst/>
-          </a:prstGeom>
-        </p:spPr>
-        <p:style>
-          <a:lnRef idx="2">
-            <a:schemeClr val="accent1"/>
-          </a:lnRef>
-          <a:fillRef idx="1">
-            <a:schemeClr val="lt1"/>
-          </a:fillRef>
-          <a:effectRef idx="0">
-            <a:schemeClr val="accent1"/>
-          </a:effectRef>
-          <a:fontRef idx="minor">
-            <a:schemeClr val="dk1"/>
-          </a:fontRef>
-        </p:style>
-        <p:txBody>
-          <a:bodyPr rtlCol="0" anchor="ctr"/>
-          <a:p>
-            <a:pPr algn="ctr"/>
-            <a:r>
-              <a:rPr lang="en-US">
-                <a:latin typeface="Georgia" panose="02040502050405020303" charset="0"/>
-                <a:cs typeface="Georgia" panose="02040502050405020303" charset="0"/>
-              </a:rPr>
-              <a:t>Visual Module</a:t>
-            </a:r>
-            <a:endParaRPr lang="en-US">
-              <a:latin typeface="Georgia" panose="02040502050405020303" charset="0"/>
-              <a:cs typeface="Georgia" panose="02040502050405020303" charset="0"/>
-            </a:endParaRPr>
-          </a:p>
-        </p:txBody>
-      </p:sp>
-      <p:sp>
-        <p:nvSpPr>
-          <p:cNvPr id="8" name="Rounded Rectangle 7"/>
-          <p:cNvSpPr/>
-          <p:nvPr/>
-        </p:nvSpPr>
-        <p:spPr>
-          <a:xfrm>
-            <a:off x="2532380" y="1953260"/>
-            <a:ext cx="1640205" cy="471805"/>
-          </a:xfrm>
-          <a:prstGeom prst="roundRect">
-            <a:avLst/>
-          </a:prstGeom>
-        </p:spPr>
-        <p:style>
-          <a:lnRef idx="2">
-            <a:schemeClr val="accent1"/>
-          </a:lnRef>
-          <a:fillRef idx="1">
-            <a:schemeClr val="lt1"/>
-          </a:fillRef>
-          <a:effectRef idx="0">
-            <a:schemeClr val="accent1"/>
-          </a:effectRef>
-          <a:fontRef idx="minor">
-            <a:schemeClr val="dk1"/>
-          </a:fontRef>
-        </p:style>
-        <p:txBody>
-          <a:bodyPr rtlCol="0" anchor="ctr"/>
-          <a:p>
-            <a:pPr algn="ctr"/>
-            <a:r>
-              <a:rPr lang="en-US">
-                <a:latin typeface="Georgia" panose="02040502050405020303" charset="0"/>
-                <a:cs typeface="Georgia" panose="02040502050405020303" charset="0"/>
-              </a:rPr>
-              <a:t>Image Module</a:t>
-            </a:r>
-            <a:endParaRPr lang="en-US">
-              <a:latin typeface="Georgia" panose="02040502050405020303" charset="0"/>
-              <a:cs typeface="Georgia" panose="02040502050405020303" charset="0"/>
-            </a:endParaRPr>
-          </a:p>
-        </p:txBody>
-      </p:sp>
-      <p:sp>
-        <p:nvSpPr>
-          <p:cNvPr id="9" name="Rounded Rectangle 8"/>
-          <p:cNvSpPr/>
-          <p:nvPr/>
-        </p:nvSpPr>
-        <p:spPr>
-          <a:xfrm>
-            <a:off x="4808220" y="2425065"/>
-            <a:ext cx="1640205" cy="471805"/>
-          </a:xfrm>
-          <a:prstGeom prst="roundRect">
-            <a:avLst/>
-          </a:prstGeom>
-        </p:spPr>
-        <p:style>
-          <a:lnRef idx="2">
-            <a:schemeClr val="accent1"/>
-          </a:lnRef>
-          <a:fillRef idx="1">
-            <a:schemeClr val="lt1"/>
-          </a:fillRef>
-          <a:effectRef idx="0">
-            <a:schemeClr val="accent1"/>
-          </a:effectRef>
-          <a:fontRef idx="minor">
-            <a:schemeClr val="dk1"/>
-          </a:fontRef>
-        </p:style>
-        <p:txBody>
-          <a:bodyPr rtlCol="0" anchor="ctr"/>
-          <a:p>
-            <a:pPr algn="ctr"/>
-            <a:r>
-              <a:rPr lang="en-US">
-                <a:latin typeface="Georgia" panose="02040502050405020303" charset="0"/>
-                <a:cs typeface="Georgia" panose="02040502050405020303" charset="0"/>
-              </a:rPr>
-              <a:t>Decoder</a:t>
-            </a:r>
-            <a:endParaRPr lang="en-US">
-              <a:latin typeface="Georgia" panose="02040502050405020303" charset="0"/>
-              <a:cs typeface="Georgia" panose="02040502050405020303" charset="0"/>
-            </a:endParaRPr>
-          </a:p>
-        </p:txBody>
-      </p:sp>
-      <p:cxnSp>
-        <p:nvCxnSpPr>
-          <p:cNvPr id="10" name="Straight Arrow Connector 9"/>
-          <p:cNvCxnSpPr/>
-          <p:nvPr/>
-        </p:nvCxnSpPr>
-        <p:spPr>
-          <a:xfrm>
-            <a:off x="5609590" y="2922270"/>
-            <a:ext cx="1905" cy="503555"/>
-          </a:xfrm>
-          <a:prstGeom prst="straightConnector1">
-            <a:avLst/>
-          </a:prstGeom>
-          <a:ln w="41275" cmpd="sng">
-            <a:solidFill>
-              <a:schemeClr val="accent1">
-                <a:shade val="50000"/>
-              </a:schemeClr>
-            </a:solidFill>
-            <a:prstDash val="solid"/>
-            <a:tailEnd type="arrow"/>
-          </a:ln>
-        </p:spPr>
-        <p:style>
-          <a:lnRef idx="1">
-            <a:schemeClr val="accent1"/>
-          </a:lnRef>
-          <a:fillRef idx="0">
-            <a:schemeClr val="accent1"/>
-          </a:fillRef>
-          <a:effectRef idx="0">
-            <a:schemeClr val="accent1"/>
-          </a:effectRef>
-          <a:fontRef idx="minor">
-            <a:schemeClr val="tx1"/>
-          </a:fontRef>
-        </p:style>
-      </p:cxnSp>
-      <p:cxnSp>
-        <p:nvCxnSpPr>
-          <p:cNvPr id="11" name="Straight Arrow Connector 10"/>
-          <p:cNvCxnSpPr/>
-          <p:nvPr/>
-        </p:nvCxnSpPr>
-        <p:spPr>
-          <a:xfrm>
-            <a:off x="6461125" y="2661285"/>
-            <a:ext cx="576000" cy="10160"/>
-          </a:xfrm>
-          <a:prstGeom prst="straightConnector1">
-            <a:avLst/>
-          </a:prstGeom>
-          <a:ln w="41275" cmpd="sng">
-            <a:tailEnd type="arrow"/>
-          </a:ln>
-        </p:spPr>
-        <p:style>
-          <a:lnRef idx="1">
-            <a:schemeClr val="accent1"/>
-          </a:lnRef>
-          <a:fillRef idx="0">
-            <a:schemeClr val="accent1"/>
-          </a:fillRef>
-          <a:effectRef idx="0">
-            <a:schemeClr val="accent1"/>
-          </a:effectRef>
-          <a:fontRef idx="minor">
-            <a:schemeClr val="tx1"/>
-          </a:fontRef>
-        </p:style>
-      </p:cxnSp>
-      <p:sp>
-        <p:nvSpPr>
-          <p:cNvPr id="12" name="Rounded Rectangle 11"/>
-          <p:cNvSpPr/>
-          <p:nvPr/>
-        </p:nvSpPr>
-        <p:spPr>
-          <a:xfrm>
-            <a:off x="7024370" y="2425065"/>
-            <a:ext cx="1640205" cy="471805"/>
-          </a:xfrm>
-          <a:prstGeom prst="roundRect">
-            <a:avLst/>
-          </a:prstGeom>
-        </p:spPr>
-        <p:style>
-          <a:lnRef idx="2">
-            <a:schemeClr val="accent1"/>
-          </a:lnRef>
-          <a:fillRef idx="1">
-            <a:schemeClr val="lt1"/>
-          </a:fillRef>
-          <a:effectRef idx="0">
-            <a:schemeClr val="accent1"/>
-          </a:effectRef>
-          <a:fontRef idx="minor">
-            <a:schemeClr val="dk1"/>
-          </a:fontRef>
-        </p:style>
-        <p:txBody>
-          <a:bodyPr rtlCol="0" anchor="ctr"/>
-          <a:p>
-            <a:pPr algn="ctr"/>
-            <a:r>
-              <a:rPr lang="en-US">
-                <a:latin typeface="Georgia" panose="02040502050405020303" charset="0"/>
-                <a:cs typeface="Georgia" panose="02040502050405020303" charset="0"/>
-              </a:rPr>
-              <a:t>Performance Evaluation</a:t>
-            </a:r>
-            <a:endParaRPr lang="en-US">
-              <a:latin typeface="Georgia" panose="02040502050405020303" charset="0"/>
-              <a:cs typeface="Georgia" panose="02040502050405020303" charset="0"/>
-            </a:endParaRPr>
-          </a:p>
-        </p:txBody>
-      </p:sp>
-      <p:cxnSp>
-        <p:nvCxnSpPr>
-          <p:cNvPr id="13" name="Straight Arrow Connector 12"/>
-          <p:cNvCxnSpPr/>
-          <p:nvPr/>
-        </p:nvCxnSpPr>
-        <p:spPr>
-          <a:xfrm>
-            <a:off x="4518025" y="2671445"/>
-            <a:ext cx="282575" cy="6985"/>
-          </a:xfrm>
-          <a:prstGeom prst="straightConnector1">
-            <a:avLst/>
-          </a:prstGeom>
-          <a:ln w="41275" cmpd="sng">
-            <a:tailEnd type="arrow"/>
-          </a:ln>
-        </p:spPr>
-        <p:style>
-          <a:lnRef idx="1">
-            <a:schemeClr val="accent1"/>
-          </a:lnRef>
-          <a:fillRef idx="0">
-            <a:schemeClr val="accent1"/>
-          </a:fillRef>
-          <a:effectRef idx="0">
-            <a:schemeClr val="accent1"/>
-          </a:effectRef>
-          <a:fontRef idx="minor">
-            <a:schemeClr val="tx1"/>
-          </a:fontRef>
-        </p:style>
-      </p:cxnSp>
-      <p:sp>
-        <p:nvSpPr>
-          <p:cNvPr id="14" name="Text Box 13"/>
+          <p:cNvPr id="2" name="TextBox 1">
+            <a:extLst>
+              <a:ext uri="{FF2B5EF4-FFF2-40B4-BE49-F238E27FC236}">
+                <a16:creationId xmlns:a16="http://schemas.microsoft.com/office/drawing/2014/main" id="{74152FB4-9459-41A3-81B7-B8654BA4F20B}"/>
+              </a:ext>
+            </a:extLst>
+          </p:cNvPr>
           <p:cNvSpPr txBox="1"/>
           <p:nvPr/>
         </p:nvSpPr>
         <p:spPr>
           <a:xfrm>
-            <a:off x="5076190" y="3668395"/>
-            <a:ext cx="1104265" cy="306705"/>
+            <a:off x="7396646" y="2295476"/>
+            <a:ext cx="1603100" cy="646331"/>
           </a:xfrm>
           <a:prstGeom prst="rect">
             <a:avLst/>
@@ -21768,55 +22375,45 @@
           <a:bodyPr wrap="square" rtlCol="0">
             <a:spAutoFit/>
           </a:bodyPr>
+          <a:lstStyle/>
           <a:p>
+            <a:pPr marL="285750" indent="-285750">
+              <a:buFont typeface="Wingdings" panose="05000000000000000000" pitchFamily="2" charset="2"/>
+              <a:buChar char="ü"/>
+            </a:pPr>
             <a:r>
-              <a:rPr lang="en-US">
-                <a:latin typeface="Georgia" panose="02040502050405020303" charset="0"/>
-                <a:cs typeface="Georgia" panose="02040502050405020303" charset="0"/>
-              </a:rPr>
-              <a:t>Hateful (1)</a:t>
+              <a:rPr lang="en-IN" sz="1200" dirty="0"/>
+              <a:t>Inception Model</a:t>
             </a:r>
-            <a:endParaRPr lang="en-US">
-              <a:latin typeface="Georgia" panose="02040502050405020303" charset="0"/>
-              <a:cs typeface="Georgia" panose="02040502050405020303" charset="0"/>
-            </a:endParaRPr>
+          </a:p>
+          <a:p>
+            <a:pPr marL="285750" indent="-285750">
+              <a:buFont typeface="Wingdings" panose="05000000000000000000" pitchFamily="2" charset="2"/>
+              <a:buChar char="ü"/>
+            </a:pPr>
+            <a:r>
+              <a:rPr lang="en-IN" sz="1200" dirty="0"/>
+              <a:t>Kernel </a:t>
+            </a:r>
+          </a:p>
+          <a:p>
+            <a:pPr marL="285750" indent="-285750">
+              <a:buFont typeface="Wingdings" panose="05000000000000000000" pitchFamily="2" charset="2"/>
+              <a:buChar char="ü"/>
+            </a:pPr>
+            <a:r>
+              <a:rPr lang="en-IN" sz="1200" dirty="0"/>
+              <a:t>LSTM Model </a:t>
+            </a:r>
           </a:p>
         </p:txBody>
       </p:sp>
-      <p:cxnSp>
-        <p:nvCxnSpPr>
-          <p:cNvPr id="15" name="Straight Arrow Connector 14"/>
-          <p:cNvCxnSpPr/>
-          <p:nvPr/>
-        </p:nvCxnSpPr>
-        <p:spPr>
-          <a:xfrm>
-            <a:off x="1938655" y="2678430"/>
-            <a:ext cx="252000" cy="6985"/>
-          </a:xfrm>
-          <a:prstGeom prst="straightConnector1">
-            <a:avLst/>
-          </a:prstGeom>
-          <a:ln w="41275" cmpd="sng">
-            <a:tailEnd type="arrow"/>
-          </a:ln>
-        </p:spPr>
-        <p:style>
-          <a:lnRef idx="1">
-            <a:schemeClr val="accent1"/>
-          </a:lnRef>
-          <a:fillRef idx="0">
-            <a:schemeClr val="accent1"/>
-          </a:fillRef>
-          <a:effectRef idx="0">
-            <a:schemeClr val="accent1"/>
-          </a:effectRef>
-          <a:fontRef idx="minor">
-            <a:schemeClr val="tx1"/>
-          </a:fontRef>
-        </p:style>
-      </p:cxnSp>
     </p:spTree>
+    <p:extLst>
+      <p:ext uri="{BB962C8B-B14F-4D97-AF65-F5344CB8AC3E}">
+        <p14:creationId xmlns:p14="http://schemas.microsoft.com/office/powerpoint/2010/main" val="2577325244"/>
+      </p:ext>
+    </p:extLst>
   </p:cSld>
   <p:clrMapOvr>
     <a:masterClrMapping/>
@@ -22100,6 +22697,8 @@
       </a:bgFillStyleLst>
     </a:fmtScheme>
   </a:themeElements>
+  <a:objectDefaults/>
+  <a:extraClrSchemeLst/>
   <a:extLst>
     <a:ext uri="{05A4C25C-085E-4340-85A3-A5531E510DB2}">
       <thm15:themeFamily xmlns:thm15="http://schemas.microsoft.com/office/thememl/2012/main" name="Office Theme" id="{62F939B6-93AF-4DB8-9C6B-D6C7DFDC589F}" vid="{4A3C46E8-61CC-4603-A589-7422A47A8E4A}"/>
@@ -22384,6 +22983,8 @@
       </a:bgFillStyleLst>
     </a:fmtScheme>
   </a:themeElements>
+  <a:objectDefaults/>
+  <a:extraClrSchemeLst/>
   <a:extLst>
     <a:ext uri="{05A4C25C-085E-4340-85A3-A5531E510DB2}">
       <thm15:themeFamily xmlns:thm15="http://schemas.microsoft.com/office/thememl/2012/main" name="Office Theme" id="{62F939B6-93AF-4DB8-9C6B-D6C7DFDC589F}" vid="{4A3C46E8-61CC-4603-A589-7422A47A8E4A}"/>

--- a/MINI PROJECT REVIEW.pptx
+++ b/MINI PROJECT REVIEW.pptx
@@ -5,57 +5,67 @@
     <p:sldMasterId id="2147483648" r:id="rId1"/>
   </p:sldMasterIdLst>
   <p:notesMasterIdLst>
-    <p:notesMasterId r:id="rId25"/>
+    <p:notesMasterId r:id="rId4"/>
   </p:notesMasterIdLst>
   <p:sldIdLst>
-    <p:sldId id="256" r:id="rId2"/>
-    <p:sldId id="257" r:id="rId3"/>
-    <p:sldId id="258" r:id="rId4"/>
-    <p:sldId id="259" r:id="rId5"/>
-    <p:sldId id="260" r:id="rId6"/>
-    <p:sldId id="261" r:id="rId7"/>
-    <p:sldId id="262" r:id="rId8"/>
-    <p:sldId id="279" r:id="rId9"/>
-    <p:sldId id="281" r:id="rId10"/>
-    <p:sldId id="263" r:id="rId11"/>
-    <p:sldId id="264" r:id="rId12"/>
-    <p:sldId id="265" r:id="rId13"/>
-    <p:sldId id="278" r:id="rId14"/>
-    <p:sldId id="267" r:id="rId15"/>
-    <p:sldId id="268" r:id="rId16"/>
-    <p:sldId id="269" r:id="rId17"/>
-    <p:sldId id="270" r:id="rId18"/>
-    <p:sldId id="271" r:id="rId19"/>
-    <p:sldId id="272" r:id="rId20"/>
-    <p:sldId id="273" r:id="rId21"/>
-    <p:sldId id="274" r:id="rId22"/>
-    <p:sldId id="275" r:id="rId23"/>
-    <p:sldId id="276" r:id="rId24"/>
+    <p:sldId id="256" r:id="rId3"/>
+    <p:sldId id="257" r:id="rId5"/>
+    <p:sldId id="258" r:id="rId6"/>
+    <p:sldId id="259" r:id="rId7"/>
+    <p:sldId id="260" r:id="rId8"/>
+    <p:sldId id="261" r:id="rId9"/>
+    <p:sldId id="262" r:id="rId10"/>
+    <p:sldId id="279" r:id="rId11"/>
+    <p:sldId id="296" r:id="rId12"/>
+    <p:sldId id="281" r:id="rId13"/>
+    <p:sldId id="263" r:id="rId14"/>
+    <p:sldId id="264" r:id="rId15"/>
+    <p:sldId id="265" r:id="rId16"/>
+    <p:sldId id="278" r:id="rId17"/>
+    <p:sldId id="267" r:id="rId18"/>
+    <p:sldId id="268" r:id="rId19"/>
+    <p:sldId id="269" r:id="rId20"/>
+    <p:sldId id="270" r:id="rId21"/>
+    <p:sldId id="271" r:id="rId22"/>
+    <p:sldId id="272" r:id="rId23"/>
+    <p:sldId id="273" r:id="rId24"/>
+    <p:sldId id="274" r:id="rId25"/>
+    <p:sldId id="275" r:id="rId26"/>
+    <p:sldId id="276" r:id="rId27"/>
   </p:sldIdLst>
   <p:sldSz cx="9144000" cy="5143500" type="screen16x9"/>
   <p:notesSz cx="6858000" cy="9144000"/>
   <p:embeddedFontLst>
     <p:embeddedFont>
-      <p:font typeface="Cambria" panose="02040503050406030204" pitchFamily="18" charset="0"/>
-      <p:regular r:id="rId26"/>
-      <p:bold r:id="rId27"/>
-      <p:italic r:id="rId28"/>
-      <p:boldItalic r:id="rId29"/>
+      <p:font typeface="SimSun" panose="02010600030101010101" pitchFamily="2" charset="-122"/>
+      <p:regular r:id="rId31"/>
     </p:embeddedFont>
     <p:embeddedFont>
-      <p:font typeface="Georgia" panose="02040502050405020303" pitchFamily="18" charset="0"/>
-      <p:regular r:id="rId30"/>
-      <p:bold r:id="rId31"/>
-      <p:italic r:id="rId32"/>
-      <p:boldItalic r:id="rId33"/>
+      <p:font typeface="Maven Pro"/>
+      <p:regular r:id="rId32"/>
     </p:embeddedFont>
     <p:embeddedFont>
-      <p:font typeface="Maven Pro" panose="020B0604020202020204" charset="0"/>
-      <p:regular r:id="rId34"/>
+      <p:font typeface="Nunito" panose="00000500000000000000"/>
+      <p:regular r:id="rId33"/>
     </p:embeddedFont>
     <p:embeddedFont>
-      <p:font typeface="Nunito" panose="020B0604020202020204" charset="0"/>
-      <p:regular r:id="rId35"/>
+      <p:font typeface="Georgia" panose="02040502050405020303" charset="0"/>
+      <p:regular r:id="rId34"/>
+      <p:bold r:id="rId35"/>
+      <p:italic r:id="rId36"/>
+      <p:boldItalic r:id="rId37"/>
+    </p:embeddedFont>
+    <p:embeddedFont>
+      <p:font typeface="Cambria" panose="02040503050406030204" charset="0"/>
+      <p:regular r:id="rId38"/>
+      <p:bold r:id="rId39"/>
+      <p:italic r:id="rId40"/>
+      <p:boldItalic r:id="rId41"/>
+    </p:embeddedFont>
+    <p:embeddedFont>
+      <p:font typeface="Agency FB" panose="020B0503020202020204" charset="0"/>
+      <p:regular r:id="rId42"/>
+      <p:bold r:id="rId43"/>
     </p:embeddedFont>
   </p:embeddedFontLst>
   <p:defaultTextStyle>
@@ -287,22 +297,6 @@
       </a:defRPr>
     </a:lvl9pPr>
   </p:defaultTextStyle>
-  <p:extLst>
-    <p:ext uri="{EFAFB233-063F-42B5-8137-9DF3F51BA10A}">
-      <p15:sldGuideLst xmlns:p15="http://schemas.microsoft.com/office/powerpoint/2012/main">
-        <p15:guide id="1" orient="horz" pos="1619">
-          <p15:clr>
-            <a:srgbClr val="A4A3A4"/>
-          </p15:clr>
-        </p15:guide>
-        <p15:guide id="2" pos="2828">
-          <p15:clr>
-            <a:srgbClr val="A4A3A4"/>
-          </p15:clr>
-        </p15:guide>
-      </p15:sldGuideLst>
-    </p:ext>
-  </p:extLst>
 </p:presentation>
 </file>
 
@@ -507,9 +501,7 @@
               <a:defRPr sz="1100"/>
             </a:lvl9pPr>
           </a:lstStyle>
-          <a:p>
-            <a:endParaRPr/>
-          </a:p>
+          <a:p/>
         </p:txBody>
       </p:sp>
     </p:spTree>
@@ -748,7 +740,7 @@
 </file>
 
 <file path=ppt/notesSlides/notesSlide1.xml><?xml version="1.0" encoding="utf-8"?>
-<p:notes xmlns:a="http://schemas.openxmlformats.org/drawingml/2006/main" xmlns:r="http://schemas.openxmlformats.org/officeDocument/2006/relationships" xmlns:p="http://schemas.openxmlformats.org/presentationml/2006/main" showMasterSp="0" showMasterPhAnim="0">
+<p:notes xmlns:a="http://schemas.openxmlformats.org/drawingml/2006/main" xmlns:r="http://schemas.openxmlformats.org/officeDocument/2006/relationships" xmlns:p="http://schemas.openxmlformats.org/presentationml/2006/main" showMasterPhAnim="0" showMasterSp="0">
   <p:cSld>
     <p:spTree>
       <p:nvGrpSpPr>
@@ -839,7 +831,6 @@
               </a:spcAft>
               <a:buNone/>
             </a:pPr>
-            <a:endParaRPr/>
           </a:p>
         </p:txBody>
       </p:sp>
@@ -852,7 +843,68 @@
 </file>
 
 <file path=ppt/notesSlides/notesSlide10.xml><?xml version="1.0" encoding="utf-8"?>
-<p:notes xmlns:a="http://schemas.openxmlformats.org/drawingml/2006/main" xmlns:r="http://schemas.openxmlformats.org/officeDocument/2006/relationships" xmlns:p="http://schemas.openxmlformats.org/presentationml/2006/main" showMasterSp="0" showMasterPhAnim="0">
+<p:notes xmlns:a="http://schemas.openxmlformats.org/drawingml/2006/main" xmlns:r="http://schemas.openxmlformats.org/officeDocument/2006/relationships" xmlns:p="http://schemas.openxmlformats.org/presentationml/2006/main">
+  <p:cSld>
+    <p:spTree>
+      <p:nvGrpSpPr>
+        <p:cNvPr id="1" name=""/>
+        <p:cNvGrpSpPr/>
+        <p:nvPr/>
+      </p:nvGrpSpPr>
+      <p:grpSpPr>
+        <a:xfrm>
+          <a:off x="0" y="0"/>
+          <a:ext cx="0" cy="0"/>
+          <a:chOff x="0" y="0"/>
+          <a:chExt cx="0" cy="0"/>
+        </a:xfrm>
+      </p:grpSpPr>
+      <p:sp>
+        <p:nvSpPr>
+          <p:cNvPr id="2" name="Slide Image Placeholder 1"/>
+          <p:cNvSpPr>
+            <a:spLocks noGrp="1" noRot="1" noChangeAspect="1"/>
+          </p:cNvSpPr>
+          <p:nvPr>
+            <p:ph type="sldImg"/>
+          </p:nvPr>
+        </p:nvSpPr>
+        <p:spPr>
+          <a:xfrm>
+            <a:off x="381000" y="685800"/>
+            <a:ext cx="6096000" cy="3429000"/>
+          </a:xfrm>
+        </p:spPr>
+      </p:sp>
+      <p:sp>
+        <p:nvSpPr>
+          <p:cNvPr id="3" name="Notes Placeholder 2"/>
+          <p:cNvSpPr>
+            <a:spLocks noGrp="1"/>
+          </p:cNvSpPr>
+          <p:nvPr>
+            <p:ph type="body" idx="1"/>
+          </p:nvPr>
+        </p:nvSpPr>
+        <p:spPr/>
+        <p:txBody>
+          <a:bodyPr/>
+          <a:lstStyle/>
+          <a:p>
+            <a:endParaRPr lang="en-IN" dirty="0"/>
+          </a:p>
+        </p:txBody>
+      </p:sp>
+    </p:spTree>
+  </p:cSld>
+  <p:clrMapOvr>
+    <a:masterClrMapping/>
+  </p:clrMapOvr>
+</p:notes>
+</file>
+
+<file path=ppt/notesSlides/notesSlide11.xml><?xml version="1.0" encoding="utf-8"?>
+<p:notes xmlns:a="http://schemas.openxmlformats.org/drawingml/2006/main" xmlns:r="http://schemas.openxmlformats.org/officeDocument/2006/relationships" xmlns:p="http://schemas.openxmlformats.org/presentationml/2006/main" showMasterPhAnim="0" showMasterSp="0">
   <p:cSld>
     <p:spTree>
       <p:nvGrpSpPr>
@@ -943,7 +995,6 @@
               </a:spcAft>
               <a:buNone/>
             </a:pPr>
-            <a:endParaRPr/>
           </a:p>
         </p:txBody>
       </p:sp>
@@ -955,8 +1006,8 @@
 </p:notes>
 </file>
 
-<file path=ppt/notesSlides/notesSlide11.xml><?xml version="1.0" encoding="utf-8"?>
-<p:notes xmlns:a="http://schemas.openxmlformats.org/drawingml/2006/main" xmlns:r="http://schemas.openxmlformats.org/officeDocument/2006/relationships" xmlns:p="http://schemas.openxmlformats.org/presentationml/2006/main" showMasterSp="0" showMasterPhAnim="0">
+<file path=ppt/notesSlides/notesSlide12.xml><?xml version="1.0" encoding="utf-8"?>
+<p:notes xmlns:a="http://schemas.openxmlformats.org/drawingml/2006/main" xmlns:r="http://schemas.openxmlformats.org/officeDocument/2006/relationships" xmlns:p="http://schemas.openxmlformats.org/presentationml/2006/main" showMasterPhAnim="0" showMasterSp="0">
   <p:cSld>
     <p:spTree>
       <p:nvGrpSpPr>
@@ -1047,7 +1098,6 @@
               </a:spcAft>
               <a:buNone/>
             </a:pPr>
-            <a:endParaRPr/>
           </a:p>
         </p:txBody>
       </p:sp>
@@ -1059,8 +1109,8 @@
 </p:notes>
 </file>
 
-<file path=ppt/notesSlides/notesSlide12.xml><?xml version="1.0" encoding="utf-8"?>
-<p:notes xmlns:a="http://schemas.openxmlformats.org/drawingml/2006/main" xmlns:r="http://schemas.openxmlformats.org/officeDocument/2006/relationships" xmlns:p="http://schemas.openxmlformats.org/presentationml/2006/main" showMasterSp="0" showMasterPhAnim="0">
+<file path=ppt/notesSlides/notesSlide13.xml><?xml version="1.0" encoding="utf-8"?>
+<p:notes xmlns:a="http://schemas.openxmlformats.org/drawingml/2006/main" xmlns:r="http://schemas.openxmlformats.org/officeDocument/2006/relationships" xmlns:p="http://schemas.openxmlformats.org/presentationml/2006/main" showMasterPhAnim="0" showMasterSp="0">
   <p:cSld>
     <p:spTree>
       <p:nvGrpSpPr>
@@ -1151,7 +1201,6 @@
               </a:spcAft>
               <a:buNone/>
             </a:pPr>
-            <a:endParaRPr/>
           </a:p>
         </p:txBody>
       </p:sp>
@@ -1163,8 +1212,8 @@
 </p:notes>
 </file>
 
-<file path=ppt/notesSlides/notesSlide13.xml><?xml version="1.0" encoding="utf-8"?>
-<p:notes xmlns:a="http://schemas.openxmlformats.org/drawingml/2006/main" xmlns:r="http://schemas.openxmlformats.org/officeDocument/2006/relationships" xmlns:p="http://schemas.openxmlformats.org/presentationml/2006/main" showMasterSp="0" showMasterPhAnim="0">
+<file path=ppt/notesSlides/notesSlide14.xml><?xml version="1.0" encoding="utf-8"?>
+<p:notes xmlns:a="http://schemas.openxmlformats.org/drawingml/2006/main" xmlns:r="http://schemas.openxmlformats.org/officeDocument/2006/relationships" xmlns:p="http://schemas.openxmlformats.org/presentationml/2006/main" showMasterPhAnim="0" showMasterSp="0">
   <p:cSld>
     <p:spTree>
       <p:nvGrpSpPr>
@@ -1255,7 +1304,6 @@
               </a:spcAft>
               <a:buNone/>
             </a:pPr>
-            <a:endParaRPr/>
           </a:p>
         </p:txBody>
       </p:sp>
@@ -1267,8 +1315,8 @@
 </p:notes>
 </file>
 
-<file path=ppt/notesSlides/notesSlide14.xml><?xml version="1.0" encoding="utf-8"?>
-<p:notes xmlns:a="http://schemas.openxmlformats.org/drawingml/2006/main" xmlns:r="http://schemas.openxmlformats.org/officeDocument/2006/relationships" xmlns:p="http://schemas.openxmlformats.org/presentationml/2006/main" showMasterSp="0" showMasterPhAnim="0">
+<file path=ppt/notesSlides/notesSlide15.xml><?xml version="1.0" encoding="utf-8"?>
+<p:notes xmlns:a="http://schemas.openxmlformats.org/drawingml/2006/main" xmlns:r="http://schemas.openxmlformats.org/officeDocument/2006/relationships" xmlns:p="http://schemas.openxmlformats.org/presentationml/2006/main" showMasterPhAnim="0" showMasterSp="0">
   <p:cSld>
     <p:spTree>
       <p:nvGrpSpPr>
@@ -1359,7 +1407,6 @@
               </a:spcAft>
               <a:buNone/>
             </a:pPr>
-            <a:endParaRPr/>
           </a:p>
         </p:txBody>
       </p:sp>
@@ -1371,8 +1418,8 @@
 </p:notes>
 </file>
 
-<file path=ppt/notesSlides/notesSlide15.xml><?xml version="1.0" encoding="utf-8"?>
-<p:notes xmlns:a="http://schemas.openxmlformats.org/drawingml/2006/main" xmlns:r="http://schemas.openxmlformats.org/officeDocument/2006/relationships" xmlns:p="http://schemas.openxmlformats.org/presentationml/2006/main" showMasterSp="0" showMasterPhAnim="0">
+<file path=ppt/notesSlides/notesSlide16.xml><?xml version="1.0" encoding="utf-8"?>
+<p:notes xmlns:a="http://schemas.openxmlformats.org/drawingml/2006/main" xmlns:r="http://schemas.openxmlformats.org/officeDocument/2006/relationships" xmlns:p="http://schemas.openxmlformats.org/presentationml/2006/main" showMasterPhAnim="0" showMasterSp="0">
   <p:cSld>
     <p:spTree>
       <p:nvGrpSpPr>
@@ -1463,7 +1510,6 @@
               </a:spcAft>
               <a:buNone/>
             </a:pPr>
-            <a:endParaRPr/>
           </a:p>
         </p:txBody>
       </p:sp>
@@ -1475,8 +1521,8 @@
 </p:notes>
 </file>
 
-<file path=ppt/notesSlides/notesSlide16.xml><?xml version="1.0" encoding="utf-8"?>
-<p:notes xmlns:a="http://schemas.openxmlformats.org/drawingml/2006/main" xmlns:r="http://schemas.openxmlformats.org/officeDocument/2006/relationships" xmlns:p="http://schemas.openxmlformats.org/presentationml/2006/main" showMasterSp="0" showMasterPhAnim="0">
+<file path=ppt/notesSlides/notesSlide17.xml><?xml version="1.0" encoding="utf-8"?>
+<p:notes xmlns:a="http://schemas.openxmlformats.org/drawingml/2006/main" xmlns:r="http://schemas.openxmlformats.org/officeDocument/2006/relationships" xmlns:p="http://schemas.openxmlformats.org/presentationml/2006/main" showMasterPhAnim="0" showMasterSp="0">
   <p:cSld>
     <p:spTree>
       <p:nvGrpSpPr>
@@ -1567,7 +1613,6 @@
               </a:spcAft>
               <a:buNone/>
             </a:pPr>
-            <a:endParaRPr/>
           </a:p>
         </p:txBody>
       </p:sp>
@@ -1579,8 +1624,8 @@
 </p:notes>
 </file>
 
-<file path=ppt/notesSlides/notesSlide17.xml><?xml version="1.0" encoding="utf-8"?>
-<p:notes xmlns:a="http://schemas.openxmlformats.org/drawingml/2006/main" xmlns:r="http://schemas.openxmlformats.org/officeDocument/2006/relationships" xmlns:p="http://schemas.openxmlformats.org/presentationml/2006/main" showMasterSp="0" showMasterPhAnim="0">
+<file path=ppt/notesSlides/notesSlide18.xml><?xml version="1.0" encoding="utf-8"?>
+<p:notes xmlns:a="http://schemas.openxmlformats.org/drawingml/2006/main" xmlns:r="http://schemas.openxmlformats.org/officeDocument/2006/relationships" xmlns:p="http://schemas.openxmlformats.org/presentationml/2006/main" showMasterPhAnim="0" showMasterSp="0">
   <p:cSld>
     <p:spTree>
       <p:nvGrpSpPr>
@@ -1671,7 +1716,6 @@
               </a:spcAft>
               <a:buNone/>
             </a:pPr>
-            <a:endParaRPr/>
           </a:p>
         </p:txBody>
       </p:sp>
@@ -1683,8 +1727,8 @@
 </p:notes>
 </file>
 
-<file path=ppt/notesSlides/notesSlide18.xml><?xml version="1.0" encoding="utf-8"?>
-<p:notes xmlns:a="http://schemas.openxmlformats.org/drawingml/2006/main" xmlns:r="http://schemas.openxmlformats.org/officeDocument/2006/relationships" xmlns:p="http://schemas.openxmlformats.org/presentationml/2006/main" showMasterSp="0" showMasterPhAnim="0">
+<file path=ppt/notesSlides/notesSlide19.xml><?xml version="1.0" encoding="utf-8"?>
+<p:notes xmlns:a="http://schemas.openxmlformats.org/drawingml/2006/main" xmlns:r="http://schemas.openxmlformats.org/officeDocument/2006/relationships" xmlns:p="http://schemas.openxmlformats.org/presentationml/2006/main" showMasterPhAnim="0" showMasterSp="0">
   <p:cSld>
     <p:spTree>
       <p:nvGrpSpPr>
@@ -1775,7 +1819,6 @@
               </a:spcAft>
               <a:buNone/>
             </a:pPr>
-            <a:endParaRPr/>
           </a:p>
         </p:txBody>
       </p:sp>
@@ -1787,8 +1830,111 @@
 </p:notes>
 </file>
 
-<file path=ppt/notesSlides/notesSlide19.xml><?xml version="1.0" encoding="utf-8"?>
-<p:notes xmlns:a="http://schemas.openxmlformats.org/drawingml/2006/main" xmlns:r="http://schemas.openxmlformats.org/officeDocument/2006/relationships" xmlns:p="http://schemas.openxmlformats.org/presentationml/2006/main" showMasterSp="0" showMasterPhAnim="0">
+<file path=ppt/notesSlides/notesSlide2.xml><?xml version="1.0" encoding="utf-8"?>
+<p:notes xmlns:a="http://schemas.openxmlformats.org/drawingml/2006/main" xmlns:r="http://schemas.openxmlformats.org/officeDocument/2006/relationships" xmlns:p="http://schemas.openxmlformats.org/presentationml/2006/main" showMasterPhAnim="0" showMasterSp="0">
+  <p:cSld>
+    <p:spTree>
+      <p:nvGrpSpPr>
+        <p:cNvPr id="1" name="Shape 279"/>
+        <p:cNvGrpSpPr/>
+        <p:nvPr/>
+      </p:nvGrpSpPr>
+      <p:grpSpPr>
+        <a:xfrm>
+          <a:off x="0" y="0"/>
+          <a:ext cx="0" cy="0"/>
+          <a:chOff x="0" y="0"/>
+          <a:chExt cx="0" cy="0"/>
+        </a:xfrm>
+      </p:grpSpPr>
+      <p:sp>
+        <p:nvSpPr>
+          <p:cNvPr id="280" name="Google Shape;280;ga6a217c1e4_0_47:notes"/>
+          <p:cNvSpPr>
+            <a:spLocks noGrp="1" noRot="1" noChangeAspect="1"/>
+          </p:cNvSpPr>
+          <p:nvPr>
+            <p:ph type="sldImg" idx="2"/>
+          </p:nvPr>
+        </p:nvSpPr>
+        <p:spPr>
+          <a:xfrm>
+            <a:off x="381300" y="685800"/>
+            <a:ext cx="6096000" cy="3429000"/>
+          </a:xfrm>
+          <a:custGeom>
+            <a:avLst/>
+            <a:gdLst/>
+            <a:ahLst/>
+            <a:cxnLst/>
+            <a:rect l="l" t="t" r="r" b="b"/>
+            <a:pathLst>
+              <a:path w="120000" h="120000" extrusionOk="0">
+                <a:moveTo>
+                  <a:pt x="0" y="0"/>
+                </a:moveTo>
+                <a:lnTo>
+                  <a:pt x="120000" y="0"/>
+                </a:lnTo>
+                <a:lnTo>
+                  <a:pt x="120000" y="120000"/>
+                </a:lnTo>
+                <a:lnTo>
+                  <a:pt x="0" y="120000"/>
+                </a:lnTo>
+                <a:close/>
+              </a:path>
+            </a:pathLst>
+          </a:custGeom>
+        </p:spPr>
+      </p:sp>
+      <p:sp>
+        <p:nvSpPr>
+          <p:cNvPr id="281" name="Google Shape;281;ga6a217c1e4_0_47:notes"/>
+          <p:cNvSpPr txBox="1">
+            <a:spLocks noGrp="1"/>
+          </p:cNvSpPr>
+          <p:nvPr>
+            <p:ph type="body" idx="1"/>
+          </p:nvPr>
+        </p:nvSpPr>
+        <p:spPr>
+          <a:xfrm>
+            <a:off x="685800" y="4343400"/>
+            <a:ext cx="5486400" cy="4114800"/>
+          </a:xfrm>
+          <a:prstGeom prst="rect">
+            <a:avLst/>
+          </a:prstGeom>
+        </p:spPr>
+        <p:txBody>
+          <a:bodyPr spcFirstLastPara="1" wrap="square" lIns="91425" tIns="91425" rIns="91425" bIns="91425" anchor="t" anchorCtr="0">
+            <a:noAutofit/>
+          </a:bodyPr>
+          <a:lstStyle/>
+          <a:p>
+            <a:pPr marL="0" lvl="0" indent="0" algn="l" rtl="0">
+              <a:spcBef>
+                <a:spcPts val="0"/>
+              </a:spcBef>
+              <a:spcAft>
+                <a:spcPts val="0"/>
+              </a:spcAft>
+              <a:buNone/>
+            </a:pPr>
+          </a:p>
+        </p:txBody>
+      </p:sp>
+    </p:spTree>
+  </p:cSld>
+  <p:clrMapOvr>
+    <a:masterClrMapping/>
+  </p:clrMapOvr>
+</p:notes>
+</file>
+
+<file path=ppt/notesSlides/notesSlide20.xml><?xml version="1.0" encoding="utf-8"?>
+<p:notes xmlns:a="http://schemas.openxmlformats.org/drawingml/2006/main" xmlns:r="http://schemas.openxmlformats.org/officeDocument/2006/relationships" xmlns:p="http://schemas.openxmlformats.org/presentationml/2006/main" showMasterPhAnim="0" showMasterSp="0">
   <p:cSld>
     <p:spTree>
       <p:nvGrpSpPr>
@@ -1879,7 +2025,6 @@
               </a:spcAft>
               <a:buNone/>
             </a:pPr>
-            <a:endParaRPr/>
           </a:p>
         </p:txBody>
       </p:sp>
@@ -1891,112 +2036,8 @@
 </p:notes>
 </file>
 
-<file path=ppt/notesSlides/notesSlide2.xml><?xml version="1.0" encoding="utf-8"?>
-<p:notes xmlns:a="http://schemas.openxmlformats.org/drawingml/2006/main" xmlns:r="http://schemas.openxmlformats.org/officeDocument/2006/relationships" xmlns:p="http://schemas.openxmlformats.org/presentationml/2006/main" showMasterSp="0" showMasterPhAnim="0">
-  <p:cSld>
-    <p:spTree>
-      <p:nvGrpSpPr>
-        <p:cNvPr id="1" name="Shape 279"/>
-        <p:cNvGrpSpPr/>
-        <p:nvPr/>
-      </p:nvGrpSpPr>
-      <p:grpSpPr>
-        <a:xfrm>
-          <a:off x="0" y="0"/>
-          <a:ext cx="0" cy="0"/>
-          <a:chOff x="0" y="0"/>
-          <a:chExt cx="0" cy="0"/>
-        </a:xfrm>
-      </p:grpSpPr>
-      <p:sp>
-        <p:nvSpPr>
-          <p:cNvPr id="280" name="Google Shape;280;ga6a217c1e4_0_47:notes"/>
-          <p:cNvSpPr>
-            <a:spLocks noGrp="1" noRot="1" noChangeAspect="1"/>
-          </p:cNvSpPr>
-          <p:nvPr>
-            <p:ph type="sldImg" idx="2"/>
-          </p:nvPr>
-        </p:nvSpPr>
-        <p:spPr>
-          <a:xfrm>
-            <a:off x="381300" y="685800"/>
-            <a:ext cx="6096000" cy="3429000"/>
-          </a:xfrm>
-          <a:custGeom>
-            <a:avLst/>
-            <a:gdLst/>
-            <a:ahLst/>
-            <a:cxnLst/>
-            <a:rect l="l" t="t" r="r" b="b"/>
-            <a:pathLst>
-              <a:path w="120000" h="120000" extrusionOk="0">
-                <a:moveTo>
-                  <a:pt x="0" y="0"/>
-                </a:moveTo>
-                <a:lnTo>
-                  <a:pt x="120000" y="0"/>
-                </a:lnTo>
-                <a:lnTo>
-                  <a:pt x="120000" y="120000"/>
-                </a:lnTo>
-                <a:lnTo>
-                  <a:pt x="0" y="120000"/>
-                </a:lnTo>
-                <a:close/>
-              </a:path>
-            </a:pathLst>
-          </a:custGeom>
-        </p:spPr>
-      </p:sp>
-      <p:sp>
-        <p:nvSpPr>
-          <p:cNvPr id="281" name="Google Shape;281;ga6a217c1e4_0_47:notes"/>
-          <p:cNvSpPr txBox="1">
-            <a:spLocks noGrp="1"/>
-          </p:cNvSpPr>
-          <p:nvPr>
-            <p:ph type="body" idx="1"/>
-          </p:nvPr>
-        </p:nvSpPr>
-        <p:spPr>
-          <a:xfrm>
-            <a:off x="685800" y="4343400"/>
-            <a:ext cx="5486400" cy="4114800"/>
-          </a:xfrm>
-          <a:prstGeom prst="rect">
-            <a:avLst/>
-          </a:prstGeom>
-        </p:spPr>
-        <p:txBody>
-          <a:bodyPr spcFirstLastPara="1" wrap="square" lIns="91425" tIns="91425" rIns="91425" bIns="91425" anchor="t" anchorCtr="0">
-            <a:noAutofit/>
-          </a:bodyPr>
-          <a:lstStyle/>
-          <a:p>
-            <a:pPr marL="0" lvl="0" indent="0" algn="l" rtl="0">
-              <a:spcBef>
-                <a:spcPts val="0"/>
-              </a:spcBef>
-              <a:spcAft>
-                <a:spcPts val="0"/>
-              </a:spcAft>
-              <a:buNone/>
-            </a:pPr>
-            <a:endParaRPr/>
-          </a:p>
-        </p:txBody>
-      </p:sp>
-    </p:spTree>
-  </p:cSld>
-  <p:clrMapOvr>
-    <a:masterClrMapping/>
-  </p:clrMapOvr>
-</p:notes>
-</file>
-
-<file path=ppt/notesSlides/notesSlide20.xml><?xml version="1.0" encoding="utf-8"?>
-<p:notes xmlns:a="http://schemas.openxmlformats.org/drawingml/2006/main" xmlns:r="http://schemas.openxmlformats.org/officeDocument/2006/relationships" xmlns:p="http://schemas.openxmlformats.org/presentationml/2006/main" showMasterSp="0" showMasterPhAnim="0">
+<file path=ppt/notesSlides/notesSlide21.xml><?xml version="1.0" encoding="utf-8"?>
+<p:notes xmlns:a="http://schemas.openxmlformats.org/drawingml/2006/main" xmlns:r="http://schemas.openxmlformats.org/officeDocument/2006/relationships" xmlns:p="http://schemas.openxmlformats.org/presentationml/2006/main" showMasterPhAnim="0" showMasterSp="0">
   <p:cSld>
     <p:spTree>
       <p:nvGrpSpPr>
@@ -2087,7 +2128,6 @@
               </a:spcAft>
               <a:buNone/>
             </a:pPr>
-            <a:endParaRPr/>
           </a:p>
         </p:txBody>
       </p:sp>
@@ -2099,8 +2139,8 @@
 </p:notes>
 </file>
 
-<file path=ppt/notesSlides/notesSlide21.xml><?xml version="1.0" encoding="utf-8"?>
-<p:notes xmlns:a="http://schemas.openxmlformats.org/drawingml/2006/main" xmlns:r="http://schemas.openxmlformats.org/officeDocument/2006/relationships" xmlns:p="http://schemas.openxmlformats.org/presentationml/2006/main" showMasterSp="0" showMasterPhAnim="0">
+<file path=ppt/notesSlides/notesSlide22.xml><?xml version="1.0" encoding="utf-8"?>
+<p:notes xmlns:a="http://schemas.openxmlformats.org/drawingml/2006/main" xmlns:r="http://schemas.openxmlformats.org/officeDocument/2006/relationships" xmlns:p="http://schemas.openxmlformats.org/presentationml/2006/main" showMasterPhAnim="0" showMasterSp="0">
   <p:cSld>
     <p:spTree>
       <p:nvGrpSpPr>
@@ -2191,7 +2231,6 @@
               </a:spcAft>
               <a:buNone/>
             </a:pPr>
-            <a:endParaRPr/>
           </a:p>
         </p:txBody>
       </p:sp>
@@ -2203,8 +2242,8 @@
 </p:notes>
 </file>
 
-<file path=ppt/notesSlides/notesSlide22.xml><?xml version="1.0" encoding="utf-8"?>
-<p:notes xmlns:a="http://schemas.openxmlformats.org/drawingml/2006/main" xmlns:r="http://schemas.openxmlformats.org/officeDocument/2006/relationships" xmlns:p="http://schemas.openxmlformats.org/presentationml/2006/main" showMasterSp="0" showMasterPhAnim="0">
+<file path=ppt/notesSlides/notesSlide23.xml><?xml version="1.0" encoding="utf-8"?>
+<p:notes xmlns:a="http://schemas.openxmlformats.org/drawingml/2006/main" xmlns:r="http://schemas.openxmlformats.org/officeDocument/2006/relationships" xmlns:p="http://schemas.openxmlformats.org/presentationml/2006/main" showMasterPhAnim="0" showMasterSp="0">
   <p:cSld>
     <p:spTree>
       <p:nvGrpSpPr>
@@ -2295,7 +2334,6 @@
               </a:spcAft>
               <a:buNone/>
             </a:pPr>
-            <a:endParaRPr/>
           </a:p>
         </p:txBody>
       </p:sp>
@@ -2308,7 +2346,7 @@
 </file>
 
 <file path=ppt/notesSlides/notesSlide3.xml><?xml version="1.0" encoding="utf-8"?>
-<p:notes xmlns:a="http://schemas.openxmlformats.org/drawingml/2006/main" xmlns:r="http://schemas.openxmlformats.org/officeDocument/2006/relationships" xmlns:p="http://schemas.openxmlformats.org/presentationml/2006/main" showMasterSp="0" showMasterPhAnim="0">
+<p:notes xmlns:a="http://schemas.openxmlformats.org/drawingml/2006/main" xmlns:r="http://schemas.openxmlformats.org/officeDocument/2006/relationships" xmlns:p="http://schemas.openxmlformats.org/presentationml/2006/main" showMasterPhAnim="0" showMasterSp="0">
   <p:cSld>
     <p:spTree>
       <p:nvGrpSpPr>
@@ -2399,7 +2437,6 @@
               </a:spcAft>
               <a:buNone/>
             </a:pPr>
-            <a:endParaRPr/>
           </a:p>
         </p:txBody>
       </p:sp>
@@ -2412,7 +2449,7 @@
 </file>
 
 <file path=ppt/notesSlides/notesSlide4.xml><?xml version="1.0" encoding="utf-8"?>
-<p:notes xmlns:a="http://schemas.openxmlformats.org/drawingml/2006/main" xmlns:r="http://schemas.openxmlformats.org/officeDocument/2006/relationships" xmlns:p="http://schemas.openxmlformats.org/presentationml/2006/main" showMasterSp="0" showMasterPhAnim="0">
+<p:notes xmlns:a="http://schemas.openxmlformats.org/drawingml/2006/main" xmlns:r="http://schemas.openxmlformats.org/officeDocument/2006/relationships" xmlns:p="http://schemas.openxmlformats.org/presentationml/2006/main" showMasterPhAnim="0" showMasterSp="0">
   <p:cSld>
     <p:spTree>
       <p:nvGrpSpPr>
@@ -2503,7 +2540,6 @@
               </a:spcAft>
               <a:buNone/>
             </a:pPr>
-            <a:endParaRPr/>
           </a:p>
         </p:txBody>
       </p:sp>
@@ -2516,7 +2552,7 @@
 </file>
 
 <file path=ppt/notesSlides/notesSlide5.xml><?xml version="1.0" encoding="utf-8"?>
-<p:notes xmlns:a="http://schemas.openxmlformats.org/drawingml/2006/main" xmlns:r="http://schemas.openxmlformats.org/officeDocument/2006/relationships" xmlns:p="http://schemas.openxmlformats.org/presentationml/2006/main" showMasterSp="0" showMasterPhAnim="0">
+<p:notes xmlns:a="http://schemas.openxmlformats.org/drawingml/2006/main" xmlns:r="http://schemas.openxmlformats.org/officeDocument/2006/relationships" xmlns:p="http://schemas.openxmlformats.org/presentationml/2006/main" showMasterPhAnim="0" showMasterSp="0">
   <p:cSld>
     <p:spTree>
       <p:nvGrpSpPr>
@@ -2607,7 +2643,6 @@
               </a:spcAft>
               <a:buNone/>
             </a:pPr>
-            <a:endParaRPr/>
           </a:p>
         </p:txBody>
       </p:sp>
@@ -2620,7 +2655,7 @@
 </file>
 
 <file path=ppt/notesSlides/notesSlide6.xml><?xml version="1.0" encoding="utf-8"?>
-<p:notes xmlns:a="http://schemas.openxmlformats.org/drawingml/2006/main" xmlns:r="http://schemas.openxmlformats.org/officeDocument/2006/relationships" xmlns:p="http://schemas.openxmlformats.org/presentationml/2006/main" showMasterSp="0" showMasterPhAnim="0">
+<p:notes xmlns:a="http://schemas.openxmlformats.org/drawingml/2006/main" xmlns:r="http://schemas.openxmlformats.org/officeDocument/2006/relationships" xmlns:p="http://schemas.openxmlformats.org/presentationml/2006/main" showMasterPhAnim="0" showMasterSp="0">
   <p:cSld>
     <p:spTree>
       <p:nvGrpSpPr>
@@ -2711,7 +2746,6 @@
               </a:spcAft>
               <a:buNone/>
             </a:pPr>
-            <a:endParaRPr/>
           </a:p>
         </p:txBody>
       </p:sp>
@@ -2724,7 +2758,7 @@
 </file>
 
 <file path=ppt/notesSlides/notesSlide7.xml><?xml version="1.0" encoding="utf-8"?>
-<p:notes xmlns:a="http://schemas.openxmlformats.org/drawingml/2006/main" xmlns:r="http://schemas.openxmlformats.org/officeDocument/2006/relationships" xmlns:p="http://schemas.openxmlformats.org/presentationml/2006/main" showMasterSp="0" showMasterPhAnim="0">
+<p:notes xmlns:a="http://schemas.openxmlformats.org/drawingml/2006/main" xmlns:r="http://schemas.openxmlformats.org/officeDocument/2006/relationships" xmlns:p="http://schemas.openxmlformats.org/presentationml/2006/main" showMasterPhAnim="0" showMasterSp="0">
   <p:cSld>
     <p:spTree>
       <p:nvGrpSpPr>
@@ -2815,7 +2849,6 @@
               </a:spcAft>
               <a:buNone/>
             </a:pPr>
-            <a:endParaRPr/>
           </a:p>
         </p:txBody>
       </p:sp>
@@ -2913,6 +2946,7 @@
               <a:rPr lang="en-US" altLang="zh-CN" sz="1200"/>
               <a:t>Varun Bohara</a:t>
             </a:r>
+            <a:endParaRPr lang="en-US" altLang="zh-CN" sz="1200"/>
           </a:p>
         </p:txBody>
       </p:sp>
@@ -2933,37 +2967,21 @@
         <p:cNvGrpSpPr/>
         <p:nvPr/>
       </p:nvGrpSpPr>
-      <p:grpSpPr>
-        <a:xfrm>
-          <a:off x="0" y="0"/>
-          <a:ext cx="0" cy="0"/>
-          <a:chOff x="0" y="0"/>
-          <a:chExt cx="0" cy="0"/>
-        </a:xfrm>
-      </p:grpSpPr>
+      <p:grpSpPr/>
       <p:sp>
         <p:nvSpPr>
           <p:cNvPr id="2" name="Slide Image Placeholder 1"/>
-          <p:cNvSpPr>
-            <a:spLocks noGrp="1" noRot="1" noChangeAspect="1"/>
-          </p:cNvSpPr>
+          <p:cNvSpPr/>
           <p:nvPr>
-            <p:ph type="sldImg"/>
+            <p:ph type="sldImg" idx="2"/>
           </p:nvPr>
         </p:nvSpPr>
-        <p:spPr>
-          <a:xfrm>
-            <a:off x="381000" y="685800"/>
-            <a:ext cx="6096000" cy="3429000"/>
-          </a:xfrm>
-        </p:spPr>
+        <p:spPr/>
       </p:sp>
       <p:sp>
         <p:nvSpPr>
-          <p:cNvPr id="3" name="Notes Placeholder 2"/>
-          <p:cNvSpPr>
-            <a:spLocks noGrp="1"/>
-          </p:cNvSpPr>
+          <p:cNvPr id="3" name="Text Placeholder 2"/>
+          <p:cNvSpPr/>
           <p:nvPr>
             <p:ph type="body" idx="1"/>
           </p:nvPr>
@@ -2971,18 +2989,12 @@
         <p:spPr/>
         <p:txBody>
           <a:bodyPr/>
-          <a:lstStyle/>
           <a:p>
-            <a:endParaRPr lang="en-IN" dirty="0"/>
+            <a:endParaRPr lang="en-US"/>
           </a:p>
         </p:txBody>
       </p:sp>
     </p:spTree>
-    <p:extLst>
-      <p:ext uri="{BB962C8B-B14F-4D97-AF65-F5344CB8AC3E}">
-        <p14:creationId xmlns:p14="http://schemas.microsoft.com/office/powerpoint/2010/main" val="2773821672"/>
-      </p:ext>
-    </p:extLst>
   </p:cSld>
   <p:clrMapOvr>
     <a:masterClrMapping/>
@@ -2991,7 +3003,7 @@
 </file>
 
 <file path=ppt/slideLayouts/slideLayout1.xml><?xml version="1.0" encoding="utf-8"?>
-<p:sldLayout xmlns:a="http://schemas.openxmlformats.org/drawingml/2006/main" xmlns:r="http://schemas.openxmlformats.org/officeDocument/2006/relationships" xmlns:p="http://schemas.openxmlformats.org/presentationml/2006/main" matchingName="Title slide" type="title">
+<p:sldLayout xmlns:a="http://schemas.openxmlformats.org/drawingml/2006/main" xmlns:r="http://schemas.openxmlformats.org/officeDocument/2006/relationships" xmlns:p="http://schemas.openxmlformats.org/presentationml/2006/main" type="title" matchingName="Title slide">
   <p:cSld name="TITLE">
     <p:bg>
       <p:bgPr>
@@ -3084,7 +3096,6 @@
                   </a:spcAft>
                   <a:buNone/>
                 </a:pPr>
-                <a:endParaRPr/>
               </a:p>
             </p:txBody>
           </p:sp>
@@ -3129,7 +3140,6 @@
                   </a:spcAft>
                   <a:buNone/>
                 </a:pPr>
-                <a:endParaRPr/>
               </a:p>
             </p:txBody>
           </p:sp>
@@ -3189,7 +3199,6 @@
                   </a:spcAft>
                   <a:buNone/>
                 </a:pPr>
-                <a:endParaRPr/>
               </a:p>
             </p:txBody>
           </p:sp>
@@ -3234,7 +3243,6 @@
                   </a:spcAft>
                   <a:buNone/>
                 </a:pPr>
-                <a:endParaRPr/>
               </a:p>
             </p:txBody>
           </p:sp>
@@ -3279,7 +3287,6 @@
                   </a:spcAft>
                   <a:buNone/>
                 </a:pPr>
-                <a:endParaRPr/>
               </a:p>
             </p:txBody>
           </p:sp>
@@ -3339,7 +3346,6 @@
                   </a:spcAft>
                   <a:buNone/>
                 </a:pPr>
-                <a:endParaRPr/>
               </a:p>
             </p:txBody>
           </p:sp>
@@ -3384,7 +3390,6 @@
                   </a:spcAft>
                   <a:buNone/>
                 </a:pPr>
-                <a:endParaRPr/>
               </a:p>
             </p:txBody>
           </p:sp>
@@ -3429,7 +3434,6 @@
                   </a:spcAft>
                   <a:buNone/>
                 </a:pPr>
-                <a:endParaRPr/>
               </a:p>
             </p:txBody>
           </p:sp>
@@ -3474,7 +3478,6 @@
                   </a:spcAft>
                   <a:buNone/>
                 </a:pPr>
-                <a:endParaRPr/>
               </a:p>
             </p:txBody>
           </p:sp>
@@ -3534,7 +3537,6 @@
                   </a:spcAft>
                   <a:buNone/>
                 </a:pPr>
-                <a:endParaRPr/>
               </a:p>
             </p:txBody>
           </p:sp>
@@ -3579,7 +3581,6 @@
                   </a:spcAft>
                   <a:buNone/>
                 </a:pPr>
-                <a:endParaRPr/>
               </a:p>
             </p:txBody>
           </p:sp>
@@ -3624,7 +3625,6 @@
                   </a:spcAft>
                   <a:buNone/>
                 </a:pPr>
-                <a:endParaRPr/>
               </a:p>
             </p:txBody>
           </p:sp>
@@ -3669,7 +3669,6 @@
                   </a:spcAft>
                   <a:buNone/>
                 </a:pPr>
-                <a:endParaRPr/>
               </a:p>
             </p:txBody>
           </p:sp>
@@ -3714,7 +3713,6 @@
                   </a:spcAft>
                   <a:buNone/>
                 </a:pPr>
-                <a:endParaRPr/>
               </a:p>
             </p:txBody>
           </p:sp>
@@ -3772,7 +3770,6 @@
                 </a:spcAft>
                 <a:buNone/>
               </a:pPr>
-              <a:endParaRPr/>
             </a:p>
           </p:txBody>
         </p:sp>
@@ -3814,7 +3811,6 @@
                 </a:spcAft>
                 <a:buNone/>
               </a:pPr>
-              <a:endParaRPr/>
             </a:p>
           </p:txBody>
         </p:sp>
@@ -3870,7 +3866,6 @@
                   </a:spcAft>
                   <a:buNone/>
                 </a:pPr>
-                <a:endParaRPr/>
               </a:p>
             </p:txBody>
           </p:sp>
@@ -3915,7 +3910,6 @@
                   </a:spcAft>
                   <a:buNone/>
                 </a:pPr>
-                <a:endParaRPr/>
               </a:p>
             </p:txBody>
           </p:sp>
@@ -3957,7 +3951,6 @@
                   </a:spcAft>
                   <a:buNone/>
                 </a:pPr>
-                <a:endParaRPr/>
               </a:p>
             </p:txBody>
           </p:sp>
@@ -4003,7 +3996,6 @@
                 </a:spcAft>
                 <a:buNone/>
               </a:pPr>
-              <a:endParaRPr/>
             </a:p>
           </p:txBody>
         </p:sp>
@@ -4059,7 +4051,6 @@
                   </a:spcAft>
                   <a:buNone/>
                 </a:pPr>
-                <a:endParaRPr/>
               </a:p>
             </p:txBody>
           </p:sp>
@@ -4104,7 +4095,6 @@
                   </a:spcAft>
                   <a:buNone/>
                 </a:pPr>
-                <a:endParaRPr/>
               </a:p>
             </p:txBody>
           </p:sp>
@@ -4147,7 +4137,6 @@
                 </a:spcAft>
                 <a:buNone/>
               </a:pPr>
-              <a:endParaRPr/>
             </a:p>
           </p:txBody>
         </p:sp>
@@ -4189,7 +4178,6 @@
                 </a:spcAft>
                 <a:buNone/>
               </a:pPr>
-              <a:endParaRPr/>
             </a:p>
           </p:txBody>
         </p:sp>
@@ -4234,7 +4222,6 @@
                 </a:spcAft>
                 <a:buNone/>
               </a:pPr>
-              <a:endParaRPr/>
             </a:p>
           </p:txBody>
         </p:sp>
@@ -4274,7 +4261,6 @@
                 </a:spcAft>
                 <a:buNone/>
               </a:pPr>
-              <a:endParaRPr/>
             </a:p>
           </p:txBody>
         </p:sp>
@@ -4319,7 +4305,6 @@
                 </a:spcAft>
                 <a:buNone/>
               </a:pPr>
-              <a:endParaRPr/>
             </a:p>
           </p:txBody>
         </p:sp>
@@ -4364,7 +4349,6 @@
                 </a:spcAft>
                 <a:buNone/>
               </a:pPr>
-              <a:endParaRPr/>
             </a:p>
           </p:txBody>
         </p:sp>
@@ -4556,9 +4540,7 @@
               </a:defRPr>
             </a:lvl9pPr>
           </a:lstStyle>
-          <a:p>
-            <a:endParaRPr/>
-          </a:p>
+          <a:p/>
         </p:txBody>
       </p:sp>
       <p:sp>
@@ -4775,9 +4757,7 @@
               </a:defRPr>
             </a:lvl9pPr>
           </a:lstStyle>
-          <a:p>
-            <a:endParaRPr/>
-          </a:p>
+          <a:p/>
         </p:txBody>
       </p:sp>
       <p:sp>
@@ -4889,7 +4869,6 @@
             </a:pPr>
             <a:fld id="{00000000-1234-1234-1234-123412341234}" type="slidenum">
               <a:rPr lang="en-GB"/>
-              <a:t>‹#›</a:t>
             </a:fld>
             <a:endParaRPr lang="en-GB"/>
           </a:p>
@@ -4997,7 +4976,6 @@
                   </a:spcAft>
                   <a:buNone/>
                 </a:pPr>
-                <a:endParaRPr/>
               </a:p>
             </p:txBody>
           </p:sp>
@@ -5042,7 +5020,6 @@
                   </a:spcAft>
                   <a:buNone/>
                 </a:pPr>
-                <a:endParaRPr/>
               </a:p>
             </p:txBody>
           </p:sp>
@@ -5087,7 +5064,6 @@
                   </a:spcAft>
                   <a:buNone/>
                 </a:pPr>
-                <a:endParaRPr/>
               </a:p>
             </p:txBody>
           </p:sp>
@@ -5132,7 +5108,6 @@
                   </a:spcAft>
                   <a:buNone/>
                 </a:pPr>
-                <a:endParaRPr/>
               </a:p>
             </p:txBody>
           </p:sp>
@@ -5192,7 +5167,6 @@
                   </a:spcAft>
                   <a:buNone/>
                 </a:pPr>
-                <a:endParaRPr/>
               </a:p>
             </p:txBody>
           </p:sp>
@@ -5237,7 +5211,6 @@
                   </a:spcAft>
                   <a:buNone/>
                 </a:pPr>
-                <a:endParaRPr/>
               </a:p>
             </p:txBody>
           </p:sp>
@@ -5282,7 +5255,6 @@
                   </a:spcAft>
                   <a:buNone/>
                 </a:pPr>
-                <a:endParaRPr/>
               </a:p>
             </p:txBody>
           </p:sp>
@@ -5327,7 +5299,6 @@
                   </a:spcAft>
                   <a:buNone/>
                 </a:pPr>
-                <a:endParaRPr/>
               </a:p>
             </p:txBody>
           </p:sp>
@@ -5372,7 +5343,6 @@
                   </a:spcAft>
                   <a:buNone/>
                 </a:pPr>
-                <a:endParaRPr/>
               </a:p>
             </p:txBody>
           </p:sp>
@@ -5432,7 +5402,6 @@
                   </a:spcAft>
                   <a:buNone/>
                 </a:pPr>
-                <a:endParaRPr/>
               </a:p>
             </p:txBody>
           </p:sp>
@@ -5477,7 +5446,6 @@
                   </a:spcAft>
                   <a:buNone/>
                 </a:pPr>
-                <a:endParaRPr/>
               </a:p>
             </p:txBody>
           </p:sp>
@@ -5522,7 +5490,6 @@
                   </a:spcAft>
                   <a:buNone/>
                 </a:pPr>
-                <a:endParaRPr/>
               </a:p>
             </p:txBody>
           </p:sp>
@@ -5567,7 +5534,6 @@
                   </a:spcAft>
                   <a:buNone/>
                 </a:pPr>
-                <a:endParaRPr/>
               </a:p>
             </p:txBody>
           </p:sp>
@@ -5627,7 +5593,6 @@
                   </a:spcAft>
                   <a:buNone/>
                 </a:pPr>
-                <a:endParaRPr/>
               </a:p>
             </p:txBody>
           </p:sp>
@@ -5672,7 +5637,6 @@
                   </a:spcAft>
                   <a:buNone/>
                 </a:pPr>
-                <a:endParaRPr/>
               </a:p>
             </p:txBody>
           </p:sp>
@@ -5717,7 +5681,6 @@
                   </a:spcAft>
                   <a:buNone/>
                 </a:pPr>
-                <a:endParaRPr/>
               </a:p>
             </p:txBody>
           </p:sp>
@@ -5777,7 +5740,6 @@
                   </a:spcAft>
                   <a:buNone/>
                 </a:pPr>
-                <a:endParaRPr/>
               </a:p>
             </p:txBody>
           </p:sp>
@@ -5822,7 +5784,6 @@
                   </a:spcAft>
                   <a:buNone/>
                 </a:pPr>
-                <a:endParaRPr/>
               </a:p>
             </p:txBody>
           </p:sp>
@@ -5867,7 +5828,6 @@
                   </a:spcAft>
                   <a:buNone/>
                 </a:pPr>
-                <a:endParaRPr/>
               </a:p>
             </p:txBody>
           </p:sp>
@@ -5912,7 +5872,6 @@
                   </a:spcAft>
                   <a:buNone/>
                 </a:pPr>
-                <a:endParaRPr/>
               </a:p>
             </p:txBody>
           </p:sp>
@@ -5957,7 +5916,6 @@
                   </a:spcAft>
                   <a:buNone/>
                 </a:pPr>
-                <a:endParaRPr/>
               </a:p>
             </p:txBody>
           </p:sp>
@@ -6017,7 +5975,6 @@
                   </a:spcAft>
                   <a:buNone/>
                 </a:pPr>
-                <a:endParaRPr/>
               </a:p>
             </p:txBody>
           </p:sp>
@@ -6062,7 +6019,6 @@
                   </a:spcAft>
                   <a:buNone/>
                 </a:pPr>
-                <a:endParaRPr/>
               </a:p>
             </p:txBody>
           </p:sp>
@@ -6107,7 +6063,6 @@
                   </a:spcAft>
                   <a:buNone/>
                 </a:pPr>
-                <a:endParaRPr/>
               </a:p>
             </p:txBody>
           </p:sp>
@@ -6152,7 +6107,6 @@
                   </a:spcAft>
                   <a:buNone/>
                 </a:pPr>
-                <a:endParaRPr/>
               </a:p>
             </p:txBody>
           </p:sp>
@@ -6212,7 +6166,6 @@
                   </a:spcAft>
                   <a:buNone/>
                 </a:pPr>
-                <a:endParaRPr/>
               </a:p>
             </p:txBody>
           </p:sp>
@@ -6257,7 +6210,6 @@
                   </a:spcAft>
                   <a:buNone/>
                 </a:pPr>
-                <a:endParaRPr/>
               </a:p>
             </p:txBody>
           </p:sp>
@@ -6302,7 +6254,6 @@
                   </a:spcAft>
                   <a:buNone/>
                 </a:pPr>
-                <a:endParaRPr/>
               </a:p>
             </p:txBody>
           </p:sp>
@@ -6362,7 +6313,6 @@
                   </a:spcAft>
                   <a:buNone/>
                 </a:pPr>
-                <a:endParaRPr/>
               </a:p>
             </p:txBody>
           </p:sp>
@@ -6407,7 +6357,6 @@
                   </a:spcAft>
                   <a:buNone/>
                 </a:pPr>
-                <a:endParaRPr/>
               </a:p>
             </p:txBody>
           </p:sp>
@@ -6452,7 +6401,6 @@
                   </a:spcAft>
                   <a:buNone/>
                 </a:pPr>
-                <a:endParaRPr/>
               </a:p>
             </p:txBody>
           </p:sp>
@@ -6497,7 +6445,6 @@
                   </a:spcAft>
                   <a:buNone/>
                 </a:pPr>
-                <a:endParaRPr/>
               </a:p>
             </p:txBody>
           </p:sp>
@@ -6542,7 +6489,6 @@
                   </a:spcAft>
                   <a:buNone/>
                 </a:pPr>
-                <a:endParaRPr/>
               </a:p>
             </p:txBody>
           </p:sp>
@@ -6602,7 +6548,6 @@
                   </a:spcAft>
                   <a:buNone/>
                 </a:pPr>
-                <a:endParaRPr/>
               </a:p>
             </p:txBody>
           </p:sp>
@@ -6647,7 +6592,6 @@
                   </a:spcAft>
                   <a:buNone/>
                 </a:pPr>
-                <a:endParaRPr/>
               </a:p>
             </p:txBody>
           </p:sp>
@@ -6692,7 +6636,6 @@
                   </a:spcAft>
                   <a:buNone/>
                 </a:pPr>
-                <a:endParaRPr/>
               </a:p>
             </p:txBody>
           </p:sp>
@@ -6737,7 +6680,6 @@
                   </a:spcAft>
                   <a:buNone/>
                 </a:pPr>
-                <a:endParaRPr/>
               </a:p>
             </p:txBody>
           </p:sp>
@@ -6797,7 +6739,6 @@
                   </a:spcAft>
                   <a:buNone/>
                 </a:pPr>
-                <a:endParaRPr/>
               </a:p>
             </p:txBody>
           </p:sp>
@@ -6842,7 +6783,6 @@
                   </a:spcAft>
                   <a:buNone/>
                 </a:pPr>
-                <a:endParaRPr/>
               </a:p>
             </p:txBody>
           </p:sp>
@@ -6887,7 +6827,6 @@
                   </a:spcAft>
                   <a:buNone/>
                 </a:pPr>
-                <a:endParaRPr/>
               </a:p>
             </p:txBody>
           </p:sp>
@@ -6932,7 +6871,6 @@
                   </a:spcAft>
                   <a:buNone/>
                 </a:pPr>
-                <a:endParaRPr/>
               </a:p>
             </p:txBody>
           </p:sp>
@@ -6992,7 +6930,6 @@
                   </a:spcAft>
                   <a:buNone/>
                 </a:pPr>
-                <a:endParaRPr/>
               </a:p>
             </p:txBody>
           </p:sp>
@@ -7037,7 +6974,6 @@
                   </a:spcAft>
                   <a:buNone/>
                 </a:pPr>
-                <a:endParaRPr/>
               </a:p>
             </p:txBody>
           </p:sp>
@@ -7082,7 +7018,6 @@
                   </a:spcAft>
                   <a:buNone/>
                 </a:pPr>
-                <a:endParaRPr/>
               </a:p>
             </p:txBody>
           </p:sp>
@@ -7142,7 +7077,6 @@
                   </a:spcAft>
                   <a:buNone/>
                 </a:pPr>
-                <a:endParaRPr/>
               </a:p>
             </p:txBody>
           </p:sp>
@@ -7187,7 +7121,6 @@
                   </a:spcAft>
                   <a:buNone/>
                 </a:pPr>
-                <a:endParaRPr/>
               </a:p>
             </p:txBody>
           </p:sp>
@@ -7232,7 +7165,6 @@
                   </a:spcAft>
                   <a:buNone/>
                 </a:pPr>
-                <a:endParaRPr/>
               </a:p>
             </p:txBody>
           </p:sp>
@@ -7277,7 +7209,6 @@
                   </a:spcAft>
                   <a:buNone/>
                 </a:pPr>
-                <a:endParaRPr/>
               </a:p>
             </p:txBody>
           </p:sp>
@@ -7337,7 +7268,6 @@
                   </a:spcAft>
                   <a:buNone/>
                 </a:pPr>
-                <a:endParaRPr/>
               </a:p>
             </p:txBody>
           </p:sp>
@@ -7382,7 +7312,6 @@
                   </a:spcAft>
                   <a:buNone/>
                 </a:pPr>
-                <a:endParaRPr/>
               </a:p>
             </p:txBody>
           </p:sp>
@@ -7427,7 +7356,6 @@
                   </a:spcAft>
                   <a:buNone/>
                 </a:pPr>
-                <a:endParaRPr/>
               </a:p>
             </p:txBody>
           </p:sp>
@@ -7472,7 +7400,6 @@
                   </a:spcAft>
                   <a:buNone/>
                 </a:pPr>
-                <a:endParaRPr/>
               </a:p>
             </p:txBody>
           </p:sp>
@@ -7532,7 +7459,6 @@
                   </a:spcAft>
                   <a:buNone/>
                 </a:pPr>
-                <a:endParaRPr/>
               </a:p>
             </p:txBody>
           </p:sp>
@@ -7577,7 +7503,6 @@
                   </a:spcAft>
                   <a:buNone/>
                 </a:pPr>
-                <a:endParaRPr/>
               </a:p>
             </p:txBody>
           </p:sp>
@@ -7622,7 +7547,6 @@
                   </a:spcAft>
                   <a:buNone/>
                 </a:pPr>
-                <a:endParaRPr/>
               </a:p>
             </p:txBody>
           </p:sp>
@@ -7667,7 +7591,6 @@
                   </a:spcAft>
                   <a:buNone/>
                 </a:pPr>
-                <a:endParaRPr/>
               </a:p>
             </p:txBody>
           </p:sp>
@@ -7712,7 +7635,6 @@
                   </a:spcAft>
                   <a:buNone/>
                 </a:pPr>
-                <a:endParaRPr/>
               </a:p>
             </p:txBody>
           </p:sp>
@@ -7772,7 +7694,6 @@
                   </a:spcAft>
                   <a:buNone/>
                 </a:pPr>
-                <a:endParaRPr/>
               </a:p>
             </p:txBody>
           </p:sp>
@@ -7817,7 +7738,6 @@
                   </a:spcAft>
                   <a:buNone/>
                 </a:pPr>
-                <a:endParaRPr/>
               </a:p>
             </p:txBody>
           </p:sp>
@@ -7862,7 +7782,6 @@
                   </a:spcAft>
                   <a:buNone/>
                 </a:pPr>
-                <a:endParaRPr/>
               </a:p>
             </p:txBody>
           </p:sp>
@@ -7907,7 +7826,6 @@
                   </a:spcAft>
                   <a:buNone/>
                 </a:pPr>
-                <a:endParaRPr/>
               </a:p>
             </p:txBody>
           </p:sp>
@@ -7967,7 +7885,6 @@
                   </a:spcAft>
                   <a:buNone/>
                 </a:pPr>
-                <a:endParaRPr/>
               </a:p>
             </p:txBody>
           </p:sp>
@@ -8012,7 +7929,6 @@
                   </a:spcAft>
                   <a:buNone/>
                 </a:pPr>
-                <a:endParaRPr/>
               </a:p>
             </p:txBody>
           </p:sp>
@@ -8057,7 +7973,6 @@
                   </a:spcAft>
                   <a:buNone/>
                 </a:pPr>
-                <a:endParaRPr/>
               </a:p>
             </p:txBody>
           </p:sp>
@@ -8117,7 +8032,6 @@
                   </a:spcAft>
                   <a:buNone/>
                 </a:pPr>
-                <a:endParaRPr/>
               </a:p>
             </p:txBody>
           </p:sp>
@@ -8162,7 +8076,6 @@
                   </a:spcAft>
                   <a:buNone/>
                 </a:pPr>
-                <a:endParaRPr/>
               </a:p>
             </p:txBody>
           </p:sp>
@@ -8207,7 +8120,6 @@
                   </a:spcAft>
                   <a:buNone/>
                 </a:pPr>
-                <a:endParaRPr/>
               </a:p>
             </p:txBody>
           </p:sp>
@@ -8252,7 +8164,6 @@
                   </a:spcAft>
                   <a:buNone/>
                 </a:pPr>
-                <a:endParaRPr/>
               </a:p>
             </p:txBody>
           </p:sp>
@@ -8312,7 +8223,6 @@
                   </a:spcAft>
                   <a:buNone/>
                 </a:pPr>
-                <a:endParaRPr/>
               </a:p>
             </p:txBody>
           </p:sp>
@@ -8357,7 +8267,6 @@
                   </a:spcAft>
                   <a:buNone/>
                 </a:pPr>
-                <a:endParaRPr/>
               </a:p>
             </p:txBody>
           </p:sp>
@@ -8402,7 +8311,6 @@
                   </a:spcAft>
                   <a:buNone/>
                 </a:pPr>
-                <a:endParaRPr/>
               </a:p>
             </p:txBody>
           </p:sp>
@@ -8447,7 +8355,6 @@
                   </a:spcAft>
                   <a:buNone/>
                 </a:pPr>
-                <a:endParaRPr/>
               </a:p>
             </p:txBody>
           </p:sp>
@@ -8492,7 +8399,6 @@
                   </a:spcAft>
                   <a:buNone/>
                 </a:pPr>
-                <a:endParaRPr/>
               </a:p>
             </p:txBody>
           </p:sp>
@@ -8552,7 +8458,6 @@
                   </a:spcAft>
                   <a:buNone/>
                 </a:pPr>
-                <a:endParaRPr/>
               </a:p>
             </p:txBody>
           </p:sp>
@@ -8597,7 +8502,6 @@
                   </a:spcAft>
                   <a:buNone/>
                 </a:pPr>
-                <a:endParaRPr/>
               </a:p>
             </p:txBody>
           </p:sp>
@@ -8642,7 +8546,6 @@
                   </a:spcAft>
                   <a:buNone/>
                 </a:pPr>
-                <a:endParaRPr/>
               </a:p>
             </p:txBody>
           </p:sp>
@@ -8687,7 +8590,6 @@
                   </a:spcAft>
                   <a:buNone/>
                 </a:pPr>
-                <a:endParaRPr/>
               </a:p>
             </p:txBody>
           </p:sp>
@@ -8747,7 +8649,6 @@
                   </a:spcAft>
                   <a:buNone/>
                 </a:pPr>
-                <a:endParaRPr/>
               </a:p>
             </p:txBody>
           </p:sp>
@@ -8792,7 +8693,6 @@
                   </a:spcAft>
                   <a:buNone/>
                 </a:pPr>
-                <a:endParaRPr/>
               </a:p>
             </p:txBody>
           </p:sp>
@@ -8837,7 +8737,6 @@
                   </a:spcAft>
                   <a:buNone/>
                 </a:pPr>
-                <a:endParaRPr/>
               </a:p>
             </p:txBody>
           </p:sp>
@@ -8897,7 +8796,6 @@
                   </a:spcAft>
                   <a:buNone/>
                 </a:pPr>
-                <a:endParaRPr/>
               </a:p>
             </p:txBody>
           </p:sp>
@@ -8942,7 +8840,6 @@
                   </a:spcAft>
                   <a:buNone/>
                 </a:pPr>
-                <a:endParaRPr/>
               </a:p>
             </p:txBody>
           </p:sp>
@@ -8987,7 +8884,6 @@
                   </a:spcAft>
                   <a:buNone/>
                 </a:pPr>
-                <a:endParaRPr/>
               </a:p>
             </p:txBody>
           </p:sp>
@@ -9032,7 +8928,6 @@
                   </a:spcAft>
                   <a:buNone/>
                 </a:pPr>
-                <a:endParaRPr/>
               </a:p>
             </p:txBody>
           </p:sp>
@@ -9077,7 +8972,6 @@
                   </a:spcAft>
                   <a:buNone/>
                 </a:pPr>
-                <a:endParaRPr/>
               </a:p>
             </p:txBody>
           </p:sp>
@@ -9137,7 +9031,6 @@
                   </a:spcAft>
                   <a:buNone/>
                 </a:pPr>
-                <a:endParaRPr/>
               </a:p>
             </p:txBody>
           </p:sp>
@@ -9182,7 +9075,6 @@
                   </a:spcAft>
                   <a:buNone/>
                 </a:pPr>
-                <a:endParaRPr/>
               </a:p>
             </p:txBody>
           </p:sp>
@@ -9227,7 +9119,6 @@
                   </a:spcAft>
                   <a:buNone/>
                 </a:pPr>
-                <a:endParaRPr/>
               </a:p>
             </p:txBody>
           </p:sp>
@@ -9272,7 +9163,6 @@
                   </a:spcAft>
                   <a:buNone/>
                 </a:pPr>
-                <a:endParaRPr/>
               </a:p>
             </p:txBody>
           </p:sp>
@@ -9332,7 +9222,6 @@
                   </a:spcAft>
                   <a:buNone/>
                 </a:pPr>
-                <a:endParaRPr/>
               </a:p>
             </p:txBody>
           </p:sp>
@@ -9377,7 +9266,6 @@
                   </a:spcAft>
                   <a:buNone/>
                 </a:pPr>
-                <a:endParaRPr/>
               </a:p>
             </p:txBody>
           </p:sp>
@@ -9422,7 +9310,6 @@
                   </a:spcAft>
                   <a:buNone/>
                 </a:pPr>
-                <a:endParaRPr/>
               </a:p>
             </p:txBody>
           </p:sp>
@@ -9467,7 +9354,6 @@
                   </a:spcAft>
                   <a:buNone/>
                 </a:pPr>
-                <a:endParaRPr/>
               </a:p>
             </p:txBody>
           </p:sp>
@@ -9527,7 +9413,6 @@
                   </a:spcAft>
                   <a:buNone/>
                 </a:pPr>
-                <a:endParaRPr/>
               </a:p>
             </p:txBody>
           </p:sp>
@@ -9572,7 +9457,6 @@
                   </a:spcAft>
                   <a:buNone/>
                 </a:pPr>
-                <a:endParaRPr/>
               </a:p>
             </p:txBody>
           </p:sp>
@@ -9617,7 +9501,6 @@
                   </a:spcAft>
                   <a:buNone/>
                 </a:pPr>
-                <a:endParaRPr/>
               </a:p>
             </p:txBody>
           </p:sp>
@@ -9677,7 +9560,6 @@
                   </a:spcAft>
                   <a:buNone/>
                 </a:pPr>
-                <a:endParaRPr/>
               </a:p>
             </p:txBody>
           </p:sp>
@@ -9722,7 +9604,6 @@
                   </a:spcAft>
                   <a:buNone/>
                 </a:pPr>
-                <a:endParaRPr/>
               </a:p>
             </p:txBody>
           </p:sp>
@@ -9767,7 +9648,6 @@
                   </a:spcAft>
                   <a:buNone/>
                 </a:pPr>
-                <a:endParaRPr/>
               </a:p>
             </p:txBody>
           </p:sp>
@@ -9812,7 +9692,6 @@
                   </a:spcAft>
                   <a:buNone/>
                 </a:pPr>
-                <a:endParaRPr/>
               </a:p>
             </p:txBody>
           </p:sp>
@@ -10199,9 +10078,7 @@
               </a:defRPr>
             </a:lvl9pPr>
           </a:lstStyle>
-          <a:p>
-            <a:endParaRPr/>
-          </a:p>
+          <a:p/>
         </p:txBody>
       </p:sp>
       <p:sp>
@@ -10313,7 +10190,6 @@
             </a:pPr>
             <a:fld id="{00000000-1234-1234-1234-123412341234}" type="slidenum">
               <a:rPr lang="en-GB"/>
-              <a:t>‹#›</a:t>
             </a:fld>
             <a:endParaRPr lang="en-GB"/>
           </a:p>
@@ -10328,7 +10204,7 @@
 </file>
 
 <file path=ppt/slideLayouts/slideLayout11.xml><?xml version="1.0" encoding="utf-8"?>
-<p:sldLayout xmlns:a="http://schemas.openxmlformats.org/drawingml/2006/main" xmlns:r="http://schemas.openxmlformats.org/officeDocument/2006/relationships" xmlns:p="http://schemas.openxmlformats.org/presentationml/2006/main" matchingName="Blank" type="blank">
+<p:sldLayout xmlns:a="http://schemas.openxmlformats.org/drawingml/2006/main" xmlns:r="http://schemas.openxmlformats.org/officeDocument/2006/relationships" xmlns:p="http://schemas.openxmlformats.org/presentationml/2006/main" type="blank" matchingName="Blank">
   <p:cSld name="BLANK">
     <p:spTree>
       <p:nvGrpSpPr>
@@ -10417,7 +10293,6 @@
             </a:pPr>
             <a:fld id="{00000000-1234-1234-1234-123412341234}" type="slidenum">
               <a:rPr lang="en-GB"/>
-              <a:t>‹#›</a:t>
             </a:fld>
             <a:endParaRPr lang="en-GB"/>
           </a:p>
@@ -10468,6 +10343,7 @@
               <a:rPr lang="en-US" strike="noStrike" noProof="1"/>
               <a:t>Click to edit Master title style</a:t>
             </a:r>
+            <a:endParaRPr lang="en-US" strike="noStrike" noProof="1"/>
           </a:p>
         </p:txBody>
       </p:sp>
@@ -10491,6 +10367,7 @@
               <a:rPr lang="en-US" strike="noStrike" noProof="1"/>
               <a:t>Click to edit Master text styles</a:t>
             </a:r>
+            <a:endParaRPr lang="en-US" strike="noStrike" noProof="1"/>
           </a:p>
           <a:p>
             <a:pPr lvl="1" fontAlgn="base"/>
@@ -10498,6 +10375,7 @@
               <a:rPr lang="en-US" strike="noStrike" noProof="1"/>
               <a:t>Second level</a:t>
             </a:r>
+            <a:endParaRPr lang="en-US" strike="noStrike" noProof="1"/>
           </a:p>
           <a:p>
             <a:pPr lvl="2" fontAlgn="base"/>
@@ -10505,6 +10383,7 @@
               <a:rPr lang="en-US" strike="noStrike" noProof="1"/>
               <a:t>Third level</a:t>
             </a:r>
+            <a:endParaRPr lang="en-US" strike="noStrike" noProof="1"/>
           </a:p>
           <a:p>
             <a:pPr lvl="3" fontAlgn="base"/>
@@ -10512,6 +10391,7 @@
               <a:rPr lang="en-US" strike="noStrike" noProof="1"/>
               <a:t>Fourth level</a:t>
             </a:r>
+            <a:endParaRPr lang="en-US" strike="noStrike" noProof="1"/>
           </a:p>
           <a:p>
             <a:pPr lvl="4" fontAlgn="base"/>
@@ -10519,6 +10399,7 @@
               <a:rPr lang="en-US" strike="noStrike" noProof="1"/>
               <a:t>Fifth level</a:t>
             </a:r>
+            <a:endParaRPr lang="en-US" strike="noStrike" noProof="1"/>
           </a:p>
         </p:txBody>
       </p:sp>
@@ -10594,7 +10475,6 @@
                 <a:ea typeface="SimSun" panose="02010600030101010101" pitchFamily="2" charset="-122"/>
                 <a:cs typeface="+mn-cs"/>
               </a:rPr>
-              <a:t>‹#›</a:t>
             </a:fld>
             <a:endParaRPr lang="zh-CN" altLang="en-US" strike="noStrike" noProof="1"/>
           </a:p>
@@ -10645,6 +10525,7 @@
               <a:rPr lang="en-US" strike="noStrike" noProof="1"/>
               <a:t>Click to edit Master title style</a:t>
             </a:r>
+            <a:endParaRPr lang="en-US" strike="noStrike" noProof="1"/>
           </a:p>
         </p:txBody>
       </p:sp>
@@ -10673,6 +10554,7 @@
               <a:rPr lang="en-US" strike="noStrike" noProof="1"/>
               <a:t>Click to edit Master text styles</a:t>
             </a:r>
+            <a:endParaRPr lang="en-US" strike="noStrike" noProof="1"/>
           </a:p>
           <a:p>
             <a:pPr lvl="1" fontAlgn="base"/>
@@ -10680,6 +10562,7 @@
               <a:rPr lang="en-US" strike="noStrike" noProof="1"/>
               <a:t>Second level</a:t>
             </a:r>
+            <a:endParaRPr lang="en-US" strike="noStrike" noProof="1"/>
           </a:p>
           <a:p>
             <a:pPr lvl="2" fontAlgn="base"/>
@@ -10687,6 +10570,7 @@
               <a:rPr lang="en-US" strike="noStrike" noProof="1"/>
               <a:t>Third level</a:t>
             </a:r>
+            <a:endParaRPr lang="en-US" strike="noStrike" noProof="1"/>
           </a:p>
           <a:p>
             <a:pPr lvl="3" fontAlgn="base"/>
@@ -10694,6 +10578,7 @@
               <a:rPr lang="en-US" strike="noStrike" noProof="1"/>
               <a:t>Fourth level</a:t>
             </a:r>
+            <a:endParaRPr lang="en-US" strike="noStrike" noProof="1"/>
           </a:p>
           <a:p>
             <a:pPr lvl="4" fontAlgn="base"/>
@@ -10701,6 +10586,7 @@
               <a:rPr lang="en-US" strike="noStrike" noProof="1"/>
               <a:t>Fifth level</a:t>
             </a:r>
+            <a:endParaRPr lang="en-US" strike="noStrike" noProof="1"/>
           </a:p>
         </p:txBody>
       </p:sp>
@@ -10729,6 +10615,7 @@
               <a:rPr lang="en-US" strike="noStrike" noProof="1"/>
               <a:t>Click to edit Master text styles</a:t>
             </a:r>
+            <a:endParaRPr lang="en-US" strike="noStrike" noProof="1"/>
           </a:p>
           <a:p>
             <a:pPr lvl="1" fontAlgn="base"/>
@@ -10736,6 +10623,7 @@
               <a:rPr lang="en-US" strike="noStrike" noProof="1"/>
               <a:t>Second level</a:t>
             </a:r>
+            <a:endParaRPr lang="en-US" strike="noStrike" noProof="1"/>
           </a:p>
           <a:p>
             <a:pPr lvl="2" fontAlgn="base"/>
@@ -10743,6 +10631,7 @@
               <a:rPr lang="en-US" strike="noStrike" noProof="1"/>
               <a:t>Third level</a:t>
             </a:r>
+            <a:endParaRPr lang="en-US" strike="noStrike" noProof="1"/>
           </a:p>
           <a:p>
             <a:pPr lvl="3" fontAlgn="base"/>
@@ -10750,6 +10639,7 @@
               <a:rPr lang="en-US" strike="noStrike" noProof="1"/>
               <a:t>Fourth level</a:t>
             </a:r>
+            <a:endParaRPr lang="en-US" strike="noStrike" noProof="1"/>
           </a:p>
           <a:p>
             <a:pPr lvl="4" fontAlgn="base"/>
@@ -10757,6 +10647,7 @@
               <a:rPr lang="en-US" strike="noStrike" noProof="1"/>
               <a:t>Fifth level</a:t>
             </a:r>
+            <a:endParaRPr lang="en-US" strike="noStrike" noProof="1"/>
           </a:p>
         </p:txBody>
       </p:sp>
@@ -10832,7 +10723,6 @@
                 <a:ea typeface="SimSun" panose="02010600030101010101" pitchFamily="2" charset="-122"/>
                 <a:cs typeface="+mn-cs"/>
               </a:rPr>
-              <a:t>‹#›</a:t>
             </a:fld>
             <a:endParaRPr lang="zh-CN" altLang="en-US" strike="noStrike" noProof="1"/>
           </a:p>
@@ -10847,7 +10737,7 @@
 </file>
 
 <file path=ppt/slideLayouts/slideLayout2.xml><?xml version="1.0" encoding="utf-8"?>
-<p:sldLayout xmlns:a="http://schemas.openxmlformats.org/drawingml/2006/main" xmlns:r="http://schemas.openxmlformats.org/officeDocument/2006/relationships" xmlns:p="http://schemas.openxmlformats.org/presentationml/2006/main" matchingName="Section header" type="secHead">
+<p:sldLayout xmlns:a="http://schemas.openxmlformats.org/drawingml/2006/main" xmlns:r="http://schemas.openxmlformats.org/officeDocument/2006/relationships" xmlns:p="http://schemas.openxmlformats.org/presentationml/2006/main" type="secHead" matchingName="Section header">
   <p:cSld name="SECTION_HEADER">
     <p:bg>
       <p:bgPr>
@@ -10940,7 +10830,6 @@
                   </a:spcAft>
                   <a:buNone/>
                 </a:pPr>
-                <a:endParaRPr/>
               </a:p>
             </p:txBody>
           </p:sp>
@@ -10985,7 +10874,6 @@
                   </a:spcAft>
                   <a:buNone/>
                 </a:pPr>
-                <a:endParaRPr/>
               </a:p>
             </p:txBody>
           </p:sp>
@@ -11045,7 +10933,6 @@
                   </a:spcAft>
                   <a:buNone/>
                 </a:pPr>
-                <a:endParaRPr/>
               </a:p>
             </p:txBody>
           </p:sp>
@@ -11090,7 +10977,6 @@
                   </a:spcAft>
                   <a:buNone/>
                 </a:pPr>
-                <a:endParaRPr/>
               </a:p>
             </p:txBody>
           </p:sp>
@@ -11135,7 +11021,6 @@
                   </a:spcAft>
                   <a:buNone/>
                 </a:pPr>
-                <a:endParaRPr/>
               </a:p>
             </p:txBody>
           </p:sp>
@@ -11195,7 +11080,6 @@
                   </a:spcAft>
                   <a:buNone/>
                 </a:pPr>
-                <a:endParaRPr/>
               </a:p>
             </p:txBody>
           </p:sp>
@@ -11240,7 +11124,6 @@
                   </a:spcAft>
                   <a:buNone/>
                 </a:pPr>
-                <a:endParaRPr/>
               </a:p>
             </p:txBody>
           </p:sp>
@@ -11285,7 +11168,6 @@
                   </a:spcAft>
                   <a:buNone/>
                 </a:pPr>
-                <a:endParaRPr/>
               </a:p>
             </p:txBody>
           </p:sp>
@@ -11330,7 +11212,6 @@
                   </a:spcAft>
                   <a:buNone/>
                 </a:pPr>
-                <a:endParaRPr/>
               </a:p>
             </p:txBody>
           </p:sp>
@@ -11405,7 +11286,6 @@
                   </a:spcAft>
                   <a:buNone/>
                 </a:pPr>
-                <a:endParaRPr/>
               </a:p>
             </p:txBody>
           </p:sp>
@@ -11450,7 +11330,6 @@
                   </a:spcAft>
                   <a:buNone/>
                 </a:pPr>
-                <a:endParaRPr/>
               </a:p>
             </p:txBody>
           </p:sp>
@@ -11510,7 +11389,6 @@
                   </a:spcAft>
                   <a:buNone/>
                 </a:pPr>
-                <a:endParaRPr/>
               </a:p>
             </p:txBody>
           </p:sp>
@@ -11555,7 +11433,6 @@
                   </a:spcAft>
                   <a:buNone/>
                 </a:pPr>
-                <a:endParaRPr/>
               </a:p>
             </p:txBody>
           </p:sp>
@@ -11600,7 +11477,6 @@
                   </a:spcAft>
                   <a:buNone/>
                 </a:pPr>
-                <a:endParaRPr/>
               </a:p>
             </p:txBody>
           </p:sp>
@@ -11660,7 +11536,6 @@
                   </a:spcAft>
                   <a:buNone/>
                 </a:pPr>
-                <a:endParaRPr/>
               </a:p>
             </p:txBody>
           </p:sp>
@@ -11705,7 +11580,6 @@
                   </a:spcAft>
                   <a:buNone/>
                 </a:pPr>
-                <a:endParaRPr/>
               </a:p>
             </p:txBody>
           </p:sp>
@@ -11750,7 +11624,6 @@
                   </a:spcAft>
                   <a:buNone/>
                 </a:pPr>
-                <a:endParaRPr/>
               </a:p>
             </p:txBody>
           </p:sp>
@@ -11795,7 +11668,6 @@
                   </a:spcAft>
                   <a:buNone/>
                 </a:pPr>
-                <a:endParaRPr/>
               </a:p>
             </p:txBody>
           </p:sp>
@@ -11855,7 +11727,6 @@
                   </a:spcAft>
                   <a:buNone/>
                 </a:pPr>
-                <a:endParaRPr/>
               </a:p>
             </p:txBody>
           </p:sp>
@@ -11900,7 +11771,6 @@
                   </a:spcAft>
                   <a:buNone/>
                 </a:pPr>
-                <a:endParaRPr/>
               </a:p>
             </p:txBody>
           </p:sp>
@@ -11945,7 +11815,6 @@
                   </a:spcAft>
                   <a:buNone/>
                 </a:pPr>
-                <a:endParaRPr/>
               </a:p>
             </p:txBody>
           </p:sp>
@@ -11990,7 +11859,6 @@
                   </a:spcAft>
                   <a:buNone/>
                 </a:pPr>
-                <a:endParaRPr/>
               </a:p>
             </p:txBody>
           </p:sp>
@@ -12035,7 +11903,6 @@
                   </a:spcAft>
                   <a:buNone/>
                 </a:pPr>
-                <a:endParaRPr/>
               </a:p>
             </p:txBody>
           </p:sp>
@@ -12228,9 +12095,7 @@
               </a:defRPr>
             </a:lvl9pPr>
           </a:lstStyle>
-          <a:p>
-            <a:endParaRPr/>
-          </a:p>
+          <a:p/>
         </p:txBody>
       </p:sp>
       <p:sp>
@@ -12342,7 +12207,6 @@
             </a:pPr>
             <a:fld id="{00000000-1234-1234-1234-123412341234}" type="slidenum">
               <a:rPr lang="en-GB"/>
-              <a:t>‹#›</a:t>
             </a:fld>
             <a:endParaRPr lang="en-GB"/>
           </a:p>
@@ -12357,7 +12221,7 @@
 </file>
 
 <file path=ppt/slideLayouts/slideLayout3.xml><?xml version="1.0" encoding="utf-8"?>
-<p:sldLayout xmlns:a="http://schemas.openxmlformats.org/drawingml/2006/main" xmlns:r="http://schemas.openxmlformats.org/officeDocument/2006/relationships" xmlns:p="http://schemas.openxmlformats.org/presentationml/2006/main" matchingName="Title and body" type="tx">
+<p:sldLayout xmlns:a="http://schemas.openxmlformats.org/drawingml/2006/main" xmlns:r="http://schemas.openxmlformats.org/officeDocument/2006/relationships" xmlns:p="http://schemas.openxmlformats.org/presentationml/2006/main" type="tx" matchingName="Title and body">
   <p:cSld name="TITLE_AND_BODY">
     <p:spTree>
       <p:nvGrpSpPr>
@@ -12428,7 +12292,6 @@
                 </a:spcAft>
                 <a:buNone/>
               </a:pPr>
-              <a:endParaRPr/>
             </a:p>
           </p:txBody>
         </p:sp>
@@ -12473,7 +12336,6 @@
                 </a:spcAft>
                 <a:buNone/>
               </a:pPr>
-              <a:endParaRPr/>
             </a:p>
           </p:txBody>
         </p:sp>
@@ -12602,9 +12464,7 @@
               <a:defRPr/>
             </a:lvl9pPr>
           </a:lstStyle>
-          <a:p>
-            <a:endParaRPr/>
-          </a:p>
+          <a:p/>
         </p:txBody>
       </p:sp>
       <p:sp>
@@ -12731,9 +12591,7 @@
               <a:defRPr/>
             </a:lvl9pPr>
           </a:lstStyle>
-          <a:p>
-            <a:endParaRPr/>
-          </a:p>
+          <a:p/>
         </p:txBody>
       </p:sp>
       <p:sp>
@@ -12809,7 +12667,6 @@
             </a:pPr>
             <a:fld id="{00000000-1234-1234-1234-123412341234}" type="slidenum">
               <a:rPr lang="en-GB"/>
-              <a:t>‹#›</a:t>
             </a:fld>
             <a:endParaRPr lang="en-GB"/>
           </a:p>
@@ -12824,7 +12681,7 @@
 </file>
 
 <file path=ppt/slideLayouts/slideLayout4.xml><?xml version="1.0" encoding="utf-8"?>
-<p:sldLayout xmlns:a="http://schemas.openxmlformats.org/drawingml/2006/main" xmlns:r="http://schemas.openxmlformats.org/officeDocument/2006/relationships" xmlns:p="http://schemas.openxmlformats.org/presentationml/2006/main" matchingName="Title and two columns" type="twoColTx">
+<p:sldLayout xmlns:a="http://schemas.openxmlformats.org/drawingml/2006/main" xmlns:r="http://schemas.openxmlformats.org/officeDocument/2006/relationships" xmlns:p="http://schemas.openxmlformats.org/presentationml/2006/main" type="twoColTx" matchingName="Title and two columns">
   <p:cSld name="TITLE_AND_TWO_COLUMNS">
     <p:spTree>
       <p:nvGrpSpPr>
@@ -12895,7 +12752,6 @@
                 </a:spcAft>
                 <a:buNone/>
               </a:pPr>
-              <a:endParaRPr/>
             </a:p>
           </p:txBody>
         </p:sp>
@@ -12940,7 +12796,6 @@
                 </a:spcAft>
                 <a:buNone/>
               </a:pPr>
-              <a:endParaRPr/>
             </a:p>
           </p:txBody>
         </p:sp>
@@ -13069,9 +12924,7 @@
               <a:defRPr/>
             </a:lvl9pPr>
           </a:lstStyle>
-          <a:p>
-            <a:endParaRPr/>
-          </a:p>
+          <a:p/>
         </p:txBody>
       </p:sp>
       <p:sp>
@@ -13198,9 +13051,7 @@
               <a:defRPr/>
             </a:lvl9pPr>
           </a:lstStyle>
-          <a:p>
-            <a:endParaRPr/>
-          </a:p>
+          <a:p/>
         </p:txBody>
       </p:sp>
       <p:sp>
@@ -13327,9 +13178,7 @@
               <a:defRPr/>
             </a:lvl9pPr>
           </a:lstStyle>
-          <a:p>
-            <a:endParaRPr/>
-          </a:p>
+          <a:p/>
         </p:txBody>
       </p:sp>
       <p:sp>
@@ -13405,7 +13254,6 @@
             </a:pPr>
             <a:fld id="{00000000-1234-1234-1234-123412341234}" type="slidenum">
               <a:rPr lang="en-GB"/>
-              <a:t>‹#›</a:t>
             </a:fld>
             <a:endParaRPr lang="en-GB"/>
           </a:p>
@@ -13420,7 +13268,7 @@
 </file>
 
 <file path=ppt/slideLayouts/slideLayout5.xml><?xml version="1.0" encoding="utf-8"?>
-<p:sldLayout xmlns:a="http://schemas.openxmlformats.org/drawingml/2006/main" xmlns:r="http://schemas.openxmlformats.org/officeDocument/2006/relationships" xmlns:p="http://schemas.openxmlformats.org/presentationml/2006/main" matchingName="Title only" type="titleOnly">
+<p:sldLayout xmlns:a="http://schemas.openxmlformats.org/drawingml/2006/main" xmlns:r="http://schemas.openxmlformats.org/officeDocument/2006/relationships" xmlns:p="http://schemas.openxmlformats.org/presentationml/2006/main" type="titleOnly" matchingName="Title only">
   <p:cSld name="TITLE_ONLY">
     <p:spTree>
       <p:nvGrpSpPr>
@@ -13491,7 +13339,6 @@
                 </a:spcAft>
                 <a:buNone/>
               </a:pPr>
-              <a:endParaRPr/>
             </a:p>
           </p:txBody>
         </p:sp>
@@ -13536,7 +13383,6 @@
                 </a:spcAft>
                 <a:buNone/>
               </a:pPr>
-              <a:endParaRPr/>
             </a:p>
           </p:txBody>
         </p:sp>
@@ -13665,9 +13511,7 @@
               <a:defRPr/>
             </a:lvl9pPr>
           </a:lstStyle>
-          <a:p>
-            <a:endParaRPr/>
-          </a:p>
+          <a:p/>
         </p:txBody>
       </p:sp>
       <p:sp>
@@ -13743,7 +13587,6 @@
             </a:pPr>
             <a:fld id="{00000000-1234-1234-1234-123412341234}" type="slidenum">
               <a:rPr lang="en-GB"/>
-              <a:t>‹#›</a:t>
             </a:fld>
             <a:endParaRPr lang="en-GB"/>
           </a:p>
@@ -13829,7 +13672,6 @@
                 </a:spcAft>
                 <a:buNone/>
               </a:pPr>
-              <a:endParaRPr/>
             </a:p>
           </p:txBody>
         </p:sp>
@@ -13874,7 +13716,6 @@
                 </a:spcAft>
                 <a:buNone/>
               </a:pPr>
-              <a:endParaRPr/>
             </a:p>
           </p:txBody>
         </p:sp>
@@ -14003,9 +13844,7 @@
               <a:defRPr/>
             </a:lvl9pPr>
           </a:lstStyle>
-          <a:p>
-            <a:endParaRPr/>
-          </a:p>
+          <a:p/>
         </p:txBody>
       </p:sp>
       <p:sp>
@@ -14132,9 +13971,7 @@
               <a:defRPr/>
             </a:lvl9pPr>
           </a:lstStyle>
-          <a:p>
-            <a:endParaRPr/>
-          </a:p>
+          <a:p/>
         </p:txBody>
       </p:sp>
       <p:sp>
@@ -14210,7 +14047,6 @@
             </a:pPr>
             <a:fld id="{00000000-1234-1234-1234-123412341234}" type="slidenum">
               <a:rPr lang="en-GB"/>
-              <a:t>‹#›</a:t>
             </a:fld>
             <a:endParaRPr lang="en-GB"/>
           </a:p>
@@ -14315,7 +14151,6 @@
                   </a:spcAft>
                   <a:buNone/>
                 </a:pPr>
-                <a:endParaRPr/>
               </a:p>
             </p:txBody>
           </p:sp>
@@ -14360,7 +14195,6 @@
                   </a:spcAft>
                   <a:buNone/>
                 </a:pPr>
-                <a:endParaRPr/>
               </a:p>
             </p:txBody>
           </p:sp>
@@ -14402,7 +14236,6 @@
                   </a:spcAft>
                   <a:buNone/>
                 </a:pPr>
-                <a:endParaRPr/>
               </a:p>
             </p:txBody>
           </p:sp>
@@ -14459,7 +14292,6 @@
                   </a:spcAft>
                   <a:buNone/>
                 </a:pPr>
-                <a:endParaRPr/>
               </a:p>
             </p:txBody>
           </p:sp>
@@ -14501,7 +14333,6 @@
                   </a:spcAft>
                   <a:buNone/>
                 </a:pPr>
-                <a:endParaRPr/>
               </a:p>
             </p:txBody>
           </p:sp>
@@ -14546,7 +14377,6 @@
                   </a:spcAft>
                   <a:buNone/>
                 </a:pPr>
-                <a:endParaRPr/>
               </a:p>
             </p:txBody>
           </p:sp>
@@ -14603,7 +14433,6 @@
                   </a:spcAft>
                   <a:buNone/>
                 </a:pPr>
-                <a:endParaRPr/>
               </a:p>
             </p:txBody>
           </p:sp>
@@ -14648,7 +14477,6 @@
                   </a:spcAft>
                   <a:buNone/>
                 </a:pPr>
-                <a:endParaRPr/>
               </a:p>
             </p:txBody>
           </p:sp>
@@ -14841,9 +14669,7 @@
               </a:defRPr>
             </a:lvl9pPr>
           </a:lstStyle>
-          <a:p>
-            <a:endParaRPr/>
-          </a:p>
+          <a:p/>
         </p:txBody>
       </p:sp>
       <p:sp>
@@ -14955,7 +14781,6 @@
             </a:pPr>
             <a:fld id="{00000000-1234-1234-1234-123412341234}" type="slidenum">
               <a:rPr lang="en-GB"/>
-              <a:t>‹#›</a:t>
             </a:fld>
             <a:endParaRPr lang="en-GB"/>
           </a:p>
@@ -15041,7 +14866,6 @@
                 </a:spcAft>
                 <a:buNone/>
               </a:pPr>
-              <a:endParaRPr/>
             </a:p>
           </p:txBody>
         </p:sp>
@@ -15086,7 +14910,6 @@
                 </a:spcAft>
                 <a:buNone/>
               </a:pPr>
-              <a:endParaRPr/>
             </a:p>
           </p:txBody>
         </p:sp>
@@ -15224,9 +15047,7 @@
               <a:defRPr/>
             </a:lvl9pPr>
           </a:lstStyle>
-          <a:p>
-            <a:endParaRPr/>
-          </a:p>
+          <a:p/>
         </p:txBody>
       </p:sp>
       <p:sp>
@@ -15389,9 +15210,7 @@
               <a:defRPr sz="1600"/>
             </a:lvl9pPr>
           </a:lstStyle>
-          <a:p>
-            <a:endParaRPr/>
-          </a:p>
+          <a:p/>
         </p:txBody>
       </p:sp>
       <p:sp>
@@ -15527,9 +15346,7 @@
               <a:defRPr/>
             </a:lvl9pPr>
           </a:lstStyle>
-          <a:p>
-            <a:endParaRPr/>
-          </a:p>
+          <a:p/>
         </p:txBody>
       </p:sp>
       <p:sp>
@@ -15605,7 +15422,6 @@
             </a:pPr>
             <a:fld id="{00000000-1234-1234-1234-123412341234}" type="slidenum">
               <a:rPr lang="en-GB"/>
-              <a:t>‹#›</a:t>
             </a:fld>
             <a:endParaRPr lang="en-GB"/>
           </a:p>
@@ -15691,7 +15507,6 @@
                 </a:spcAft>
                 <a:buNone/>
               </a:pPr>
-              <a:endParaRPr/>
             </a:p>
           </p:txBody>
         </p:sp>
@@ -15736,7 +15551,6 @@
                 </a:spcAft>
                 <a:buNone/>
               </a:pPr>
-              <a:endParaRPr/>
             </a:p>
           </p:txBody>
         </p:sp>
@@ -15780,9 +15594,7 @@
               <a:defRPr/>
             </a:lvl1pPr>
           </a:lstStyle>
-          <a:p>
-            <a:endParaRPr/>
-          </a:p>
+          <a:p/>
         </p:txBody>
       </p:sp>
       <p:sp>
@@ -15858,7 +15670,6 @@
             </a:pPr>
             <a:fld id="{00000000-1234-1234-1234-123412341234}" type="slidenum">
               <a:rPr lang="en-GB"/>
-              <a:t>‹#›</a:t>
             </a:fld>
             <a:endParaRPr lang="en-GB"/>
           </a:p>
@@ -16133,9 +15944,7 @@
               </a:defRPr>
             </a:lvl9pPr>
           </a:lstStyle>
-          <a:p>
-            <a:endParaRPr/>
-          </a:p>
+          <a:p/>
         </p:txBody>
       </p:sp>
       <p:sp>
@@ -16401,9 +16210,7 @@
               </a:defRPr>
             </a:lvl9pPr>
           </a:lstStyle>
-          <a:p>
-            <a:endParaRPr/>
-          </a:p>
+          <a:p/>
         </p:txBody>
       </p:sp>
       <p:sp>
@@ -16555,7 +16362,6 @@
             </a:pPr>
             <a:fld id="{00000000-1234-1234-1234-123412341234}" type="slidenum">
               <a:rPr lang="en-GB"/>
-              <a:t>‹#›</a:t>
             </a:fld>
             <a:endParaRPr lang="en-GB"/>
           </a:p>
@@ -17562,6 +17368,13 @@
               </a:rPr>
               <a:t>Guide : Dr P.G.Sunita Hiremath.</a:t>
             </a:r>
+            <a:endParaRPr lang="en-US">
+              <a:solidFill>
+                <a:schemeClr val="bg2"/>
+              </a:solidFill>
+              <a:latin typeface="Georgia" panose="02040502050405020303" charset="0"/>
+              <a:cs typeface="Georgia" panose="02040502050405020303" charset="0"/>
+            </a:endParaRPr>
           </a:p>
           <a:p>
             <a:pPr marL="0" lvl="0" indent="0" algn="l" rtl="0">
@@ -17583,6 +17396,13 @@
               </a:rPr>
               <a:t>TEAM Members:</a:t>
             </a:r>
+            <a:endParaRPr lang="en-US">
+              <a:solidFill>
+                <a:schemeClr val="bg2"/>
+              </a:solidFill>
+              <a:latin typeface="Georgia" panose="02040502050405020303" charset="0"/>
+              <a:cs typeface="Georgia" panose="02040502050405020303" charset="0"/>
+            </a:endParaRPr>
           </a:p>
           <a:p>
             <a:pPr marL="0" lvl="0" indent="0" algn="l" rtl="0">
@@ -17604,6 +17424,13 @@
               </a:rPr>
               <a:t>* Varun Bohara.                01fe18bcs278</a:t>
             </a:r>
+            <a:endParaRPr lang="en-US">
+              <a:solidFill>
+                <a:schemeClr val="bg2"/>
+              </a:solidFill>
+              <a:latin typeface="Georgia" panose="02040502050405020303" charset="0"/>
+              <a:cs typeface="Georgia" panose="02040502050405020303" charset="0"/>
+            </a:endParaRPr>
           </a:p>
           <a:p>
             <a:pPr marL="0" lvl="0" indent="0" algn="l" rtl="0">
@@ -17625,6 +17452,13 @@
               </a:rPr>
               <a:t>* Sakshi Tahlani.               01fe18bcs271</a:t>
             </a:r>
+            <a:endParaRPr lang="en-US">
+              <a:solidFill>
+                <a:schemeClr val="bg2"/>
+              </a:solidFill>
+              <a:latin typeface="Georgia" panose="02040502050405020303" charset="0"/>
+              <a:cs typeface="Georgia" panose="02040502050405020303" charset="0"/>
+            </a:endParaRPr>
           </a:p>
           <a:p>
             <a:pPr marL="0" lvl="0" indent="0" algn="l" rtl="0">
@@ -17646,6 +17480,13 @@
               </a:rPr>
               <a:t>* Abhishek Rao.                01fe18bcs297</a:t>
             </a:r>
+            <a:endParaRPr lang="en-US">
+              <a:solidFill>
+                <a:schemeClr val="bg2"/>
+              </a:solidFill>
+              <a:latin typeface="Georgia" panose="02040502050405020303" charset="0"/>
+              <a:cs typeface="Georgia" panose="02040502050405020303" charset="0"/>
+            </a:endParaRPr>
           </a:p>
           <a:p>
             <a:pPr marL="0" lvl="0" indent="0" algn="l" rtl="0">
@@ -17717,7 +17558,7 @@
           <p:nvPr/>
         </p:nvPicPr>
         <p:blipFill>
-          <a:blip r:embed="rId3">
+          <a:blip r:embed="rId1">
             <a:clrChange>
               <a:clrFrom>
                 <a:srgbClr val="FFFFFF">
@@ -17756,6 +17597,194 @@
 </file>
 
 <file path=ppt/slides/slide10.xml><?xml version="1.0" encoding="utf-8"?>
+<p:sld xmlns:a="http://schemas.openxmlformats.org/drawingml/2006/main" xmlns:r="http://schemas.openxmlformats.org/officeDocument/2006/relationships" xmlns:p="http://schemas.openxmlformats.org/presentationml/2006/main">
+  <p:cSld>
+    <p:spTree>
+      <p:nvGrpSpPr>
+        <p:cNvPr id="1" name=""/>
+        <p:cNvGrpSpPr/>
+        <p:nvPr/>
+      </p:nvGrpSpPr>
+      <p:grpSpPr>
+        <a:xfrm>
+          <a:off x="0" y="0"/>
+          <a:ext cx="0" cy="0"/>
+          <a:chOff x="0" y="0"/>
+          <a:chExt cx="0" cy="0"/>
+        </a:xfrm>
+      </p:grpSpPr>
+      <p:sp>
+        <p:nvSpPr>
+          <p:cNvPr id="3" name="Content Placeholder 2"/>
+          <p:cNvSpPr>
+            <a:spLocks noGrp="1"/>
+          </p:cNvSpPr>
+          <p:nvPr>
+            <p:ph idx="1"/>
+          </p:nvPr>
+        </p:nvSpPr>
+        <p:spPr>
+          <a:xfrm>
+            <a:off x="144254" y="305074"/>
+            <a:ext cx="8833339" cy="4825502"/>
+          </a:xfrm>
+        </p:spPr>
+        <p:txBody>
+          <a:bodyPr>
+            <a:normAutofit/>
+          </a:bodyPr>
+          <a:lstStyle/>
+          <a:p>
+            <a:pPr marL="146050" indent="0">
+              <a:buNone/>
+            </a:pPr>
+            <a:r>
+              <a:rPr lang="en-US" sz="1800" b="1" u="sng" dirty="0"/>
+              <a:t>Exploring Hate Speech Detection in Multimodal Publications ( WACV, 2020) </a:t>
+            </a:r>
+            <a:r>
+              <a:rPr lang="en-US" sz="1800" b="1" dirty="0"/>
+              <a:t>[1]</a:t>
+            </a:r>
+            <a:endParaRPr lang="en-IN" sz="1400" b="1" dirty="0"/>
+          </a:p>
+          <a:p>
+            <a:r>
+              <a:rPr lang="en-IN" sz="1500" dirty="0"/>
+              <a:t>TKM</a:t>
+            </a:r>
+            <a:r>
+              <a:rPr lang="en-IN" sz="1200" dirty="0"/>
+              <a:t>( Textual Kernels Model ): </a:t>
+            </a:r>
+            <a:endParaRPr lang="en-IN" sz="1200" dirty="0"/>
+          </a:p>
+          <a:p>
+            <a:pPr marL="146050" indent="0">
+              <a:buNone/>
+            </a:pPr>
+            <a:endParaRPr lang="en-IN" sz="1200" dirty="0"/>
+          </a:p>
+        </p:txBody>
+      </p:sp>
+      <p:sp>
+        <p:nvSpPr>
+          <p:cNvPr id="4" name="Slide Number Placeholder 3"/>
+          <p:cNvSpPr>
+            <a:spLocks noGrp="1"/>
+          </p:cNvSpPr>
+          <p:nvPr>
+            <p:ph type="sldNum" sz="quarter" idx="12"/>
+          </p:nvPr>
+        </p:nvSpPr>
+        <p:spPr/>
+        <p:txBody>
+          <a:bodyPr/>
+          <a:lstStyle/>
+          <a:p>
+            <a:fld id="{7870A25B-082D-42BE-9910-664729240837}" type="slidenum">
+              <a:rPr lang="en-IN" smtClean="0"/>
+            </a:fld>
+            <a:endParaRPr lang="en-IN" dirty="0"/>
+          </a:p>
+        </p:txBody>
+      </p:sp>
+      <p:pic>
+        <p:nvPicPr>
+          <p:cNvPr id="6" name="Picture 5"/>
+          <p:cNvPicPr>
+            <a:picLocks noChangeAspect="1"/>
+          </p:cNvPicPr>
+          <p:nvPr/>
+        </p:nvPicPr>
+        <p:blipFill rotWithShape="1">
+          <a:blip r:embed="rId1">
+            <a:extLst>
+              <a:ext uri="{28A0092B-C50C-407E-A947-70E740481C1C}">
+                <a14:useLocalDpi xmlns:a14="http://schemas.microsoft.com/office/drawing/2010/main" val="0"/>
+              </a:ext>
+            </a:extLst>
+          </a:blip>
+          <a:srcRect l="8653" t="878" r="69" b="616"/>
+          <a:stretch>
+            <a:fillRect/>
+          </a:stretch>
+        </p:blipFill>
+        <p:spPr>
+          <a:xfrm>
+            <a:off x="685800" y="967308"/>
+            <a:ext cx="6710846" cy="4067754"/>
+          </a:xfrm>
+          <a:prstGeom prst="rect">
+            <a:avLst/>
+          </a:prstGeom>
+        </p:spPr>
+      </p:pic>
+      <p:sp>
+        <p:nvSpPr>
+          <p:cNvPr id="2" name="TextBox 1"/>
+          <p:cNvSpPr txBox="1"/>
+          <p:nvPr/>
+        </p:nvSpPr>
+        <p:spPr>
+          <a:xfrm>
+            <a:off x="7396646" y="2295476"/>
+            <a:ext cx="1603100" cy="646331"/>
+          </a:xfrm>
+          <a:prstGeom prst="rect">
+            <a:avLst/>
+          </a:prstGeom>
+          <a:noFill/>
+        </p:spPr>
+        <p:txBody>
+          <a:bodyPr wrap="square" rtlCol="0">
+            <a:spAutoFit/>
+          </a:bodyPr>
+          <a:lstStyle/>
+          <a:p>
+            <a:pPr marL="285750" indent="-285750">
+              <a:buFont typeface="Wingdings" panose="05000000000000000000" pitchFamily="2" charset="2"/>
+              <a:buChar char="ü"/>
+            </a:pPr>
+            <a:r>
+              <a:rPr lang="en-IN" sz="1200" dirty="0"/>
+              <a:t>Inception Model</a:t>
+            </a:r>
+            <a:endParaRPr lang="en-IN" sz="1200" dirty="0"/>
+          </a:p>
+          <a:p>
+            <a:pPr marL="285750" indent="-285750">
+              <a:buFont typeface="Wingdings" panose="05000000000000000000" pitchFamily="2" charset="2"/>
+              <a:buChar char="ü"/>
+            </a:pPr>
+            <a:r>
+              <a:rPr lang="en-IN" sz="1200" dirty="0"/>
+              <a:t>Kernel </a:t>
+            </a:r>
+            <a:endParaRPr lang="en-IN" sz="1200" dirty="0"/>
+          </a:p>
+          <a:p>
+            <a:pPr marL="285750" indent="-285750">
+              <a:buFont typeface="Wingdings" panose="05000000000000000000" pitchFamily="2" charset="2"/>
+              <a:buChar char="ü"/>
+            </a:pPr>
+            <a:r>
+              <a:rPr lang="en-IN" sz="1200" dirty="0"/>
+              <a:t>LSTM Model </a:t>
+            </a:r>
+            <a:endParaRPr lang="en-IN" sz="1200" dirty="0"/>
+          </a:p>
+        </p:txBody>
+      </p:sp>
+    </p:spTree>
+  </p:cSld>
+  <p:clrMapOvr>
+    <a:masterClrMapping/>
+  </p:clrMapOvr>
+</p:sld>
+</file>
+
+<file path=ppt/slides/slide11.xml><?xml version="1.0" encoding="utf-8"?>
 <p:sld xmlns:a="http://schemas.openxmlformats.org/drawingml/2006/main" xmlns:r="http://schemas.openxmlformats.org/officeDocument/2006/relationships" xmlns:p="http://schemas.openxmlformats.org/presentationml/2006/main">
   <p:cSld>
     <p:spTree>
@@ -17892,6 +17921,10 @@
               </a:rPr>
               <a:t>Input</a:t>
             </a:r>
+            <a:endParaRPr lang="en-US">
+              <a:latin typeface="Georgia" panose="02040502050405020303" charset="0"/>
+              <a:cs typeface="Georgia" panose="02040502050405020303" charset="0"/>
+            </a:endParaRPr>
           </a:p>
         </p:txBody>
       </p:sp>
@@ -17924,6 +17957,10 @@
               </a:rPr>
               <a:t>Output</a:t>
             </a:r>
+            <a:endParaRPr lang="en-US">
+              <a:latin typeface="Georgia" panose="02040502050405020303" charset="0"/>
+              <a:cs typeface="Georgia" panose="02040502050405020303" charset="0"/>
+            </a:endParaRPr>
           </a:p>
         </p:txBody>
       </p:sp>
@@ -17938,7 +17975,7 @@
           </p:nvPr>
         </p:nvPicPr>
         <p:blipFill>
-          <a:blip r:embed="rId3"/>
+          <a:blip r:embed="rId1"/>
           <a:stretch>
             <a:fillRect/>
           </a:stretch>
@@ -17994,6 +18031,10 @@
               </a:rPr>
               <a:t>Visual Module</a:t>
             </a:r>
+            <a:endParaRPr lang="en-US" dirty="0">
+              <a:latin typeface="Georgia" panose="02040502050405020303" charset="0"/>
+              <a:cs typeface="Georgia" panose="02040502050405020303" charset="0"/>
+            </a:endParaRPr>
           </a:p>
         </p:txBody>
       </p:sp>
@@ -18038,6 +18079,10 @@
               </a:rPr>
               <a:t>Image Module</a:t>
             </a:r>
+            <a:endParaRPr lang="en-US" dirty="0">
+              <a:latin typeface="Georgia" panose="02040502050405020303" charset="0"/>
+              <a:cs typeface="Georgia" panose="02040502050405020303" charset="0"/>
+            </a:endParaRPr>
           </a:p>
         </p:txBody>
       </p:sp>
@@ -18082,6 +18127,10 @@
               </a:rPr>
               <a:t>Decoder</a:t>
             </a:r>
+            <a:endParaRPr lang="en-US">
+              <a:latin typeface="Georgia" panose="02040502050405020303" charset="0"/>
+              <a:cs typeface="Georgia" panose="02040502050405020303" charset="0"/>
+            </a:endParaRPr>
           </a:p>
         </p:txBody>
       </p:sp>
@@ -18198,6 +18247,10 @@
               </a:rPr>
               <a:t>Performance Evaluation</a:t>
             </a:r>
+            <a:endParaRPr lang="en-US">
+              <a:latin typeface="Georgia" panose="02040502050405020303" charset="0"/>
+              <a:cs typeface="Georgia" panose="02040502050405020303" charset="0"/>
+            </a:endParaRPr>
           </a:p>
         </p:txBody>
       </p:sp>
@@ -18263,6 +18316,10 @@
               </a:rPr>
               <a:t>Hateful (1)</a:t>
             </a:r>
+            <a:endParaRPr lang="en-US">
+              <a:latin typeface="Georgia" panose="02040502050405020303" charset="0"/>
+              <a:cs typeface="Georgia" panose="02040502050405020303" charset="0"/>
+            </a:endParaRPr>
           </a:p>
         </p:txBody>
       </p:sp>
@@ -18307,7 +18364,7 @@
 </p:sld>
 </file>
 
-<file path=ppt/slides/slide11.xml><?xml version="1.0" encoding="utf-8"?>
+<file path=ppt/slides/slide12.xml><?xml version="1.0" encoding="utf-8"?>
 <p:sld xmlns:a="http://schemas.openxmlformats.org/drawingml/2006/main" xmlns:r="http://schemas.openxmlformats.org/officeDocument/2006/relationships" xmlns:p="http://schemas.openxmlformats.org/presentationml/2006/main">
   <p:cSld>
     <p:spTree>
@@ -18422,6 +18479,10 @@
               </a:rPr>
               <a:t>Functional</a:t>
             </a:r>
+            <a:endParaRPr lang="en-US" b="1">
+              <a:latin typeface="Georgia" panose="02040502050405020303" charset="0"/>
+              <a:cs typeface="Georgia" panose="02040502050405020303" charset="0"/>
+            </a:endParaRPr>
           </a:p>
           <a:p>
             <a:pPr marL="285750" lvl="0" indent="-285750" algn="l" rtl="0">
@@ -18441,6 +18502,10 @@
               </a:rPr>
               <a:t>The model shall be able to generate image and text representations .</a:t>
             </a:r>
+            <a:endParaRPr lang="en-US">
+              <a:latin typeface="Georgia" panose="02040502050405020303" charset="0"/>
+              <a:cs typeface="Georgia" panose="02040502050405020303" charset="0"/>
+            </a:endParaRPr>
           </a:p>
           <a:p>
             <a:pPr marL="285750" lvl="0" indent="-285750" algn="l" rtl="0">
@@ -18460,6 +18525,10 @@
               </a:rPr>
               <a:t>The model shall be able to classify the meme as hateful or non hateful using provided embeddings .</a:t>
             </a:r>
+            <a:endParaRPr lang="en-US">
+              <a:latin typeface="Georgia" panose="02040502050405020303" charset="0"/>
+              <a:cs typeface="Georgia" panose="02040502050405020303" charset="0"/>
+            </a:endParaRPr>
           </a:p>
           <a:p>
             <a:pPr marL="285750" lvl="0" indent="-285750" algn="l" rtl="0">
@@ -18479,6 +18548,10 @@
               </a:rPr>
               <a:t>The model shall be able to generate the probability of the meme being hateful .</a:t>
             </a:r>
+            <a:endParaRPr lang="en-US">
+              <a:latin typeface="Georgia" panose="02040502050405020303" charset="0"/>
+              <a:cs typeface="Georgia" panose="02040502050405020303" charset="0"/>
+            </a:endParaRPr>
           </a:p>
           <a:p>
             <a:pPr marL="0" lvl="0" indent="0" algn="l" rtl="0">
@@ -18497,6 +18570,10 @@
               </a:rPr>
               <a:t>Non Functional</a:t>
             </a:r>
+            <a:endParaRPr lang="en-US" b="1">
+              <a:latin typeface="Georgia" panose="02040502050405020303" charset="0"/>
+              <a:cs typeface="Georgia" panose="02040502050405020303" charset="0"/>
+            </a:endParaRPr>
           </a:p>
           <a:p>
             <a:pPr marL="285750" lvl="0" indent="-285750" algn="l" rtl="0">
@@ -18516,6 +18593,10 @@
               </a:rPr>
               <a:t>The model should be atleast 70% accurate .</a:t>
             </a:r>
+            <a:endParaRPr lang="en-US">
+              <a:latin typeface="Georgia" panose="02040502050405020303" charset="0"/>
+              <a:cs typeface="Georgia" panose="02040502050405020303" charset="0"/>
+            </a:endParaRPr>
           </a:p>
           <a:p>
             <a:pPr marL="285750" lvl="0" indent="-285750" algn="l" rtl="0">
@@ -18535,6 +18616,10 @@
               </a:rPr>
               <a:t>The model should not under-perform on limited computing resources.   </a:t>
             </a:r>
+            <a:endParaRPr lang="en-US">
+              <a:latin typeface="Georgia" panose="02040502050405020303" charset="0"/>
+              <a:cs typeface="Georgia" panose="02040502050405020303" charset="0"/>
+            </a:endParaRPr>
           </a:p>
           <a:p>
             <a:pPr marL="285750" lvl="0" indent="-285750" algn="l" rtl="0">
@@ -18562,7 +18647,7 @@
 </p:sld>
 </file>
 
-<file path=ppt/slides/slide12.xml><?xml version="1.0" encoding="utf-8"?>
+<file path=ppt/slides/slide13.xml><?xml version="1.0" encoding="utf-8"?>
 <p:sld xmlns:a="http://schemas.openxmlformats.org/drawingml/2006/main" xmlns:r="http://schemas.openxmlformats.org/officeDocument/2006/relationships" xmlns:p="http://schemas.openxmlformats.org/presentationml/2006/main">
   <p:cSld>
     <p:spTree>
@@ -18621,6 +18706,11 @@
               </a:rPr>
               <a:t>REFERENCES</a:t>
             </a:r>
+            <a:endParaRPr lang="en-US">
+              <a:latin typeface="Georgia" panose="02040502050405020303" charset="0"/>
+              <a:cs typeface="Georgia" panose="02040502050405020303" charset="0"/>
+              <a:sym typeface="+mn-ea"/>
+            </a:endParaRPr>
           </a:p>
         </p:txBody>
       </p:sp>
@@ -18682,6 +18772,72 @@
               </a:rPr>
               <a:t>https://nirkin.com/hateful-memes/</a:t>
             </a:r>
+            <a:endParaRPr>
+              <a:latin typeface="Georgia" panose="02040502050405020303" charset="0"/>
+              <a:cs typeface="Georgia" panose="02040502050405020303" charset="0"/>
+            </a:endParaRPr>
+          </a:p>
+          <a:p>
+            <a:pPr marL="285750" lvl="0" indent="-285750" algn="l" rtl="0">
+              <a:spcBef>
+                <a:spcPts val="0"/>
+              </a:spcBef>
+              <a:spcAft>
+                <a:spcPts val="1600"/>
+              </a:spcAft>
+              <a:buFont typeface="Arial" panose="020B0604020202020204" pitchFamily="34" charset="0"/>
+              <a:buChar char="•"/>
+            </a:pPr>
+            <a:r>
+              <a:rPr>
+                <a:latin typeface="Georgia" panose="02040502050405020303" charset="0"/>
+                <a:cs typeface="Georgia" panose="02040502050405020303" charset="0"/>
+              </a:rPr>
+              <a:t>https://www.aclweb.org/anthology/2020.trac-1.6.pdf</a:t>
+            </a:r>
+            <a:endParaRPr>
+              <a:latin typeface="Georgia" panose="02040502050405020303" charset="0"/>
+              <a:cs typeface="Georgia" panose="02040502050405020303" charset="0"/>
+            </a:endParaRPr>
+          </a:p>
+          <a:p>
+            <a:pPr marL="285750" lvl="0" indent="-285750" algn="l" rtl="0">
+              <a:spcBef>
+                <a:spcPts val="0"/>
+              </a:spcBef>
+              <a:spcAft>
+                <a:spcPts val="1600"/>
+              </a:spcAft>
+              <a:buFont typeface="Arial" panose="020B0604020202020204" pitchFamily="34" charset="0"/>
+              <a:buChar char="•"/>
+            </a:pPr>
+            <a:r>
+              <a:rPr>
+                <a:latin typeface="Georgia" panose="02040502050405020303" charset="0"/>
+                <a:cs typeface="Georgia" panose="02040502050405020303" charset="0"/>
+              </a:rPr>
+              <a:t>https://arxiv.org/pdf/1910.03814.pdf</a:t>
+            </a:r>
+            <a:endParaRPr>
+              <a:latin typeface="Georgia" panose="02040502050405020303" charset="0"/>
+              <a:cs typeface="Georgia" panose="02040502050405020303" charset="0"/>
+            </a:endParaRPr>
+          </a:p>
+          <a:p>
+            <a:pPr marL="0" lvl="0" indent="0" algn="l" rtl="0">
+              <a:spcBef>
+                <a:spcPts val="0"/>
+              </a:spcBef>
+              <a:spcAft>
+                <a:spcPts val="1600"/>
+              </a:spcAft>
+              <a:buFont typeface="Arial" panose="020B0604020202020204" pitchFamily="34" charset="0"/>
+              <a:buNone/>
+            </a:pPr>
+            <a:endParaRPr>
+              <a:latin typeface="Georgia" panose="02040502050405020303" charset="0"/>
+              <a:cs typeface="Georgia" panose="02040502050405020303" charset="0"/>
+            </a:endParaRPr>
           </a:p>
         </p:txBody>
       </p:sp>
@@ -18693,7 +18849,7 @@
 </p:sld>
 </file>
 
-<file path=ppt/slides/slide13.xml><?xml version="1.0" encoding="utf-8"?>
+<file path=ppt/slides/slide14.xml><?xml version="1.0" encoding="utf-8"?>
 <p:sld xmlns:a="http://schemas.openxmlformats.org/drawingml/2006/main" xmlns:r="http://schemas.openxmlformats.org/officeDocument/2006/relationships" xmlns:p="http://schemas.openxmlformats.org/presentationml/2006/main">
   <p:cSld>
     <p:spTree>
@@ -18732,6 +18888,10 @@
               </a:rPr>
               <a:t>Hypernetworks</a:t>
             </a:r>
+            <a:endParaRPr lang="en-US">
+              <a:latin typeface="Georgia" panose="02040502050405020303" charset="0"/>
+              <a:cs typeface="Georgia" panose="02040502050405020303" charset="0"/>
+            </a:endParaRPr>
           </a:p>
         </p:txBody>
       </p:sp>
@@ -18757,6 +18917,10 @@
               </a:rPr>
               <a:t>In a typical deep network , the majority of parameters are in the kernels of convolutional layers.</a:t>
             </a:r>
+            <a:endParaRPr lang="en-US">
+              <a:latin typeface="Georgia" panose="02040502050405020303" charset="0"/>
+              <a:cs typeface="Georgia" panose="02040502050405020303" charset="0"/>
+            </a:endParaRPr>
           </a:p>
           <a:p>
             <a:r>
@@ -18822,6 +18986,10 @@
               </a:rPr>
               <a:t>. </a:t>
             </a:r>
+            <a:endParaRPr lang="en-US">
+              <a:latin typeface="Georgia" panose="02040502050405020303" charset="0"/>
+              <a:cs typeface="Georgia" panose="02040502050405020303" charset="0"/>
+            </a:endParaRPr>
           </a:p>
           <a:p>
             <a:endParaRPr lang="en-US">
@@ -19091,6 +19259,7 @@
                 <a:rPr lang="en-US" sz="1200"/>
                 <a:t> </a:t>
               </a:r>
+              <a:endParaRPr lang="en-US" sz="1200"/>
             </a:p>
           </p:txBody>
         </p:sp>
@@ -19124,6 +19293,7 @@
                 <a:rPr lang="en-US" baseline="30000"/>
                 <a:t>1</a:t>
               </a:r>
+              <a:endParaRPr lang="en-US" baseline="30000"/>
             </a:p>
           </p:txBody>
         </p:sp>
@@ -19153,6 +19323,7 @@
                 <a:rPr lang="en-US"/>
                 <a:t>...........</a:t>
               </a:r>
+              <a:endParaRPr lang="en-US"/>
             </a:p>
           </p:txBody>
         </p:sp>
@@ -19224,6 +19395,7 @@
                 <a:rPr lang="en-US" baseline="30000"/>
                 <a:t>D</a:t>
               </a:r>
+              <a:endParaRPr lang="en-US" baseline="30000"/>
             </a:p>
           </p:txBody>
         </p:sp>
@@ -19285,6 +19457,7 @@
                 <a:rPr lang="en-US" sz="1200"/>
                 <a:t> </a:t>
               </a:r>
+              <a:endParaRPr lang="en-US" sz="1200"/>
             </a:p>
           </p:txBody>
         </p:sp>
@@ -19298,7 +19471,7 @@
           <p:nvPr/>
         </p:nvPicPr>
         <p:blipFill>
-          <a:blip r:embed="rId2"/>
+          <a:blip r:embed="rId1"/>
           <a:stretch>
             <a:fillRect/>
           </a:stretch>
@@ -19325,7 +19498,7 @@
 </p:sld>
 </file>
 
-<file path=ppt/slides/slide14.xml><?xml version="1.0" encoding="utf-8"?>
+<file path=ppt/slides/slide15.xml><?xml version="1.0" encoding="utf-8"?>
 <p:sld xmlns:a="http://schemas.openxmlformats.org/drawingml/2006/main" xmlns:r="http://schemas.openxmlformats.org/officeDocument/2006/relationships" xmlns:p="http://schemas.openxmlformats.org/presentationml/2006/main">
   <p:cSld>
     <p:spTree>
@@ -19376,7 +19549,6 @@
               </a:spcAft>
               <a:buNone/>
             </a:pPr>
-            <a:endParaRPr/>
           </a:p>
         </p:txBody>
       </p:sp>
@@ -19414,7 +19586,6 @@
               </a:spcAft>
               <a:buNone/>
             </a:pPr>
-            <a:endParaRPr/>
           </a:p>
         </p:txBody>
       </p:sp>
@@ -19426,7 +19597,7 @@
 </p:sld>
 </file>
 
-<file path=ppt/slides/slide15.xml><?xml version="1.0" encoding="utf-8"?>
+<file path=ppt/slides/slide16.xml><?xml version="1.0" encoding="utf-8"?>
 <p:sld xmlns:a="http://schemas.openxmlformats.org/drawingml/2006/main" xmlns:r="http://schemas.openxmlformats.org/officeDocument/2006/relationships" xmlns:p="http://schemas.openxmlformats.org/presentationml/2006/main">
   <p:cSld>
     <p:spTree>
@@ -19477,7 +19648,6 @@
               </a:spcAft>
               <a:buNone/>
             </a:pPr>
-            <a:endParaRPr/>
           </a:p>
         </p:txBody>
       </p:sp>
@@ -19515,7 +19685,6 @@
               </a:spcAft>
               <a:buNone/>
             </a:pPr>
-            <a:endParaRPr/>
           </a:p>
         </p:txBody>
       </p:sp>
@@ -19527,7 +19696,7 @@
 </p:sld>
 </file>
 
-<file path=ppt/slides/slide16.xml><?xml version="1.0" encoding="utf-8"?>
+<file path=ppt/slides/slide17.xml><?xml version="1.0" encoding="utf-8"?>
 <p:sld xmlns:a="http://schemas.openxmlformats.org/drawingml/2006/main" xmlns:r="http://schemas.openxmlformats.org/officeDocument/2006/relationships" xmlns:p="http://schemas.openxmlformats.org/presentationml/2006/main">
   <p:cSld>
     <p:spTree>
@@ -19578,7 +19747,6 @@
               </a:spcAft>
               <a:buNone/>
             </a:pPr>
-            <a:endParaRPr/>
           </a:p>
         </p:txBody>
       </p:sp>
@@ -19616,7 +19784,6 @@
               </a:spcAft>
               <a:buNone/>
             </a:pPr>
-            <a:endParaRPr/>
           </a:p>
         </p:txBody>
       </p:sp>
@@ -19628,7 +19795,7 @@
 </p:sld>
 </file>
 
-<file path=ppt/slides/slide17.xml><?xml version="1.0" encoding="utf-8"?>
+<file path=ppt/slides/slide18.xml><?xml version="1.0" encoding="utf-8"?>
 <p:sld xmlns:a="http://schemas.openxmlformats.org/drawingml/2006/main" xmlns:r="http://schemas.openxmlformats.org/officeDocument/2006/relationships" xmlns:p="http://schemas.openxmlformats.org/presentationml/2006/main">
   <p:cSld>
     <p:spTree>
@@ -19679,7 +19846,6 @@
               </a:spcAft>
               <a:buNone/>
             </a:pPr>
-            <a:endParaRPr/>
           </a:p>
         </p:txBody>
       </p:sp>
@@ -19717,7 +19883,6 @@
               </a:spcAft>
               <a:buNone/>
             </a:pPr>
-            <a:endParaRPr/>
           </a:p>
         </p:txBody>
       </p:sp>
@@ -19729,7 +19894,7 @@
 </p:sld>
 </file>
 
-<file path=ppt/slides/slide18.xml><?xml version="1.0" encoding="utf-8"?>
+<file path=ppt/slides/slide19.xml><?xml version="1.0" encoding="utf-8"?>
 <p:sld xmlns:a="http://schemas.openxmlformats.org/drawingml/2006/main" xmlns:r="http://schemas.openxmlformats.org/officeDocument/2006/relationships" xmlns:p="http://schemas.openxmlformats.org/presentationml/2006/main">
   <p:cSld>
     <p:spTree>
@@ -19780,7 +19945,6 @@
               </a:spcAft>
               <a:buNone/>
             </a:pPr>
-            <a:endParaRPr/>
           </a:p>
         </p:txBody>
       </p:sp>
@@ -19818,108 +19982,6 @@
               </a:spcAft>
               <a:buNone/>
             </a:pPr>
-            <a:endParaRPr/>
-          </a:p>
-        </p:txBody>
-      </p:sp>
-    </p:spTree>
-  </p:cSld>
-  <p:clrMapOvr>
-    <a:masterClrMapping/>
-  </p:clrMapOvr>
-</p:sld>
-</file>
-
-<file path=ppt/slides/slide19.xml><?xml version="1.0" encoding="utf-8"?>
-<p:sld xmlns:a="http://schemas.openxmlformats.org/drawingml/2006/main" xmlns:r="http://schemas.openxmlformats.org/officeDocument/2006/relationships" xmlns:p="http://schemas.openxmlformats.org/presentationml/2006/main">
-  <p:cSld>
-    <p:spTree>
-      <p:nvGrpSpPr>
-        <p:cNvPr id="1" name="Shape 372"/>
-        <p:cNvGrpSpPr/>
-        <p:nvPr/>
-      </p:nvGrpSpPr>
-      <p:grpSpPr>
-        <a:xfrm>
-          <a:off x="0" y="0"/>
-          <a:ext cx="0" cy="0"/>
-          <a:chOff x="0" y="0"/>
-          <a:chExt cx="0" cy="0"/>
-        </a:xfrm>
-      </p:grpSpPr>
-      <p:sp>
-        <p:nvSpPr>
-          <p:cNvPr id="373" name="Google Shape;373;p29"/>
-          <p:cNvSpPr txBox="1">
-            <a:spLocks noGrp="1"/>
-          </p:cNvSpPr>
-          <p:nvPr>
-            <p:ph type="title"/>
-          </p:nvPr>
-        </p:nvSpPr>
-        <p:spPr>
-          <a:xfrm>
-            <a:off x="1303800" y="598575"/>
-            <a:ext cx="7030500" cy="999300"/>
-          </a:xfrm>
-          <a:prstGeom prst="rect">
-            <a:avLst/>
-          </a:prstGeom>
-        </p:spPr>
-        <p:txBody>
-          <a:bodyPr spcFirstLastPara="1" wrap="square" lIns="91425" tIns="91425" rIns="91425" bIns="91425" anchor="t" anchorCtr="0">
-            <a:noAutofit/>
-          </a:bodyPr>
-          <a:lstStyle/>
-          <a:p>
-            <a:pPr marL="0" lvl="0" indent="0" algn="l" rtl="0">
-              <a:spcBef>
-                <a:spcPts val="0"/>
-              </a:spcBef>
-              <a:spcAft>
-                <a:spcPts val="0"/>
-              </a:spcAft>
-              <a:buNone/>
-            </a:pPr>
-            <a:endParaRPr/>
-          </a:p>
-        </p:txBody>
-      </p:sp>
-      <p:sp>
-        <p:nvSpPr>
-          <p:cNvPr id="374" name="Google Shape;374;p29"/>
-          <p:cNvSpPr txBox="1">
-            <a:spLocks noGrp="1"/>
-          </p:cNvSpPr>
-          <p:nvPr>
-            <p:ph type="body" idx="1"/>
-          </p:nvPr>
-        </p:nvSpPr>
-        <p:spPr>
-          <a:xfrm>
-            <a:off x="1303800" y="1990050"/>
-            <a:ext cx="7030500" cy="2541600"/>
-          </a:xfrm>
-          <a:prstGeom prst="rect">
-            <a:avLst/>
-          </a:prstGeom>
-        </p:spPr>
-        <p:txBody>
-          <a:bodyPr spcFirstLastPara="1" wrap="square" lIns="91425" tIns="91425" rIns="91425" bIns="91425" anchor="t" anchorCtr="0">
-            <a:noAutofit/>
-          </a:bodyPr>
-          <a:lstStyle/>
-          <a:p>
-            <a:pPr marL="0" lvl="0" indent="0" algn="l" rtl="0">
-              <a:spcBef>
-                <a:spcPts val="0"/>
-              </a:spcBef>
-              <a:spcAft>
-                <a:spcPts val="1600"/>
-              </a:spcAft>
-              <a:buNone/>
-            </a:pPr>
-            <a:endParaRPr/>
           </a:p>
         </p:txBody>
       </p:sp>
@@ -19989,6 +20051,10 @@
               </a:rPr>
               <a:t>OUTLINE</a:t>
             </a:r>
+            <a:endParaRPr lang="en-US">
+              <a:latin typeface="Georgia" panose="02040502050405020303" charset="0"/>
+              <a:cs typeface="Georgia" panose="02040502050405020303" charset="0"/>
+            </a:endParaRPr>
           </a:p>
         </p:txBody>
       </p:sp>
@@ -20037,6 +20103,10 @@
               </a:rPr>
               <a:t>INTRODUCTION</a:t>
             </a:r>
+            <a:endParaRPr lang="en-US">
+              <a:latin typeface="Georgia" panose="02040502050405020303" charset="0"/>
+              <a:cs typeface="Georgia" panose="02040502050405020303" charset="0"/>
+            </a:endParaRPr>
           </a:p>
           <a:p>
             <a:pPr marL="400050" lvl="0" indent="-400050" algn="l" rtl="0">
@@ -20059,6 +20129,10 @@
               </a:rPr>
               <a:t>MOTIVATION</a:t>
             </a:r>
+            <a:endParaRPr lang="en-US">
+              <a:latin typeface="Georgia" panose="02040502050405020303" charset="0"/>
+              <a:cs typeface="Georgia" panose="02040502050405020303" charset="0"/>
+            </a:endParaRPr>
           </a:p>
           <a:p>
             <a:pPr marL="400050" lvl="0" indent="-400050" algn="l" rtl="0">
@@ -20081,6 +20155,10 @@
               </a:rPr>
               <a:t>PROBLEM STATEMENT</a:t>
             </a:r>
+            <a:endParaRPr lang="en-US">
+              <a:latin typeface="Georgia" panose="02040502050405020303" charset="0"/>
+              <a:cs typeface="Georgia" panose="02040502050405020303" charset="0"/>
+            </a:endParaRPr>
           </a:p>
           <a:p>
             <a:pPr marL="400050" lvl="0" indent="-400050" algn="l" rtl="0">
@@ -20103,6 +20181,10 @@
               </a:rPr>
               <a:t>OBJECTIVES</a:t>
             </a:r>
+            <a:endParaRPr lang="en-US">
+              <a:latin typeface="Georgia" panose="02040502050405020303" charset="0"/>
+              <a:cs typeface="Georgia" panose="02040502050405020303" charset="0"/>
+            </a:endParaRPr>
           </a:p>
           <a:p>
             <a:pPr marL="400050" lvl="0" indent="-400050" algn="l" rtl="0">
@@ -20125,6 +20207,10 @@
               </a:rPr>
               <a:t>LITERATURE SURVEY</a:t>
             </a:r>
+            <a:endParaRPr lang="en-US">
+              <a:latin typeface="Georgia" panose="02040502050405020303" charset="0"/>
+              <a:cs typeface="Georgia" panose="02040502050405020303" charset="0"/>
+            </a:endParaRPr>
           </a:p>
           <a:p>
             <a:pPr marL="400050" lvl="0" indent="-400050" algn="l" rtl="0">
@@ -20147,6 +20233,10 @@
               </a:rPr>
               <a:t>PROPOSED METHODOLOGY</a:t>
             </a:r>
+            <a:endParaRPr lang="en-US">
+              <a:latin typeface="Georgia" panose="02040502050405020303" charset="0"/>
+              <a:cs typeface="Georgia" panose="02040502050405020303" charset="0"/>
+            </a:endParaRPr>
           </a:p>
           <a:p>
             <a:pPr marL="400050" lvl="0" indent="-400050" algn="l" rtl="0">
@@ -20169,6 +20259,10 @@
               </a:rPr>
               <a:t>REQUIREMENT ANALYSIS</a:t>
             </a:r>
+            <a:endParaRPr lang="en-US">
+              <a:latin typeface="Georgia" panose="02040502050405020303" charset="0"/>
+              <a:cs typeface="Georgia" panose="02040502050405020303" charset="0"/>
+            </a:endParaRPr>
           </a:p>
           <a:p>
             <a:pPr marL="400050" lvl="0" indent="-400050" algn="l" rtl="0">
@@ -20191,6 +20285,10 @@
               </a:rPr>
               <a:t>REFERENCES</a:t>
             </a:r>
+            <a:endParaRPr lang="en-US">
+              <a:latin typeface="Georgia" panose="02040502050405020303" charset="0"/>
+              <a:cs typeface="Georgia" panose="02040502050405020303" charset="0"/>
+            </a:endParaRPr>
           </a:p>
         </p:txBody>
       </p:sp>
@@ -20203,6 +20301,105 @@
 </file>
 
 <file path=ppt/slides/slide20.xml><?xml version="1.0" encoding="utf-8"?>
+<p:sld xmlns:a="http://schemas.openxmlformats.org/drawingml/2006/main" xmlns:r="http://schemas.openxmlformats.org/officeDocument/2006/relationships" xmlns:p="http://schemas.openxmlformats.org/presentationml/2006/main">
+  <p:cSld>
+    <p:spTree>
+      <p:nvGrpSpPr>
+        <p:cNvPr id="1" name="Shape 372"/>
+        <p:cNvGrpSpPr/>
+        <p:nvPr/>
+      </p:nvGrpSpPr>
+      <p:grpSpPr>
+        <a:xfrm>
+          <a:off x="0" y="0"/>
+          <a:ext cx="0" cy="0"/>
+          <a:chOff x="0" y="0"/>
+          <a:chExt cx="0" cy="0"/>
+        </a:xfrm>
+      </p:grpSpPr>
+      <p:sp>
+        <p:nvSpPr>
+          <p:cNvPr id="373" name="Google Shape;373;p29"/>
+          <p:cNvSpPr txBox="1">
+            <a:spLocks noGrp="1"/>
+          </p:cNvSpPr>
+          <p:nvPr>
+            <p:ph type="title"/>
+          </p:nvPr>
+        </p:nvSpPr>
+        <p:spPr>
+          <a:xfrm>
+            <a:off x="1303800" y="598575"/>
+            <a:ext cx="7030500" cy="999300"/>
+          </a:xfrm>
+          <a:prstGeom prst="rect">
+            <a:avLst/>
+          </a:prstGeom>
+        </p:spPr>
+        <p:txBody>
+          <a:bodyPr spcFirstLastPara="1" wrap="square" lIns="91425" tIns="91425" rIns="91425" bIns="91425" anchor="t" anchorCtr="0">
+            <a:noAutofit/>
+          </a:bodyPr>
+          <a:lstStyle/>
+          <a:p>
+            <a:pPr marL="0" lvl="0" indent="0" algn="l" rtl="0">
+              <a:spcBef>
+                <a:spcPts val="0"/>
+              </a:spcBef>
+              <a:spcAft>
+                <a:spcPts val="0"/>
+              </a:spcAft>
+              <a:buNone/>
+            </a:pPr>
+          </a:p>
+        </p:txBody>
+      </p:sp>
+      <p:sp>
+        <p:nvSpPr>
+          <p:cNvPr id="374" name="Google Shape;374;p29"/>
+          <p:cNvSpPr txBox="1">
+            <a:spLocks noGrp="1"/>
+          </p:cNvSpPr>
+          <p:nvPr>
+            <p:ph type="body" idx="1"/>
+          </p:nvPr>
+        </p:nvSpPr>
+        <p:spPr>
+          <a:xfrm>
+            <a:off x="1303800" y="1990050"/>
+            <a:ext cx="7030500" cy="2541600"/>
+          </a:xfrm>
+          <a:prstGeom prst="rect">
+            <a:avLst/>
+          </a:prstGeom>
+        </p:spPr>
+        <p:txBody>
+          <a:bodyPr spcFirstLastPara="1" wrap="square" lIns="91425" tIns="91425" rIns="91425" bIns="91425" anchor="t" anchorCtr="0">
+            <a:noAutofit/>
+          </a:bodyPr>
+          <a:lstStyle/>
+          <a:p>
+            <a:pPr marL="0" lvl="0" indent="0" algn="l" rtl="0">
+              <a:spcBef>
+                <a:spcPts val="0"/>
+              </a:spcBef>
+              <a:spcAft>
+                <a:spcPts val="1600"/>
+              </a:spcAft>
+              <a:buNone/>
+            </a:pPr>
+          </a:p>
+        </p:txBody>
+      </p:sp>
+    </p:spTree>
+  </p:cSld>
+  <p:clrMapOvr>
+    <a:masterClrMapping/>
+  </p:clrMapOvr>
+</p:sld>
+</file>
+
+<file path=ppt/slides/slide21.xml><?xml version="1.0" encoding="utf-8"?>
 <p:sld xmlns:a="http://schemas.openxmlformats.org/drawingml/2006/main" xmlns:r="http://schemas.openxmlformats.org/officeDocument/2006/relationships" xmlns:p="http://schemas.openxmlformats.org/presentationml/2006/main">
   <p:cSld>
     <p:spTree>
@@ -20253,7 +20450,6 @@
               </a:spcAft>
               <a:buNone/>
             </a:pPr>
-            <a:endParaRPr/>
           </a:p>
         </p:txBody>
       </p:sp>
@@ -20291,7 +20487,6 @@
               </a:spcAft>
               <a:buNone/>
             </a:pPr>
-            <a:endParaRPr/>
           </a:p>
         </p:txBody>
       </p:sp>
@@ -20303,7 +20498,7 @@
 </p:sld>
 </file>
 
-<file path=ppt/slides/slide21.xml><?xml version="1.0" encoding="utf-8"?>
+<file path=ppt/slides/slide22.xml><?xml version="1.0" encoding="utf-8"?>
 <p:sld xmlns:a="http://schemas.openxmlformats.org/drawingml/2006/main" xmlns:r="http://schemas.openxmlformats.org/officeDocument/2006/relationships" xmlns:p="http://schemas.openxmlformats.org/presentationml/2006/main">
   <p:cSld>
     <p:spTree>
@@ -20354,7 +20549,6 @@
               </a:spcAft>
               <a:buNone/>
             </a:pPr>
-            <a:endParaRPr/>
           </a:p>
         </p:txBody>
       </p:sp>
@@ -20392,7 +20586,6 @@
               </a:spcAft>
               <a:buNone/>
             </a:pPr>
-            <a:endParaRPr/>
           </a:p>
         </p:txBody>
       </p:sp>
@@ -20404,7 +20597,7 @@
 </p:sld>
 </file>
 
-<file path=ppt/slides/slide22.xml><?xml version="1.0" encoding="utf-8"?>
+<file path=ppt/slides/slide23.xml><?xml version="1.0" encoding="utf-8"?>
 <p:sld xmlns:a="http://schemas.openxmlformats.org/drawingml/2006/main" xmlns:r="http://schemas.openxmlformats.org/officeDocument/2006/relationships" xmlns:p="http://schemas.openxmlformats.org/presentationml/2006/main">
   <p:cSld>
     <p:spTree>
@@ -20455,7 +20648,6 @@
               </a:spcAft>
               <a:buNone/>
             </a:pPr>
-            <a:endParaRPr/>
           </a:p>
         </p:txBody>
       </p:sp>
@@ -20493,7 +20685,6 @@
               </a:spcAft>
               <a:buNone/>
             </a:pPr>
-            <a:endParaRPr/>
           </a:p>
         </p:txBody>
       </p:sp>
@@ -20505,7 +20696,7 @@
 </p:sld>
 </file>
 
-<file path=ppt/slides/slide23.xml><?xml version="1.0" encoding="utf-8"?>
+<file path=ppt/slides/slide24.xml><?xml version="1.0" encoding="utf-8"?>
 <p:sld xmlns:a="http://schemas.openxmlformats.org/drawingml/2006/main" xmlns:r="http://schemas.openxmlformats.org/officeDocument/2006/relationships" xmlns:p="http://schemas.openxmlformats.org/presentationml/2006/main">
   <p:cSld>
     <p:spTree>
@@ -20556,7 +20747,6 @@
               </a:spcAft>
               <a:buNone/>
             </a:pPr>
-            <a:endParaRPr/>
           </a:p>
         </p:txBody>
       </p:sp>
@@ -20594,7 +20784,6 @@
               </a:spcAft>
               <a:buNone/>
             </a:pPr>
-            <a:endParaRPr/>
           </a:p>
         </p:txBody>
       </p:sp>
@@ -20667,6 +20856,13 @@
               </a:rPr>
               <a:t>INTRODUCTION</a:t>
             </a:r>
+            <a:endParaRPr lang="en-US">
+              <a:solidFill>
+                <a:schemeClr val="bg2"/>
+              </a:solidFill>
+              <a:latin typeface="Georgia" panose="02040502050405020303" charset="0"/>
+              <a:cs typeface="Georgia" panose="02040502050405020303" charset="0"/>
+            </a:endParaRPr>
           </a:p>
         </p:txBody>
       </p:sp>
@@ -20711,6 +20907,10 @@
               </a:rPr>
               <a:t>“Memes” are cultural inside jokes, a way of connecting with people across internet through instantly recognizable photos. They collect emotions, ideas and actions into an easy-to-translate format.</a:t>
             </a:r>
+            <a:endParaRPr lang="en-US">
+              <a:latin typeface="Georgia" panose="02040502050405020303" charset="0"/>
+              <a:cs typeface="Georgia" panose="02040502050405020303" charset="0"/>
+            </a:endParaRPr>
           </a:p>
           <a:p>
             <a:pPr marL="0" lvl="0" indent="0" algn="l" rtl="0">
@@ -20736,6 +20936,10 @@
               </a:rPr>
               <a:t> : Besides reflecting humour ,the rise of memes has shown to be having a harmful  effect  on an individual as well as  political, religional , communal sectors of society.  </a:t>
             </a:r>
+            <a:endParaRPr lang="en-US">
+              <a:latin typeface="Georgia" panose="02040502050405020303" charset="0"/>
+              <a:cs typeface="Georgia" panose="02040502050405020303" charset="0"/>
+            </a:endParaRPr>
           </a:p>
           <a:p>
             <a:pPr marL="0" lvl="0" indent="0" algn="l" rtl="0">
@@ -20861,6 +21065,10 @@
               </a:rPr>
               <a:t>: Interpretation of memes using multimodal models .</a:t>
             </a:r>
+            <a:endParaRPr lang="en-US">
+              <a:latin typeface="Georgia" panose="02040502050405020303" charset="0"/>
+              <a:cs typeface="Georgia" panose="02040502050405020303" charset="0"/>
+            </a:endParaRPr>
           </a:p>
           <a:p>
             <a:pPr marL="0" lvl="0" indent="0" algn="l" rtl="0">
@@ -20960,6 +21168,10 @@
               </a:rPr>
               <a:t>MOTIVATION</a:t>
             </a:r>
+            <a:endParaRPr lang="en-US">
+              <a:latin typeface="Georgia" panose="02040502050405020303" charset="0"/>
+              <a:cs typeface="Georgia" panose="02040502050405020303" charset="0"/>
+            </a:endParaRPr>
           </a:p>
         </p:txBody>
       </p:sp>
@@ -20972,7 +21184,7 @@
           <p:nvPr/>
         </p:nvPicPr>
         <p:blipFill>
-          <a:blip r:embed="rId3"/>
+          <a:blip r:embed="rId1"/>
           <a:stretch>
             <a:fillRect/>
           </a:stretch>
@@ -20996,7 +21208,7 @@
           <p:nvPr/>
         </p:nvPicPr>
         <p:blipFill>
-          <a:blip r:embed="rId4"/>
+          <a:blip r:embed="rId2"/>
           <a:stretch>
             <a:fillRect/>
           </a:stretch>
@@ -21020,7 +21232,7 @@
           <p:nvPr/>
         </p:nvPicPr>
         <p:blipFill>
-          <a:blip r:embed="rId5"/>
+          <a:blip r:embed="rId3"/>
           <a:stretch>
             <a:fillRect/>
           </a:stretch>
@@ -21240,6 +21452,10 @@
               </a:rPr>
               <a:t>them.</a:t>
             </a:r>
+            <a:endParaRPr lang="en-US" sz="1600">
+              <a:latin typeface="Georgia" panose="02040502050405020303" charset="0"/>
+              <a:cs typeface="Georgia" panose="02040502050405020303" charset="0"/>
+            </a:endParaRPr>
           </a:p>
           <a:p>
             <a:pPr marL="0" lvl="0" indent="0" algn="l" rtl="0">
@@ -21258,6 +21474,10 @@
               </a:rPr>
               <a:t>			</a:t>
             </a:r>
+            <a:endParaRPr lang="en-US">
+              <a:latin typeface="Georgia" panose="02040502050405020303" charset="0"/>
+              <a:cs typeface="Georgia" panose="02040502050405020303" charset="0"/>
+            </a:endParaRPr>
           </a:p>
         </p:txBody>
       </p:sp>
@@ -21290,6 +21510,10 @@
               </a:rPr>
               <a:t>Input</a:t>
             </a:r>
+            <a:endParaRPr lang="en-US">
+              <a:latin typeface="Georgia" panose="02040502050405020303" charset="0"/>
+              <a:cs typeface="Georgia" panose="02040502050405020303" charset="0"/>
+            </a:endParaRPr>
           </a:p>
         </p:txBody>
       </p:sp>
@@ -21322,6 +21546,10 @@
               </a:rPr>
               <a:t>Output</a:t>
             </a:r>
+            <a:endParaRPr lang="en-US">
+              <a:latin typeface="Georgia" panose="02040502050405020303" charset="0"/>
+              <a:cs typeface="Georgia" panose="02040502050405020303" charset="0"/>
+            </a:endParaRPr>
           </a:p>
         </p:txBody>
       </p:sp>
@@ -21354,6 +21582,10 @@
               </a:rPr>
               <a:t>Hateful(1)</a:t>
             </a:r>
+            <a:endParaRPr lang="en-US">
+              <a:latin typeface="Georgia" panose="02040502050405020303" charset="0"/>
+              <a:cs typeface="Georgia" panose="02040502050405020303" charset="0"/>
+            </a:endParaRPr>
           </a:p>
         </p:txBody>
       </p:sp>
@@ -21383,6 +21615,7 @@
               <a:rPr lang="en-US"/>
               <a:t>Non Hateful(0)</a:t>
             </a:r>
+            <a:endParaRPr lang="en-US"/>
           </a:p>
         </p:txBody>
       </p:sp>
@@ -21395,7 +21628,7 @@
           <p:nvPr/>
         </p:nvPicPr>
         <p:blipFill>
-          <a:blip r:embed="rId3"/>
+          <a:blip r:embed="rId1"/>
           <a:stretch>
             <a:fillRect/>
           </a:stretch>
@@ -21419,7 +21652,7 @@
           <p:nvPr/>
         </p:nvPicPr>
         <p:blipFill>
-          <a:blip r:embed="rId4"/>
+          <a:blip r:embed="rId2"/>
           <a:stretch>
             <a:fillRect/>
           </a:stretch>
@@ -21643,6 +21876,10 @@
               </a:rPr>
               <a:t>To generate embeddings of image and text .</a:t>
             </a:r>
+            <a:endParaRPr lang="en-US">
+              <a:latin typeface="Georgia" panose="02040502050405020303" charset="0"/>
+              <a:cs typeface="Georgia" panose="02040502050405020303" charset="0"/>
+            </a:endParaRPr>
           </a:p>
           <a:p>
             <a:pPr marL="342900" lvl="0" indent="-342900" algn="l" rtl="0">
@@ -21662,6 +21899,10 @@
               </a:rPr>
               <a:t>To fuse the text and image embeddings and build a classifier. </a:t>
             </a:r>
+            <a:endParaRPr lang="en-US">
+              <a:latin typeface="Georgia" panose="02040502050405020303" charset="0"/>
+              <a:cs typeface="Georgia" panose="02040502050405020303" charset="0"/>
+            </a:endParaRPr>
           </a:p>
           <a:p>
             <a:pPr marL="342900" lvl="0" indent="-342900" algn="l" rtl="0">
@@ -21681,6 +21922,10 @@
               </a:rPr>
               <a:t>To evaluate the performace of the multimodal model using AUC ROC.</a:t>
             </a:r>
+            <a:endParaRPr lang="en-US">
+              <a:latin typeface="Georgia" panose="02040502050405020303" charset="0"/>
+              <a:cs typeface="Georgia" panose="02040502050405020303" charset="0"/>
+            </a:endParaRPr>
           </a:p>
           <a:p>
             <a:pPr marL="342900" lvl="0" indent="-342900" algn="l" rtl="0">
@@ -21926,6 +22171,16 @@
               </a:rPr>
               <a:t>Data Processing </a:t>
             </a:r>
+            <a:endParaRPr kumimoji="0" lang="en-US" sz="1800" b="0" i="0" u="none" strike="noStrike" kern="1200" cap="none" spc="0" normalizeH="0" baseline="0" noProof="1">
+              <a:solidFill>
+                <a:schemeClr val="bg2">
+                  <a:lumMod val="50000"/>
+                </a:schemeClr>
+              </a:solidFill>
+              <a:latin typeface="Georgia" panose="02040502050405020303" charset="0"/>
+              <a:ea typeface="+mn-ea"/>
+              <a:cs typeface="Georgia" panose="02040502050405020303" charset="0"/>
+            </a:endParaRPr>
           </a:p>
           <a:p>
             <a:pPr marL="342900" marR="0" indent="-342900" algn="l" defTabSz="914400" rtl="0" eaLnBrk="1" fontAlgn="base" latinLnBrk="0" hangingPunct="1">
@@ -21996,6 +22251,16 @@
               </a:rPr>
               <a:t>Image Embedding: MobileNetV2 </a:t>
             </a:r>
+            <a:endParaRPr kumimoji="0" lang="en-US" sz="1800" b="0" i="0" u="none" strike="noStrike" kern="1200" cap="none" spc="0" normalizeH="0" baseline="0" noProof="1">
+              <a:solidFill>
+                <a:schemeClr val="bg2">
+                  <a:lumMod val="50000"/>
+                </a:schemeClr>
+              </a:solidFill>
+              <a:latin typeface="Georgia" panose="02040502050405020303" charset="0"/>
+              <a:ea typeface="+mn-ea"/>
+              <a:cs typeface="Georgia" panose="02040502050405020303" charset="0"/>
+            </a:endParaRPr>
           </a:p>
           <a:p>
             <a:pPr marL="342900" marR="0" indent="-342900" algn="l" defTabSz="914400" rtl="0" eaLnBrk="1" fontAlgn="base" latinLnBrk="0" hangingPunct="1">
@@ -22066,6 +22331,16 @@
               </a:rPr>
               <a:t>Decoder</a:t>
             </a:r>
+            <a:endParaRPr kumimoji="0" lang="en-US" sz="1800" b="0" i="0" u="none" strike="noStrike" kern="1200" cap="none" spc="0" normalizeH="0" baseline="0" noProof="1">
+              <a:solidFill>
+                <a:schemeClr val="bg2">
+                  <a:lumMod val="50000"/>
+                </a:schemeClr>
+              </a:solidFill>
+              <a:latin typeface="Georgia" panose="02040502050405020303" charset="0"/>
+              <a:ea typeface="+mn-ea"/>
+              <a:cs typeface="Georgia" panose="02040502050405020303" charset="0"/>
+            </a:endParaRPr>
           </a:p>
           <a:p>
             <a:pPr marL="0" marR="0" indent="0" algn="l" defTabSz="914400" rtl="0" eaLnBrk="1" fontAlgn="base" latinLnBrk="0" hangingPunct="1">
@@ -22154,6 +22429,9 @@
               </a:rPr>
               <a:t>Varun Bohara</a:t>
             </a:r>
+            <a:endParaRPr lang="en-US" altLang="zh-CN">
+              <a:latin typeface="Cambria" panose="02040503050406030204" charset="0"/>
+            </a:endParaRPr>
           </a:p>
         </p:txBody>
       </p:sp>
@@ -22168,7 +22446,7 @@
           </p:nvPr>
         </p:nvPicPr>
         <p:blipFill>
-          <a:blip r:embed="rId3">
+          <a:blip r:embed="rId1">
             <a:clrChange>
               <a:clrFrom>
                 <a:srgbClr val="FFFFFF">
@@ -22218,202 +22496,218 @@
         <p:cNvGrpSpPr/>
         <p:nvPr/>
       </p:nvGrpSpPr>
-      <p:grpSpPr>
-        <a:xfrm>
-          <a:off x="0" y="0"/>
-          <a:ext cx="0" cy="0"/>
-          <a:chOff x="0" y="0"/>
-          <a:chExt cx="0" cy="0"/>
-        </a:xfrm>
-      </p:grpSpPr>
+      <p:grpSpPr/>
       <p:sp>
         <p:nvSpPr>
-          <p:cNvPr id="3" name="Content Placeholder 2">
-            <a:extLst>
-              <a:ext uri="{FF2B5EF4-FFF2-40B4-BE49-F238E27FC236}">
-                <a16:creationId xmlns:a16="http://schemas.microsoft.com/office/drawing/2014/main" id="{686C24D2-EADB-4067-915C-F2FC845788B7}"/>
-              </a:ext>
-            </a:extLst>
-          </p:cNvPr>
+          <p:cNvPr id="2" name="Title 1"/>
           <p:cNvSpPr>
             <a:spLocks noGrp="1"/>
           </p:cNvSpPr>
           <p:nvPr>
-            <p:ph idx="1"/>
+            <p:ph type="title"/>
           </p:nvPr>
         </p:nvSpPr>
-        <p:spPr>
-          <a:xfrm>
-            <a:off x="144254" y="305074"/>
-            <a:ext cx="8833339" cy="4825502"/>
-          </a:xfrm>
-        </p:spPr>
+        <p:spPr/>
         <p:txBody>
-          <a:bodyPr>
-            <a:normAutofit/>
-          </a:bodyPr>
-          <a:lstStyle/>
+          <a:bodyPr/>
           <a:p>
-            <a:pPr marL="146050" indent="0">
-              <a:buNone/>
-            </a:pPr>
+            <a:pPr algn="ctr"/>
             <a:r>
-              <a:rPr lang="en-US" sz="1800" b="1" u="sng" dirty="0"/>
-              <a:t>Exploring Hate Speech Detection in Multimodal Publications ( WACV, 2020) </a:t>
+              <a:rPr lang="en-US" sz="2400" dirty="0">
+                <a:latin typeface="Georgia" panose="02040502050405020303" charset="0"/>
+                <a:cs typeface="Georgia" panose="02040502050405020303" charset="0"/>
+                <a:sym typeface="+mn-ea"/>
+              </a:rPr>
+              <a:t>Multimodal Meme Dataset (MultiOFF) for Identifying Offensive Content in Image and Text</a:t>
             </a:r>
+            <a:br>
+              <a:rPr lang="en-US" sz="1400" dirty="0">
+                <a:latin typeface="Agency FB" panose="020B0503020202020204" charset="0"/>
+                <a:cs typeface="Agency FB" panose="020B0503020202020204" charset="0"/>
+                <a:sym typeface="+mn-ea"/>
+              </a:rPr>
+            </a:br>
             <a:r>
-              <a:rPr lang="en-US" sz="1800" b="1" dirty="0"/>
-              <a:t>[1]</a:t>
+              <a:rPr lang="en-US" sz="1200" b="0" dirty="0">
+                <a:latin typeface="Georgia" panose="02040502050405020303" charset="0"/>
+                <a:cs typeface="Georgia" panose="02040502050405020303" charset="0"/>
+                <a:sym typeface="+mn-ea"/>
+              </a:rPr>
+              <a:t>Shardul Suryawanshi, Bharathi Raja Chakravarthi,</a:t>
             </a:r>
-            <a:endParaRPr lang="en-IN" sz="1400" b="1" dirty="0"/>
-          </a:p>
-          <a:p>
+            <a:br>
+              <a:rPr lang="en-US" sz="1200" b="0" dirty="0">
+                <a:latin typeface="Georgia" panose="02040502050405020303" charset="0"/>
+                <a:cs typeface="Georgia" panose="02040502050405020303" charset="0"/>
+                <a:sym typeface="+mn-ea"/>
+              </a:rPr>
+            </a:br>
             <a:r>
-              <a:rPr lang="en-IN" sz="1500" dirty="0"/>
-              <a:t>TKM</a:t>
+              <a:rPr lang="en-US" sz="1200" b="0" dirty="0">
+                <a:latin typeface="Georgia" panose="02040502050405020303" charset="0"/>
+                <a:cs typeface="Georgia" panose="02040502050405020303" charset="0"/>
+                <a:sym typeface="+mn-ea"/>
+              </a:rPr>
+              <a:t>Mihael Arcan, Paul Buitelaar</a:t>
             </a:r>
-            <a:r>
-              <a:rPr lang="en-IN" sz="1200" dirty="0"/>
-              <a:t>( Textual Kernels Model ): </a:t>
-            </a:r>
-          </a:p>
-          <a:p>
-            <a:pPr marL="146050" indent="0">
-              <a:buNone/>
-            </a:pPr>
-            <a:endParaRPr lang="en-IN" sz="1200" dirty="0"/>
+            <a:br>
+              <a:rPr lang="en-US" sz="1200" b="0" u="sng" dirty="0">
+                <a:latin typeface="Georgia" panose="02040502050405020303" charset="0"/>
+                <a:cs typeface="Georgia" panose="02040502050405020303" charset="0"/>
+                <a:sym typeface="+mn-ea"/>
+              </a:rPr>
+            </a:br>
+            <a:endParaRPr lang="en-US" sz="1200" b="0" u="sng" dirty="0">
+              <a:latin typeface="Georgia" panose="02040502050405020303" charset="0"/>
+              <a:cs typeface="Georgia" panose="02040502050405020303" charset="0"/>
+              <a:sym typeface="+mn-ea"/>
+            </a:endParaRPr>
           </a:p>
         </p:txBody>
       </p:sp>
       <p:sp>
         <p:nvSpPr>
-          <p:cNvPr id="4" name="Slide Number Placeholder 3">
-            <a:extLst>
-              <a:ext uri="{FF2B5EF4-FFF2-40B4-BE49-F238E27FC236}">
-                <a16:creationId xmlns:a16="http://schemas.microsoft.com/office/drawing/2014/main" id="{B0CEB6EC-DBAD-466D-9E68-CD1D600D35F3}"/>
-              </a:ext>
-            </a:extLst>
-          </p:cNvPr>
+          <p:cNvPr id="4" name="Content Placeholder 3"/>
           <p:cNvSpPr>
             <a:spLocks noGrp="1"/>
           </p:cNvSpPr>
           <p:nvPr>
-            <p:ph type="sldNum" sz="quarter" idx="12"/>
+            <p:ph sz="half" idx="2"/>
           </p:nvPr>
         </p:nvSpPr>
-        <p:spPr/>
+        <p:spPr>
+          <a:xfrm>
+            <a:off x="5385435" y="3080385"/>
+            <a:ext cx="3500120" cy="977900"/>
+          </a:xfrm>
+        </p:spPr>
         <p:txBody>
           <a:bodyPr/>
-          <a:lstStyle/>
           <a:p>
-            <a:fld id="{7870A25B-082D-42BE-9910-664729240837}" type="slidenum">
-              <a:rPr lang="en-IN" smtClean="0"/>
-              <a:t>9</a:t>
-            </a:fld>
-            <a:endParaRPr lang="en-IN" dirty="0"/>
+            <a:pPr marL="285750" indent="-285750" algn="l">
+              <a:buFont typeface="Wingdings" panose="05000000000000000000" charset="0"/>
+              <a:buChar char="ü"/>
+            </a:pPr>
+            <a:r>
+              <a:rPr lang="en-IN" altLang="en-US" sz="1800">
+                <a:latin typeface="Georgia" panose="02040502050405020303" charset="0"/>
+                <a:cs typeface="Georgia" panose="02040502050405020303" charset="0"/>
+                <a:sym typeface="+mn-ea"/>
+              </a:rPr>
+              <a:t>Text Embedding : LSTM</a:t>
+            </a:r>
+            <a:endParaRPr lang="en-IN" altLang="en-US" sz="1800">
+              <a:latin typeface="Georgia" panose="02040502050405020303" charset="0"/>
+              <a:cs typeface="Georgia" panose="02040502050405020303" charset="0"/>
+              <a:sym typeface="+mn-ea"/>
+            </a:endParaRPr>
+          </a:p>
+          <a:p>
+            <a:pPr marL="285750" indent="-285750" algn="l">
+              <a:buFont typeface="Wingdings" panose="05000000000000000000" charset="0"/>
+              <a:buChar char="ü"/>
+            </a:pPr>
+            <a:r>
+              <a:rPr lang="en-IN" altLang="en-US" sz="1800">
+                <a:latin typeface="Georgia" panose="02040502050405020303" charset="0"/>
+                <a:cs typeface="Georgia" panose="02040502050405020303" charset="0"/>
+                <a:sym typeface="+mn-ea"/>
+              </a:rPr>
+              <a:t>Image Embedding : VGG16</a:t>
+            </a:r>
+            <a:endParaRPr lang="en-IN" altLang="en-US" sz="1800">
+              <a:latin typeface="Georgia" panose="02040502050405020303" charset="0"/>
+              <a:cs typeface="Georgia" panose="02040502050405020303" charset="0"/>
+              <a:sym typeface="+mn-ea"/>
+            </a:endParaRPr>
+          </a:p>
+          <a:p>
+            <a:pPr marL="285750" indent="-285750" algn="l">
+              <a:buFont typeface="Wingdings" panose="05000000000000000000" charset="0"/>
+              <a:buChar char="ü"/>
+            </a:pPr>
+            <a:r>
+              <a:rPr lang="en-IN" altLang="en-US" sz="1800">
+                <a:latin typeface="Georgia" panose="02040502050405020303" charset="0"/>
+                <a:cs typeface="Georgia" panose="02040502050405020303" charset="0"/>
+                <a:sym typeface="+mn-ea"/>
+              </a:rPr>
+              <a:t>Early Fusion Method </a:t>
+            </a:r>
+            <a:endParaRPr lang="en-IN" altLang="en-US" sz="1800">
+              <a:latin typeface="Georgia" panose="02040502050405020303" charset="0"/>
+              <a:cs typeface="Georgia" panose="02040502050405020303" charset="0"/>
+            </a:endParaRPr>
+          </a:p>
+          <a:p>
+            <a:pPr marL="285750" indent="-285750" algn="l">
+              <a:buFont typeface="Wingdings" panose="05000000000000000000" charset="0"/>
+              <a:buChar char="ü"/>
+            </a:pPr>
+            <a:endParaRPr lang="en-IN" altLang="en-US" sz="1800">
+              <a:latin typeface="Georgia" panose="02040502050405020303" charset="0"/>
+              <a:cs typeface="Georgia" panose="02040502050405020303" charset="0"/>
+              <a:sym typeface="+mn-ea"/>
+            </a:endParaRPr>
+          </a:p>
+          <a:p>
+            <a:pPr marL="457200" indent="-457200" algn="l">
+              <a:buFont typeface="Arial" panose="020B0604020202020204" pitchFamily="34" charset="0"/>
+              <a:buChar char="•"/>
+            </a:pPr>
+            <a:endParaRPr lang="en-IN" altLang="en-US">
+              <a:latin typeface="Georgia" panose="02040502050405020303" charset="0"/>
+              <a:cs typeface="Georgia" panose="02040502050405020303" charset="0"/>
+            </a:endParaRPr>
+          </a:p>
+          <a:p>
+            <a:pPr marL="457200" indent="-457200" algn="l">
+              <a:buFont typeface="Arial" panose="020B0604020202020204" pitchFamily="34" charset="0"/>
+              <a:buChar char="•"/>
+            </a:pPr>
+            <a:endParaRPr lang="en-IN" altLang="en-US">
+              <a:sym typeface="+mn-ea"/>
+            </a:endParaRPr>
+          </a:p>
+          <a:p>
+            <a:pPr marL="457200" indent="-457200" algn="l">
+              <a:buFont typeface="Arial" panose="020B0604020202020204" pitchFamily="34" charset="0"/>
+              <a:buChar char="•"/>
+            </a:pPr>
+            <a:endParaRPr lang="en-IN" altLang="en-US"/>
+          </a:p>
+          <a:p>
+            <a:endParaRPr lang="en-US"/>
           </a:p>
         </p:txBody>
       </p:sp>
       <p:pic>
         <p:nvPicPr>
-          <p:cNvPr id="6" name="Picture 5">
-            <a:extLst>
-              <a:ext uri="{FF2B5EF4-FFF2-40B4-BE49-F238E27FC236}">
-                <a16:creationId xmlns:a16="http://schemas.microsoft.com/office/drawing/2014/main" id="{3B704845-4C44-48CD-A781-797F6BEAE2FD}"/>
-              </a:ext>
-            </a:extLst>
-          </p:cNvPr>
+          <p:cNvPr id="5" name="Content Placeholder 4" descr="Screenshot (54)"/>
           <p:cNvPicPr>
             <a:picLocks noChangeAspect="1"/>
           </p:cNvPicPr>
-          <p:nvPr/>
+          <p:nvPr>
+            <p:ph sz="half" idx="1"/>
+          </p:nvPr>
         </p:nvPicPr>
-        <p:blipFill rotWithShape="1">
-          <a:blip r:embed="rId3">
-            <a:extLst>
-              <a:ext uri="{28A0092B-C50C-407E-A947-70E740481C1C}">
-                <a14:useLocalDpi xmlns:a14="http://schemas.microsoft.com/office/drawing/2010/main" val="0"/>
-              </a:ext>
-            </a:extLst>
-          </a:blip>
-          <a:srcRect l="8653" t="878" r="69" b="616"/>
-          <a:stretch/>
+        <p:blipFill>
+          <a:blip r:embed="rId1"/>
+          <a:stretch>
+            <a:fillRect/>
+          </a:stretch>
         </p:blipFill>
         <p:spPr>
           <a:xfrm>
-            <a:off x="685800" y="967308"/>
-            <a:ext cx="6710846" cy="4067754"/>
+            <a:off x="618490" y="1610360"/>
+            <a:ext cx="4766945" cy="3406140"/>
           </a:xfrm>
           <a:prstGeom prst="rect">
             <a:avLst/>
           </a:prstGeom>
         </p:spPr>
       </p:pic>
-      <p:sp>
-        <p:nvSpPr>
-          <p:cNvPr id="2" name="TextBox 1">
-            <a:extLst>
-              <a:ext uri="{FF2B5EF4-FFF2-40B4-BE49-F238E27FC236}">
-                <a16:creationId xmlns:a16="http://schemas.microsoft.com/office/drawing/2014/main" id="{74152FB4-9459-41A3-81B7-B8654BA4F20B}"/>
-              </a:ext>
-            </a:extLst>
-          </p:cNvPr>
-          <p:cNvSpPr txBox="1"/>
-          <p:nvPr/>
-        </p:nvSpPr>
-        <p:spPr>
-          <a:xfrm>
-            <a:off x="7396646" y="2295476"/>
-            <a:ext cx="1603100" cy="646331"/>
-          </a:xfrm>
-          <a:prstGeom prst="rect">
-            <a:avLst/>
-          </a:prstGeom>
-          <a:noFill/>
-        </p:spPr>
-        <p:txBody>
-          <a:bodyPr wrap="square" rtlCol="0">
-            <a:spAutoFit/>
-          </a:bodyPr>
-          <a:lstStyle/>
-          <a:p>
-            <a:pPr marL="285750" indent="-285750">
-              <a:buFont typeface="Wingdings" panose="05000000000000000000" pitchFamily="2" charset="2"/>
-              <a:buChar char="ü"/>
-            </a:pPr>
-            <a:r>
-              <a:rPr lang="en-IN" sz="1200" dirty="0"/>
-              <a:t>Inception Model</a:t>
-            </a:r>
-          </a:p>
-          <a:p>
-            <a:pPr marL="285750" indent="-285750">
-              <a:buFont typeface="Wingdings" panose="05000000000000000000" pitchFamily="2" charset="2"/>
-              <a:buChar char="ü"/>
-            </a:pPr>
-            <a:r>
-              <a:rPr lang="en-IN" sz="1200" dirty="0"/>
-              <a:t>Kernel </a:t>
-            </a:r>
-          </a:p>
-          <a:p>
-            <a:pPr marL="285750" indent="-285750">
-              <a:buFont typeface="Wingdings" panose="05000000000000000000" pitchFamily="2" charset="2"/>
-              <a:buChar char="ü"/>
-            </a:pPr>
-            <a:r>
-              <a:rPr lang="en-IN" sz="1200" dirty="0"/>
-              <a:t>LSTM Model </a:t>
-            </a:r>
-          </a:p>
-        </p:txBody>
-      </p:sp>
     </p:spTree>
-    <p:extLst>
-      <p:ext uri="{BB962C8B-B14F-4D97-AF65-F5344CB8AC3E}">
-        <p14:creationId xmlns:p14="http://schemas.microsoft.com/office/powerpoint/2010/main" val="2577325244"/>
-      </p:ext>
-    </p:extLst>
   </p:cSld>
   <p:clrMapOvr>
     <a:masterClrMapping/>
@@ -22697,8 +22991,6 @@
       </a:bgFillStyleLst>
     </a:fmtScheme>
   </a:themeElements>
-  <a:objectDefaults/>
-  <a:extraClrSchemeLst/>
   <a:extLst>
     <a:ext uri="{05A4C25C-085E-4340-85A3-A5531E510DB2}">
       <thm15:themeFamily xmlns:thm15="http://schemas.microsoft.com/office/thememl/2012/main" name="Office Theme" id="{62F939B6-93AF-4DB8-9C6B-D6C7DFDC589F}" vid="{4A3C46E8-61CC-4603-A589-7422A47A8E4A}"/>
@@ -22983,8 +23275,6 @@
       </a:bgFillStyleLst>
     </a:fmtScheme>
   </a:themeElements>
-  <a:objectDefaults/>
-  <a:extraClrSchemeLst/>
   <a:extLst>
     <a:ext uri="{05A4C25C-085E-4340-85A3-A5531E510DB2}">
       <thm15:themeFamily xmlns:thm15="http://schemas.microsoft.com/office/thememl/2012/main" name="Office Theme" id="{62F939B6-93AF-4DB8-9C6B-D6C7DFDC589F}" vid="{4A3C46E8-61CC-4603-A589-7422A47A8E4A}"/>

--- a/MINI PROJECT REVIEW.pptx
+++ b/MINI PROJECT REVIEW.pptx
@@ -5,67 +5,63 @@
     <p:sldMasterId id="2147483648" r:id="rId1"/>
   </p:sldMasterIdLst>
   <p:notesMasterIdLst>
-    <p:notesMasterId r:id="rId4"/>
+    <p:notesMasterId r:id="rId26"/>
   </p:notesMasterIdLst>
   <p:sldIdLst>
-    <p:sldId id="256" r:id="rId3"/>
-    <p:sldId id="257" r:id="rId5"/>
-    <p:sldId id="258" r:id="rId6"/>
-    <p:sldId id="259" r:id="rId7"/>
-    <p:sldId id="260" r:id="rId8"/>
-    <p:sldId id="261" r:id="rId9"/>
-    <p:sldId id="262" r:id="rId10"/>
-    <p:sldId id="279" r:id="rId11"/>
-    <p:sldId id="296" r:id="rId12"/>
-    <p:sldId id="281" r:id="rId13"/>
-    <p:sldId id="263" r:id="rId14"/>
-    <p:sldId id="264" r:id="rId15"/>
-    <p:sldId id="265" r:id="rId16"/>
-    <p:sldId id="278" r:id="rId17"/>
-    <p:sldId id="267" r:id="rId18"/>
-    <p:sldId id="268" r:id="rId19"/>
-    <p:sldId id="269" r:id="rId20"/>
-    <p:sldId id="270" r:id="rId21"/>
-    <p:sldId id="271" r:id="rId22"/>
-    <p:sldId id="272" r:id="rId23"/>
-    <p:sldId id="273" r:id="rId24"/>
-    <p:sldId id="274" r:id="rId25"/>
-    <p:sldId id="275" r:id="rId26"/>
-    <p:sldId id="276" r:id="rId27"/>
+    <p:sldId id="256" r:id="rId2"/>
+    <p:sldId id="257" r:id="rId3"/>
+    <p:sldId id="258" r:id="rId4"/>
+    <p:sldId id="259" r:id="rId5"/>
+    <p:sldId id="260" r:id="rId6"/>
+    <p:sldId id="261" r:id="rId7"/>
+    <p:sldId id="262" r:id="rId8"/>
+    <p:sldId id="279" r:id="rId9"/>
+    <p:sldId id="296" r:id="rId10"/>
+    <p:sldId id="281" r:id="rId11"/>
+    <p:sldId id="263" r:id="rId12"/>
+    <p:sldId id="264" r:id="rId13"/>
+    <p:sldId id="265" r:id="rId14"/>
+    <p:sldId id="278" r:id="rId15"/>
+    <p:sldId id="267" r:id="rId16"/>
+    <p:sldId id="268" r:id="rId17"/>
+    <p:sldId id="269" r:id="rId18"/>
+    <p:sldId id="270" r:id="rId19"/>
+    <p:sldId id="271" r:id="rId20"/>
+    <p:sldId id="272" r:id="rId21"/>
+    <p:sldId id="273" r:id="rId22"/>
+    <p:sldId id="274" r:id="rId23"/>
+    <p:sldId id="275" r:id="rId24"/>
+    <p:sldId id="276" r:id="rId25"/>
   </p:sldIdLst>
   <p:sldSz cx="9144000" cy="5143500" type="screen16x9"/>
   <p:notesSz cx="6858000" cy="9144000"/>
   <p:embeddedFontLst>
     <p:embeddedFont>
-      <p:font typeface="SimSun" panose="02010600030101010101" pitchFamily="2" charset="-122"/>
-      <p:regular r:id="rId31"/>
+      <p:font typeface="Agency FB" panose="020B0503020202020204" pitchFamily="34" charset="0"/>
+      <p:regular r:id="rId27"/>
+      <p:bold r:id="rId28"/>
     </p:embeddedFont>
     <p:embeddedFont>
-      <p:font typeface="Maven Pro"/>
-      <p:regular r:id="rId32"/>
+      <p:font typeface="Cambria" panose="02040503050406030204" pitchFamily="18" charset="0"/>
+      <p:regular r:id="rId29"/>
+      <p:bold r:id="rId30"/>
+      <p:italic r:id="rId31"/>
+      <p:boldItalic r:id="rId32"/>
     </p:embeddedFont>
     <p:embeddedFont>
-      <p:font typeface="Nunito" panose="00000500000000000000"/>
+      <p:font typeface="Georgia" panose="02040502050405020303" pitchFamily="18" charset="0"/>
       <p:regular r:id="rId33"/>
+      <p:bold r:id="rId34"/>
+      <p:italic r:id="rId35"/>
+      <p:boldItalic r:id="rId36"/>
     </p:embeddedFont>
     <p:embeddedFont>
-      <p:font typeface="Georgia" panose="02040502050405020303" charset="0"/>
-      <p:regular r:id="rId34"/>
-      <p:bold r:id="rId35"/>
-      <p:italic r:id="rId36"/>
-      <p:boldItalic r:id="rId37"/>
+      <p:font typeface="Maven Pro" panose="020B0604020202020204" charset="0"/>
+      <p:regular r:id="rId37"/>
     </p:embeddedFont>
     <p:embeddedFont>
-      <p:font typeface="Cambria" panose="02040503050406030204" charset="0"/>
+      <p:font typeface="Nunito" panose="020B0604020202020204" charset="0"/>
       <p:regular r:id="rId38"/>
-      <p:bold r:id="rId39"/>
-      <p:italic r:id="rId40"/>
-      <p:boldItalic r:id="rId41"/>
-    </p:embeddedFont>
-    <p:embeddedFont>
-      <p:font typeface="Agency FB" panose="020B0503020202020204" charset="0"/>
-      <p:regular r:id="rId42"/>
-      <p:bold r:id="rId43"/>
     </p:embeddedFont>
   </p:embeddedFontLst>
   <p:defaultTextStyle>
@@ -297,6 +293,22 @@
       </a:defRPr>
     </a:lvl9pPr>
   </p:defaultTextStyle>
+  <p:extLst>
+    <p:ext uri="{EFAFB233-063F-42B5-8137-9DF3F51BA10A}">
+      <p15:sldGuideLst xmlns:p15="http://schemas.microsoft.com/office/powerpoint/2012/main">
+        <p15:guide id="1" orient="horz" pos="1604">
+          <p15:clr>
+            <a:srgbClr val="A4A3A4"/>
+          </p15:clr>
+        </p15:guide>
+        <p15:guide id="2" pos="2828">
+          <p15:clr>
+            <a:srgbClr val="A4A3A4"/>
+          </p15:clr>
+        </p15:guide>
+      </p15:sldGuideLst>
+    </p:ext>
+  </p:extLst>
 </p:presentation>
 </file>
 
@@ -501,7 +513,9 @@
               <a:defRPr sz="1100"/>
             </a:lvl9pPr>
           </a:lstStyle>
-          <a:p/>
+          <a:p>
+            <a:endParaRPr/>
+          </a:p>
         </p:txBody>
       </p:sp>
     </p:spTree>
@@ -740,7 +754,7 @@
 </file>
 
 <file path=ppt/notesSlides/notesSlide1.xml><?xml version="1.0" encoding="utf-8"?>
-<p:notes xmlns:a="http://schemas.openxmlformats.org/drawingml/2006/main" xmlns:r="http://schemas.openxmlformats.org/officeDocument/2006/relationships" xmlns:p="http://schemas.openxmlformats.org/presentationml/2006/main" showMasterPhAnim="0" showMasterSp="0">
+<p:notes xmlns:a="http://schemas.openxmlformats.org/drawingml/2006/main" xmlns:r="http://schemas.openxmlformats.org/officeDocument/2006/relationships" xmlns:p="http://schemas.openxmlformats.org/presentationml/2006/main" showMasterSp="0" showMasterPhAnim="0">
   <p:cSld>
     <p:spTree>
       <p:nvGrpSpPr>
@@ -831,6 +845,7 @@
               </a:spcAft>
               <a:buNone/>
             </a:pPr>
+            <a:endParaRPr/>
           </a:p>
         </p:txBody>
       </p:sp>
@@ -904,7 +919,7 @@
 </file>
 
 <file path=ppt/notesSlides/notesSlide11.xml><?xml version="1.0" encoding="utf-8"?>
-<p:notes xmlns:a="http://schemas.openxmlformats.org/drawingml/2006/main" xmlns:r="http://schemas.openxmlformats.org/officeDocument/2006/relationships" xmlns:p="http://schemas.openxmlformats.org/presentationml/2006/main" showMasterPhAnim="0" showMasterSp="0">
+<p:notes xmlns:a="http://schemas.openxmlformats.org/drawingml/2006/main" xmlns:r="http://schemas.openxmlformats.org/officeDocument/2006/relationships" xmlns:p="http://schemas.openxmlformats.org/presentationml/2006/main" showMasterSp="0" showMasterPhAnim="0">
   <p:cSld>
     <p:spTree>
       <p:nvGrpSpPr>
@@ -932,7 +947,7 @@
         </p:nvSpPr>
         <p:spPr>
           <a:xfrm>
-            <a:off x="381300" y="685800"/>
+            <a:off x="381000" y="685800"/>
             <a:ext cx="6096000" cy="3429000"/>
           </a:xfrm>
           <a:custGeom>
@@ -995,6 +1010,7 @@
               </a:spcAft>
               <a:buNone/>
             </a:pPr>
+            <a:endParaRPr/>
           </a:p>
         </p:txBody>
       </p:sp>
@@ -1007,7 +1023,7 @@
 </file>
 
 <file path=ppt/notesSlides/notesSlide12.xml><?xml version="1.0" encoding="utf-8"?>
-<p:notes xmlns:a="http://schemas.openxmlformats.org/drawingml/2006/main" xmlns:r="http://schemas.openxmlformats.org/officeDocument/2006/relationships" xmlns:p="http://schemas.openxmlformats.org/presentationml/2006/main" showMasterPhAnim="0" showMasterSp="0">
+<p:notes xmlns:a="http://schemas.openxmlformats.org/drawingml/2006/main" xmlns:r="http://schemas.openxmlformats.org/officeDocument/2006/relationships" xmlns:p="http://schemas.openxmlformats.org/presentationml/2006/main" showMasterSp="0" showMasterPhAnim="0">
   <p:cSld>
     <p:spTree>
       <p:nvGrpSpPr>
@@ -1035,7 +1051,7 @@
         </p:nvSpPr>
         <p:spPr>
           <a:xfrm>
-            <a:off x="381300" y="685800"/>
+            <a:off x="381000" y="685800"/>
             <a:ext cx="6096000" cy="3429000"/>
           </a:xfrm>
           <a:custGeom>
@@ -1098,6 +1114,7 @@
               </a:spcAft>
               <a:buNone/>
             </a:pPr>
+            <a:endParaRPr/>
           </a:p>
         </p:txBody>
       </p:sp>
@@ -1110,7 +1127,7 @@
 </file>
 
 <file path=ppt/notesSlides/notesSlide13.xml><?xml version="1.0" encoding="utf-8"?>
-<p:notes xmlns:a="http://schemas.openxmlformats.org/drawingml/2006/main" xmlns:r="http://schemas.openxmlformats.org/officeDocument/2006/relationships" xmlns:p="http://schemas.openxmlformats.org/presentationml/2006/main" showMasterPhAnim="0" showMasterSp="0">
+<p:notes xmlns:a="http://schemas.openxmlformats.org/drawingml/2006/main" xmlns:r="http://schemas.openxmlformats.org/officeDocument/2006/relationships" xmlns:p="http://schemas.openxmlformats.org/presentationml/2006/main" showMasterSp="0" showMasterPhAnim="0">
   <p:cSld>
     <p:spTree>
       <p:nvGrpSpPr>
@@ -1138,7 +1155,7 @@
         </p:nvSpPr>
         <p:spPr>
           <a:xfrm>
-            <a:off x="381300" y="685800"/>
+            <a:off x="381000" y="685800"/>
             <a:ext cx="6096000" cy="3429000"/>
           </a:xfrm>
           <a:custGeom>
@@ -1201,6 +1218,7 @@
               </a:spcAft>
               <a:buNone/>
             </a:pPr>
+            <a:endParaRPr/>
           </a:p>
         </p:txBody>
       </p:sp>
@@ -1213,7 +1231,7 @@
 </file>
 
 <file path=ppt/notesSlides/notesSlide14.xml><?xml version="1.0" encoding="utf-8"?>
-<p:notes xmlns:a="http://schemas.openxmlformats.org/drawingml/2006/main" xmlns:r="http://schemas.openxmlformats.org/officeDocument/2006/relationships" xmlns:p="http://schemas.openxmlformats.org/presentationml/2006/main" showMasterPhAnim="0" showMasterSp="0">
+<p:notes xmlns:a="http://schemas.openxmlformats.org/drawingml/2006/main" xmlns:r="http://schemas.openxmlformats.org/officeDocument/2006/relationships" xmlns:p="http://schemas.openxmlformats.org/presentationml/2006/main" showMasterSp="0" showMasterPhAnim="0">
   <p:cSld>
     <p:spTree>
       <p:nvGrpSpPr>
@@ -1304,6 +1322,7 @@
               </a:spcAft>
               <a:buNone/>
             </a:pPr>
+            <a:endParaRPr/>
           </a:p>
         </p:txBody>
       </p:sp>
@@ -1316,7 +1335,7 @@
 </file>
 
 <file path=ppt/notesSlides/notesSlide15.xml><?xml version="1.0" encoding="utf-8"?>
-<p:notes xmlns:a="http://schemas.openxmlformats.org/drawingml/2006/main" xmlns:r="http://schemas.openxmlformats.org/officeDocument/2006/relationships" xmlns:p="http://schemas.openxmlformats.org/presentationml/2006/main" showMasterPhAnim="0" showMasterSp="0">
+<p:notes xmlns:a="http://schemas.openxmlformats.org/drawingml/2006/main" xmlns:r="http://schemas.openxmlformats.org/officeDocument/2006/relationships" xmlns:p="http://schemas.openxmlformats.org/presentationml/2006/main" showMasterSp="0" showMasterPhAnim="0">
   <p:cSld>
     <p:spTree>
       <p:nvGrpSpPr>
@@ -1407,6 +1426,7 @@
               </a:spcAft>
               <a:buNone/>
             </a:pPr>
+            <a:endParaRPr/>
           </a:p>
         </p:txBody>
       </p:sp>
@@ -1419,7 +1439,7 @@
 </file>
 
 <file path=ppt/notesSlides/notesSlide16.xml><?xml version="1.0" encoding="utf-8"?>
-<p:notes xmlns:a="http://schemas.openxmlformats.org/drawingml/2006/main" xmlns:r="http://schemas.openxmlformats.org/officeDocument/2006/relationships" xmlns:p="http://schemas.openxmlformats.org/presentationml/2006/main" showMasterPhAnim="0" showMasterSp="0">
+<p:notes xmlns:a="http://schemas.openxmlformats.org/drawingml/2006/main" xmlns:r="http://schemas.openxmlformats.org/officeDocument/2006/relationships" xmlns:p="http://schemas.openxmlformats.org/presentationml/2006/main" showMasterSp="0" showMasterPhAnim="0">
   <p:cSld>
     <p:spTree>
       <p:nvGrpSpPr>
@@ -1510,6 +1530,7 @@
               </a:spcAft>
               <a:buNone/>
             </a:pPr>
+            <a:endParaRPr/>
           </a:p>
         </p:txBody>
       </p:sp>
@@ -1522,7 +1543,7 @@
 </file>
 
 <file path=ppt/notesSlides/notesSlide17.xml><?xml version="1.0" encoding="utf-8"?>
-<p:notes xmlns:a="http://schemas.openxmlformats.org/drawingml/2006/main" xmlns:r="http://schemas.openxmlformats.org/officeDocument/2006/relationships" xmlns:p="http://schemas.openxmlformats.org/presentationml/2006/main" showMasterPhAnim="0" showMasterSp="0">
+<p:notes xmlns:a="http://schemas.openxmlformats.org/drawingml/2006/main" xmlns:r="http://schemas.openxmlformats.org/officeDocument/2006/relationships" xmlns:p="http://schemas.openxmlformats.org/presentationml/2006/main" showMasterSp="0" showMasterPhAnim="0">
   <p:cSld>
     <p:spTree>
       <p:nvGrpSpPr>
@@ -1613,6 +1634,7 @@
               </a:spcAft>
               <a:buNone/>
             </a:pPr>
+            <a:endParaRPr/>
           </a:p>
         </p:txBody>
       </p:sp>
@@ -1625,7 +1647,7 @@
 </file>
 
 <file path=ppt/notesSlides/notesSlide18.xml><?xml version="1.0" encoding="utf-8"?>
-<p:notes xmlns:a="http://schemas.openxmlformats.org/drawingml/2006/main" xmlns:r="http://schemas.openxmlformats.org/officeDocument/2006/relationships" xmlns:p="http://schemas.openxmlformats.org/presentationml/2006/main" showMasterPhAnim="0" showMasterSp="0">
+<p:notes xmlns:a="http://schemas.openxmlformats.org/drawingml/2006/main" xmlns:r="http://schemas.openxmlformats.org/officeDocument/2006/relationships" xmlns:p="http://schemas.openxmlformats.org/presentationml/2006/main" showMasterSp="0" showMasterPhAnim="0">
   <p:cSld>
     <p:spTree>
       <p:nvGrpSpPr>
@@ -1716,6 +1738,7 @@
               </a:spcAft>
               <a:buNone/>
             </a:pPr>
+            <a:endParaRPr/>
           </a:p>
         </p:txBody>
       </p:sp>
@@ -1728,7 +1751,7 @@
 </file>
 
 <file path=ppt/notesSlides/notesSlide19.xml><?xml version="1.0" encoding="utf-8"?>
-<p:notes xmlns:a="http://schemas.openxmlformats.org/drawingml/2006/main" xmlns:r="http://schemas.openxmlformats.org/officeDocument/2006/relationships" xmlns:p="http://schemas.openxmlformats.org/presentationml/2006/main" showMasterPhAnim="0" showMasterSp="0">
+<p:notes xmlns:a="http://schemas.openxmlformats.org/drawingml/2006/main" xmlns:r="http://schemas.openxmlformats.org/officeDocument/2006/relationships" xmlns:p="http://schemas.openxmlformats.org/presentationml/2006/main" showMasterSp="0" showMasterPhAnim="0">
   <p:cSld>
     <p:spTree>
       <p:nvGrpSpPr>
@@ -1819,6 +1842,7 @@
               </a:spcAft>
               <a:buNone/>
             </a:pPr>
+            <a:endParaRPr/>
           </a:p>
         </p:txBody>
       </p:sp>
@@ -1831,7 +1855,7 @@
 </file>
 
 <file path=ppt/notesSlides/notesSlide2.xml><?xml version="1.0" encoding="utf-8"?>
-<p:notes xmlns:a="http://schemas.openxmlformats.org/drawingml/2006/main" xmlns:r="http://schemas.openxmlformats.org/officeDocument/2006/relationships" xmlns:p="http://schemas.openxmlformats.org/presentationml/2006/main" showMasterPhAnim="0" showMasterSp="0">
+<p:notes xmlns:a="http://schemas.openxmlformats.org/drawingml/2006/main" xmlns:r="http://schemas.openxmlformats.org/officeDocument/2006/relationships" xmlns:p="http://schemas.openxmlformats.org/presentationml/2006/main" showMasterSp="0" showMasterPhAnim="0">
   <p:cSld>
     <p:spTree>
       <p:nvGrpSpPr>
@@ -1859,7 +1883,7 @@
         </p:nvSpPr>
         <p:spPr>
           <a:xfrm>
-            <a:off x="381300" y="685800"/>
+            <a:off x="381000" y="685800"/>
             <a:ext cx="6096000" cy="3429000"/>
           </a:xfrm>
           <a:custGeom>
@@ -1922,6 +1946,7 @@
               </a:spcAft>
               <a:buNone/>
             </a:pPr>
+            <a:endParaRPr/>
           </a:p>
         </p:txBody>
       </p:sp>
@@ -1934,7 +1959,7 @@
 </file>
 
 <file path=ppt/notesSlides/notesSlide20.xml><?xml version="1.0" encoding="utf-8"?>
-<p:notes xmlns:a="http://schemas.openxmlformats.org/drawingml/2006/main" xmlns:r="http://schemas.openxmlformats.org/officeDocument/2006/relationships" xmlns:p="http://schemas.openxmlformats.org/presentationml/2006/main" showMasterPhAnim="0" showMasterSp="0">
+<p:notes xmlns:a="http://schemas.openxmlformats.org/drawingml/2006/main" xmlns:r="http://schemas.openxmlformats.org/officeDocument/2006/relationships" xmlns:p="http://schemas.openxmlformats.org/presentationml/2006/main" showMasterSp="0" showMasterPhAnim="0">
   <p:cSld>
     <p:spTree>
       <p:nvGrpSpPr>
@@ -2025,6 +2050,7 @@
               </a:spcAft>
               <a:buNone/>
             </a:pPr>
+            <a:endParaRPr/>
           </a:p>
         </p:txBody>
       </p:sp>
@@ -2037,7 +2063,7 @@
 </file>
 
 <file path=ppt/notesSlides/notesSlide21.xml><?xml version="1.0" encoding="utf-8"?>
-<p:notes xmlns:a="http://schemas.openxmlformats.org/drawingml/2006/main" xmlns:r="http://schemas.openxmlformats.org/officeDocument/2006/relationships" xmlns:p="http://schemas.openxmlformats.org/presentationml/2006/main" showMasterPhAnim="0" showMasterSp="0">
+<p:notes xmlns:a="http://schemas.openxmlformats.org/drawingml/2006/main" xmlns:r="http://schemas.openxmlformats.org/officeDocument/2006/relationships" xmlns:p="http://schemas.openxmlformats.org/presentationml/2006/main" showMasterSp="0" showMasterPhAnim="0">
   <p:cSld>
     <p:spTree>
       <p:nvGrpSpPr>
@@ -2128,6 +2154,7 @@
               </a:spcAft>
               <a:buNone/>
             </a:pPr>
+            <a:endParaRPr/>
           </a:p>
         </p:txBody>
       </p:sp>
@@ -2140,7 +2167,7 @@
 </file>
 
 <file path=ppt/notesSlides/notesSlide22.xml><?xml version="1.0" encoding="utf-8"?>
-<p:notes xmlns:a="http://schemas.openxmlformats.org/drawingml/2006/main" xmlns:r="http://schemas.openxmlformats.org/officeDocument/2006/relationships" xmlns:p="http://schemas.openxmlformats.org/presentationml/2006/main" showMasterPhAnim="0" showMasterSp="0">
+<p:notes xmlns:a="http://schemas.openxmlformats.org/drawingml/2006/main" xmlns:r="http://schemas.openxmlformats.org/officeDocument/2006/relationships" xmlns:p="http://schemas.openxmlformats.org/presentationml/2006/main" showMasterSp="0" showMasterPhAnim="0">
   <p:cSld>
     <p:spTree>
       <p:nvGrpSpPr>
@@ -2231,6 +2258,7 @@
               </a:spcAft>
               <a:buNone/>
             </a:pPr>
+            <a:endParaRPr/>
           </a:p>
         </p:txBody>
       </p:sp>
@@ -2243,7 +2271,7 @@
 </file>
 
 <file path=ppt/notesSlides/notesSlide23.xml><?xml version="1.0" encoding="utf-8"?>
-<p:notes xmlns:a="http://schemas.openxmlformats.org/drawingml/2006/main" xmlns:r="http://schemas.openxmlformats.org/officeDocument/2006/relationships" xmlns:p="http://schemas.openxmlformats.org/presentationml/2006/main" showMasterPhAnim="0" showMasterSp="0">
+<p:notes xmlns:a="http://schemas.openxmlformats.org/drawingml/2006/main" xmlns:r="http://schemas.openxmlformats.org/officeDocument/2006/relationships" xmlns:p="http://schemas.openxmlformats.org/presentationml/2006/main" showMasterSp="0" showMasterPhAnim="0">
   <p:cSld>
     <p:spTree>
       <p:nvGrpSpPr>
@@ -2334,6 +2362,7 @@
               </a:spcAft>
               <a:buNone/>
             </a:pPr>
+            <a:endParaRPr/>
           </a:p>
         </p:txBody>
       </p:sp>
@@ -2346,7 +2375,7 @@
 </file>
 
 <file path=ppt/notesSlides/notesSlide3.xml><?xml version="1.0" encoding="utf-8"?>
-<p:notes xmlns:a="http://schemas.openxmlformats.org/drawingml/2006/main" xmlns:r="http://schemas.openxmlformats.org/officeDocument/2006/relationships" xmlns:p="http://schemas.openxmlformats.org/presentationml/2006/main" showMasterPhAnim="0" showMasterSp="0">
+<p:notes xmlns:a="http://schemas.openxmlformats.org/drawingml/2006/main" xmlns:r="http://schemas.openxmlformats.org/officeDocument/2006/relationships" xmlns:p="http://schemas.openxmlformats.org/presentationml/2006/main" showMasterSp="0" showMasterPhAnim="0">
   <p:cSld>
     <p:spTree>
       <p:nvGrpSpPr>
@@ -2374,7 +2403,7 @@
         </p:nvSpPr>
         <p:spPr>
           <a:xfrm>
-            <a:off x="381300" y="685800"/>
+            <a:off x="381000" y="685800"/>
             <a:ext cx="6096000" cy="3429000"/>
           </a:xfrm>
           <a:custGeom>
@@ -2437,6 +2466,7 @@
               </a:spcAft>
               <a:buNone/>
             </a:pPr>
+            <a:endParaRPr/>
           </a:p>
         </p:txBody>
       </p:sp>
@@ -2449,7 +2479,7 @@
 </file>
 
 <file path=ppt/notesSlides/notesSlide4.xml><?xml version="1.0" encoding="utf-8"?>
-<p:notes xmlns:a="http://schemas.openxmlformats.org/drawingml/2006/main" xmlns:r="http://schemas.openxmlformats.org/officeDocument/2006/relationships" xmlns:p="http://schemas.openxmlformats.org/presentationml/2006/main" showMasterPhAnim="0" showMasterSp="0">
+<p:notes xmlns:a="http://schemas.openxmlformats.org/drawingml/2006/main" xmlns:r="http://schemas.openxmlformats.org/officeDocument/2006/relationships" xmlns:p="http://schemas.openxmlformats.org/presentationml/2006/main" showMasterSp="0" showMasterPhAnim="0">
   <p:cSld>
     <p:spTree>
       <p:nvGrpSpPr>
@@ -2477,7 +2507,7 @@
         </p:nvSpPr>
         <p:spPr>
           <a:xfrm>
-            <a:off x="381300" y="685800"/>
+            <a:off x="381000" y="685800"/>
             <a:ext cx="6096000" cy="3429000"/>
           </a:xfrm>
           <a:custGeom>
@@ -2540,6 +2570,7 @@
               </a:spcAft>
               <a:buNone/>
             </a:pPr>
+            <a:endParaRPr/>
           </a:p>
         </p:txBody>
       </p:sp>
@@ -2552,7 +2583,7 @@
 </file>
 
 <file path=ppt/notesSlides/notesSlide5.xml><?xml version="1.0" encoding="utf-8"?>
-<p:notes xmlns:a="http://schemas.openxmlformats.org/drawingml/2006/main" xmlns:r="http://schemas.openxmlformats.org/officeDocument/2006/relationships" xmlns:p="http://schemas.openxmlformats.org/presentationml/2006/main" showMasterPhAnim="0" showMasterSp="0">
+<p:notes xmlns:a="http://schemas.openxmlformats.org/drawingml/2006/main" xmlns:r="http://schemas.openxmlformats.org/officeDocument/2006/relationships" xmlns:p="http://schemas.openxmlformats.org/presentationml/2006/main" showMasterSp="0" showMasterPhAnim="0">
   <p:cSld>
     <p:spTree>
       <p:nvGrpSpPr>
@@ -2580,7 +2611,7 @@
         </p:nvSpPr>
         <p:spPr>
           <a:xfrm>
-            <a:off x="381300" y="685800"/>
+            <a:off x="381000" y="685800"/>
             <a:ext cx="6096000" cy="3429000"/>
           </a:xfrm>
           <a:custGeom>
@@ -2643,6 +2674,7 @@
               </a:spcAft>
               <a:buNone/>
             </a:pPr>
+            <a:endParaRPr/>
           </a:p>
         </p:txBody>
       </p:sp>
@@ -2655,7 +2687,7 @@
 </file>
 
 <file path=ppt/notesSlides/notesSlide6.xml><?xml version="1.0" encoding="utf-8"?>
-<p:notes xmlns:a="http://schemas.openxmlformats.org/drawingml/2006/main" xmlns:r="http://schemas.openxmlformats.org/officeDocument/2006/relationships" xmlns:p="http://schemas.openxmlformats.org/presentationml/2006/main" showMasterPhAnim="0" showMasterSp="0">
+<p:notes xmlns:a="http://schemas.openxmlformats.org/drawingml/2006/main" xmlns:r="http://schemas.openxmlformats.org/officeDocument/2006/relationships" xmlns:p="http://schemas.openxmlformats.org/presentationml/2006/main" showMasterSp="0" showMasterPhAnim="0">
   <p:cSld>
     <p:spTree>
       <p:nvGrpSpPr>
@@ -2683,7 +2715,7 @@
         </p:nvSpPr>
         <p:spPr>
           <a:xfrm>
-            <a:off x="381300" y="685800"/>
+            <a:off x="381000" y="685800"/>
             <a:ext cx="6096000" cy="3429000"/>
           </a:xfrm>
           <a:custGeom>
@@ -2746,6 +2778,7 @@
               </a:spcAft>
               <a:buNone/>
             </a:pPr>
+            <a:endParaRPr/>
           </a:p>
         </p:txBody>
       </p:sp>
@@ -2758,7 +2791,7 @@
 </file>
 
 <file path=ppt/notesSlides/notesSlide7.xml><?xml version="1.0" encoding="utf-8"?>
-<p:notes xmlns:a="http://schemas.openxmlformats.org/drawingml/2006/main" xmlns:r="http://schemas.openxmlformats.org/officeDocument/2006/relationships" xmlns:p="http://schemas.openxmlformats.org/presentationml/2006/main" showMasterPhAnim="0" showMasterSp="0">
+<p:notes xmlns:a="http://schemas.openxmlformats.org/drawingml/2006/main" xmlns:r="http://schemas.openxmlformats.org/officeDocument/2006/relationships" xmlns:p="http://schemas.openxmlformats.org/presentationml/2006/main" showMasterSp="0" showMasterPhAnim="0">
   <p:cSld>
     <p:spTree>
       <p:nvGrpSpPr>
@@ -2786,7 +2819,7 @@
         </p:nvSpPr>
         <p:spPr>
           <a:xfrm>
-            <a:off x="381300" y="685800"/>
+            <a:off x="381000" y="685800"/>
             <a:ext cx="6096000" cy="3429000"/>
           </a:xfrm>
           <a:custGeom>
@@ -2849,6 +2882,7 @@
               </a:spcAft>
               <a:buNone/>
             </a:pPr>
+            <a:endParaRPr/>
           </a:p>
         </p:txBody>
       </p:sp>
@@ -2946,7 +2980,6 @@
               <a:rPr lang="en-US" altLang="zh-CN" sz="1200"/>
               <a:t>Varun Bohara</a:t>
             </a:r>
-            <a:endParaRPr lang="en-US" altLang="zh-CN" sz="1200"/>
           </a:p>
         </p:txBody>
       </p:sp>
@@ -2967,21 +3000,37 @@
         <p:cNvGrpSpPr/>
         <p:nvPr/>
       </p:nvGrpSpPr>
-      <p:grpSpPr/>
+      <p:grpSpPr>
+        <a:xfrm>
+          <a:off x="0" y="0"/>
+          <a:ext cx="0" cy="0"/>
+          <a:chOff x="0" y="0"/>
+          <a:chExt cx="0" cy="0"/>
+        </a:xfrm>
+      </p:grpSpPr>
       <p:sp>
         <p:nvSpPr>
           <p:cNvPr id="2" name="Slide Image Placeholder 1"/>
-          <p:cNvSpPr/>
+          <p:cNvSpPr>
+            <a:spLocks noGrp="1" noRot="1" noChangeAspect="1"/>
+          </p:cNvSpPr>
           <p:nvPr>
             <p:ph type="sldImg" idx="2"/>
           </p:nvPr>
         </p:nvSpPr>
-        <p:spPr/>
+        <p:spPr>
+          <a:xfrm>
+            <a:off x="381000" y="685800"/>
+            <a:ext cx="6096000" cy="3429000"/>
+          </a:xfrm>
+        </p:spPr>
       </p:sp>
       <p:sp>
         <p:nvSpPr>
           <p:cNvPr id="3" name="Text Placeholder 2"/>
-          <p:cNvSpPr/>
+          <p:cNvSpPr>
+            <a:spLocks noGrp="1"/>
+          </p:cNvSpPr>
           <p:nvPr>
             <p:ph type="body" idx="1"/>
           </p:nvPr>
@@ -2989,6 +3038,7 @@
         <p:spPr/>
         <p:txBody>
           <a:bodyPr/>
+          <a:lstStyle/>
           <a:p>
             <a:endParaRPr lang="en-US"/>
           </a:p>
@@ -3003,7 +3053,7 @@
 </file>
 
 <file path=ppt/slideLayouts/slideLayout1.xml><?xml version="1.0" encoding="utf-8"?>
-<p:sldLayout xmlns:a="http://schemas.openxmlformats.org/drawingml/2006/main" xmlns:r="http://schemas.openxmlformats.org/officeDocument/2006/relationships" xmlns:p="http://schemas.openxmlformats.org/presentationml/2006/main" type="title" matchingName="Title slide">
+<p:sldLayout xmlns:a="http://schemas.openxmlformats.org/drawingml/2006/main" xmlns:r="http://schemas.openxmlformats.org/officeDocument/2006/relationships" xmlns:p="http://schemas.openxmlformats.org/presentationml/2006/main" matchingName="Title slide" type="title">
   <p:cSld name="TITLE">
     <p:bg>
       <p:bgPr>
@@ -3096,6 +3146,7 @@
                   </a:spcAft>
                   <a:buNone/>
                 </a:pPr>
+                <a:endParaRPr/>
               </a:p>
             </p:txBody>
           </p:sp>
@@ -3140,6 +3191,7 @@
                   </a:spcAft>
                   <a:buNone/>
                 </a:pPr>
+                <a:endParaRPr/>
               </a:p>
             </p:txBody>
           </p:sp>
@@ -3199,6 +3251,7 @@
                   </a:spcAft>
                   <a:buNone/>
                 </a:pPr>
+                <a:endParaRPr/>
               </a:p>
             </p:txBody>
           </p:sp>
@@ -3243,6 +3296,7 @@
                   </a:spcAft>
                   <a:buNone/>
                 </a:pPr>
+                <a:endParaRPr/>
               </a:p>
             </p:txBody>
           </p:sp>
@@ -3287,6 +3341,7 @@
                   </a:spcAft>
                   <a:buNone/>
                 </a:pPr>
+                <a:endParaRPr/>
               </a:p>
             </p:txBody>
           </p:sp>
@@ -3346,6 +3401,7 @@
                   </a:spcAft>
                   <a:buNone/>
                 </a:pPr>
+                <a:endParaRPr/>
               </a:p>
             </p:txBody>
           </p:sp>
@@ -3390,6 +3446,7 @@
                   </a:spcAft>
                   <a:buNone/>
                 </a:pPr>
+                <a:endParaRPr/>
               </a:p>
             </p:txBody>
           </p:sp>
@@ -3434,6 +3491,7 @@
                   </a:spcAft>
                   <a:buNone/>
                 </a:pPr>
+                <a:endParaRPr/>
               </a:p>
             </p:txBody>
           </p:sp>
@@ -3478,6 +3536,7 @@
                   </a:spcAft>
                   <a:buNone/>
                 </a:pPr>
+                <a:endParaRPr/>
               </a:p>
             </p:txBody>
           </p:sp>
@@ -3537,6 +3596,7 @@
                   </a:spcAft>
                   <a:buNone/>
                 </a:pPr>
+                <a:endParaRPr/>
               </a:p>
             </p:txBody>
           </p:sp>
@@ -3581,6 +3641,7 @@
                   </a:spcAft>
                   <a:buNone/>
                 </a:pPr>
+                <a:endParaRPr/>
               </a:p>
             </p:txBody>
           </p:sp>
@@ -3625,6 +3686,7 @@
                   </a:spcAft>
                   <a:buNone/>
                 </a:pPr>
+                <a:endParaRPr/>
               </a:p>
             </p:txBody>
           </p:sp>
@@ -3669,6 +3731,7 @@
                   </a:spcAft>
                   <a:buNone/>
                 </a:pPr>
+                <a:endParaRPr/>
               </a:p>
             </p:txBody>
           </p:sp>
@@ -3713,6 +3776,7 @@
                   </a:spcAft>
                   <a:buNone/>
                 </a:pPr>
+                <a:endParaRPr/>
               </a:p>
             </p:txBody>
           </p:sp>
@@ -3770,6 +3834,7 @@
                 </a:spcAft>
                 <a:buNone/>
               </a:pPr>
+              <a:endParaRPr/>
             </a:p>
           </p:txBody>
         </p:sp>
@@ -3811,6 +3876,7 @@
                 </a:spcAft>
                 <a:buNone/>
               </a:pPr>
+              <a:endParaRPr/>
             </a:p>
           </p:txBody>
         </p:sp>
@@ -3866,6 +3932,7 @@
                   </a:spcAft>
                   <a:buNone/>
                 </a:pPr>
+                <a:endParaRPr/>
               </a:p>
             </p:txBody>
           </p:sp>
@@ -3910,6 +3977,7 @@
                   </a:spcAft>
                   <a:buNone/>
                 </a:pPr>
+                <a:endParaRPr/>
               </a:p>
             </p:txBody>
           </p:sp>
@@ -3951,6 +4019,7 @@
                   </a:spcAft>
                   <a:buNone/>
                 </a:pPr>
+                <a:endParaRPr/>
               </a:p>
             </p:txBody>
           </p:sp>
@@ -3996,6 +4065,7 @@
                 </a:spcAft>
                 <a:buNone/>
               </a:pPr>
+              <a:endParaRPr/>
             </a:p>
           </p:txBody>
         </p:sp>
@@ -4051,6 +4121,7 @@
                   </a:spcAft>
                   <a:buNone/>
                 </a:pPr>
+                <a:endParaRPr/>
               </a:p>
             </p:txBody>
           </p:sp>
@@ -4095,6 +4166,7 @@
                   </a:spcAft>
                   <a:buNone/>
                 </a:pPr>
+                <a:endParaRPr/>
               </a:p>
             </p:txBody>
           </p:sp>
@@ -4137,6 +4209,7 @@
                 </a:spcAft>
                 <a:buNone/>
               </a:pPr>
+              <a:endParaRPr/>
             </a:p>
           </p:txBody>
         </p:sp>
@@ -4178,6 +4251,7 @@
                 </a:spcAft>
                 <a:buNone/>
               </a:pPr>
+              <a:endParaRPr/>
             </a:p>
           </p:txBody>
         </p:sp>
@@ -4222,6 +4296,7 @@
                 </a:spcAft>
                 <a:buNone/>
               </a:pPr>
+              <a:endParaRPr/>
             </a:p>
           </p:txBody>
         </p:sp>
@@ -4261,6 +4336,7 @@
                 </a:spcAft>
                 <a:buNone/>
               </a:pPr>
+              <a:endParaRPr/>
             </a:p>
           </p:txBody>
         </p:sp>
@@ -4305,6 +4381,7 @@
                 </a:spcAft>
                 <a:buNone/>
               </a:pPr>
+              <a:endParaRPr/>
             </a:p>
           </p:txBody>
         </p:sp>
@@ -4349,6 +4426,7 @@
                 </a:spcAft>
                 <a:buNone/>
               </a:pPr>
+              <a:endParaRPr/>
             </a:p>
           </p:txBody>
         </p:sp>
@@ -4540,7 +4618,9 @@
               </a:defRPr>
             </a:lvl9pPr>
           </a:lstStyle>
-          <a:p/>
+          <a:p>
+            <a:endParaRPr/>
+          </a:p>
         </p:txBody>
       </p:sp>
       <p:sp>
@@ -4757,7 +4837,9 @@
               </a:defRPr>
             </a:lvl9pPr>
           </a:lstStyle>
-          <a:p/>
+          <a:p>
+            <a:endParaRPr/>
+          </a:p>
         </p:txBody>
       </p:sp>
       <p:sp>
@@ -4869,6 +4951,7 @@
             </a:pPr>
             <a:fld id="{00000000-1234-1234-1234-123412341234}" type="slidenum">
               <a:rPr lang="en-GB"/>
+              <a:t>‹#›</a:t>
             </a:fld>
             <a:endParaRPr lang="en-GB"/>
           </a:p>
@@ -4976,6 +5059,7 @@
                   </a:spcAft>
                   <a:buNone/>
                 </a:pPr>
+                <a:endParaRPr/>
               </a:p>
             </p:txBody>
           </p:sp>
@@ -5020,6 +5104,7 @@
                   </a:spcAft>
                   <a:buNone/>
                 </a:pPr>
+                <a:endParaRPr/>
               </a:p>
             </p:txBody>
           </p:sp>
@@ -5064,6 +5149,7 @@
                   </a:spcAft>
                   <a:buNone/>
                 </a:pPr>
+                <a:endParaRPr/>
               </a:p>
             </p:txBody>
           </p:sp>
@@ -5108,6 +5194,7 @@
                   </a:spcAft>
                   <a:buNone/>
                 </a:pPr>
+                <a:endParaRPr/>
               </a:p>
             </p:txBody>
           </p:sp>
@@ -5167,6 +5254,7 @@
                   </a:spcAft>
                   <a:buNone/>
                 </a:pPr>
+                <a:endParaRPr/>
               </a:p>
             </p:txBody>
           </p:sp>
@@ -5211,6 +5299,7 @@
                   </a:spcAft>
                   <a:buNone/>
                 </a:pPr>
+                <a:endParaRPr/>
               </a:p>
             </p:txBody>
           </p:sp>
@@ -5255,6 +5344,7 @@
                   </a:spcAft>
                   <a:buNone/>
                 </a:pPr>
+                <a:endParaRPr/>
               </a:p>
             </p:txBody>
           </p:sp>
@@ -5299,6 +5389,7 @@
                   </a:spcAft>
                   <a:buNone/>
                 </a:pPr>
+                <a:endParaRPr/>
               </a:p>
             </p:txBody>
           </p:sp>
@@ -5343,6 +5434,7 @@
                   </a:spcAft>
                   <a:buNone/>
                 </a:pPr>
+                <a:endParaRPr/>
               </a:p>
             </p:txBody>
           </p:sp>
@@ -5402,6 +5494,7 @@
                   </a:spcAft>
                   <a:buNone/>
                 </a:pPr>
+                <a:endParaRPr/>
               </a:p>
             </p:txBody>
           </p:sp>
@@ -5446,6 +5539,7 @@
                   </a:spcAft>
                   <a:buNone/>
                 </a:pPr>
+                <a:endParaRPr/>
               </a:p>
             </p:txBody>
           </p:sp>
@@ -5490,6 +5584,7 @@
                   </a:spcAft>
                   <a:buNone/>
                 </a:pPr>
+                <a:endParaRPr/>
               </a:p>
             </p:txBody>
           </p:sp>
@@ -5534,6 +5629,7 @@
                   </a:spcAft>
                   <a:buNone/>
                 </a:pPr>
+                <a:endParaRPr/>
               </a:p>
             </p:txBody>
           </p:sp>
@@ -5593,6 +5689,7 @@
                   </a:spcAft>
                   <a:buNone/>
                 </a:pPr>
+                <a:endParaRPr/>
               </a:p>
             </p:txBody>
           </p:sp>
@@ -5637,6 +5734,7 @@
                   </a:spcAft>
                   <a:buNone/>
                 </a:pPr>
+                <a:endParaRPr/>
               </a:p>
             </p:txBody>
           </p:sp>
@@ -5681,6 +5779,7 @@
                   </a:spcAft>
                   <a:buNone/>
                 </a:pPr>
+                <a:endParaRPr/>
               </a:p>
             </p:txBody>
           </p:sp>
@@ -5740,6 +5839,7 @@
                   </a:spcAft>
                   <a:buNone/>
                 </a:pPr>
+                <a:endParaRPr/>
               </a:p>
             </p:txBody>
           </p:sp>
@@ -5784,6 +5884,7 @@
                   </a:spcAft>
                   <a:buNone/>
                 </a:pPr>
+                <a:endParaRPr/>
               </a:p>
             </p:txBody>
           </p:sp>
@@ -5828,6 +5929,7 @@
                   </a:spcAft>
                   <a:buNone/>
                 </a:pPr>
+                <a:endParaRPr/>
               </a:p>
             </p:txBody>
           </p:sp>
@@ -5872,6 +5974,7 @@
                   </a:spcAft>
                   <a:buNone/>
                 </a:pPr>
+                <a:endParaRPr/>
               </a:p>
             </p:txBody>
           </p:sp>
@@ -5916,6 +6019,7 @@
                   </a:spcAft>
                   <a:buNone/>
                 </a:pPr>
+                <a:endParaRPr/>
               </a:p>
             </p:txBody>
           </p:sp>
@@ -5975,6 +6079,7 @@
                   </a:spcAft>
                   <a:buNone/>
                 </a:pPr>
+                <a:endParaRPr/>
               </a:p>
             </p:txBody>
           </p:sp>
@@ -6019,6 +6124,7 @@
                   </a:spcAft>
                   <a:buNone/>
                 </a:pPr>
+                <a:endParaRPr/>
               </a:p>
             </p:txBody>
           </p:sp>
@@ -6063,6 +6169,7 @@
                   </a:spcAft>
                   <a:buNone/>
                 </a:pPr>
+                <a:endParaRPr/>
               </a:p>
             </p:txBody>
           </p:sp>
@@ -6107,6 +6214,7 @@
                   </a:spcAft>
                   <a:buNone/>
                 </a:pPr>
+                <a:endParaRPr/>
               </a:p>
             </p:txBody>
           </p:sp>
@@ -6166,6 +6274,7 @@
                   </a:spcAft>
                   <a:buNone/>
                 </a:pPr>
+                <a:endParaRPr/>
               </a:p>
             </p:txBody>
           </p:sp>
@@ -6210,6 +6319,7 @@
                   </a:spcAft>
                   <a:buNone/>
                 </a:pPr>
+                <a:endParaRPr/>
               </a:p>
             </p:txBody>
           </p:sp>
@@ -6254,6 +6364,7 @@
                   </a:spcAft>
                   <a:buNone/>
                 </a:pPr>
+                <a:endParaRPr/>
               </a:p>
             </p:txBody>
           </p:sp>
@@ -6313,6 +6424,7 @@
                   </a:spcAft>
                   <a:buNone/>
                 </a:pPr>
+                <a:endParaRPr/>
               </a:p>
             </p:txBody>
           </p:sp>
@@ -6357,6 +6469,7 @@
                   </a:spcAft>
                   <a:buNone/>
                 </a:pPr>
+                <a:endParaRPr/>
               </a:p>
             </p:txBody>
           </p:sp>
@@ -6401,6 +6514,7 @@
                   </a:spcAft>
                   <a:buNone/>
                 </a:pPr>
+                <a:endParaRPr/>
               </a:p>
             </p:txBody>
           </p:sp>
@@ -6445,6 +6559,7 @@
                   </a:spcAft>
                   <a:buNone/>
                 </a:pPr>
+                <a:endParaRPr/>
               </a:p>
             </p:txBody>
           </p:sp>
@@ -6489,6 +6604,7 @@
                   </a:spcAft>
                   <a:buNone/>
                 </a:pPr>
+                <a:endParaRPr/>
               </a:p>
             </p:txBody>
           </p:sp>
@@ -6548,6 +6664,7 @@
                   </a:spcAft>
                   <a:buNone/>
                 </a:pPr>
+                <a:endParaRPr/>
               </a:p>
             </p:txBody>
           </p:sp>
@@ -6592,6 +6709,7 @@
                   </a:spcAft>
                   <a:buNone/>
                 </a:pPr>
+                <a:endParaRPr/>
               </a:p>
             </p:txBody>
           </p:sp>
@@ -6636,6 +6754,7 @@
                   </a:spcAft>
                   <a:buNone/>
                 </a:pPr>
+                <a:endParaRPr/>
               </a:p>
             </p:txBody>
           </p:sp>
@@ -6680,6 +6799,7 @@
                   </a:spcAft>
                   <a:buNone/>
                 </a:pPr>
+                <a:endParaRPr/>
               </a:p>
             </p:txBody>
           </p:sp>
@@ -6739,6 +6859,7 @@
                   </a:spcAft>
                   <a:buNone/>
                 </a:pPr>
+                <a:endParaRPr/>
               </a:p>
             </p:txBody>
           </p:sp>
@@ -6783,6 +6904,7 @@
                   </a:spcAft>
                   <a:buNone/>
                 </a:pPr>
+                <a:endParaRPr/>
               </a:p>
             </p:txBody>
           </p:sp>
@@ -6827,6 +6949,7 @@
                   </a:spcAft>
                   <a:buNone/>
                 </a:pPr>
+                <a:endParaRPr/>
               </a:p>
             </p:txBody>
           </p:sp>
@@ -6871,6 +6994,7 @@
                   </a:spcAft>
                   <a:buNone/>
                 </a:pPr>
+                <a:endParaRPr/>
               </a:p>
             </p:txBody>
           </p:sp>
@@ -6930,6 +7054,7 @@
                   </a:spcAft>
                   <a:buNone/>
                 </a:pPr>
+                <a:endParaRPr/>
               </a:p>
             </p:txBody>
           </p:sp>
@@ -6974,6 +7099,7 @@
                   </a:spcAft>
                   <a:buNone/>
                 </a:pPr>
+                <a:endParaRPr/>
               </a:p>
             </p:txBody>
           </p:sp>
@@ -7018,6 +7144,7 @@
                   </a:spcAft>
                   <a:buNone/>
                 </a:pPr>
+                <a:endParaRPr/>
               </a:p>
             </p:txBody>
           </p:sp>
@@ -7077,6 +7204,7 @@
                   </a:spcAft>
                   <a:buNone/>
                 </a:pPr>
+                <a:endParaRPr/>
               </a:p>
             </p:txBody>
           </p:sp>
@@ -7121,6 +7249,7 @@
                   </a:spcAft>
                   <a:buNone/>
                 </a:pPr>
+                <a:endParaRPr/>
               </a:p>
             </p:txBody>
           </p:sp>
@@ -7165,6 +7294,7 @@
                   </a:spcAft>
                   <a:buNone/>
                 </a:pPr>
+                <a:endParaRPr/>
               </a:p>
             </p:txBody>
           </p:sp>
@@ -7209,6 +7339,7 @@
                   </a:spcAft>
                   <a:buNone/>
                 </a:pPr>
+                <a:endParaRPr/>
               </a:p>
             </p:txBody>
           </p:sp>
@@ -7268,6 +7399,7 @@
                   </a:spcAft>
                   <a:buNone/>
                 </a:pPr>
+                <a:endParaRPr/>
               </a:p>
             </p:txBody>
           </p:sp>
@@ -7312,6 +7444,7 @@
                   </a:spcAft>
                   <a:buNone/>
                 </a:pPr>
+                <a:endParaRPr/>
               </a:p>
             </p:txBody>
           </p:sp>
@@ -7356,6 +7489,7 @@
                   </a:spcAft>
                   <a:buNone/>
                 </a:pPr>
+                <a:endParaRPr/>
               </a:p>
             </p:txBody>
           </p:sp>
@@ -7400,6 +7534,7 @@
                   </a:spcAft>
                   <a:buNone/>
                 </a:pPr>
+                <a:endParaRPr/>
               </a:p>
             </p:txBody>
           </p:sp>
@@ -7459,6 +7594,7 @@
                   </a:spcAft>
                   <a:buNone/>
                 </a:pPr>
+                <a:endParaRPr/>
               </a:p>
             </p:txBody>
           </p:sp>
@@ -7503,6 +7639,7 @@
                   </a:spcAft>
                   <a:buNone/>
                 </a:pPr>
+                <a:endParaRPr/>
               </a:p>
             </p:txBody>
           </p:sp>
@@ -7547,6 +7684,7 @@
                   </a:spcAft>
                   <a:buNone/>
                 </a:pPr>
+                <a:endParaRPr/>
               </a:p>
             </p:txBody>
           </p:sp>
@@ -7591,6 +7729,7 @@
                   </a:spcAft>
                   <a:buNone/>
                 </a:pPr>
+                <a:endParaRPr/>
               </a:p>
             </p:txBody>
           </p:sp>
@@ -7635,6 +7774,7 @@
                   </a:spcAft>
                   <a:buNone/>
                 </a:pPr>
+                <a:endParaRPr/>
               </a:p>
             </p:txBody>
           </p:sp>
@@ -7694,6 +7834,7 @@
                   </a:spcAft>
                   <a:buNone/>
                 </a:pPr>
+                <a:endParaRPr/>
               </a:p>
             </p:txBody>
           </p:sp>
@@ -7738,6 +7879,7 @@
                   </a:spcAft>
                   <a:buNone/>
                 </a:pPr>
+                <a:endParaRPr/>
               </a:p>
             </p:txBody>
           </p:sp>
@@ -7782,6 +7924,7 @@
                   </a:spcAft>
                   <a:buNone/>
                 </a:pPr>
+                <a:endParaRPr/>
               </a:p>
             </p:txBody>
           </p:sp>
@@ -7826,6 +7969,7 @@
                   </a:spcAft>
                   <a:buNone/>
                 </a:pPr>
+                <a:endParaRPr/>
               </a:p>
             </p:txBody>
           </p:sp>
@@ -7885,6 +8029,7 @@
                   </a:spcAft>
                   <a:buNone/>
                 </a:pPr>
+                <a:endParaRPr/>
               </a:p>
             </p:txBody>
           </p:sp>
@@ -7929,6 +8074,7 @@
                   </a:spcAft>
                   <a:buNone/>
                 </a:pPr>
+                <a:endParaRPr/>
               </a:p>
             </p:txBody>
           </p:sp>
@@ -7973,6 +8119,7 @@
                   </a:spcAft>
                   <a:buNone/>
                 </a:pPr>
+                <a:endParaRPr/>
               </a:p>
             </p:txBody>
           </p:sp>
@@ -8032,6 +8179,7 @@
                   </a:spcAft>
                   <a:buNone/>
                 </a:pPr>
+                <a:endParaRPr/>
               </a:p>
             </p:txBody>
           </p:sp>
@@ -8076,6 +8224,7 @@
                   </a:spcAft>
                   <a:buNone/>
                 </a:pPr>
+                <a:endParaRPr/>
               </a:p>
             </p:txBody>
           </p:sp>
@@ -8120,6 +8269,7 @@
                   </a:spcAft>
                   <a:buNone/>
                 </a:pPr>
+                <a:endParaRPr/>
               </a:p>
             </p:txBody>
           </p:sp>
@@ -8164,6 +8314,7 @@
                   </a:spcAft>
                   <a:buNone/>
                 </a:pPr>
+                <a:endParaRPr/>
               </a:p>
             </p:txBody>
           </p:sp>
@@ -8223,6 +8374,7 @@
                   </a:spcAft>
                   <a:buNone/>
                 </a:pPr>
+                <a:endParaRPr/>
               </a:p>
             </p:txBody>
           </p:sp>
@@ -8267,6 +8419,7 @@
                   </a:spcAft>
                   <a:buNone/>
                 </a:pPr>
+                <a:endParaRPr/>
               </a:p>
             </p:txBody>
           </p:sp>
@@ -8311,6 +8464,7 @@
                   </a:spcAft>
                   <a:buNone/>
                 </a:pPr>
+                <a:endParaRPr/>
               </a:p>
             </p:txBody>
           </p:sp>
@@ -8355,6 +8509,7 @@
                   </a:spcAft>
                   <a:buNone/>
                 </a:pPr>
+                <a:endParaRPr/>
               </a:p>
             </p:txBody>
           </p:sp>
@@ -8399,6 +8554,7 @@
                   </a:spcAft>
                   <a:buNone/>
                 </a:pPr>
+                <a:endParaRPr/>
               </a:p>
             </p:txBody>
           </p:sp>
@@ -8458,6 +8614,7 @@
                   </a:spcAft>
                   <a:buNone/>
                 </a:pPr>
+                <a:endParaRPr/>
               </a:p>
             </p:txBody>
           </p:sp>
@@ -8502,6 +8659,7 @@
                   </a:spcAft>
                   <a:buNone/>
                 </a:pPr>
+                <a:endParaRPr/>
               </a:p>
             </p:txBody>
           </p:sp>
@@ -8546,6 +8704,7 @@
                   </a:spcAft>
                   <a:buNone/>
                 </a:pPr>
+                <a:endParaRPr/>
               </a:p>
             </p:txBody>
           </p:sp>
@@ -8590,6 +8749,7 @@
                   </a:spcAft>
                   <a:buNone/>
                 </a:pPr>
+                <a:endParaRPr/>
               </a:p>
             </p:txBody>
           </p:sp>
@@ -8649,6 +8809,7 @@
                   </a:spcAft>
                   <a:buNone/>
                 </a:pPr>
+                <a:endParaRPr/>
               </a:p>
             </p:txBody>
           </p:sp>
@@ -8693,6 +8854,7 @@
                   </a:spcAft>
                   <a:buNone/>
                 </a:pPr>
+                <a:endParaRPr/>
               </a:p>
             </p:txBody>
           </p:sp>
@@ -8737,6 +8899,7 @@
                   </a:spcAft>
                   <a:buNone/>
                 </a:pPr>
+                <a:endParaRPr/>
               </a:p>
             </p:txBody>
           </p:sp>
@@ -8796,6 +8959,7 @@
                   </a:spcAft>
                   <a:buNone/>
                 </a:pPr>
+                <a:endParaRPr/>
               </a:p>
             </p:txBody>
           </p:sp>
@@ -8840,6 +9004,7 @@
                   </a:spcAft>
                   <a:buNone/>
                 </a:pPr>
+                <a:endParaRPr/>
               </a:p>
             </p:txBody>
           </p:sp>
@@ -8884,6 +9049,7 @@
                   </a:spcAft>
                   <a:buNone/>
                 </a:pPr>
+                <a:endParaRPr/>
               </a:p>
             </p:txBody>
           </p:sp>
@@ -8928,6 +9094,7 @@
                   </a:spcAft>
                   <a:buNone/>
                 </a:pPr>
+                <a:endParaRPr/>
               </a:p>
             </p:txBody>
           </p:sp>
@@ -8972,6 +9139,7 @@
                   </a:spcAft>
                   <a:buNone/>
                 </a:pPr>
+                <a:endParaRPr/>
               </a:p>
             </p:txBody>
           </p:sp>
@@ -9031,6 +9199,7 @@
                   </a:spcAft>
                   <a:buNone/>
                 </a:pPr>
+                <a:endParaRPr/>
               </a:p>
             </p:txBody>
           </p:sp>
@@ -9075,6 +9244,7 @@
                   </a:spcAft>
                   <a:buNone/>
                 </a:pPr>
+                <a:endParaRPr/>
               </a:p>
             </p:txBody>
           </p:sp>
@@ -9119,6 +9289,7 @@
                   </a:spcAft>
                   <a:buNone/>
                 </a:pPr>
+                <a:endParaRPr/>
               </a:p>
             </p:txBody>
           </p:sp>
@@ -9163,6 +9334,7 @@
                   </a:spcAft>
                   <a:buNone/>
                 </a:pPr>
+                <a:endParaRPr/>
               </a:p>
             </p:txBody>
           </p:sp>
@@ -9222,6 +9394,7 @@
                   </a:spcAft>
                   <a:buNone/>
                 </a:pPr>
+                <a:endParaRPr/>
               </a:p>
             </p:txBody>
           </p:sp>
@@ -9266,6 +9439,7 @@
                   </a:spcAft>
                   <a:buNone/>
                 </a:pPr>
+                <a:endParaRPr/>
               </a:p>
             </p:txBody>
           </p:sp>
@@ -9310,6 +9484,7 @@
                   </a:spcAft>
                   <a:buNone/>
                 </a:pPr>
+                <a:endParaRPr/>
               </a:p>
             </p:txBody>
           </p:sp>
@@ -9354,6 +9529,7 @@
                   </a:spcAft>
                   <a:buNone/>
                 </a:pPr>
+                <a:endParaRPr/>
               </a:p>
             </p:txBody>
           </p:sp>
@@ -9413,6 +9589,7 @@
                   </a:spcAft>
                   <a:buNone/>
                 </a:pPr>
+                <a:endParaRPr/>
               </a:p>
             </p:txBody>
           </p:sp>
@@ -9457,6 +9634,7 @@
                   </a:spcAft>
                   <a:buNone/>
                 </a:pPr>
+                <a:endParaRPr/>
               </a:p>
             </p:txBody>
           </p:sp>
@@ -9501,6 +9679,7 @@
                   </a:spcAft>
                   <a:buNone/>
                 </a:pPr>
+                <a:endParaRPr/>
               </a:p>
             </p:txBody>
           </p:sp>
@@ -9560,6 +9739,7 @@
                   </a:spcAft>
                   <a:buNone/>
                 </a:pPr>
+                <a:endParaRPr/>
               </a:p>
             </p:txBody>
           </p:sp>
@@ -9604,6 +9784,7 @@
                   </a:spcAft>
                   <a:buNone/>
                 </a:pPr>
+                <a:endParaRPr/>
               </a:p>
             </p:txBody>
           </p:sp>
@@ -9648,6 +9829,7 @@
                   </a:spcAft>
                   <a:buNone/>
                 </a:pPr>
+                <a:endParaRPr/>
               </a:p>
             </p:txBody>
           </p:sp>
@@ -9692,6 +9874,7 @@
                   </a:spcAft>
                   <a:buNone/>
                 </a:pPr>
+                <a:endParaRPr/>
               </a:p>
             </p:txBody>
           </p:sp>
@@ -10078,7 +10261,9 @@
               </a:defRPr>
             </a:lvl9pPr>
           </a:lstStyle>
-          <a:p/>
+          <a:p>
+            <a:endParaRPr/>
+          </a:p>
         </p:txBody>
       </p:sp>
       <p:sp>
@@ -10190,6 +10375,7 @@
             </a:pPr>
             <a:fld id="{00000000-1234-1234-1234-123412341234}" type="slidenum">
               <a:rPr lang="en-GB"/>
+              <a:t>‹#›</a:t>
             </a:fld>
             <a:endParaRPr lang="en-GB"/>
           </a:p>
@@ -10204,7 +10390,7 @@
 </file>
 
 <file path=ppt/slideLayouts/slideLayout11.xml><?xml version="1.0" encoding="utf-8"?>
-<p:sldLayout xmlns:a="http://schemas.openxmlformats.org/drawingml/2006/main" xmlns:r="http://schemas.openxmlformats.org/officeDocument/2006/relationships" xmlns:p="http://schemas.openxmlformats.org/presentationml/2006/main" type="blank" matchingName="Blank">
+<p:sldLayout xmlns:a="http://schemas.openxmlformats.org/drawingml/2006/main" xmlns:r="http://schemas.openxmlformats.org/officeDocument/2006/relationships" xmlns:p="http://schemas.openxmlformats.org/presentationml/2006/main" matchingName="Blank" type="blank">
   <p:cSld name="BLANK">
     <p:spTree>
       <p:nvGrpSpPr>
@@ -10293,6 +10479,7 @@
             </a:pPr>
             <a:fld id="{00000000-1234-1234-1234-123412341234}" type="slidenum">
               <a:rPr lang="en-GB"/>
+              <a:t>‹#›</a:t>
             </a:fld>
             <a:endParaRPr lang="en-GB"/>
           </a:p>
@@ -10343,7 +10530,6 @@
               <a:rPr lang="en-US" strike="noStrike" noProof="1"/>
               <a:t>Click to edit Master title style</a:t>
             </a:r>
-            <a:endParaRPr lang="en-US" strike="noStrike" noProof="1"/>
           </a:p>
         </p:txBody>
       </p:sp>
@@ -10367,7 +10553,6 @@
               <a:rPr lang="en-US" strike="noStrike" noProof="1"/>
               <a:t>Click to edit Master text styles</a:t>
             </a:r>
-            <a:endParaRPr lang="en-US" strike="noStrike" noProof="1"/>
           </a:p>
           <a:p>
             <a:pPr lvl="1" fontAlgn="base"/>
@@ -10375,7 +10560,6 @@
               <a:rPr lang="en-US" strike="noStrike" noProof="1"/>
               <a:t>Second level</a:t>
             </a:r>
-            <a:endParaRPr lang="en-US" strike="noStrike" noProof="1"/>
           </a:p>
           <a:p>
             <a:pPr lvl="2" fontAlgn="base"/>
@@ -10383,7 +10567,6 @@
               <a:rPr lang="en-US" strike="noStrike" noProof="1"/>
               <a:t>Third level</a:t>
             </a:r>
-            <a:endParaRPr lang="en-US" strike="noStrike" noProof="1"/>
           </a:p>
           <a:p>
             <a:pPr lvl="3" fontAlgn="base"/>
@@ -10391,7 +10574,6 @@
               <a:rPr lang="en-US" strike="noStrike" noProof="1"/>
               <a:t>Fourth level</a:t>
             </a:r>
-            <a:endParaRPr lang="en-US" strike="noStrike" noProof="1"/>
           </a:p>
           <a:p>
             <a:pPr lvl="4" fontAlgn="base"/>
@@ -10399,7 +10581,6 @@
               <a:rPr lang="en-US" strike="noStrike" noProof="1"/>
               <a:t>Fifth level</a:t>
             </a:r>
-            <a:endParaRPr lang="en-US" strike="noStrike" noProof="1"/>
           </a:p>
         </p:txBody>
       </p:sp>
@@ -10475,6 +10656,7 @@
                 <a:ea typeface="SimSun" panose="02010600030101010101" pitchFamily="2" charset="-122"/>
                 <a:cs typeface="+mn-cs"/>
               </a:rPr>
+              <a:t>‹#›</a:t>
             </a:fld>
             <a:endParaRPr lang="zh-CN" altLang="en-US" strike="noStrike" noProof="1"/>
           </a:p>
@@ -10525,7 +10707,6 @@
               <a:rPr lang="en-US" strike="noStrike" noProof="1"/>
               <a:t>Click to edit Master title style</a:t>
             </a:r>
-            <a:endParaRPr lang="en-US" strike="noStrike" noProof="1"/>
           </a:p>
         </p:txBody>
       </p:sp>
@@ -10554,7 +10735,6 @@
               <a:rPr lang="en-US" strike="noStrike" noProof="1"/>
               <a:t>Click to edit Master text styles</a:t>
             </a:r>
-            <a:endParaRPr lang="en-US" strike="noStrike" noProof="1"/>
           </a:p>
           <a:p>
             <a:pPr lvl="1" fontAlgn="base"/>
@@ -10562,7 +10742,6 @@
               <a:rPr lang="en-US" strike="noStrike" noProof="1"/>
               <a:t>Second level</a:t>
             </a:r>
-            <a:endParaRPr lang="en-US" strike="noStrike" noProof="1"/>
           </a:p>
           <a:p>
             <a:pPr lvl="2" fontAlgn="base"/>
@@ -10570,7 +10749,6 @@
               <a:rPr lang="en-US" strike="noStrike" noProof="1"/>
               <a:t>Third level</a:t>
             </a:r>
-            <a:endParaRPr lang="en-US" strike="noStrike" noProof="1"/>
           </a:p>
           <a:p>
             <a:pPr lvl="3" fontAlgn="base"/>
@@ -10578,7 +10756,6 @@
               <a:rPr lang="en-US" strike="noStrike" noProof="1"/>
               <a:t>Fourth level</a:t>
             </a:r>
-            <a:endParaRPr lang="en-US" strike="noStrike" noProof="1"/>
           </a:p>
           <a:p>
             <a:pPr lvl="4" fontAlgn="base"/>
@@ -10586,7 +10763,6 @@
               <a:rPr lang="en-US" strike="noStrike" noProof="1"/>
               <a:t>Fifth level</a:t>
             </a:r>
-            <a:endParaRPr lang="en-US" strike="noStrike" noProof="1"/>
           </a:p>
         </p:txBody>
       </p:sp>
@@ -10615,7 +10791,6 @@
               <a:rPr lang="en-US" strike="noStrike" noProof="1"/>
               <a:t>Click to edit Master text styles</a:t>
             </a:r>
-            <a:endParaRPr lang="en-US" strike="noStrike" noProof="1"/>
           </a:p>
           <a:p>
             <a:pPr lvl="1" fontAlgn="base"/>
@@ -10623,7 +10798,6 @@
               <a:rPr lang="en-US" strike="noStrike" noProof="1"/>
               <a:t>Second level</a:t>
             </a:r>
-            <a:endParaRPr lang="en-US" strike="noStrike" noProof="1"/>
           </a:p>
           <a:p>
             <a:pPr lvl="2" fontAlgn="base"/>
@@ -10631,7 +10805,6 @@
               <a:rPr lang="en-US" strike="noStrike" noProof="1"/>
               <a:t>Third level</a:t>
             </a:r>
-            <a:endParaRPr lang="en-US" strike="noStrike" noProof="1"/>
           </a:p>
           <a:p>
             <a:pPr lvl="3" fontAlgn="base"/>
@@ -10639,7 +10812,6 @@
               <a:rPr lang="en-US" strike="noStrike" noProof="1"/>
               <a:t>Fourth level</a:t>
             </a:r>
-            <a:endParaRPr lang="en-US" strike="noStrike" noProof="1"/>
           </a:p>
           <a:p>
             <a:pPr lvl="4" fontAlgn="base"/>
@@ -10647,7 +10819,6 @@
               <a:rPr lang="en-US" strike="noStrike" noProof="1"/>
               <a:t>Fifth level</a:t>
             </a:r>
-            <a:endParaRPr lang="en-US" strike="noStrike" noProof="1"/>
           </a:p>
         </p:txBody>
       </p:sp>
@@ -10723,6 +10894,7 @@
                 <a:ea typeface="SimSun" panose="02010600030101010101" pitchFamily="2" charset="-122"/>
                 <a:cs typeface="+mn-cs"/>
               </a:rPr>
+              <a:t>‹#›</a:t>
             </a:fld>
             <a:endParaRPr lang="zh-CN" altLang="en-US" strike="noStrike" noProof="1"/>
           </a:p>
@@ -10737,7 +10909,7 @@
 </file>
 
 <file path=ppt/slideLayouts/slideLayout2.xml><?xml version="1.0" encoding="utf-8"?>
-<p:sldLayout xmlns:a="http://schemas.openxmlformats.org/drawingml/2006/main" xmlns:r="http://schemas.openxmlformats.org/officeDocument/2006/relationships" xmlns:p="http://schemas.openxmlformats.org/presentationml/2006/main" type="secHead" matchingName="Section header">
+<p:sldLayout xmlns:a="http://schemas.openxmlformats.org/drawingml/2006/main" xmlns:r="http://schemas.openxmlformats.org/officeDocument/2006/relationships" xmlns:p="http://schemas.openxmlformats.org/presentationml/2006/main" matchingName="Section header" type="secHead">
   <p:cSld name="SECTION_HEADER">
     <p:bg>
       <p:bgPr>
@@ -10830,6 +11002,7 @@
                   </a:spcAft>
                   <a:buNone/>
                 </a:pPr>
+                <a:endParaRPr/>
               </a:p>
             </p:txBody>
           </p:sp>
@@ -10874,6 +11047,7 @@
                   </a:spcAft>
                   <a:buNone/>
                 </a:pPr>
+                <a:endParaRPr/>
               </a:p>
             </p:txBody>
           </p:sp>
@@ -10933,6 +11107,7 @@
                   </a:spcAft>
                   <a:buNone/>
                 </a:pPr>
+                <a:endParaRPr/>
               </a:p>
             </p:txBody>
           </p:sp>
@@ -10977,6 +11152,7 @@
                   </a:spcAft>
                   <a:buNone/>
                 </a:pPr>
+                <a:endParaRPr/>
               </a:p>
             </p:txBody>
           </p:sp>
@@ -11021,6 +11197,7 @@
                   </a:spcAft>
                   <a:buNone/>
                 </a:pPr>
+                <a:endParaRPr/>
               </a:p>
             </p:txBody>
           </p:sp>
@@ -11080,6 +11257,7 @@
                   </a:spcAft>
                   <a:buNone/>
                 </a:pPr>
+                <a:endParaRPr/>
               </a:p>
             </p:txBody>
           </p:sp>
@@ -11124,6 +11302,7 @@
                   </a:spcAft>
                   <a:buNone/>
                 </a:pPr>
+                <a:endParaRPr/>
               </a:p>
             </p:txBody>
           </p:sp>
@@ -11168,6 +11347,7 @@
                   </a:spcAft>
                   <a:buNone/>
                 </a:pPr>
+                <a:endParaRPr/>
               </a:p>
             </p:txBody>
           </p:sp>
@@ -11212,6 +11392,7 @@
                   </a:spcAft>
                   <a:buNone/>
                 </a:pPr>
+                <a:endParaRPr/>
               </a:p>
             </p:txBody>
           </p:sp>
@@ -11286,6 +11467,7 @@
                   </a:spcAft>
                   <a:buNone/>
                 </a:pPr>
+                <a:endParaRPr/>
               </a:p>
             </p:txBody>
           </p:sp>
@@ -11330,6 +11512,7 @@
                   </a:spcAft>
                   <a:buNone/>
                 </a:pPr>
+                <a:endParaRPr/>
               </a:p>
             </p:txBody>
           </p:sp>
@@ -11389,6 +11572,7 @@
                   </a:spcAft>
                   <a:buNone/>
                 </a:pPr>
+                <a:endParaRPr/>
               </a:p>
             </p:txBody>
           </p:sp>
@@ -11433,6 +11617,7 @@
                   </a:spcAft>
                   <a:buNone/>
                 </a:pPr>
+                <a:endParaRPr/>
               </a:p>
             </p:txBody>
           </p:sp>
@@ -11477,6 +11662,7 @@
                   </a:spcAft>
                   <a:buNone/>
                 </a:pPr>
+                <a:endParaRPr/>
               </a:p>
             </p:txBody>
           </p:sp>
@@ -11536,6 +11722,7 @@
                   </a:spcAft>
                   <a:buNone/>
                 </a:pPr>
+                <a:endParaRPr/>
               </a:p>
             </p:txBody>
           </p:sp>
@@ -11580,6 +11767,7 @@
                   </a:spcAft>
                   <a:buNone/>
                 </a:pPr>
+                <a:endParaRPr/>
               </a:p>
             </p:txBody>
           </p:sp>
@@ -11624,6 +11812,7 @@
                   </a:spcAft>
                   <a:buNone/>
                 </a:pPr>
+                <a:endParaRPr/>
               </a:p>
             </p:txBody>
           </p:sp>
@@ -11668,6 +11857,7 @@
                   </a:spcAft>
                   <a:buNone/>
                 </a:pPr>
+                <a:endParaRPr/>
               </a:p>
             </p:txBody>
           </p:sp>
@@ -11727,6 +11917,7 @@
                   </a:spcAft>
                   <a:buNone/>
                 </a:pPr>
+                <a:endParaRPr/>
               </a:p>
             </p:txBody>
           </p:sp>
@@ -11771,6 +11962,7 @@
                   </a:spcAft>
                   <a:buNone/>
                 </a:pPr>
+                <a:endParaRPr/>
               </a:p>
             </p:txBody>
           </p:sp>
@@ -11815,6 +12007,7 @@
                   </a:spcAft>
                   <a:buNone/>
                 </a:pPr>
+                <a:endParaRPr/>
               </a:p>
             </p:txBody>
           </p:sp>
@@ -11859,6 +12052,7 @@
                   </a:spcAft>
                   <a:buNone/>
                 </a:pPr>
+                <a:endParaRPr/>
               </a:p>
             </p:txBody>
           </p:sp>
@@ -11903,6 +12097,7 @@
                   </a:spcAft>
                   <a:buNone/>
                 </a:pPr>
+                <a:endParaRPr/>
               </a:p>
             </p:txBody>
           </p:sp>
@@ -12095,7 +12290,9 @@
               </a:defRPr>
             </a:lvl9pPr>
           </a:lstStyle>
-          <a:p/>
+          <a:p>
+            <a:endParaRPr/>
+          </a:p>
         </p:txBody>
       </p:sp>
       <p:sp>
@@ -12207,6 +12404,7 @@
             </a:pPr>
             <a:fld id="{00000000-1234-1234-1234-123412341234}" type="slidenum">
               <a:rPr lang="en-GB"/>
+              <a:t>‹#›</a:t>
             </a:fld>
             <a:endParaRPr lang="en-GB"/>
           </a:p>
@@ -12221,7 +12419,7 @@
 </file>
 
 <file path=ppt/slideLayouts/slideLayout3.xml><?xml version="1.0" encoding="utf-8"?>
-<p:sldLayout xmlns:a="http://schemas.openxmlformats.org/drawingml/2006/main" xmlns:r="http://schemas.openxmlformats.org/officeDocument/2006/relationships" xmlns:p="http://schemas.openxmlformats.org/presentationml/2006/main" type="tx" matchingName="Title and body">
+<p:sldLayout xmlns:a="http://schemas.openxmlformats.org/drawingml/2006/main" xmlns:r="http://schemas.openxmlformats.org/officeDocument/2006/relationships" xmlns:p="http://schemas.openxmlformats.org/presentationml/2006/main" matchingName="Title and body" type="tx">
   <p:cSld name="TITLE_AND_BODY">
     <p:spTree>
       <p:nvGrpSpPr>
@@ -12292,6 +12490,7 @@
                 </a:spcAft>
                 <a:buNone/>
               </a:pPr>
+              <a:endParaRPr/>
             </a:p>
           </p:txBody>
         </p:sp>
@@ -12336,6 +12535,7 @@
                 </a:spcAft>
                 <a:buNone/>
               </a:pPr>
+              <a:endParaRPr/>
             </a:p>
           </p:txBody>
         </p:sp>
@@ -12464,7 +12664,9 @@
               <a:defRPr/>
             </a:lvl9pPr>
           </a:lstStyle>
-          <a:p/>
+          <a:p>
+            <a:endParaRPr/>
+          </a:p>
         </p:txBody>
       </p:sp>
       <p:sp>
@@ -12591,7 +12793,9 @@
               <a:defRPr/>
             </a:lvl9pPr>
           </a:lstStyle>
-          <a:p/>
+          <a:p>
+            <a:endParaRPr/>
+          </a:p>
         </p:txBody>
       </p:sp>
       <p:sp>
@@ -12667,6 +12871,7 @@
             </a:pPr>
             <a:fld id="{00000000-1234-1234-1234-123412341234}" type="slidenum">
               <a:rPr lang="en-GB"/>
+              <a:t>‹#›</a:t>
             </a:fld>
             <a:endParaRPr lang="en-GB"/>
           </a:p>
@@ -12681,7 +12886,7 @@
 </file>
 
 <file path=ppt/slideLayouts/slideLayout4.xml><?xml version="1.0" encoding="utf-8"?>
-<p:sldLayout xmlns:a="http://schemas.openxmlformats.org/drawingml/2006/main" xmlns:r="http://schemas.openxmlformats.org/officeDocument/2006/relationships" xmlns:p="http://schemas.openxmlformats.org/presentationml/2006/main" type="twoColTx" matchingName="Title and two columns">
+<p:sldLayout xmlns:a="http://schemas.openxmlformats.org/drawingml/2006/main" xmlns:r="http://schemas.openxmlformats.org/officeDocument/2006/relationships" xmlns:p="http://schemas.openxmlformats.org/presentationml/2006/main" matchingName="Title and two columns" type="twoColTx">
   <p:cSld name="TITLE_AND_TWO_COLUMNS">
     <p:spTree>
       <p:nvGrpSpPr>
@@ -12752,6 +12957,7 @@
                 </a:spcAft>
                 <a:buNone/>
               </a:pPr>
+              <a:endParaRPr/>
             </a:p>
           </p:txBody>
         </p:sp>
@@ -12796,6 +13002,7 @@
                 </a:spcAft>
                 <a:buNone/>
               </a:pPr>
+              <a:endParaRPr/>
             </a:p>
           </p:txBody>
         </p:sp>
@@ -12924,7 +13131,9 @@
               <a:defRPr/>
             </a:lvl9pPr>
           </a:lstStyle>
-          <a:p/>
+          <a:p>
+            <a:endParaRPr/>
+          </a:p>
         </p:txBody>
       </p:sp>
       <p:sp>
@@ -13051,7 +13260,9 @@
               <a:defRPr/>
             </a:lvl9pPr>
           </a:lstStyle>
-          <a:p/>
+          <a:p>
+            <a:endParaRPr/>
+          </a:p>
         </p:txBody>
       </p:sp>
       <p:sp>
@@ -13178,7 +13389,9 @@
               <a:defRPr/>
             </a:lvl9pPr>
           </a:lstStyle>
-          <a:p/>
+          <a:p>
+            <a:endParaRPr/>
+          </a:p>
         </p:txBody>
       </p:sp>
       <p:sp>
@@ -13254,6 +13467,7 @@
             </a:pPr>
             <a:fld id="{00000000-1234-1234-1234-123412341234}" type="slidenum">
               <a:rPr lang="en-GB"/>
+              <a:t>‹#›</a:t>
             </a:fld>
             <a:endParaRPr lang="en-GB"/>
           </a:p>
@@ -13268,7 +13482,7 @@
 </file>
 
 <file path=ppt/slideLayouts/slideLayout5.xml><?xml version="1.0" encoding="utf-8"?>
-<p:sldLayout xmlns:a="http://schemas.openxmlformats.org/drawingml/2006/main" xmlns:r="http://schemas.openxmlformats.org/officeDocument/2006/relationships" xmlns:p="http://schemas.openxmlformats.org/presentationml/2006/main" type="titleOnly" matchingName="Title only">
+<p:sldLayout xmlns:a="http://schemas.openxmlformats.org/drawingml/2006/main" xmlns:r="http://schemas.openxmlformats.org/officeDocument/2006/relationships" xmlns:p="http://schemas.openxmlformats.org/presentationml/2006/main" matchingName="Title only" type="titleOnly">
   <p:cSld name="TITLE_ONLY">
     <p:spTree>
       <p:nvGrpSpPr>
@@ -13339,6 +13553,7 @@
                 </a:spcAft>
                 <a:buNone/>
               </a:pPr>
+              <a:endParaRPr/>
             </a:p>
           </p:txBody>
         </p:sp>
@@ -13383,6 +13598,7 @@
                 </a:spcAft>
                 <a:buNone/>
               </a:pPr>
+              <a:endParaRPr/>
             </a:p>
           </p:txBody>
         </p:sp>
@@ -13511,7 +13727,9 @@
               <a:defRPr/>
             </a:lvl9pPr>
           </a:lstStyle>
-          <a:p/>
+          <a:p>
+            <a:endParaRPr/>
+          </a:p>
         </p:txBody>
       </p:sp>
       <p:sp>
@@ -13587,6 +13805,7 @@
             </a:pPr>
             <a:fld id="{00000000-1234-1234-1234-123412341234}" type="slidenum">
               <a:rPr lang="en-GB"/>
+              <a:t>‹#›</a:t>
             </a:fld>
             <a:endParaRPr lang="en-GB"/>
           </a:p>
@@ -13672,6 +13891,7 @@
                 </a:spcAft>
                 <a:buNone/>
               </a:pPr>
+              <a:endParaRPr/>
             </a:p>
           </p:txBody>
         </p:sp>
@@ -13716,6 +13936,7 @@
                 </a:spcAft>
                 <a:buNone/>
               </a:pPr>
+              <a:endParaRPr/>
             </a:p>
           </p:txBody>
         </p:sp>
@@ -13844,7 +14065,9 @@
               <a:defRPr/>
             </a:lvl9pPr>
           </a:lstStyle>
-          <a:p/>
+          <a:p>
+            <a:endParaRPr/>
+          </a:p>
         </p:txBody>
       </p:sp>
       <p:sp>
@@ -13971,7 +14194,9 @@
               <a:defRPr/>
             </a:lvl9pPr>
           </a:lstStyle>
-          <a:p/>
+          <a:p>
+            <a:endParaRPr/>
+          </a:p>
         </p:txBody>
       </p:sp>
       <p:sp>
@@ -14047,6 +14272,7 @@
             </a:pPr>
             <a:fld id="{00000000-1234-1234-1234-123412341234}" type="slidenum">
               <a:rPr lang="en-GB"/>
+              <a:t>‹#›</a:t>
             </a:fld>
             <a:endParaRPr lang="en-GB"/>
           </a:p>
@@ -14151,6 +14377,7 @@
                   </a:spcAft>
                   <a:buNone/>
                 </a:pPr>
+                <a:endParaRPr/>
               </a:p>
             </p:txBody>
           </p:sp>
@@ -14195,6 +14422,7 @@
                   </a:spcAft>
                   <a:buNone/>
                 </a:pPr>
+                <a:endParaRPr/>
               </a:p>
             </p:txBody>
           </p:sp>
@@ -14236,6 +14464,7 @@
                   </a:spcAft>
                   <a:buNone/>
                 </a:pPr>
+                <a:endParaRPr/>
               </a:p>
             </p:txBody>
           </p:sp>
@@ -14292,6 +14521,7 @@
                   </a:spcAft>
                   <a:buNone/>
                 </a:pPr>
+                <a:endParaRPr/>
               </a:p>
             </p:txBody>
           </p:sp>
@@ -14333,6 +14563,7 @@
                   </a:spcAft>
                   <a:buNone/>
                 </a:pPr>
+                <a:endParaRPr/>
               </a:p>
             </p:txBody>
           </p:sp>
@@ -14377,6 +14608,7 @@
                   </a:spcAft>
                   <a:buNone/>
                 </a:pPr>
+                <a:endParaRPr/>
               </a:p>
             </p:txBody>
           </p:sp>
@@ -14433,6 +14665,7 @@
                   </a:spcAft>
                   <a:buNone/>
                 </a:pPr>
+                <a:endParaRPr/>
               </a:p>
             </p:txBody>
           </p:sp>
@@ -14477,6 +14710,7 @@
                   </a:spcAft>
                   <a:buNone/>
                 </a:pPr>
+                <a:endParaRPr/>
               </a:p>
             </p:txBody>
           </p:sp>
@@ -14669,7 +14903,9 @@
               </a:defRPr>
             </a:lvl9pPr>
           </a:lstStyle>
-          <a:p/>
+          <a:p>
+            <a:endParaRPr/>
+          </a:p>
         </p:txBody>
       </p:sp>
       <p:sp>
@@ -14781,6 +15017,7 @@
             </a:pPr>
             <a:fld id="{00000000-1234-1234-1234-123412341234}" type="slidenum">
               <a:rPr lang="en-GB"/>
+              <a:t>‹#›</a:t>
             </a:fld>
             <a:endParaRPr lang="en-GB"/>
           </a:p>
@@ -14866,6 +15103,7 @@
                 </a:spcAft>
                 <a:buNone/>
               </a:pPr>
+              <a:endParaRPr/>
             </a:p>
           </p:txBody>
         </p:sp>
@@ -14910,6 +15148,7 @@
                 </a:spcAft>
                 <a:buNone/>
               </a:pPr>
+              <a:endParaRPr/>
             </a:p>
           </p:txBody>
         </p:sp>
@@ -15047,7 +15286,9 @@
               <a:defRPr/>
             </a:lvl9pPr>
           </a:lstStyle>
-          <a:p/>
+          <a:p>
+            <a:endParaRPr/>
+          </a:p>
         </p:txBody>
       </p:sp>
       <p:sp>
@@ -15210,7 +15451,9 @@
               <a:defRPr sz="1600"/>
             </a:lvl9pPr>
           </a:lstStyle>
-          <a:p/>
+          <a:p>
+            <a:endParaRPr/>
+          </a:p>
         </p:txBody>
       </p:sp>
       <p:sp>
@@ -15346,7 +15589,9 @@
               <a:defRPr/>
             </a:lvl9pPr>
           </a:lstStyle>
-          <a:p/>
+          <a:p>
+            <a:endParaRPr/>
+          </a:p>
         </p:txBody>
       </p:sp>
       <p:sp>
@@ -15422,6 +15667,7 @@
             </a:pPr>
             <a:fld id="{00000000-1234-1234-1234-123412341234}" type="slidenum">
               <a:rPr lang="en-GB"/>
+              <a:t>‹#›</a:t>
             </a:fld>
             <a:endParaRPr lang="en-GB"/>
           </a:p>
@@ -15507,6 +15753,7 @@
                 </a:spcAft>
                 <a:buNone/>
               </a:pPr>
+              <a:endParaRPr/>
             </a:p>
           </p:txBody>
         </p:sp>
@@ -15551,6 +15798,7 @@
                 </a:spcAft>
                 <a:buNone/>
               </a:pPr>
+              <a:endParaRPr/>
             </a:p>
           </p:txBody>
         </p:sp>
@@ -15594,7 +15842,9 @@
               <a:defRPr/>
             </a:lvl1pPr>
           </a:lstStyle>
-          <a:p/>
+          <a:p>
+            <a:endParaRPr/>
+          </a:p>
         </p:txBody>
       </p:sp>
       <p:sp>
@@ -15670,6 +15920,7 @@
             </a:pPr>
             <a:fld id="{00000000-1234-1234-1234-123412341234}" type="slidenum">
               <a:rPr lang="en-GB"/>
+              <a:t>‹#›</a:t>
             </a:fld>
             <a:endParaRPr lang="en-GB"/>
           </a:p>
@@ -15944,7 +16195,9 @@
               </a:defRPr>
             </a:lvl9pPr>
           </a:lstStyle>
-          <a:p/>
+          <a:p>
+            <a:endParaRPr/>
+          </a:p>
         </p:txBody>
       </p:sp>
       <p:sp>
@@ -16210,7 +16463,9 @@
               </a:defRPr>
             </a:lvl9pPr>
           </a:lstStyle>
-          <a:p/>
+          <a:p>
+            <a:endParaRPr/>
+          </a:p>
         </p:txBody>
       </p:sp>
       <p:sp>
@@ -16362,6 +16617,7 @@
             </a:pPr>
             <a:fld id="{00000000-1234-1234-1234-123412341234}" type="slidenum">
               <a:rPr lang="en-GB"/>
+              <a:t>‹#›</a:t>
             </a:fld>
             <a:endParaRPr lang="en-GB"/>
           </a:p>
@@ -17368,13 +17624,6 @@
               </a:rPr>
               <a:t>Guide : Dr P.G.Sunita Hiremath.</a:t>
             </a:r>
-            <a:endParaRPr lang="en-US">
-              <a:solidFill>
-                <a:schemeClr val="bg2"/>
-              </a:solidFill>
-              <a:latin typeface="Georgia" panose="02040502050405020303" charset="0"/>
-              <a:cs typeface="Georgia" panose="02040502050405020303" charset="0"/>
-            </a:endParaRPr>
           </a:p>
           <a:p>
             <a:pPr marL="0" lvl="0" indent="0" algn="l" rtl="0">
@@ -17396,13 +17645,6 @@
               </a:rPr>
               <a:t>TEAM Members:</a:t>
             </a:r>
-            <a:endParaRPr lang="en-US">
-              <a:solidFill>
-                <a:schemeClr val="bg2"/>
-              </a:solidFill>
-              <a:latin typeface="Georgia" panose="02040502050405020303" charset="0"/>
-              <a:cs typeface="Georgia" panose="02040502050405020303" charset="0"/>
-            </a:endParaRPr>
           </a:p>
           <a:p>
             <a:pPr marL="0" lvl="0" indent="0" algn="l" rtl="0">
@@ -17424,13 +17666,6 @@
               </a:rPr>
               <a:t>* Varun Bohara.                01fe18bcs278</a:t>
             </a:r>
-            <a:endParaRPr lang="en-US">
-              <a:solidFill>
-                <a:schemeClr val="bg2"/>
-              </a:solidFill>
-              <a:latin typeface="Georgia" panose="02040502050405020303" charset="0"/>
-              <a:cs typeface="Georgia" panose="02040502050405020303" charset="0"/>
-            </a:endParaRPr>
           </a:p>
           <a:p>
             <a:pPr marL="0" lvl="0" indent="0" algn="l" rtl="0">
@@ -17452,13 +17687,6 @@
               </a:rPr>
               <a:t>* Sakshi Tahlani.               01fe18bcs271</a:t>
             </a:r>
-            <a:endParaRPr lang="en-US">
-              <a:solidFill>
-                <a:schemeClr val="bg2"/>
-              </a:solidFill>
-              <a:latin typeface="Georgia" panose="02040502050405020303" charset="0"/>
-              <a:cs typeface="Georgia" panose="02040502050405020303" charset="0"/>
-            </a:endParaRPr>
           </a:p>
           <a:p>
             <a:pPr marL="0" lvl="0" indent="0" algn="l" rtl="0">
@@ -17480,13 +17708,6 @@
               </a:rPr>
               <a:t>* Abhishek Rao.                01fe18bcs297</a:t>
             </a:r>
-            <a:endParaRPr lang="en-US">
-              <a:solidFill>
-                <a:schemeClr val="bg2"/>
-              </a:solidFill>
-              <a:latin typeface="Georgia" panose="02040502050405020303" charset="0"/>
-              <a:cs typeface="Georgia" panose="02040502050405020303" charset="0"/>
-            </a:endParaRPr>
           </a:p>
           <a:p>
             <a:pPr marL="0" lvl="0" indent="0" algn="l" rtl="0">
@@ -17558,7 +17779,7 @@
           <p:nvPr/>
         </p:nvPicPr>
         <p:blipFill>
-          <a:blip r:embed="rId1">
+          <a:blip r:embed="rId3">
             <a:clrChange>
               <a:clrFrom>
                 <a:srgbClr val="FFFFFF">
@@ -17639,14 +17860,20 @@
               <a:buNone/>
             </a:pPr>
             <a:r>
-              <a:rPr lang="en-US" sz="1800" b="1" u="sng" dirty="0"/>
+              <a:rPr lang="en-US" sz="1600" b="1" u="sng" dirty="0">
+                <a:latin typeface="Georgia" panose="02040502050405020303" pitchFamily="18" charset="0"/>
+              </a:rPr>
               <a:t>Exploring Hate Speech Detection in Multimodal Publications ( WACV, 2020) </a:t>
             </a:r>
             <a:r>
-              <a:rPr lang="en-US" sz="1800" b="1" dirty="0"/>
+              <a:rPr lang="en-US" sz="1600" b="1" dirty="0">
+                <a:latin typeface="Georgia" panose="02040502050405020303" pitchFamily="18" charset="0"/>
+              </a:rPr>
               <a:t>[1]</a:t>
             </a:r>
-            <a:endParaRPr lang="en-IN" sz="1400" b="1" dirty="0"/>
+            <a:endParaRPr lang="en-IN" sz="1200" b="1" dirty="0">
+              <a:latin typeface="Georgia" panose="02040502050405020303" pitchFamily="18" charset="0"/>
+            </a:endParaRPr>
           </a:p>
           <a:p>
             <a:r>
@@ -17657,7 +17884,6 @@
               <a:rPr lang="en-IN" sz="1200" dirty="0"/>
               <a:t>( Textual Kernels Model ): </a:t>
             </a:r>
-            <a:endParaRPr lang="en-IN" sz="1200" dirty="0"/>
           </a:p>
           <a:p>
             <a:pPr marL="146050" indent="0">
@@ -17684,6 +17910,7 @@
           <a:p>
             <a:fld id="{7870A25B-082D-42BE-9910-664729240837}" type="slidenum">
               <a:rPr lang="en-IN" smtClean="0"/>
+              <a:t>10</a:t>
             </a:fld>
             <a:endParaRPr lang="en-IN" dirty="0"/>
           </a:p>
@@ -17698,7 +17925,7 @@
           <p:nvPr/>
         </p:nvPicPr>
         <p:blipFill rotWithShape="1">
-          <a:blip r:embed="rId1">
+          <a:blip r:embed="rId3">
             <a:extLst>
               <a:ext uri="{28A0092B-C50C-407E-A947-70E740481C1C}">
                 <a14:useLocalDpi xmlns:a14="http://schemas.microsoft.com/office/drawing/2010/main" val="0"/>
@@ -17728,8 +17955,8 @@
         </p:nvSpPr>
         <p:spPr>
           <a:xfrm>
-            <a:off x="7396646" y="2295476"/>
-            <a:ext cx="1603100" cy="646331"/>
+            <a:off x="6969925" y="2394659"/>
+            <a:ext cx="1801095" cy="646331"/>
           </a:xfrm>
           <a:prstGeom prst="rect">
             <a:avLst/>
@@ -17750,7 +17977,16 @@
               <a:rPr lang="en-IN" sz="1200" dirty="0"/>
               <a:t>Inception Model</a:t>
             </a:r>
-            <a:endParaRPr lang="en-IN" sz="1200" dirty="0"/>
+          </a:p>
+          <a:p>
+            <a:pPr marL="285750" indent="-285750">
+              <a:buFont typeface="Wingdings" panose="05000000000000000000" pitchFamily="2" charset="2"/>
+              <a:buChar char="ü"/>
+            </a:pPr>
+            <a:r>
+              <a:rPr lang="en-IN" sz="1200" dirty="0"/>
+              <a:t>LSTM Model </a:t>
+            </a:r>
           </a:p>
           <a:p>
             <a:pPr marL="285750" indent="-285750">
@@ -17761,18 +17997,6 @@
               <a:rPr lang="en-IN" sz="1200" dirty="0"/>
               <a:t>Kernel </a:t>
             </a:r>
-            <a:endParaRPr lang="en-IN" sz="1200" dirty="0"/>
-          </a:p>
-          <a:p>
-            <a:pPr marL="285750" indent="-285750">
-              <a:buFont typeface="Wingdings" panose="05000000000000000000" pitchFamily="2" charset="2"/>
-              <a:buChar char="ü"/>
-            </a:pPr>
-            <a:r>
-              <a:rPr lang="en-IN" sz="1200" dirty="0"/>
-              <a:t>LSTM Model </a:t>
-            </a:r>
-            <a:endParaRPr lang="en-IN" sz="1200" dirty="0"/>
           </a:p>
         </p:txBody>
       </p:sp>
@@ -17832,21 +18056,21 @@
               <a:buNone/>
             </a:pPr>
             <a:r>
-              <a:rPr lang="en-US">
+              <a:rPr lang="en-US" dirty="0">
                 <a:latin typeface="Georgia" panose="02040502050405020303" charset="0"/>
                 <a:cs typeface="Georgia" panose="02040502050405020303" charset="0"/>
                 <a:sym typeface="+mn-ea"/>
               </a:rPr>
-              <a:t>PROPOSED METHODOLOGY</a:t>
+              <a:t>     Proposed Methodology</a:t>
             </a:r>
             <a:br>
-              <a:rPr lang="en-US">
+              <a:rPr lang="en-US" dirty="0">
                 <a:latin typeface="Georgia" panose="02040502050405020303" charset="0"/>
                 <a:cs typeface="Georgia" panose="02040502050405020303" charset="0"/>
                 <a:sym typeface="+mn-ea"/>
               </a:rPr>
             </a:br>
-            <a:endParaRPr lang="en-US">
+            <a:endParaRPr lang="en-US" dirty="0">
               <a:latin typeface="Georgia" panose="02040502050405020303" charset="0"/>
               <a:cs typeface="Georgia" panose="02040502050405020303" charset="0"/>
               <a:sym typeface="+mn-ea"/>
@@ -17921,10 +18145,6 @@
               </a:rPr>
               <a:t>Input</a:t>
             </a:r>
-            <a:endParaRPr lang="en-US">
-              <a:latin typeface="Georgia" panose="02040502050405020303" charset="0"/>
-              <a:cs typeface="Georgia" panose="02040502050405020303" charset="0"/>
-            </a:endParaRPr>
           </a:p>
         </p:txBody>
       </p:sp>
@@ -17957,10 +18177,6 @@
               </a:rPr>
               <a:t>Output</a:t>
             </a:r>
-            <a:endParaRPr lang="en-US">
-              <a:latin typeface="Georgia" panose="02040502050405020303" charset="0"/>
-              <a:cs typeface="Georgia" panose="02040502050405020303" charset="0"/>
-            </a:endParaRPr>
           </a:p>
         </p:txBody>
       </p:sp>
@@ -17975,7 +18191,7 @@
           </p:nvPr>
         </p:nvPicPr>
         <p:blipFill>
-          <a:blip r:embed="rId1"/>
+          <a:blip r:embed="rId3"/>
           <a:stretch>
             <a:fillRect/>
           </a:stretch>
@@ -18031,10 +18247,6 @@
               </a:rPr>
               <a:t>Visual Module</a:t>
             </a:r>
-            <a:endParaRPr lang="en-US" dirty="0">
-              <a:latin typeface="Georgia" panose="02040502050405020303" charset="0"/>
-              <a:cs typeface="Georgia" panose="02040502050405020303" charset="0"/>
-            </a:endParaRPr>
           </a:p>
         </p:txBody>
       </p:sp>
@@ -18077,12 +18289,8 @@
                 <a:latin typeface="Georgia" panose="02040502050405020303" charset="0"/>
                 <a:cs typeface="Georgia" panose="02040502050405020303" charset="0"/>
               </a:rPr>
-              <a:t>Image Module</a:t>
+              <a:t>Text Module</a:t>
             </a:r>
-            <a:endParaRPr lang="en-US" dirty="0">
-              <a:latin typeface="Georgia" panose="02040502050405020303" charset="0"/>
-              <a:cs typeface="Georgia" panose="02040502050405020303" charset="0"/>
-            </a:endParaRPr>
           </a:p>
         </p:txBody>
       </p:sp>
@@ -18127,10 +18335,6 @@
               </a:rPr>
               <a:t>Decoder</a:t>
             </a:r>
-            <a:endParaRPr lang="en-US">
-              <a:latin typeface="Georgia" panose="02040502050405020303" charset="0"/>
-              <a:cs typeface="Georgia" panose="02040502050405020303" charset="0"/>
-            </a:endParaRPr>
           </a:p>
         </p:txBody>
       </p:sp>
@@ -18247,10 +18451,6 @@
               </a:rPr>
               <a:t>Performance Evaluation</a:t>
             </a:r>
-            <a:endParaRPr lang="en-US">
-              <a:latin typeface="Georgia" panose="02040502050405020303" charset="0"/>
-              <a:cs typeface="Georgia" panose="02040502050405020303" charset="0"/>
-            </a:endParaRPr>
           </a:p>
         </p:txBody>
       </p:sp>
@@ -18316,10 +18516,6 @@
               </a:rPr>
               <a:t>Hateful (1)</a:t>
             </a:r>
-            <a:endParaRPr lang="en-US">
-              <a:latin typeface="Georgia" panose="02040502050405020303" charset="0"/>
-              <a:cs typeface="Georgia" panose="02040502050405020303" charset="0"/>
-            </a:endParaRPr>
           </a:p>
         </p:txBody>
       </p:sp>
@@ -18416,21 +18612,21 @@
               <a:buNone/>
             </a:pPr>
             <a:r>
-              <a:rPr lang="en-US">
+              <a:rPr lang="en-US" dirty="0">
                 <a:latin typeface="Georgia" panose="02040502050405020303" charset="0"/>
                 <a:cs typeface="Georgia" panose="02040502050405020303" charset="0"/>
                 <a:sym typeface="+mn-ea"/>
               </a:rPr>
-              <a:t>REQUIREMENT ANALYSIS</a:t>
+              <a:t>Requirement Analysis</a:t>
             </a:r>
             <a:br>
-              <a:rPr lang="en-US">
+              <a:rPr lang="en-US" dirty="0">
                 <a:latin typeface="Georgia" panose="02040502050405020303" charset="0"/>
                 <a:cs typeface="Georgia" panose="02040502050405020303" charset="0"/>
                 <a:sym typeface="+mn-ea"/>
               </a:rPr>
             </a:br>
-            <a:endParaRPr lang="en-US">
+            <a:endParaRPr lang="en-US" dirty="0">
               <a:latin typeface="Georgia" panose="02040502050405020303" charset="0"/>
               <a:cs typeface="Georgia" panose="02040502050405020303" charset="0"/>
               <a:sym typeface="+mn-ea"/>
@@ -18450,7 +18646,7 @@
         </p:nvSpPr>
         <p:spPr>
           <a:xfrm>
-            <a:off x="1303655" y="1138555"/>
+            <a:off x="1303580" y="1373016"/>
             <a:ext cx="7030720" cy="3393440"/>
           </a:xfrm>
           <a:prstGeom prst="rect">
@@ -18473,16 +18669,12 @@
               <a:buNone/>
             </a:pPr>
             <a:r>
-              <a:rPr lang="en-US" b="1">
+              <a:rPr lang="en-US" sz="1400" b="1" dirty="0">
                 <a:latin typeface="Georgia" panose="02040502050405020303" charset="0"/>
                 <a:cs typeface="Georgia" panose="02040502050405020303" charset="0"/>
               </a:rPr>
               <a:t>Functional</a:t>
             </a:r>
-            <a:endParaRPr lang="en-US" b="1">
-              <a:latin typeface="Georgia" panose="02040502050405020303" charset="0"/>
-              <a:cs typeface="Georgia" panose="02040502050405020303" charset="0"/>
-            </a:endParaRPr>
           </a:p>
           <a:p>
             <a:pPr marL="285750" lvl="0" indent="-285750" algn="l" rtl="0">
@@ -18496,16 +18688,12 @@
               <a:buChar char="§"/>
             </a:pPr>
             <a:r>
-              <a:rPr lang="en-US">
+              <a:rPr lang="en-US" dirty="0">
                 <a:latin typeface="Georgia" panose="02040502050405020303" charset="0"/>
                 <a:cs typeface="Georgia" panose="02040502050405020303" charset="0"/>
               </a:rPr>
               <a:t>The model shall be able to generate image and text representations .</a:t>
             </a:r>
-            <a:endParaRPr lang="en-US">
-              <a:latin typeface="Georgia" panose="02040502050405020303" charset="0"/>
-              <a:cs typeface="Georgia" panose="02040502050405020303" charset="0"/>
-            </a:endParaRPr>
           </a:p>
           <a:p>
             <a:pPr marL="285750" lvl="0" indent="-285750" algn="l" rtl="0">
@@ -18519,16 +18707,12 @@
               <a:buChar char="§"/>
             </a:pPr>
             <a:r>
-              <a:rPr lang="en-US">
+              <a:rPr lang="en-US" dirty="0">
                 <a:latin typeface="Georgia" panose="02040502050405020303" charset="0"/>
                 <a:cs typeface="Georgia" panose="02040502050405020303" charset="0"/>
               </a:rPr>
               <a:t>The model shall be able to classify the meme as hateful or non hateful using provided embeddings .</a:t>
             </a:r>
-            <a:endParaRPr lang="en-US">
-              <a:latin typeface="Georgia" panose="02040502050405020303" charset="0"/>
-              <a:cs typeface="Georgia" panose="02040502050405020303" charset="0"/>
-            </a:endParaRPr>
           </a:p>
           <a:p>
             <a:pPr marL="285750" lvl="0" indent="-285750" algn="l" rtl="0">
@@ -18542,16 +18726,12 @@
               <a:buChar char="§"/>
             </a:pPr>
             <a:r>
-              <a:rPr lang="en-US">
+              <a:rPr lang="en-US" dirty="0">
                 <a:latin typeface="Georgia" panose="02040502050405020303" charset="0"/>
                 <a:cs typeface="Georgia" panose="02040502050405020303" charset="0"/>
               </a:rPr>
               <a:t>The model shall be able to generate the probability of the meme being hateful .</a:t>
             </a:r>
-            <a:endParaRPr lang="en-US">
-              <a:latin typeface="Georgia" panose="02040502050405020303" charset="0"/>
-              <a:cs typeface="Georgia" panose="02040502050405020303" charset="0"/>
-            </a:endParaRPr>
           </a:p>
           <a:p>
             <a:pPr marL="0" lvl="0" indent="0" algn="l" rtl="0">
@@ -18564,16 +18744,12 @@
               <a:buNone/>
             </a:pPr>
             <a:r>
-              <a:rPr lang="en-US" b="1">
+              <a:rPr lang="en-US" sz="1400" b="1" dirty="0">
                 <a:latin typeface="Georgia" panose="02040502050405020303" charset="0"/>
                 <a:cs typeface="Georgia" panose="02040502050405020303" charset="0"/>
               </a:rPr>
               <a:t>Non Functional</a:t>
             </a:r>
-            <a:endParaRPr lang="en-US" b="1">
-              <a:latin typeface="Georgia" panose="02040502050405020303" charset="0"/>
-              <a:cs typeface="Georgia" panose="02040502050405020303" charset="0"/>
-            </a:endParaRPr>
           </a:p>
           <a:p>
             <a:pPr marL="285750" lvl="0" indent="-285750" algn="l" rtl="0">
@@ -18587,16 +18763,12 @@
               <a:buChar char="§"/>
             </a:pPr>
             <a:r>
-              <a:rPr lang="en-US">
+              <a:rPr lang="en-US" dirty="0">
                 <a:latin typeface="Georgia" panose="02040502050405020303" charset="0"/>
                 <a:cs typeface="Georgia" panose="02040502050405020303" charset="0"/>
               </a:rPr>
               <a:t>The model should be atleast 70% accurate .</a:t>
             </a:r>
-            <a:endParaRPr lang="en-US">
-              <a:latin typeface="Georgia" panose="02040502050405020303" charset="0"/>
-              <a:cs typeface="Georgia" panose="02040502050405020303" charset="0"/>
-            </a:endParaRPr>
           </a:p>
           <a:p>
             <a:pPr marL="285750" lvl="0" indent="-285750" algn="l" rtl="0">
@@ -18610,16 +18782,12 @@
               <a:buChar char="§"/>
             </a:pPr>
             <a:r>
-              <a:rPr lang="en-US">
+              <a:rPr lang="en-US" dirty="0">
                 <a:latin typeface="Georgia" panose="02040502050405020303" charset="0"/>
                 <a:cs typeface="Georgia" panose="02040502050405020303" charset="0"/>
               </a:rPr>
               <a:t>The model should not under-perform on limited computing resources.   </a:t>
             </a:r>
-            <a:endParaRPr lang="en-US">
-              <a:latin typeface="Georgia" panose="02040502050405020303" charset="0"/>
-              <a:cs typeface="Georgia" panose="02040502050405020303" charset="0"/>
-            </a:endParaRPr>
           </a:p>
           <a:p>
             <a:pPr marL="285750" lvl="0" indent="-285750" algn="l" rtl="0">
@@ -18632,7 +18800,7 @@
               <a:buFont typeface="Wingdings" panose="05000000000000000000" charset="0"/>
               <a:buChar char="§"/>
             </a:pPr>
-            <a:endParaRPr lang="en-US">
+            <a:endParaRPr lang="en-US" dirty="0">
               <a:latin typeface="Georgia" panose="02040502050405020303" charset="0"/>
               <a:cs typeface="Georgia" panose="02040502050405020303" charset="0"/>
             </a:endParaRPr>
@@ -18699,18 +18867,13 @@
               <a:buNone/>
             </a:pPr>
             <a:r>
-              <a:rPr lang="en-US">
+              <a:rPr lang="en-US" dirty="0">
                 <a:latin typeface="Georgia" panose="02040502050405020303" charset="0"/>
                 <a:cs typeface="Georgia" panose="02040502050405020303" charset="0"/>
                 <a:sym typeface="+mn-ea"/>
               </a:rPr>
-              <a:t>REFERENCES</a:t>
+              <a:t>References</a:t>
             </a:r>
-            <a:endParaRPr lang="en-US">
-              <a:latin typeface="Georgia" panose="02040502050405020303" charset="0"/>
-              <a:cs typeface="Georgia" panose="02040502050405020303" charset="0"/>
-              <a:sym typeface="+mn-ea"/>
-            </a:endParaRPr>
           </a:p>
         </p:txBody>
       </p:sp>
@@ -18726,7 +18889,7 @@
         </p:nvSpPr>
         <p:spPr>
           <a:xfrm>
-            <a:off x="1303655" y="1130300"/>
+            <a:off x="1303655" y="1459484"/>
             <a:ext cx="7030720" cy="3401695"/>
           </a:xfrm>
           <a:prstGeom prst="rect">
@@ -18739,86 +18902,20 @@
           </a:bodyPr>
           <a:lstStyle/>
           <a:p>
-            <a:pPr marL="285750" lvl="0" indent="-285750" algn="l" rtl="0">
-              <a:spcBef>
-                <a:spcPts val="0"/>
-              </a:spcBef>
+            <a:pPr marL="0" indent="0">
               <a:spcAft>
                 <a:spcPts val="1600"/>
               </a:spcAft>
-              <a:buFont typeface="Arial" panose="020B0604020202020204" pitchFamily="34" charset="0"/>
-              <a:buChar char="•"/>
-            </a:pPr>
-            <a:endParaRPr>
-              <a:latin typeface="Georgia" panose="02040502050405020303" charset="0"/>
-              <a:cs typeface="Georgia" panose="02040502050405020303" charset="0"/>
-            </a:endParaRPr>
-          </a:p>
-          <a:p>
-            <a:pPr marL="285750" lvl="0" indent="-285750" algn="l" rtl="0">
-              <a:spcBef>
-                <a:spcPts val="0"/>
-              </a:spcBef>
-              <a:spcAft>
-                <a:spcPts val="1600"/>
-              </a:spcAft>
-              <a:buFont typeface="Arial" panose="020B0604020202020204" pitchFamily="34" charset="0"/>
-              <a:buChar char="•"/>
+              <a:buNone/>
             </a:pPr>
             <a:r>
-              <a:rPr>
+              <a:rPr lang="en-IN" dirty="0">
                 <a:latin typeface="Georgia" panose="02040502050405020303" charset="0"/>
                 <a:cs typeface="Georgia" panose="02040502050405020303" charset="0"/>
               </a:rPr>
-              <a:t>https://nirkin.com/hateful-memes/</a:t>
+              <a:t>[1]   https://arxiv.org/pdf/1910.03814.pdf</a:t>
             </a:r>
-            <a:endParaRPr>
-              <a:latin typeface="Georgia" panose="02040502050405020303" charset="0"/>
-              <a:cs typeface="Georgia" panose="02040502050405020303" charset="0"/>
-            </a:endParaRPr>
-          </a:p>
-          <a:p>
-            <a:pPr marL="285750" lvl="0" indent="-285750" algn="l" rtl="0">
-              <a:spcBef>
-                <a:spcPts val="0"/>
-              </a:spcBef>
-              <a:spcAft>
-                <a:spcPts val="1600"/>
-              </a:spcAft>
-              <a:buFont typeface="Arial" panose="020B0604020202020204" pitchFamily="34" charset="0"/>
-              <a:buChar char="•"/>
-            </a:pPr>
-            <a:r>
-              <a:rPr>
-                <a:latin typeface="Georgia" panose="02040502050405020303" charset="0"/>
-                <a:cs typeface="Georgia" panose="02040502050405020303" charset="0"/>
-              </a:rPr>
-              <a:t>https://www.aclweb.org/anthology/2020.trac-1.6.pdf</a:t>
-            </a:r>
-            <a:endParaRPr>
-              <a:latin typeface="Georgia" panose="02040502050405020303" charset="0"/>
-              <a:cs typeface="Georgia" panose="02040502050405020303" charset="0"/>
-            </a:endParaRPr>
-          </a:p>
-          <a:p>
-            <a:pPr marL="285750" lvl="0" indent="-285750" algn="l" rtl="0">
-              <a:spcBef>
-                <a:spcPts val="0"/>
-              </a:spcBef>
-              <a:spcAft>
-                <a:spcPts val="1600"/>
-              </a:spcAft>
-              <a:buFont typeface="Arial" panose="020B0604020202020204" pitchFamily="34" charset="0"/>
-              <a:buChar char="•"/>
-            </a:pPr>
-            <a:r>
-              <a:rPr>
-                <a:latin typeface="Georgia" panose="02040502050405020303" charset="0"/>
-                <a:cs typeface="Georgia" panose="02040502050405020303" charset="0"/>
-              </a:rPr>
-              <a:t>https://arxiv.org/pdf/1910.03814.pdf</a:t>
-            </a:r>
-            <a:endParaRPr>
+            <a:endParaRPr dirty="0">
               <a:latin typeface="Georgia" panose="02040502050405020303" charset="0"/>
               <a:cs typeface="Georgia" panose="02040502050405020303" charset="0"/>
             </a:endParaRPr>
@@ -18831,10 +18928,60 @@
               <a:spcAft>
                 <a:spcPts val="1600"/>
               </a:spcAft>
+              <a:buNone/>
+            </a:pPr>
+            <a:r>
+              <a:rPr lang="en-IN" dirty="0">
+                <a:latin typeface="Georgia" panose="02040502050405020303" charset="0"/>
+                <a:cs typeface="Georgia" panose="02040502050405020303" charset="0"/>
+              </a:rPr>
+              <a:t>[2]   </a:t>
+            </a:r>
+            <a:r>
+              <a:rPr dirty="0">
+                <a:latin typeface="Georgia" panose="02040502050405020303" charset="0"/>
+                <a:cs typeface="Georgia" panose="02040502050405020303" charset="0"/>
+              </a:rPr>
+              <a:t>https://nirkin.com/hateful-memes/</a:t>
+            </a:r>
+          </a:p>
+          <a:p>
+            <a:pPr marL="0" lvl="0" indent="0" algn="l" rtl="0">
+              <a:spcBef>
+                <a:spcPts val="0"/>
+              </a:spcBef>
+              <a:spcAft>
+                <a:spcPts val="1600"/>
+              </a:spcAft>
+              <a:buNone/>
+            </a:pPr>
+            <a:r>
+              <a:rPr lang="en-IN" dirty="0">
+                <a:latin typeface="Georgia" panose="02040502050405020303" charset="0"/>
+                <a:cs typeface="Georgia" panose="02040502050405020303" charset="0"/>
+              </a:rPr>
+              <a:t>[3]   </a:t>
+            </a:r>
+            <a:r>
+              <a:rPr dirty="0">
+                <a:latin typeface="Georgia" panose="02040502050405020303" charset="0"/>
+                <a:cs typeface="Georgia" panose="02040502050405020303" charset="0"/>
+              </a:rPr>
+              <a:t>https://www.aclweb.org/anthology/2020.trac-1.6.pdf</a:t>
+            </a:r>
+          </a:p>
+          <a:p>
+            <a:pPr marL="0" lvl="0" indent="0" algn="l" rtl="0">
+              <a:spcBef>
+                <a:spcPts val="0"/>
+              </a:spcBef>
+              <a:spcAft>
+                <a:spcPts val="1600"/>
+              </a:spcAft>
               <a:buFont typeface="Arial" panose="020B0604020202020204" pitchFamily="34" charset="0"/>
               <a:buNone/>
             </a:pPr>
-            <a:endParaRPr>
+            <a:endParaRPr dirty="0">
               <a:latin typeface="Georgia" panose="02040502050405020303" charset="0"/>
               <a:cs typeface="Georgia" panose="02040502050405020303" charset="0"/>
             </a:endParaRPr>
@@ -18882,16 +19029,12 @@
           <a:lstStyle/>
           <a:p>
             <a:r>
-              <a:rPr lang="en-US">
+              <a:rPr lang="en-US" dirty="0">
                 <a:latin typeface="Georgia" panose="02040502050405020303" charset="0"/>
                 <a:cs typeface="Georgia" panose="02040502050405020303" charset="0"/>
               </a:rPr>
-              <a:t>Hypernetworks</a:t>
+              <a:t>     Hypernetworks</a:t>
             </a:r>
-            <a:endParaRPr lang="en-US">
-              <a:latin typeface="Georgia" panose="02040502050405020303" charset="0"/>
-              <a:cs typeface="Georgia" panose="02040502050405020303" charset="0"/>
-            </a:endParaRPr>
           </a:p>
         </p:txBody>
       </p:sp>
@@ -18911,94 +19054,273 @@
           <a:lstStyle/>
           <a:p>
             <a:r>
-              <a:rPr lang="en-US">
+              <a:rPr lang="en-US" dirty="0">
                 <a:latin typeface="Georgia" panose="02040502050405020303" charset="0"/>
                 <a:cs typeface="Georgia" panose="02040502050405020303" charset="0"/>
               </a:rPr>
               <a:t>In a typical deep network , the majority of parameters are in the kernels of convolutional layers.</a:t>
             </a:r>
-            <a:endParaRPr lang="en-US">
+          </a:p>
+          <a:p>
+            <a:r>
+              <a:rPr lang="en-US" dirty="0">
+                <a:latin typeface="Georgia" panose="02040502050405020303" charset="0"/>
+                <a:cs typeface="Georgia" panose="02040502050405020303" charset="0"/>
+              </a:rPr>
+              <a:t>Each kernel contain N</a:t>
+            </a:r>
+            <a:r>
+              <a:rPr lang="en-US" baseline="-25000" dirty="0">
+                <a:latin typeface="Georgia" panose="02040502050405020303" charset="0"/>
+                <a:cs typeface="Georgia" panose="02040502050405020303" charset="0"/>
+              </a:rPr>
+              <a:t>in</a:t>
+            </a:r>
+            <a:r>
+              <a:rPr lang="en-US" dirty="0">
+                <a:latin typeface="Georgia" panose="02040502050405020303" charset="0"/>
+                <a:cs typeface="Georgia" panose="02040502050405020303" charset="0"/>
+              </a:rPr>
+              <a:t> × </a:t>
+            </a:r>
+            <a:r>
+              <a:rPr lang="en-US" dirty="0" err="1">
+                <a:latin typeface="Georgia" panose="02040502050405020303" charset="0"/>
+                <a:cs typeface="Georgia" panose="02040502050405020303" charset="0"/>
+              </a:rPr>
+              <a:t>N</a:t>
+            </a:r>
+            <a:r>
+              <a:rPr lang="en-US" baseline="-25000" dirty="0" err="1">
+                <a:latin typeface="Georgia" panose="02040502050405020303" charset="0"/>
+                <a:cs typeface="Georgia" panose="02040502050405020303" charset="0"/>
+              </a:rPr>
+              <a:t>out</a:t>
+            </a:r>
+            <a:r>
+              <a:rPr lang="en-US" dirty="0">
+                <a:latin typeface="Georgia" panose="02040502050405020303" charset="0"/>
+                <a:cs typeface="Georgia" panose="02040502050405020303" charset="0"/>
+              </a:rPr>
+              <a:t> filters and each filter has dimensions </a:t>
+            </a:r>
+            <a:r>
+              <a:rPr lang="en-US" dirty="0" err="1">
+                <a:latin typeface="Georgia" panose="02040502050405020303" charset="0"/>
+                <a:cs typeface="Georgia" panose="02040502050405020303" charset="0"/>
+              </a:rPr>
+              <a:t>f</a:t>
+            </a:r>
+            <a:r>
+              <a:rPr lang="en-US" baseline="-25000" dirty="0" err="1">
+                <a:latin typeface="Georgia" panose="02040502050405020303" charset="0"/>
+                <a:cs typeface="Georgia" panose="02040502050405020303" charset="0"/>
+              </a:rPr>
+              <a:t>size</a:t>
+            </a:r>
+            <a:r>
+              <a:rPr lang="en-US" dirty="0">
+                <a:latin typeface="Georgia" panose="02040502050405020303" charset="0"/>
+                <a:cs typeface="Georgia" panose="02040502050405020303" charset="0"/>
+              </a:rPr>
+              <a:t> × </a:t>
+            </a:r>
+            <a:r>
+              <a:rPr lang="en-US" dirty="0" err="1">
+                <a:latin typeface="Georgia" panose="02040502050405020303" charset="0"/>
+                <a:cs typeface="Georgia" panose="02040502050405020303" charset="0"/>
+              </a:rPr>
+              <a:t>f</a:t>
+            </a:r>
+            <a:r>
+              <a:rPr lang="en-US" baseline="-25000" dirty="0" err="1">
+                <a:latin typeface="Georgia" panose="02040502050405020303" charset="0"/>
+                <a:cs typeface="Georgia" panose="02040502050405020303" charset="0"/>
+              </a:rPr>
+              <a:t>size</a:t>
+            </a:r>
+            <a:r>
+              <a:rPr lang="en-US" dirty="0">
+                <a:latin typeface="Georgia" panose="02040502050405020303" charset="0"/>
+                <a:cs typeface="Georgia" panose="02040502050405020303" charset="0"/>
+              </a:rPr>
+              <a:t>. </a:t>
+            </a:r>
+          </a:p>
+          <a:p>
+            <a:endParaRPr lang="en-US" dirty="0">
+              <a:latin typeface="Georgia" panose="02040502050405020303" charset="0"/>
+              <a:cs typeface="Georgia" panose="02040502050405020303" charset="0"/>
+            </a:endParaRPr>
+          </a:p>
+          <a:p>
+            <a:endParaRPr lang="en-US" dirty="0">
+              <a:latin typeface="Georgia" panose="02040502050405020303" charset="0"/>
+              <a:cs typeface="Georgia" panose="02040502050405020303" charset="0"/>
+            </a:endParaRPr>
+          </a:p>
+          <a:p>
+            <a:endParaRPr lang="en-US" dirty="0">
+              <a:latin typeface="Georgia" panose="02040502050405020303" charset="0"/>
+              <a:cs typeface="Georgia" panose="02040502050405020303" charset="0"/>
+            </a:endParaRPr>
+          </a:p>
+          <a:p>
+            <a:pPr marL="146050" indent="0">
+              <a:buNone/>
+            </a:pPr>
+            <a:endParaRPr lang="en-US" dirty="0">
               <a:latin typeface="Georgia" panose="02040502050405020303" charset="0"/>
               <a:cs typeface="Georgia" panose="02040502050405020303" charset="0"/>
             </a:endParaRPr>
           </a:p>
           <a:p>
             <a:r>
-              <a:rPr lang="en-US">
+              <a:rPr lang="en-US" dirty="0">
                 <a:latin typeface="Georgia" panose="02040502050405020303" charset="0"/>
                 <a:cs typeface="Georgia" panose="02040502050405020303" charset="0"/>
+                <a:sym typeface="+mn-ea"/>
               </a:rPr>
-              <a:t>Each kernel contain N</a:t>
+              <a:t>For each layer j, the hypernetwork receives a layer embedding </a:t>
             </a:r>
             <a:r>
-              <a:rPr lang="en-US" baseline="-25000">
+              <a:rPr lang="en-US" dirty="0" err="1">
                 <a:latin typeface="Georgia" panose="02040502050405020303" charset="0"/>
                 <a:cs typeface="Georgia" panose="02040502050405020303" charset="0"/>
+                <a:sym typeface="+mn-ea"/>
               </a:rPr>
-              <a:t>in</a:t>
+              <a:t>z</a:t>
             </a:r>
             <a:r>
-              <a:rPr lang="en-US">
+              <a:rPr lang="en-US" baseline="30000" dirty="0" err="1">
                 <a:latin typeface="Georgia" panose="02040502050405020303" charset="0"/>
                 <a:cs typeface="Georgia" panose="02040502050405020303" charset="0"/>
+                <a:sym typeface="+mn-ea"/>
               </a:rPr>
-              <a:t> × N</a:t>
+              <a:t>j</a:t>
             </a:r>
             <a:r>
-              <a:rPr lang="en-US" baseline="-25000">
+              <a:rPr lang="en-US" dirty="0">
                 <a:latin typeface="Georgia" panose="02040502050405020303" charset="0"/>
                 <a:cs typeface="Georgia" panose="02040502050405020303" charset="0"/>
+                <a:sym typeface="+mn-ea"/>
               </a:rPr>
-              <a:t>out</a:t>
+              <a:t> ∈ </a:t>
             </a:r>
             <a:r>
-              <a:rPr lang="en-US">
+              <a:rPr lang="en-US" dirty="0" err="1">
                 <a:latin typeface="Georgia" panose="02040502050405020303" charset="0"/>
                 <a:cs typeface="Georgia" panose="02040502050405020303" charset="0"/>
+                <a:sym typeface="+mn-ea"/>
               </a:rPr>
-              <a:t> filters and each filter has dimensions f</a:t>
+              <a:t>R</a:t>
             </a:r>
             <a:r>
-              <a:rPr lang="en-US" baseline="-25000">
+              <a:rPr lang="en-US" baseline="30000" dirty="0" err="1">
                 <a:latin typeface="Georgia" panose="02040502050405020303" charset="0"/>
                 <a:cs typeface="Georgia" panose="02040502050405020303" charset="0"/>
+                <a:sym typeface="+mn-ea"/>
               </a:rPr>
-              <a:t>size</a:t>
+              <a:t>Nz</a:t>
             </a:r>
             <a:r>
-              <a:rPr lang="en-US">
+              <a:rPr lang="en-US" dirty="0">
                 <a:latin typeface="Georgia" panose="02040502050405020303" charset="0"/>
                 <a:cs typeface="Georgia" panose="02040502050405020303" charset="0"/>
+                <a:sym typeface="+mn-ea"/>
               </a:rPr>
-              <a:t> × f</a:t>
+              <a:t> as input and predicts </a:t>
             </a:r>
             <a:r>
-              <a:rPr lang="en-US" baseline="-25000">
+              <a:rPr lang="en-US" dirty="0" err="1">
                 <a:latin typeface="Georgia" panose="02040502050405020303" charset="0"/>
                 <a:cs typeface="Georgia" panose="02040502050405020303" charset="0"/>
+                <a:sym typeface="+mn-ea"/>
               </a:rPr>
-              <a:t>size</a:t>
+              <a:t>K</a:t>
             </a:r>
             <a:r>
-              <a:rPr lang="en-US">
+              <a:rPr lang="en-US" baseline="30000" dirty="0" err="1">
                 <a:latin typeface="Georgia" panose="02040502050405020303" charset="0"/>
                 <a:cs typeface="Georgia" panose="02040502050405020303" charset="0"/>
+                <a:sym typeface="+mn-ea"/>
               </a:rPr>
-              <a:t>. </a:t>
+              <a:t>j</a:t>
             </a:r>
-            <a:endParaRPr lang="en-US">
+            <a:r>
+              <a:rPr lang="en-US" dirty="0">
+                <a:latin typeface="Georgia" panose="02040502050405020303" charset="0"/>
+                <a:cs typeface="Georgia" panose="02040502050405020303" charset="0"/>
+                <a:sym typeface="+mn-ea"/>
+              </a:rPr>
+              <a:t>, which can be generally written as follows:</a:t>
+            </a:r>
+            <a:endParaRPr lang="en-US" dirty="0">
               <a:latin typeface="Georgia" panose="02040502050405020303" charset="0"/>
               <a:cs typeface="Georgia" panose="02040502050405020303" charset="0"/>
             </a:endParaRPr>
           </a:p>
           <a:p>
-            <a:endParaRPr lang="en-US">
-              <a:latin typeface="Georgia" panose="02040502050405020303" charset="0"/>
-              <a:cs typeface="Georgia" panose="02040502050405020303" charset="0"/>
-            </a:endParaRPr>
-          </a:p>
-          <a:p>
-            <a:endParaRPr lang="en-US">
+            <a:pPr marL="146050" indent="0">
+              <a:buNone/>
+            </a:pPr>
+            <a:r>
+              <a:rPr lang="en-US" dirty="0">
+                <a:latin typeface="Georgia" panose="02040502050405020303" charset="0"/>
+                <a:cs typeface="Georgia" panose="02040502050405020303" charset="0"/>
+                <a:sym typeface="+mn-ea"/>
+              </a:rPr>
+              <a:t>			</a:t>
+            </a:r>
+            <a:r>
+              <a:rPr lang="en-US" dirty="0" err="1">
+                <a:latin typeface="Georgia" panose="02040502050405020303" charset="0"/>
+                <a:cs typeface="Georgia" panose="02040502050405020303" charset="0"/>
+                <a:sym typeface="+mn-ea"/>
+              </a:rPr>
+              <a:t>K</a:t>
+            </a:r>
+            <a:r>
+              <a:rPr lang="en-US" baseline="30000" dirty="0" err="1">
+                <a:latin typeface="Georgia" panose="02040502050405020303" charset="0"/>
+                <a:cs typeface="Georgia" panose="02040502050405020303" charset="0"/>
+                <a:sym typeface="+mn-ea"/>
+              </a:rPr>
+              <a:t>j</a:t>
+            </a:r>
+            <a:r>
+              <a:rPr lang="en-US" dirty="0">
+                <a:latin typeface="Georgia" panose="02040502050405020303" charset="0"/>
+                <a:cs typeface="Georgia" panose="02040502050405020303" charset="0"/>
+                <a:sym typeface="+mn-ea"/>
+              </a:rPr>
+              <a:t> = g(</a:t>
+            </a:r>
+            <a:r>
+              <a:rPr lang="en-US" dirty="0" err="1">
+                <a:latin typeface="Georgia" panose="02040502050405020303" charset="0"/>
+                <a:cs typeface="Georgia" panose="02040502050405020303" charset="0"/>
+                <a:sym typeface="+mn-ea"/>
+              </a:rPr>
+              <a:t>z</a:t>
+            </a:r>
+            <a:r>
+              <a:rPr lang="en-US" baseline="30000" dirty="0" err="1">
+                <a:latin typeface="Georgia" panose="02040502050405020303" charset="0"/>
+                <a:cs typeface="Georgia" panose="02040502050405020303" charset="0"/>
+                <a:sym typeface="+mn-ea"/>
+              </a:rPr>
+              <a:t>j</a:t>
+            </a:r>
+            <a:r>
+              <a:rPr lang="en-US" dirty="0">
+                <a:latin typeface="Georgia" panose="02040502050405020303" charset="0"/>
+                <a:cs typeface="Georgia" panose="02040502050405020303" charset="0"/>
+                <a:sym typeface="+mn-ea"/>
+              </a:rPr>
+              <a:t> ), ∀j = 1, ..., D</a:t>
+            </a:r>
+            <a:endParaRPr lang="en-US" dirty="0">
               <a:latin typeface="Georgia" panose="02040502050405020303" charset="0"/>
               <a:cs typeface="Georgia" panose="02040502050405020303" charset="0"/>
             </a:endParaRPr>
@@ -19019,130 +19341,7 @@
             </a:endParaRPr>
           </a:p>
           <a:p>
-            <a:r>
-              <a:rPr lang="en-US">
-                <a:latin typeface="Georgia" panose="02040502050405020303" charset="0"/>
-                <a:cs typeface="Georgia" panose="02040502050405020303" charset="0"/>
-                <a:sym typeface="+mn-ea"/>
-              </a:rPr>
-              <a:t>For each layer j, the hypernetwork receives a layer embedding z</a:t>
-            </a:r>
-            <a:r>
-              <a:rPr lang="en-US" baseline="30000">
-                <a:latin typeface="Georgia" panose="02040502050405020303" charset="0"/>
-                <a:cs typeface="Georgia" panose="02040502050405020303" charset="0"/>
-                <a:sym typeface="+mn-ea"/>
-              </a:rPr>
-              <a:t>j</a:t>
-            </a:r>
-            <a:r>
-              <a:rPr lang="en-US">
-                <a:latin typeface="Georgia" panose="02040502050405020303" charset="0"/>
-                <a:cs typeface="Georgia" panose="02040502050405020303" charset="0"/>
-                <a:sym typeface="+mn-ea"/>
-              </a:rPr>
-              <a:t> ∈ R</a:t>
-            </a:r>
-            <a:r>
-              <a:rPr lang="en-US" baseline="30000">
-                <a:latin typeface="Georgia" panose="02040502050405020303" charset="0"/>
-                <a:cs typeface="Georgia" panose="02040502050405020303" charset="0"/>
-                <a:sym typeface="+mn-ea"/>
-              </a:rPr>
-              <a:t>Nz</a:t>
-            </a:r>
-            <a:r>
-              <a:rPr lang="en-US">
-                <a:latin typeface="Georgia" panose="02040502050405020303" charset="0"/>
-                <a:cs typeface="Georgia" panose="02040502050405020303" charset="0"/>
-                <a:sym typeface="+mn-ea"/>
-              </a:rPr>
-              <a:t> as input and predicts K</a:t>
-            </a:r>
-            <a:r>
-              <a:rPr lang="en-US" baseline="30000">
-                <a:latin typeface="Georgia" panose="02040502050405020303" charset="0"/>
-                <a:cs typeface="Georgia" panose="02040502050405020303" charset="0"/>
-                <a:sym typeface="+mn-ea"/>
-              </a:rPr>
-              <a:t>j</a:t>
-            </a:r>
-            <a:r>
-              <a:rPr lang="en-US">
-                <a:latin typeface="Georgia" panose="02040502050405020303" charset="0"/>
-                <a:cs typeface="Georgia" panose="02040502050405020303" charset="0"/>
-                <a:sym typeface="+mn-ea"/>
-              </a:rPr>
-              <a:t>, which can be generally written as follows:</a:t>
-            </a:r>
-            <a:endParaRPr lang="en-US">
-              <a:latin typeface="Georgia" panose="02040502050405020303" charset="0"/>
-              <a:cs typeface="Georgia" panose="02040502050405020303" charset="0"/>
-            </a:endParaRPr>
-          </a:p>
-          <a:p>
-            <a:pPr marL="146050" indent="0">
-              <a:buNone/>
-            </a:pPr>
-            <a:r>
-              <a:rPr lang="en-US">
-                <a:latin typeface="Georgia" panose="02040502050405020303" charset="0"/>
-                <a:cs typeface="Georgia" panose="02040502050405020303" charset="0"/>
-                <a:sym typeface="+mn-ea"/>
-              </a:rPr>
-              <a:t>			K</a:t>
-            </a:r>
-            <a:r>
-              <a:rPr lang="en-US" baseline="30000">
-                <a:latin typeface="Georgia" panose="02040502050405020303" charset="0"/>
-                <a:cs typeface="Georgia" panose="02040502050405020303" charset="0"/>
-                <a:sym typeface="+mn-ea"/>
-              </a:rPr>
-              <a:t>j</a:t>
-            </a:r>
-            <a:r>
-              <a:rPr lang="en-US">
-                <a:latin typeface="Georgia" panose="02040502050405020303" charset="0"/>
-                <a:cs typeface="Georgia" panose="02040502050405020303" charset="0"/>
-                <a:sym typeface="+mn-ea"/>
-              </a:rPr>
-              <a:t> = g(z</a:t>
-            </a:r>
-            <a:r>
-              <a:rPr lang="en-US" baseline="30000">
-                <a:latin typeface="Georgia" panose="02040502050405020303" charset="0"/>
-                <a:cs typeface="Georgia" panose="02040502050405020303" charset="0"/>
-                <a:sym typeface="+mn-ea"/>
-              </a:rPr>
-              <a:t>j</a:t>
-            </a:r>
-            <a:r>
-              <a:rPr lang="en-US">
-                <a:latin typeface="Georgia" panose="02040502050405020303" charset="0"/>
-                <a:cs typeface="Georgia" panose="02040502050405020303" charset="0"/>
-                <a:sym typeface="+mn-ea"/>
-              </a:rPr>
-              <a:t> ), ∀j = 1, ..., D</a:t>
-            </a:r>
-            <a:endParaRPr lang="en-US">
-              <a:latin typeface="Georgia" panose="02040502050405020303" charset="0"/>
-              <a:cs typeface="Georgia" panose="02040502050405020303" charset="0"/>
-            </a:endParaRPr>
-          </a:p>
-          <a:p>
-            <a:endParaRPr lang="en-US">
-              <a:latin typeface="Georgia" panose="02040502050405020303" charset="0"/>
-              <a:cs typeface="Georgia" panose="02040502050405020303" charset="0"/>
-            </a:endParaRPr>
-          </a:p>
-          <a:p>
-            <a:endParaRPr lang="en-US">
-              <a:latin typeface="Georgia" panose="02040502050405020303" charset="0"/>
-              <a:cs typeface="Georgia" panose="02040502050405020303" charset="0"/>
-            </a:endParaRPr>
-          </a:p>
-          <a:p>
-            <a:endParaRPr lang="en-US">
+            <a:endParaRPr lang="en-US" dirty="0">
               <a:latin typeface="Georgia" panose="02040502050405020303" charset="0"/>
               <a:cs typeface="Georgia" panose="02040502050405020303" charset="0"/>
             </a:endParaRPr>
@@ -19259,7 +19458,6 @@
                 <a:rPr lang="en-US" sz="1200"/>
                 <a:t> </a:t>
               </a:r>
-              <a:endParaRPr lang="en-US" sz="1200"/>
             </a:p>
           </p:txBody>
         </p:sp>
@@ -19293,7 +19491,6 @@
                 <a:rPr lang="en-US" baseline="30000"/>
                 <a:t>1</a:t>
               </a:r>
-              <a:endParaRPr lang="en-US" baseline="30000"/>
             </a:p>
           </p:txBody>
         </p:sp>
@@ -19323,7 +19520,6 @@
                 <a:rPr lang="en-US"/>
                 <a:t>...........</a:t>
               </a:r>
-              <a:endParaRPr lang="en-US"/>
             </a:p>
           </p:txBody>
         </p:sp>
@@ -19395,7 +19591,6 @@
                 <a:rPr lang="en-US" baseline="30000"/>
                 <a:t>D</a:t>
               </a:r>
-              <a:endParaRPr lang="en-US" baseline="30000"/>
             </a:p>
           </p:txBody>
         </p:sp>
@@ -19457,7 +19652,6 @@
                 <a:rPr lang="en-US" sz="1200"/>
                 <a:t> </a:t>
               </a:r>
-              <a:endParaRPr lang="en-US" sz="1200"/>
             </a:p>
           </p:txBody>
         </p:sp>
@@ -19471,7 +19665,7 @@
           <p:nvPr/>
         </p:nvPicPr>
         <p:blipFill>
-          <a:blip r:embed="rId1"/>
+          <a:blip r:embed="rId2"/>
           <a:stretch>
             <a:fillRect/>
           </a:stretch>
@@ -19549,6 +19743,7 @@
               </a:spcAft>
               <a:buNone/>
             </a:pPr>
+            <a:endParaRPr/>
           </a:p>
         </p:txBody>
       </p:sp>
@@ -19586,6 +19781,7 @@
               </a:spcAft>
               <a:buNone/>
             </a:pPr>
+            <a:endParaRPr/>
           </a:p>
         </p:txBody>
       </p:sp>
@@ -19648,6 +19844,7 @@
               </a:spcAft>
               <a:buNone/>
             </a:pPr>
+            <a:endParaRPr/>
           </a:p>
         </p:txBody>
       </p:sp>
@@ -19685,6 +19882,7 @@
               </a:spcAft>
               <a:buNone/>
             </a:pPr>
+            <a:endParaRPr/>
           </a:p>
         </p:txBody>
       </p:sp>
@@ -19747,6 +19945,7 @@
               </a:spcAft>
               <a:buNone/>
             </a:pPr>
+            <a:endParaRPr/>
           </a:p>
         </p:txBody>
       </p:sp>
@@ -19784,6 +19983,7 @@
               </a:spcAft>
               <a:buNone/>
             </a:pPr>
+            <a:endParaRPr/>
           </a:p>
         </p:txBody>
       </p:sp>
@@ -19846,6 +20046,7 @@
               </a:spcAft>
               <a:buNone/>
             </a:pPr>
+            <a:endParaRPr/>
           </a:p>
         </p:txBody>
       </p:sp>
@@ -19883,6 +20084,7 @@
               </a:spcAft>
               <a:buNone/>
             </a:pPr>
+            <a:endParaRPr/>
           </a:p>
         </p:txBody>
       </p:sp>
@@ -19945,6 +20147,7 @@
               </a:spcAft>
               <a:buNone/>
             </a:pPr>
+            <a:endParaRPr/>
           </a:p>
         </p:txBody>
       </p:sp>
@@ -19982,6 +20185,7 @@
               </a:spcAft>
               <a:buNone/>
             </a:pPr>
+            <a:endParaRPr/>
           </a:p>
         </p:txBody>
       </p:sp>
@@ -20045,16 +20249,12 @@
               <a:buNone/>
             </a:pPr>
             <a:r>
-              <a:rPr lang="en-US">
+              <a:rPr lang="en-US" dirty="0">
                 <a:latin typeface="Georgia" panose="02040502050405020303" charset="0"/>
                 <a:cs typeface="Georgia" panose="02040502050405020303" charset="0"/>
               </a:rPr>
-              <a:t>OUTLINE</a:t>
+              <a:t>Outline</a:t>
             </a:r>
-            <a:endParaRPr lang="en-US">
-              <a:latin typeface="Georgia" panose="02040502050405020303" charset="0"/>
-              <a:cs typeface="Georgia" panose="02040502050405020303" charset="0"/>
-            </a:endParaRPr>
           </a:p>
         </p:txBody>
       </p:sp>
@@ -20070,7 +20270,7 @@
         </p:nvSpPr>
         <p:spPr>
           <a:xfrm>
-            <a:off x="1303655" y="1480185"/>
+            <a:off x="1303655" y="1614297"/>
             <a:ext cx="7030720" cy="3371215"/>
           </a:xfrm>
           <a:prstGeom prst="rect">
@@ -20097,16 +20297,12 @@
               <a:buChar char="q"/>
             </a:pPr>
             <a:r>
-              <a:rPr lang="en-US">
+              <a:rPr lang="en-US" dirty="0">
                 <a:latin typeface="Georgia" panose="02040502050405020303" charset="0"/>
                 <a:cs typeface="Georgia" panose="02040502050405020303" charset="0"/>
               </a:rPr>
               <a:t>INTRODUCTION</a:t>
             </a:r>
-            <a:endParaRPr lang="en-US">
-              <a:latin typeface="Georgia" panose="02040502050405020303" charset="0"/>
-              <a:cs typeface="Georgia" panose="02040502050405020303" charset="0"/>
-            </a:endParaRPr>
           </a:p>
           <a:p>
             <a:pPr marL="400050" lvl="0" indent="-400050" algn="l" rtl="0">
@@ -20123,16 +20319,12 @@
               <a:buChar char="q"/>
             </a:pPr>
             <a:r>
-              <a:rPr lang="en-US">
+              <a:rPr lang="en-US" dirty="0">
                 <a:latin typeface="Georgia" panose="02040502050405020303" charset="0"/>
                 <a:cs typeface="Georgia" panose="02040502050405020303" charset="0"/>
               </a:rPr>
               <a:t>MOTIVATION</a:t>
             </a:r>
-            <a:endParaRPr lang="en-US">
-              <a:latin typeface="Georgia" panose="02040502050405020303" charset="0"/>
-              <a:cs typeface="Georgia" panose="02040502050405020303" charset="0"/>
-            </a:endParaRPr>
           </a:p>
           <a:p>
             <a:pPr marL="400050" lvl="0" indent="-400050" algn="l" rtl="0">
@@ -20149,16 +20341,12 @@
               <a:buChar char="q"/>
             </a:pPr>
             <a:r>
-              <a:rPr lang="en-US">
+              <a:rPr lang="en-US" dirty="0">
                 <a:latin typeface="Georgia" panose="02040502050405020303" charset="0"/>
                 <a:cs typeface="Georgia" panose="02040502050405020303" charset="0"/>
               </a:rPr>
               <a:t>PROBLEM STATEMENT</a:t>
             </a:r>
-            <a:endParaRPr lang="en-US">
-              <a:latin typeface="Georgia" panose="02040502050405020303" charset="0"/>
-              <a:cs typeface="Georgia" panose="02040502050405020303" charset="0"/>
-            </a:endParaRPr>
           </a:p>
           <a:p>
             <a:pPr marL="400050" lvl="0" indent="-400050" algn="l" rtl="0">
@@ -20175,16 +20363,12 @@
               <a:buChar char="q"/>
             </a:pPr>
             <a:r>
-              <a:rPr lang="en-US">
+              <a:rPr lang="en-US" dirty="0">
                 <a:latin typeface="Georgia" panose="02040502050405020303" charset="0"/>
                 <a:cs typeface="Georgia" panose="02040502050405020303" charset="0"/>
               </a:rPr>
               <a:t>OBJECTIVES</a:t>
             </a:r>
-            <a:endParaRPr lang="en-US">
-              <a:latin typeface="Georgia" panose="02040502050405020303" charset="0"/>
-              <a:cs typeface="Georgia" panose="02040502050405020303" charset="0"/>
-            </a:endParaRPr>
           </a:p>
           <a:p>
             <a:pPr marL="400050" lvl="0" indent="-400050" algn="l" rtl="0">
@@ -20201,16 +20385,12 @@
               <a:buChar char="q"/>
             </a:pPr>
             <a:r>
-              <a:rPr lang="en-US">
+              <a:rPr lang="en-US" dirty="0">
                 <a:latin typeface="Georgia" panose="02040502050405020303" charset="0"/>
                 <a:cs typeface="Georgia" panose="02040502050405020303" charset="0"/>
               </a:rPr>
               <a:t>LITERATURE SURVEY</a:t>
             </a:r>
-            <a:endParaRPr lang="en-US">
-              <a:latin typeface="Georgia" panose="02040502050405020303" charset="0"/>
-              <a:cs typeface="Georgia" panose="02040502050405020303" charset="0"/>
-            </a:endParaRPr>
           </a:p>
           <a:p>
             <a:pPr marL="400050" lvl="0" indent="-400050" algn="l" rtl="0">
@@ -20227,16 +20407,12 @@
               <a:buChar char="q"/>
             </a:pPr>
             <a:r>
-              <a:rPr lang="en-US">
+              <a:rPr lang="en-US" dirty="0">
                 <a:latin typeface="Georgia" panose="02040502050405020303" charset="0"/>
                 <a:cs typeface="Georgia" panose="02040502050405020303" charset="0"/>
               </a:rPr>
               <a:t>PROPOSED METHODOLOGY</a:t>
             </a:r>
-            <a:endParaRPr lang="en-US">
-              <a:latin typeface="Georgia" panose="02040502050405020303" charset="0"/>
-              <a:cs typeface="Georgia" panose="02040502050405020303" charset="0"/>
-            </a:endParaRPr>
           </a:p>
           <a:p>
             <a:pPr marL="400050" lvl="0" indent="-400050" algn="l" rtl="0">
@@ -20253,16 +20429,12 @@
               <a:buChar char="q"/>
             </a:pPr>
             <a:r>
-              <a:rPr lang="en-US">
+              <a:rPr lang="en-US" dirty="0">
                 <a:latin typeface="Georgia" panose="02040502050405020303" charset="0"/>
                 <a:cs typeface="Georgia" panose="02040502050405020303" charset="0"/>
               </a:rPr>
               <a:t>REQUIREMENT ANALYSIS</a:t>
             </a:r>
-            <a:endParaRPr lang="en-US">
-              <a:latin typeface="Georgia" panose="02040502050405020303" charset="0"/>
-              <a:cs typeface="Georgia" panose="02040502050405020303" charset="0"/>
-            </a:endParaRPr>
           </a:p>
           <a:p>
             <a:pPr marL="400050" lvl="0" indent="-400050" algn="l" rtl="0">
@@ -20279,16 +20451,12 @@
               <a:buChar char="q"/>
             </a:pPr>
             <a:r>
-              <a:rPr lang="en-US">
+              <a:rPr lang="en-US" dirty="0">
                 <a:latin typeface="Georgia" panose="02040502050405020303" charset="0"/>
                 <a:cs typeface="Georgia" panose="02040502050405020303" charset="0"/>
               </a:rPr>
               <a:t>REFERENCES</a:t>
             </a:r>
-            <a:endParaRPr lang="en-US">
-              <a:latin typeface="Georgia" panose="02040502050405020303" charset="0"/>
-              <a:cs typeface="Georgia" panose="02040502050405020303" charset="0"/>
-            </a:endParaRPr>
           </a:p>
         </p:txBody>
       </p:sp>
@@ -20351,6 +20519,7 @@
               </a:spcAft>
               <a:buNone/>
             </a:pPr>
+            <a:endParaRPr/>
           </a:p>
         </p:txBody>
       </p:sp>
@@ -20388,6 +20557,7 @@
               </a:spcAft>
               <a:buNone/>
             </a:pPr>
+            <a:endParaRPr/>
           </a:p>
         </p:txBody>
       </p:sp>
@@ -20450,6 +20620,7 @@
               </a:spcAft>
               <a:buNone/>
             </a:pPr>
+            <a:endParaRPr/>
           </a:p>
         </p:txBody>
       </p:sp>
@@ -20487,6 +20658,7 @@
               </a:spcAft>
               <a:buNone/>
             </a:pPr>
+            <a:endParaRPr/>
           </a:p>
         </p:txBody>
       </p:sp>
@@ -20549,6 +20721,7 @@
               </a:spcAft>
               <a:buNone/>
             </a:pPr>
+            <a:endParaRPr/>
           </a:p>
         </p:txBody>
       </p:sp>
@@ -20586,6 +20759,7 @@
               </a:spcAft>
               <a:buNone/>
             </a:pPr>
+            <a:endParaRPr/>
           </a:p>
         </p:txBody>
       </p:sp>
@@ -20648,6 +20822,7 @@
               </a:spcAft>
               <a:buNone/>
             </a:pPr>
+            <a:endParaRPr/>
           </a:p>
         </p:txBody>
       </p:sp>
@@ -20685,6 +20860,7 @@
               </a:spcAft>
               <a:buNone/>
             </a:pPr>
+            <a:endParaRPr/>
           </a:p>
         </p:txBody>
       </p:sp>
@@ -20747,6 +20923,7 @@
               </a:spcAft>
               <a:buNone/>
             </a:pPr>
+            <a:endParaRPr/>
           </a:p>
         </p:txBody>
       </p:sp>
@@ -20784,6 +20961,7 @@
               </a:spcAft>
               <a:buNone/>
             </a:pPr>
+            <a:endParaRPr/>
           </a:p>
         </p:txBody>
       </p:sp>
@@ -20847,22 +21025,15 @@
               <a:buNone/>
             </a:pPr>
             <a:r>
-              <a:rPr lang="en-US">
+              <a:rPr lang="en-US" dirty="0">
                 <a:solidFill>
                   <a:schemeClr val="bg2"/>
                 </a:solidFill>
                 <a:latin typeface="Georgia" panose="02040502050405020303" charset="0"/>
                 <a:cs typeface="Georgia" panose="02040502050405020303" charset="0"/>
               </a:rPr>
-              <a:t>INTRODUCTION</a:t>
+              <a:t>Introduction</a:t>
             </a:r>
-            <a:endParaRPr lang="en-US">
-              <a:solidFill>
-                <a:schemeClr val="bg2"/>
-              </a:solidFill>
-              <a:latin typeface="Georgia" panose="02040502050405020303" charset="0"/>
-              <a:cs typeface="Georgia" panose="02040502050405020303" charset="0"/>
-            </a:endParaRPr>
           </a:p>
         </p:txBody>
       </p:sp>
@@ -20901,13 +21072,119 @@
               <a:buNone/>
             </a:pPr>
             <a:r>
-              <a:rPr lang="en-US">
+              <a:rPr lang="en-US" dirty="0">
                 <a:latin typeface="Georgia" panose="02040502050405020303" charset="0"/>
                 <a:cs typeface="Georgia" panose="02040502050405020303" charset="0"/>
               </a:rPr>
               <a:t>“Memes” are cultural inside jokes, a way of connecting with people across internet through instantly recognizable photos. They collect emotions, ideas and actions into an easy-to-translate format.</a:t>
             </a:r>
-            <a:endParaRPr lang="en-US">
+          </a:p>
+          <a:p>
+            <a:pPr marL="0" lvl="0" indent="0" algn="l" rtl="0">
+              <a:spcBef>
+                <a:spcPts val="0"/>
+              </a:spcBef>
+              <a:spcAft>
+                <a:spcPts val="1600"/>
+              </a:spcAft>
+              <a:buNone/>
+            </a:pPr>
+            <a:r>
+              <a:rPr lang="en-US" b="1" dirty="0">
+                <a:latin typeface="Georgia" panose="02040502050405020303" charset="0"/>
+                <a:cs typeface="Georgia" panose="02040502050405020303" charset="0"/>
+              </a:rPr>
+              <a:t>Rise of memes</a:t>
+            </a:r>
+            <a:r>
+              <a:rPr lang="en-US" dirty="0">
+                <a:latin typeface="Georgia" panose="02040502050405020303" charset="0"/>
+                <a:cs typeface="Georgia" panose="02040502050405020303" charset="0"/>
+              </a:rPr>
+              <a:t> : Besides reflecting humor ,the rise of memes has shown to be having a harmful  effect  on an individual as well as  political, </a:t>
+            </a:r>
+            <a:r>
+              <a:rPr lang="en-US" dirty="0" err="1">
+                <a:latin typeface="Georgia" panose="02040502050405020303" charset="0"/>
+                <a:cs typeface="Georgia" panose="02040502050405020303" charset="0"/>
+              </a:rPr>
+              <a:t>religional</a:t>
+            </a:r>
+            <a:r>
+              <a:rPr lang="en-US" dirty="0">
+                <a:latin typeface="Georgia" panose="02040502050405020303" charset="0"/>
+                <a:cs typeface="Georgia" panose="02040502050405020303" charset="0"/>
+              </a:rPr>
+              <a:t> , communal sectors of society.  </a:t>
+            </a:r>
+          </a:p>
+          <a:p>
+            <a:pPr marL="0" lvl="0" indent="0" algn="l" rtl="0">
+              <a:spcBef>
+                <a:spcPts val="0"/>
+              </a:spcBef>
+              <a:spcAft>
+                <a:spcPts val="1600"/>
+              </a:spcAft>
+              <a:buNone/>
+            </a:pPr>
+            <a:r>
+              <a:rPr lang="en-US" b="1" dirty="0">
+                <a:latin typeface="Georgia" panose="02040502050405020303" charset="0"/>
+                <a:cs typeface="Georgia" panose="02040502050405020303" charset="0"/>
+              </a:rPr>
+              <a:t>Data: </a:t>
+            </a:r>
+            <a:r>
+              <a:rPr lang="en-US" dirty="0">
+                <a:latin typeface="Georgia" panose="02040502050405020303" charset="0"/>
+                <a:cs typeface="Georgia" panose="02040502050405020303" charset="0"/>
+              </a:rPr>
+              <a:t>Meme as an </a:t>
+            </a:r>
+            <a:r>
+              <a:rPr lang="en-US" b="1" dirty="0">
+                <a:latin typeface="Georgia" panose="02040502050405020303" charset="0"/>
+                <a:cs typeface="Georgia" panose="02040502050405020303" charset="0"/>
+              </a:rPr>
+              <a:t>image </a:t>
+            </a:r>
+            <a:r>
+              <a:rPr lang="en-US" dirty="0">
+                <a:latin typeface="Georgia" panose="02040502050405020303" charset="0"/>
+                <a:cs typeface="Georgia" panose="02040502050405020303" charset="0"/>
+              </a:rPr>
+              <a:t>along with</a:t>
+            </a:r>
+            <a:r>
+              <a:rPr lang="en-US" b="1" dirty="0">
+                <a:latin typeface="Georgia" panose="02040502050405020303" charset="0"/>
+                <a:cs typeface="Georgia" panose="02040502050405020303" charset="0"/>
+              </a:rPr>
+              <a:t> </a:t>
+            </a:r>
+            <a:r>
+              <a:rPr lang="en-US" dirty="0">
+                <a:latin typeface="Georgia" panose="02040502050405020303" charset="0"/>
+                <a:cs typeface="Georgia" panose="02040502050405020303" charset="0"/>
+              </a:rPr>
+              <a:t> embedded </a:t>
+            </a:r>
+            <a:r>
+              <a:rPr lang="en-US" b="1" dirty="0">
+                <a:latin typeface="Georgia" panose="02040502050405020303" charset="0"/>
+                <a:cs typeface="Georgia" panose="02040502050405020303" charset="0"/>
+              </a:rPr>
+              <a:t>text </a:t>
+            </a:r>
+            <a:r>
+              <a:rPr lang="en-US" dirty="0">
+                <a:latin typeface="Georgia" panose="02040502050405020303" charset="0"/>
+                <a:cs typeface="Georgia" panose="02040502050405020303" charset="0"/>
+              </a:rPr>
+              <a:t>.</a:t>
+            </a:r>
+            <a:endParaRPr lang="en-US" b="1" dirty="0">
               <a:latin typeface="Georgia" panose="02040502050405020303" charset="0"/>
               <a:cs typeface="Georgia" panose="02040502050405020303" charset="0"/>
             </a:endParaRPr>
@@ -20923,20 +21200,20 @@
               <a:buNone/>
             </a:pPr>
             <a:r>
-              <a:rPr lang="en-US" b="1">
+              <a:rPr lang="en-US" b="1" dirty="0">
                 <a:latin typeface="Georgia" panose="02040502050405020303" charset="0"/>
                 <a:cs typeface="Georgia" panose="02040502050405020303" charset="0"/>
               </a:rPr>
-              <a:t>Rise of memes</a:t>
+              <a:t>Features: </a:t>
             </a:r>
             <a:r>
-              <a:rPr lang="en-US">
+              <a:rPr lang="en-US" dirty="0">
                 <a:latin typeface="Georgia" panose="02040502050405020303" charset="0"/>
                 <a:cs typeface="Georgia" panose="02040502050405020303" charset="0"/>
               </a:rPr>
-              <a:t> : Besides reflecting humour ,the rise of memes has shown to be having a harmful  effect  on an individual as well as  political, religional , communal sectors of society.  </a:t>
+              <a:t>Image and text features , in the form of embedding vectors .</a:t>
             </a:r>
-            <a:endParaRPr lang="en-US">
+            <a:endParaRPr lang="en-US" b="1" dirty="0">
               <a:latin typeface="Georgia" panose="02040502050405020303" charset="0"/>
               <a:cs typeface="Georgia" panose="02040502050405020303" charset="0"/>
             </a:endParaRPr>
@@ -20952,62 +21229,31 @@
               <a:buNone/>
             </a:pPr>
             <a:r>
-              <a:rPr lang="en-US" b="1">
+              <a:rPr lang="en-US" b="1" dirty="0">
                 <a:latin typeface="Georgia" panose="02040502050405020303" charset="0"/>
                 <a:cs typeface="Georgia" panose="02040502050405020303" charset="0"/>
               </a:rPr>
-              <a:t>Data: </a:t>
+              <a:t>Multimodal Models</a:t>
             </a:r>
             <a:r>
-              <a:rPr lang="en-US">
+              <a:rPr lang="en-US" dirty="0">
                 <a:latin typeface="Georgia" panose="02040502050405020303" charset="0"/>
                 <a:cs typeface="Georgia" panose="02040502050405020303" charset="0"/>
               </a:rPr>
-              <a:t>Meme as an </a:t>
+              <a:t>: Interpretation of memes using multimodal models .</a:t>
             </a:r>
-            <a:r>
-              <a:rPr lang="en-US" b="1">
-                <a:latin typeface="Georgia" panose="02040502050405020303" charset="0"/>
-                <a:cs typeface="Georgia" panose="02040502050405020303" charset="0"/>
-              </a:rPr>
-              <a:t>image </a:t>
-            </a:r>
-            <a:r>
-              <a:rPr lang="en-US">
-                <a:latin typeface="Georgia" panose="02040502050405020303" charset="0"/>
-                <a:cs typeface="Georgia" panose="02040502050405020303" charset="0"/>
-              </a:rPr>
-              <a:t>along with</a:t>
-            </a:r>
-            <a:r>
-              <a:rPr lang="en-US" b="1">
-                <a:latin typeface="Georgia" panose="02040502050405020303" charset="0"/>
-                <a:cs typeface="Georgia" panose="02040502050405020303" charset="0"/>
-              </a:rPr>
-              <a:t> </a:t>
-            </a:r>
-            <a:r>
-              <a:rPr lang="en-US">
-                <a:latin typeface="Georgia" panose="02040502050405020303" charset="0"/>
-                <a:cs typeface="Georgia" panose="02040502050405020303" charset="0"/>
-              </a:rPr>
-              <a:t> embedded </a:t>
-            </a:r>
-            <a:r>
-              <a:rPr lang="en-US" b="1">
-                <a:latin typeface="Georgia" panose="02040502050405020303" charset="0"/>
-                <a:cs typeface="Georgia" panose="02040502050405020303" charset="0"/>
-              </a:rPr>
-              <a:t>text </a:t>
-            </a:r>
-            <a:r>
-              <a:rPr lang="en-US">
-                <a:latin typeface="Georgia" panose="02040502050405020303" charset="0"/>
-                <a:cs typeface="Georgia" panose="02040502050405020303" charset="0"/>
-              </a:rPr>
-              <a:t>.</a:t>
-            </a:r>
-            <a:endParaRPr lang="en-US" b="1">
+          </a:p>
+          <a:p>
+            <a:pPr marL="0" lvl="0" indent="0" algn="l" rtl="0">
+              <a:spcBef>
+                <a:spcPts val="0"/>
+              </a:spcBef>
+              <a:spcAft>
+                <a:spcPts val="1600"/>
+              </a:spcAft>
+              <a:buNone/>
+            </a:pPr>
+            <a:endParaRPr lang="en-US" dirty="0">
               <a:latin typeface="Georgia" panose="02040502050405020303" charset="0"/>
               <a:cs typeface="Georgia" panose="02040502050405020303" charset="0"/>
             </a:endParaRPr>
@@ -21022,80 +21268,7 @@
               </a:spcAft>
               <a:buNone/>
             </a:pPr>
-            <a:r>
-              <a:rPr lang="en-US" b="1">
-                <a:latin typeface="Georgia" panose="02040502050405020303" charset="0"/>
-                <a:cs typeface="Georgia" panose="02040502050405020303" charset="0"/>
-              </a:rPr>
-              <a:t>Features: </a:t>
-            </a:r>
-            <a:r>
-              <a:rPr lang="en-US">
-                <a:latin typeface="Georgia" panose="02040502050405020303" charset="0"/>
-                <a:cs typeface="Georgia" panose="02040502050405020303" charset="0"/>
-              </a:rPr>
-              <a:t>Image and text features , in the form of embedding vetors .</a:t>
-            </a:r>
-            <a:endParaRPr lang="en-US" b="1">
-              <a:latin typeface="Georgia" panose="02040502050405020303" charset="0"/>
-              <a:cs typeface="Georgia" panose="02040502050405020303" charset="0"/>
-            </a:endParaRPr>
-          </a:p>
-          <a:p>
-            <a:pPr marL="0" lvl="0" indent="0" algn="l" rtl="0">
-              <a:spcBef>
-                <a:spcPts val="0"/>
-              </a:spcBef>
-              <a:spcAft>
-                <a:spcPts val="1600"/>
-              </a:spcAft>
-              <a:buNone/>
-            </a:pPr>
-            <a:r>
-              <a:rPr lang="en-US" b="1">
-                <a:latin typeface="Georgia" panose="02040502050405020303" charset="0"/>
-                <a:cs typeface="Georgia" panose="02040502050405020303" charset="0"/>
-              </a:rPr>
-              <a:t>Multimodal Models</a:t>
-            </a:r>
-            <a:r>
-              <a:rPr lang="en-US">
-                <a:latin typeface="Georgia" panose="02040502050405020303" charset="0"/>
-                <a:cs typeface="Georgia" panose="02040502050405020303" charset="0"/>
-              </a:rPr>
-              <a:t>: Interpretation of memes using multimodal models .</a:t>
-            </a:r>
-            <a:endParaRPr lang="en-US">
-              <a:latin typeface="Georgia" panose="02040502050405020303" charset="0"/>
-              <a:cs typeface="Georgia" panose="02040502050405020303" charset="0"/>
-            </a:endParaRPr>
-          </a:p>
-          <a:p>
-            <a:pPr marL="0" lvl="0" indent="0" algn="l" rtl="0">
-              <a:spcBef>
-                <a:spcPts val="0"/>
-              </a:spcBef>
-              <a:spcAft>
-                <a:spcPts val="1600"/>
-              </a:spcAft>
-              <a:buNone/>
-            </a:pPr>
-            <a:endParaRPr lang="en-US">
-              <a:latin typeface="Georgia" panose="02040502050405020303" charset="0"/>
-              <a:cs typeface="Georgia" panose="02040502050405020303" charset="0"/>
-            </a:endParaRPr>
-          </a:p>
-          <a:p>
-            <a:pPr marL="0" lvl="0" indent="0" algn="l" rtl="0">
-              <a:spcBef>
-                <a:spcPts val="0"/>
-              </a:spcBef>
-              <a:spcAft>
-                <a:spcPts val="1600"/>
-              </a:spcAft>
-              <a:buNone/>
-            </a:pPr>
-            <a:endParaRPr lang="en-US">
+            <a:endParaRPr lang="en-US" dirty="0">
               <a:latin typeface="Georgia" panose="02040502050405020303" charset="0"/>
               <a:cs typeface="Georgia" panose="02040502050405020303" charset="0"/>
             </a:endParaRPr>
@@ -21162,16 +21335,12 @@
               <a:buNone/>
             </a:pPr>
             <a:r>
-              <a:rPr lang="en-US">
+              <a:rPr lang="en-US" dirty="0">
                 <a:latin typeface="Georgia" panose="02040502050405020303" charset="0"/>
                 <a:cs typeface="Georgia" panose="02040502050405020303" charset="0"/>
               </a:rPr>
-              <a:t>MOTIVATION</a:t>
+              <a:t>Motivation</a:t>
             </a:r>
-            <a:endParaRPr lang="en-US">
-              <a:latin typeface="Georgia" panose="02040502050405020303" charset="0"/>
-              <a:cs typeface="Georgia" panose="02040502050405020303" charset="0"/>
-            </a:endParaRPr>
           </a:p>
         </p:txBody>
       </p:sp>
@@ -21184,7 +21353,7 @@
           <p:nvPr/>
         </p:nvPicPr>
         <p:blipFill>
-          <a:blip r:embed="rId1"/>
+          <a:blip r:embed="rId3"/>
           <a:stretch>
             <a:fillRect/>
           </a:stretch>
@@ -21208,7 +21377,7 @@
           <p:nvPr/>
         </p:nvPicPr>
         <p:blipFill>
-          <a:blip r:embed="rId2"/>
+          <a:blip r:embed="rId4"/>
           <a:stretch>
             <a:fillRect/>
           </a:stretch>
@@ -21232,7 +21401,7 @@
           <p:nvPr/>
         </p:nvPicPr>
         <p:blipFill>
-          <a:blip r:embed="rId3"/>
+          <a:blip r:embed="rId5"/>
           <a:stretch>
             <a:fillRect/>
           </a:stretch>
@@ -21307,20 +21476,20 @@
               <a:buNone/>
             </a:pPr>
             <a:r>
-              <a:rPr lang="en-US">
+              <a:rPr lang="en-US" dirty="0">
                 <a:latin typeface="Georgia" panose="02040502050405020303" charset="0"/>
                 <a:cs typeface="Georgia" panose="02040502050405020303" charset="0"/>
                 <a:sym typeface="+mn-ea"/>
               </a:rPr>
-              <a:t>PROBLEM STATEMENT</a:t>
+              <a:t>Problem Statement</a:t>
             </a:r>
             <a:br>
-              <a:rPr lang="en-US">
+              <a:rPr lang="en-US" dirty="0">
                 <a:latin typeface="Georgia" panose="02040502050405020303" charset="0"/>
                 <a:cs typeface="Georgia" panose="02040502050405020303" charset="0"/>
               </a:rPr>
             </a:br>
-            <a:endParaRPr lang="en-US">
+            <a:endParaRPr lang="en-US" dirty="0">
               <a:latin typeface="Georgia" panose="02040502050405020303" charset="0"/>
               <a:cs typeface="Georgia" panose="02040502050405020303" charset="0"/>
             </a:endParaRPr>
@@ -21452,10 +21621,6 @@
               </a:rPr>
               <a:t>them.</a:t>
             </a:r>
-            <a:endParaRPr lang="en-US" sz="1600">
-              <a:latin typeface="Georgia" panose="02040502050405020303" charset="0"/>
-              <a:cs typeface="Georgia" panose="02040502050405020303" charset="0"/>
-            </a:endParaRPr>
           </a:p>
           <a:p>
             <a:pPr marL="0" lvl="0" indent="0" algn="l" rtl="0">
@@ -21474,10 +21639,6 @@
               </a:rPr>
               <a:t>			</a:t>
             </a:r>
-            <a:endParaRPr lang="en-US">
-              <a:latin typeface="Georgia" panose="02040502050405020303" charset="0"/>
-              <a:cs typeface="Georgia" panose="02040502050405020303" charset="0"/>
-            </a:endParaRPr>
           </a:p>
         </p:txBody>
       </p:sp>
@@ -21510,10 +21671,6 @@
               </a:rPr>
               <a:t>Input</a:t>
             </a:r>
-            <a:endParaRPr lang="en-US">
-              <a:latin typeface="Georgia" panose="02040502050405020303" charset="0"/>
-              <a:cs typeface="Georgia" panose="02040502050405020303" charset="0"/>
-            </a:endParaRPr>
           </a:p>
         </p:txBody>
       </p:sp>
@@ -21546,10 +21703,6 @@
               </a:rPr>
               <a:t>Output</a:t>
             </a:r>
-            <a:endParaRPr lang="en-US">
-              <a:latin typeface="Georgia" panose="02040502050405020303" charset="0"/>
-              <a:cs typeface="Georgia" panose="02040502050405020303" charset="0"/>
-            </a:endParaRPr>
           </a:p>
         </p:txBody>
       </p:sp>
@@ -21582,10 +21735,6 @@
               </a:rPr>
               <a:t>Hateful(1)</a:t>
             </a:r>
-            <a:endParaRPr lang="en-US">
-              <a:latin typeface="Georgia" panose="02040502050405020303" charset="0"/>
-              <a:cs typeface="Georgia" panose="02040502050405020303" charset="0"/>
-            </a:endParaRPr>
           </a:p>
         </p:txBody>
       </p:sp>
@@ -21615,7 +21764,6 @@
               <a:rPr lang="en-US"/>
               <a:t>Non Hateful(0)</a:t>
             </a:r>
-            <a:endParaRPr lang="en-US"/>
           </a:p>
         </p:txBody>
       </p:sp>
@@ -21628,7 +21776,7 @@
           <p:nvPr/>
         </p:nvPicPr>
         <p:blipFill>
-          <a:blip r:embed="rId1"/>
+          <a:blip r:embed="rId3"/>
           <a:stretch>
             <a:fillRect/>
           </a:stretch>
@@ -21652,7 +21800,7 @@
           <p:nvPr/>
         </p:nvPicPr>
         <p:blipFill>
-          <a:blip r:embed="rId2"/>
+          <a:blip r:embed="rId4"/>
           <a:stretch>
             <a:fillRect/>
           </a:stretch>
@@ -21805,28 +21953,28 @@
               <a:buNone/>
             </a:pPr>
             <a:r>
-              <a:rPr lang="en-US">
-                <a:latin typeface="Georgia" panose="02040502050405020303" charset="0"/>
+              <a:rPr lang="en-US" dirty="0">
+                <a:latin typeface="Georgia" panose="02040502050405020303" pitchFamily="18" charset="0"/>
                 <a:cs typeface="Georgia" panose="02040502050405020303" charset="0"/>
                 <a:sym typeface="+mn-ea"/>
               </a:rPr>
-              <a:t>OBJECTIVES</a:t>
+              <a:t>Objectives</a:t>
             </a:r>
             <a:br>
-              <a:rPr lang="en-US">
+              <a:rPr lang="en-US" dirty="0">
+                <a:latin typeface="Georgia" panose="02040502050405020303" pitchFamily="18" charset="0"/>
+                <a:cs typeface="Cambria" panose="02040503050406030204" charset="0"/>
+                <a:sym typeface="+mn-ea"/>
+              </a:rPr>
+            </a:br>
+            <a:br>
+              <a:rPr lang="en-US" dirty="0">
                 <a:latin typeface="Cambria" panose="02040503050406030204" charset="0"/>
                 <a:cs typeface="Cambria" panose="02040503050406030204" charset="0"/>
                 <a:sym typeface="+mn-ea"/>
               </a:rPr>
             </a:br>
-            <a:br>
-              <a:rPr lang="en-US">
-                <a:latin typeface="Cambria" panose="02040503050406030204" charset="0"/>
-                <a:cs typeface="Cambria" panose="02040503050406030204" charset="0"/>
-                <a:sym typeface="+mn-ea"/>
-              </a:rPr>
-            </a:br>
-            <a:endParaRPr lang="en-US">
+            <a:endParaRPr lang="en-US" dirty="0">
               <a:latin typeface="Cambria" panose="02040503050406030204" charset="0"/>
               <a:cs typeface="Cambria" panose="02040503050406030204" charset="0"/>
               <a:sym typeface="+mn-ea"/>
@@ -21870,16 +22018,12 @@
               <a:buAutoNum type="arabicPeriod"/>
             </a:pPr>
             <a:r>
-              <a:rPr lang="en-US">
+              <a:rPr lang="en-US" dirty="0">
                 <a:latin typeface="Georgia" panose="02040502050405020303" charset="0"/>
                 <a:cs typeface="Georgia" panose="02040502050405020303" charset="0"/>
               </a:rPr>
               <a:t>To generate embeddings of image and text .</a:t>
             </a:r>
-            <a:endParaRPr lang="en-US">
-              <a:latin typeface="Georgia" panose="02040502050405020303" charset="0"/>
-              <a:cs typeface="Georgia" panose="02040502050405020303" charset="0"/>
-            </a:endParaRPr>
           </a:p>
           <a:p>
             <a:pPr marL="342900" lvl="0" indent="-342900" algn="l" rtl="0">
@@ -21893,16 +22037,12 @@
               <a:buAutoNum type="arabicPeriod"/>
             </a:pPr>
             <a:r>
-              <a:rPr lang="en-US">
+              <a:rPr lang="en-US" dirty="0">
                 <a:latin typeface="Georgia" panose="02040502050405020303" charset="0"/>
                 <a:cs typeface="Georgia" panose="02040502050405020303" charset="0"/>
               </a:rPr>
               <a:t>To fuse the text and image embeddings and build a classifier. </a:t>
             </a:r>
-            <a:endParaRPr lang="en-US">
-              <a:latin typeface="Georgia" panose="02040502050405020303" charset="0"/>
-              <a:cs typeface="Georgia" panose="02040502050405020303" charset="0"/>
-            </a:endParaRPr>
           </a:p>
           <a:p>
             <a:pPr marL="342900" lvl="0" indent="-342900" algn="l" rtl="0">
@@ -21916,16 +22056,26 @@
               <a:buAutoNum type="arabicPeriod"/>
             </a:pPr>
             <a:r>
-              <a:rPr lang="en-US">
+              <a:rPr lang="en-US" dirty="0">
                 <a:latin typeface="Georgia" panose="02040502050405020303" charset="0"/>
                 <a:cs typeface="Georgia" panose="02040502050405020303" charset="0"/>
               </a:rPr>
-              <a:t>To evaluate the performace of the multimodal model using AUC ROC.</a:t>
+              <a:t>To evaluate the </a:t>
             </a:r>
-            <a:endParaRPr lang="en-US">
-              <a:latin typeface="Georgia" panose="02040502050405020303" charset="0"/>
-              <a:cs typeface="Georgia" panose="02040502050405020303" charset="0"/>
-            </a:endParaRPr>
+            <a:r>
+              <a:rPr lang="en-US" dirty="0" err="1">
+                <a:latin typeface="Georgia" panose="02040502050405020303" charset="0"/>
+                <a:cs typeface="Georgia" panose="02040502050405020303" charset="0"/>
+              </a:rPr>
+              <a:t>performace</a:t>
+            </a:r>
+            <a:r>
+              <a:rPr lang="en-US" dirty="0">
+                <a:latin typeface="Georgia" panose="02040502050405020303" charset="0"/>
+                <a:cs typeface="Georgia" panose="02040502050405020303" charset="0"/>
+              </a:rPr>
+              <a:t> of the multimodal model using AUC ROC.</a:t>
+            </a:r>
           </a:p>
           <a:p>
             <a:pPr marL="342900" lvl="0" indent="-342900" algn="l" rtl="0">
@@ -21937,7 +22087,7 @@
               </a:spcAft>
               <a:buNone/>
             </a:pPr>
-            <a:endParaRPr lang="en-US">
+            <a:endParaRPr lang="en-US" dirty="0">
               <a:latin typeface="Georgia" panose="02040502050405020303" charset="0"/>
               <a:cs typeface="Georgia" panose="02040502050405020303" charset="0"/>
             </a:endParaRPr>
@@ -21981,7 +22131,7 @@
         </p:nvSpPr>
         <p:spPr>
           <a:xfrm>
-            <a:off x="1317625" y="2304415"/>
+            <a:off x="1346933" y="2105123"/>
             <a:ext cx="7030720" cy="535305"/>
           </a:xfrm>
           <a:prstGeom prst="rect">
@@ -22004,21 +22154,21 @@
               <a:buNone/>
             </a:pPr>
             <a:r>
-              <a:rPr lang="en-US">
+              <a:rPr lang="en-US" dirty="0">
                 <a:latin typeface="Georgia" panose="02040502050405020303" charset="0"/>
                 <a:cs typeface="Georgia" panose="02040502050405020303" charset="0"/>
                 <a:sym typeface="+mn-ea"/>
               </a:rPr>
-              <a:t>LITERATURE SURVEY</a:t>
+              <a:t>Literature Survey </a:t>
             </a:r>
             <a:br>
-              <a:rPr lang="en-US">
+              <a:rPr lang="en-US" dirty="0">
                 <a:latin typeface="Georgia" panose="02040502050405020303" charset="0"/>
                 <a:cs typeface="Georgia" panose="02040502050405020303" charset="0"/>
                 <a:sym typeface="+mn-ea"/>
               </a:rPr>
             </a:br>
-            <a:endParaRPr lang="en-US">
+            <a:endParaRPr lang="en-US" dirty="0">
               <a:latin typeface="Georgia" panose="02040502050405020303" charset="0"/>
               <a:cs typeface="Georgia" panose="02040502050405020303" charset="0"/>
               <a:sym typeface="+mn-ea"/>
@@ -22098,33 +22248,8 @@
                 <a:latin typeface="Georgia" panose="02040502050405020303" charset="0"/>
                 <a:cs typeface="Georgia" panose="02040502050405020303" charset="0"/>
               </a:rPr>
-              <a:t>Yuval </a:t>
+              <a:t>Yuval Nirkin   Assaf Rabinowitz   Yoni Solel [2]</a:t>
             </a:r>
-            <a:r>
-              <a:rPr lang="en-US" altLang="zh-CN" sz="1600" dirty="0" err="1">
-                <a:latin typeface="Georgia" panose="02040502050405020303" charset="0"/>
-                <a:cs typeface="Georgia" panose="02040502050405020303" charset="0"/>
-              </a:rPr>
-              <a:t>Nirkin</a:t>
-            </a:r>
-            <a:r>
-              <a:rPr lang="en-US" altLang="zh-CN" sz="1600" dirty="0">
-                <a:latin typeface="Georgia" panose="02040502050405020303" charset="0"/>
-                <a:cs typeface="Georgia" panose="02040502050405020303" charset="0"/>
-              </a:rPr>
-              <a:t>   Assaf Rabinowitz   Yoni </a:t>
-            </a:r>
-            <a:r>
-              <a:rPr lang="en-US" altLang="zh-CN" sz="1600" dirty="0" err="1">
-                <a:latin typeface="Georgia" panose="02040502050405020303" charset="0"/>
-                <a:cs typeface="Georgia" panose="02040502050405020303" charset="0"/>
-              </a:rPr>
-              <a:t>Solel</a:t>
-            </a:r>
-            <a:endParaRPr lang="en-US" altLang="zh-CN" sz="1600" dirty="0">
-              <a:latin typeface="Georgia" panose="02040502050405020303" charset="0"/>
-              <a:cs typeface="Georgia" panose="02040502050405020303" charset="0"/>
-            </a:endParaRPr>
           </a:p>
         </p:txBody>
       </p:sp>
@@ -22138,7 +22263,12 @@
             <p:ph sz="half" idx="1"/>
           </p:nvPr>
         </p:nvSpPr>
-        <p:spPr/>
+        <p:spPr>
+          <a:xfrm>
+            <a:off x="445008" y="1331976"/>
+            <a:ext cx="4032504" cy="4525963"/>
+          </a:xfrm>
+        </p:spPr>
         <p:txBody>
           <a:bodyPr/>
           <a:lstStyle/>
@@ -22159,7 +22289,7 @@
               <a:buNone/>
             </a:pPr>
             <a:r>
-              <a:rPr kumimoji="0" lang="en-US" sz="1800" b="0" i="0" u="none" strike="noStrike" kern="1200" cap="none" spc="0" normalizeH="0" baseline="0" noProof="1">
+              <a:rPr kumimoji="0" lang="en-US" sz="1600" b="0" i="0" u="none" strike="noStrike" kern="1200" cap="none" spc="0" normalizeH="0" baseline="0" noProof="1">
                 <a:solidFill>
                   <a:schemeClr val="bg2">
                     <a:lumMod val="50000"/>
@@ -22171,7 +22301,37 @@
               </a:rPr>
               <a:t>Data Processing </a:t>
             </a:r>
-            <a:endParaRPr kumimoji="0" lang="en-US" sz="1800" b="0" i="0" u="none" strike="noStrike" kern="1200" cap="none" spc="0" normalizeH="0" baseline="0" noProof="1">
+          </a:p>
+          <a:p>
+            <a:pPr marL="342900" marR="0" indent="-342900" algn="l" defTabSz="914400" rtl="0" eaLnBrk="1" fontAlgn="base" latinLnBrk="0" hangingPunct="1">
+              <a:lnSpc>
+                <a:spcPct val="100000"/>
+              </a:lnSpc>
+              <a:spcBef>
+                <a:spcPct val="20000"/>
+              </a:spcBef>
+              <a:spcAft>
+                <a:spcPct val="0"/>
+              </a:spcAft>
+              <a:buClrTx/>
+              <a:buSzTx/>
+              <a:buFontTx/>
+              <a:buChar char="•"/>
+            </a:pPr>
+            <a:r>
+              <a:rPr kumimoji="0" lang="en-US" sz="1600" b="0" i="0" u="none" strike="noStrike" kern="1200" cap="none" spc="0" normalizeH="0" baseline="0" noProof="1">
+                <a:solidFill>
+                  <a:schemeClr val="bg2">
+                    <a:lumMod val="50000"/>
+                  </a:schemeClr>
+                </a:solidFill>
+                <a:latin typeface="Georgia" panose="02040502050405020303" charset="0"/>
+                <a:ea typeface="+mn-ea"/>
+                <a:cs typeface="Georgia" panose="02040502050405020303" charset="0"/>
+              </a:rPr>
+              <a:t>Text embedding :SBERT	         </a:t>
+            </a:r>
+            <a:endParaRPr kumimoji="0" lang="en-US" sz="1100" b="0" i="0" u="none" strike="noStrike" kern="1200" cap="none" spc="0" normalizeH="0" baseline="0" noProof="1">
               <a:solidFill>
                 <a:schemeClr val="bg2">
                   <a:lumMod val="50000"/>
@@ -22199,7 +22359,7 @@
               <a:buChar char="•"/>
             </a:pPr>
             <a:r>
-              <a:rPr kumimoji="0" lang="en-US" sz="1800" b="0" i="0" u="none" strike="noStrike" kern="1200" cap="none" spc="0" normalizeH="0" baseline="0" noProof="1">
+              <a:rPr kumimoji="0" lang="en-US" sz="1600" b="0" i="0" u="none" strike="noStrike" kern="1200" cap="none" spc="0" normalizeH="0" baseline="0" noProof="1">
                 <a:solidFill>
                   <a:schemeClr val="bg2">
                     <a:lumMod val="50000"/>
@@ -22209,9 +22369,39 @@
                 <a:ea typeface="+mn-ea"/>
                 <a:cs typeface="Georgia" panose="02040502050405020303" charset="0"/>
               </a:rPr>
-              <a:t>Text embedding :SBERT	         </a:t>
+              <a:t>Image Embedding: MobileNetV2 </a:t>
             </a:r>
-            <a:endParaRPr kumimoji="0" lang="en-US" sz="1200" b="0" i="0" u="none" strike="noStrike" kern="1200" cap="none" spc="0" normalizeH="0" baseline="0" noProof="1">
+          </a:p>
+          <a:p>
+            <a:pPr marL="342900" marR="0" indent="-342900" algn="l" defTabSz="914400" rtl="0" eaLnBrk="1" fontAlgn="base" latinLnBrk="0" hangingPunct="1">
+              <a:lnSpc>
+                <a:spcPct val="100000"/>
+              </a:lnSpc>
+              <a:spcBef>
+                <a:spcPct val="20000"/>
+              </a:spcBef>
+              <a:spcAft>
+                <a:spcPct val="0"/>
+              </a:spcAft>
+              <a:buClrTx/>
+              <a:buSzTx/>
+              <a:buFontTx/>
+              <a:buChar char="•"/>
+            </a:pPr>
+            <a:r>
+              <a:rPr kumimoji="0" lang="en-US" sz="1600" i="0" u="none" strike="noStrike" kern="1200" cap="none" spc="0" normalizeH="0" baseline="0" noProof="1">
+                <a:solidFill>
+                  <a:schemeClr val="bg2">
+                    <a:lumMod val="50000"/>
+                  </a:schemeClr>
+                </a:solidFill>
+                <a:latin typeface="Georgia" panose="02040502050405020303" charset="0"/>
+                <a:ea typeface="+mn-ea"/>
+                <a:cs typeface="Georgia" panose="02040502050405020303" charset="0"/>
+              </a:rPr>
+              <a:t>Hypernetworks</a:t>
+            </a:r>
+            <a:endParaRPr kumimoji="0" lang="en-US" sz="1600" b="1" i="0" u="none" strike="noStrike" kern="1200" cap="none" spc="0" normalizeH="0" baseline="0" noProof="1">
               <a:solidFill>
                 <a:schemeClr val="bg2">
                   <a:lumMod val="50000"/>
@@ -22239,87 +22429,7 @@
               <a:buChar char="•"/>
             </a:pPr>
             <a:r>
-              <a:rPr kumimoji="0" lang="en-US" sz="1800" b="0" i="0" u="none" strike="noStrike" kern="1200" cap="none" spc="0" normalizeH="0" baseline="0" noProof="1">
-                <a:solidFill>
-                  <a:schemeClr val="bg2">
-                    <a:lumMod val="50000"/>
-                  </a:schemeClr>
-                </a:solidFill>
-                <a:latin typeface="Georgia" panose="02040502050405020303" charset="0"/>
-                <a:ea typeface="+mn-ea"/>
-                <a:cs typeface="Georgia" panose="02040502050405020303" charset="0"/>
-              </a:rPr>
-              <a:t>Image Embedding: MobileNetV2 </a:t>
-            </a:r>
-            <a:endParaRPr kumimoji="0" lang="en-US" sz="1800" b="0" i="0" u="none" strike="noStrike" kern="1200" cap="none" spc="0" normalizeH="0" baseline="0" noProof="1">
-              <a:solidFill>
-                <a:schemeClr val="bg2">
-                  <a:lumMod val="50000"/>
-                </a:schemeClr>
-              </a:solidFill>
-              <a:latin typeface="Georgia" panose="02040502050405020303" charset="0"/>
-              <a:ea typeface="+mn-ea"/>
-              <a:cs typeface="Georgia" panose="02040502050405020303" charset="0"/>
-            </a:endParaRPr>
-          </a:p>
-          <a:p>
-            <a:pPr marL="342900" marR="0" indent="-342900" algn="l" defTabSz="914400" rtl="0" eaLnBrk="1" fontAlgn="base" latinLnBrk="0" hangingPunct="1">
-              <a:lnSpc>
-                <a:spcPct val="100000"/>
-              </a:lnSpc>
-              <a:spcBef>
-                <a:spcPct val="20000"/>
-              </a:spcBef>
-              <a:spcAft>
-                <a:spcPct val="0"/>
-              </a:spcAft>
-              <a:buClrTx/>
-              <a:buSzTx/>
-              <a:buFontTx/>
-              <a:buChar char="•"/>
-            </a:pPr>
-            <a:r>
-              <a:rPr kumimoji="0" lang="en-US" sz="1800" i="0" u="none" strike="noStrike" kern="1200" cap="none" spc="0" normalizeH="0" baseline="0" noProof="1">
-                <a:solidFill>
-                  <a:schemeClr val="bg2">
-                    <a:lumMod val="50000"/>
-                  </a:schemeClr>
-                </a:solidFill>
-                <a:latin typeface="Georgia" panose="02040502050405020303" charset="0"/>
-                <a:ea typeface="+mn-ea"/>
-                <a:cs typeface="Georgia" panose="02040502050405020303" charset="0"/>
-              </a:rPr>
-              <a:t>Hypernetworks</a:t>
-            </a:r>
-            <a:endParaRPr kumimoji="0" lang="en-US" sz="1800" b="1" i="0" u="none" strike="noStrike" kern="1200" cap="none" spc="0" normalizeH="0" baseline="0" noProof="1">
-              <a:solidFill>
-                <a:schemeClr val="bg2">
-                  <a:lumMod val="50000"/>
-                </a:schemeClr>
-              </a:solidFill>
-              <a:latin typeface="Georgia" panose="02040502050405020303" charset="0"/>
-              <a:ea typeface="+mn-ea"/>
-              <a:cs typeface="Georgia" panose="02040502050405020303" charset="0"/>
-            </a:endParaRPr>
-          </a:p>
-          <a:p>
-            <a:pPr marL="342900" marR="0" indent="-342900" algn="l" defTabSz="914400" rtl="0" eaLnBrk="1" fontAlgn="base" latinLnBrk="0" hangingPunct="1">
-              <a:lnSpc>
-                <a:spcPct val="100000"/>
-              </a:lnSpc>
-              <a:spcBef>
-                <a:spcPct val="20000"/>
-              </a:spcBef>
-              <a:spcAft>
-                <a:spcPct val="0"/>
-              </a:spcAft>
-              <a:buClrTx/>
-              <a:buSzTx/>
-              <a:buFontTx/>
-              <a:buChar char="•"/>
-            </a:pPr>
-            <a:r>
-              <a:rPr kumimoji="0" lang="en-US" sz="1800" b="0" i="0" u="none" strike="noStrike" kern="1200" cap="none" spc="0" normalizeH="0" baseline="0" noProof="1">
+              <a:rPr kumimoji="0" lang="en-US" sz="1600" b="0" i="0" u="none" strike="noStrike" kern="1200" cap="none" spc="0" normalizeH="0" baseline="0" noProof="1">
                 <a:solidFill>
                   <a:schemeClr val="bg2">
                     <a:lumMod val="50000"/>
@@ -22331,16 +22441,6 @@
               </a:rPr>
               <a:t>Decoder</a:t>
             </a:r>
-            <a:endParaRPr kumimoji="0" lang="en-US" sz="1800" b="0" i="0" u="none" strike="noStrike" kern="1200" cap="none" spc="0" normalizeH="0" baseline="0" noProof="1">
-              <a:solidFill>
-                <a:schemeClr val="bg2">
-                  <a:lumMod val="50000"/>
-                </a:schemeClr>
-              </a:solidFill>
-              <a:latin typeface="Georgia" panose="02040502050405020303" charset="0"/>
-              <a:ea typeface="+mn-ea"/>
-              <a:cs typeface="Georgia" panose="02040502050405020303" charset="0"/>
-            </a:endParaRPr>
           </a:p>
           <a:p>
             <a:pPr marL="0" marR="0" indent="0" algn="l" defTabSz="914400" rtl="0" eaLnBrk="1" fontAlgn="base" latinLnBrk="0" hangingPunct="1">
@@ -22429,9 +22529,6 @@
               </a:rPr>
               <a:t>Varun Bohara</a:t>
             </a:r>
-            <a:endParaRPr lang="en-US" altLang="zh-CN">
-              <a:latin typeface="Cambria" panose="02040503050406030204" charset="0"/>
-            </a:endParaRPr>
           </a:p>
         </p:txBody>
       </p:sp>
@@ -22446,7 +22543,7 @@
           </p:nvPr>
         </p:nvPicPr>
         <p:blipFill>
-          <a:blip r:embed="rId1">
+          <a:blip r:embed="rId3">
             <a:clrChange>
               <a:clrFrom>
                 <a:srgbClr val="FFFFFF">
@@ -22496,7 +22593,14 @@
         <p:cNvGrpSpPr/>
         <p:nvPr/>
       </p:nvGrpSpPr>
-      <p:grpSpPr/>
+      <p:grpSpPr>
+        <a:xfrm>
+          <a:off x="0" y="0"/>
+          <a:ext cx="0" cy="0"/>
+          <a:chOff x="0" y="0"/>
+          <a:chExt cx="0" cy="0"/>
+        </a:xfrm>
+      </p:grpSpPr>
       <p:sp>
         <p:nvSpPr>
           <p:cNvPr id="2" name="Title 1"/>
@@ -22507,18 +22611,24 @@
             <p:ph type="title"/>
           </p:nvPr>
         </p:nvSpPr>
-        <p:spPr/>
+        <p:spPr>
+          <a:xfrm>
+            <a:off x="311700" y="505183"/>
+            <a:ext cx="8520600" cy="572700"/>
+          </a:xfrm>
+        </p:spPr>
         <p:txBody>
           <a:bodyPr/>
+          <a:lstStyle/>
           <a:p>
             <a:pPr algn="ctr"/>
             <a:r>
-              <a:rPr lang="en-US" sz="2400" dirty="0">
+              <a:rPr lang="en-US" sz="1800" dirty="0">
                 <a:latin typeface="Georgia" panose="02040502050405020303" charset="0"/>
                 <a:cs typeface="Georgia" panose="02040502050405020303" charset="0"/>
                 <a:sym typeface="+mn-ea"/>
               </a:rPr>
-              <a:t>Multimodal Meme Dataset (MultiOFF) for Identifying Offensive Content in Image and Text</a:t>
+              <a:t>Multimodal Meme Dataset (MultiOFF) for Identifying Offensive Content in Image and Text [3]</a:t>
             </a:r>
             <a:br>
               <a:rPr lang="en-US" sz="1400" dirty="0">
@@ -22577,30 +22687,26 @@
         </p:nvSpPr>
         <p:spPr>
           <a:xfrm>
-            <a:off x="5385435" y="3080385"/>
-            <a:ext cx="3500120" cy="977900"/>
+            <a:off x="6412523" y="2629046"/>
+            <a:ext cx="2948354" cy="977900"/>
           </a:xfrm>
         </p:spPr>
         <p:txBody>
           <a:bodyPr/>
+          <a:lstStyle/>
           <a:p>
             <a:pPr marL="285750" indent="-285750" algn="l">
               <a:buFont typeface="Wingdings" panose="05000000000000000000" charset="0"/>
               <a:buChar char="ü"/>
             </a:pPr>
             <a:r>
-              <a:rPr lang="en-IN" altLang="en-US" sz="1800">
+              <a:rPr lang="en-IN" altLang="en-US" sz="1400" dirty="0">
                 <a:latin typeface="Georgia" panose="02040502050405020303" charset="0"/>
                 <a:cs typeface="Georgia" panose="02040502050405020303" charset="0"/>
                 <a:sym typeface="+mn-ea"/>
               </a:rPr>
               <a:t>Text Embedding : LSTM</a:t>
             </a:r>
-            <a:endParaRPr lang="en-IN" altLang="en-US" sz="1800">
-              <a:latin typeface="Georgia" panose="02040502050405020303" charset="0"/>
-              <a:cs typeface="Georgia" panose="02040502050405020303" charset="0"/>
-              <a:sym typeface="+mn-ea"/>
-            </a:endParaRPr>
           </a:p>
           <a:p>
             <a:pPr marL="285750" indent="-285750" algn="l">
@@ -22608,18 +22714,13 @@
               <a:buChar char="ü"/>
             </a:pPr>
             <a:r>
-              <a:rPr lang="en-IN" altLang="en-US" sz="1800">
+              <a:rPr lang="en-IN" altLang="en-US" sz="1400" dirty="0">
                 <a:latin typeface="Georgia" panose="02040502050405020303" charset="0"/>
                 <a:cs typeface="Georgia" panose="02040502050405020303" charset="0"/>
                 <a:sym typeface="+mn-ea"/>
               </a:rPr>
               <a:t>Image Embedding : VGG16</a:t>
             </a:r>
-            <a:endParaRPr lang="en-IN" altLang="en-US" sz="1800">
-              <a:latin typeface="Georgia" panose="02040502050405020303" charset="0"/>
-              <a:cs typeface="Georgia" panose="02040502050405020303" charset="0"/>
-              <a:sym typeface="+mn-ea"/>
-            </a:endParaRPr>
           </a:p>
           <a:p>
             <a:pPr marL="285750" indent="-285750" algn="l">
@@ -22627,14 +22728,14 @@
               <a:buChar char="ü"/>
             </a:pPr>
             <a:r>
-              <a:rPr lang="en-IN" altLang="en-US" sz="1800">
+              <a:rPr lang="en-IN" altLang="en-US" sz="1400" dirty="0">
                 <a:latin typeface="Georgia" panose="02040502050405020303" charset="0"/>
                 <a:cs typeface="Georgia" panose="02040502050405020303" charset="0"/>
                 <a:sym typeface="+mn-ea"/>
               </a:rPr>
               <a:t>Early Fusion Method </a:t>
             </a:r>
-            <a:endParaRPr lang="en-IN" altLang="en-US" sz="1800">
+            <a:endParaRPr lang="en-IN" altLang="en-US" sz="1400" dirty="0">
               <a:latin typeface="Georgia" panose="02040502050405020303" charset="0"/>
               <a:cs typeface="Georgia" panose="02040502050405020303" charset="0"/>
             </a:endParaRPr>
@@ -22644,7 +22745,7 @@
               <a:buFont typeface="Wingdings" panose="05000000000000000000" charset="0"/>
               <a:buChar char="ü"/>
             </a:pPr>
-            <a:endParaRPr lang="en-IN" altLang="en-US" sz="1800">
+            <a:endParaRPr lang="en-IN" altLang="en-US" sz="1800" dirty="0">
               <a:latin typeface="Georgia" panose="02040502050405020303" charset="0"/>
               <a:cs typeface="Georgia" panose="02040502050405020303" charset="0"/>
               <a:sym typeface="+mn-ea"/>
@@ -22655,7 +22756,7 @@
               <a:buFont typeface="Arial" panose="020B0604020202020204" pitchFamily="34" charset="0"/>
               <a:buChar char="•"/>
             </a:pPr>
-            <a:endParaRPr lang="en-IN" altLang="en-US">
+            <a:endParaRPr lang="en-IN" altLang="en-US" dirty="0">
               <a:latin typeface="Georgia" panose="02040502050405020303" charset="0"/>
               <a:cs typeface="Georgia" panose="02040502050405020303" charset="0"/>
             </a:endParaRPr>
@@ -22665,7 +22766,7 @@
               <a:buFont typeface="Arial" panose="020B0604020202020204" pitchFamily="34" charset="0"/>
               <a:buChar char="•"/>
             </a:pPr>
-            <a:endParaRPr lang="en-IN" altLang="en-US">
+            <a:endParaRPr lang="en-IN" altLang="en-US" dirty="0">
               <a:sym typeface="+mn-ea"/>
             </a:endParaRPr>
           </a:p>
@@ -22674,10 +22775,10 @@
               <a:buFont typeface="Arial" panose="020B0604020202020204" pitchFamily="34" charset="0"/>
               <a:buChar char="•"/>
             </a:pPr>
-            <a:endParaRPr lang="en-IN" altLang="en-US"/>
+            <a:endParaRPr lang="en-IN" altLang="en-US" dirty="0"/>
           </a:p>
           <a:p>
-            <a:endParaRPr lang="en-US"/>
+            <a:endParaRPr lang="en-US" dirty="0"/>
           </a:p>
         </p:txBody>
       </p:sp>
@@ -22685,22 +22786,21 @@
         <p:nvPicPr>
           <p:cNvPr id="5" name="Content Placeholder 4" descr="Screenshot (54)"/>
           <p:cNvPicPr>
-            <a:picLocks noChangeAspect="1"/>
+            <a:picLocks noGrp="1" noChangeAspect="1"/>
           </p:cNvPicPr>
           <p:nvPr>
             <p:ph sz="half" idx="1"/>
           </p:nvPr>
         </p:nvPicPr>
-        <p:blipFill>
-          <a:blip r:embed="rId1"/>
-          <a:stretch>
-            <a:fillRect/>
-          </a:stretch>
+        <p:blipFill rotWithShape="1">
+          <a:blip r:embed="rId3"/>
+          <a:srcRect t="762"/>
+          <a:stretch/>
         </p:blipFill>
         <p:spPr>
           <a:xfrm>
-            <a:off x="618490" y="1610360"/>
-            <a:ext cx="4766945" cy="3406140"/>
+            <a:off x="618490" y="1636294"/>
+            <a:ext cx="5884578" cy="3380205"/>
           </a:xfrm>
           <a:prstGeom prst="rect">
             <a:avLst/>
@@ -22991,6 +23091,8 @@
       </a:bgFillStyleLst>
     </a:fmtScheme>
   </a:themeElements>
+  <a:objectDefaults/>
+  <a:extraClrSchemeLst/>
   <a:extLst>
     <a:ext uri="{05A4C25C-085E-4340-85A3-A5531E510DB2}">
       <thm15:themeFamily xmlns:thm15="http://schemas.microsoft.com/office/thememl/2012/main" name="Office Theme" id="{62F939B6-93AF-4DB8-9C6B-D6C7DFDC589F}" vid="{4A3C46E8-61CC-4603-A589-7422A47A8E4A}"/>
@@ -23275,6 +23377,8 @@
       </a:bgFillStyleLst>
     </a:fmtScheme>
   </a:themeElements>
+  <a:objectDefaults/>
+  <a:extraClrSchemeLst/>
   <a:extLst>
     <a:ext uri="{05A4C25C-085E-4340-85A3-A5531E510DB2}">
       <thm15:themeFamily xmlns:thm15="http://schemas.microsoft.com/office/thememl/2012/main" name="Office Theme" id="{62F939B6-93AF-4DB8-9C6B-D6C7DFDC589F}" vid="{4A3C46E8-61CC-4603-A589-7422A47A8E4A}"/>

--- a/MINI PROJECT REVIEW.pptx
+++ b/MINI PROJECT REVIEW.pptx
@@ -5,63 +5,58 @@
     <p:sldMasterId id="2147483648" r:id="rId1"/>
   </p:sldMasterIdLst>
   <p:notesMasterIdLst>
-    <p:notesMasterId r:id="rId26"/>
+    <p:notesMasterId r:id="rId4"/>
   </p:notesMasterIdLst>
   <p:sldIdLst>
-    <p:sldId id="256" r:id="rId2"/>
-    <p:sldId id="257" r:id="rId3"/>
-    <p:sldId id="258" r:id="rId4"/>
-    <p:sldId id="259" r:id="rId5"/>
-    <p:sldId id="260" r:id="rId6"/>
-    <p:sldId id="261" r:id="rId7"/>
-    <p:sldId id="262" r:id="rId8"/>
-    <p:sldId id="279" r:id="rId9"/>
-    <p:sldId id="296" r:id="rId10"/>
+    <p:sldId id="256" r:id="rId3"/>
+    <p:sldId id="257" r:id="rId5"/>
+    <p:sldId id="258" r:id="rId6"/>
+    <p:sldId id="259" r:id="rId7"/>
+    <p:sldId id="260" r:id="rId8"/>
+    <p:sldId id="261" r:id="rId9"/>
+    <p:sldId id="262" r:id="rId10"/>
     <p:sldId id="281" r:id="rId11"/>
-    <p:sldId id="263" r:id="rId12"/>
-    <p:sldId id="264" r:id="rId13"/>
-    <p:sldId id="265" r:id="rId14"/>
-    <p:sldId id="278" r:id="rId15"/>
-    <p:sldId id="267" r:id="rId16"/>
-    <p:sldId id="268" r:id="rId17"/>
-    <p:sldId id="269" r:id="rId18"/>
-    <p:sldId id="270" r:id="rId19"/>
-    <p:sldId id="271" r:id="rId20"/>
-    <p:sldId id="272" r:id="rId21"/>
-    <p:sldId id="273" r:id="rId22"/>
-    <p:sldId id="274" r:id="rId23"/>
-    <p:sldId id="275" r:id="rId24"/>
-    <p:sldId id="276" r:id="rId25"/>
+    <p:sldId id="279" r:id="rId12"/>
+    <p:sldId id="296" r:id="rId13"/>
+    <p:sldId id="263" r:id="rId14"/>
+    <p:sldId id="264" r:id="rId15"/>
+    <p:sldId id="313" r:id="rId16"/>
+    <p:sldId id="265" r:id="rId17"/>
+    <p:sldId id="312" r:id="rId18"/>
   </p:sldIdLst>
   <p:sldSz cx="9144000" cy="5143500" type="screen16x9"/>
   <p:notesSz cx="6858000" cy="9144000"/>
   <p:embeddedFontLst>
     <p:embeddedFont>
-      <p:font typeface="Agency FB" panose="020B0503020202020204" pitchFamily="34" charset="0"/>
-      <p:regular r:id="rId27"/>
-      <p:bold r:id="rId28"/>
+      <p:font typeface="SimSun" panose="02010600030101010101" pitchFamily="2" charset="-122"/>
+      <p:regular r:id="rId22"/>
     </p:embeddedFont>
     <p:embeddedFont>
-      <p:font typeface="Cambria" panose="02040503050406030204" pitchFamily="18" charset="0"/>
+      <p:font typeface="Maven Pro"/>
+      <p:regular r:id="rId23"/>
+    </p:embeddedFont>
+    <p:embeddedFont>
+      <p:font typeface="Nunito" panose="00000500000000000000"/>
+      <p:regular r:id="rId24"/>
+    </p:embeddedFont>
+    <p:embeddedFont>
+      <p:font typeface="Georgia" panose="02040502050405020303" charset="0"/>
+      <p:regular r:id="rId25"/>
+      <p:bold r:id="rId26"/>
+      <p:italic r:id="rId27"/>
+      <p:boldItalic r:id="rId28"/>
+    </p:embeddedFont>
+    <p:embeddedFont>
+      <p:font typeface="Cambria" panose="02040503050406030204" charset="0"/>
       <p:regular r:id="rId29"/>
       <p:bold r:id="rId30"/>
       <p:italic r:id="rId31"/>
       <p:boldItalic r:id="rId32"/>
     </p:embeddedFont>
     <p:embeddedFont>
-      <p:font typeface="Georgia" panose="02040502050405020303" pitchFamily="18" charset="0"/>
+      <p:font typeface="Agency FB" panose="020B0503020202020204" charset="0"/>
       <p:regular r:id="rId33"/>
       <p:bold r:id="rId34"/>
-      <p:italic r:id="rId35"/>
-      <p:boldItalic r:id="rId36"/>
-    </p:embeddedFont>
-    <p:embeddedFont>
-      <p:font typeface="Maven Pro" panose="020B0604020202020204" charset="0"/>
-      <p:regular r:id="rId37"/>
-    </p:embeddedFont>
-    <p:embeddedFont>
-      <p:font typeface="Nunito" panose="020B0604020202020204" charset="0"/>
-      <p:regular r:id="rId38"/>
     </p:embeddedFont>
   </p:embeddedFontLst>
   <p:defaultTextStyle>
@@ -293,22 +288,6 @@
       </a:defRPr>
     </a:lvl9pPr>
   </p:defaultTextStyle>
-  <p:extLst>
-    <p:ext uri="{EFAFB233-063F-42B5-8137-9DF3F51BA10A}">
-      <p15:sldGuideLst xmlns:p15="http://schemas.microsoft.com/office/powerpoint/2012/main">
-        <p15:guide id="1" orient="horz" pos="1604">
-          <p15:clr>
-            <a:srgbClr val="A4A3A4"/>
-          </p15:clr>
-        </p15:guide>
-        <p15:guide id="2" pos="2828">
-          <p15:clr>
-            <a:srgbClr val="A4A3A4"/>
-          </p15:clr>
-        </p15:guide>
-      </p15:sldGuideLst>
-    </p:ext>
-  </p:extLst>
 </p:presentation>
 </file>
 
@@ -513,9 +492,7 @@
               <a:defRPr sz="1100"/>
             </a:lvl9pPr>
           </a:lstStyle>
-          <a:p>
-            <a:endParaRPr/>
-          </a:p>
+          <a:p/>
         </p:txBody>
       </p:sp>
     </p:spTree>
@@ -754,7 +731,7 @@
 </file>
 
 <file path=ppt/notesSlides/notesSlide1.xml><?xml version="1.0" encoding="utf-8"?>
-<p:notes xmlns:a="http://schemas.openxmlformats.org/drawingml/2006/main" xmlns:r="http://schemas.openxmlformats.org/officeDocument/2006/relationships" xmlns:p="http://schemas.openxmlformats.org/presentationml/2006/main" showMasterSp="0" showMasterPhAnim="0">
+<p:notes xmlns:a="http://schemas.openxmlformats.org/drawingml/2006/main" xmlns:r="http://schemas.openxmlformats.org/officeDocument/2006/relationships" xmlns:p="http://schemas.openxmlformats.org/presentationml/2006/main" showMasterPhAnim="0" showMasterSp="0">
   <p:cSld>
     <p:spTree>
       <p:nvGrpSpPr>
@@ -845,7 +822,6 @@
               </a:spcAft>
               <a:buNone/>
             </a:pPr>
-            <a:endParaRPr/>
           </a:p>
         </p:txBody>
       </p:sp>
@@ -881,7 +857,7 @@
             <a:spLocks noGrp="1" noRot="1" noChangeAspect="1"/>
           </p:cNvSpPr>
           <p:nvPr>
-            <p:ph type="sldImg"/>
+            <p:ph type="sldImg" idx="2"/>
           </p:nvPr>
         </p:nvSpPr>
         <p:spPr>
@@ -893,7 +869,7 @@
       </p:sp>
       <p:sp>
         <p:nvSpPr>
-          <p:cNvPr id="3" name="Notes Placeholder 2"/>
+          <p:cNvPr id="3" name="Text Placeholder 2"/>
           <p:cNvSpPr>
             <a:spLocks noGrp="1"/>
           </p:cNvSpPr>
@@ -906,7 +882,7 @@
           <a:bodyPr/>
           <a:lstStyle/>
           <a:p>
-            <a:endParaRPr lang="en-IN" dirty="0"/>
+            <a:endParaRPr lang="en-US"/>
           </a:p>
         </p:txBody>
       </p:sp>
@@ -919,7 +895,7 @@
 </file>
 
 <file path=ppt/notesSlides/notesSlide11.xml><?xml version="1.0" encoding="utf-8"?>
-<p:notes xmlns:a="http://schemas.openxmlformats.org/drawingml/2006/main" xmlns:r="http://schemas.openxmlformats.org/officeDocument/2006/relationships" xmlns:p="http://schemas.openxmlformats.org/presentationml/2006/main" showMasterSp="0" showMasterPhAnim="0">
+<p:notes xmlns:a="http://schemas.openxmlformats.org/drawingml/2006/main" xmlns:r="http://schemas.openxmlformats.org/officeDocument/2006/relationships" xmlns:p="http://schemas.openxmlformats.org/presentationml/2006/main" showMasterPhAnim="0" showMasterSp="0">
   <p:cSld>
     <p:spTree>
       <p:nvGrpSpPr>
@@ -1010,7 +986,6 @@
               </a:spcAft>
               <a:buNone/>
             </a:pPr>
-            <a:endParaRPr/>
           </a:p>
         </p:txBody>
       </p:sp>
@@ -1023,7 +998,7 @@
 </file>
 
 <file path=ppt/notesSlides/notesSlide12.xml><?xml version="1.0" encoding="utf-8"?>
-<p:notes xmlns:a="http://schemas.openxmlformats.org/drawingml/2006/main" xmlns:r="http://schemas.openxmlformats.org/officeDocument/2006/relationships" xmlns:p="http://schemas.openxmlformats.org/presentationml/2006/main" showMasterSp="0" showMasterPhAnim="0">
+<p:notes xmlns:a="http://schemas.openxmlformats.org/drawingml/2006/main" xmlns:r="http://schemas.openxmlformats.org/officeDocument/2006/relationships" xmlns:p="http://schemas.openxmlformats.org/presentationml/2006/main" showMasterPhAnim="0" showMasterSp="0">
   <p:cSld>
     <p:spTree>
       <p:nvGrpSpPr>
@@ -1114,7 +1089,6 @@
               </a:spcAft>
               <a:buNone/>
             </a:pPr>
-            <a:endParaRPr/>
           </a:p>
         </p:txBody>
       </p:sp>
@@ -1127,7 +1101,7 @@
 </file>
 
 <file path=ppt/notesSlides/notesSlide13.xml><?xml version="1.0" encoding="utf-8"?>
-<p:notes xmlns:a="http://schemas.openxmlformats.org/drawingml/2006/main" xmlns:r="http://schemas.openxmlformats.org/officeDocument/2006/relationships" xmlns:p="http://schemas.openxmlformats.org/presentationml/2006/main" showMasterSp="0" showMasterPhAnim="0">
+<p:notes xmlns:a="http://schemas.openxmlformats.org/drawingml/2006/main" xmlns:r="http://schemas.openxmlformats.org/officeDocument/2006/relationships" xmlns:p="http://schemas.openxmlformats.org/presentationml/2006/main" showMasterPhAnim="0" showMasterSp="0">
   <p:cSld>
     <p:spTree>
       <p:nvGrpSpPr>
@@ -1218,631 +1192,6 @@
               </a:spcAft>
               <a:buNone/>
             </a:pPr>
-            <a:endParaRPr/>
-          </a:p>
-        </p:txBody>
-      </p:sp>
-    </p:spTree>
-  </p:cSld>
-  <p:clrMapOvr>
-    <a:masterClrMapping/>
-  </p:clrMapOvr>
-</p:notes>
-</file>
-
-<file path=ppt/notesSlides/notesSlide14.xml><?xml version="1.0" encoding="utf-8"?>
-<p:notes xmlns:a="http://schemas.openxmlformats.org/drawingml/2006/main" xmlns:r="http://schemas.openxmlformats.org/officeDocument/2006/relationships" xmlns:p="http://schemas.openxmlformats.org/presentationml/2006/main" showMasterSp="0" showMasterPhAnim="0">
-  <p:cSld>
-    <p:spTree>
-      <p:nvGrpSpPr>
-        <p:cNvPr id="1" name="Shape 339"/>
-        <p:cNvGrpSpPr/>
-        <p:nvPr/>
-      </p:nvGrpSpPr>
-      <p:grpSpPr>
-        <a:xfrm>
-          <a:off x="0" y="0"/>
-          <a:ext cx="0" cy="0"/>
-          <a:chOff x="0" y="0"/>
-          <a:chExt cx="0" cy="0"/>
-        </a:xfrm>
-      </p:grpSpPr>
-      <p:sp>
-        <p:nvSpPr>
-          <p:cNvPr id="340" name="Google Shape;340;ga6a217c1e4_0_598:notes"/>
-          <p:cNvSpPr>
-            <a:spLocks noGrp="1" noRot="1" noChangeAspect="1"/>
-          </p:cNvSpPr>
-          <p:nvPr>
-            <p:ph type="sldImg" idx="2"/>
-          </p:nvPr>
-        </p:nvSpPr>
-        <p:spPr>
-          <a:xfrm>
-            <a:off x="381300" y="685800"/>
-            <a:ext cx="6096000" cy="3429000"/>
-          </a:xfrm>
-          <a:custGeom>
-            <a:avLst/>
-            <a:gdLst/>
-            <a:ahLst/>
-            <a:cxnLst/>
-            <a:rect l="l" t="t" r="r" b="b"/>
-            <a:pathLst>
-              <a:path w="120000" h="120000" extrusionOk="0">
-                <a:moveTo>
-                  <a:pt x="0" y="0"/>
-                </a:moveTo>
-                <a:lnTo>
-                  <a:pt x="120000" y="0"/>
-                </a:lnTo>
-                <a:lnTo>
-                  <a:pt x="120000" y="120000"/>
-                </a:lnTo>
-                <a:lnTo>
-                  <a:pt x="0" y="120000"/>
-                </a:lnTo>
-                <a:close/>
-              </a:path>
-            </a:pathLst>
-          </a:custGeom>
-        </p:spPr>
-      </p:sp>
-      <p:sp>
-        <p:nvSpPr>
-          <p:cNvPr id="341" name="Google Shape;341;ga6a217c1e4_0_598:notes"/>
-          <p:cNvSpPr txBox="1">
-            <a:spLocks noGrp="1"/>
-          </p:cNvSpPr>
-          <p:nvPr>
-            <p:ph type="body" idx="1"/>
-          </p:nvPr>
-        </p:nvSpPr>
-        <p:spPr>
-          <a:xfrm>
-            <a:off x="685800" y="4343400"/>
-            <a:ext cx="5486400" cy="4114800"/>
-          </a:xfrm>
-          <a:prstGeom prst="rect">
-            <a:avLst/>
-          </a:prstGeom>
-        </p:spPr>
-        <p:txBody>
-          <a:bodyPr spcFirstLastPara="1" wrap="square" lIns="91425" tIns="91425" rIns="91425" bIns="91425" anchor="t" anchorCtr="0">
-            <a:noAutofit/>
-          </a:bodyPr>
-          <a:lstStyle/>
-          <a:p>
-            <a:pPr marL="0" lvl="0" indent="0" algn="l" rtl="0">
-              <a:spcBef>
-                <a:spcPts val="0"/>
-              </a:spcBef>
-              <a:spcAft>
-                <a:spcPts val="0"/>
-              </a:spcAft>
-              <a:buNone/>
-            </a:pPr>
-            <a:endParaRPr/>
-          </a:p>
-        </p:txBody>
-      </p:sp>
-    </p:spTree>
-  </p:cSld>
-  <p:clrMapOvr>
-    <a:masterClrMapping/>
-  </p:clrMapOvr>
-</p:notes>
-</file>
-
-<file path=ppt/notesSlides/notesSlide15.xml><?xml version="1.0" encoding="utf-8"?>
-<p:notes xmlns:a="http://schemas.openxmlformats.org/drawingml/2006/main" xmlns:r="http://schemas.openxmlformats.org/officeDocument/2006/relationships" xmlns:p="http://schemas.openxmlformats.org/presentationml/2006/main" showMasterSp="0" showMasterPhAnim="0">
-  <p:cSld>
-    <p:spTree>
-      <p:nvGrpSpPr>
-        <p:cNvPr id="1" name="Shape 345"/>
-        <p:cNvGrpSpPr/>
-        <p:nvPr/>
-      </p:nvGrpSpPr>
-      <p:grpSpPr>
-        <a:xfrm>
-          <a:off x="0" y="0"/>
-          <a:ext cx="0" cy="0"/>
-          <a:chOff x="0" y="0"/>
-          <a:chExt cx="0" cy="0"/>
-        </a:xfrm>
-      </p:grpSpPr>
-      <p:sp>
-        <p:nvSpPr>
-          <p:cNvPr id="346" name="Google Shape;346;ga6a217c1e4_0_603:notes"/>
-          <p:cNvSpPr>
-            <a:spLocks noGrp="1" noRot="1" noChangeAspect="1"/>
-          </p:cNvSpPr>
-          <p:nvPr>
-            <p:ph type="sldImg" idx="2"/>
-          </p:nvPr>
-        </p:nvSpPr>
-        <p:spPr>
-          <a:xfrm>
-            <a:off x="381300" y="685800"/>
-            <a:ext cx="6096000" cy="3429000"/>
-          </a:xfrm>
-          <a:custGeom>
-            <a:avLst/>
-            <a:gdLst/>
-            <a:ahLst/>
-            <a:cxnLst/>
-            <a:rect l="l" t="t" r="r" b="b"/>
-            <a:pathLst>
-              <a:path w="120000" h="120000" extrusionOk="0">
-                <a:moveTo>
-                  <a:pt x="0" y="0"/>
-                </a:moveTo>
-                <a:lnTo>
-                  <a:pt x="120000" y="0"/>
-                </a:lnTo>
-                <a:lnTo>
-                  <a:pt x="120000" y="120000"/>
-                </a:lnTo>
-                <a:lnTo>
-                  <a:pt x="0" y="120000"/>
-                </a:lnTo>
-                <a:close/>
-              </a:path>
-            </a:pathLst>
-          </a:custGeom>
-        </p:spPr>
-      </p:sp>
-      <p:sp>
-        <p:nvSpPr>
-          <p:cNvPr id="347" name="Google Shape;347;ga6a217c1e4_0_603:notes"/>
-          <p:cNvSpPr txBox="1">
-            <a:spLocks noGrp="1"/>
-          </p:cNvSpPr>
-          <p:nvPr>
-            <p:ph type="body" idx="1"/>
-          </p:nvPr>
-        </p:nvSpPr>
-        <p:spPr>
-          <a:xfrm>
-            <a:off x="685800" y="4343400"/>
-            <a:ext cx="5486400" cy="4114800"/>
-          </a:xfrm>
-          <a:prstGeom prst="rect">
-            <a:avLst/>
-          </a:prstGeom>
-        </p:spPr>
-        <p:txBody>
-          <a:bodyPr spcFirstLastPara="1" wrap="square" lIns="91425" tIns="91425" rIns="91425" bIns="91425" anchor="t" anchorCtr="0">
-            <a:noAutofit/>
-          </a:bodyPr>
-          <a:lstStyle/>
-          <a:p>
-            <a:pPr marL="0" lvl="0" indent="0" algn="l" rtl="0">
-              <a:spcBef>
-                <a:spcPts val="0"/>
-              </a:spcBef>
-              <a:spcAft>
-                <a:spcPts val="0"/>
-              </a:spcAft>
-              <a:buNone/>
-            </a:pPr>
-            <a:endParaRPr/>
-          </a:p>
-        </p:txBody>
-      </p:sp>
-    </p:spTree>
-  </p:cSld>
-  <p:clrMapOvr>
-    <a:masterClrMapping/>
-  </p:clrMapOvr>
-</p:notes>
-</file>
-
-<file path=ppt/notesSlides/notesSlide16.xml><?xml version="1.0" encoding="utf-8"?>
-<p:notes xmlns:a="http://schemas.openxmlformats.org/drawingml/2006/main" xmlns:r="http://schemas.openxmlformats.org/officeDocument/2006/relationships" xmlns:p="http://schemas.openxmlformats.org/presentationml/2006/main" showMasterSp="0" showMasterPhAnim="0">
-  <p:cSld>
-    <p:spTree>
-      <p:nvGrpSpPr>
-        <p:cNvPr id="1" name="Shape 351"/>
-        <p:cNvGrpSpPr/>
-        <p:nvPr/>
-      </p:nvGrpSpPr>
-      <p:grpSpPr>
-        <a:xfrm>
-          <a:off x="0" y="0"/>
-          <a:ext cx="0" cy="0"/>
-          <a:chOff x="0" y="0"/>
-          <a:chExt cx="0" cy="0"/>
-        </a:xfrm>
-      </p:grpSpPr>
-      <p:sp>
-        <p:nvSpPr>
-          <p:cNvPr id="352" name="Google Shape;352;ga6a217c1e4_0_608:notes"/>
-          <p:cNvSpPr>
-            <a:spLocks noGrp="1" noRot="1" noChangeAspect="1"/>
-          </p:cNvSpPr>
-          <p:nvPr>
-            <p:ph type="sldImg" idx="2"/>
-          </p:nvPr>
-        </p:nvSpPr>
-        <p:spPr>
-          <a:xfrm>
-            <a:off x="381300" y="685800"/>
-            <a:ext cx="6096000" cy="3429000"/>
-          </a:xfrm>
-          <a:custGeom>
-            <a:avLst/>
-            <a:gdLst/>
-            <a:ahLst/>
-            <a:cxnLst/>
-            <a:rect l="l" t="t" r="r" b="b"/>
-            <a:pathLst>
-              <a:path w="120000" h="120000" extrusionOk="0">
-                <a:moveTo>
-                  <a:pt x="0" y="0"/>
-                </a:moveTo>
-                <a:lnTo>
-                  <a:pt x="120000" y="0"/>
-                </a:lnTo>
-                <a:lnTo>
-                  <a:pt x="120000" y="120000"/>
-                </a:lnTo>
-                <a:lnTo>
-                  <a:pt x="0" y="120000"/>
-                </a:lnTo>
-                <a:close/>
-              </a:path>
-            </a:pathLst>
-          </a:custGeom>
-        </p:spPr>
-      </p:sp>
-      <p:sp>
-        <p:nvSpPr>
-          <p:cNvPr id="353" name="Google Shape;353;ga6a217c1e4_0_608:notes"/>
-          <p:cNvSpPr txBox="1">
-            <a:spLocks noGrp="1"/>
-          </p:cNvSpPr>
-          <p:nvPr>
-            <p:ph type="body" idx="1"/>
-          </p:nvPr>
-        </p:nvSpPr>
-        <p:spPr>
-          <a:xfrm>
-            <a:off x="685800" y="4343400"/>
-            <a:ext cx="5486400" cy="4114800"/>
-          </a:xfrm>
-          <a:prstGeom prst="rect">
-            <a:avLst/>
-          </a:prstGeom>
-        </p:spPr>
-        <p:txBody>
-          <a:bodyPr spcFirstLastPara="1" wrap="square" lIns="91425" tIns="91425" rIns="91425" bIns="91425" anchor="t" anchorCtr="0">
-            <a:noAutofit/>
-          </a:bodyPr>
-          <a:lstStyle/>
-          <a:p>
-            <a:pPr marL="0" lvl="0" indent="0" algn="l" rtl="0">
-              <a:spcBef>
-                <a:spcPts val="0"/>
-              </a:spcBef>
-              <a:spcAft>
-                <a:spcPts val="0"/>
-              </a:spcAft>
-              <a:buNone/>
-            </a:pPr>
-            <a:endParaRPr/>
-          </a:p>
-        </p:txBody>
-      </p:sp>
-    </p:spTree>
-  </p:cSld>
-  <p:clrMapOvr>
-    <a:masterClrMapping/>
-  </p:clrMapOvr>
-</p:notes>
-</file>
-
-<file path=ppt/notesSlides/notesSlide17.xml><?xml version="1.0" encoding="utf-8"?>
-<p:notes xmlns:a="http://schemas.openxmlformats.org/drawingml/2006/main" xmlns:r="http://schemas.openxmlformats.org/officeDocument/2006/relationships" xmlns:p="http://schemas.openxmlformats.org/presentationml/2006/main" showMasterSp="0" showMasterPhAnim="0">
-  <p:cSld>
-    <p:spTree>
-      <p:nvGrpSpPr>
-        <p:cNvPr id="1" name="Shape 357"/>
-        <p:cNvGrpSpPr/>
-        <p:nvPr/>
-      </p:nvGrpSpPr>
-      <p:grpSpPr>
-        <a:xfrm>
-          <a:off x="0" y="0"/>
-          <a:ext cx="0" cy="0"/>
-          <a:chOff x="0" y="0"/>
-          <a:chExt cx="0" cy="0"/>
-        </a:xfrm>
-      </p:grpSpPr>
-      <p:sp>
-        <p:nvSpPr>
-          <p:cNvPr id="358" name="Google Shape;358;ga6a217c1e4_0_245:notes"/>
-          <p:cNvSpPr>
-            <a:spLocks noGrp="1" noRot="1" noChangeAspect="1"/>
-          </p:cNvSpPr>
-          <p:nvPr>
-            <p:ph type="sldImg" idx="2"/>
-          </p:nvPr>
-        </p:nvSpPr>
-        <p:spPr>
-          <a:xfrm>
-            <a:off x="381300" y="685800"/>
-            <a:ext cx="6096000" cy="3429000"/>
-          </a:xfrm>
-          <a:custGeom>
-            <a:avLst/>
-            <a:gdLst/>
-            <a:ahLst/>
-            <a:cxnLst/>
-            <a:rect l="l" t="t" r="r" b="b"/>
-            <a:pathLst>
-              <a:path w="120000" h="120000" extrusionOk="0">
-                <a:moveTo>
-                  <a:pt x="0" y="0"/>
-                </a:moveTo>
-                <a:lnTo>
-                  <a:pt x="120000" y="0"/>
-                </a:lnTo>
-                <a:lnTo>
-                  <a:pt x="120000" y="120000"/>
-                </a:lnTo>
-                <a:lnTo>
-                  <a:pt x="0" y="120000"/>
-                </a:lnTo>
-                <a:close/>
-              </a:path>
-            </a:pathLst>
-          </a:custGeom>
-        </p:spPr>
-      </p:sp>
-      <p:sp>
-        <p:nvSpPr>
-          <p:cNvPr id="359" name="Google Shape;359;ga6a217c1e4_0_245:notes"/>
-          <p:cNvSpPr txBox="1">
-            <a:spLocks noGrp="1"/>
-          </p:cNvSpPr>
-          <p:nvPr>
-            <p:ph type="body" idx="1"/>
-          </p:nvPr>
-        </p:nvSpPr>
-        <p:spPr>
-          <a:xfrm>
-            <a:off x="685800" y="4343400"/>
-            <a:ext cx="5486400" cy="4114800"/>
-          </a:xfrm>
-          <a:prstGeom prst="rect">
-            <a:avLst/>
-          </a:prstGeom>
-        </p:spPr>
-        <p:txBody>
-          <a:bodyPr spcFirstLastPara="1" wrap="square" lIns="91425" tIns="91425" rIns="91425" bIns="91425" anchor="t" anchorCtr="0">
-            <a:noAutofit/>
-          </a:bodyPr>
-          <a:lstStyle/>
-          <a:p>
-            <a:pPr marL="0" lvl="0" indent="0" algn="l" rtl="0">
-              <a:spcBef>
-                <a:spcPts val="0"/>
-              </a:spcBef>
-              <a:spcAft>
-                <a:spcPts val="0"/>
-              </a:spcAft>
-              <a:buNone/>
-            </a:pPr>
-            <a:endParaRPr/>
-          </a:p>
-        </p:txBody>
-      </p:sp>
-    </p:spTree>
-  </p:cSld>
-  <p:clrMapOvr>
-    <a:masterClrMapping/>
-  </p:clrMapOvr>
-</p:notes>
-</file>
-
-<file path=ppt/notesSlides/notesSlide18.xml><?xml version="1.0" encoding="utf-8"?>
-<p:notes xmlns:a="http://schemas.openxmlformats.org/drawingml/2006/main" xmlns:r="http://schemas.openxmlformats.org/officeDocument/2006/relationships" xmlns:p="http://schemas.openxmlformats.org/presentationml/2006/main" showMasterSp="0" showMasterPhAnim="0">
-  <p:cSld>
-    <p:spTree>
-      <p:nvGrpSpPr>
-        <p:cNvPr id="1" name="Shape 363"/>
-        <p:cNvGrpSpPr/>
-        <p:nvPr/>
-      </p:nvGrpSpPr>
-      <p:grpSpPr>
-        <a:xfrm>
-          <a:off x="0" y="0"/>
-          <a:ext cx="0" cy="0"/>
-          <a:chOff x="0" y="0"/>
-          <a:chExt cx="0" cy="0"/>
-        </a:xfrm>
-      </p:grpSpPr>
-      <p:sp>
-        <p:nvSpPr>
-          <p:cNvPr id="364" name="Google Shape;364;ga6a217c1e4_0_250:notes"/>
-          <p:cNvSpPr>
-            <a:spLocks noGrp="1" noRot="1" noChangeAspect="1"/>
-          </p:cNvSpPr>
-          <p:nvPr>
-            <p:ph type="sldImg" idx="2"/>
-          </p:nvPr>
-        </p:nvSpPr>
-        <p:spPr>
-          <a:xfrm>
-            <a:off x="381300" y="685800"/>
-            <a:ext cx="6096000" cy="3429000"/>
-          </a:xfrm>
-          <a:custGeom>
-            <a:avLst/>
-            <a:gdLst/>
-            <a:ahLst/>
-            <a:cxnLst/>
-            <a:rect l="l" t="t" r="r" b="b"/>
-            <a:pathLst>
-              <a:path w="120000" h="120000" extrusionOk="0">
-                <a:moveTo>
-                  <a:pt x="0" y="0"/>
-                </a:moveTo>
-                <a:lnTo>
-                  <a:pt x="120000" y="0"/>
-                </a:lnTo>
-                <a:lnTo>
-                  <a:pt x="120000" y="120000"/>
-                </a:lnTo>
-                <a:lnTo>
-                  <a:pt x="0" y="120000"/>
-                </a:lnTo>
-                <a:close/>
-              </a:path>
-            </a:pathLst>
-          </a:custGeom>
-        </p:spPr>
-      </p:sp>
-      <p:sp>
-        <p:nvSpPr>
-          <p:cNvPr id="365" name="Google Shape;365;ga6a217c1e4_0_250:notes"/>
-          <p:cNvSpPr txBox="1">
-            <a:spLocks noGrp="1"/>
-          </p:cNvSpPr>
-          <p:nvPr>
-            <p:ph type="body" idx="1"/>
-          </p:nvPr>
-        </p:nvSpPr>
-        <p:spPr>
-          <a:xfrm>
-            <a:off x="685800" y="4343400"/>
-            <a:ext cx="5486400" cy="4114800"/>
-          </a:xfrm>
-          <a:prstGeom prst="rect">
-            <a:avLst/>
-          </a:prstGeom>
-        </p:spPr>
-        <p:txBody>
-          <a:bodyPr spcFirstLastPara="1" wrap="square" lIns="91425" tIns="91425" rIns="91425" bIns="91425" anchor="t" anchorCtr="0">
-            <a:noAutofit/>
-          </a:bodyPr>
-          <a:lstStyle/>
-          <a:p>
-            <a:pPr marL="0" lvl="0" indent="0" algn="l" rtl="0">
-              <a:spcBef>
-                <a:spcPts val="0"/>
-              </a:spcBef>
-              <a:spcAft>
-                <a:spcPts val="0"/>
-              </a:spcAft>
-              <a:buNone/>
-            </a:pPr>
-            <a:endParaRPr/>
-          </a:p>
-        </p:txBody>
-      </p:sp>
-    </p:spTree>
-  </p:cSld>
-  <p:clrMapOvr>
-    <a:masterClrMapping/>
-  </p:clrMapOvr>
-</p:notes>
-</file>
-
-<file path=ppt/notesSlides/notesSlide19.xml><?xml version="1.0" encoding="utf-8"?>
-<p:notes xmlns:a="http://schemas.openxmlformats.org/drawingml/2006/main" xmlns:r="http://schemas.openxmlformats.org/officeDocument/2006/relationships" xmlns:p="http://schemas.openxmlformats.org/presentationml/2006/main" showMasterSp="0" showMasterPhAnim="0">
-  <p:cSld>
-    <p:spTree>
-      <p:nvGrpSpPr>
-        <p:cNvPr id="1" name="Shape 369"/>
-        <p:cNvGrpSpPr/>
-        <p:nvPr/>
-      </p:nvGrpSpPr>
-      <p:grpSpPr>
-        <a:xfrm>
-          <a:off x="0" y="0"/>
-          <a:ext cx="0" cy="0"/>
-          <a:chOff x="0" y="0"/>
-          <a:chExt cx="0" cy="0"/>
-        </a:xfrm>
-      </p:grpSpPr>
-      <p:sp>
-        <p:nvSpPr>
-          <p:cNvPr id="370" name="Google Shape;370;ga6a217c1e4_0_255:notes"/>
-          <p:cNvSpPr>
-            <a:spLocks noGrp="1" noRot="1" noChangeAspect="1"/>
-          </p:cNvSpPr>
-          <p:nvPr>
-            <p:ph type="sldImg" idx="2"/>
-          </p:nvPr>
-        </p:nvSpPr>
-        <p:spPr>
-          <a:xfrm>
-            <a:off x="381300" y="685800"/>
-            <a:ext cx="6096000" cy="3429000"/>
-          </a:xfrm>
-          <a:custGeom>
-            <a:avLst/>
-            <a:gdLst/>
-            <a:ahLst/>
-            <a:cxnLst/>
-            <a:rect l="l" t="t" r="r" b="b"/>
-            <a:pathLst>
-              <a:path w="120000" h="120000" extrusionOk="0">
-                <a:moveTo>
-                  <a:pt x="0" y="0"/>
-                </a:moveTo>
-                <a:lnTo>
-                  <a:pt x="120000" y="0"/>
-                </a:lnTo>
-                <a:lnTo>
-                  <a:pt x="120000" y="120000"/>
-                </a:lnTo>
-                <a:lnTo>
-                  <a:pt x="0" y="120000"/>
-                </a:lnTo>
-                <a:close/>
-              </a:path>
-            </a:pathLst>
-          </a:custGeom>
-        </p:spPr>
-      </p:sp>
-      <p:sp>
-        <p:nvSpPr>
-          <p:cNvPr id="371" name="Google Shape;371;ga6a217c1e4_0_255:notes"/>
-          <p:cNvSpPr txBox="1">
-            <a:spLocks noGrp="1"/>
-          </p:cNvSpPr>
-          <p:nvPr>
-            <p:ph type="body" idx="1"/>
-          </p:nvPr>
-        </p:nvSpPr>
-        <p:spPr>
-          <a:xfrm>
-            <a:off x="685800" y="4343400"/>
-            <a:ext cx="5486400" cy="4114800"/>
-          </a:xfrm>
-          <a:prstGeom prst="rect">
-            <a:avLst/>
-          </a:prstGeom>
-        </p:spPr>
-        <p:txBody>
-          <a:bodyPr spcFirstLastPara="1" wrap="square" lIns="91425" tIns="91425" rIns="91425" bIns="91425" anchor="t" anchorCtr="0">
-            <a:noAutofit/>
-          </a:bodyPr>
-          <a:lstStyle/>
-          <a:p>
-            <a:pPr marL="0" lvl="0" indent="0" algn="l" rtl="0">
-              <a:spcBef>
-                <a:spcPts val="0"/>
-              </a:spcBef>
-              <a:spcAft>
-                <a:spcPts val="0"/>
-              </a:spcAft>
-              <a:buNone/>
-            </a:pPr>
-            <a:endParaRPr/>
           </a:p>
         </p:txBody>
       </p:sp>
@@ -1855,7 +1204,7 @@
 </file>
 
 <file path=ppt/notesSlides/notesSlide2.xml><?xml version="1.0" encoding="utf-8"?>
-<p:notes xmlns:a="http://schemas.openxmlformats.org/drawingml/2006/main" xmlns:r="http://schemas.openxmlformats.org/officeDocument/2006/relationships" xmlns:p="http://schemas.openxmlformats.org/presentationml/2006/main" showMasterSp="0" showMasterPhAnim="0">
+<p:notes xmlns:a="http://schemas.openxmlformats.org/drawingml/2006/main" xmlns:r="http://schemas.openxmlformats.org/officeDocument/2006/relationships" xmlns:p="http://schemas.openxmlformats.org/presentationml/2006/main" showMasterPhAnim="0" showMasterSp="0">
   <p:cSld>
     <p:spTree>
       <p:nvGrpSpPr>
@@ -1946,423 +1295,6 @@
               </a:spcAft>
               <a:buNone/>
             </a:pPr>
-            <a:endParaRPr/>
-          </a:p>
-        </p:txBody>
-      </p:sp>
-    </p:spTree>
-  </p:cSld>
-  <p:clrMapOvr>
-    <a:masterClrMapping/>
-  </p:clrMapOvr>
-</p:notes>
-</file>
-
-<file path=ppt/notesSlides/notesSlide20.xml><?xml version="1.0" encoding="utf-8"?>
-<p:notes xmlns:a="http://schemas.openxmlformats.org/drawingml/2006/main" xmlns:r="http://schemas.openxmlformats.org/officeDocument/2006/relationships" xmlns:p="http://schemas.openxmlformats.org/presentationml/2006/main" showMasterSp="0" showMasterPhAnim="0">
-  <p:cSld>
-    <p:spTree>
-      <p:nvGrpSpPr>
-        <p:cNvPr id="1" name="Shape 375"/>
-        <p:cNvGrpSpPr/>
-        <p:nvPr/>
-      </p:nvGrpSpPr>
-      <p:grpSpPr>
-        <a:xfrm>
-          <a:off x="0" y="0"/>
-          <a:ext cx="0" cy="0"/>
-          <a:chOff x="0" y="0"/>
-          <a:chExt cx="0" cy="0"/>
-        </a:xfrm>
-      </p:grpSpPr>
-      <p:sp>
-        <p:nvSpPr>
-          <p:cNvPr id="376" name="Google Shape;376;ga6a217c1e4_0_260:notes"/>
-          <p:cNvSpPr>
-            <a:spLocks noGrp="1" noRot="1" noChangeAspect="1"/>
-          </p:cNvSpPr>
-          <p:nvPr>
-            <p:ph type="sldImg" idx="2"/>
-          </p:nvPr>
-        </p:nvSpPr>
-        <p:spPr>
-          <a:xfrm>
-            <a:off x="381300" y="685800"/>
-            <a:ext cx="6096000" cy="3429000"/>
-          </a:xfrm>
-          <a:custGeom>
-            <a:avLst/>
-            <a:gdLst/>
-            <a:ahLst/>
-            <a:cxnLst/>
-            <a:rect l="l" t="t" r="r" b="b"/>
-            <a:pathLst>
-              <a:path w="120000" h="120000" extrusionOk="0">
-                <a:moveTo>
-                  <a:pt x="0" y="0"/>
-                </a:moveTo>
-                <a:lnTo>
-                  <a:pt x="120000" y="0"/>
-                </a:lnTo>
-                <a:lnTo>
-                  <a:pt x="120000" y="120000"/>
-                </a:lnTo>
-                <a:lnTo>
-                  <a:pt x="0" y="120000"/>
-                </a:lnTo>
-                <a:close/>
-              </a:path>
-            </a:pathLst>
-          </a:custGeom>
-        </p:spPr>
-      </p:sp>
-      <p:sp>
-        <p:nvSpPr>
-          <p:cNvPr id="377" name="Google Shape;377;ga6a217c1e4_0_260:notes"/>
-          <p:cNvSpPr txBox="1">
-            <a:spLocks noGrp="1"/>
-          </p:cNvSpPr>
-          <p:nvPr>
-            <p:ph type="body" idx="1"/>
-          </p:nvPr>
-        </p:nvSpPr>
-        <p:spPr>
-          <a:xfrm>
-            <a:off x="685800" y="4343400"/>
-            <a:ext cx="5486400" cy="4114800"/>
-          </a:xfrm>
-          <a:prstGeom prst="rect">
-            <a:avLst/>
-          </a:prstGeom>
-        </p:spPr>
-        <p:txBody>
-          <a:bodyPr spcFirstLastPara="1" wrap="square" lIns="91425" tIns="91425" rIns="91425" bIns="91425" anchor="t" anchorCtr="0">
-            <a:noAutofit/>
-          </a:bodyPr>
-          <a:lstStyle/>
-          <a:p>
-            <a:pPr marL="0" lvl="0" indent="0" algn="l" rtl="0">
-              <a:spcBef>
-                <a:spcPts val="0"/>
-              </a:spcBef>
-              <a:spcAft>
-                <a:spcPts val="0"/>
-              </a:spcAft>
-              <a:buNone/>
-            </a:pPr>
-            <a:endParaRPr/>
-          </a:p>
-        </p:txBody>
-      </p:sp>
-    </p:spTree>
-  </p:cSld>
-  <p:clrMapOvr>
-    <a:masterClrMapping/>
-  </p:clrMapOvr>
-</p:notes>
-</file>
-
-<file path=ppt/notesSlides/notesSlide21.xml><?xml version="1.0" encoding="utf-8"?>
-<p:notes xmlns:a="http://schemas.openxmlformats.org/drawingml/2006/main" xmlns:r="http://schemas.openxmlformats.org/officeDocument/2006/relationships" xmlns:p="http://schemas.openxmlformats.org/presentationml/2006/main" showMasterSp="0" showMasterPhAnim="0">
-  <p:cSld>
-    <p:spTree>
-      <p:nvGrpSpPr>
-        <p:cNvPr id="1" name="Shape 381"/>
-        <p:cNvGrpSpPr/>
-        <p:nvPr/>
-      </p:nvGrpSpPr>
-      <p:grpSpPr>
-        <a:xfrm>
-          <a:off x="0" y="0"/>
-          <a:ext cx="0" cy="0"/>
-          <a:chOff x="0" y="0"/>
-          <a:chExt cx="0" cy="0"/>
-        </a:xfrm>
-      </p:grpSpPr>
-      <p:sp>
-        <p:nvSpPr>
-          <p:cNvPr id="382" name="Google Shape;382;ga6a217c1e4_0_52:notes"/>
-          <p:cNvSpPr>
-            <a:spLocks noGrp="1" noRot="1" noChangeAspect="1"/>
-          </p:cNvSpPr>
-          <p:nvPr>
-            <p:ph type="sldImg" idx="2"/>
-          </p:nvPr>
-        </p:nvSpPr>
-        <p:spPr>
-          <a:xfrm>
-            <a:off x="381300" y="685800"/>
-            <a:ext cx="6096000" cy="3429000"/>
-          </a:xfrm>
-          <a:custGeom>
-            <a:avLst/>
-            <a:gdLst/>
-            <a:ahLst/>
-            <a:cxnLst/>
-            <a:rect l="l" t="t" r="r" b="b"/>
-            <a:pathLst>
-              <a:path w="120000" h="120000" extrusionOk="0">
-                <a:moveTo>
-                  <a:pt x="0" y="0"/>
-                </a:moveTo>
-                <a:lnTo>
-                  <a:pt x="120000" y="0"/>
-                </a:lnTo>
-                <a:lnTo>
-                  <a:pt x="120000" y="120000"/>
-                </a:lnTo>
-                <a:lnTo>
-                  <a:pt x="0" y="120000"/>
-                </a:lnTo>
-                <a:close/>
-              </a:path>
-            </a:pathLst>
-          </a:custGeom>
-        </p:spPr>
-      </p:sp>
-      <p:sp>
-        <p:nvSpPr>
-          <p:cNvPr id="383" name="Google Shape;383;ga6a217c1e4_0_52:notes"/>
-          <p:cNvSpPr txBox="1">
-            <a:spLocks noGrp="1"/>
-          </p:cNvSpPr>
-          <p:nvPr>
-            <p:ph type="body" idx="1"/>
-          </p:nvPr>
-        </p:nvSpPr>
-        <p:spPr>
-          <a:xfrm>
-            <a:off x="685800" y="4343400"/>
-            <a:ext cx="5486400" cy="4114800"/>
-          </a:xfrm>
-          <a:prstGeom prst="rect">
-            <a:avLst/>
-          </a:prstGeom>
-        </p:spPr>
-        <p:txBody>
-          <a:bodyPr spcFirstLastPara="1" wrap="square" lIns="91425" tIns="91425" rIns="91425" bIns="91425" anchor="t" anchorCtr="0">
-            <a:noAutofit/>
-          </a:bodyPr>
-          <a:lstStyle/>
-          <a:p>
-            <a:pPr marL="0" lvl="0" indent="0" algn="l" rtl="0">
-              <a:spcBef>
-                <a:spcPts val="0"/>
-              </a:spcBef>
-              <a:spcAft>
-                <a:spcPts val="0"/>
-              </a:spcAft>
-              <a:buNone/>
-            </a:pPr>
-            <a:endParaRPr/>
-          </a:p>
-        </p:txBody>
-      </p:sp>
-    </p:spTree>
-  </p:cSld>
-  <p:clrMapOvr>
-    <a:masterClrMapping/>
-  </p:clrMapOvr>
-</p:notes>
-</file>
-
-<file path=ppt/notesSlides/notesSlide22.xml><?xml version="1.0" encoding="utf-8"?>
-<p:notes xmlns:a="http://schemas.openxmlformats.org/drawingml/2006/main" xmlns:r="http://schemas.openxmlformats.org/officeDocument/2006/relationships" xmlns:p="http://schemas.openxmlformats.org/presentationml/2006/main" showMasterSp="0" showMasterPhAnim="0">
-  <p:cSld>
-    <p:spTree>
-      <p:nvGrpSpPr>
-        <p:cNvPr id="1" name="Shape 387"/>
-        <p:cNvGrpSpPr/>
-        <p:nvPr/>
-      </p:nvGrpSpPr>
-      <p:grpSpPr>
-        <a:xfrm>
-          <a:off x="0" y="0"/>
-          <a:ext cx="0" cy="0"/>
-          <a:chOff x="0" y="0"/>
-          <a:chExt cx="0" cy="0"/>
-        </a:xfrm>
-      </p:grpSpPr>
-      <p:sp>
-        <p:nvSpPr>
-          <p:cNvPr id="388" name="Google Shape;388;ga6a217c1e4_0_57:notes"/>
-          <p:cNvSpPr>
-            <a:spLocks noGrp="1" noRot="1" noChangeAspect="1"/>
-          </p:cNvSpPr>
-          <p:nvPr>
-            <p:ph type="sldImg" idx="2"/>
-          </p:nvPr>
-        </p:nvSpPr>
-        <p:spPr>
-          <a:xfrm>
-            <a:off x="381300" y="685800"/>
-            <a:ext cx="6096000" cy="3429000"/>
-          </a:xfrm>
-          <a:custGeom>
-            <a:avLst/>
-            <a:gdLst/>
-            <a:ahLst/>
-            <a:cxnLst/>
-            <a:rect l="l" t="t" r="r" b="b"/>
-            <a:pathLst>
-              <a:path w="120000" h="120000" extrusionOk="0">
-                <a:moveTo>
-                  <a:pt x="0" y="0"/>
-                </a:moveTo>
-                <a:lnTo>
-                  <a:pt x="120000" y="0"/>
-                </a:lnTo>
-                <a:lnTo>
-                  <a:pt x="120000" y="120000"/>
-                </a:lnTo>
-                <a:lnTo>
-                  <a:pt x="0" y="120000"/>
-                </a:lnTo>
-                <a:close/>
-              </a:path>
-            </a:pathLst>
-          </a:custGeom>
-        </p:spPr>
-      </p:sp>
-      <p:sp>
-        <p:nvSpPr>
-          <p:cNvPr id="389" name="Google Shape;389;ga6a217c1e4_0_57:notes"/>
-          <p:cNvSpPr txBox="1">
-            <a:spLocks noGrp="1"/>
-          </p:cNvSpPr>
-          <p:nvPr>
-            <p:ph type="body" idx="1"/>
-          </p:nvPr>
-        </p:nvSpPr>
-        <p:spPr>
-          <a:xfrm>
-            <a:off x="685800" y="4343400"/>
-            <a:ext cx="5486400" cy="4114800"/>
-          </a:xfrm>
-          <a:prstGeom prst="rect">
-            <a:avLst/>
-          </a:prstGeom>
-        </p:spPr>
-        <p:txBody>
-          <a:bodyPr spcFirstLastPara="1" wrap="square" lIns="91425" tIns="91425" rIns="91425" bIns="91425" anchor="t" anchorCtr="0">
-            <a:noAutofit/>
-          </a:bodyPr>
-          <a:lstStyle/>
-          <a:p>
-            <a:pPr marL="0" lvl="0" indent="0" algn="l" rtl="0">
-              <a:spcBef>
-                <a:spcPts val="0"/>
-              </a:spcBef>
-              <a:spcAft>
-                <a:spcPts val="0"/>
-              </a:spcAft>
-              <a:buNone/>
-            </a:pPr>
-            <a:endParaRPr/>
-          </a:p>
-        </p:txBody>
-      </p:sp>
-    </p:spTree>
-  </p:cSld>
-  <p:clrMapOvr>
-    <a:masterClrMapping/>
-  </p:clrMapOvr>
-</p:notes>
-</file>
-
-<file path=ppt/notesSlides/notesSlide23.xml><?xml version="1.0" encoding="utf-8"?>
-<p:notes xmlns:a="http://schemas.openxmlformats.org/drawingml/2006/main" xmlns:r="http://schemas.openxmlformats.org/officeDocument/2006/relationships" xmlns:p="http://schemas.openxmlformats.org/presentationml/2006/main" showMasterSp="0" showMasterPhAnim="0">
-  <p:cSld>
-    <p:spTree>
-      <p:nvGrpSpPr>
-        <p:cNvPr id="1" name="Shape 393"/>
-        <p:cNvGrpSpPr/>
-        <p:nvPr/>
-      </p:nvGrpSpPr>
-      <p:grpSpPr>
-        <a:xfrm>
-          <a:off x="0" y="0"/>
-          <a:ext cx="0" cy="0"/>
-          <a:chOff x="0" y="0"/>
-          <a:chExt cx="0" cy="0"/>
-        </a:xfrm>
-      </p:grpSpPr>
-      <p:sp>
-        <p:nvSpPr>
-          <p:cNvPr id="394" name="Google Shape;394;ga6a217c1e4_0_62:notes"/>
-          <p:cNvSpPr>
-            <a:spLocks noGrp="1" noRot="1" noChangeAspect="1"/>
-          </p:cNvSpPr>
-          <p:nvPr>
-            <p:ph type="sldImg" idx="2"/>
-          </p:nvPr>
-        </p:nvSpPr>
-        <p:spPr>
-          <a:xfrm>
-            <a:off x="381300" y="685800"/>
-            <a:ext cx="6096000" cy="3429000"/>
-          </a:xfrm>
-          <a:custGeom>
-            <a:avLst/>
-            <a:gdLst/>
-            <a:ahLst/>
-            <a:cxnLst/>
-            <a:rect l="l" t="t" r="r" b="b"/>
-            <a:pathLst>
-              <a:path w="120000" h="120000" extrusionOk="0">
-                <a:moveTo>
-                  <a:pt x="0" y="0"/>
-                </a:moveTo>
-                <a:lnTo>
-                  <a:pt x="120000" y="0"/>
-                </a:lnTo>
-                <a:lnTo>
-                  <a:pt x="120000" y="120000"/>
-                </a:lnTo>
-                <a:lnTo>
-                  <a:pt x="0" y="120000"/>
-                </a:lnTo>
-                <a:close/>
-              </a:path>
-            </a:pathLst>
-          </a:custGeom>
-        </p:spPr>
-      </p:sp>
-      <p:sp>
-        <p:nvSpPr>
-          <p:cNvPr id="395" name="Google Shape;395;ga6a217c1e4_0_62:notes"/>
-          <p:cNvSpPr txBox="1">
-            <a:spLocks noGrp="1"/>
-          </p:cNvSpPr>
-          <p:nvPr>
-            <p:ph type="body" idx="1"/>
-          </p:nvPr>
-        </p:nvSpPr>
-        <p:spPr>
-          <a:xfrm>
-            <a:off x="685800" y="4343400"/>
-            <a:ext cx="5486400" cy="4114800"/>
-          </a:xfrm>
-          <a:prstGeom prst="rect">
-            <a:avLst/>
-          </a:prstGeom>
-        </p:spPr>
-        <p:txBody>
-          <a:bodyPr spcFirstLastPara="1" wrap="square" lIns="91425" tIns="91425" rIns="91425" bIns="91425" anchor="t" anchorCtr="0">
-            <a:noAutofit/>
-          </a:bodyPr>
-          <a:lstStyle/>
-          <a:p>
-            <a:pPr marL="0" lvl="0" indent="0" algn="l" rtl="0">
-              <a:spcBef>
-                <a:spcPts val="0"/>
-              </a:spcBef>
-              <a:spcAft>
-                <a:spcPts val="0"/>
-              </a:spcAft>
-              <a:buNone/>
-            </a:pPr>
-            <a:endParaRPr/>
           </a:p>
         </p:txBody>
       </p:sp>
@@ -2375,7 +1307,7 @@
 </file>
 
 <file path=ppt/notesSlides/notesSlide3.xml><?xml version="1.0" encoding="utf-8"?>
-<p:notes xmlns:a="http://schemas.openxmlformats.org/drawingml/2006/main" xmlns:r="http://schemas.openxmlformats.org/officeDocument/2006/relationships" xmlns:p="http://schemas.openxmlformats.org/presentationml/2006/main" showMasterSp="0" showMasterPhAnim="0">
+<p:notes xmlns:a="http://schemas.openxmlformats.org/drawingml/2006/main" xmlns:r="http://schemas.openxmlformats.org/officeDocument/2006/relationships" xmlns:p="http://schemas.openxmlformats.org/presentationml/2006/main" showMasterPhAnim="0" showMasterSp="0">
   <p:cSld>
     <p:spTree>
       <p:nvGrpSpPr>
@@ -2466,7 +1398,6 @@
               </a:spcAft>
               <a:buNone/>
             </a:pPr>
-            <a:endParaRPr/>
           </a:p>
         </p:txBody>
       </p:sp>
@@ -2479,7 +1410,7 @@
 </file>
 
 <file path=ppt/notesSlides/notesSlide4.xml><?xml version="1.0" encoding="utf-8"?>
-<p:notes xmlns:a="http://schemas.openxmlformats.org/drawingml/2006/main" xmlns:r="http://schemas.openxmlformats.org/officeDocument/2006/relationships" xmlns:p="http://schemas.openxmlformats.org/presentationml/2006/main" showMasterSp="0" showMasterPhAnim="0">
+<p:notes xmlns:a="http://schemas.openxmlformats.org/drawingml/2006/main" xmlns:r="http://schemas.openxmlformats.org/officeDocument/2006/relationships" xmlns:p="http://schemas.openxmlformats.org/presentationml/2006/main" showMasterPhAnim="0" showMasterSp="0">
   <p:cSld>
     <p:spTree>
       <p:nvGrpSpPr>
@@ -2570,7 +1501,6 @@
               </a:spcAft>
               <a:buNone/>
             </a:pPr>
-            <a:endParaRPr/>
           </a:p>
         </p:txBody>
       </p:sp>
@@ -2583,7 +1513,7 @@
 </file>
 
 <file path=ppt/notesSlides/notesSlide5.xml><?xml version="1.0" encoding="utf-8"?>
-<p:notes xmlns:a="http://schemas.openxmlformats.org/drawingml/2006/main" xmlns:r="http://schemas.openxmlformats.org/officeDocument/2006/relationships" xmlns:p="http://schemas.openxmlformats.org/presentationml/2006/main" showMasterSp="0" showMasterPhAnim="0">
+<p:notes xmlns:a="http://schemas.openxmlformats.org/drawingml/2006/main" xmlns:r="http://schemas.openxmlformats.org/officeDocument/2006/relationships" xmlns:p="http://schemas.openxmlformats.org/presentationml/2006/main" showMasterPhAnim="0" showMasterSp="0">
   <p:cSld>
     <p:spTree>
       <p:nvGrpSpPr>
@@ -2674,7 +1604,6 @@
               </a:spcAft>
               <a:buNone/>
             </a:pPr>
-            <a:endParaRPr/>
           </a:p>
         </p:txBody>
       </p:sp>
@@ -2687,7 +1616,7 @@
 </file>
 
 <file path=ppt/notesSlides/notesSlide6.xml><?xml version="1.0" encoding="utf-8"?>
-<p:notes xmlns:a="http://schemas.openxmlformats.org/drawingml/2006/main" xmlns:r="http://schemas.openxmlformats.org/officeDocument/2006/relationships" xmlns:p="http://schemas.openxmlformats.org/presentationml/2006/main" showMasterSp="0" showMasterPhAnim="0">
+<p:notes xmlns:a="http://schemas.openxmlformats.org/drawingml/2006/main" xmlns:r="http://schemas.openxmlformats.org/officeDocument/2006/relationships" xmlns:p="http://schemas.openxmlformats.org/presentationml/2006/main" showMasterPhAnim="0" showMasterSp="0">
   <p:cSld>
     <p:spTree>
       <p:nvGrpSpPr>
@@ -2778,7 +1707,6 @@
               </a:spcAft>
               <a:buNone/>
             </a:pPr>
-            <a:endParaRPr/>
           </a:p>
         </p:txBody>
       </p:sp>
@@ -2791,7 +1719,7 @@
 </file>
 
 <file path=ppt/notesSlides/notesSlide7.xml><?xml version="1.0" encoding="utf-8"?>
-<p:notes xmlns:a="http://schemas.openxmlformats.org/drawingml/2006/main" xmlns:r="http://schemas.openxmlformats.org/officeDocument/2006/relationships" xmlns:p="http://schemas.openxmlformats.org/presentationml/2006/main" showMasterSp="0" showMasterPhAnim="0">
+<p:notes xmlns:a="http://schemas.openxmlformats.org/drawingml/2006/main" xmlns:r="http://schemas.openxmlformats.org/officeDocument/2006/relationships" xmlns:p="http://schemas.openxmlformats.org/presentationml/2006/main" showMasterPhAnim="0" showMasterSp="0">
   <p:cSld>
     <p:spTree>
       <p:nvGrpSpPr>
@@ -2882,7 +1810,6 @@
               </a:spcAft>
               <a:buNone/>
             </a:pPr>
-            <a:endParaRPr/>
           </a:p>
         </p:txBody>
       </p:sp>
@@ -2895,6 +1822,67 @@
 </file>
 
 <file path=ppt/notesSlides/notesSlide8.xml><?xml version="1.0" encoding="utf-8"?>
+<p:notes xmlns:a="http://schemas.openxmlformats.org/drawingml/2006/main" xmlns:r="http://schemas.openxmlformats.org/officeDocument/2006/relationships" xmlns:p="http://schemas.openxmlformats.org/presentationml/2006/main">
+  <p:cSld>
+    <p:spTree>
+      <p:nvGrpSpPr>
+        <p:cNvPr id="1" name=""/>
+        <p:cNvGrpSpPr/>
+        <p:nvPr/>
+      </p:nvGrpSpPr>
+      <p:grpSpPr>
+        <a:xfrm>
+          <a:off x="0" y="0"/>
+          <a:ext cx="0" cy="0"/>
+          <a:chOff x="0" y="0"/>
+          <a:chExt cx="0" cy="0"/>
+        </a:xfrm>
+      </p:grpSpPr>
+      <p:sp>
+        <p:nvSpPr>
+          <p:cNvPr id="2" name="Slide Image Placeholder 1"/>
+          <p:cNvSpPr>
+            <a:spLocks noGrp="1" noRot="1" noChangeAspect="1"/>
+          </p:cNvSpPr>
+          <p:nvPr>
+            <p:ph type="sldImg"/>
+          </p:nvPr>
+        </p:nvSpPr>
+        <p:spPr>
+          <a:xfrm>
+            <a:off x="381000" y="685800"/>
+            <a:ext cx="6096000" cy="3429000"/>
+          </a:xfrm>
+        </p:spPr>
+      </p:sp>
+      <p:sp>
+        <p:nvSpPr>
+          <p:cNvPr id="3" name="Notes Placeholder 2"/>
+          <p:cNvSpPr>
+            <a:spLocks noGrp="1"/>
+          </p:cNvSpPr>
+          <p:nvPr>
+            <p:ph type="body" idx="1"/>
+          </p:nvPr>
+        </p:nvSpPr>
+        <p:spPr/>
+        <p:txBody>
+          <a:bodyPr/>
+          <a:lstStyle/>
+          <a:p>
+            <a:endParaRPr lang="en-IN" dirty="0"/>
+          </a:p>
+        </p:txBody>
+      </p:sp>
+    </p:spTree>
+  </p:cSld>
+  <p:clrMapOvr>
+    <a:masterClrMapping/>
+  </p:clrMapOvr>
+</p:notes>
+</file>
+
+<file path=ppt/notesSlides/notesSlide9.xml><?xml version="1.0" encoding="utf-8"?>
 <p:notes xmlns:a="http://schemas.openxmlformats.org/drawingml/2006/main" xmlns:r="http://schemas.openxmlformats.org/officeDocument/2006/relationships" xmlns:p="http://schemas.openxmlformats.org/presentationml/2006/main">
   <p:cSld>
     <p:spTree>
@@ -2980,67 +1968,7 @@
               <a:rPr lang="en-US" altLang="zh-CN" sz="1200"/>
               <a:t>Varun Bohara</a:t>
             </a:r>
-          </a:p>
-        </p:txBody>
-      </p:sp>
-    </p:spTree>
-  </p:cSld>
-  <p:clrMapOvr>
-    <a:masterClrMapping/>
-  </p:clrMapOvr>
-</p:notes>
-</file>
-
-<file path=ppt/notesSlides/notesSlide9.xml><?xml version="1.0" encoding="utf-8"?>
-<p:notes xmlns:a="http://schemas.openxmlformats.org/drawingml/2006/main" xmlns:r="http://schemas.openxmlformats.org/officeDocument/2006/relationships" xmlns:p="http://schemas.openxmlformats.org/presentationml/2006/main">
-  <p:cSld>
-    <p:spTree>
-      <p:nvGrpSpPr>
-        <p:cNvPr id="1" name=""/>
-        <p:cNvGrpSpPr/>
-        <p:nvPr/>
-      </p:nvGrpSpPr>
-      <p:grpSpPr>
-        <a:xfrm>
-          <a:off x="0" y="0"/>
-          <a:ext cx="0" cy="0"/>
-          <a:chOff x="0" y="0"/>
-          <a:chExt cx="0" cy="0"/>
-        </a:xfrm>
-      </p:grpSpPr>
-      <p:sp>
-        <p:nvSpPr>
-          <p:cNvPr id="2" name="Slide Image Placeholder 1"/>
-          <p:cNvSpPr>
-            <a:spLocks noGrp="1" noRot="1" noChangeAspect="1"/>
-          </p:cNvSpPr>
-          <p:nvPr>
-            <p:ph type="sldImg" idx="2"/>
-          </p:nvPr>
-        </p:nvSpPr>
-        <p:spPr>
-          <a:xfrm>
-            <a:off x="381000" y="685800"/>
-            <a:ext cx="6096000" cy="3429000"/>
-          </a:xfrm>
-        </p:spPr>
-      </p:sp>
-      <p:sp>
-        <p:nvSpPr>
-          <p:cNvPr id="3" name="Text Placeholder 2"/>
-          <p:cNvSpPr>
-            <a:spLocks noGrp="1"/>
-          </p:cNvSpPr>
-          <p:nvPr>
-            <p:ph type="body" idx="1"/>
-          </p:nvPr>
-        </p:nvSpPr>
-        <p:spPr/>
-        <p:txBody>
-          <a:bodyPr/>
-          <a:lstStyle/>
-          <a:p>
-            <a:endParaRPr lang="en-US"/>
+            <a:endParaRPr lang="en-US" altLang="zh-CN" sz="1200"/>
           </a:p>
         </p:txBody>
       </p:sp>
@@ -3053,7 +1981,7 @@
 </file>
 
 <file path=ppt/slideLayouts/slideLayout1.xml><?xml version="1.0" encoding="utf-8"?>
-<p:sldLayout xmlns:a="http://schemas.openxmlformats.org/drawingml/2006/main" xmlns:r="http://schemas.openxmlformats.org/officeDocument/2006/relationships" xmlns:p="http://schemas.openxmlformats.org/presentationml/2006/main" matchingName="Title slide" type="title">
+<p:sldLayout xmlns:a="http://schemas.openxmlformats.org/drawingml/2006/main" xmlns:r="http://schemas.openxmlformats.org/officeDocument/2006/relationships" xmlns:p="http://schemas.openxmlformats.org/presentationml/2006/main" type="title" matchingName="Title slide">
   <p:cSld name="TITLE">
     <p:bg>
       <p:bgPr>
@@ -3146,7 +2074,6 @@
                   </a:spcAft>
                   <a:buNone/>
                 </a:pPr>
-                <a:endParaRPr/>
               </a:p>
             </p:txBody>
           </p:sp>
@@ -3191,7 +2118,6 @@
                   </a:spcAft>
                   <a:buNone/>
                 </a:pPr>
-                <a:endParaRPr/>
               </a:p>
             </p:txBody>
           </p:sp>
@@ -3251,7 +2177,6 @@
                   </a:spcAft>
                   <a:buNone/>
                 </a:pPr>
-                <a:endParaRPr/>
               </a:p>
             </p:txBody>
           </p:sp>
@@ -3296,7 +2221,6 @@
                   </a:spcAft>
                   <a:buNone/>
                 </a:pPr>
-                <a:endParaRPr/>
               </a:p>
             </p:txBody>
           </p:sp>
@@ -3341,7 +2265,6 @@
                   </a:spcAft>
                   <a:buNone/>
                 </a:pPr>
-                <a:endParaRPr/>
               </a:p>
             </p:txBody>
           </p:sp>
@@ -3401,7 +2324,6 @@
                   </a:spcAft>
                   <a:buNone/>
                 </a:pPr>
-                <a:endParaRPr/>
               </a:p>
             </p:txBody>
           </p:sp>
@@ -3446,7 +2368,6 @@
                   </a:spcAft>
                   <a:buNone/>
                 </a:pPr>
-                <a:endParaRPr/>
               </a:p>
             </p:txBody>
           </p:sp>
@@ -3491,7 +2412,6 @@
                   </a:spcAft>
                   <a:buNone/>
                 </a:pPr>
-                <a:endParaRPr/>
               </a:p>
             </p:txBody>
           </p:sp>
@@ -3536,7 +2456,6 @@
                   </a:spcAft>
                   <a:buNone/>
                 </a:pPr>
-                <a:endParaRPr/>
               </a:p>
             </p:txBody>
           </p:sp>
@@ -3596,7 +2515,6 @@
                   </a:spcAft>
                   <a:buNone/>
                 </a:pPr>
-                <a:endParaRPr/>
               </a:p>
             </p:txBody>
           </p:sp>
@@ -3641,7 +2559,6 @@
                   </a:spcAft>
                   <a:buNone/>
                 </a:pPr>
-                <a:endParaRPr/>
               </a:p>
             </p:txBody>
           </p:sp>
@@ -3686,7 +2603,6 @@
                   </a:spcAft>
                   <a:buNone/>
                 </a:pPr>
-                <a:endParaRPr/>
               </a:p>
             </p:txBody>
           </p:sp>
@@ -3731,7 +2647,6 @@
                   </a:spcAft>
                   <a:buNone/>
                 </a:pPr>
-                <a:endParaRPr/>
               </a:p>
             </p:txBody>
           </p:sp>
@@ -3776,7 +2691,6 @@
                   </a:spcAft>
                   <a:buNone/>
                 </a:pPr>
-                <a:endParaRPr/>
               </a:p>
             </p:txBody>
           </p:sp>
@@ -3834,7 +2748,6 @@
                 </a:spcAft>
                 <a:buNone/>
               </a:pPr>
-              <a:endParaRPr/>
             </a:p>
           </p:txBody>
         </p:sp>
@@ -3876,7 +2789,6 @@
                 </a:spcAft>
                 <a:buNone/>
               </a:pPr>
-              <a:endParaRPr/>
             </a:p>
           </p:txBody>
         </p:sp>
@@ -3932,7 +2844,6 @@
                   </a:spcAft>
                   <a:buNone/>
                 </a:pPr>
-                <a:endParaRPr/>
               </a:p>
             </p:txBody>
           </p:sp>
@@ -3977,7 +2888,6 @@
                   </a:spcAft>
                   <a:buNone/>
                 </a:pPr>
-                <a:endParaRPr/>
               </a:p>
             </p:txBody>
           </p:sp>
@@ -4019,7 +2929,6 @@
                   </a:spcAft>
                   <a:buNone/>
                 </a:pPr>
-                <a:endParaRPr/>
               </a:p>
             </p:txBody>
           </p:sp>
@@ -4065,7 +2974,6 @@
                 </a:spcAft>
                 <a:buNone/>
               </a:pPr>
-              <a:endParaRPr/>
             </a:p>
           </p:txBody>
         </p:sp>
@@ -4121,7 +3029,6 @@
                   </a:spcAft>
                   <a:buNone/>
                 </a:pPr>
-                <a:endParaRPr/>
               </a:p>
             </p:txBody>
           </p:sp>
@@ -4166,7 +3073,6 @@
                   </a:spcAft>
                   <a:buNone/>
                 </a:pPr>
-                <a:endParaRPr/>
               </a:p>
             </p:txBody>
           </p:sp>
@@ -4209,7 +3115,6 @@
                 </a:spcAft>
                 <a:buNone/>
               </a:pPr>
-              <a:endParaRPr/>
             </a:p>
           </p:txBody>
         </p:sp>
@@ -4251,7 +3156,6 @@
                 </a:spcAft>
                 <a:buNone/>
               </a:pPr>
-              <a:endParaRPr/>
             </a:p>
           </p:txBody>
         </p:sp>
@@ -4296,7 +3200,6 @@
                 </a:spcAft>
                 <a:buNone/>
               </a:pPr>
-              <a:endParaRPr/>
             </a:p>
           </p:txBody>
         </p:sp>
@@ -4336,7 +3239,6 @@
                 </a:spcAft>
                 <a:buNone/>
               </a:pPr>
-              <a:endParaRPr/>
             </a:p>
           </p:txBody>
         </p:sp>
@@ -4381,7 +3283,6 @@
                 </a:spcAft>
                 <a:buNone/>
               </a:pPr>
-              <a:endParaRPr/>
             </a:p>
           </p:txBody>
         </p:sp>
@@ -4426,7 +3327,6 @@
                 </a:spcAft>
                 <a:buNone/>
               </a:pPr>
-              <a:endParaRPr/>
             </a:p>
           </p:txBody>
         </p:sp>
@@ -4618,9 +3518,7 @@
               </a:defRPr>
             </a:lvl9pPr>
           </a:lstStyle>
-          <a:p>
-            <a:endParaRPr/>
-          </a:p>
+          <a:p/>
         </p:txBody>
       </p:sp>
       <p:sp>
@@ -4837,9 +3735,7 @@
               </a:defRPr>
             </a:lvl9pPr>
           </a:lstStyle>
-          <a:p>
-            <a:endParaRPr/>
-          </a:p>
+          <a:p/>
         </p:txBody>
       </p:sp>
       <p:sp>
@@ -4951,7 +3847,6 @@
             </a:pPr>
             <a:fld id="{00000000-1234-1234-1234-123412341234}" type="slidenum">
               <a:rPr lang="en-GB"/>
-              <a:t>‹#›</a:t>
             </a:fld>
             <a:endParaRPr lang="en-GB"/>
           </a:p>
@@ -5059,7 +3954,6 @@
                   </a:spcAft>
                   <a:buNone/>
                 </a:pPr>
-                <a:endParaRPr/>
               </a:p>
             </p:txBody>
           </p:sp>
@@ -5104,7 +3998,6 @@
                   </a:spcAft>
                   <a:buNone/>
                 </a:pPr>
-                <a:endParaRPr/>
               </a:p>
             </p:txBody>
           </p:sp>
@@ -5149,7 +4042,6 @@
                   </a:spcAft>
                   <a:buNone/>
                 </a:pPr>
-                <a:endParaRPr/>
               </a:p>
             </p:txBody>
           </p:sp>
@@ -5194,7 +4086,6 @@
                   </a:spcAft>
                   <a:buNone/>
                 </a:pPr>
-                <a:endParaRPr/>
               </a:p>
             </p:txBody>
           </p:sp>
@@ -5254,7 +4145,6 @@
                   </a:spcAft>
                   <a:buNone/>
                 </a:pPr>
-                <a:endParaRPr/>
               </a:p>
             </p:txBody>
           </p:sp>
@@ -5299,7 +4189,6 @@
                   </a:spcAft>
                   <a:buNone/>
                 </a:pPr>
-                <a:endParaRPr/>
               </a:p>
             </p:txBody>
           </p:sp>
@@ -5344,7 +4233,6 @@
                   </a:spcAft>
                   <a:buNone/>
                 </a:pPr>
-                <a:endParaRPr/>
               </a:p>
             </p:txBody>
           </p:sp>
@@ -5389,7 +4277,6 @@
                   </a:spcAft>
                   <a:buNone/>
                 </a:pPr>
-                <a:endParaRPr/>
               </a:p>
             </p:txBody>
           </p:sp>
@@ -5434,7 +4321,6 @@
                   </a:spcAft>
                   <a:buNone/>
                 </a:pPr>
-                <a:endParaRPr/>
               </a:p>
             </p:txBody>
           </p:sp>
@@ -5494,7 +4380,6 @@
                   </a:spcAft>
                   <a:buNone/>
                 </a:pPr>
-                <a:endParaRPr/>
               </a:p>
             </p:txBody>
           </p:sp>
@@ -5539,7 +4424,6 @@
                   </a:spcAft>
                   <a:buNone/>
                 </a:pPr>
-                <a:endParaRPr/>
               </a:p>
             </p:txBody>
           </p:sp>
@@ -5584,7 +4468,6 @@
                   </a:spcAft>
                   <a:buNone/>
                 </a:pPr>
-                <a:endParaRPr/>
               </a:p>
             </p:txBody>
           </p:sp>
@@ -5629,7 +4512,6 @@
                   </a:spcAft>
                   <a:buNone/>
                 </a:pPr>
-                <a:endParaRPr/>
               </a:p>
             </p:txBody>
           </p:sp>
@@ -5689,7 +4571,6 @@
                   </a:spcAft>
                   <a:buNone/>
                 </a:pPr>
-                <a:endParaRPr/>
               </a:p>
             </p:txBody>
           </p:sp>
@@ -5734,7 +4615,6 @@
                   </a:spcAft>
                   <a:buNone/>
                 </a:pPr>
-                <a:endParaRPr/>
               </a:p>
             </p:txBody>
           </p:sp>
@@ -5779,7 +4659,6 @@
                   </a:spcAft>
                   <a:buNone/>
                 </a:pPr>
-                <a:endParaRPr/>
               </a:p>
             </p:txBody>
           </p:sp>
@@ -5839,7 +4718,6 @@
                   </a:spcAft>
                   <a:buNone/>
                 </a:pPr>
-                <a:endParaRPr/>
               </a:p>
             </p:txBody>
           </p:sp>
@@ -5884,7 +4762,6 @@
                   </a:spcAft>
                   <a:buNone/>
                 </a:pPr>
-                <a:endParaRPr/>
               </a:p>
             </p:txBody>
           </p:sp>
@@ -5929,7 +4806,6 @@
                   </a:spcAft>
                   <a:buNone/>
                 </a:pPr>
-                <a:endParaRPr/>
               </a:p>
             </p:txBody>
           </p:sp>
@@ -5974,7 +4850,6 @@
                   </a:spcAft>
                   <a:buNone/>
                 </a:pPr>
-                <a:endParaRPr/>
               </a:p>
             </p:txBody>
           </p:sp>
@@ -6019,7 +4894,6 @@
                   </a:spcAft>
                   <a:buNone/>
                 </a:pPr>
-                <a:endParaRPr/>
               </a:p>
             </p:txBody>
           </p:sp>
@@ -6079,7 +4953,6 @@
                   </a:spcAft>
                   <a:buNone/>
                 </a:pPr>
-                <a:endParaRPr/>
               </a:p>
             </p:txBody>
           </p:sp>
@@ -6124,7 +4997,6 @@
                   </a:spcAft>
                   <a:buNone/>
                 </a:pPr>
-                <a:endParaRPr/>
               </a:p>
             </p:txBody>
           </p:sp>
@@ -6169,7 +5041,6 @@
                   </a:spcAft>
                   <a:buNone/>
                 </a:pPr>
-                <a:endParaRPr/>
               </a:p>
             </p:txBody>
           </p:sp>
@@ -6214,7 +5085,6 @@
                   </a:spcAft>
                   <a:buNone/>
                 </a:pPr>
-                <a:endParaRPr/>
               </a:p>
             </p:txBody>
           </p:sp>
@@ -6274,7 +5144,6 @@
                   </a:spcAft>
                   <a:buNone/>
                 </a:pPr>
-                <a:endParaRPr/>
               </a:p>
             </p:txBody>
           </p:sp>
@@ -6319,7 +5188,6 @@
                   </a:spcAft>
                   <a:buNone/>
                 </a:pPr>
-                <a:endParaRPr/>
               </a:p>
             </p:txBody>
           </p:sp>
@@ -6364,7 +5232,6 @@
                   </a:spcAft>
                   <a:buNone/>
                 </a:pPr>
-                <a:endParaRPr/>
               </a:p>
             </p:txBody>
           </p:sp>
@@ -6424,7 +5291,6 @@
                   </a:spcAft>
                   <a:buNone/>
                 </a:pPr>
-                <a:endParaRPr/>
               </a:p>
             </p:txBody>
           </p:sp>
@@ -6469,7 +5335,6 @@
                   </a:spcAft>
                   <a:buNone/>
                 </a:pPr>
-                <a:endParaRPr/>
               </a:p>
             </p:txBody>
           </p:sp>
@@ -6514,7 +5379,6 @@
                   </a:spcAft>
                   <a:buNone/>
                 </a:pPr>
-                <a:endParaRPr/>
               </a:p>
             </p:txBody>
           </p:sp>
@@ -6559,7 +5423,6 @@
                   </a:spcAft>
                   <a:buNone/>
                 </a:pPr>
-                <a:endParaRPr/>
               </a:p>
             </p:txBody>
           </p:sp>
@@ -6604,7 +5467,6 @@
                   </a:spcAft>
                   <a:buNone/>
                 </a:pPr>
-                <a:endParaRPr/>
               </a:p>
             </p:txBody>
           </p:sp>
@@ -6664,7 +5526,6 @@
                   </a:spcAft>
                   <a:buNone/>
                 </a:pPr>
-                <a:endParaRPr/>
               </a:p>
             </p:txBody>
           </p:sp>
@@ -6709,7 +5570,6 @@
                   </a:spcAft>
                   <a:buNone/>
                 </a:pPr>
-                <a:endParaRPr/>
               </a:p>
             </p:txBody>
           </p:sp>
@@ -6754,7 +5614,6 @@
                   </a:spcAft>
                   <a:buNone/>
                 </a:pPr>
-                <a:endParaRPr/>
               </a:p>
             </p:txBody>
           </p:sp>
@@ -6799,7 +5658,6 @@
                   </a:spcAft>
                   <a:buNone/>
                 </a:pPr>
-                <a:endParaRPr/>
               </a:p>
             </p:txBody>
           </p:sp>
@@ -6859,7 +5717,6 @@
                   </a:spcAft>
                   <a:buNone/>
                 </a:pPr>
-                <a:endParaRPr/>
               </a:p>
             </p:txBody>
           </p:sp>
@@ -6904,7 +5761,6 @@
                   </a:spcAft>
                   <a:buNone/>
                 </a:pPr>
-                <a:endParaRPr/>
               </a:p>
             </p:txBody>
           </p:sp>
@@ -6949,7 +5805,6 @@
                   </a:spcAft>
                   <a:buNone/>
                 </a:pPr>
-                <a:endParaRPr/>
               </a:p>
             </p:txBody>
           </p:sp>
@@ -6994,7 +5849,6 @@
                   </a:spcAft>
                   <a:buNone/>
                 </a:pPr>
-                <a:endParaRPr/>
               </a:p>
             </p:txBody>
           </p:sp>
@@ -7054,7 +5908,6 @@
                   </a:spcAft>
                   <a:buNone/>
                 </a:pPr>
-                <a:endParaRPr/>
               </a:p>
             </p:txBody>
           </p:sp>
@@ -7099,7 +5952,6 @@
                   </a:spcAft>
                   <a:buNone/>
                 </a:pPr>
-                <a:endParaRPr/>
               </a:p>
             </p:txBody>
           </p:sp>
@@ -7144,7 +5996,6 @@
                   </a:spcAft>
                   <a:buNone/>
                 </a:pPr>
-                <a:endParaRPr/>
               </a:p>
             </p:txBody>
           </p:sp>
@@ -7204,7 +6055,6 @@
                   </a:spcAft>
                   <a:buNone/>
                 </a:pPr>
-                <a:endParaRPr/>
               </a:p>
             </p:txBody>
           </p:sp>
@@ -7249,7 +6099,6 @@
                   </a:spcAft>
                   <a:buNone/>
                 </a:pPr>
-                <a:endParaRPr/>
               </a:p>
             </p:txBody>
           </p:sp>
@@ -7294,7 +6143,6 @@
                   </a:spcAft>
                   <a:buNone/>
                 </a:pPr>
-                <a:endParaRPr/>
               </a:p>
             </p:txBody>
           </p:sp>
@@ -7339,7 +6187,6 @@
                   </a:spcAft>
                   <a:buNone/>
                 </a:pPr>
-                <a:endParaRPr/>
               </a:p>
             </p:txBody>
           </p:sp>
@@ -7399,7 +6246,6 @@
                   </a:spcAft>
                   <a:buNone/>
                 </a:pPr>
-                <a:endParaRPr/>
               </a:p>
             </p:txBody>
           </p:sp>
@@ -7444,7 +6290,6 @@
                   </a:spcAft>
                   <a:buNone/>
                 </a:pPr>
-                <a:endParaRPr/>
               </a:p>
             </p:txBody>
           </p:sp>
@@ -7489,7 +6334,6 @@
                   </a:spcAft>
                   <a:buNone/>
                 </a:pPr>
-                <a:endParaRPr/>
               </a:p>
             </p:txBody>
           </p:sp>
@@ -7534,7 +6378,6 @@
                   </a:spcAft>
                   <a:buNone/>
                 </a:pPr>
-                <a:endParaRPr/>
               </a:p>
             </p:txBody>
           </p:sp>
@@ -7594,7 +6437,6 @@
                   </a:spcAft>
                   <a:buNone/>
                 </a:pPr>
-                <a:endParaRPr/>
               </a:p>
             </p:txBody>
           </p:sp>
@@ -7639,7 +6481,6 @@
                   </a:spcAft>
                   <a:buNone/>
                 </a:pPr>
-                <a:endParaRPr/>
               </a:p>
             </p:txBody>
           </p:sp>
@@ -7684,7 +6525,6 @@
                   </a:spcAft>
                   <a:buNone/>
                 </a:pPr>
-                <a:endParaRPr/>
               </a:p>
             </p:txBody>
           </p:sp>
@@ -7729,7 +6569,6 @@
                   </a:spcAft>
                   <a:buNone/>
                 </a:pPr>
-                <a:endParaRPr/>
               </a:p>
             </p:txBody>
           </p:sp>
@@ -7774,7 +6613,6 @@
                   </a:spcAft>
                   <a:buNone/>
                 </a:pPr>
-                <a:endParaRPr/>
               </a:p>
             </p:txBody>
           </p:sp>
@@ -7834,7 +6672,6 @@
                   </a:spcAft>
                   <a:buNone/>
                 </a:pPr>
-                <a:endParaRPr/>
               </a:p>
             </p:txBody>
           </p:sp>
@@ -7879,7 +6716,6 @@
                   </a:spcAft>
                   <a:buNone/>
                 </a:pPr>
-                <a:endParaRPr/>
               </a:p>
             </p:txBody>
           </p:sp>
@@ -7924,7 +6760,6 @@
                   </a:spcAft>
                   <a:buNone/>
                 </a:pPr>
-                <a:endParaRPr/>
               </a:p>
             </p:txBody>
           </p:sp>
@@ -7969,7 +6804,6 @@
                   </a:spcAft>
                   <a:buNone/>
                 </a:pPr>
-                <a:endParaRPr/>
               </a:p>
             </p:txBody>
           </p:sp>
@@ -8029,7 +6863,6 @@
                   </a:spcAft>
                   <a:buNone/>
                 </a:pPr>
-                <a:endParaRPr/>
               </a:p>
             </p:txBody>
           </p:sp>
@@ -8074,7 +6907,6 @@
                   </a:spcAft>
                   <a:buNone/>
                 </a:pPr>
-                <a:endParaRPr/>
               </a:p>
             </p:txBody>
           </p:sp>
@@ -8119,7 +6951,6 @@
                   </a:spcAft>
                   <a:buNone/>
                 </a:pPr>
-                <a:endParaRPr/>
               </a:p>
             </p:txBody>
           </p:sp>
@@ -8179,7 +7010,6 @@
                   </a:spcAft>
                   <a:buNone/>
                 </a:pPr>
-                <a:endParaRPr/>
               </a:p>
             </p:txBody>
           </p:sp>
@@ -8224,7 +7054,6 @@
                   </a:spcAft>
                   <a:buNone/>
                 </a:pPr>
-                <a:endParaRPr/>
               </a:p>
             </p:txBody>
           </p:sp>
@@ -8269,7 +7098,6 @@
                   </a:spcAft>
                   <a:buNone/>
                 </a:pPr>
-                <a:endParaRPr/>
               </a:p>
             </p:txBody>
           </p:sp>
@@ -8314,7 +7142,6 @@
                   </a:spcAft>
                   <a:buNone/>
                 </a:pPr>
-                <a:endParaRPr/>
               </a:p>
             </p:txBody>
           </p:sp>
@@ -8374,7 +7201,6 @@
                   </a:spcAft>
                   <a:buNone/>
                 </a:pPr>
-                <a:endParaRPr/>
               </a:p>
             </p:txBody>
           </p:sp>
@@ -8419,7 +7245,6 @@
                   </a:spcAft>
                   <a:buNone/>
                 </a:pPr>
-                <a:endParaRPr/>
               </a:p>
             </p:txBody>
           </p:sp>
@@ -8464,7 +7289,6 @@
                   </a:spcAft>
                   <a:buNone/>
                 </a:pPr>
-                <a:endParaRPr/>
               </a:p>
             </p:txBody>
           </p:sp>
@@ -8509,7 +7333,6 @@
                   </a:spcAft>
                   <a:buNone/>
                 </a:pPr>
-                <a:endParaRPr/>
               </a:p>
             </p:txBody>
           </p:sp>
@@ -8554,7 +7377,6 @@
                   </a:spcAft>
                   <a:buNone/>
                 </a:pPr>
-                <a:endParaRPr/>
               </a:p>
             </p:txBody>
           </p:sp>
@@ -8614,7 +7436,6 @@
                   </a:spcAft>
                   <a:buNone/>
                 </a:pPr>
-                <a:endParaRPr/>
               </a:p>
             </p:txBody>
           </p:sp>
@@ -8659,7 +7480,6 @@
                   </a:spcAft>
                   <a:buNone/>
                 </a:pPr>
-                <a:endParaRPr/>
               </a:p>
             </p:txBody>
           </p:sp>
@@ -8704,7 +7524,6 @@
                   </a:spcAft>
                   <a:buNone/>
                 </a:pPr>
-                <a:endParaRPr/>
               </a:p>
             </p:txBody>
           </p:sp>
@@ -8749,7 +7568,6 @@
                   </a:spcAft>
                   <a:buNone/>
                 </a:pPr>
-                <a:endParaRPr/>
               </a:p>
             </p:txBody>
           </p:sp>
@@ -8809,7 +7627,6 @@
                   </a:spcAft>
                   <a:buNone/>
                 </a:pPr>
-                <a:endParaRPr/>
               </a:p>
             </p:txBody>
           </p:sp>
@@ -8854,7 +7671,6 @@
                   </a:spcAft>
                   <a:buNone/>
                 </a:pPr>
-                <a:endParaRPr/>
               </a:p>
             </p:txBody>
           </p:sp>
@@ -8899,7 +7715,6 @@
                   </a:spcAft>
                   <a:buNone/>
                 </a:pPr>
-                <a:endParaRPr/>
               </a:p>
             </p:txBody>
           </p:sp>
@@ -8959,7 +7774,6 @@
                   </a:spcAft>
                   <a:buNone/>
                 </a:pPr>
-                <a:endParaRPr/>
               </a:p>
             </p:txBody>
           </p:sp>
@@ -9004,7 +7818,6 @@
                   </a:spcAft>
                   <a:buNone/>
                 </a:pPr>
-                <a:endParaRPr/>
               </a:p>
             </p:txBody>
           </p:sp>
@@ -9049,7 +7862,6 @@
                   </a:spcAft>
                   <a:buNone/>
                 </a:pPr>
-                <a:endParaRPr/>
               </a:p>
             </p:txBody>
           </p:sp>
@@ -9094,7 +7906,6 @@
                   </a:spcAft>
                   <a:buNone/>
                 </a:pPr>
-                <a:endParaRPr/>
               </a:p>
             </p:txBody>
           </p:sp>
@@ -9139,7 +7950,6 @@
                   </a:spcAft>
                   <a:buNone/>
                 </a:pPr>
-                <a:endParaRPr/>
               </a:p>
             </p:txBody>
           </p:sp>
@@ -9199,7 +8009,6 @@
                   </a:spcAft>
                   <a:buNone/>
                 </a:pPr>
-                <a:endParaRPr/>
               </a:p>
             </p:txBody>
           </p:sp>
@@ -9244,7 +8053,6 @@
                   </a:spcAft>
                   <a:buNone/>
                 </a:pPr>
-                <a:endParaRPr/>
               </a:p>
             </p:txBody>
           </p:sp>
@@ -9289,7 +8097,6 @@
                   </a:spcAft>
                   <a:buNone/>
                 </a:pPr>
-                <a:endParaRPr/>
               </a:p>
             </p:txBody>
           </p:sp>
@@ -9334,7 +8141,6 @@
                   </a:spcAft>
                   <a:buNone/>
                 </a:pPr>
-                <a:endParaRPr/>
               </a:p>
             </p:txBody>
           </p:sp>
@@ -9394,7 +8200,6 @@
                   </a:spcAft>
                   <a:buNone/>
                 </a:pPr>
-                <a:endParaRPr/>
               </a:p>
             </p:txBody>
           </p:sp>
@@ -9439,7 +8244,6 @@
                   </a:spcAft>
                   <a:buNone/>
                 </a:pPr>
-                <a:endParaRPr/>
               </a:p>
             </p:txBody>
           </p:sp>
@@ -9484,7 +8288,6 @@
                   </a:spcAft>
                   <a:buNone/>
                 </a:pPr>
-                <a:endParaRPr/>
               </a:p>
             </p:txBody>
           </p:sp>
@@ -9529,7 +8332,6 @@
                   </a:spcAft>
                   <a:buNone/>
                 </a:pPr>
-                <a:endParaRPr/>
               </a:p>
             </p:txBody>
           </p:sp>
@@ -9589,7 +8391,6 @@
                   </a:spcAft>
                   <a:buNone/>
                 </a:pPr>
-                <a:endParaRPr/>
               </a:p>
             </p:txBody>
           </p:sp>
@@ -9634,7 +8435,6 @@
                   </a:spcAft>
                   <a:buNone/>
                 </a:pPr>
-                <a:endParaRPr/>
               </a:p>
             </p:txBody>
           </p:sp>
@@ -9679,7 +8479,6 @@
                   </a:spcAft>
                   <a:buNone/>
                 </a:pPr>
-                <a:endParaRPr/>
               </a:p>
             </p:txBody>
           </p:sp>
@@ -9739,7 +8538,6 @@
                   </a:spcAft>
                   <a:buNone/>
                 </a:pPr>
-                <a:endParaRPr/>
               </a:p>
             </p:txBody>
           </p:sp>
@@ -9784,7 +8582,6 @@
                   </a:spcAft>
                   <a:buNone/>
                 </a:pPr>
-                <a:endParaRPr/>
               </a:p>
             </p:txBody>
           </p:sp>
@@ -9829,7 +8626,6 @@
                   </a:spcAft>
                   <a:buNone/>
                 </a:pPr>
-                <a:endParaRPr/>
               </a:p>
             </p:txBody>
           </p:sp>
@@ -9874,7 +8670,6 @@
                   </a:spcAft>
                   <a:buNone/>
                 </a:pPr>
-                <a:endParaRPr/>
               </a:p>
             </p:txBody>
           </p:sp>
@@ -10261,9 +9056,7 @@
               </a:defRPr>
             </a:lvl9pPr>
           </a:lstStyle>
-          <a:p>
-            <a:endParaRPr/>
-          </a:p>
+          <a:p/>
         </p:txBody>
       </p:sp>
       <p:sp>
@@ -10375,7 +9168,6 @@
             </a:pPr>
             <a:fld id="{00000000-1234-1234-1234-123412341234}" type="slidenum">
               <a:rPr lang="en-GB"/>
-              <a:t>‹#›</a:t>
             </a:fld>
             <a:endParaRPr lang="en-GB"/>
           </a:p>
@@ -10390,7 +9182,7 @@
 </file>
 
 <file path=ppt/slideLayouts/slideLayout11.xml><?xml version="1.0" encoding="utf-8"?>
-<p:sldLayout xmlns:a="http://schemas.openxmlformats.org/drawingml/2006/main" xmlns:r="http://schemas.openxmlformats.org/officeDocument/2006/relationships" xmlns:p="http://schemas.openxmlformats.org/presentationml/2006/main" matchingName="Blank" type="blank">
+<p:sldLayout xmlns:a="http://schemas.openxmlformats.org/drawingml/2006/main" xmlns:r="http://schemas.openxmlformats.org/officeDocument/2006/relationships" xmlns:p="http://schemas.openxmlformats.org/presentationml/2006/main" type="blank" matchingName="Blank">
   <p:cSld name="BLANK">
     <p:spTree>
       <p:nvGrpSpPr>
@@ -10479,7 +9271,6 @@
             </a:pPr>
             <a:fld id="{00000000-1234-1234-1234-123412341234}" type="slidenum">
               <a:rPr lang="en-GB"/>
-              <a:t>‹#›</a:t>
             </a:fld>
             <a:endParaRPr lang="en-GB"/>
           </a:p>
@@ -10530,6 +9321,7 @@
               <a:rPr lang="en-US" strike="noStrike" noProof="1"/>
               <a:t>Click to edit Master title style</a:t>
             </a:r>
+            <a:endParaRPr lang="en-US" strike="noStrike" noProof="1"/>
           </a:p>
         </p:txBody>
       </p:sp>
@@ -10553,6 +9345,7 @@
               <a:rPr lang="en-US" strike="noStrike" noProof="1"/>
               <a:t>Click to edit Master text styles</a:t>
             </a:r>
+            <a:endParaRPr lang="en-US" strike="noStrike" noProof="1"/>
           </a:p>
           <a:p>
             <a:pPr lvl="1" fontAlgn="base"/>
@@ -10560,6 +9353,7 @@
               <a:rPr lang="en-US" strike="noStrike" noProof="1"/>
               <a:t>Second level</a:t>
             </a:r>
+            <a:endParaRPr lang="en-US" strike="noStrike" noProof="1"/>
           </a:p>
           <a:p>
             <a:pPr lvl="2" fontAlgn="base"/>
@@ -10567,6 +9361,7 @@
               <a:rPr lang="en-US" strike="noStrike" noProof="1"/>
               <a:t>Third level</a:t>
             </a:r>
+            <a:endParaRPr lang="en-US" strike="noStrike" noProof="1"/>
           </a:p>
           <a:p>
             <a:pPr lvl="3" fontAlgn="base"/>
@@ -10574,6 +9369,7 @@
               <a:rPr lang="en-US" strike="noStrike" noProof="1"/>
               <a:t>Fourth level</a:t>
             </a:r>
+            <a:endParaRPr lang="en-US" strike="noStrike" noProof="1"/>
           </a:p>
           <a:p>
             <a:pPr lvl="4" fontAlgn="base"/>
@@ -10581,6 +9377,7 @@
               <a:rPr lang="en-US" strike="noStrike" noProof="1"/>
               <a:t>Fifth level</a:t>
             </a:r>
+            <a:endParaRPr lang="en-US" strike="noStrike" noProof="1"/>
           </a:p>
         </p:txBody>
       </p:sp>
@@ -10656,7 +9453,6 @@
                 <a:ea typeface="SimSun" panose="02010600030101010101" pitchFamily="2" charset="-122"/>
                 <a:cs typeface="+mn-cs"/>
               </a:rPr>
-              <a:t>‹#›</a:t>
             </a:fld>
             <a:endParaRPr lang="zh-CN" altLang="en-US" strike="noStrike" noProof="1"/>
           </a:p>
@@ -10707,6 +9503,7 @@
               <a:rPr lang="en-US" strike="noStrike" noProof="1"/>
               <a:t>Click to edit Master title style</a:t>
             </a:r>
+            <a:endParaRPr lang="en-US" strike="noStrike" noProof="1"/>
           </a:p>
         </p:txBody>
       </p:sp>
@@ -10735,6 +9532,7 @@
               <a:rPr lang="en-US" strike="noStrike" noProof="1"/>
               <a:t>Click to edit Master text styles</a:t>
             </a:r>
+            <a:endParaRPr lang="en-US" strike="noStrike" noProof="1"/>
           </a:p>
           <a:p>
             <a:pPr lvl="1" fontAlgn="base"/>
@@ -10742,6 +9540,7 @@
               <a:rPr lang="en-US" strike="noStrike" noProof="1"/>
               <a:t>Second level</a:t>
             </a:r>
+            <a:endParaRPr lang="en-US" strike="noStrike" noProof="1"/>
           </a:p>
           <a:p>
             <a:pPr lvl="2" fontAlgn="base"/>
@@ -10749,6 +9548,7 @@
               <a:rPr lang="en-US" strike="noStrike" noProof="1"/>
               <a:t>Third level</a:t>
             </a:r>
+            <a:endParaRPr lang="en-US" strike="noStrike" noProof="1"/>
           </a:p>
           <a:p>
             <a:pPr lvl="3" fontAlgn="base"/>
@@ -10756,6 +9556,7 @@
               <a:rPr lang="en-US" strike="noStrike" noProof="1"/>
               <a:t>Fourth level</a:t>
             </a:r>
+            <a:endParaRPr lang="en-US" strike="noStrike" noProof="1"/>
           </a:p>
           <a:p>
             <a:pPr lvl="4" fontAlgn="base"/>
@@ -10763,6 +9564,7 @@
               <a:rPr lang="en-US" strike="noStrike" noProof="1"/>
               <a:t>Fifth level</a:t>
             </a:r>
+            <a:endParaRPr lang="en-US" strike="noStrike" noProof="1"/>
           </a:p>
         </p:txBody>
       </p:sp>
@@ -10791,6 +9593,7 @@
               <a:rPr lang="en-US" strike="noStrike" noProof="1"/>
               <a:t>Click to edit Master text styles</a:t>
             </a:r>
+            <a:endParaRPr lang="en-US" strike="noStrike" noProof="1"/>
           </a:p>
           <a:p>
             <a:pPr lvl="1" fontAlgn="base"/>
@@ -10798,6 +9601,7 @@
               <a:rPr lang="en-US" strike="noStrike" noProof="1"/>
               <a:t>Second level</a:t>
             </a:r>
+            <a:endParaRPr lang="en-US" strike="noStrike" noProof="1"/>
           </a:p>
           <a:p>
             <a:pPr lvl="2" fontAlgn="base"/>
@@ -10805,6 +9609,7 @@
               <a:rPr lang="en-US" strike="noStrike" noProof="1"/>
               <a:t>Third level</a:t>
             </a:r>
+            <a:endParaRPr lang="en-US" strike="noStrike" noProof="1"/>
           </a:p>
           <a:p>
             <a:pPr lvl="3" fontAlgn="base"/>
@@ -10812,6 +9617,7 @@
               <a:rPr lang="en-US" strike="noStrike" noProof="1"/>
               <a:t>Fourth level</a:t>
             </a:r>
+            <a:endParaRPr lang="en-US" strike="noStrike" noProof="1"/>
           </a:p>
           <a:p>
             <a:pPr lvl="4" fontAlgn="base"/>
@@ -10819,6 +9625,7 @@
               <a:rPr lang="en-US" strike="noStrike" noProof="1"/>
               <a:t>Fifth level</a:t>
             </a:r>
+            <a:endParaRPr lang="en-US" strike="noStrike" noProof="1"/>
           </a:p>
         </p:txBody>
       </p:sp>
@@ -10894,7 +9701,6 @@
                 <a:ea typeface="SimSun" panose="02010600030101010101" pitchFamily="2" charset="-122"/>
                 <a:cs typeface="+mn-cs"/>
               </a:rPr>
-              <a:t>‹#›</a:t>
             </a:fld>
             <a:endParaRPr lang="zh-CN" altLang="en-US" strike="noStrike" noProof="1"/>
           </a:p>
@@ -10909,7 +9715,7 @@
 </file>
 
 <file path=ppt/slideLayouts/slideLayout2.xml><?xml version="1.0" encoding="utf-8"?>
-<p:sldLayout xmlns:a="http://schemas.openxmlformats.org/drawingml/2006/main" xmlns:r="http://schemas.openxmlformats.org/officeDocument/2006/relationships" xmlns:p="http://schemas.openxmlformats.org/presentationml/2006/main" matchingName="Section header" type="secHead">
+<p:sldLayout xmlns:a="http://schemas.openxmlformats.org/drawingml/2006/main" xmlns:r="http://schemas.openxmlformats.org/officeDocument/2006/relationships" xmlns:p="http://schemas.openxmlformats.org/presentationml/2006/main" type="secHead" matchingName="Section header">
   <p:cSld name="SECTION_HEADER">
     <p:bg>
       <p:bgPr>
@@ -11002,7 +9808,6 @@
                   </a:spcAft>
                   <a:buNone/>
                 </a:pPr>
-                <a:endParaRPr/>
               </a:p>
             </p:txBody>
           </p:sp>
@@ -11047,7 +9852,6 @@
                   </a:spcAft>
                   <a:buNone/>
                 </a:pPr>
-                <a:endParaRPr/>
               </a:p>
             </p:txBody>
           </p:sp>
@@ -11107,7 +9911,6 @@
                   </a:spcAft>
                   <a:buNone/>
                 </a:pPr>
-                <a:endParaRPr/>
               </a:p>
             </p:txBody>
           </p:sp>
@@ -11152,7 +9955,6 @@
                   </a:spcAft>
                   <a:buNone/>
                 </a:pPr>
-                <a:endParaRPr/>
               </a:p>
             </p:txBody>
           </p:sp>
@@ -11197,7 +9999,6 @@
                   </a:spcAft>
                   <a:buNone/>
                 </a:pPr>
-                <a:endParaRPr/>
               </a:p>
             </p:txBody>
           </p:sp>
@@ -11257,7 +10058,6 @@
                   </a:spcAft>
                   <a:buNone/>
                 </a:pPr>
-                <a:endParaRPr/>
               </a:p>
             </p:txBody>
           </p:sp>
@@ -11302,7 +10102,6 @@
                   </a:spcAft>
                   <a:buNone/>
                 </a:pPr>
-                <a:endParaRPr/>
               </a:p>
             </p:txBody>
           </p:sp>
@@ -11347,7 +10146,6 @@
                   </a:spcAft>
                   <a:buNone/>
                 </a:pPr>
-                <a:endParaRPr/>
               </a:p>
             </p:txBody>
           </p:sp>
@@ -11392,7 +10190,6 @@
                   </a:spcAft>
                   <a:buNone/>
                 </a:pPr>
-                <a:endParaRPr/>
               </a:p>
             </p:txBody>
           </p:sp>
@@ -11467,7 +10264,6 @@
                   </a:spcAft>
                   <a:buNone/>
                 </a:pPr>
-                <a:endParaRPr/>
               </a:p>
             </p:txBody>
           </p:sp>
@@ -11512,7 +10308,6 @@
                   </a:spcAft>
                   <a:buNone/>
                 </a:pPr>
-                <a:endParaRPr/>
               </a:p>
             </p:txBody>
           </p:sp>
@@ -11572,7 +10367,6 @@
                   </a:spcAft>
                   <a:buNone/>
                 </a:pPr>
-                <a:endParaRPr/>
               </a:p>
             </p:txBody>
           </p:sp>
@@ -11617,7 +10411,6 @@
                   </a:spcAft>
                   <a:buNone/>
                 </a:pPr>
-                <a:endParaRPr/>
               </a:p>
             </p:txBody>
           </p:sp>
@@ -11662,7 +10455,6 @@
                   </a:spcAft>
                   <a:buNone/>
                 </a:pPr>
-                <a:endParaRPr/>
               </a:p>
             </p:txBody>
           </p:sp>
@@ -11722,7 +10514,6 @@
                   </a:spcAft>
                   <a:buNone/>
                 </a:pPr>
-                <a:endParaRPr/>
               </a:p>
             </p:txBody>
           </p:sp>
@@ -11767,7 +10558,6 @@
                   </a:spcAft>
                   <a:buNone/>
                 </a:pPr>
-                <a:endParaRPr/>
               </a:p>
             </p:txBody>
           </p:sp>
@@ -11812,7 +10602,6 @@
                   </a:spcAft>
                   <a:buNone/>
                 </a:pPr>
-                <a:endParaRPr/>
               </a:p>
             </p:txBody>
           </p:sp>
@@ -11857,7 +10646,6 @@
                   </a:spcAft>
                   <a:buNone/>
                 </a:pPr>
-                <a:endParaRPr/>
               </a:p>
             </p:txBody>
           </p:sp>
@@ -11917,7 +10705,6 @@
                   </a:spcAft>
                   <a:buNone/>
                 </a:pPr>
-                <a:endParaRPr/>
               </a:p>
             </p:txBody>
           </p:sp>
@@ -11962,7 +10749,6 @@
                   </a:spcAft>
                   <a:buNone/>
                 </a:pPr>
-                <a:endParaRPr/>
               </a:p>
             </p:txBody>
           </p:sp>
@@ -12007,7 +10793,6 @@
                   </a:spcAft>
                   <a:buNone/>
                 </a:pPr>
-                <a:endParaRPr/>
               </a:p>
             </p:txBody>
           </p:sp>
@@ -12052,7 +10837,6 @@
                   </a:spcAft>
                   <a:buNone/>
                 </a:pPr>
-                <a:endParaRPr/>
               </a:p>
             </p:txBody>
           </p:sp>
@@ -12097,7 +10881,6 @@
                   </a:spcAft>
                   <a:buNone/>
                 </a:pPr>
-                <a:endParaRPr/>
               </a:p>
             </p:txBody>
           </p:sp>
@@ -12290,9 +11073,7 @@
               </a:defRPr>
             </a:lvl9pPr>
           </a:lstStyle>
-          <a:p>
-            <a:endParaRPr/>
-          </a:p>
+          <a:p/>
         </p:txBody>
       </p:sp>
       <p:sp>
@@ -12404,7 +11185,6 @@
             </a:pPr>
             <a:fld id="{00000000-1234-1234-1234-123412341234}" type="slidenum">
               <a:rPr lang="en-GB"/>
-              <a:t>‹#›</a:t>
             </a:fld>
             <a:endParaRPr lang="en-GB"/>
           </a:p>
@@ -12419,7 +11199,7 @@
 </file>
 
 <file path=ppt/slideLayouts/slideLayout3.xml><?xml version="1.0" encoding="utf-8"?>
-<p:sldLayout xmlns:a="http://schemas.openxmlformats.org/drawingml/2006/main" xmlns:r="http://schemas.openxmlformats.org/officeDocument/2006/relationships" xmlns:p="http://schemas.openxmlformats.org/presentationml/2006/main" matchingName="Title and body" type="tx">
+<p:sldLayout xmlns:a="http://schemas.openxmlformats.org/drawingml/2006/main" xmlns:r="http://schemas.openxmlformats.org/officeDocument/2006/relationships" xmlns:p="http://schemas.openxmlformats.org/presentationml/2006/main" type="tx" matchingName="Title and body">
   <p:cSld name="TITLE_AND_BODY">
     <p:spTree>
       <p:nvGrpSpPr>
@@ -12490,7 +11270,6 @@
                 </a:spcAft>
                 <a:buNone/>
               </a:pPr>
-              <a:endParaRPr/>
             </a:p>
           </p:txBody>
         </p:sp>
@@ -12535,7 +11314,6 @@
                 </a:spcAft>
                 <a:buNone/>
               </a:pPr>
-              <a:endParaRPr/>
             </a:p>
           </p:txBody>
         </p:sp>
@@ -12664,9 +11442,7 @@
               <a:defRPr/>
             </a:lvl9pPr>
           </a:lstStyle>
-          <a:p>
-            <a:endParaRPr/>
-          </a:p>
+          <a:p/>
         </p:txBody>
       </p:sp>
       <p:sp>
@@ -12793,9 +11569,7 @@
               <a:defRPr/>
             </a:lvl9pPr>
           </a:lstStyle>
-          <a:p>
-            <a:endParaRPr/>
-          </a:p>
+          <a:p/>
         </p:txBody>
       </p:sp>
       <p:sp>
@@ -12871,7 +11645,6 @@
             </a:pPr>
             <a:fld id="{00000000-1234-1234-1234-123412341234}" type="slidenum">
               <a:rPr lang="en-GB"/>
-              <a:t>‹#›</a:t>
             </a:fld>
             <a:endParaRPr lang="en-GB"/>
           </a:p>
@@ -12886,7 +11659,7 @@
 </file>
 
 <file path=ppt/slideLayouts/slideLayout4.xml><?xml version="1.0" encoding="utf-8"?>
-<p:sldLayout xmlns:a="http://schemas.openxmlformats.org/drawingml/2006/main" xmlns:r="http://schemas.openxmlformats.org/officeDocument/2006/relationships" xmlns:p="http://schemas.openxmlformats.org/presentationml/2006/main" matchingName="Title and two columns" type="twoColTx">
+<p:sldLayout xmlns:a="http://schemas.openxmlformats.org/drawingml/2006/main" xmlns:r="http://schemas.openxmlformats.org/officeDocument/2006/relationships" xmlns:p="http://schemas.openxmlformats.org/presentationml/2006/main" type="twoColTx" matchingName="Title and two columns">
   <p:cSld name="TITLE_AND_TWO_COLUMNS">
     <p:spTree>
       <p:nvGrpSpPr>
@@ -12957,7 +11730,6 @@
                 </a:spcAft>
                 <a:buNone/>
               </a:pPr>
-              <a:endParaRPr/>
             </a:p>
           </p:txBody>
         </p:sp>
@@ -13002,7 +11774,6 @@
                 </a:spcAft>
                 <a:buNone/>
               </a:pPr>
-              <a:endParaRPr/>
             </a:p>
           </p:txBody>
         </p:sp>
@@ -13131,9 +11902,7 @@
               <a:defRPr/>
             </a:lvl9pPr>
           </a:lstStyle>
-          <a:p>
-            <a:endParaRPr/>
-          </a:p>
+          <a:p/>
         </p:txBody>
       </p:sp>
       <p:sp>
@@ -13260,9 +12029,7 @@
               <a:defRPr/>
             </a:lvl9pPr>
           </a:lstStyle>
-          <a:p>
-            <a:endParaRPr/>
-          </a:p>
+          <a:p/>
         </p:txBody>
       </p:sp>
       <p:sp>
@@ -13389,9 +12156,7 @@
               <a:defRPr/>
             </a:lvl9pPr>
           </a:lstStyle>
-          <a:p>
-            <a:endParaRPr/>
-          </a:p>
+          <a:p/>
         </p:txBody>
       </p:sp>
       <p:sp>
@@ -13467,7 +12232,6 @@
             </a:pPr>
             <a:fld id="{00000000-1234-1234-1234-123412341234}" type="slidenum">
               <a:rPr lang="en-GB"/>
-              <a:t>‹#›</a:t>
             </a:fld>
             <a:endParaRPr lang="en-GB"/>
           </a:p>
@@ -13482,7 +12246,7 @@
 </file>
 
 <file path=ppt/slideLayouts/slideLayout5.xml><?xml version="1.0" encoding="utf-8"?>
-<p:sldLayout xmlns:a="http://schemas.openxmlformats.org/drawingml/2006/main" xmlns:r="http://schemas.openxmlformats.org/officeDocument/2006/relationships" xmlns:p="http://schemas.openxmlformats.org/presentationml/2006/main" matchingName="Title only" type="titleOnly">
+<p:sldLayout xmlns:a="http://schemas.openxmlformats.org/drawingml/2006/main" xmlns:r="http://schemas.openxmlformats.org/officeDocument/2006/relationships" xmlns:p="http://schemas.openxmlformats.org/presentationml/2006/main" type="titleOnly" matchingName="Title only">
   <p:cSld name="TITLE_ONLY">
     <p:spTree>
       <p:nvGrpSpPr>
@@ -13553,7 +12317,6 @@
                 </a:spcAft>
                 <a:buNone/>
               </a:pPr>
-              <a:endParaRPr/>
             </a:p>
           </p:txBody>
         </p:sp>
@@ -13598,7 +12361,6 @@
                 </a:spcAft>
                 <a:buNone/>
               </a:pPr>
-              <a:endParaRPr/>
             </a:p>
           </p:txBody>
         </p:sp>
@@ -13727,9 +12489,7 @@
               <a:defRPr/>
             </a:lvl9pPr>
           </a:lstStyle>
-          <a:p>
-            <a:endParaRPr/>
-          </a:p>
+          <a:p/>
         </p:txBody>
       </p:sp>
       <p:sp>
@@ -13805,7 +12565,6 @@
             </a:pPr>
             <a:fld id="{00000000-1234-1234-1234-123412341234}" type="slidenum">
               <a:rPr lang="en-GB"/>
-              <a:t>‹#›</a:t>
             </a:fld>
             <a:endParaRPr lang="en-GB"/>
           </a:p>
@@ -13891,7 +12650,6 @@
                 </a:spcAft>
                 <a:buNone/>
               </a:pPr>
-              <a:endParaRPr/>
             </a:p>
           </p:txBody>
         </p:sp>
@@ -13936,7 +12694,6 @@
                 </a:spcAft>
                 <a:buNone/>
               </a:pPr>
-              <a:endParaRPr/>
             </a:p>
           </p:txBody>
         </p:sp>
@@ -14065,9 +12822,7 @@
               <a:defRPr/>
             </a:lvl9pPr>
           </a:lstStyle>
-          <a:p>
-            <a:endParaRPr/>
-          </a:p>
+          <a:p/>
         </p:txBody>
       </p:sp>
       <p:sp>
@@ -14194,9 +12949,7 @@
               <a:defRPr/>
             </a:lvl9pPr>
           </a:lstStyle>
-          <a:p>
-            <a:endParaRPr/>
-          </a:p>
+          <a:p/>
         </p:txBody>
       </p:sp>
       <p:sp>
@@ -14272,7 +13025,6 @@
             </a:pPr>
             <a:fld id="{00000000-1234-1234-1234-123412341234}" type="slidenum">
               <a:rPr lang="en-GB"/>
-              <a:t>‹#›</a:t>
             </a:fld>
             <a:endParaRPr lang="en-GB"/>
           </a:p>
@@ -14377,7 +13129,6 @@
                   </a:spcAft>
                   <a:buNone/>
                 </a:pPr>
-                <a:endParaRPr/>
               </a:p>
             </p:txBody>
           </p:sp>
@@ -14422,7 +13173,6 @@
                   </a:spcAft>
                   <a:buNone/>
                 </a:pPr>
-                <a:endParaRPr/>
               </a:p>
             </p:txBody>
           </p:sp>
@@ -14464,7 +13214,6 @@
                   </a:spcAft>
                   <a:buNone/>
                 </a:pPr>
-                <a:endParaRPr/>
               </a:p>
             </p:txBody>
           </p:sp>
@@ -14521,7 +13270,6 @@
                   </a:spcAft>
                   <a:buNone/>
                 </a:pPr>
-                <a:endParaRPr/>
               </a:p>
             </p:txBody>
           </p:sp>
@@ -14563,7 +13311,6 @@
                   </a:spcAft>
                   <a:buNone/>
                 </a:pPr>
-                <a:endParaRPr/>
               </a:p>
             </p:txBody>
           </p:sp>
@@ -14608,7 +13355,6 @@
                   </a:spcAft>
                   <a:buNone/>
                 </a:pPr>
-                <a:endParaRPr/>
               </a:p>
             </p:txBody>
           </p:sp>
@@ -14665,7 +13411,6 @@
                   </a:spcAft>
                   <a:buNone/>
                 </a:pPr>
-                <a:endParaRPr/>
               </a:p>
             </p:txBody>
           </p:sp>
@@ -14710,7 +13455,6 @@
                   </a:spcAft>
                   <a:buNone/>
                 </a:pPr>
-                <a:endParaRPr/>
               </a:p>
             </p:txBody>
           </p:sp>
@@ -14903,9 +13647,7 @@
               </a:defRPr>
             </a:lvl9pPr>
           </a:lstStyle>
-          <a:p>
-            <a:endParaRPr/>
-          </a:p>
+          <a:p/>
         </p:txBody>
       </p:sp>
       <p:sp>
@@ -15017,7 +13759,6 @@
             </a:pPr>
             <a:fld id="{00000000-1234-1234-1234-123412341234}" type="slidenum">
               <a:rPr lang="en-GB"/>
-              <a:t>‹#›</a:t>
             </a:fld>
             <a:endParaRPr lang="en-GB"/>
           </a:p>
@@ -15103,7 +13844,6 @@
                 </a:spcAft>
                 <a:buNone/>
               </a:pPr>
-              <a:endParaRPr/>
             </a:p>
           </p:txBody>
         </p:sp>
@@ -15148,7 +13888,6 @@
                 </a:spcAft>
                 <a:buNone/>
               </a:pPr>
-              <a:endParaRPr/>
             </a:p>
           </p:txBody>
         </p:sp>
@@ -15286,9 +14025,7 @@
               <a:defRPr/>
             </a:lvl9pPr>
           </a:lstStyle>
-          <a:p>
-            <a:endParaRPr/>
-          </a:p>
+          <a:p/>
         </p:txBody>
       </p:sp>
       <p:sp>
@@ -15451,9 +14188,7 @@
               <a:defRPr sz="1600"/>
             </a:lvl9pPr>
           </a:lstStyle>
-          <a:p>
-            <a:endParaRPr/>
-          </a:p>
+          <a:p/>
         </p:txBody>
       </p:sp>
       <p:sp>
@@ -15589,9 +14324,7 @@
               <a:defRPr/>
             </a:lvl9pPr>
           </a:lstStyle>
-          <a:p>
-            <a:endParaRPr/>
-          </a:p>
+          <a:p/>
         </p:txBody>
       </p:sp>
       <p:sp>
@@ -15667,7 +14400,6 @@
             </a:pPr>
             <a:fld id="{00000000-1234-1234-1234-123412341234}" type="slidenum">
               <a:rPr lang="en-GB"/>
-              <a:t>‹#›</a:t>
             </a:fld>
             <a:endParaRPr lang="en-GB"/>
           </a:p>
@@ -15753,7 +14485,6 @@
                 </a:spcAft>
                 <a:buNone/>
               </a:pPr>
-              <a:endParaRPr/>
             </a:p>
           </p:txBody>
         </p:sp>
@@ -15798,7 +14529,6 @@
                 </a:spcAft>
                 <a:buNone/>
               </a:pPr>
-              <a:endParaRPr/>
             </a:p>
           </p:txBody>
         </p:sp>
@@ -15842,9 +14572,7 @@
               <a:defRPr/>
             </a:lvl1pPr>
           </a:lstStyle>
-          <a:p>
-            <a:endParaRPr/>
-          </a:p>
+          <a:p/>
         </p:txBody>
       </p:sp>
       <p:sp>
@@ -15920,7 +14648,6 @@
             </a:pPr>
             <a:fld id="{00000000-1234-1234-1234-123412341234}" type="slidenum">
               <a:rPr lang="en-GB"/>
-              <a:t>‹#›</a:t>
             </a:fld>
             <a:endParaRPr lang="en-GB"/>
           </a:p>
@@ -16195,9 +14922,7 @@
               </a:defRPr>
             </a:lvl9pPr>
           </a:lstStyle>
-          <a:p>
-            <a:endParaRPr/>
-          </a:p>
+          <a:p/>
         </p:txBody>
       </p:sp>
       <p:sp>
@@ -16463,9 +15188,7 @@
               </a:defRPr>
             </a:lvl9pPr>
           </a:lstStyle>
-          <a:p>
-            <a:endParaRPr/>
-          </a:p>
+          <a:p/>
         </p:txBody>
       </p:sp>
       <p:sp>
@@ -16617,7 +15340,6 @@
             </a:pPr>
             <a:fld id="{00000000-1234-1234-1234-123412341234}" type="slidenum">
               <a:rPr lang="en-GB"/>
-              <a:t>‹#›</a:t>
             </a:fld>
             <a:endParaRPr lang="en-GB"/>
           </a:p>
@@ -17375,7 +16097,7 @@
         </p:nvSpPr>
         <p:spPr>
           <a:xfrm>
-            <a:off x="442595" y="1034415"/>
+            <a:off x="616585" y="1034415"/>
             <a:ext cx="7911465" cy="1872615"/>
           </a:xfrm>
           <a:prstGeom prst="rect">
@@ -17553,7 +16275,7 @@
         <p:spPr>
           <a:xfrm>
             <a:off x="608965" y="2957830"/>
-            <a:ext cx="5252085" cy="1895475"/>
+            <a:ext cx="3898900" cy="1895475"/>
           </a:xfrm>
           <a:prstGeom prst="rect">
             <a:avLst/>
@@ -17622,8 +16344,15 @@
                 <a:latin typeface="Georgia" panose="02040502050405020303" charset="0"/>
                 <a:cs typeface="Georgia" panose="02040502050405020303" charset="0"/>
               </a:rPr>
-              <a:t>Guide : Dr P.G.Sunita Hiremath.</a:t>
+              <a:t>Guide : Dr P.G. Sunita Hiremath.</a:t>
             </a:r>
+            <a:endParaRPr lang="en-US">
+              <a:solidFill>
+                <a:schemeClr val="bg2"/>
+              </a:solidFill>
+              <a:latin typeface="Georgia" panose="02040502050405020303" charset="0"/>
+              <a:cs typeface="Georgia" panose="02040502050405020303" charset="0"/>
+            </a:endParaRPr>
           </a:p>
           <a:p>
             <a:pPr marL="0" lvl="0" indent="0" algn="l" rtl="0">
@@ -17645,6 +16374,13 @@
               </a:rPr>
               <a:t>TEAM Members:</a:t>
             </a:r>
+            <a:endParaRPr lang="en-US">
+              <a:solidFill>
+                <a:schemeClr val="bg2"/>
+              </a:solidFill>
+              <a:latin typeface="Georgia" panose="02040502050405020303" charset="0"/>
+              <a:cs typeface="Georgia" panose="02040502050405020303" charset="0"/>
+            </a:endParaRPr>
           </a:p>
           <a:p>
             <a:pPr marL="0" lvl="0" indent="0" algn="l" rtl="0">
@@ -17666,6 +16402,13 @@
               </a:rPr>
               <a:t>* Varun Bohara.                01fe18bcs278</a:t>
             </a:r>
+            <a:endParaRPr lang="en-US">
+              <a:solidFill>
+                <a:schemeClr val="bg2"/>
+              </a:solidFill>
+              <a:latin typeface="Georgia" panose="02040502050405020303" charset="0"/>
+              <a:cs typeface="Georgia" panose="02040502050405020303" charset="0"/>
+            </a:endParaRPr>
           </a:p>
           <a:p>
             <a:pPr marL="0" lvl="0" indent="0" algn="l" rtl="0">
@@ -17687,6 +16430,13 @@
               </a:rPr>
               <a:t>* Sakshi Tahlani.               01fe18bcs271</a:t>
             </a:r>
+            <a:endParaRPr lang="en-US">
+              <a:solidFill>
+                <a:schemeClr val="bg2"/>
+              </a:solidFill>
+              <a:latin typeface="Georgia" panose="02040502050405020303" charset="0"/>
+              <a:cs typeface="Georgia" panose="02040502050405020303" charset="0"/>
+            </a:endParaRPr>
           </a:p>
           <a:p>
             <a:pPr marL="0" lvl="0" indent="0" algn="l" rtl="0">
@@ -17708,6 +16458,13 @@
               </a:rPr>
               <a:t>* Abhishek Rao.                01fe18bcs297</a:t>
             </a:r>
+            <a:endParaRPr lang="en-US">
+              <a:solidFill>
+                <a:schemeClr val="bg2"/>
+              </a:solidFill>
+              <a:latin typeface="Georgia" panose="02040502050405020303" charset="0"/>
+              <a:cs typeface="Georgia" panose="02040502050405020303" charset="0"/>
+            </a:endParaRPr>
           </a:p>
           <a:p>
             <a:pPr marL="0" lvl="0" indent="0" algn="l" rtl="0">
@@ -17779,7 +16536,7 @@
           <p:nvPr/>
         </p:nvPicPr>
         <p:blipFill>
-          <a:blip r:embed="rId3">
+          <a:blip r:embed="rId1">
             <a:clrChange>
               <a:clrFrom>
                 <a:srgbClr val="FFFFFF">
@@ -17836,170 +16593,222 @@
       </p:grpSpPr>
       <p:sp>
         <p:nvSpPr>
-          <p:cNvPr id="3" name="Content Placeholder 2"/>
+          <p:cNvPr id="2" name="Title 1"/>
           <p:cNvSpPr>
             <a:spLocks noGrp="1"/>
           </p:cNvSpPr>
           <p:nvPr>
-            <p:ph idx="1"/>
+            <p:ph type="title"/>
           </p:nvPr>
         </p:nvSpPr>
         <p:spPr>
           <a:xfrm>
-            <a:off x="144254" y="305074"/>
-            <a:ext cx="8833339" cy="4825502"/>
+            <a:off x="311700" y="505183"/>
+            <a:ext cx="8520600" cy="572700"/>
           </a:xfrm>
         </p:spPr>
         <p:txBody>
-          <a:bodyPr>
-            <a:normAutofit/>
-          </a:bodyPr>
+          <a:bodyPr/>
           <a:lstStyle/>
           <a:p>
-            <a:pPr marL="146050" indent="0">
-              <a:buNone/>
-            </a:pPr>
+            <a:pPr algn="ctr"/>
             <a:r>
-              <a:rPr lang="en-US" sz="1600" b="1" u="sng" dirty="0">
-                <a:latin typeface="Georgia" panose="02040502050405020303" pitchFamily="18" charset="0"/>
+              <a:rPr lang="en-US" sz="1800" dirty="0">
+                <a:latin typeface="Georgia" panose="02040502050405020303" charset="0"/>
+                <a:cs typeface="Georgia" panose="02040502050405020303" charset="0"/>
+                <a:sym typeface="+mn-ea"/>
               </a:rPr>
-              <a:t>Exploring Hate Speech Detection in Multimodal Publications ( WACV, 2020) </a:t>
+              <a:t>Multimodal Meme Dataset (MultiOFF) for Identifying Offensive Content in Image and Text [3]</a:t>
             </a:r>
+            <a:br>
+              <a:rPr lang="en-US" sz="1400" dirty="0">
+                <a:latin typeface="Agency FB" panose="020B0503020202020204" charset="0"/>
+                <a:cs typeface="Agency FB" panose="020B0503020202020204" charset="0"/>
+                <a:sym typeface="+mn-ea"/>
+              </a:rPr>
+            </a:br>
             <a:r>
-              <a:rPr lang="en-US" sz="1600" b="1" dirty="0">
-                <a:latin typeface="Georgia" panose="02040502050405020303" pitchFamily="18" charset="0"/>
+              <a:rPr lang="en-US" sz="1200" b="0" dirty="0">
+                <a:latin typeface="Georgia" panose="02040502050405020303" charset="0"/>
+                <a:cs typeface="Georgia" panose="02040502050405020303" charset="0"/>
+                <a:sym typeface="+mn-ea"/>
               </a:rPr>
-              <a:t>[1]</a:t>
+              <a:t>Shardul Suryawanshi, Bharathi Raja Chakravarthi,</a:t>
             </a:r>
-            <a:endParaRPr lang="en-IN" sz="1200" b="1" dirty="0">
-              <a:latin typeface="Georgia" panose="02040502050405020303" pitchFamily="18" charset="0"/>
+            <a:br>
+              <a:rPr lang="en-US" sz="1200" b="0" dirty="0">
+                <a:latin typeface="Georgia" panose="02040502050405020303" charset="0"/>
+                <a:cs typeface="Georgia" panose="02040502050405020303" charset="0"/>
+                <a:sym typeface="+mn-ea"/>
+              </a:rPr>
+            </a:br>
+            <a:r>
+              <a:rPr lang="en-US" sz="1200" b="0" dirty="0">
+                <a:latin typeface="Georgia" panose="02040502050405020303" charset="0"/>
+                <a:cs typeface="Georgia" panose="02040502050405020303" charset="0"/>
+                <a:sym typeface="+mn-ea"/>
+              </a:rPr>
+              <a:t>Mihael Arcan, Paul Buitelaar</a:t>
+            </a:r>
+            <a:br>
+              <a:rPr lang="en-US" sz="1200" b="0" u="sng" dirty="0">
+                <a:latin typeface="Georgia" panose="02040502050405020303" charset="0"/>
+                <a:cs typeface="Georgia" panose="02040502050405020303" charset="0"/>
+                <a:sym typeface="+mn-ea"/>
+              </a:rPr>
+            </a:br>
+            <a:endParaRPr lang="en-US" sz="1200" b="0" u="sng" dirty="0">
+              <a:latin typeface="Georgia" panose="02040502050405020303" charset="0"/>
+              <a:cs typeface="Georgia" panose="02040502050405020303" charset="0"/>
+              <a:sym typeface="+mn-ea"/>
             </a:endParaRPr>
-          </a:p>
-          <a:p>
-            <a:r>
-              <a:rPr lang="en-IN" sz="1500" dirty="0"/>
-              <a:t>TKM</a:t>
-            </a:r>
-            <a:r>
-              <a:rPr lang="en-IN" sz="1200" dirty="0"/>
-              <a:t>( Textual Kernels Model ): </a:t>
-            </a:r>
-          </a:p>
-          <a:p>
-            <a:pPr marL="146050" indent="0">
-              <a:buNone/>
-            </a:pPr>
-            <a:endParaRPr lang="en-IN" sz="1200" dirty="0"/>
           </a:p>
         </p:txBody>
       </p:sp>
       <p:sp>
         <p:nvSpPr>
-          <p:cNvPr id="4" name="Slide Number Placeholder 3"/>
+          <p:cNvPr id="4" name="Content Placeholder 3"/>
           <p:cNvSpPr>
             <a:spLocks noGrp="1"/>
           </p:cNvSpPr>
           <p:nvPr>
-            <p:ph type="sldNum" sz="quarter" idx="12"/>
+            <p:ph sz="half" idx="2"/>
           </p:nvPr>
         </p:nvSpPr>
-        <p:spPr/>
+        <p:spPr>
+          <a:xfrm>
+            <a:off x="6412523" y="2629046"/>
+            <a:ext cx="2948354" cy="977900"/>
+          </a:xfrm>
+        </p:spPr>
         <p:txBody>
           <a:bodyPr/>
           <a:lstStyle/>
           <a:p>
-            <a:fld id="{7870A25B-082D-42BE-9910-664729240837}" type="slidenum">
-              <a:rPr lang="en-IN" smtClean="0"/>
-              <a:t>10</a:t>
-            </a:fld>
-            <a:endParaRPr lang="en-IN" dirty="0"/>
+            <a:pPr marL="285750" indent="-285750" algn="l">
+              <a:buFont typeface="Wingdings" panose="05000000000000000000" charset="0"/>
+              <a:buChar char="ü"/>
+            </a:pPr>
+            <a:r>
+              <a:rPr lang="en-IN" altLang="en-US" sz="1400" dirty="0">
+                <a:latin typeface="Georgia" panose="02040502050405020303" charset="0"/>
+                <a:cs typeface="Georgia" panose="02040502050405020303" charset="0"/>
+                <a:sym typeface="+mn-ea"/>
+              </a:rPr>
+              <a:t>Text Embedding : LSTM</a:t>
+            </a:r>
+            <a:endParaRPr lang="en-IN" altLang="en-US" sz="1400" dirty="0">
+              <a:latin typeface="Georgia" panose="02040502050405020303" charset="0"/>
+              <a:cs typeface="Georgia" panose="02040502050405020303" charset="0"/>
+              <a:sym typeface="+mn-ea"/>
+            </a:endParaRPr>
+          </a:p>
+          <a:p>
+            <a:pPr marL="285750" indent="-285750" algn="l">
+              <a:buFont typeface="Wingdings" panose="05000000000000000000" charset="0"/>
+              <a:buChar char="ü"/>
+            </a:pPr>
+            <a:r>
+              <a:rPr lang="en-IN" altLang="en-US" sz="1400" dirty="0">
+                <a:latin typeface="Georgia" panose="02040502050405020303" charset="0"/>
+                <a:cs typeface="Georgia" panose="02040502050405020303" charset="0"/>
+                <a:sym typeface="+mn-ea"/>
+              </a:rPr>
+              <a:t>Image Embedding : VGG16</a:t>
+            </a:r>
+            <a:endParaRPr lang="en-IN" altLang="en-US" sz="1400" dirty="0">
+              <a:latin typeface="Georgia" panose="02040502050405020303" charset="0"/>
+              <a:cs typeface="Georgia" panose="02040502050405020303" charset="0"/>
+              <a:sym typeface="+mn-ea"/>
+            </a:endParaRPr>
+          </a:p>
+          <a:p>
+            <a:pPr marL="285750" indent="-285750" algn="l">
+              <a:buFont typeface="Wingdings" panose="05000000000000000000" charset="0"/>
+              <a:buChar char="ü"/>
+            </a:pPr>
+            <a:r>
+              <a:rPr lang="en-IN" altLang="en-US" sz="1400" dirty="0">
+                <a:latin typeface="Georgia" panose="02040502050405020303" charset="0"/>
+                <a:cs typeface="Georgia" panose="02040502050405020303" charset="0"/>
+                <a:sym typeface="+mn-ea"/>
+              </a:rPr>
+              <a:t>Early Fusion Method </a:t>
+            </a:r>
+            <a:endParaRPr lang="en-IN" altLang="en-US" sz="1400" dirty="0">
+              <a:latin typeface="Georgia" panose="02040502050405020303" charset="0"/>
+              <a:cs typeface="Georgia" panose="02040502050405020303" charset="0"/>
+            </a:endParaRPr>
+          </a:p>
+          <a:p>
+            <a:pPr marL="285750" indent="-285750" algn="l">
+              <a:buFont typeface="Wingdings" panose="05000000000000000000" charset="0"/>
+              <a:buChar char="ü"/>
+            </a:pPr>
+            <a:endParaRPr lang="en-IN" altLang="en-US" sz="1800" dirty="0">
+              <a:latin typeface="Georgia" panose="02040502050405020303" charset="0"/>
+              <a:cs typeface="Georgia" panose="02040502050405020303" charset="0"/>
+              <a:sym typeface="+mn-ea"/>
+            </a:endParaRPr>
+          </a:p>
+          <a:p>
+            <a:pPr marL="457200" indent="-457200" algn="l">
+              <a:buFont typeface="Arial" panose="020B0604020202020204" pitchFamily="34" charset="0"/>
+              <a:buChar char="•"/>
+            </a:pPr>
+            <a:endParaRPr lang="en-IN" altLang="en-US" dirty="0">
+              <a:latin typeface="Georgia" panose="02040502050405020303" charset="0"/>
+              <a:cs typeface="Georgia" panose="02040502050405020303" charset="0"/>
+            </a:endParaRPr>
+          </a:p>
+          <a:p>
+            <a:pPr marL="457200" indent="-457200" algn="l">
+              <a:buFont typeface="Arial" panose="020B0604020202020204" pitchFamily="34" charset="0"/>
+              <a:buChar char="•"/>
+            </a:pPr>
+            <a:endParaRPr lang="en-IN" altLang="en-US" dirty="0">
+              <a:sym typeface="+mn-ea"/>
+            </a:endParaRPr>
+          </a:p>
+          <a:p>
+            <a:pPr marL="457200" indent="-457200" algn="l">
+              <a:buFont typeface="Arial" panose="020B0604020202020204" pitchFamily="34" charset="0"/>
+              <a:buChar char="•"/>
+            </a:pPr>
+            <a:endParaRPr lang="en-IN" altLang="en-US" dirty="0"/>
+          </a:p>
+          <a:p>
+            <a:endParaRPr lang="en-US" dirty="0"/>
           </a:p>
         </p:txBody>
       </p:sp>
       <p:pic>
         <p:nvPicPr>
-          <p:cNvPr id="6" name="Picture 5"/>
+          <p:cNvPr id="5" name="Content Placeholder 4" descr="Screenshot (54)"/>
           <p:cNvPicPr>
-            <a:picLocks noChangeAspect="1"/>
+            <a:picLocks noGrp="1" noChangeAspect="1"/>
           </p:cNvPicPr>
-          <p:nvPr/>
+          <p:nvPr>
+            <p:ph sz="half" idx="1"/>
+          </p:nvPr>
         </p:nvPicPr>
         <p:blipFill rotWithShape="1">
-          <a:blip r:embed="rId3">
-            <a:extLst>
-              <a:ext uri="{28A0092B-C50C-407E-A947-70E740481C1C}">
-                <a14:useLocalDpi xmlns:a14="http://schemas.microsoft.com/office/drawing/2010/main" val="0"/>
-              </a:ext>
-            </a:extLst>
-          </a:blip>
-          <a:srcRect l="8653" t="878" r="69" b="616"/>
+          <a:blip r:embed="rId1"/>
+          <a:srcRect t="762"/>
           <a:stretch>
             <a:fillRect/>
           </a:stretch>
         </p:blipFill>
         <p:spPr>
           <a:xfrm>
-            <a:off x="685800" y="967308"/>
-            <a:ext cx="6710846" cy="4067754"/>
+            <a:off x="618490" y="1636294"/>
+            <a:ext cx="5884578" cy="3380205"/>
           </a:xfrm>
           <a:prstGeom prst="rect">
             <a:avLst/>
           </a:prstGeom>
         </p:spPr>
       </p:pic>
-      <p:sp>
-        <p:nvSpPr>
-          <p:cNvPr id="2" name="TextBox 1"/>
-          <p:cNvSpPr txBox="1"/>
-          <p:nvPr/>
-        </p:nvSpPr>
-        <p:spPr>
-          <a:xfrm>
-            <a:off x="6969925" y="2394659"/>
-            <a:ext cx="1801095" cy="646331"/>
-          </a:xfrm>
-          <a:prstGeom prst="rect">
-            <a:avLst/>
-          </a:prstGeom>
-          <a:noFill/>
-        </p:spPr>
-        <p:txBody>
-          <a:bodyPr wrap="square" rtlCol="0">
-            <a:spAutoFit/>
-          </a:bodyPr>
-          <a:lstStyle/>
-          <a:p>
-            <a:pPr marL="285750" indent="-285750">
-              <a:buFont typeface="Wingdings" panose="05000000000000000000" pitchFamily="2" charset="2"/>
-              <a:buChar char="ü"/>
-            </a:pPr>
-            <a:r>
-              <a:rPr lang="en-IN" sz="1200" dirty="0"/>
-              <a:t>Inception Model</a:t>
-            </a:r>
-          </a:p>
-          <a:p>
-            <a:pPr marL="285750" indent="-285750">
-              <a:buFont typeface="Wingdings" panose="05000000000000000000" pitchFamily="2" charset="2"/>
-              <a:buChar char="ü"/>
-            </a:pPr>
-            <a:r>
-              <a:rPr lang="en-IN" sz="1200" dirty="0"/>
-              <a:t>LSTM Model </a:t>
-            </a:r>
-          </a:p>
-          <a:p>
-            <a:pPr marL="285750" indent="-285750">
-              <a:buFont typeface="Wingdings" panose="05000000000000000000" pitchFamily="2" charset="2"/>
-              <a:buChar char="ü"/>
-            </a:pPr>
-            <a:r>
-              <a:rPr lang="en-IN" sz="1200" dirty="0"/>
-              <a:t>Kernel </a:t>
-            </a:r>
-          </a:p>
-        </p:txBody>
-      </p:sp>
     </p:spTree>
   </p:cSld>
   <p:clrMapOvr>
@@ -18124,7 +16933,7 @@
         </p:nvSpPr>
         <p:spPr>
           <a:xfrm>
-            <a:off x="1049655" y="2118360"/>
+            <a:off x="1049655" y="1584960"/>
             <a:ext cx="622300" cy="306705"/>
           </a:xfrm>
           <a:prstGeom prst="rect">
@@ -18145,6 +16954,10 @@
               </a:rPr>
               <a:t>Input</a:t>
             </a:r>
+            <a:endParaRPr lang="en-US">
+              <a:latin typeface="Georgia" panose="02040502050405020303" charset="0"/>
+              <a:cs typeface="Georgia" panose="02040502050405020303" charset="0"/>
+            </a:endParaRPr>
           </a:p>
         </p:txBody>
       </p:sp>
@@ -18156,7 +16969,7 @@
         </p:nvSpPr>
         <p:spPr>
           <a:xfrm>
-            <a:off x="5257800" y="3361690"/>
+            <a:off x="5816600" y="3361690"/>
             <a:ext cx="744220" cy="306705"/>
           </a:xfrm>
           <a:prstGeom prst="rect">
@@ -18177,6 +16990,10 @@
               </a:rPr>
               <a:t>Output</a:t>
             </a:r>
+            <a:endParaRPr lang="en-US">
+              <a:latin typeface="Georgia" panose="02040502050405020303" charset="0"/>
+              <a:cs typeface="Georgia" panose="02040502050405020303" charset="0"/>
+            </a:endParaRPr>
           </a:p>
         </p:txBody>
       </p:sp>
@@ -18191,15 +17008,15 @@
           </p:nvPr>
         </p:nvPicPr>
         <p:blipFill>
-          <a:blip r:embed="rId3"/>
+          <a:blip r:embed="rId1"/>
           <a:stretch>
             <a:fillRect/>
           </a:stretch>
         </p:blipFill>
         <p:spPr>
           <a:xfrm>
-            <a:off x="935355" y="2425065"/>
-            <a:ext cx="1003300" cy="668020"/>
+            <a:off x="400685" y="2661285"/>
+            <a:ext cx="1403985" cy="934720"/>
           </a:xfrm>
           <a:prstGeom prst="rect">
             <a:avLst/>
@@ -18247,6 +17064,23 @@
               </a:rPr>
               <a:t>Visual Module</a:t>
             </a:r>
+            <a:br>
+              <a:rPr lang="en-US" dirty="0">
+                <a:latin typeface="Georgia" panose="02040502050405020303" charset="0"/>
+                <a:cs typeface="Georgia" panose="02040502050405020303" charset="0"/>
+              </a:rPr>
+            </a:br>
+            <a:r>
+              <a:rPr lang="en-US" dirty="0">
+                <a:latin typeface="Georgia" panose="02040502050405020303" charset="0"/>
+                <a:cs typeface="Georgia" panose="02040502050405020303" charset="0"/>
+              </a:rPr>
+              <a:t>(Inception v3)</a:t>
+            </a:r>
+            <a:endParaRPr lang="en-US" dirty="0">
+              <a:latin typeface="Georgia" panose="02040502050405020303" charset="0"/>
+              <a:cs typeface="Georgia" panose="02040502050405020303" charset="0"/>
+            </a:endParaRPr>
           </a:p>
         </p:txBody>
       </p:sp>
@@ -18291,6 +17125,23 @@
               </a:rPr>
               <a:t>Text Module</a:t>
             </a:r>
+            <a:br>
+              <a:rPr lang="en-US" dirty="0">
+                <a:latin typeface="Georgia" panose="02040502050405020303" charset="0"/>
+                <a:cs typeface="Georgia" panose="02040502050405020303" charset="0"/>
+              </a:rPr>
+            </a:br>
+            <a:r>
+              <a:rPr lang="en-US" dirty="0">
+                <a:latin typeface="Georgia" panose="02040502050405020303" charset="0"/>
+                <a:cs typeface="Georgia" panose="02040502050405020303" charset="0"/>
+              </a:rPr>
+              <a:t>(Sbert)</a:t>
+            </a:r>
+            <a:endParaRPr lang="en-US" dirty="0">
+              <a:latin typeface="Georgia" panose="02040502050405020303" charset="0"/>
+              <a:cs typeface="Georgia" panose="02040502050405020303" charset="0"/>
+            </a:endParaRPr>
           </a:p>
         </p:txBody>
       </p:sp>
@@ -18335,6 +17186,10 @@
               </a:rPr>
               <a:t>Decoder</a:t>
             </a:r>
+            <a:endParaRPr lang="en-US">
+              <a:latin typeface="Georgia" panose="02040502050405020303" charset="0"/>
+              <a:cs typeface="Georgia" panose="02040502050405020303" charset="0"/>
+            </a:endParaRPr>
           </a:p>
         </p:txBody>
       </p:sp>
@@ -18346,7 +17201,7 @@
         </p:nvCxnSpPr>
         <p:spPr>
           <a:xfrm>
-            <a:off x="5609590" y="2922270"/>
+            <a:off x="6212840" y="2922270"/>
             <a:ext cx="1905" cy="503555"/>
           </a:xfrm>
           <a:prstGeom prst="straightConnector1">
@@ -18451,6 +17306,10 @@
               </a:rPr>
               <a:t>Performance Evaluation</a:t>
             </a:r>
+            <a:endParaRPr lang="en-US">
+              <a:latin typeface="Georgia" panose="02040502050405020303" charset="0"/>
+              <a:cs typeface="Georgia" panose="02040502050405020303" charset="0"/>
+            </a:endParaRPr>
           </a:p>
         </p:txBody>
       </p:sp>
@@ -18495,8 +17354,8 @@
         </p:nvSpPr>
         <p:spPr>
           <a:xfrm>
-            <a:off x="5076190" y="3668395"/>
-            <a:ext cx="1104265" cy="306705"/>
+            <a:off x="5279390" y="3674745"/>
+            <a:ext cx="2436495" cy="521970"/>
           </a:xfrm>
           <a:prstGeom prst="rect">
             <a:avLst/>
@@ -18514,8 +17373,26 @@
                 <a:latin typeface="Georgia" panose="02040502050405020303" charset="0"/>
                 <a:cs typeface="Georgia" panose="02040502050405020303" charset="0"/>
               </a:rPr>
-              <a:t>Hateful (1)</a:t>
+              <a:t>Hateful (1)/Non-</a:t>
             </a:r>
+            <a:r>
+              <a:rPr lang="en-US">
+                <a:latin typeface="Georgia" panose="02040502050405020303" charset="0"/>
+                <a:cs typeface="Georgia" panose="02040502050405020303" charset="0"/>
+                <a:sym typeface="+mn-ea"/>
+              </a:rPr>
+              <a:t>Hateful (0)</a:t>
+            </a:r>
+            <a:endParaRPr lang="en-US">
+              <a:latin typeface="Georgia" panose="02040502050405020303" charset="0"/>
+              <a:cs typeface="Georgia" panose="02040502050405020303" charset="0"/>
+            </a:endParaRPr>
+          </a:p>
+          <a:p>
+            <a:endParaRPr lang="en-US">
+              <a:latin typeface="Georgia" panose="02040502050405020303" charset="0"/>
+              <a:cs typeface="Georgia" panose="02040502050405020303" charset="0"/>
+            </a:endParaRPr>
           </a:p>
         </p:txBody>
       </p:sp>
@@ -18526,9 +17403,77 @@
           <p:nvPr/>
         </p:nvCxnSpPr>
         <p:spPr>
+          <a:xfrm flipV="1">
+            <a:off x="1804670" y="2088515"/>
+            <a:ext cx="377825" cy="14605"/>
+          </a:xfrm>
+          <a:prstGeom prst="straightConnector1">
+            <a:avLst/>
+          </a:prstGeom>
+          <a:ln w="41275" cmpd="sng">
+            <a:tailEnd type="arrow"/>
+          </a:ln>
+        </p:spPr>
+        <p:style>
+          <a:lnRef idx="1">
+            <a:schemeClr val="accent1"/>
+          </a:lnRef>
+          <a:fillRef idx="0">
+            <a:schemeClr val="accent1"/>
+          </a:fillRef>
+          <a:effectRef idx="0">
+            <a:schemeClr val="accent1"/>
+          </a:effectRef>
+          <a:fontRef idx="minor">
+            <a:schemeClr val="tx1"/>
+          </a:fontRef>
+        </p:style>
+      </p:cxnSp>
+      <p:sp>
+        <p:nvSpPr>
+          <p:cNvPr id="16" name="Text Box 15"/>
+          <p:cNvSpPr txBox="1"/>
+          <p:nvPr/>
+        </p:nvSpPr>
+        <p:spPr>
           <a:xfrm>
-            <a:off x="1938655" y="2678430"/>
-            <a:ext cx="252000" cy="6985"/>
+            <a:off x="159385" y="1953260"/>
+            <a:ext cx="1722755" cy="306705"/>
+          </a:xfrm>
+          <a:prstGeom prst="rect">
+            <a:avLst/>
+          </a:prstGeom>
+          <a:noFill/>
+        </p:spPr>
+        <p:txBody>
+          <a:bodyPr wrap="none" rtlCol="0">
+            <a:spAutoFit/>
+          </a:bodyPr>
+          <a:p>
+            <a:r>
+              <a:rPr lang="en-US">
+                <a:latin typeface="Georgia" panose="02040502050405020303" charset="0"/>
+                <a:cs typeface="Georgia" panose="02040502050405020303" charset="0"/>
+              </a:rPr>
+              <a:t>look! a blow up doll</a:t>
+            </a:r>
+            <a:endParaRPr lang="en-US">
+              <a:latin typeface="Georgia" panose="02040502050405020303" charset="0"/>
+              <a:cs typeface="Georgia" panose="02040502050405020303" charset="0"/>
+            </a:endParaRPr>
+          </a:p>
+        </p:txBody>
+      </p:sp>
+      <p:cxnSp>
+        <p:nvCxnSpPr>
+          <p:cNvPr id="17" name="Straight Arrow Connector 16"/>
+          <p:cNvCxnSpPr/>
+          <p:nvPr/>
+        </p:nvCxnSpPr>
+        <p:spPr>
+          <a:xfrm flipV="1">
+            <a:off x="1809750" y="3166745"/>
+            <a:ext cx="377825" cy="14605"/>
           </a:xfrm>
           <a:prstGeom prst="straightConnector1">
             <a:avLst/>
@@ -18675,6 +17620,10 @@
               </a:rPr>
               <a:t>Functional</a:t>
             </a:r>
+            <a:endParaRPr lang="en-US" sz="1400" b="1" dirty="0">
+              <a:latin typeface="Georgia" panose="02040502050405020303" charset="0"/>
+              <a:cs typeface="Georgia" panose="02040502050405020303" charset="0"/>
+            </a:endParaRPr>
           </a:p>
           <a:p>
             <a:pPr marL="285750" lvl="0" indent="-285750" algn="l" rtl="0">
@@ -18694,6 +17643,10 @@
               </a:rPr>
               <a:t>The model shall be able to generate image and text representations .</a:t>
             </a:r>
+            <a:endParaRPr lang="en-US" dirty="0">
+              <a:latin typeface="Georgia" panose="02040502050405020303" charset="0"/>
+              <a:cs typeface="Georgia" panose="02040502050405020303" charset="0"/>
+            </a:endParaRPr>
           </a:p>
           <a:p>
             <a:pPr marL="285750" lvl="0" indent="-285750" algn="l" rtl="0">
@@ -18713,6 +17666,10 @@
               </a:rPr>
               <a:t>The model shall be able to classify the meme as hateful or non hateful using provided embeddings .</a:t>
             </a:r>
+            <a:endParaRPr lang="en-US" dirty="0">
+              <a:latin typeface="Georgia" panose="02040502050405020303" charset="0"/>
+              <a:cs typeface="Georgia" panose="02040502050405020303" charset="0"/>
+            </a:endParaRPr>
           </a:p>
           <a:p>
             <a:pPr marL="285750" lvl="0" indent="-285750" algn="l" rtl="0">
@@ -18732,6 +17689,10 @@
               </a:rPr>
               <a:t>The model shall be able to generate the probability of the meme being hateful .</a:t>
             </a:r>
+            <a:endParaRPr lang="en-US" dirty="0">
+              <a:latin typeface="Georgia" panose="02040502050405020303" charset="0"/>
+              <a:cs typeface="Georgia" panose="02040502050405020303" charset="0"/>
+            </a:endParaRPr>
           </a:p>
           <a:p>
             <a:pPr marL="0" lvl="0" indent="0" algn="l" rtl="0">
@@ -18750,6 +17711,10 @@
               </a:rPr>
               <a:t>Non Functional</a:t>
             </a:r>
+            <a:endParaRPr lang="en-US" sz="1400" b="1" dirty="0">
+              <a:latin typeface="Georgia" panose="02040502050405020303" charset="0"/>
+              <a:cs typeface="Georgia" panose="02040502050405020303" charset="0"/>
+            </a:endParaRPr>
           </a:p>
           <a:p>
             <a:pPr marL="285750" lvl="0" indent="-285750" algn="l" rtl="0">
@@ -18769,6 +17734,10 @@
               </a:rPr>
               <a:t>The model should be atleast 70% accurate .</a:t>
             </a:r>
+            <a:endParaRPr lang="en-US" dirty="0">
+              <a:latin typeface="Georgia" panose="02040502050405020303" charset="0"/>
+              <a:cs typeface="Georgia" panose="02040502050405020303" charset="0"/>
+            </a:endParaRPr>
           </a:p>
           <a:p>
             <a:pPr marL="285750" lvl="0" indent="-285750" algn="l" rtl="0">
@@ -18788,6 +17757,10 @@
               </a:rPr>
               <a:t>The model should not under-perform on limited computing resources.   </a:t>
             </a:r>
+            <a:endParaRPr lang="en-US" dirty="0">
+              <a:latin typeface="Georgia" panose="02040502050405020303" charset="0"/>
+              <a:cs typeface="Georgia" panose="02040502050405020303" charset="0"/>
+            </a:endParaRPr>
           </a:p>
           <a:p>
             <a:pPr marL="285750" lvl="0" indent="-285750" algn="l" rtl="0">
@@ -18816,6 +17789,99 @@
 </file>
 
 <file path=ppt/slides/slide13.xml><?xml version="1.0" encoding="utf-8"?>
+<p:sld xmlns:a="http://schemas.openxmlformats.org/drawingml/2006/main" xmlns:r="http://schemas.openxmlformats.org/officeDocument/2006/relationships" xmlns:p="http://schemas.openxmlformats.org/presentationml/2006/main">
+  <p:cSld>
+    <p:spTree>
+      <p:nvGrpSpPr>
+        <p:cNvPr id="1" name=""/>
+        <p:cNvGrpSpPr/>
+        <p:nvPr/>
+      </p:nvGrpSpPr>
+      <p:grpSpPr/>
+      <p:sp>
+        <p:nvSpPr>
+          <p:cNvPr id="2" name="Title 1"/>
+          <p:cNvSpPr>
+            <a:spLocks noGrp="1"/>
+          </p:cNvSpPr>
+          <p:nvPr>
+            <p:ph type="title"/>
+          </p:nvPr>
+        </p:nvSpPr>
+        <p:spPr>
+          <a:xfrm>
+            <a:off x="2755900" y="273685"/>
+            <a:ext cx="2822575" cy="572770"/>
+          </a:xfrm>
+        </p:spPr>
+        <p:txBody>
+          <a:bodyPr/>
+          <a:p>
+            <a:pPr algn="ctr"/>
+            <a:r>
+              <a:rPr lang="en-US" sz="2000">
+                <a:latin typeface="Georgia" panose="02040502050405020303" charset="0"/>
+                <a:cs typeface="Georgia" panose="02040502050405020303" charset="0"/>
+              </a:rPr>
+              <a:t>Use Case Diagram</a:t>
+            </a:r>
+            <a:endParaRPr lang="en-US" sz="2000">
+              <a:latin typeface="Georgia" panose="02040502050405020303" charset="0"/>
+              <a:cs typeface="Georgia" panose="02040502050405020303" charset="0"/>
+            </a:endParaRPr>
+          </a:p>
+        </p:txBody>
+      </p:sp>
+      <p:pic>
+        <p:nvPicPr>
+          <p:cNvPr id="4" name="Content Placeholder 3" descr="Capture11"/>
+          <p:cNvPicPr>
+            <a:picLocks noChangeAspect="1"/>
+          </p:cNvPicPr>
+          <p:nvPr>
+            <p:ph idx="1"/>
+          </p:nvPr>
+        </p:nvPicPr>
+        <p:blipFill>
+          <a:blip r:embed="rId1">
+            <a:clrChange>
+              <a:clrFrom>
+                <a:srgbClr val="FFFFFF">
+                  <a:alpha val="100000"/>
+                </a:srgbClr>
+              </a:clrFrom>
+              <a:clrTo>
+                <a:srgbClr val="FFFFFF">
+                  <a:alpha val="100000"/>
+                  <a:alpha val="0"/>
+                </a:srgbClr>
+              </a:clrTo>
+            </a:clrChange>
+          </a:blip>
+          <a:srcRect l="6052" r="2398"/>
+          <a:stretch>
+            <a:fillRect/>
+          </a:stretch>
+        </p:blipFill>
+        <p:spPr>
+          <a:xfrm>
+            <a:off x="1301750" y="400685"/>
+            <a:ext cx="6541135" cy="4676140"/>
+          </a:xfrm>
+          <a:prstGeom prst="rect">
+            <a:avLst/>
+          </a:prstGeom>
+        </p:spPr>
+      </p:pic>
+    </p:spTree>
+  </p:cSld>
+  <p:clrMapOvr>
+    <a:masterClrMapping/>
+  </p:clrMapOvr>
+</p:sld>
+</file>
+
+<file path=ppt/slides/slide14.xml><?xml version="1.0" encoding="utf-8"?>
 <p:sld xmlns:a="http://schemas.openxmlformats.org/drawingml/2006/main" xmlns:r="http://schemas.openxmlformats.org/officeDocument/2006/relationships" xmlns:p="http://schemas.openxmlformats.org/presentationml/2006/main">
   <p:cSld>
     <p:spTree>
@@ -18874,6 +17940,11 @@
               </a:rPr>
               <a:t>References</a:t>
             </a:r>
+            <a:endParaRPr lang="en-US" dirty="0">
+              <a:latin typeface="Georgia" panose="02040502050405020303" charset="0"/>
+              <a:cs typeface="Georgia" panose="02040502050405020303" charset="0"/>
+              <a:sym typeface="+mn-ea"/>
+            </a:endParaRPr>
           </a:p>
         </p:txBody>
       </p:sp>
@@ -18944,6 +18015,10 @@
               </a:rPr>
               <a:t>https://nirkin.com/hateful-memes/</a:t>
             </a:r>
+            <a:endParaRPr dirty="0">
+              <a:latin typeface="Georgia" panose="02040502050405020303" charset="0"/>
+              <a:cs typeface="Georgia" panose="02040502050405020303" charset="0"/>
+            </a:endParaRPr>
           </a:p>
           <a:p>
             <a:pPr marL="0" lvl="0" indent="0" algn="l" rtl="0">
@@ -18969,6 +18044,10 @@
               </a:rPr>
               <a:t>https://www.aclweb.org/anthology/2020.trac-1.6.pdf</a:t>
             </a:r>
+            <a:endParaRPr dirty="0">
+              <a:latin typeface="Georgia" panose="02040502050405020303" charset="0"/>
+              <a:cs typeface="Georgia" panose="02040502050405020303" charset="0"/>
+            </a:endParaRPr>
           </a:p>
           <a:p>
             <a:pPr marL="0" lvl="0" indent="0" algn="l" rtl="0">
@@ -18996,7 +18075,7 @@
 </p:sld>
 </file>
 
-<file path=ppt/slides/slide14.xml><?xml version="1.0" encoding="utf-8"?>
+<file path=ppt/slides/slide15.xml><?xml version="1.0" encoding="utf-8"?>
 <p:sld xmlns:a="http://schemas.openxmlformats.org/drawingml/2006/main" xmlns:r="http://schemas.openxmlformats.org/officeDocument/2006/relationships" xmlns:p="http://schemas.openxmlformats.org/presentationml/2006/main">
   <p:cSld>
     <p:spTree>
@@ -19005,14 +18084,7 @@
         <p:cNvGrpSpPr/>
         <p:nvPr/>
       </p:nvGrpSpPr>
-      <p:grpSpPr>
-        <a:xfrm>
-          <a:off x="0" y="0"/>
-          <a:ext cx="0" cy="0"/>
-          <a:chOff x="0" y="0"/>
-          <a:chExt cx="0" cy="0"/>
-        </a:xfrm>
-      </p:grpSpPr>
+      <p:grpSpPr/>
       <p:sp>
         <p:nvSpPr>
           <p:cNvPr id="2" name="Title 1"/>
@@ -19023,1169 +18095,32 @@
             <p:ph type="title"/>
           </p:nvPr>
         </p:nvSpPr>
-        <p:spPr/>
+        <p:spPr>
+          <a:xfrm>
+            <a:off x="3414395" y="2199640"/>
+            <a:ext cx="2657475" cy="743585"/>
+          </a:xfrm>
+        </p:spPr>
         <p:txBody>
           <a:bodyPr/>
-          <a:lstStyle/>
           <a:p>
             <a:r>
-              <a:rPr lang="en-US" dirty="0">
+              <a:rPr lang="en-US">
+                <a:solidFill>
+                  <a:schemeClr val="bg2"/>
+                </a:solidFill>
                 <a:latin typeface="Georgia" panose="02040502050405020303" charset="0"/>
                 <a:cs typeface="Georgia" panose="02040502050405020303" charset="0"/>
               </a:rPr>
-              <a:t>     Hypernetworks</a:t>
+              <a:t>THANK YOU</a:t>
             </a:r>
-          </a:p>
-        </p:txBody>
-      </p:sp>
-      <p:sp>
-        <p:nvSpPr>
-          <p:cNvPr id="5" name="Content Placeholder 4"/>
-          <p:cNvSpPr>
-            <a:spLocks noGrp="1"/>
-          </p:cNvSpPr>
-          <p:nvPr>
-            <p:ph idx="1"/>
-          </p:nvPr>
-        </p:nvSpPr>
-        <p:spPr/>
-        <p:txBody>
-          <a:bodyPr/>
-          <a:lstStyle/>
-          <a:p>
-            <a:r>
-              <a:rPr lang="en-US" dirty="0">
-                <a:latin typeface="Georgia" panose="02040502050405020303" charset="0"/>
-                <a:cs typeface="Georgia" panose="02040502050405020303" charset="0"/>
-              </a:rPr>
-              <a:t>In a typical deep network , the majority of parameters are in the kernels of convolutional layers.</a:t>
-            </a:r>
-          </a:p>
-          <a:p>
-            <a:r>
-              <a:rPr lang="en-US" dirty="0">
-                <a:latin typeface="Georgia" panose="02040502050405020303" charset="0"/>
-                <a:cs typeface="Georgia" panose="02040502050405020303" charset="0"/>
-              </a:rPr>
-              <a:t>Each kernel contain N</a:t>
-            </a:r>
-            <a:r>
-              <a:rPr lang="en-US" baseline="-25000" dirty="0">
-                <a:latin typeface="Georgia" panose="02040502050405020303" charset="0"/>
-                <a:cs typeface="Georgia" panose="02040502050405020303" charset="0"/>
-              </a:rPr>
-              <a:t>in</a:t>
-            </a:r>
-            <a:r>
-              <a:rPr lang="en-US" dirty="0">
-                <a:latin typeface="Georgia" panose="02040502050405020303" charset="0"/>
-                <a:cs typeface="Georgia" panose="02040502050405020303" charset="0"/>
-              </a:rPr>
-              <a:t> × </a:t>
-            </a:r>
-            <a:r>
-              <a:rPr lang="en-US" dirty="0" err="1">
-                <a:latin typeface="Georgia" panose="02040502050405020303" charset="0"/>
-                <a:cs typeface="Georgia" panose="02040502050405020303" charset="0"/>
-              </a:rPr>
-              <a:t>N</a:t>
-            </a:r>
-            <a:r>
-              <a:rPr lang="en-US" baseline="-25000" dirty="0" err="1">
-                <a:latin typeface="Georgia" panose="02040502050405020303" charset="0"/>
-                <a:cs typeface="Georgia" panose="02040502050405020303" charset="0"/>
-              </a:rPr>
-              <a:t>out</a:t>
-            </a:r>
-            <a:r>
-              <a:rPr lang="en-US" dirty="0">
-                <a:latin typeface="Georgia" panose="02040502050405020303" charset="0"/>
-                <a:cs typeface="Georgia" panose="02040502050405020303" charset="0"/>
-              </a:rPr>
-              <a:t> filters and each filter has dimensions </a:t>
-            </a:r>
-            <a:r>
-              <a:rPr lang="en-US" dirty="0" err="1">
-                <a:latin typeface="Georgia" panose="02040502050405020303" charset="0"/>
-                <a:cs typeface="Georgia" panose="02040502050405020303" charset="0"/>
-              </a:rPr>
-              <a:t>f</a:t>
-            </a:r>
-            <a:r>
-              <a:rPr lang="en-US" baseline="-25000" dirty="0" err="1">
-                <a:latin typeface="Georgia" panose="02040502050405020303" charset="0"/>
-                <a:cs typeface="Georgia" panose="02040502050405020303" charset="0"/>
-              </a:rPr>
-              <a:t>size</a:t>
-            </a:r>
-            <a:r>
-              <a:rPr lang="en-US" dirty="0">
-                <a:latin typeface="Georgia" panose="02040502050405020303" charset="0"/>
-                <a:cs typeface="Georgia" panose="02040502050405020303" charset="0"/>
-              </a:rPr>
-              <a:t> × </a:t>
-            </a:r>
-            <a:r>
-              <a:rPr lang="en-US" dirty="0" err="1">
-                <a:latin typeface="Georgia" panose="02040502050405020303" charset="0"/>
-                <a:cs typeface="Georgia" panose="02040502050405020303" charset="0"/>
-              </a:rPr>
-              <a:t>f</a:t>
-            </a:r>
-            <a:r>
-              <a:rPr lang="en-US" baseline="-25000" dirty="0" err="1">
-                <a:latin typeface="Georgia" panose="02040502050405020303" charset="0"/>
-                <a:cs typeface="Georgia" panose="02040502050405020303" charset="0"/>
-              </a:rPr>
-              <a:t>size</a:t>
-            </a:r>
-            <a:r>
-              <a:rPr lang="en-US" dirty="0">
-                <a:latin typeface="Georgia" panose="02040502050405020303" charset="0"/>
-                <a:cs typeface="Georgia" panose="02040502050405020303" charset="0"/>
-              </a:rPr>
-              <a:t>. </a:t>
-            </a:r>
-          </a:p>
-          <a:p>
-            <a:endParaRPr lang="en-US" dirty="0">
+            <a:endParaRPr lang="en-US">
+              <a:solidFill>
+                <a:schemeClr val="bg2"/>
+              </a:solidFill>
               <a:latin typeface="Georgia" panose="02040502050405020303" charset="0"/>
               <a:cs typeface="Georgia" panose="02040502050405020303" charset="0"/>
             </a:endParaRPr>
-          </a:p>
-          <a:p>
-            <a:endParaRPr lang="en-US" dirty="0">
-              <a:latin typeface="Georgia" panose="02040502050405020303" charset="0"/>
-              <a:cs typeface="Georgia" panose="02040502050405020303" charset="0"/>
-            </a:endParaRPr>
-          </a:p>
-          <a:p>
-            <a:endParaRPr lang="en-US" dirty="0">
-              <a:latin typeface="Georgia" panose="02040502050405020303" charset="0"/>
-              <a:cs typeface="Georgia" panose="02040502050405020303" charset="0"/>
-            </a:endParaRPr>
-          </a:p>
-          <a:p>
-            <a:pPr marL="146050" indent="0">
-              <a:buNone/>
-            </a:pPr>
-            <a:endParaRPr lang="en-US" dirty="0">
-              <a:latin typeface="Georgia" panose="02040502050405020303" charset="0"/>
-              <a:cs typeface="Georgia" panose="02040502050405020303" charset="0"/>
-            </a:endParaRPr>
-          </a:p>
-          <a:p>
-            <a:r>
-              <a:rPr lang="en-US" dirty="0">
-                <a:latin typeface="Georgia" panose="02040502050405020303" charset="0"/>
-                <a:cs typeface="Georgia" panose="02040502050405020303" charset="0"/>
-                <a:sym typeface="+mn-ea"/>
-              </a:rPr>
-              <a:t>For each layer j, the hypernetwork receives a layer embedding </a:t>
-            </a:r>
-            <a:r>
-              <a:rPr lang="en-US" dirty="0" err="1">
-                <a:latin typeface="Georgia" panose="02040502050405020303" charset="0"/>
-                <a:cs typeface="Georgia" panose="02040502050405020303" charset="0"/>
-                <a:sym typeface="+mn-ea"/>
-              </a:rPr>
-              <a:t>z</a:t>
-            </a:r>
-            <a:r>
-              <a:rPr lang="en-US" baseline="30000" dirty="0" err="1">
-                <a:latin typeface="Georgia" panose="02040502050405020303" charset="0"/>
-                <a:cs typeface="Georgia" panose="02040502050405020303" charset="0"/>
-                <a:sym typeface="+mn-ea"/>
-              </a:rPr>
-              <a:t>j</a:t>
-            </a:r>
-            <a:r>
-              <a:rPr lang="en-US" dirty="0">
-                <a:latin typeface="Georgia" panose="02040502050405020303" charset="0"/>
-                <a:cs typeface="Georgia" panose="02040502050405020303" charset="0"/>
-                <a:sym typeface="+mn-ea"/>
-              </a:rPr>
-              <a:t> ∈ </a:t>
-            </a:r>
-            <a:r>
-              <a:rPr lang="en-US" dirty="0" err="1">
-                <a:latin typeface="Georgia" panose="02040502050405020303" charset="0"/>
-                <a:cs typeface="Georgia" panose="02040502050405020303" charset="0"/>
-                <a:sym typeface="+mn-ea"/>
-              </a:rPr>
-              <a:t>R</a:t>
-            </a:r>
-            <a:r>
-              <a:rPr lang="en-US" baseline="30000" dirty="0" err="1">
-                <a:latin typeface="Georgia" panose="02040502050405020303" charset="0"/>
-                <a:cs typeface="Georgia" panose="02040502050405020303" charset="0"/>
-                <a:sym typeface="+mn-ea"/>
-              </a:rPr>
-              <a:t>Nz</a:t>
-            </a:r>
-            <a:r>
-              <a:rPr lang="en-US" dirty="0">
-                <a:latin typeface="Georgia" panose="02040502050405020303" charset="0"/>
-                <a:cs typeface="Georgia" panose="02040502050405020303" charset="0"/>
-                <a:sym typeface="+mn-ea"/>
-              </a:rPr>
-              <a:t> as input and predicts </a:t>
-            </a:r>
-            <a:r>
-              <a:rPr lang="en-US" dirty="0" err="1">
-                <a:latin typeface="Georgia" panose="02040502050405020303" charset="0"/>
-                <a:cs typeface="Georgia" panose="02040502050405020303" charset="0"/>
-                <a:sym typeface="+mn-ea"/>
-              </a:rPr>
-              <a:t>K</a:t>
-            </a:r>
-            <a:r>
-              <a:rPr lang="en-US" baseline="30000" dirty="0" err="1">
-                <a:latin typeface="Georgia" panose="02040502050405020303" charset="0"/>
-                <a:cs typeface="Georgia" panose="02040502050405020303" charset="0"/>
-                <a:sym typeface="+mn-ea"/>
-              </a:rPr>
-              <a:t>j</a:t>
-            </a:r>
-            <a:r>
-              <a:rPr lang="en-US" dirty="0">
-                <a:latin typeface="Georgia" panose="02040502050405020303" charset="0"/>
-                <a:cs typeface="Georgia" panose="02040502050405020303" charset="0"/>
-                <a:sym typeface="+mn-ea"/>
-              </a:rPr>
-              <a:t>, which can be generally written as follows:</a:t>
-            </a:r>
-            <a:endParaRPr lang="en-US" dirty="0">
-              <a:latin typeface="Georgia" panose="02040502050405020303" charset="0"/>
-              <a:cs typeface="Georgia" panose="02040502050405020303" charset="0"/>
-            </a:endParaRPr>
-          </a:p>
-          <a:p>
-            <a:pPr marL="146050" indent="0">
-              <a:buNone/>
-            </a:pPr>
-            <a:r>
-              <a:rPr lang="en-US" dirty="0">
-                <a:latin typeface="Georgia" panose="02040502050405020303" charset="0"/>
-                <a:cs typeface="Georgia" panose="02040502050405020303" charset="0"/>
-                <a:sym typeface="+mn-ea"/>
-              </a:rPr>
-              <a:t>			</a:t>
-            </a:r>
-            <a:r>
-              <a:rPr lang="en-US" dirty="0" err="1">
-                <a:latin typeface="Georgia" panose="02040502050405020303" charset="0"/>
-                <a:cs typeface="Georgia" panose="02040502050405020303" charset="0"/>
-                <a:sym typeface="+mn-ea"/>
-              </a:rPr>
-              <a:t>K</a:t>
-            </a:r>
-            <a:r>
-              <a:rPr lang="en-US" baseline="30000" dirty="0" err="1">
-                <a:latin typeface="Georgia" panose="02040502050405020303" charset="0"/>
-                <a:cs typeface="Georgia" panose="02040502050405020303" charset="0"/>
-                <a:sym typeface="+mn-ea"/>
-              </a:rPr>
-              <a:t>j</a:t>
-            </a:r>
-            <a:r>
-              <a:rPr lang="en-US" dirty="0">
-                <a:latin typeface="Georgia" panose="02040502050405020303" charset="0"/>
-                <a:cs typeface="Georgia" panose="02040502050405020303" charset="0"/>
-                <a:sym typeface="+mn-ea"/>
-              </a:rPr>
-              <a:t> = g(</a:t>
-            </a:r>
-            <a:r>
-              <a:rPr lang="en-US" dirty="0" err="1">
-                <a:latin typeface="Georgia" panose="02040502050405020303" charset="0"/>
-                <a:cs typeface="Georgia" panose="02040502050405020303" charset="0"/>
-                <a:sym typeface="+mn-ea"/>
-              </a:rPr>
-              <a:t>z</a:t>
-            </a:r>
-            <a:r>
-              <a:rPr lang="en-US" baseline="30000" dirty="0" err="1">
-                <a:latin typeface="Georgia" panose="02040502050405020303" charset="0"/>
-                <a:cs typeface="Georgia" panose="02040502050405020303" charset="0"/>
-                <a:sym typeface="+mn-ea"/>
-              </a:rPr>
-              <a:t>j</a:t>
-            </a:r>
-            <a:r>
-              <a:rPr lang="en-US" dirty="0">
-                <a:latin typeface="Georgia" panose="02040502050405020303" charset="0"/>
-                <a:cs typeface="Georgia" panose="02040502050405020303" charset="0"/>
-                <a:sym typeface="+mn-ea"/>
-              </a:rPr>
-              <a:t> ), ∀j = 1, ..., D</a:t>
-            </a:r>
-            <a:endParaRPr lang="en-US" dirty="0">
-              <a:latin typeface="Georgia" panose="02040502050405020303" charset="0"/>
-              <a:cs typeface="Georgia" panose="02040502050405020303" charset="0"/>
-            </a:endParaRPr>
-          </a:p>
-          <a:p>
-            <a:endParaRPr lang="en-US">
-              <a:latin typeface="Georgia" panose="02040502050405020303" charset="0"/>
-              <a:cs typeface="Georgia" panose="02040502050405020303" charset="0"/>
-            </a:endParaRPr>
-          </a:p>
-          <a:p>
-            <a:pPr marL="146050" indent="0">
-              <a:buNone/>
-            </a:pPr>
-            <a:endParaRPr lang="en-US">
-              <a:latin typeface="Georgia" panose="02040502050405020303" charset="0"/>
-              <a:cs typeface="Georgia" panose="02040502050405020303" charset="0"/>
-            </a:endParaRPr>
-          </a:p>
-          <a:p>
-            <a:endParaRPr lang="en-US" dirty="0">
-              <a:latin typeface="Georgia" panose="02040502050405020303" charset="0"/>
-              <a:cs typeface="Georgia" panose="02040502050405020303" charset="0"/>
-            </a:endParaRPr>
-          </a:p>
-        </p:txBody>
-      </p:sp>
-      <p:grpSp>
-        <p:nvGrpSpPr>
-          <p:cNvPr id="14" name="Group 13"/>
-          <p:cNvGrpSpPr/>
-          <p:nvPr/>
-        </p:nvGrpSpPr>
-        <p:grpSpPr>
-          <a:xfrm>
-            <a:off x="2528570" y="1829435"/>
-            <a:ext cx="3120390" cy="695325"/>
-            <a:chOff x="4688" y="7405"/>
-            <a:chExt cx="4914" cy="1095"/>
-          </a:xfrm>
-        </p:grpSpPr>
-        <p:sp>
-          <p:nvSpPr>
-            <p:cNvPr id="6" name="Rectangles 5"/>
-            <p:cNvSpPr/>
-            <p:nvPr/>
-          </p:nvSpPr>
-          <p:spPr>
-            <a:xfrm>
-              <a:off x="4951" y="7405"/>
-              <a:ext cx="1222" cy="652"/>
-            </a:xfrm>
-            <a:prstGeom prst="rect">
-              <a:avLst/>
-            </a:prstGeom>
-          </p:spPr>
-          <p:style>
-            <a:lnRef idx="2">
-              <a:schemeClr val="accent6"/>
-            </a:lnRef>
-            <a:fillRef idx="1">
-              <a:schemeClr val="lt1"/>
-            </a:fillRef>
-            <a:effectRef idx="0">
-              <a:schemeClr val="accent6"/>
-            </a:effectRef>
-            <a:fontRef idx="minor">
-              <a:schemeClr val="dk1"/>
-            </a:fontRef>
-          </p:style>
-          <p:txBody>
-            <a:bodyPr rtlCol="0" anchor="ctr"/>
-            <a:lstStyle/>
-            <a:p>
-              <a:pPr algn="ctr"/>
-              <a:endParaRPr lang="en-US"/>
-            </a:p>
-          </p:txBody>
-        </p:sp>
-        <p:sp>
-          <p:nvSpPr>
-            <p:cNvPr id="7" name="Text Box 6"/>
-            <p:cNvSpPr txBox="1"/>
-            <p:nvPr/>
-          </p:nvSpPr>
-          <p:spPr>
-            <a:xfrm>
-              <a:off x="4688" y="8057"/>
-              <a:ext cx="1965" cy="434"/>
-            </a:xfrm>
-            <a:prstGeom prst="rect">
-              <a:avLst/>
-            </a:prstGeom>
-            <a:noFill/>
-          </p:spPr>
-          <p:txBody>
-            <a:bodyPr wrap="square" rtlCol="0">
-              <a:spAutoFit/>
-            </a:bodyPr>
-            <a:lstStyle/>
-            <a:p>
-              <a:r>
-                <a:rPr lang="en-US" sz="1200"/>
-                <a:t>N</a:t>
-              </a:r>
-              <a:r>
-                <a:rPr lang="en-US" sz="1200" baseline="-25000"/>
-                <a:t>in</a:t>
-              </a:r>
-              <a:r>
-                <a:rPr lang="en-US" sz="1200"/>
-                <a:t>.f</a:t>
-              </a:r>
-              <a:r>
-                <a:rPr lang="en-US" sz="1200" baseline="-25000"/>
-                <a:t>size</a:t>
-              </a:r>
-              <a:r>
-                <a:rPr lang="en-US" sz="1200"/>
-                <a:t>×N</a:t>
-              </a:r>
-              <a:r>
-                <a:rPr lang="en-US" sz="1200" baseline="-25000"/>
-                <a:t>out</a:t>
-              </a:r>
-              <a:r>
-                <a:rPr lang="en-US" sz="1200"/>
-                <a:t>f</a:t>
-              </a:r>
-              <a:r>
-                <a:rPr lang="en-US" sz="1200" baseline="-25000"/>
-                <a:t>size</a:t>
-              </a:r>
-              <a:r>
-                <a:rPr lang="en-US" sz="1200"/>
-                <a:t> </a:t>
-              </a:r>
-            </a:p>
-          </p:txBody>
-        </p:sp>
-        <p:sp>
-          <p:nvSpPr>
-            <p:cNvPr id="8" name="Text Box 7"/>
-            <p:cNvSpPr txBox="1"/>
-            <p:nvPr/>
-          </p:nvSpPr>
-          <p:spPr>
-            <a:xfrm>
-              <a:off x="5173" y="7477"/>
-              <a:ext cx="779" cy="580"/>
-            </a:xfrm>
-            <a:prstGeom prst="rect">
-              <a:avLst/>
-            </a:prstGeom>
-            <a:noFill/>
-          </p:spPr>
-          <p:txBody>
-            <a:bodyPr wrap="square" rtlCol="0">
-              <a:spAutoFit/>
-            </a:bodyPr>
-            <a:lstStyle/>
-            <a:p>
-              <a:r>
-                <a:rPr lang="en-US"/>
-                <a:t>K</a:t>
-              </a:r>
-              <a:r>
-                <a:rPr lang="en-US" baseline="30000"/>
-                <a:t>1</a:t>
-              </a:r>
-            </a:p>
-          </p:txBody>
-        </p:sp>
-        <p:sp>
-          <p:nvSpPr>
-            <p:cNvPr id="9" name="Text Box 8"/>
-            <p:cNvSpPr txBox="1"/>
-            <p:nvPr/>
-          </p:nvSpPr>
-          <p:spPr>
-            <a:xfrm>
-              <a:off x="6308" y="7405"/>
-              <a:ext cx="1424" cy="580"/>
-            </a:xfrm>
-            <a:prstGeom prst="rect">
-              <a:avLst/>
-            </a:prstGeom>
-            <a:noFill/>
-          </p:spPr>
-          <p:txBody>
-            <a:bodyPr wrap="square" rtlCol="0">
-              <a:spAutoFit/>
-            </a:bodyPr>
-            <a:lstStyle/>
-            <a:p>
-              <a:r>
-                <a:rPr lang="en-US"/>
-                <a:t>...........</a:t>
-              </a:r>
-            </a:p>
-          </p:txBody>
-        </p:sp>
-        <p:sp>
-          <p:nvSpPr>
-            <p:cNvPr id="10" name="Rectangles 9"/>
-            <p:cNvSpPr/>
-            <p:nvPr/>
-          </p:nvSpPr>
-          <p:spPr>
-            <a:xfrm>
-              <a:off x="7956" y="7405"/>
-              <a:ext cx="1086" cy="652"/>
-            </a:xfrm>
-            <a:prstGeom prst="rect">
-              <a:avLst/>
-            </a:prstGeom>
-          </p:spPr>
-          <p:style>
-            <a:lnRef idx="2">
-              <a:schemeClr val="accent6"/>
-            </a:lnRef>
-            <a:fillRef idx="1">
-              <a:schemeClr val="lt1"/>
-            </a:fillRef>
-            <a:effectRef idx="0">
-              <a:schemeClr val="accent6"/>
-            </a:effectRef>
-            <a:fontRef idx="minor">
-              <a:schemeClr val="dk1"/>
-            </a:fontRef>
-          </p:style>
-          <p:txBody>
-            <a:bodyPr rtlCol="0" anchor="ctr"/>
-            <a:lstStyle/>
-            <a:p>
-              <a:pPr algn="ctr"/>
-              <a:endParaRPr lang="en-US"/>
-            </a:p>
-          </p:txBody>
-        </p:sp>
-        <p:sp>
-          <p:nvSpPr>
-            <p:cNvPr id="11" name="Text Box 10"/>
-            <p:cNvSpPr txBox="1"/>
-            <p:nvPr/>
-          </p:nvSpPr>
-          <p:spPr>
-            <a:xfrm>
-              <a:off x="8110" y="7477"/>
-              <a:ext cx="779" cy="580"/>
-            </a:xfrm>
-            <a:prstGeom prst="rect">
-              <a:avLst/>
-            </a:prstGeom>
-            <a:noFill/>
-          </p:spPr>
-          <p:txBody>
-            <a:bodyPr wrap="square" rtlCol="0">
-              <a:spAutoFit/>
-            </a:bodyPr>
-            <a:lstStyle/>
-            <a:p>
-              <a:r>
-                <a:rPr lang="en-US"/>
-                <a:t>K</a:t>
-              </a:r>
-              <a:r>
-                <a:rPr lang="en-US" baseline="30000"/>
-                <a:t>D</a:t>
-              </a:r>
-            </a:p>
-          </p:txBody>
-        </p:sp>
-        <p:sp>
-          <p:nvSpPr>
-            <p:cNvPr id="12" name="Text Box 11"/>
-            <p:cNvSpPr txBox="1"/>
-            <p:nvPr/>
-          </p:nvSpPr>
-          <p:spPr>
-            <a:xfrm>
-              <a:off x="7732" y="8066"/>
-              <a:ext cx="1870" cy="434"/>
-            </a:xfrm>
-            <a:prstGeom prst="rect">
-              <a:avLst/>
-            </a:prstGeom>
-            <a:noFill/>
-          </p:spPr>
-          <p:txBody>
-            <a:bodyPr wrap="square" rtlCol="0">
-              <a:spAutoFit/>
-            </a:bodyPr>
-            <a:lstStyle/>
-            <a:p>
-              <a:r>
-                <a:rPr lang="en-US" sz="1200"/>
-                <a:t>N</a:t>
-              </a:r>
-              <a:r>
-                <a:rPr lang="en-US" sz="1200" baseline="-25000"/>
-                <a:t>in</a:t>
-              </a:r>
-              <a:r>
-                <a:rPr lang="en-US" sz="1200"/>
-                <a:t>.f</a:t>
-              </a:r>
-              <a:r>
-                <a:rPr lang="en-US" sz="1200" baseline="-25000"/>
-                <a:t>size</a:t>
-              </a:r>
-              <a:r>
-                <a:rPr lang="en-US" sz="1200"/>
-                <a:t>×N</a:t>
-              </a:r>
-              <a:r>
-                <a:rPr lang="en-US" sz="1200" baseline="-25000"/>
-                <a:t>out</a:t>
-              </a:r>
-              <a:r>
-                <a:rPr lang="en-US" sz="1200"/>
-                <a:t>f</a:t>
-              </a:r>
-              <a:r>
-                <a:rPr lang="en-US" sz="1200" baseline="-25000"/>
-                <a:t>size</a:t>
-              </a:r>
-              <a:r>
-                <a:rPr lang="en-US" sz="1200"/>
-                <a:t> </a:t>
-              </a:r>
-            </a:p>
-          </p:txBody>
-        </p:sp>
-      </p:grpSp>
-      <p:pic>
-        <p:nvPicPr>
-          <p:cNvPr id="4" name="Content Placeholder 9"/>
-          <p:cNvPicPr>
-            <a:picLocks noChangeAspect="1"/>
-          </p:cNvPicPr>
-          <p:nvPr/>
-        </p:nvPicPr>
-        <p:blipFill>
-          <a:blip r:embed="rId2"/>
-          <a:stretch>
-            <a:fillRect/>
-          </a:stretch>
-        </p:blipFill>
-        <p:spPr>
-          <a:xfrm>
-            <a:off x="1118235" y="3480435"/>
-            <a:ext cx="6114415" cy="1088390"/>
-          </a:xfrm>
-          <a:prstGeom prst="rect">
-            <a:avLst/>
-          </a:prstGeom>
-          <a:noFill/>
-          <a:ln w="9525">
-            <a:noFill/>
-          </a:ln>
-        </p:spPr>
-      </p:pic>
-    </p:spTree>
-  </p:cSld>
-  <p:clrMapOvr>
-    <a:masterClrMapping/>
-  </p:clrMapOvr>
-</p:sld>
-</file>
-
-<file path=ppt/slides/slide15.xml><?xml version="1.0" encoding="utf-8"?>
-<p:sld xmlns:a="http://schemas.openxmlformats.org/drawingml/2006/main" xmlns:r="http://schemas.openxmlformats.org/officeDocument/2006/relationships" xmlns:p="http://schemas.openxmlformats.org/presentationml/2006/main">
-  <p:cSld>
-    <p:spTree>
-      <p:nvGrpSpPr>
-        <p:cNvPr id="1" name="Shape 342"/>
-        <p:cNvGrpSpPr/>
-        <p:nvPr/>
-      </p:nvGrpSpPr>
-      <p:grpSpPr>
-        <a:xfrm>
-          <a:off x="0" y="0"/>
-          <a:ext cx="0" cy="0"/>
-          <a:chOff x="0" y="0"/>
-          <a:chExt cx="0" cy="0"/>
-        </a:xfrm>
-      </p:grpSpPr>
-      <p:sp>
-        <p:nvSpPr>
-          <p:cNvPr id="343" name="Google Shape;343;p24"/>
-          <p:cNvSpPr txBox="1">
-            <a:spLocks noGrp="1"/>
-          </p:cNvSpPr>
-          <p:nvPr>
-            <p:ph type="title"/>
-          </p:nvPr>
-        </p:nvSpPr>
-        <p:spPr>
-          <a:xfrm>
-            <a:off x="1303800" y="598575"/>
-            <a:ext cx="7030500" cy="999300"/>
-          </a:xfrm>
-          <a:prstGeom prst="rect">
-            <a:avLst/>
-          </a:prstGeom>
-        </p:spPr>
-        <p:txBody>
-          <a:bodyPr spcFirstLastPara="1" wrap="square" lIns="91425" tIns="91425" rIns="91425" bIns="91425" anchor="t" anchorCtr="0">
-            <a:noAutofit/>
-          </a:bodyPr>
-          <a:lstStyle/>
-          <a:p>
-            <a:pPr marL="0" lvl="0" indent="0" algn="l" rtl="0">
-              <a:spcBef>
-                <a:spcPts val="0"/>
-              </a:spcBef>
-              <a:spcAft>
-                <a:spcPts val="0"/>
-              </a:spcAft>
-              <a:buNone/>
-            </a:pPr>
-            <a:endParaRPr/>
-          </a:p>
-        </p:txBody>
-      </p:sp>
-      <p:sp>
-        <p:nvSpPr>
-          <p:cNvPr id="344" name="Google Shape;344;p24"/>
-          <p:cNvSpPr txBox="1">
-            <a:spLocks noGrp="1"/>
-          </p:cNvSpPr>
-          <p:nvPr>
-            <p:ph type="body" idx="1"/>
-          </p:nvPr>
-        </p:nvSpPr>
-        <p:spPr>
-          <a:xfrm>
-            <a:off x="1303655" y="1778000"/>
-            <a:ext cx="7030720" cy="2753995"/>
-          </a:xfrm>
-          <a:prstGeom prst="rect">
-            <a:avLst/>
-          </a:prstGeom>
-        </p:spPr>
-        <p:txBody>
-          <a:bodyPr spcFirstLastPara="1" wrap="square" lIns="91425" tIns="91425" rIns="91425" bIns="91425" anchor="t" anchorCtr="0">
-            <a:noAutofit/>
-          </a:bodyPr>
-          <a:lstStyle/>
-          <a:p>
-            <a:pPr marL="0" lvl="0" indent="0" algn="l" rtl="0">
-              <a:spcBef>
-                <a:spcPts val="0"/>
-              </a:spcBef>
-              <a:spcAft>
-                <a:spcPts val="1600"/>
-              </a:spcAft>
-              <a:buNone/>
-            </a:pPr>
-            <a:endParaRPr/>
-          </a:p>
-        </p:txBody>
-      </p:sp>
-    </p:spTree>
-  </p:cSld>
-  <p:clrMapOvr>
-    <a:masterClrMapping/>
-  </p:clrMapOvr>
-</p:sld>
-</file>
-
-<file path=ppt/slides/slide16.xml><?xml version="1.0" encoding="utf-8"?>
-<p:sld xmlns:a="http://schemas.openxmlformats.org/drawingml/2006/main" xmlns:r="http://schemas.openxmlformats.org/officeDocument/2006/relationships" xmlns:p="http://schemas.openxmlformats.org/presentationml/2006/main">
-  <p:cSld>
-    <p:spTree>
-      <p:nvGrpSpPr>
-        <p:cNvPr id="1" name="Shape 348"/>
-        <p:cNvGrpSpPr/>
-        <p:nvPr/>
-      </p:nvGrpSpPr>
-      <p:grpSpPr>
-        <a:xfrm>
-          <a:off x="0" y="0"/>
-          <a:ext cx="0" cy="0"/>
-          <a:chOff x="0" y="0"/>
-          <a:chExt cx="0" cy="0"/>
-        </a:xfrm>
-      </p:grpSpPr>
-      <p:sp>
-        <p:nvSpPr>
-          <p:cNvPr id="349" name="Google Shape;349;p25"/>
-          <p:cNvSpPr txBox="1">
-            <a:spLocks noGrp="1"/>
-          </p:cNvSpPr>
-          <p:nvPr>
-            <p:ph type="title"/>
-          </p:nvPr>
-        </p:nvSpPr>
-        <p:spPr>
-          <a:xfrm>
-            <a:off x="1303800" y="598575"/>
-            <a:ext cx="7030500" cy="999300"/>
-          </a:xfrm>
-          <a:prstGeom prst="rect">
-            <a:avLst/>
-          </a:prstGeom>
-        </p:spPr>
-        <p:txBody>
-          <a:bodyPr spcFirstLastPara="1" wrap="square" lIns="91425" tIns="91425" rIns="91425" bIns="91425" anchor="t" anchorCtr="0">
-            <a:noAutofit/>
-          </a:bodyPr>
-          <a:lstStyle/>
-          <a:p>
-            <a:pPr marL="0" lvl="0" indent="0" algn="l" rtl="0">
-              <a:spcBef>
-                <a:spcPts val="0"/>
-              </a:spcBef>
-              <a:spcAft>
-                <a:spcPts val="0"/>
-              </a:spcAft>
-              <a:buNone/>
-            </a:pPr>
-            <a:endParaRPr/>
-          </a:p>
-        </p:txBody>
-      </p:sp>
-      <p:sp>
-        <p:nvSpPr>
-          <p:cNvPr id="350" name="Google Shape;350;p25"/>
-          <p:cNvSpPr txBox="1">
-            <a:spLocks noGrp="1"/>
-          </p:cNvSpPr>
-          <p:nvPr>
-            <p:ph type="body" idx="1"/>
-          </p:nvPr>
-        </p:nvSpPr>
-        <p:spPr>
-          <a:xfrm>
-            <a:off x="1303800" y="1990050"/>
-            <a:ext cx="7030500" cy="2541600"/>
-          </a:xfrm>
-          <a:prstGeom prst="rect">
-            <a:avLst/>
-          </a:prstGeom>
-        </p:spPr>
-        <p:txBody>
-          <a:bodyPr spcFirstLastPara="1" wrap="square" lIns="91425" tIns="91425" rIns="91425" bIns="91425" anchor="t" anchorCtr="0">
-            <a:noAutofit/>
-          </a:bodyPr>
-          <a:lstStyle/>
-          <a:p>
-            <a:pPr marL="0" lvl="0" indent="0" algn="l" rtl="0">
-              <a:spcBef>
-                <a:spcPts val="0"/>
-              </a:spcBef>
-              <a:spcAft>
-                <a:spcPts val="1600"/>
-              </a:spcAft>
-              <a:buNone/>
-            </a:pPr>
-            <a:endParaRPr/>
-          </a:p>
-        </p:txBody>
-      </p:sp>
-    </p:spTree>
-  </p:cSld>
-  <p:clrMapOvr>
-    <a:masterClrMapping/>
-  </p:clrMapOvr>
-</p:sld>
-</file>
-
-<file path=ppt/slides/slide17.xml><?xml version="1.0" encoding="utf-8"?>
-<p:sld xmlns:a="http://schemas.openxmlformats.org/drawingml/2006/main" xmlns:r="http://schemas.openxmlformats.org/officeDocument/2006/relationships" xmlns:p="http://schemas.openxmlformats.org/presentationml/2006/main">
-  <p:cSld>
-    <p:spTree>
-      <p:nvGrpSpPr>
-        <p:cNvPr id="1" name="Shape 354"/>
-        <p:cNvGrpSpPr/>
-        <p:nvPr/>
-      </p:nvGrpSpPr>
-      <p:grpSpPr>
-        <a:xfrm>
-          <a:off x="0" y="0"/>
-          <a:ext cx="0" cy="0"/>
-          <a:chOff x="0" y="0"/>
-          <a:chExt cx="0" cy="0"/>
-        </a:xfrm>
-      </p:grpSpPr>
-      <p:sp>
-        <p:nvSpPr>
-          <p:cNvPr id="355" name="Google Shape;355;p26"/>
-          <p:cNvSpPr txBox="1">
-            <a:spLocks noGrp="1"/>
-          </p:cNvSpPr>
-          <p:nvPr>
-            <p:ph type="title"/>
-          </p:nvPr>
-        </p:nvSpPr>
-        <p:spPr>
-          <a:xfrm>
-            <a:off x="1303800" y="598575"/>
-            <a:ext cx="7030500" cy="999300"/>
-          </a:xfrm>
-          <a:prstGeom prst="rect">
-            <a:avLst/>
-          </a:prstGeom>
-        </p:spPr>
-        <p:txBody>
-          <a:bodyPr spcFirstLastPara="1" wrap="square" lIns="91425" tIns="91425" rIns="91425" bIns="91425" anchor="t" anchorCtr="0">
-            <a:noAutofit/>
-          </a:bodyPr>
-          <a:lstStyle/>
-          <a:p>
-            <a:pPr marL="0" lvl="0" indent="0" algn="l" rtl="0">
-              <a:spcBef>
-                <a:spcPts val="0"/>
-              </a:spcBef>
-              <a:spcAft>
-                <a:spcPts val="0"/>
-              </a:spcAft>
-              <a:buNone/>
-            </a:pPr>
-            <a:endParaRPr/>
-          </a:p>
-        </p:txBody>
-      </p:sp>
-      <p:sp>
-        <p:nvSpPr>
-          <p:cNvPr id="356" name="Google Shape;356;p26"/>
-          <p:cNvSpPr txBox="1">
-            <a:spLocks noGrp="1"/>
-          </p:cNvSpPr>
-          <p:nvPr>
-            <p:ph type="body" idx="1"/>
-          </p:nvPr>
-        </p:nvSpPr>
-        <p:spPr>
-          <a:xfrm>
-            <a:off x="1303800" y="1990050"/>
-            <a:ext cx="7030500" cy="2541600"/>
-          </a:xfrm>
-          <a:prstGeom prst="rect">
-            <a:avLst/>
-          </a:prstGeom>
-        </p:spPr>
-        <p:txBody>
-          <a:bodyPr spcFirstLastPara="1" wrap="square" lIns="91425" tIns="91425" rIns="91425" bIns="91425" anchor="t" anchorCtr="0">
-            <a:noAutofit/>
-          </a:bodyPr>
-          <a:lstStyle/>
-          <a:p>
-            <a:pPr marL="0" lvl="0" indent="0" algn="l" rtl="0">
-              <a:spcBef>
-                <a:spcPts val="0"/>
-              </a:spcBef>
-              <a:spcAft>
-                <a:spcPts val="1600"/>
-              </a:spcAft>
-              <a:buNone/>
-            </a:pPr>
-            <a:endParaRPr/>
-          </a:p>
-        </p:txBody>
-      </p:sp>
-    </p:spTree>
-  </p:cSld>
-  <p:clrMapOvr>
-    <a:masterClrMapping/>
-  </p:clrMapOvr>
-</p:sld>
-</file>
-
-<file path=ppt/slides/slide18.xml><?xml version="1.0" encoding="utf-8"?>
-<p:sld xmlns:a="http://schemas.openxmlformats.org/drawingml/2006/main" xmlns:r="http://schemas.openxmlformats.org/officeDocument/2006/relationships" xmlns:p="http://schemas.openxmlformats.org/presentationml/2006/main">
-  <p:cSld>
-    <p:spTree>
-      <p:nvGrpSpPr>
-        <p:cNvPr id="1" name="Shape 360"/>
-        <p:cNvGrpSpPr/>
-        <p:nvPr/>
-      </p:nvGrpSpPr>
-      <p:grpSpPr>
-        <a:xfrm>
-          <a:off x="0" y="0"/>
-          <a:ext cx="0" cy="0"/>
-          <a:chOff x="0" y="0"/>
-          <a:chExt cx="0" cy="0"/>
-        </a:xfrm>
-      </p:grpSpPr>
-      <p:sp>
-        <p:nvSpPr>
-          <p:cNvPr id="361" name="Google Shape;361;p27"/>
-          <p:cNvSpPr txBox="1">
-            <a:spLocks noGrp="1"/>
-          </p:cNvSpPr>
-          <p:nvPr>
-            <p:ph type="title"/>
-          </p:nvPr>
-        </p:nvSpPr>
-        <p:spPr>
-          <a:xfrm>
-            <a:off x="1303800" y="598575"/>
-            <a:ext cx="7030500" cy="999300"/>
-          </a:xfrm>
-          <a:prstGeom prst="rect">
-            <a:avLst/>
-          </a:prstGeom>
-        </p:spPr>
-        <p:txBody>
-          <a:bodyPr spcFirstLastPara="1" wrap="square" lIns="91425" tIns="91425" rIns="91425" bIns="91425" anchor="t" anchorCtr="0">
-            <a:noAutofit/>
-          </a:bodyPr>
-          <a:lstStyle/>
-          <a:p>
-            <a:pPr marL="0" lvl="0" indent="0" algn="l" rtl="0">
-              <a:spcBef>
-                <a:spcPts val="0"/>
-              </a:spcBef>
-              <a:spcAft>
-                <a:spcPts val="0"/>
-              </a:spcAft>
-              <a:buNone/>
-            </a:pPr>
-            <a:endParaRPr/>
-          </a:p>
-        </p:txBody>
-      </p:sp>
-      <p:sp>
-        <p:nvSpPr>
-          <p:cNvPr id="362" name="Google Shape;362;p27"/>
-          <p:cNvSpPr txBox="1">
-            <a:spLocks noGrp="1"/>
-          </p:cNvSpPr>
-          <p:nvPr>
-            <p:ph type="body" idx="1"/>
-          </p:nvPr>
-        </p:nvSpPr>
-        <p:spPr>
-          <a:xfrm>
-            <a:off x="1303800" y="1990050"/>
-            <a:ext cx="7030500" cy="2541600"/>
-          </a:xfrm>
-          <a:prstGeom prst="rect">
-            <a:avLst/>
-          </a:prstGeom>
-        </p:spPr>
-        <p:txBody>
-          <a:bodyPr spcFirstLastPara="1" wrap="square" lIns="91425" tIns="91425" rIns="91425" bIns="91425" anchor="t" anchorCtr="0">
-            <a:noAutofit/>
-          </a:bodyPr>
-          <a:lstStyle/>
-          <a:p>
-            <a:pPr marL="0" lvl="0" indent="0" algn="l" rtl="0">
-              <a:spcBef>
-                <a:spcPts val="0"/>
-              </a:spcBef>
-              <a:spcAft>
-                <a:spcPts val="1600"/>
-              </a:spcAft>
-              <a:buNone/>
-            </a:pPr>
-            <a:endParaRPr/>
-          </a:p>
-        </p:txBody>
-      </p:sp>
-    </p:spTree>
-  </p:cSld>
-  <p:clrMapOvr>
-    <a:masterClrMapping/>
-  </p:clrMapOvr>
-</p:sld>
-</file>
-
-<file path=ppt/slides/slide19.xml><?xml version="1.0" encoding="utf-8"?>
-<p:sld xmlns:a="http://schemas.openxmlformats.org/drawingml/2006/main" xmlns:r="http://schemas.openxmlformats.org/officeDocument/2006/relationships" xmlns:p="http://schemas.openxmlformats.org/presentationml/2006/main">
-  <p:cSld>
-    <p:spTree>
-      <p:nvGrpSpPr>
-        <p:cNvPr id="1" name="Shape 366"/>
-        <p:cNvGrpSpPr/>
-        <p:nvPr/>
-      </p:nvGrpSpPr>
-      <p:grpSpPr>
-        <a:xfrm>
-          <a:off x="0" y="0"/>
-          <a:ext cx="0" cy="0"/>
-          <a:chOff x="0" y="0"/>
-          <a:chExt cx="0" cy="0"/>
-        </a:xfrm>
-      </p:grpSpPr>
-      <p:sp>
-        <p:nvSpPr>
-          <p:cNvPr id="367" name="Google Shape;367;p28"/>
-          <p:cNvSpPr txBox="1">
-            <a:spLocks noGrp="1"/>
-          </p:cNvSpPr>
-          <p:nvPr>
-            <p:ph type="title"/>
-          </p:nvPr>
-        </p:nvSpPr>
-        <p:spPr>
-          <a:xfrm>
-            <a:off x="1303800" y="598575"/>
-            <a:ext cx="7030500" cy="999300"/>
-          </a:xfrm>
-          <a:prstGeom prst="rect">
-            <a:avLst/>
-          </a:prstGeom>
-        </p:spPr>
-        <p:txBody>
-          <a:bodyPr spcFirstLastPara="1" wrap="square" lIns="91425" tIns="91425" rIns="91425" bIns="91425" anchor="t" anchorCtr="0">
-            <a:noAutofit/>
-          </a:bodyPr>
-          <a:lstStyle/>
-          <a:p>
-            <a:pPr marL="0" lvl="0" indent="0" algn="l" rtl="0">
-              <a:spcBef>
-                <a:spcPts val="0"/>
-              </a:spcBef>
-              <a:spcAft>
-                <a:spcPts val="0"/>
-              </a:spcAft>
-              <a:buNone/>
-            </a:pPr>
-            <a:endParaRPr/>
-          </a:p>
-        </p:txBody>
-      </p:sp>
-      <p:sp>
-        <p:nvSpPr>
-          <p:cNvPr id="368" name="Google Shape;368;p28"/>
-          <p:cNvSpPr txBox="1">
-            <a:spLocks noGrp="1"/>
-          </p:cNvSpPr>
-          <p:nvPr>
-            <p:ph type="body" idx="1"/>
-          </p:nvPr>
-        </p:nvSpPr>
-        <p:spPr>
-          <a:xfrm>
-            <a:off x="1303800" y="1990050"/>
-            <a:ext cx="7030500" cy="2541600"/>
-          </a:xfrm>
-          <a:prstGeom prst="rect">
-            <a:avLst/>
-          </a:prstGeom>
-        </p:spPr>
-        <p:txBody>
-          <a:bodyPr spcFirstLastPara="1" wrap="square" lIns="91425" tIns="91425" rIns="91425" bIns="91425" anchor="t" anchorCtr="0">
-            <a:noAutofit/>
-          </a:bodyPr>
-          <a:lstStyle/>
-          <a:p>
-            <a:pPr marL="0" lvl="0" indent="0" algn="l" rtl="0">
-              <a:spcBef>
-                <a:spcPts val="0"/>
-              </a:spcBef>
-              <a:spcAft>
-                <a:spcPts val="1600"/>
-              </a:spcAft>
-              <a:buNone/>
-            </a:pPr>
-            <a:endParaRPr/>
           </a:p>
         </p:txBody>
       </p:sp>
@@ -20255,6 +18190,10 @@
               </a:rPr>
               <a:t>Outline</a:t>
             </a:r>
+            <a:endParaRPr lang="en-US" dirty="0">
+              <a:latin typeface="Georgia" panose="02040502050405020303" charset="0"/>
+              <a:cs typeface="Georgia" panose="02040502050405020303" charset="0"/>
+            </a:endParaRPr>
           </a:p>
         </p:txBody>
       </p:sp>
@@ -20303,6 +18242,10 @@
               </a:rPr>
               <a:t>INTRODUCTION</a:t>
             </a:r>
+            <a:endParaRPr lang="en-US" dirty="0">
+              <a:latin typeface="Georgia" panose="02040502050405020303" charset="0"/>
+              <a:cs typeface="Georgia" panose="02040502050405020303" charset="0"/>
+            </a:endParaRPr>
           </a:p>
           <a:p>
             <a:pPr marL="400050" lvl="0" indent="-400050" algn="l" rtl="0">
@@ -20325,6 +18268,10 @@
               </a:rPr>
               <a:t>MOTIVATION</a:t>
             </a:r>
+            <a:endParaRPr lang="en-US" dirty="0">
+              <a:latin typeface="Georgia" panose="02040502050405020303" charset="0"/>
+              <a:cs typeface="Georgia" panose="02040502050405020303" charset="0"/>
+            </a:endParaRPr>
           </a:p>
           <a:p>
             <a:pPr marL="400050" lvl="0" indent="-400050" algn="l" rtl="0">
@@ -20347,6 +18294,10 @@
               </a:rPr>
               <a:t>PROBLEM STATEMENT</a:t>
             </a:r>
+            <a:endParaRPr lang="en-US" dirty="0">
+              <a:latin typeface="Georgia" panose="02040502050405020303" charset="0"/>
+              <a:cs typeface="Georgia" panose="02040502050405020303" charset="0"/>
+            </a:endParaRPr>
           </a:p>
           <a:p>
             <a:pPr marL="400050" lvl="0" indent="-400050" algn="l" rtl="0">
@@ -20369,6 +18320,10 @@
               </a:rPr>
               <a:t>OBJECTIVES</a:t>
             </a:r>
+            <a:endParaRPr lang="en-US" dirty="0">
+              <a:latin typeface="Georgia" panose="02040502050405020303" charset="0"/>
+              <a:cs typeface="Georgia" panose="02040502050405020303" charset="0"/>
+            </a:endParaRPr>
           </a:p>
           <a:p>
             <a:pPr marL="400050" lvl="0" indent="-400050" algn="l" rtl="0">
@@ -20391,6 +18346,10 @@
               </a:rPr>
               <a:t>LITERATURE SURVEY</a:t>
             </a:r>
+            <a:endParaRPr lang="en-US" dirty="0">
+              <a:latin typeface="Georgia" panose="02040502050405020303" charset="0"/>
+              <a:cs typeface="Georgia" panose="02040502050405020303" charset="0"/>
+            </a:endParaRPr>
           </a:p>
           <a:p>
             <a:pPr marL="400050" lvl="0" indent="-400050" algn="l" rtl="0">
@@ -20413,6 +18372,10 @@
               </a:rPr>
               <a:t>PROPOSED METHODOLOGY</a:t>
             </a:r>
+            <a:endParaRPr lang="en-US" dirty="0">
+              <a:latin typeface="Georgia" panose="02040502050405020303" charset="0"/>
+              <a:cs typeface="Georgia" panose="02040502050405020303" charset="0"/>
+            </a:endParaRPr>
           </a:p>
           <a:p>
             <a:pPr marL="400050" lvl="0" indent="-400050" algn="l" rtl="0">
@@ -20435,6 +18398,10 @@
               </a:rPr>
               <a:t>REQUIREMENT ANALYSIS</a:t>
             </a:r>
+            <a:endParaRPr lang="en-US" dirty="0">
+              <a:latin typeface="Georgia" panose="02040502050405020303" charset="0"/>
+              <a:cs typeface="Georgia" panose="02040502050405020303" charset="0"/>
+            </a:endParaRPr>
           </a:p>
           <a:p>
             <a:pPr marL="400050" lvl="0" indent="-400050" algn="l" rtl="0">
@@ -20457,511 +18424,10 @@
               </a:rPr>
               <a:t>REFERENCES</a:t>
             </a:r>
-          </a:p>
-        </p:txBody>
-      </p:sp>
-    </p:spTree>
-  </p:cSld>
-  <p:clrMapOvr>
-    <a:masterClrMapping/>
-  </p:clrMapOvr>
-</p:sld>
-</file>
-
-<file path=ppt/slides/slide20.xml><?xml version="1.0" encoding="utf-8"?>
-<p:sld xmlns:a="http://schemas.openxmlformats.org/drawingml/2006/main" xmlns:r="http://schemas.openxmlformats.org/officeDocument/2006/relationships" xmlns:p="http://schemas.openxmlformats.org/presentationml/2006/main">
-  <p:cSld>
-    <p:spTree>
-      <p:nvGrpSpPr>
-        <p:cNvPr id="1" name="Shape 372"/>
-        <p:cNvGrpSpPr/>
-        <p:nvPr/>
-      </p:nvGrpSpPr>
-      <p:grpSpPr>
-        <a:xfrm>
-          <a:off x="0" y="0"/>
-          <a:ext cx="0" cy="0"/>
-          <a:chOff x="0" y="0"/>
-          <a:chExt cx="0" cy="0"/>
-        </a:xfrm>
-      </p:grpSpPr>
-      <p:sp>
-        <p:nvSpPr>
-          <p:cNvPr id="373" name="Google Shape;373;p29"/>
-          <p:cNvSpPr txBox="1">
-            <a:spLocks noGrp="1"/>
-          </p:cNvSpPr>
-          <p:nvPr>
-            <p:ph type="title"/>
-          </p:nvPr>
-        </p:nvSpPr>
-        <p:spPr>
-          <a:xfrm>
-            <a:off x="1303800" y="598575"/>
-            <a:ext cx="7030500" cy="999300"/>
-          </a:xfrm>
-          <a:prstGeom prst="rect">
-            <a:avLst/>
-          </a:prstGeom>
-        </p:spPr>
-        <p:txBody>
-          <a:bodyPr spcFirstLastPara="1" wrap="square" lIns="91425" tIns="91425" rIns="91425" bIns="91425" anchor="t" anchorCtr="0">
-            <a:noAutofit/>
-          </a:bodyPr>
-          <a:lstStyle/>
-          <a:p>
-            <a:pPr marL="0" lvl="0" indent="0" algn="l" rtl="0">
-              <a:spcBef>
-                <a:spcPts val="0"/>
-              </a:spcBef>
-              <a:spcAft>
-                <a:spcPts val="0"/>
-              </a:spcAft>
-              <a:buNone/>
-            </a:pPr>
-            <a:endParaRPr/>
-          </a:p>
-        </p:txBody>
-      </p:sp>
-      <p:sp>
-        <p:nvSpPr>
-          <p:cNvPr id="374" name="Google Shape;374;p29"/>
-          <p:cNvSpPr txBox="1">
-            <a:spLocks noGrp="1"/>
-          </p:cNvSpPr>
-          <p:nvPr>
-            <p:ph type="body" idx="1"/>
-          </p:nvPr>
-        </p:nvSpPr>
-        <p:spPr>
-          <a:xfrm>
-            <a:off x="1303800" y="1990050"/>
-            <a:ext cx="7030500" cy="2541600"/>
-          </a:xfrm>
-          <a:prstGeom prst="rect">
-            <a:avLst/>
-          </a:prstGeom>
-        </p:spPr>
-        <p:txBody>
-          <a:bodyPr spcFirstLastPara="1" wrap="square" lIns="91425" tIns="91425" rIns="91425" bIns="91425" anchor="t" anchorCtr="0">
-            <a:noAutofit/>
-          </a:bodyPr>
-          <a:lstStyle/>
-          <a:p>
-            <a:pPr marL="0" lvl="0" indent="0" algn="l" rtl="0">
-              <a:spcBef>
-                <a:spcPts val="0"/>
-              </a:spcBef>
-              <a:spcAft>
-                <a:spcPts val="1600"/>
-              </a:spcAft>
-              <a:buNone/>
-            </a:pPr>
-            <a:endParaRPr/>
-          </a:p>
-        </p:txBody>
-      </p:sp>
-    </p:spTree>
-  </p:cSld>
-  <p:clrMapOvr>
-    <a:masterClrMapping/>
-  </p:clrMapOvr>
-</p:sld>
-</file>
-
-<file path=ppt/slides/slide21.xml><?xml version="1.0" encoding="utf-8"?>
-<p:sld xmlns:a="http://schemas.openxmlformats.org/drawingml/2006/main" xmlns:r="http://schemas.openxmlformats.org/officeDocument/2006/relationships" xmlns:p="http://schemas.openxmlformats.org/presentationml/2006/main">
-  <p:cSld>
-    <p:spTree>
-      <p:nvGrpSpPr>
-        <p:cNvPr id="1" name="Shape 378"/>
-        <p:cNvGrpSpPr/>
-        <p:nvPr/>
-      </p:nvGrpSpPr>
-      <p:grpSpPr>
-        <a:xfrm>
-          <a:off x="0" y="0"/>
-          <a:ext cx="0" cy="0"/>
-          <a:chOff x="0" y="0"/>
-          <a:chExt cx="0" cy="0"/>
-        </a:xfrm>
-      </p:grpSpPr>
-      <p:sp>
-        <p:nvSpPr>
-          <p:cNvPr id="379" name="Google Shape;379;p30"/>
-          <p:cNvSpPr txBox="1">
-            <a:spLocks noGrp="1"/>
-          </p:cNvSpPr>
-          <p:nvPr>
-            <p:ph type="title"/>
-          </p:nvPr>
-        </p:nvSpPr>
-        <p:spPr>
-          <a:xfrm>
-            <a:off x="1303800" y="598575"/>
-            <a:ext cx="7030500" cy="999300"/>
-          </a:xfrm>
-          <a:prstGeom prst="rect">
-            <a:avLst/>
-          </a:prstGeom>
-        </p:spPr>
-        <p:txBody>
-          <a:bodyPr spcFirstLastPara="1" wrap="square" lIns="91425" tIns="91425" rIns="91425" bIns="91425" anchor="t" anchorCtr="0">
-            <a:noAutofit/>
-          </a:bodyPr>
-          <a:lstStyle/>
-          <a:p>
-            <a:pPr marL="0" lvl="0" indent="0" algn="l" rtl="0">
-              <a:spcBef>
-                <a:spcPts val="0"/>
-              </a:spcBef>
-              <a:spcAft>
-                <a:spcPts val="0"/>
-              </a:spcAft>
-              <a:buNone/>
-            </a:pPr>
-            <a:endParaRPr/>
-          </a:p>
-        </p:txBody>
-      </p:sp>
-      <p:sp>
-        <p:nvSpPr>
-          <p:cNvPr id="380" name="Google Shape;380;p30"/>
-          <p:cNvSpPr txBox="1">
-            <a:spLocks noGrp="1"/>
-          </p:cNvSpPr>
-          <p:nvPr>
-            <p:ph type="body" idx="1"/>
-          </p:nvPr>
-        </p:nvSpPr>
-        <p:spPr>
-          <a:xfrm>
-            <a:off x="1303800" y="1990050"/>
-            <a:ext cx="7030500" cy="2541600"/>
-          </a:xfrm>
-          <a:prstGeom prst="rect">
-            <a:avLst/>
-          </a:prstGeom>
-        </p:spPr>
-        <p:txBody>
-          <a:bodyPr spcFirstLastPara="1" wrap="square" lIns="91425" tIns="91425" rIns="91425" bIns="91425" anchor="t" anchorCtr="0">
-            <a:noAutofit/>
-          </a:bodyPr>
-          <a:lstStyle/>
-          <a:p>
-            <a:pPr marL="0" lvl="0" indent="0" algn="l" rtl="0">
-              <a:spcBef>
-                <a:spcPts val="0"/>
-              </a:spcBef>
-              <a:spcAft>
-                <a:spcPts val="1600"/>
-              </a:spcAft>
-              <a:buNone/>
-            </a:pPr>
-            <a:endParaRPr/>
-          </a:p>
-        </p:txBody>
-      </p:sp>
-    </p:spTree>
-  </p:cSld>
-  <p:clrMapOvr>
-    <a:masterClrMapping/>
-  </p:clrMapOvr>
-</p:sld>
-</file>
-
-<file path=ppt/slides/slide22.xml><?xml version="1.0" encoding="utf-8"?>
-<p:sld xmlns:a="http://schemas.openxmlformats.org/drawingml/2006/main" xmlns:r="http://schemas.openxmlformats.org/officeDocument/2006/relationships" xmlns:p="http://schemas.openxmlformats.org/presentationml/2006/main">
-  <p:cSld>
-    <p:spTree>
-      <p:nvGrpSpPr>
-        <p:cNvPr id="1" name="Shape 384"/>
-        <p:cNvGrpSpPr/>
-        <p:nvPr/>
-      </p:nvGrpSpPr>
-      <p:grpSpPr>
-        <a:xfrm>
-          <a:off x="0" y="0"/>
-          <a:ext cx="0" cy="0"/>
-          <a:chOff x="0" y="0"/>
-          <a:chExt cx="0" cy="0"/>
-        </a:xfrm>
-      </p:grpSpPr>
-      <p:sp>
-        <p:nvSpPr>
-          <p:cNvPr id="385" name="Google Shape;385;p31"/>
-          <p:cNvSpPr txBox="1">
-            <a:spLocks noGrp="1"/>
-          </p:cNvSpPr>
-          <p:nvPr>
-            <p:ph type="title"/>
-          </p:nvPr>
-        </p:nvSpPr>
-        <p:spPr>
-          <a:xfrm>
-            <a:off x="1303800" y="598575"/>
-            <a:ext cx="7030500" cy="999300"/>
-          </a:xfrm>
-          <a:prstGeom prst="rect">
-            <a:avLst/>
-          </a:prstGeom>
-        </p:spPr>
-        <p:txBody>
-          <a:bodyPr spcFirstLastPara="1" wrap="square" lIns="91425" tIns="91425" rIns="91425" bIns="91425" anchor="t" anchorCtr="0">
-            <a:noAutofit/>
-          </a:bodyPr>
-          <a:lstStyle/>
-          <a:p>
-            <a:pPr marL="0" lvl="0" indent="0" algn="l" rtl="0">
-              <a:spcBef>
-                <a:spcPts val="0"/>
-              </a:spcBef>
-              <a:spcAft>
-                <a:spcPts val="0"/>
-              </a:spcAft>
-              <a:buNone/>
-            </a:pPr>
-            <a:endParaRPr/>
-          </a:p>
-        </p:txBody>
-      </p:sp>
-      <p:sp>
-        <p:nvSpPr>
-          <p:cNvPr id="386" name="Google Shape;386;p31"/>
-          <p:cNvSpPr txBox="1">
-            <a:spLocks noGrp="1"/>
-          </p:cNvSpPr>
-          <p:nvPr>
-            <p:ph type="body" idx="1"/>
-          </p:nvPr>
-        </p:nvSpPr>
-        <p:spPr>
-          <a:xfrm>
-            <a:off x="1303800" y="1990050"/>
-            <a:ext cx="7030500" cy="2541600"/>
-          </a:xfrm>
-          <a:prstGeom prst="rect">
-            <a:avLst/>
-          </a:prstGeom>
-        </p:spPr>
-        <p:txBody>
-          <a:bodyPr spcFirstLastPara="1" wrap="square" lIns="91425" tIns="91425" rIns="91425" bIns="91425" anchor="t" anchorCtr="0">
-            <a:noAutofit/>
-          </a:bodyPr>
-          <a:lstStyle/>
-          <a:p>
-            <a:pPr marL="0" lvl="0" indent="0" algn="l" rtl="0">
-              <a:spcBef>
-                <a:spcPts val="0"/>
-              </a:spcBef>
-              <a:spcAft>
-                <a:spcPts val="1600"/>
-              </a:spcAft>
-              <a:buNone/>
-            </a:pPr>
-            <a:endParaRPr/>
-          </a:p>
-        </p:txBody>
-      </p:sp>
-    </p:spTree>
-  </p:cSld>
-  <p:clrMapOvr>
-    <a:masterClrMapping/>
-  </p:clrMapOvr>
-</p:sld>
-</file>
-
-<file path=ppt/slides/slide23.xml><?xml version="1.0" encoding="utf-8"?>
-<p:sld xmlns:a="http://schemas.openxmlformats.org/drawingml/2006/main" xmlns:r="http://schemas.openxmlformats.org/officeDocument/2006/relationships" xmlns:p="http://schemas.openxmlformats.org/presentationml/2006/main">
-  <p:cSld>
-    <p:spTree>
-      <p:nvGrpSpPr>
-        <p:cNvPr id="1" name="Shape 390"/>
-        <p:cNvGrpSpPr/>
-        <p:nvPr/>
-      </p:nvGrpSpPr>
-      <p:grpSpPr>
-        <a:xfrm>
-          <a:off x="0" y="0"/>
-          <a:ext cx="0" cy="0"/>
-          <a:chOff x="0" y="0"/>
-          <a:chExt cx="0" cy="0"/>
-        </a:xfrm>
-      </p:grpSpPr>
-      <p:sp>
-        <p:nvSpPr>
-          <p:cNvPr id="391" name="Google Shape;391;p32"/>
-          <p:cNvSpPr txBox="1">
-            <a:spLocks noGrp="1"/>
-          </p:cNvSpPr>
-          <p:nvPr>
-            <p:ph type="title"/>
-          </p:nvPr>
-        </p:nvSpPr>
-        <p:spPr>
-          <a:xfrm>
-            <a:off x="1303800" y="598575"/>
-            <a:ext cx="7030500" cy="999300"/>
-          </a:xfrm>
-          <a:prstGeom prst="rect">
-            <a:avLst/>
-          </a:prstGeom>
-        </p:spPr>
-        <p:txBody>
-          <a:bodyPr spcFirstLastPara="1" wrap="square" lIns="91425" tIns="91425" rIns="91425" bIns="91425" anchor="t" anchorCtr="0">
-            <a:noAutofit/>
-          </a:bodyPr>
-          <a:lstStyle/>
-          <a:p>
-            <a:pPr marL="0" lvl="0" indent="0" algn="l" rtl="0">
-              <a:spcBef>
-                <a:spcPts val="0"/>
-              </a:spcBef>
-              <a:spcAft>
-                <a:spcPts val="0"/>
-              </a:spcAft>
-              <a:buNone/>
-            </a:pPr>
-            <a:endParaRPr/>
-          </a:p>
-        </p:txBody>
-      </p:sp>
-      <p:sp>
-        <p:nvSpPr>
-          <p:cNvPr id="392" name="Google Shape;392;p32"/>
-          <p:cNvSpPr txBox="1">
-            <a:spLocks noGrp="1"/>
-          </p:cNvSpPr>
-          <p:nvPr>
-            <p:ph type="body" idx="1"/>
-          </p:nvPr>
-        </p:nvSpPr>
-        <p:spPr>
-          <a:xfrm>
-            <a:off x="1303800" y="1990050"/>
-            <a:ext cx="7030500" cy="2541600"/>
-          </a:xfrm>
-          <a:prstGeom prst="rect">
-            <a:avLst/>
-          </a:prstGeom>
-        </p:spPr>
-        <p:txBody>
-          <a:bodyPr spcFirstLastPara="1" wrap="square" lIns="91425" tIns="91425" rIns="91425" bIns="91425" anchor="t" anchorCtr="0">
-            <a:noAutofit/>
-          </a:bodyPr>
-          <a:lstStyle/>
-          <a:p>
-            <a:pPr marL="0" lvl="0" indent="0" algn="l" rtl="0">
-              <a:spcBef>
-                <a:spcPts val="0"/>
-              </a:spcBef>
-              <a:spcAft>
-                <a:spcPts val="1600"/>
-              </a:spcAft>
-              <a:buNone/>
-            </a:pPr>
-            <a:endParaRPr/>
-          </a:p>
-        </p:txBody>
-      </p:sp>
-    </p:spTree>
-  </p:cSld>
-  <p:clrMapOvr>
-    <a:masterClrMapping/>
-  </p:clrMapOvr>
-</p:sld>
-</file>
-
-<file path=ppt/slides/slide24.xml><?xml version="1.0" encoding="utf-8"?>
-<p:sld xmlns:a="http://schemas.openxmlformats.org/drawingml/2006/main" xmlns:r="http://schemas.openxmlformats.org/officeDocument/2006/relationships" xmlns:p="http://schemas.openxmlformats.org/presentationml/2006/main">
-  <p:cSld>
-    <p:spTree>
-      <p:nvGrpSpPr>
-        <p:cNvPr id="1" name="Shape 396"/>
-        <p:cNvGrpSpPr/>
-        <p:nvPr/>
-      </p:nvGrpSpPr>
-      <p:grpSpPr>
-        <a:xfrm>
-          <a:off x="0" y="0"/>
-          <a:ext cx="0" cy="0"/>
-          <a:chOff x="0" y="0"/>
-          <a:chExt cx="0" cy="0"/>
-        </a:xfrm>
-      </p:grpSpPr>
-      <p:sp>
-        <p:nvSpPr>
-          <p:cNvPr id="397" name="Google Shape;397;p33"/>
-          <p:cNvSpPr txBox="1">
-            <a:spLocks noGrp="1"/>
-          </p:cNvSpPr>
-          <p:nvPr>
-            <p:ph type="title"/>
-          </p:nvPr>
-        </p:nvSpPr>
-        <p:spPr>
-          <a:xfrm>
-            <a:off x="1303800" y="598575"/>
-            <a:ext cx="7030500" cy="999300"/>
-          </a:xfrm>
-          <a:prstGeom prst="rect">
-            <a:avLst/>
-          </a:prstGeom>
-        </p:spPr>
-        <p:txBody>
-          <a:bodyPr spcFirstLastPara="1" wrap="square" lIns="91425" tIns="91425" rIns="91425" bIns="91425" anchor="t" anchorCtr="0">
-            <a:noAutofit/>
-          </a:bodyPr>
-          <a:lstStyle/>
-          <a:p>
-            <a:pPr marL="0" lvl="0" indent="0" algn="l" rtl="0">
-              <a:spcBef>
-                <a:spcPts val="0"/>
-              </a:spcBef>
-              <a:spcAft>
-                <a:spcPts val="0"/>
-              </a:spcAft>
-              <a:buNone/>
-            </a:pPr>
-            <a:endParaRPr/>
-          </a:p>
-        </p:txBody>
-      </p:sp>
-      <p:sp>
-        <p:nvSpPr>
-          <p:cNvPr id="398" name="Google Shape;398;p33"/>
-          <p:cNvSpPr txBox="1">
-            <a:spLocks noGrp="1"/>
-          </p:cNvSpPr>
-          <p:nvPr>
-            <p:ph type="body" idx="1"/>
-          </p:nvPr>
-        </p:nvSpPr>
-        <p:spPr>
-          <a:xfrm>
-            <a:off x="1303800" y="1990050"/>
-            <a:ext cx="7030500" cy="2541600"/>
-          </a:xfrm>
-          <a:prstGeom prst="rect">
-            <a:avLst/>
-          </a:prstGeom>
-        </p:spPr>
-        <p:txBody>
-          <a:bodyPr spcFirstLastPara="1" wrap="square" lIns="91425" tIns="91425" rIns="91425" bIns="91425" anchor="t" anchorCtr="0">
-            <a:noAutofit/>
-          </a:bodyPr>
-          <a:lstStyle/>
-          <a:p>
-            <a:pPr marL="0" lvl="0" indent="0" algn="l" rtl="0">
-              <a:spcBef>
-                <a:spcPts val="0"/>
-              </a:spcBef>
-              <a:spcAft>
-                <a:spcPts val="1600"/>
-              </a:spcAft>
-              <a:buNone/>
-            </a:pPr>
-            <a:endParaRPr/>
+            <a:endParaRPr lang="en-US" dirty="0">
+              <a:latin typeface="Georgia" panose="02040502050405020303" charset="0"/>
+              <a:cs typeface="Georgia" panose="02040502050405020303" charset="0"/>
+            </a:endParaRPr>
           </a:p>
         </p:txBody>
       </p:sp>
@@ -21034,6 +18500,13 @@
               </a:rPr>
               <a:t>Introduction</a:t>
             </a:r>
+            <a:endParaRPr lang="en-US" dirty="0">
+              <a:solidFill>
+                <a:schemeClr val="bg2"/>
+              </a:solidFill>
+              <a:latin typeface="Georgia" panose="02040502050405020303" charset="0"/>
+              <a:cs typeface="Georgia" panose="02040502050405020303" charset="0"/>
+            </a:endParaRPr>
           </a:p>
         </p:txBody>
       </p:sp>
@@ -21078,6 +18551,10 @@
               </a:rPr>
               <a:t>“Memes” are cultural inside jokes, a way of connecting with people across internet through instantly recognizable photos. They collect emotions, ideas and actions into an easy-to-translate format.</a:t>
             </a:r>
+            <a:endParaRPr lang="en-US" dirty="0">
+              <a:latin typeface="Georgia" panose="02040502050405020303" charset="0"/>
+              <a:cs typeface="Georgia" panose="02040502050405020303" charset="0"/>
+            </a:endParaRPr>
           </a:p>
           <a:p>
             <a:pPr marL="0" lvl="0" indent="0" algn="l" rtl="0">
@@ -21117,6 +18594,10 @@
               </a:rPr>
               <a:t> , communal sectors of society.  </a:t>
             </a:r>
+            <a:endParaRPr lang="en-US" dirty="0">
+              <a:latin typeface="Georgia" panose="02040502050405020303" charset="0"/>
+              <a:cs typeface="Georgia" panose="02040502050405020303" charset="0"/>
+            </a:endParaRPr>
           </a:p>
           <a:p>
             <a:pPr marL="0" lvl="0" indent="0" algn="l" rtl="0">
@@ -21168,7 +18649,7 @@
                 <a:latin typeface="Georgia" panose="02040502050405020303" charset="0"/>
                 <a:cs typeface="Georgia" panose="02040502050405020303" charset="0"/>
               </a:rPr>
-              <a:t> embedded </a:t>
+              <a:t>embedded </a:t>
             </a:r>
             <a:r>
               <a:rPr lang="en-US" b="1" dirty="0">
@@ -21242,6 +18723,10 @@
               </a:rPr>
               <a:t>: Interpretation of memes using multimodal models .</a:t>
             </a:r>
+            <a:endParaRPr lang="en-US" dirty="0">
+              <a:latin typeface="Georgia" panose="02040502050405020303" charset="0"/>
+              <a:cs typeface="Georgia" panose="02040502050405020303" charset="0"/>
+            </a:endParaRPr>
           </a:p>
           <a:p>
             <a:pPr marL="0" lvl="0" indent="0" algn="l" rtl="0">
@@ -21311,10 +18796,6 @@
           </p:nvPr>
         </p:nvSpPr>
         <p:spPr>
-          <a:xfrm>
-            <a:off x="1303800" y="598575"/>
-            <a:ext cx="7030500" cy="999300"/>
-          </a:xfrm>
           <a:prstGeom prst="rect">
             <a:avLst/>
           </a:prstGeom>
@@ -21341,16 +18822,184 @@
               </a:rPr>
               <a:t>Motivation</a:t>
             </a:r>
+            <a:endParaRPr lang="en-US" dirty="0">
+              <a:latin typeface="Georgia" panose="02040502050405020303" charset="0"/>
+              <a:cs typeface="Georgia" panose="02040502050405020303" charset="0"/>
+            </a:endParaRPr>
           </a:p>
         </p:txBody>
       </p:sp>
       <p:pic>
         <p:nvPicPr>
-          <p:cNvPr id="4" name="Picture 3"/>
+          <p:cNvPr id="2" name="Picture 1" descr="02891"/>
           <p:cNvPicPr>
             <a:picLocks noChangeAspect="1"/>
           </p:cNvPicPr>
           <p:nvPr/>
+        </p:nvPicPr>
+        <p:blipFill>
+          <a:blip r:embed="rId1"/>
+          <a:stretch>
+            <a:fillRect/>
+          </a:stretch>
+        </p:blipFill>
+        <p:spPr>
+          <a:xfrm>
+            <a:off x="244475" y="1017905"/>
+            <a:ext cx="2642870" cy="2020570"/>
+          </a:xfrm>
+          <a:prstGeom prst="rect">
+            <a:avLst/>
+          </a:prstGeom>
+        </p:spPr>
+      </p:pic>
+      <p:sp>
+        <p:nvSpPr>
+          <p:cNvPr id="5" name="Text Box 4"/>
+          <p:cNvSpPr txBox="1"/>
+          <p:nvPr/>
+        </p:nvSpPr>
+        <p:spPr>
+          <a:xfrm>
+            <a:off x="667385" y="3345180"/>
+            <a:ext cx="7808595" cy="1383665"/>
+          </a:xfrm>
+          <a:prstGeom prst="rect">
+            <a:avLst/>
+          </a:prstGeom>
+          <a:noFill/>
+        </p:spPr>
+        <p:txBody>
+          <a:bodyPr wrap="square" rtlCol="0">
+            <a:spAutoFit/>
+          </a:bodyPr>
+          <a:p>
+            <a:pPr marL="342900" lvl="0" indent="-342900">
+              <a:buFont typeface="Arial" panose="020B0604020202020204" pitchFamily="34" charset="0"/>
+              <a:buAutoNum type="arabicPeriod"/>
+            </a:pPr>
+            <a:endParaRPr lang="en-US">
+              <a:latin typeface="Georgia" panose="02040502050405020303" charset="0"/>
+              <a:cs typeface="Georgia" panose="02040502050405020303" charset="0"/>
+            </a:endParaRPr>
+          </a:p>
+          <a:p>
+            <a:pPr marL="342900" lvl="0" indent="-342900">
+              <a:buFont typeface="Arial" panose="020B0604020202020204" pitchFamily="34" charset="0"/>
+              <a:buAutoNum type="arabicPeriod"/>
+            </a:pPr>
+            <a:r>
+              <a:rPr lang="en-US">
+                <a:latin typeface="Georgia" panose="02040502050405020303" charset="0"/>
+                <a:cs typeface="Georgia" panose="02040502050405020303" charset="0"/>
+              </a:rPr>
+              <a:t>To prevent the spread of incorrect ideology.</a:t>
+            </a:r>
+            <a:endParaRPr lang="en-US">
+              <a:latin typeface="Georgia" panose="02040502050405020303" charset="0"/>
+              <a:cs typeface="Georgia" panose="02040502050405020303" charset="0"/>
+            </a:endParaRPr>
+          </a:p>
+          <a:p>
+            <a:pPr marL="342900" lvl="0" indent="-342900">
+              <a:buFont typeface="Arial" panose="020B0604020202020204" pitchFamily="34" charset="0"/>
+              <a:buAutoNum type="arabicPeriod"/>
+            </a:pPr>
+            <a:r>
+              <a:rPr lang="en-US">
+                <a:latin typeface="Georgia" panose="02040502050405020303" charset="0"/>
+                <a:cs typeface="Georgia" panose="02040502050405020303" charset="0"/>
+              </a:rPr>
+              <a:t>To tackle trolling, individual attacks and other such social criticism.</a:t>
+            </a:r>
+            <a:endParaRPr lang="en-US">
+              <a:latin typeface="Georgia" panose="02040502050405020303" charset="0"/>
+              <a:cs typeface="Georgia" panose="02040502050405020303" charset="0"/>
+            </a:endParaRPr>
+          </a:p>
+          <a:p>
+            <a:pPr marL="342900" indent="-342900">
+              <a:buFont typeface="+mj-lt"/>
+              <a:buAutoNum type="arabicPeriod"/>
+            </a:pPr>
+            <a:r>
+              <a:rPr lang="en-US">
+                <a:latin typeface="Georgia" panose="02040502050405020303" charset="0"/>
+                <a:cs typeface="Georgia" panose="02040502050405020303" charset="0"/>
+                <a:sym typeface="+mn-ea"/>
+              </a:rPr>
+              <a:t>To tackle the spreading of  fake news.</a:t>
+            </a:r>
+            <a:endParaRPr lang="en-US">
+              <a:latin typeface="Georgia" panose="02040502050405020303" charset="0"/>
+              <a:cs typeface="Georgia" panose="02040502050405020303" charset="0"/>
+            </a:endParaRPr>
+          </a:p>
+          <a:p>
+            <a:pPr marL="0" lvl="0" indent="0">
+              <a:buFont typeface="Arial" panose="020B0604020202020204" pitchFamily="34" charset="0"/>
+              <a:buNone/>
+            </a:pPr>
+            <a:r>
+              <a:rPr lang="en-US">
+                <a:latin typeface="Georgia" panose="02040502050405020303" charset="0"/>
+                <a:cs typeface="Georgia" panose="02040502050405020303" charset="0"/>
+              </a:rPr>
+              <a:t> </a:t>
+            </a:r>
+            <a:endParaRPr lang="en-US">
+              <a:latin typeface="Georgia" panose="02040502050405020303" charset="0"/>
+              <a:cs typeface="Georgia" panose="02040502050405020303" charset="0"/>
+            </a:endParaRPr>
+          </a:p>
+          <a:p>
+            <a:pPr marL="342900" lvl="0" indent="-342900">
+              <a:buFont typeface="Arial" panose="020B0604020202020204" pitchFamily="34" charset="0"/>
+              <a:buChar char="•"/>
+            </a:pPr>
+            <a:endParaRPr lang="en-US">
+              <a:latin typeface="Georgia" panose="02040502050405020303" charset="0"/>
+              <a:cs typeface="Georgia" panose="02040502050405020303" charset="0"/>
+            </a:endParaRPr>
+          </a:p>
+        </p:txBody>
+      </p:sp>
+      <p:pic>
+        <p:nvPicPr>
+          <p:cNvPr id="7" name="Content Placeholder 6"/>
+          <p:cNvPicPr>
+            <a:picLocks noChangeAspect="1"/>
+          </p:cNvPicPr>
+          <p:nvPr>
+            <p:ph sz="half" idx="2"/>
+          </p:nvPr>
+        </p:nvPicPr>
+        <p:blipFill>
+          <a:blip r:embed="rId2"/>
+          <a:srcRect b="23937"/>
+          <a:stretch>
+            <a:fillRect/>
+          </a:stretch>
+        </p:blipFill>
+        <p:spPr>
+          <a:xfrm>
+            <a:off x="3192780" y="978535"/>
+            <a:ext cx="2930525" cy="2098675"/>
+          </a:xfrm>
+          <a:prstGeom prst="rect">
+            <a:avLst/>
+          </a:prstGeom>
+        </p:spPr>
+      </p:pic>
+      <p:pic>
+        <p:nvPicPr>
+          <p:cNvPr id="9" name="Content Placeholder 8"/>
+          <p:cNvPicPr>
+            <a:picLocks noChangeAspect="1"/>
+          </p:cNvPicPr>
+          <p:nvPr>
+            <p:ph sz="half" idx="1"/>
+          </p:nvPr>
         </p:nvPicPr>
         <p:blipFill>
           <a:blip r:embed="rId3"/>
@@ -21360,56 +19009,8 @@
         </p:blipFill>
         <p:spPr>
           <a:xfrm>
-            <a:off x="1303655" y="2894965"/>
-            <a:ext cx="2421255" cy="1621790"/>
-          </a:xfrm>
-          <a:prstGeom prst="rect">
-            <a:avLst/>
-          </a:prstGeom>
-        </p:spPr>
-      </p:pic>
-      <p:pic>
-        <p:nvPicPr>
-          <p:cNvPr id="2" name="Picture 1" descr="02891"/>
-          <p:cNvPicPr>
-            <a:picLocks noChangeAspect="1"/>
-          </p:cNvPicPr>
-          <p:nvPr/>
-        </p:nvPicPr>
-        <p:blipFill>
-          <a:blip r:embed="rId4"/>
-          <a:stretch>
-            <a:fillRect/>
-          </a:stretch>
-        </p:blipFill>
-        <p:spPr>
-          <a:xfrm>
-            <a:off x="5857875" y="2896870"/>
-            <a:ext cx="2434425" cy="1620000"/>
-          </a:xfrm>
-          <a:prstGeom prst="rect">
-            <a:avLst/>
-          </a:prstGeom>
-        </p:spPr>
-      </p:pic>
-      <p:pic>
-        <p:nvPicPr>
-          <p:cNvPr id="3" name="Picture 2"/>
-          <p:cNvPicPr>
-            <a:picLocks noChangeAspect="1"/>
-          </p:cNvPicPr>
-          <p:nvPr/>
-        </p:nvPicPr>
-        <p:blipFill>
-          <a:blip r:embed="rId5"/>
-          <a:stretch>
-            <a:fillRect/>
-          </a:stretch>
-        </p:blipFill>
-        <p:spPr>
-          <a:xfrm>
-            <a:off x="3646170" y="1163320"/>
-            <a:ext cx="2445385" cy="1526540"/>
+            <a:off x="6061075" y="978535"/>
+            <a:ext cx="2296795" cy="2020570"/>
           </a:xfrm>
           <a:prstGeom prst="rect">
             <a:avLst/>
@@ -21577,50 +19178,26 @@
                 <a:latin typeface="Georgia" panose="02040502050405020303" charset="0"/>
                 <a:cs typeface="Georgia" panose="02040502050405020303" charset="0"/>
               </a:rPr>
-              <a:t>by </a:t>
+              <a:t>by developing </a:t>
             </a:r>
             <a:r>
               <a:rPr sz="1600">
                 <a:latin typeface="Georgia" panose="02040502050405020303" charset="0"/>
                 <a:cs typeface="Georgia" panose="02040502050405020303" charset="0"/>
               </a:rPr>
-              <a:t>creat</a:t>
+              <a:t>a </a:t>
             </a:r>
             <a:r>
               <a:rPr lang="en-US" sz="1600">
                 <a:latin typeface="Georgia" panose="02040502050405020303" charset="0"/>
                 <a:cs typeface="Georgia" panose="02040502050405020303" charset="0"/>
               </a:rPr>
-              <a:t>ing</a:t>
+              <a:t>multimodal model.</a:t>
             </a:r>
-            <a:r>
-              <a:rPr sz="1600">
-                <a:latin typeface="Georgia" panose="02040502050405020303" charset="0"/>
-                <a:cs typeface="Georgia" panose="02040502050405020303" charset="0"/>
-              </a:rPr>
-              <a:t> a </a:t>
-            </a:r>
-            <a:r>
-              <a:rPr lang="en-US" sz="1600">
-                <a:latin typeface="Georgia" panose="02040502050405020303" charset="0"/>
-                <a:cs typeface="Georgia" panose="02040502050405020303" charset="0"/>
-              </a:rPr>
-              <a:t>model </a:t>
-            </a:r>
-            <a:r>
-              <a:rPr sz="1600">
-                <a:latin typeface="Georgia" panose="02040502050405020303" charset="0"/>
-                <a:cs typeface="Georgia" panose="02040502050405020303" charset="0"/>
-              </a:rPr>
-              <a:t>that identifies multimodal hate speech in </a:t>
-            </a:r>
-            <a:r>
-              <a:rPr lang="en-US" sz="1600">
-                <a:latin typeface="Georgia" panose="02040502050405020303" charset="0"/>
-                <a:cs typeface="Georgia" panose="02040502050405020303" charset="0"/>
-              </a:rPr>
-              <a:t>them.</a:t>
-            </a:r>
+            <a:endParaRPr lang="en-US" sz="1600">
+              <a:latin typeface="Georgia" panose="02040502050405020303" charset="0"/>
+              <a:cs typeface="Georgia" panose="02040502050405020303" charset="0"/>
+            </a:endParaRPr>
           </a:p>
           <a:p>
             <a:pPr marL="0" lvl="0" indent="0" algn="l" rtl="0">
@@ -21639,6 +19216,10 @@
               </a:rPr>
               <a:t>			</a:t>
             </a:r>
+            <a:endParaRPr lang="en-US">
+              <a:latin typeface="Georgia" panose="02040502050405020303" charset="0"/>
+              <a:cs typeface="Georgia" panose="02040502050405020303" charset="0"/>
+            </a:endParaRPr>
           </a:p>
         </p:txBody>
       </p:sp>
@@ -21671,6 +19252,10 @@
               </a:rPr>
               <a:t>Input</a:t>
             </a:r>
+            <a:endParaRPr lang="en-US">
+              <a:latin typeface="Georgia" panose="02040502050405020303" charset="0"/>
+              <a:cs typeface="Georgia" panose="02040502050405020303" charset="0"/>
+            </a:endParaRPr>
           </a:p>
         </p:txBody>
       </p:sp>
@@ -21703,6 +19288,10 @@
               </a:rPr>
               <a:t>Output</a:t>
             </a:r>
+            <a:endParaRPr lang="en-US">
+              <a:latin typeface="Georgia" panose="02040502050405020303" charset="0"/>
+              <a:cs typeface="Georgia" panose="02040502050405020303" charset="0"/>
+            </a:endParaRPr>
           </a:p>
         </p:txBody>
       </p:sp>
@@ -21735,6 +19324,10 @@
               </a:rPr>
               <a:t>Hateful(1)</a:t>
             </a:r>
+            <a:endParaRPr lang="en-US">
+              <a:latin typeface="Georgia" panose="02040502050405020303" charset="0"/>
+              <a:cs typeface="Georgia" panose="02040502050405020303" charset="0"/>
+            </a:endParaRPr>
           </a:p>
         </p:txBody>
       </p:sp>
@@ -21764,6 +19357,7 @@
               <a:rPr lang="en-US"/>
               <a:t>Non Hateful(0)</a:t>
             </a:r>
+            <a:endParaRPr lang="en-US"/>
           </a:p>
         </p:txBody>
       </p:sp>
@@ -21776,7 +19370,7 @@
           <p:nvPr/>
         </p:nvPicPr>
         <p:blipFill>
-          <a:blip r:embed="rId3"/>
+          <a:blip r:embed="rId1"/>
           <a:stretch>
             <a:fillRect/>
           </a:stretch>
@@ -21800,7 +19394,7 @@
           <p:nvPr/>
         </p:nvPicPr>
         <p:blipFill>
-          <a:blip r:embed="rId4"/>
+          <a:blip r:embed="rId2"/>
           <a:stretch>
             <a:fillRect/>
           </a:stretch>
@@ -21954,7 +19548,7 @@
             </a:pPr>
             <a:r>
               <a:rPr lang="en-US" dirty="0">
-                <a:latin typeface="Georgia" panose="02040502050405020303" pitchFamily="18" charset="0"/>
+                <a:latin typeface="Georgia" panose="02040502050405020303" charset="0"/>
                 <a:cs typeface="Georgia" panose="02040502050405020303" charset="0"/>
                 <a:sym typeface="+mn-ea"/>
               </a:rPr>
@@ -21962,7 +19556,7 @@
             </a:r>
             <a:br>
               <a:rPr lang="en-US" dirty="0">
-                <a:latin typeface="Georgia" panose="02040502050405020303" pitchFamily="18" charset="0"/>
+                <a:latin typeface="Georgia" panose="02040502050405020303" charset="0"/>
                 <a:cs typeface="Cambria" panose="02040503050406030204" charset="0"/>
                 <a:sym typeface="+mn-ea"/>
               </a:rPr>
@@ -22024,6 +19618,10 @@
               </a:rPr>
               <a:t>To generate embeddings of image and text .</a:t>
             </a:r>
+            <a:endParaRPr lang="en-US" dirty="0">
+              <a:latin typeface="Georgia" panose="02040502050405020303" charset="0"/>
+              <a:cs typeface="Georgia" panose="02040502050405020303" charset="0"/>
+            </a:endParaRPr>
           </a:p>
           <a:p>
             <a:pPr marL="342900" lvl="0" indent="-342900" algn="l" rtl="0">
@@ -22043,6 +19641,10 @@
               </a:rPr>
               <a:t>To fuse the text and image embeddings and build a classifier. </a:t>
             </a:r>
+            <a:endParaRPr lang="en-US" dirty="0">
+              <a:latin typeface="Georgia" panose="02040502050405020303" charset="0"/>
+              <a:cs typeface="Georgia" panose="02040502050405020303" charset="0"/>
+            </a:endParaRPr>
           </a:p>
           <a:p>
             <a:pPr marL="342900" lvl="0" indent="-342900" algn="l" rtl="0">
@@ -22076,6 +19678,10 @@
               </a:rPr>
               <a:t> of the multimodal model using AUC ROC.</a:t>
             </a:r>
+            <a:endParaRPr lang="en-US" dirty="0">
+              <a:latin typeface="Georgia" panose="02040502050405020303" charset="0"/>
+              <a:cs typeface="Georgia" panose="02040502050405020303" charset="0"/>
+            </a:endParaRPr>
           </a:p>
           <a:p>
             <a:pPr marL="342900" lvl="0" indent="-342900" algn="l" rtl="0">
@@ -22185,6 +19791,219 @@
 </file>
 
 <file path=ppt/slides/slide8.xml><?xml version="1.0" encoding="utf-8"?>
+<p:sld xmlns:a="http://schemas.openxmlformats.org/drawingml/2006/main" xmlns:r="http://schemas.openxmlformats.org/officeDocument/2006/relationships" xmlns:p="http://schemas.openxmlformats.org/presentationml/2006/main">
+  <p:cSld>
+    <p:spTree>
+      <p:nvGrpSpPr>
+        <p:cNvPr id="1" name=""/>
+        <p:cNvGrpSpPr/>
+        <p:nvPr/>
+      </p:nvGrpSpPr>
+      <p:grpSpPr>
+        <a:xfrm>
+          <a:off x="0" y="0"/>
+          <a:ext cx="0" cy="0"/>
+          <a:chOff x="0" y="0"/>
+          <a:chExt cx="0" cy="0"/>
+        </a:xfrm>
+      </p:grpSpPr>
+      <p:sp>
+        <p:nvSpPr>
+          <p:cNvPr id="3" name="Content Placeholder 2"/>
+          <p:cNvSpPr>
+            <a:spLocks noGrp="1"/>
+          </p:cNvSpPr>
+          <p:nvPr>
+            <p:ph idx="1"/>
+          </p:nvPr>
+        </p:nvSpPr>
+        <p:spPr>
+          <a:xfrm>
+            <a:off x="144254" y="305074"/>
+            <a:ext cx="8833339" cy="4825502"/>
+          </a:xfrm>
+        </p:spPr>
+        <p:txBody>
+          <a:bodyPr>
+            <a:normAutofit/>
+          </a:bodyPr>
+          <a:lstStyle/>
+          <a:p>
+            <a:pPr marL="146050" indent="0">
+              <a:buNone/>
+            </a:pPr>
+            <a:r>
+              <a:rPr lang="en-US" sz="1600" b="1" u="sng" dirty="0">
+                <a:latin typeface="Georgia" panose="02040502050405020303" charset="0"/>
+                <a:cs typeface="Georgia" panose="02040502050405020303" charset="0"/>
+              </a:rPr>
+              <a:t>Exploring Hate Speech Detection in Multimodal Publications ( WACV, 2020) </a:t>
+            </a:r>
+            <a:r>
+              <a:rPr lang="en-US" sz="1600" b="1" dirty="0">
+                <a:latin typeface="Georgia" panose="02040502050405020303" charset="0"/>
+                <a:cs typeface="Georgia" panose="02040502050405020303" charset="0"/>
+              </a:rPr>
+              <a:t>[1]</a:t>
+            </a:r>
+            <a:endParaRPr lang="en-IN" sz="1200" b="1" dirty="0">
+              <a:latin typeface="Georgia" panose="02040502050405020303" charset="0"/>
+              <a:cs typeface="Georgia" panose="02040502050405020303" charset="0"/>
+            </a:endParaRPr>
+          </a:p>
+          <a:p>
+            <a:pPr>
+              <a:buFont typeface="Arial" panose="020B0604020202020204" pitchFamily="34" charset="0"/>
+              <a:buChar char="•"/>
+            </a:pPr>
+            <a:r>
+              <a:rPr lang="en-IN" sz="1500" dirty="0">
+                <a:latin typeface="Georgia" panose="02040502050405020303" charset="0"/>
+                <a:cs typeface="Georgia" panose="02040502050405020303" charset="0"/>
+              </a:rPr>
+              <a:t>TKM</a:t>
+            </a:r>
+            <a:r>
+              <a:rPr lang="en-IN" sz="1200" dirty="0">
+                <a:latin typeface="Georgia" panose="02040502050405020303" charset="0"/>
+                <a:cs typeface="Georgia" panose="02040502050405020303" charset="0"/>
+              </a:rPr>
+              <a:t>( Textual Kernels Model ): </a:t>
+            </a:r>
+            <a:endParaRPr lang="en-IN" sz="1200" dirty="0">
+              <a:latin typeface="Georgia" panose="02040502050405020303" charset="0"/>
+              <a:cs typeface="Georgia" panose="02040502050405020303" charset="0"/>
+            </a:endParaRPr>
+          </a:p>
+          <a:p>
+            <a:pPr marL="146050" indent="0">
+              <a:buNone/>
+            </a:pPr>
+            <a:endParaRPr lang="en-IN" sz="1200" dirty="0">
+              <a:latin typeface="Georgia" panose="02040502050405020303" charset="0"/>
+              <a:cs typeface="Georgia" panose="02040502050405020303" charset="0"/>
+            </a:endParaRPr>
+          </a:p>
+        </p:txBody>
+      </p:sp>
+      <p:sp>
+        <p:nvSpPr>
+          <p:cNvPr id="4" name="Slide Number Placeholder 3"/>
+          <p:cNvSpPr>
+            <a:spLocks noGrp="1"/>
+          </p:cNvSpPr>
+          <p:nvPr>
+            <p:ph type="sldNum" sz="quarter" idx="12"/>
+          </p:nvPr>
+        </p:nvSpPr>
+        <p:spPr/>
+        <p:txBody>
+          <a:bodyPr/>
+          <a:lstStyle/>
+          <a:p>
+            <a:fld id="{7870A25B-082D-42BE-9910-664729240837}" type="slidenum">
+              <a:rPr lang="en-IN" smtClean="0"/>
+            </a:fld>
+            <a:endParaRPr lang="en-IN" dirty="0"/>
+          </a:p>
+        </p:txBody>
+      </p:sp>
+      <p:pic>
+        <p:nvPicPr>
+          <p:cNvPr id="6" name="Picture 5"/>
+          <p:cNvPicPr>
+            <a:picLocks noChangeAspect="1"/>
+          </p:cNvPicPr>
+          <p:nvPr/>
+        </p:nvPicPr>
+        <p:blipFill rotWithShape="1">
+          <a:blip r:embed="rId1">
+            <a:extLst>
+              <a:ext uri="{28A0092B-C50C-407E-A947-70E740481C1C}">
+                <a14:useLocalDpi xmlns:a14="http://schemas.microsoft.com/office/drawing/2010/main" val="0"/>
+              </a:ext>
+            </a:extLst>
+          </a:blip>
+          <a:srcRect l="8653" t="878" r="69" b="616"/>
+          <a:stretch>
+            <a:fillRect/>
+          </a:stretch>
+        </p:blipFill>
+        <p:spPr>
+          <a:xfrm>
+            <a:off x="685800" y="967308"/>
+            <a:ext cx="6710846" cy="4067754"/>
+          </a:xfrm>
+          <a:prstGeom prst="rect">
+            <a:avLst/>
+          </a:prstGeom>
+        </p:spPr>
+      </p:pic>
+      <p:sp>
+        <p:nvSpPr>
+          <p:cNvPr id="2" name="TextBox 1"/>
+          <p:cNvSpPr txBox="1"/>
+          <p:nvPr/>
+        </p:nvSpPr>
+        <p:spPr>
+          <a:xfrm>
+            <a:off x="6969925" y="2394659"/>
+            <a:ext cx="1801095" cy="646331"/>
+          </a:xfrm>
+          <a:prstGeom prst="rect">
+            <a:avLst/>
+          </a:prstGeom>
+          <a:noFill/>
+        </p:spPr>
+        <p:txBody>
+          <a:bodyPr wrap="square" rtlCol="0">
+            <a:spAutoFit/>
+          </a:bodyPr>
+          <a:lstStyle/>
+          <a:p>
+            <a:pPr marL="285750" indent="-285750">
+              <a:buFont typeface="Wingdings" panose="05000000000000000000" pitchFamily="2" charset="2"/>
+              <a:buChar char="ü"/>
+            </a:pPr>
+            <a:r>
+              <a:rPr lang="en-IN" sz="1200" dirty="0"/>
+              <a:t>Inception Model</a:t>
+            </a:r>
+            <a:endParaRPr lang="en-IN" sz="1200" dirty="0"/>
+          </a:p>
+          <a:p>
+            <a:pPr marL="285750" indent="-285750">
+              <a:buFont typeface="Wingdings" panose="05000000000000000000" pitchFamily="2" charset="2"/>
+              <a:buChar char="ü"/>
+            </a:pPr>
+            <a:r>
+              <a:rPr lang="en-IN" sz="1200" dirty="0"/>
+              <a:t>LSTM Model </a:t>
+            </a:r>
+            <a:endParaRPr lang="en-IN" sz="1200" dirty="0"/>
+          </a:p>
+          <a:p>
+            <a:pPr marL="285750" indent="-285750">
+              <a:buFont typeface="Wingdings" panose="05000000000000000000" pitchFamily="2" charset="2"/>
+              <a:buChar char="ü"/>
+            </a:pPr>
+            <a:r>
+              <a:rPr lang="en-IN" sz="1200" dirty="0"/>
+              <a:t>Kernel </a:t>
+            </a:r>
+            <a:endParaRPr lang="en-IN" sz="1200" dirty="0"/>
+          </a:p>
+        </p:txBody>
+      </p:sp>
+    </p:spTree>
+  </p:cSld>
+  <p:clrMapOvr>
+    <a:masterClrMapping/>
+  </p:clrMapOvr>
+</p:sld>
+</file>
+
+<file path=ppt/slides/slide9.xml><?xml version="1.0" encoding="utf-8"?>
 <p:sld xmlns:a="http://schemas.openxmlformats.org/drawingml/2006/main" xmlns:r="http://schemas.openxmlformats.org/officeDocument/2006/relationships" xmlns:p="http://schemas.openxmlformats.org/presentationml/2006/main">
   <p:cSld>
     <p:spTree>
@@ -22250,6 +20069,10 @@
               </a:rPr>
               <a:t>Yuval Nirkin   Assaf Rabinowitz   Yoni Solel [2]</a:t>
             </a:r>
+            <a:endParaRPr lang="en-US" altLang="zh-CN" sz="1600" dirty="0">
+              <a:latin typeface="Georgia" panose="02040502050405020303" charset="0"/>
+              <a:cs typeface="Georgia" panose="02040502050405020303" charset="0"/>
+            </a:endParaRPr>
           </a:p>
         </p:txBody>
       </p:sp>
@@ -22301,6 +20124,16 @@
               </a:rPr>
               <a:t>Data Processing </a:t>
             </a:r>
+            <a:endParaRPr kumimoji="0" lang="en-US" sz="1600" b="0" i="0" u="none" strike="noStrike" kern="1200" cap="none" spc="0" normalizeH="0" baseline="0" noProof="1">
+              <a:solidFill>
+                <a:schemeClr val="bg2">
+                  <a:lumMod val="50000"/>
+                </a:schemeClr>
+              </a:solidFill>
+              <a:latin typeface="Georgia" panose="02040502050405020303" charset="0"/>
+              <a:ea typeface="+mn-ea"/>
+              <a:cs typeface="Georgia" panose="02040502050405020303" charset="0"/>
+            </a:endParaRPr>
           </a:p>
           <a:p>
             <a:pPr marL="342900" marR="0" indent="-342900" algn="l" defTabSz="914400" rtl="0" eaLnBrk="1" fontAlgn="base" latinLnBrk="0" hangingPunct="1">
@@ -22371,6 +20204,16 @@
               </a:rPr>
               <a:t>Image Embedding: MobileNetV2 </a:t>
             </a:r>
+            <a:endParaRPr kumimoji="0" lang="en-US" sz="1600" b="0" i="0" u="none" strike="noStrike" kern="1200" cap="none" spc="0" normalizeH="0" baseline="0" noProof="1">
+              <a:solidFill>
+                <a:schemeClr val="bg2">
+                  <a:lumMod val="50000"/>
+                </a:schemeClr>
+              </a:solidFill>
+              <a:latin typeface="Georgia" panose="02040502050405020303" charset="0"/>
+              <a:ea typeface="+mn-ea"/>
+              <a:cs typeface="Georgia" panose="02040502050405020303" charset="0"/>
+            </a:endParaRPr>
           </a:p>
           <a:p>
             <a:pPr marL="342900" marR="0" indent="-342900" algn="l" defTabSz="914400" rtl="0" eaLnBrk="1" fontAlgn="base" latinLnBrk="0" hangingPunct="1">
@@ -22441,6 +20284,16 @@
               </a:rPr>
               <a:t>Decoder</a:t>
             </a:r>
+            <a:endParaRPr kumimoji="0" lang="en-US" sz="1600" b="0" i="0" u="none" strike="noStrike" kern="1200" cap="none" spc="0" normalizeH="0" baseline="0" noProof="1">
+              <a:solidFill>
+                <a:schemeClr val="bg2">
+                  <a:lumMod val="50000"/>
+                </a:schemeClr>
+              </a:solidFill>
+              <a:latin typeface="Georgia" panose="02040502050405020303" charset="0"/>
+              <a:ea typeface="+mn-ea"/>
+              <a:cs typeface="Georgia" panose="02040502050405020303" charset="0"/>
+            </a:endParaRPr>
           </a:p>
           <a:p>
             <a:pPr marL="0" marR="0" indent="0" algn="l" defTabSz="914400" rtl="0" eaLnBrk="1" fontAlgn="base" latinLnBrk="0" hangingPunct="1">
@@ -22529,6 +20382,9 @@
               </a:rPr>
               <a:t>Varun Bohara</a:t>
             </a:r>
+            <a:endParaRPr lang="en-US" altLang="zh-CN">
+              <a:latin typeface="Cambria" panose="02040503050406030204" charset="0"/>
+            </a:endParaRPr>
           </a:p>
         </p:txBody>
       </p:sp>
@@ -22543,7 +20399,7 @@
           </p:nvPr>
         </p:nvPicPr>
         <p:blipFill>
-          <a:blip r:embed="rId3">
+          <a:blip r:embed="rId1">
             <a:clrChange>
               <a:clrFrom>
                 <a:srgbClr val="FFFFFF">
@@ -22564,8 +20420,8 @@
         </p:blipFill>
         <p:spPr>
           <a:xfrm>
-            <a:off x="2825115" y="1964055"/>
-            <a:ext cx="6330950" cy="2904490"/>
+            <a:off x="2489200" y="1809750"/>
+            <a:ext cx="6666865" cy="3058795"/>
           </a:xfrm>
           <a:prstGeom prst="rect">
             <a:avLst/>
@@ -22574,237 +20430,6 @@
           <a:ln w="9525">
             <a:noFill/>
           </a:ln>
-        </p:spPr>
-      </p:pic>
-    </p:spTree>
-  </p:cSld>
-  <p:clrMapOvr>
-    <a:masterClrMapping/>
-  </p:clrMapOvr>
-</p:sld>
-</file>
-
-<file path=ppt/slides/slide9.xml><?xml version="1.0" encoding="utf-8"?>
-<p:sld xmlns:a="http://schemas.openxmlformats.org/drawingml/2006/main" xmlns:r="http://schemas.openxmlformats.org/officeDocument/2006/relationships" xmlns:p="http://schemas.openxmlformats.org/presentationml/2006/main">
-  <p:cSld>
-    <p:spTree>
-      <p:nvGrpSpPr>
-        <p:cNvPr id="1" name=""/>
-        <p:cNvGrpSpPr/>
-        <p:nvPr/>
-      </p:nvGrpSpPr>
-      <p:grpSpPr>
-        <a:xfrm>
-          <a:off x="0" y="0"/>
-          <a:ext cx="0" cy="0"/>
-          <a:chOff x="0" y="0"/>
-          <a:chExt cx="0" cy="0"/>
-        </a:xfrm>
-      </p:grpSpPr>
-      <p:sp>
-        <p:nvSpPr>
-          <p:cNvPr id="2" name="Title 1"/>
-          <p:cNvSpPr>
-            <a:spLocks noGrp="1"/>
-          </p:cNvSpPr>
-          <p:nvPr>
-            <p:ph type="title"/>
-          </p:nvPr>
-        </p:nvSpPr>
-        <p:spPr>
-          <a:xfrm>
-            <a:off x="311700" y="505183"/>
-            <a:ext cx="8520600" cy="572700"/>
-          </a:xfrm>
-        </p:spPr>
-        <p:txBody>
-          <a:bodyPr/>
-          <a:lstStyle/>
-          <a:p>
-            <a:pPr algn="ctr"/>
-            <a:r>
-              <a:rPr lang="en-US" sz="1800" dirty="0">
-                <a:latin typeface="Georgia" panose="02040502050405020303" charset="0"/>
-                <a:cs typeface="Georgia" panose="02040502050405020303" charset="0"/>
-                <a:sym typeface="+mn-ea"/>
-              </a:rPr>
-              <a:t>Multimodal Meme Dataset (MultiOFF) for Identifying Offensive Content in Image and Text [3]</a:t>
-            </a:r>
-            <a:br>
-              <a:rPr lang="en-US" sz="1400" dirty="0">
-                <a:latin typeface="Agency FB" panose="020B0503020202020204" charset="0"/>
-                <a:cs typeface="Agency FB" panose="020B0503020202020204" charset="0"/>
-                <a:sym typeface="+mn-ea"/>
-              </a:rPr>
-            </a:br>
-            <a:r>
-              <a:rPr lang="en-US" sz="1200" b="0" dirty="0">
-                <a:latin typeface="Georgia" panose="02040502050405020303" charset="0"/>
-                <a:cs typeface="Georgia" panose="02040502050405020303" charset="0"/>
-                <a:sym typeface="+mn-ea"/>
-              </a:rPr>
-              <a:t>Shardul Suryawanshi, Bharathi Raja Chakravarthi,</a:t>
-            </a:r>
-            <a:br>
-              <a:rPr lang="en-US" sz="1200" b="0" dirty="0">
-                <a:latin typeface="Georgia" panose="02040502050405020303" charset="0"/>
-                <a:cs typeface="Georgia" panose="02040502050405020303" charset="0"/>
-                <a:sym typeface="+mn-ea"/>
-              </a:rPr>
-            </a:br>
-            <a:r>
-              <a:rPr lang="en-US" sz="1200" b="0" dirty="0">
-                <a:latin typeface="Georgia" panose="02040502050405020303" charset="0"/>
-                <a:cs typeface="Georgia" panose="02040502050405020303" charset="0"/>
-                <a:sym typeface="+mn-ea"/>
-              </a:rPr>
-              <a:t>Mihael Arcan, Paul Buitelaar</a:t>
-            </a:r>
-            <a:br>
-              <a:rPr lang="en-US" sz="1200" b="0" u="sng" dirty="0">
-                <a:latin typeface="Georgia" panose="02040502050405020303" charset="0"/>
-                <a:cs typeface="Georgia" panose="02040502050405020303" charset="0"/>
-                <a:sym typeface="+mn-ea"/>
-              </a:rPr>
-            </a:br>
-            <a:endParaRPr lang="en-US" sz="1200" b="0" u="sng" dirty="0">
-              <a:latin typeface="Georgia" panose="02040502050405020303" charset="0"/>
-              <a:cs typeface="Georgia" panose="02040502050405020303" charset="0"/>
-              <a:sym typeface="+mn-ea"/>
-            </a:endParaRPr>
-          </a:p>
-        </p:txBody>
-      </p:sp>
-      <p:sp>
-        <p:nvSpPr>
-          <p:cNvPr id="4" name="Content Placeholder 3"/>
-          <p:cNvSpPr>
-            <a:spLocks noGrp="1"/>
-          </p:cNvSpPr>
-          <p:nvPr>
-            <p:ph sz="half" idx="2"/>
-          </p:nvPr>
-        </p:nvSpPr>
-        <p:spPr>
-          <a:xfrm>
-            <a:off x="6412523" y="2629046"/>
-            <a:ext cx="2948354" cy="977900"/>
-          </a:xfrm>
-        </p:spPr>
-        <p:txBody>
-          <a:bodyPr/>
-          <a:lstStyle/>
-          <a:p>
-            <a:pPr marL="285750" indent="-285750" algn="l">
-              <a:buFont typeface="Wingdings" panose="05000000000000000000" charset="0"/>
-              <a:buChar char="ü"/>
-            </a:pPr>
-            <a:r>
-              <a:rPr lang="en-IN" altLang="en-US" sz="1400" dirty="0">
-                <a:latin typeface="Georgia" panose="02040502050405020303" charset="0"/>
-                <a:cs typeface="Georgia" panose="02040502050405020303" charset="0"/>
-                <a:sym typeface="+mn-ea"/>
-              </a:rPr>
-              <a:t>Text Embedding : LSTM</a:t>
-            </a:r>
-          </a:p>
-          <a:p>
-            <a:pPr marL="285750" indent="-285750" algn="l">
-              <a:buFont typeface="Wingdings" panose="05000000000000000000" charset="0"/>
-              <a:buChar char="ü"/>
-            </a:pPr>
-            <a:r>
-              <a:rPr lang="en-IN" altLang="en-US" sz="1400" dirty="0">
-                <a:latin typeface="Georgia" panose="02040502050405020303" charset="0"/>
-                <a:cs typeface="Georgia" panose="02040502050405020303" charset="0"/>
-                <a:sym typeface="+mn-ea"/>
-              </a:rPr>
-              <a:t>Image Embedding : VGG16</a:t>
-            </a:r>
-          </a:p>
-          <a:p>
-            <a:pPr marL="285750" indent="-285750" algn="l">
-              <a:buFont typeface="Wingdings" panose="05000000000000000000" charset="0"/>
-              <a:buChar char="ü"/>
-            </a:pPr>
-            <a:r>
-              <a:rPr lang="en-IN" altLang="en-US" sz="1400" dirty="0">
-                <a:latin typeface="Georgia" panose="02040502050405020303" charset="0"/>
-                <a:cs typeface="Georgia" panose="02040502050405020303" charset="0"/>
-                <a:sym typeface="+mn-ea"/>
-              </a:rPr>
-              <a:t>Early Fusion Method </a:t>
-            </a:r>
-            <a:endParaRPr lang="en-IN" altLang="en-US" sz="1400" dirty="0">
-              <a:latin typeface="Georgia" panose="02040502050405020303" charset="0"/>
-              <a:cs typeface="Georgia" panose="02040502050405020303" charset="0"/>
-            </a:endParaRPr>
-          </a:p>
-          <a:p>
-            <a:pPr marL="285750" indent="-285750" algn="l">
-              <a:buFont typeface="Wingdings" panose="05000000000000000000" charset="0"/>
-              <a:buChar char="ü"/>
-            </a:pPr>
-            <a:endParaRPr lang="en-IN" altLang="en-US" sz="1800" dirty="0">
-              <a:latin typeface="Georgia" panose="02040502050405020303" charset="0"/>
-              <a:cs typeface="Georgia" panose="02040502050405020303" charset="0"/>
-              <a:sym typeface="+mn-ea"/>
-            </a:endParaRPr>
-          </a:p>
-          <a:p>
-            <a:pPr marL="457200" indent="-457200" algn="l">
-              <a:buFont typeface="Arial" panose="020B0604020202020204" pitchFamily="34" charset="0"/>
-              <a:buChar char="•"/>
-            </a:pPr>
-            <a:endParaRPr lang="en-IN" altLang="en-US" dirty="0">
-              <a:latin typeface="Georgia" panose="02040502050405020303" charset="0"/>
-              <a:cs typeface="Georgia" panose="02040502050405020303" charset="0"/>
-            </a:endParaRPr>
-          </a:p>
-          <a:p>
-            <a:pPr marL="457200" indent="-457200" algn="l">
-              <a:buFont typeface="Arial" panose="020B0604020202020204" pitchFamily="34" charset="0"/>
-              <a:buChar char="•"/>
-            </a:pPr>
-            <a:endParaRPr lang="en-IN" altLang="en-US" dirty="0">
-              <a:sym typeface="+mn-ea"/>
-            </a:endParaRPr>
-          </a:p>
-          <a:p>
-            <a:pPr marL="457200" indent="-457200" algn="l">
-              <a:buFont typeface="Arial" panose="020B0604020202020204" pitchFamily="34" charset="0"/>
-              <a:buChar char="•"/>
-            </a:pPr>
-            <a:endParaRPr lang="en-IN" altLang="en-US" dirty="0"/>
-          </a:p>
-          <a:p>
-            <a:endParaRPr lang="en-US" dirty="0"/>
-          </a:p>
-        </p:txBody>
-      </p:sp>
-      <p:pic>
-        <p:nvPicPr>
-          <p:cNvPr id="5" name="Content Placeholder 4" descr="Screenshot (54)"/>
-          <p:cNvPicPr>
-            <a:picLocks noGrp="1" noChangeAspect="1"/>
-          </p:cNvPicPr>
-          <p:nvPr>
-            <p:ph sz="half" idx="1"/>
-          </p:nvPr>
-        </p:nvPicPr>
-        <p:blipFill rotWithShape="1">
-          <a:blip r:embed="rId3"/>
-          <a:srcRect t="762"/>
-          <a:stretch/>
-        </p:blipFill>
-        <p:spPr>
-          <a:xfrm>
-            <a:off x="618490" y="1636294"/>
-            <a:ext cx="5884578" cy="3380205"/>
-          </a:xfrm>
-          <a:prstGeom prst="rect">
-            <a:avLst/>
-          </a:prstGeom>
         </p:spPr>
       </p:pic>
     </p:spTree>
@@ -23091,8 +20716,6 @@
       </a:bgFillStyleLst>
     </a:fmtScheme>
   </a:themeElements>
-  <a:objectDefaults/>
-  <a:extraClrSchemeLst/>
   <a:extLst>
     <a:ext uri="{05A4C25C-085E-4340-85A3-A5531E510DB2}">
       <thm15:themeFamily xmlns:thm15="http://schemas.microsoft.com/office/thememl/2012/main" name="Office Theme" id="{62F939B6-93AF-4DB8-9C6B-D6C7DFDC589F}" vid="{4A3C46E8-61CC-4603-A589-7422A47A8E4A}"/>
@@ -23377,8 +21000,6 @@
       </a:bgFillStyleLst>
     </a:fmtScheme>
   </a:themeElements>
-  <a:objectDefaults/>
-  <a:extraClrSchemeLst/>
   <a:extLst>
     <a:ext uri="{05A4C25C-085E-4340-85A3-A5531E510DB2}">
       <thm15:themeFamily xmlns:thm15="http://schemas.microsoft.com/office/thememl/2012/main" name="Office Theme" id="{62F939B6-93AF-4DB8-9C6B-D6C7DFDC589F}" vid="{4A3C46E8-61CC-4603-A589-7422A47A8E4A}"/>

--- a/MINI PROJECT REVIEW.pptx
+++ b/MINI PROJECT REVIEW.pptx
@@ -17373,7 +17373,7 @@
                 <a:latin typeface="Georgia" panose="02040502050405020303" charset="0"/>
                 <a:cs typeface="Georgia" panose="02040502050405020303" charset="0"/>
               </a:rPr>
-              <a:t>Hateful (1)/Non-</a:t>
+              <a:t>Hateful/Non-</a:t>
             </a:r>
             <a:r>
               <a:rPr lang="en-US">
@@ -17381,7 +17381,7 @@
                 <a:cs typeface="Georgia" panose="02040502050405020303" charset="0"/>
                 <a:sym typeface="+mn-ea"/>
               </a:rPr>
-              <a:t>Hateful (0)</a:t>
+              <a:t>Hateful</a:t>
             </a:r>
             <a:endParaRPr lang="en-US">
               <a:latin typeface="Georgia" panose="02040502050405020303" charset="0"/>
@@ -17591,8 +17591,8 @@
         </p:nvSpPr>
         <p:spPr>
           <a:xfrm>
-            <a:off x="1303580" y="1373016"/>
-            <a:ext cx="7030720" cy="3393440"/>
+            <a:off x="1303655" y="840105"/>
+            <a:ext cx="7030720" cy="4672965"/>
           </a:xfrm>
           <a:prstGeom prst="rect">
             <a:avLst/>
@@ -17605,6 +17605,9 @@
           <a:lstStyle/>
           <a:p>
             <a:pPr marL="0" lvl="0" indent="0" algn="l" rtl="0">
+              <a:lnSpc>
+                <a:spcPct val="100000"/>
+              </a:lnSpc>
               <a:spcBef>
                 <a:spcPts val="0"/>
               </a:spcBef>
@@ -17613,6 +17616,12 @@
               </a:spcAft>
               <a:buNone/>
             </a:pPr>
+            <a:br>
+              <a:rPr lang="en-US" sz="1400" b="1" dirty="0">
+                <a:latin typeface="Georgia" panose="02040502050405020303" charset="0"/>
+                <a:cs typeface="Georgia" panose="02040502050405020303" charset="0"/>
+              </a:rPr>
+            </a:br>
             <a:r>
               <a:rPr lang="en-US" sz="1400" b="1" dirty="0">
                 <a:latin typeface="Georgia" panose="02040502050405020303" charset="0"/>
@@ -17626,6 +17635,31 @@
             </a:endParaRPr>
           </a:p>
           <a:p>
+            <a:pPr marL="0" lvl="0" indent="0" algn="l" rtl="0">
+              <a:lnSpc>
+                <a:spcPct val="25000"/>
+              </a:lnSpc>
+              <a:spcBef>
+                <a:spcPts val="0"/>
+              </a:spcBef>
+              <a:spcAft>
+                <a:spcPts val="1600"/>
+              </a:spcAft>
+              <a:buNone/>
+            </a:pPr>
+            <a:r>
+              <a:rPr lang="en-US" dirty="0">
+                <a:latin typeface="Georgia" panose="02040502050405020303" charset="0"/>
+                <a:cs typeface="Georgia" panose="02040502050405020303" charset="0"/>
+              </a:rPr>
+              <a:t>The system shall be able to generate image and text representations .</a:t>
+            </a:r>
+            <a:endParaRPr lang="en-US" dirty="0">
+              <a:latin typeface="Georgia" panose="02040502050405020303" charset="0"/>
+              <a:cs typeface="Georgia" panose="02040502050405020303" charset="0"/>
+            </a:endParaRPr>
+          </a:p>
+          <a:p>
             <a:pPr marL="285750" lvl="0" indent="-285750" algn="l" rtl="0">
               <a:spcBef>
                 <a:spcPts val="0"/>
@@ -17641,7 +17675,7 @@
                 <a:latin typeface="Georgia" panose="02040502050405020303" charset="0"/>
                 <a:cs typeface="Georgia" panose="02040502050405020303" charset="0"/>
               </a:rPr>
-              <a:t>The model shall be able to generate image and text representations .</a:t>
+              <a:t>The system shall be able to classify the meme as hateful or non hateful using provided embeddings .</a:t>
             </a:r>
             <a:endParaRPr lang="en-US" dirty="0">
               <a:latin typeface="Georgia" panose="02040502050405020303" charset="0"/>
@@ -17664,7 +17698,7 @@
                 <a:latin typeface="Georgia" panose="02040502050405020303" charset="0"/>
                 <a:cs typeface="Georgia" panose="02040502050405020303" charset="0"/>
               </a:rPr>
-              <a:t>The model shall be able to classify the meme as hateful or non hateful using provided embeddings .</a:t>
+              <a:t>The system shall be able to generate the probability of the meme being hateful .</a:t>
             </a:r>
             <a:endParaRPr lang="en-US" dirty="0">
               <a:latin typeface="Georgia" panose="02040502050405020303" charset="0"/>
@@ -17687,7 +17721,7 @@
                 <a:latin typeface="Georgia" panose="02040502050405020303" charset="0"/>
                 <a:cs typeface="Georgia" panose="02040502050405020303" charset="0"/>
               </a:rPr>
-              <a:t>The model shall be able to generate the probability of the meme being hateful .</a:t>
+              <a:t>The system shall be comparable to the state of art techniques.</a:t>
             </a:r>
             <a:endParaRPr lang="en-US" dirty="0">
               <a:latin typeface="Georgia" panose="02040502050405020303" charset="0"/>
@@ -17755,8 +17789,47 @@
                 <a:latin typeface="Georgia" panose="02040502050405020303" charset="0"/>
                 <a:cs typeface="Georgia" panose="02040502050405020303" charset="0"/>
               </a:rPr>
-              <a:t>The model should not under-perform on limited computing resources.   </a:t>
+              <a:t>The model should not under-perform on limited computing resources.</a:t>
             </a:r>
+            <a:endParaRPr lang="en-US" dirty="0">
+              <a:latin typeface="Georgia" panose="02040502050405020303" charset="0"/>
+              <a:cs typeface="Georgia" panose="02040502050405020303" charset="0"/>
+            </a:endParaRPr>
+          </a:p>
+          <a:p>
+            <a:pPr marL="285750" lvl="0" indent="-285750" algn="l" rtl="0">
+              <a:spcBef>
+                <a:spcPts val="0"/>
+              </a:spcBef>
+              <a:spcAft>
+                <a:spcPts val="1600"/>
+              </a:spcAft>
+              <a:buFont typeface="Wingdings" panose="05000000000000000000" charset="0"/>
+              <a:buChar char="§"/>
+            </a:pPr>
+            <a:r>
+              <a:rPr lang="en-US" dirty="0">
+                <a:latin typeface="Georgia" panose="02040502050405020303" charset="0"/>
+                <a:cs typeface="Georgia" panose="02040502050405020303" charset="0"/>
+              </a:rPr>
+              <a:t>In building the system , the framework used should be Keras on Linux platform   </a:t>
+            </a:r>
+            <a:endParaRPr lang="en-US" dirty="0">
+              <a:latin typeface="Georgia" panose="02040502050405020303" charset="0"/>
+              <a:cs typeface="Georgia" panose="02040502050405020303" charset="0"/>
+            </a:endParaRPr>
+          </a:p>
+          <a:p>
+            <a:pPr marL="285750" lvl="0" indent="-285750" algn="l" rtl="0">
+              <a:spcBef>
+                <a:spcPts val="0"/>
+              </a:spcBef>
+              <a:spcAft>
+                <a:spcPts val="1600"/>
+              </a:spcAft>
+              <a:buFont typeface="Wingdings" panose="05000000000000000000" charset="0"/>
+              <a:buChar char="§"/>
+            </a:pPr>
             <a:endParaRPr lang="en-US" dirty="0">
               <a:latin typeface="Georgia" panose="02040502050405020303" charset="0"/>
               <a:cs typeface="Georgia" panose="02040502050405020303" charset="0"/>
@@ -17808,12 +17881,7 @@
             <p:ph type="title"/>
           </p:nvPr>
         </p:nvSpPr>
-        <p:spPr>
-          <a:xfrm>
-            <a:off x="2755900" y="273685"/>
-            <a:ext cx="2822575" cy="572770"/>
-          </a:xfrm>
-        </p:spPr>
+        <p:spPr/>
         <p:txBody>
           <a:bodyPr/>
           <a:p>
@@ -17834,7 +17902,7 @@
       </p:sp>
       <p:pic>
         <p:nvPicPr>
-          <p:cNvPr id="4" name="Content Placeholder 3" descr="Capture11"/>
+          <p:cNvPr id="7" name="Content Placeholder 6"/>
           <p:cNvPicPr>
             <a:picLocks noChangeAspect="1"/>
           </p:cNvPicPr>
@@ -17843,30 +17911,15 @@
           </p:nvPr>
         </p:nvPicPr>
         <p:blipFill>
-          <a:blip r:embed="rId1">
-            <a:clrChange>
-              <a:clrFrom>
-                <a:srgbClr val="FFFFFF">
-                  <a:alpha val="100000"/>
-                </a:srgbClr>
-              </a:clrFrom>
-              <a:clrTo>
-                <a:srgbClr val="FFFFFF">
-                  <a:alpha val="100000"/>
-                  <a:alpha val="0"/>
-                </a:srgbClr>
-              </a:clrTo>
-            </a:clrChange>
-          </a:blip>
-          <a:srcRect l="6052" r="2398"/>
+          <a:blip r:embed="rId1"/>
           <a:stretch>
             <a:fillRect/>
           </a:stretch>
         </p:blipFill>
         <p:spPr>
           <a:xfrm>
-            <a:off x="1301750" y="400685"/>
-            <a:ext cx="6541135" cy="4676140"/>
+            <a:off x="1877695" y="956310"/>
+            <a:ext cx="5124450" cy="4053840"/>
           </a:xfrm>
           <a:prstGeom prst="rect">
             <a:avLst/>
@@ -17984,9 +18037,9 @@
                 <a:latin typeface="Georgia" panose="02040502050405020303" charset="0"/>
                 <a:cs typeface="Georgia" panose="02040502050405020303" charset="0"/>
               </a:rPr>
-              <a:t>[1]   https://arxiv.org/pdf/1910.03814.pdf</a:t>
+              <a:t>[1]  Raul Gomez, Jaume Gibert, Lluis Gomez,Dimosthenis Karatzas : Exploring Hate Speech Detection in Multimodal Publications,WACV,2020</a:t>
             </a:r>
-            <a:endParaRPr dirty="0">
+            <a:endParaRPr lang="en-IN" dirty="0">
               <a:latin typeface="Georgia" panose="02040502050405020303" charset="0"/>
               <a:cs typeface="Georgia" panose="02040502050405020303" charset="0"/>
             </a:endParaRPr>
@@ -18006,7 +18059,76 @@
                 <a:latin typeface="Georgia" panose="02040502050405020303" charset="0"/>
                 <a:cs typeface="Georgia" panose="02040502050405020303" charset="0"/>
               </a:rPr>
-              <a:t>[2]   </a:t>
+              <a:t>[2] Hateful Memes Challenge</a:t>
+            </a:r>
+            <a:r>
+              <a:rPr lang="en-US" altLang="en-IN" dirty="0">
+                <a:latin typeface="Georgia" panose="02040502050405020303" charset="0"/>
+                <a:cs typeface="Georgia" panose="02040502050405020303" charset="0"/>
+              </a:rPr>
+              <a:t>,</a:t>
+            </a:r>
+            <a:r>
+              <a:rPr lang="en-IN" dirty="0">
+                <a:latin typeface="Georgia" panose="02040502050405020303" charset="0"/>
+                <a:cs typeface="Georgia" panose="02040502050405020303" charset="0"/>
+              </a:rPr>
+              <a:t>Yuval Nirkin</a:t>
+            </a:r>
+            <a:r>
+              <a:rPr lang="en-US" altLang="en-IN" dirty="0">
+                <a:latin typeface="Georgia" panose="02040502050405020303" charset="0"/>
+                <a:cs typeface="Georgia" panose="02040502050405020303" charset="0"/>
+              </a:rPr>
+              <a:t>,</a:t>
+            </a:r>
+            <a:r>
+              <a:rPr lang="en-IN" dirty="0">
+                <a:latin typeface="Georgia" panose="02040502050405020303" charset="0"/>
+                <a:cs typeface="Georgia" panose="02040502050405020303" charset="0"/>
+              </a:rPr>
+              <a:t> Assaf Rabinowitz  </a:t>
+            </a:r>
+            <a:r>
+              <a:rPr lang="en-US" altLang="en-IN" dirty="0">
+                <a:latin typeface="Georgia" panose="02040502050405020303" charset="0"/>
+                <a:cs typeface="Georgia" panose="02040502050405020303" charset="0"/>
+              </a:rPr>
+              <a:t>,</a:t>
+            </a:r>
+            <a:r>
+              <a:rPr lang="en-IN" dirty="0">
+                <a:latin typeface="Georgia" panose="02040502050405020303" charset="0"/>
+                <a:cs typeface="Georgia" panose="02040502050405020303" charset="0"/>
+              </a:rPr>
+              <a:t>Yoni Solel</a:t>
+            </a:r>
+            <a:r>
+              <a:rPr lang="en-US" altLang="en-IN" dirty="0">
+                <a:latin typeface="Georgia" panose="02040502050405020303" charset="0"/>
+                <a:cs typeface="Georgia" panose="02040502050405020303" charset="0"/>
+              </a:rPr>
+              <a:t>,</a:t>
+            </a:r>
+            <a:r>
+              <a:rPr lang="en-IN" dirty="0">
+                <a:latin typeface="Georgia" panose="02040502050405020303" charset="0"/>
+                <a:cs typeface="Georgia" panose="02040502050405020303" charset="0"/>
+              </a:rPr>
+              <a:t>2020, Sep 22   </a:t>
+            </a:r>
+            <a:br>
+              <a:rPr lang="en-IN" dirty="0">
+                <a:latin typeface="Georgia" panose="02040502050405020303" charset="0"/>
+                <a:cs typeface="Georgia" panose="02040502050405020303" charset="0"/>
+              </a:rPr>
+            </a:br>
+            <a:r>
+              <a:rPr lang="en-IN" dirty="0">
+                <a:latin typeface="Georgia" panose="02040502050405020303" charset="0"/>
+                <a:cs typeface="Georgia" panose="02040502050405020303" charset="0"/>
+              </a:rPr>
+              <a:t>       </a:t>
             </a:r>
             <a:r>
               <a:rPr dirty="0">
@@ -18035,31 +18157,15 @@
                 <a:latin typeface="Georgia" panose="02040502050405020303" charset="0"/>
                 <a:cs typeface="Georgia" panose="02040502050405020303" charset="0"/>
               </a:rPr>
-              <a:t>[3]   </a:t>
+              <a:t>[3]  Shardul Suryawanshi, Bharathi Raja Chakravarthi,</a:t>
             </a:r>
             <a:r>
               <a:rPr dirty="0">
                 <a:latin typeface="Georgia" panose="02040502050405020303" charset="0"/>
                 <a:cs typeface="Georgia" panose="02040502050405020303" charset="0"/>
               </a:rPr>
-              <a:t>https://www.aclweb.org/anthology/2020.trac-1.6.pdf</a:t>
+              <a:t>Mihael Arcan, Paul Buitelaar : Multimodal Meme Dataset (MultiOFF) for Identifying Offensive Content in Image and Text,2020.</a:t>
             </a:r>
-            <a:endParaRPr dirty="0">
-              <a:latin typeface="Georgia" panose="02040502050405020303" charset="0"/>
-              <a:cs typeface="Georgia" panose="02040502050405020303" charset="0"/>
-            </a:endParaRPr>
-          </a:p>
-          <a:p>
-            <a:pPr marL="0" lvl="0" indent="0" algn="l" rtl="0">
-              <a:spcBef>
-                <a:spcPts val="0"/>
-              </a:spcBef>
-              <a:spcAft>
-                <a:spcPts val="1600"/>
-              </a:spcAft>
-              <a:buFont typeface="Arial" panose="020B0604020202020204" pitchFamily="34" charset="0"/>
-              <a:buNone/>
-            </a:pPr>
             <a:endParaRPr dirty="0">
               <a:latin typeface="Georgia" panose="02040502050405020303" charset="0"/>
               <a:cs typeface="Georgia" panose="02040502050405020303" charset="0"/>
@@ -18240,33 +18346,7 @@
                 <a:latin typeface="Georgia" panose="02040502050405020303" charset="0"/>
                 <a:cs typeface="Georgia" panose="02040502050405020303" charset="0"/>
               </a:rPr>
-              <a:t>INTRODUCTION</a:t>
-            </a:r>
-            <a:endParaRPr lang="en-US" dirty="0">
-              <a:latin typeface="Georgia" panose="02040502050405020303" charset="0"/>
-              <a:cs typeface="Georgia" panose="02040502050405020303" charset="0"/>
-            </a:endParaRPr>
-          </a:p>
-          <a:p>
-            <a:pPr marL="400050" lvl="0" indent="-400050" algn="l" rtl="0">
-              <a:lnSpc>
-                <a:spcPct val="65000"/>
-              </a:lnSpc>
-              <a:spcBef>
-                <a:spcPts val="0"/>
-              </a:spcBef>
-              <a:spcAft>
-                <a:spcPts val="1600"/>
-              </a:spcAft>
-              <a:buFont typeface="Wingdings" panose="05000000000000000000" charset="0"/>
-              <a:buChar char="q"/>
-            </a:pPr>
-            <a:r>
-              <a:rPr lang="en-US" dirty="0">
-                <a:latin typeface="Georgia" panose="02040502050405020303" charset="0"/>
-                <a:cs typeface="Georgia" panose="02040502050405020303" charset="0"/>
-              </a:rPr>
-              <a:t>MOTIVATION</a:t>
+              <a:t>INTRODUCTION AND MOTIVATION</a:t>
             </a:r>
             <a:endParaRPr lang="en-US" dirty="0">
               <a:latin typeface="Georgia" panose="02040502050405020303" charset="0"/>
@@ -18468,8 +18548,8 @@
         </p:nvSpPr>
         <p:spPr>
           <a:xfrm>
-            <a:off x="1303800" y="598575"/>
-            <a:ext cx="7030500" cy="999300"/>
+            <a:off x="1303655" y="598805"/>
+            <a:ext cx="7030720" cy="786130"/>
           </a:xfrm>
           <a:prstGeom prst="rect">
             <a:avLst/>
@@ -18498,7 +18578,7 @@
                 <a:latin typeface="Georgia" panose="02040502050405020303" charset="0"/>
                 <a:cs typeface="Georgia" panose="02040502050405020303" charset="0"/>
               </a:rPr>
-              <a:t>Introduction</a:t>
+              <a:t>Introduction and Motivation</a:t>
             </a:r>
             <a:endParaRPr lang="en-US" dirty="0">
               <a:solidFill>
@@ -18549,7 +18629,7 @@
                 <a:latin typeface="Georgia" panose="02040502050405020303" charset="0"/>
                 <a:cs typeface="Georgia" panose="02040502050405020303" charset="0"/>
               </a:rPr>
-              <a:t>“Memes” are cultural inside jokes, a way of connecting with people across internet through instantly recognizable photos. They collect emotions, ideas and actions into an easy-to-translate format.</a:t>
+              <a:t>A meme is an idea, behavior, or style that becomes a trend and spreads by means of imitation from person to person within a culture and often carries symbolic meaning representing a particular phenomenon or theme.</a:t>
             </a:r>
             <a:endParaRPr lang="en-US" dirty="0">
               <a:latin typeface="Georgia" panose="02040502050405020303" charset="0"/>
@@ -18578,21 +18658,7 @@
                 <a:latin typeface="Georgia" panose="02040502050405020303" charset="0"/>
                 <a:cs typeface="Georgia" panose="02040502050405020303" charset="0"/>
               </a:rPr>
-              <a:t> : Besides reflecting humor ,the rise of memes has shown to be having a harmful  effect  on an individual as well as  political, </a:t>
-            </a:r>
-            <a:r>
-              <a:rPr lang="en-US" dirty="0" err="1">
-                <a:latin typeface="Georgia" panose="02040502050405020303" charset="0"/>
-                <a:cs typeface="Georgia" panose="02040502050405020303" charset="0"/>
-              </a:rPr>
-              <a:t>religional</a:t>
-            </a:r>
-            <a:r>
-              <a:rPr lang="en-US" dirty="0">
-                <a:latin typeface="Georgia" panose="02040502050405020303" charset="0"/>
-                <a:cs typeface="Georgia" panose="02040502050405020303" charset="0"/>
-              </a:rPr>
-              <a:t> , communal sectors of society.  </a:t>
+              <a:t> :   </a:t>
             </a:r>
             <a:endParaRPr lang="en-US" dirty="0">
               <a:latin typeface="Georgia" panose="02040502050405020303" charset="0"/>
@@ -18609,120 +18675,6 @@
               </a:spcAft>
               <a:buNone/>
             </a:pPr>
-            <a:r>
-              <a:rPr lang="en-US" b="1" dirty="0">
-                <a:latin typeface="Georgia" panose="02040502050405020303" charset="0"/>
-                <a:cs typeface="Georgia" panose="02040502050405020303" charset="0"/>
-              </a:rPr>
-              <a:t>Data: </a:t>
-            </a:r>
-            <a:r>
-              <a:rPr lang="en-US" dirty="0">
-                <a:latin typeface="Georgia" panose="02040502050405020303" charset="0"/>
-                <a:cs typeface="Georgia" panose="02040502050405020303" charset="0"/>
-              </a:rPr>
-              <a:t>Meme as an </a:t>
-            </a:r>
-            <a:r>
-              <a:rPr lang="en-US" b="1" dirty="0">
-                <a:latin typeface="Georgia" panose="02040502050405020303" charset="0"/>
-                <a:cs typeface="Georgia" panose="02040502050405020303" charset="0"/>
-              </a:rPr>
-              <a:t>image </a:t>
-            </a:r>
-            <a:r>
-              <a:rPr lang="en-US" dirty="0">
-                <a:latin typeface="Georgia" panose="02040502050405020303" charset="0"/>
-                <a:cs typeface="Georgia" panose="02040502050405020303" charset="0"/>
-              </a:rPr>
-              <a:t>along with</a:t>
-            </a:r>
-            <a:r>
-              <a:rPr lang="en-US" b="1" dirty="0">
-                <a:latin typeface="Georgia" panose="02040502050405020303" charset="0"/>
-                <a:cs typeface="Georgia" panose="02040502050405020303" charset="0"/>
-              </a:rPr>
-              <a:t> </a:t>
-            </a:r>
-            <a:r>
-              <a:rPr lang="en-US" dirty="0">
-                <a:latin typeface="Georgia" panose="02040502050405020303" charset="0"/>
-                <a:cs typeface="Georgia" panose="02040502050405020303" charset="0"/>
-              </a:rPr>
-              <a:t>embedded </a:t>
-            </a:r>
-            <a:r>
-              <a:rPr lang="en-US" b="1" dirty="0">
-                <a:latin typeface="Georgia" panose="02040502050405020303" charset="0"/>
-                <a:cs typeface="Georgia" panose="02040502050405020303" charset="0"/>
-              </a:rPr>
-              <a:t>text </a:t>
-            </a:r>
-            <a:r>
-              <a:rPr lang="en-US" dirty="0">
-                <a:latin typeface="Georgia" panose="02040502050405020303" charset="0"/>
-                <a:cs typeface="Georgia" panose="02040502050405020303" charset="0"/>
-              </a:rPr>
-              <a:t>.</a:t>
-            </a:r>
-            <a:endParaRPr lang="en-US" b="1" dirty="0">
-              <a:latin typeface="Georgia" panose="02040502050405020303" charset="0"/>
-              <a:cs typeface="Georgia" panose="02040502050405020303" charset="0"/>
-            </a:endParaRPr>
-          </a:p>
-          <a:p>
-            <a:pPr marL="0" lvl="0" indent="0" algn="l" rtl="0">
-              <a:spcBef>
-                <a:spcPts val="0"/>
-              </a:spcBef>
-              <a:spcAft>
-                <a:spcPts val="1600"/>
-              </a:spcAft>
-              <a:buNone/>
-            </a:pPr>
-            <a:r>
-              <a:rPr lang="en-US" b="1" dirty="0">
-                <a:latin typeface="Georgia" panose="02040502050405020303" charset="0"/>
-                <a:cs typeface="Georgia" panose="02040502050405020303" charset="0"/>
-              </a:rPr>
-              <a:t>Features: </a:t>
-            </a:r>
-            <a:r>
-              <a:rPr lang="en-US" dirty="0">
-                <a:latin typeface="Georgia" panose="02040502050405020303" charset="0"/>
-                <a:cs typeface="Georgia" panose="02040502050405020303" charset="0"/>
-              </a:rPr>
-              <a:t>Image and text features , in the form of embedding vectors .</a:t>
-            </a:r>
-            <a:endParaRPr lang="en-US" b="1" dirty="0">
-              <a:latin typeface="Georgia" panose="02040502050405020303" charset="0"/>
-              <a:cs typeface="Georgia" panose="02040502050405020303" charset="0"/>
-            </a:endParaRPr>
-          </a:p>
-          <a:p>
-            <a:pPr marL="0" lvl="0" indent="0" algn="l" rtl="0">
-              <a:spcBef>
-                <a:spcPts val="0"/>
-              </a:spcBef>
-              <a:spcAft>
-                <a:spcPts val="1600"/>
-              </a:spcAft>
-              <a:buNone/>
-            </a:pPr>
-            <a:r>
-              <a:rPr lang="en-US" b="1" dirty="0">
-                <a:latin typeface="Georgia" panose="02040502050405020303" charset="0"/>
-                <a:cs typeface="Georgia" panose="02040502050405020303" charset="0"/>
-              </a:rPr>
-              <a:t>Multimodal Models</a:t>
-            </a:r>
-            <a:r>
-              <a:rPr lang="en-US" dirty="0">
-                <a:latin typeface="Georgia" panose="02040502050405020303" charset="0"/>
-                <a:cs typeface="Georgia" panose="02040502050405020303" charset="0"/>
-              </a:rPr>
-              <a:t>: Interpretation of memes using multimodal models .</a:t>
-            </a:r>
             <a:endParaRPr lang="en-US" dirty="0">
               <a:latin typeface="Georgia" panose="02040502050405020303" charset="0"/>
               <a:cs typeface="Georgia" panose="02040502050405020303" charset="0"/>
@@ -18760,6 +18712,54 @@
           </a:p>
         </p:txBody>
       </p:sp>
+      <p:pic>
+        <p:nvPicPr>
+          <p:cNvPr id="2" name="Picture 1"/>
+          <p:cNvPicPr>
+            <a:picLocks noChangeAspect="1"/>
+          </p:cNvPicPr>
+          <p:nvPr/>
+        </p:nvPicPr>
+        <p:blipFill>
+          <a:blip r:embed="rId1"/>
+          <a:stretch>
+            <a:fillRect/>
+          </a:stretch>
+        </p:blipFill>
+        <p:spPr>
+          <a:xfrm>
+            <a:off x="786765" y="2635250"/>
+            <a:ext cx="4787900" cy="2199005"/>
+          </a:xfrm>
+          <a:prstGeom prst="rect">
+            <a:avLst/>
+          </a:prstGeom>
+        </p:spPr>
+      </p:pic>
+      <p:pic>
+        <p:nvPicPr>
+          <p:cNvPr id="3" name="Picture 2" descr="04316"/>
+          <p:cNvPicPr>
+            <a:picLocks noChangeAspect="1"/>
+          </p:cNvPicPr>
+          <p:nvPr/>
+        </p:nvPicPr>
+        <p:blipFill>
+          <a:blip r:embed="rId2"/>
+          <a:stretch>
+            <a:fillRect/>
+          </a:stretch>
+        </p:blipFill>
+        <p:spPr>
+          <a:xfrm>
+            <a:off x="5843270" y="2156460"/>
+            <a:ext cx="2948940" cy="2559685"/>
+          </a:xfrm>
+          <a:prstGeom prst="rect">
+            <a:avLst/>
+          </a:prstGeom>
+        </p:spPr>
+      </p:pic>
     </p:spTree>
   </p:cSld>
   <p:clrMapOvr>
@@ -18785,185 +18785,6 @@
           <a:chExt cx="0" cy="0"/>
         </a:xfrm>
       </p:grpSpPr>
-      <p:sp>
-        <p:nvSpPr>
-          <p:cNvPr id="295" name="Google Shape;295;p16"/>
-          <p:cNvSpPr txBox="1">
-            <a:spLocks noGrp="1"/>
-          </p:cNvSpPr>
-          <p:nvPr>
-            <p:ph type="title"/>
-          </p:nvPr>
-        </p:nvSpPr>
-        <p:spPr>
-          <a:prstGeom prst="rect">
-            <a:avLst/>
-          </a:prstGeom>
-        </p:spPr>
-        <p:txBody>
-          <a:bodyPr spcFirstLastPara="1" wrap="square" lIns="91425" tIns="91425" rIns="91425" bIns="91425" anchor="t" anchorCtr="0">
-            <a:noAutofit/>
-          </a:bodyPr>
-          <a:lstStyle/>
-          <a:p>
-            <a:pPr marL="0" lvl="0" indent="0" algn="l" rtl="0">
-              <a:spcBef>
-                <a:spcPts val="0"/>
-              </a:spcBef>
-              <a:spcAft>
-                <a:spcPts val="0"/>
-              </a:spcAft>
-              <a:buNone/>
-            </a:pPr>
-            <a:r>
-              <a:rPr lang="en-US" dirty="0">
-                <a:latin typeface="Georgia" panose="02040502050405020303" charset="0"/>
-                <a:cs typeface="Georgia" panose="02040502050405020303" charset="0"/>
-              </a:rPr>
-              <a:t>Motivation</a:t>
-            </a:r>
-            <a:endParaRPr lang="en-US" dirty="0">
-              <a:latin typeface="Georgia" panose="02040502050405020303" charset="0"/>
-              <a:cs typeface="Georgia" panose="02040502050405020303" charset="0"/>
-            </a:endParaRPr>
-          </a:p>
-        </p:txBody>
-      </p:sp>
-      <p:pic>
-        <p:nvPicPr>
-          <p:cNvPr id="2" name="Picture 1" descr="02891"/>
-          <p:cNvPicPr>
-            <a:picLocks noChangeAspect="1"/>
-          </p:cNvPicPr>
-          <p:nvPr/>
-        </p:nvPicPr>
-        <p:blipFill>
-          <a:blip r:embed="rId1"/>
-          <a:stretch>
-            <a:fillRect/>
-          </a:stretch>
-        </p:blipFill>
-        <p:spPr>
-          <a:xfrm>
-            <a:off x="244475" y="1017905"/>
-            <a:ext cx="2642870" cy="2020570"/>
-          </a:xfrm>
-          <a:prstGeom prst="rect">
-            <a:avLst/>
-          </a:prstGeom>
-        </p:spPr>
-      </p:pic>
-      <p:sp>
-        <p:nvSpPr>
-          <p:cNvPr id="5" name="Text Box 4"/>
-          <p:cNvSpPr txBox="1"/>
-          <p:nvPr/>
-        </p:nvSpPr>
-        <p:spPr>
-          <a:xfrm>
-            <a:off x="667385" y="3345180"/>
-            <a:ext cx="7808595" cy="1383665"/>
-          </a:xfrm>
-          <a:prstGeom prst="rect">
-            <a:avLst/>
-          </a:prstGeom>
-          <a:noFill/>
-        </p:spPr>
-        <p:txBody>
-          <a:bodyPr wrap="square" rtlCol="0">
-            <a:spAutoFit/>
-          </a:bodyPr>
-          <a:p>
-            <a:pPr marL="342900" lvl="0" indent="-342900">
-              <a:buFont typeface="Arial" panose="020B0604020202020204" pitchFamily="34" charset="0"/>
-              <a:buAutoNum type="arabicPeriod"/>
-            </a:pPr>
-            <a:endParaRPr lang="en-US">
-              <a:latin typeface="Georgia" panose="02040502050405020303" charset="0"/>
-              <a:cs typeface="Georgia" panose="02040502050405020303" charset="0"/>
-            </a:endParaRPr>
-          </a:p>
-          <a:p>
-            <a:pPr marL="342900" lvl="0" indent="-342900">
-              <a:buFont typeface="Arial" panose="020B0604020202020204" pitchFamily="34" charset="0"/>
-              <a:buAutoNum type="arabicPeriod"/>
-            </a:pPr>
-            <a:r>
-              <a:rPr lang="en-US">
-                <a:latin typeface="Georgia" panose="02040502050405020303" charset="0"/>
-                <a:cs typeface="Georgia" panose="02040502050405020303" charset="0"/>
-              </a:rPr>
-              <a:t>To prevent the spread of incorrect ideology.</a:t>
-            </a:r>
-            <a:endParaRPr lang="en-US">
-              <a:latin typeface="Georgia" panose="02040502050405020303" charset="0"/>
-              <a:cs typeface="Georgia" panose="02040502050405020303" charset="0"/>
-            </a:endParaRPr>
-          </a:p>
-          <a:p>
-            <a:pPr marL="342900" lvl="0" indent="-342900">
-              <a:buFont typeface="Arial" panose="020B0604020202020204" pitchFamily="34" charset="0"/>
-              <a:buAutoNum type="arabicPeriod"/>
-            </a:pPr>
-            <a:r>
-              <a:rPr lang="en-US">
-                <a:latin typeface="Georgia" panose="02040502050405020303" charset="0"/>
-                <a:cs typeface="Georgia" panose="02040502050405020303" charset="0"/>
-              </a:rPr>
-              <a:t>To tackle trolling, individual attacks and other such social criticism.</a:t>
-            </a:r>
-            <a:endParaRPr lang="en-US">
-              <a:latin typeface="Georgia" panose="02040502050405020303" charset="0"/>
-              <a:cs typeface="Georgia" panose="02040502050405020303" charset="0"/>
-            </a:endParaRPr>
-          </a:p>
-          <a:p>
-            <a:pPr marL="342900" indent="-342900">
-              <a:buFont typeface="+mj-lt"/>
-              <a:buAutoNum type="arabicPeriod"/>
-            </a:pPr>
-            <a:r>
-              <a:rPr lang="en-US">
-                <a:latin typeface="Georgia" panose="02040502050405020303" charset="0"/>
-                <a:cs typeface="Georgia" panose="02040502050405020303" charset="0"/>
-                <a:sym typeface="+mn-ea"/>
-              </a:rPr>
-              <a:t>To tackle the spreading of  fake news.</a:t>
-            </a:r>
-            <a:endParaRPr lang="en-US">
-              <a:latin typeface="Georgia" panose="02040502050405020303" charset="0"/>
-              <a:cs typeface="Georgia" panose="02040502050405020303" charset="0"/>
-            </a:endParaRPr>
-          </a:p>
-          <a:p>
-            <a:pPr marL="0" lvl="0" indent="0">
-              <a:buFont typeface="Arial" panose="020B0604020202020204" pitchFamily="34" charset="0"/>
-              <a:buNone/>
-            </a:pPr>
-            <a:r>
-              <a:rPr lang="en-US">
-                <a:latin typeface="Georgia" panose="02040502050405020303" charset="0"/>
-                <a:cs typeface="Georgia" panose="02040502050405020303" charset="0"/>
-              </a:rPr>
-              <a:t> </a:t>
-            </a:r>
-            <a:endParaRPr lang="en-US">
-              <a:latin typeface="Georgia" panose="02040502050405020303" charset="0"/>
-              <a:cs typeface="Georgia" panose="02040502050405020303" charset="0"/>
-            </a:endParaRPr>
-          </a:p>
-          <a:p>
-            <a:pPr marL="342900" lvl="0" indent="-342900">
-              <a:buFont typeface="Arial" panose="020B0604020202020204" pitchFamily="34" charset="0"/>
-              <a:buChar char="•"/>
-            </a:pPr>
-            <a:endParaRPr lang="en-US">
-              <a:latin typeface="Georgia" panose="02040502050405020303" charset="0"/>
-              <a:cs typeface="Georgia" panose="02040502050405020303" charset="0"/>
-            </a:endParaRPr>
-          </a:p>
-        </p:txBody>
-      </p:sp>
       <p:pic>
         <p:nvPicPr>
           <p:cNvPr id="7" name="Content Placeholder 6"/>
@@ -18975,16 +18796,16 @@
           </p:nvPr>
         </p:nvPicPr>
         <p:blipFill>
-          <a:blip r:embed="rId2"/>
-          <a:srcRect b="23937"/>
+          <a:blip r:embed="rId1"/>
+          <a:srcRect r="9065" b="23937"/>
           <a:stretch>
             <a:fillRect/>
           </a:stretch>
         </p:blipFill>
         <p:spPr>
           <a:xfrm>
-            <a:off x="3192780" y="978535"/>
-            <a:ext cx="2930525" cy="2098675"/>
+            <a:off x="3387090" y="2821940"/>
+            <a:ext cx="2790190" cy="2197100"/>
           </a:xfrm>
           <a:prstGeom prst="rect">
             <a:avLst/>
@@ -18993,13 +18814,35 @@
       </p:pic>
       <p:pic>
         <p:nvPicPr>
-          <p:cNvPr id="9" name="Content Placeholder 8"/>
+          <p:cNvPr id="4" name="Picture 3"/>
           <p:cNvPicPr>
             <a:picLocks noChangeAspect="1"/>
           </p:cNvPicPr>
-          <p:nvPr>
-            <p:ph sz="half" idx="1"/>
-          </p:nvPr>
+          <p:nvPr/>
+        </p:nvPicPr>
+        <p:blipFill>
+          <a:blip r:embed="rId2"/>
+          <a:stretch>
+            <a:fillRect/>
+          </a:stretch>
+        </p:blipFill>
+        <p:spPr>
+          <a:xfrm>
+            <a:off x="270510" y="857250"/>
+            <a:ext cx="3102610" cy="2255520"/>
+          </a:xfrm>
+          <a:prstGeom prst="rect">
+            <a:avLst/>
+          </a:prstGeom>
+        </p:spPr>
+      </p:pic>
+      <p:pic>
+        <p:nvPicPr>
+          <p:cNvPr id="6" name="Picture 5"/>
+          <p:cNvPicPr>
+            <a:picLocks noChangeAspect="1"/>
+          </p:cNvPicPr>
+          <p:nvPr/>
         </p:nvPicPr>
         <p:blipFill>
           <a:blip r:embed="rId3"/>
@@ -19009,8 +18852,8 @@
         </p:blipFill>
         <p:spPr>
           <a:xfrm>
-            <a:off x="6061075" y="978535"/>
-            <a:ext cx="2296795" cy="2020570"/>
+            <a:off x="6183630" y="877570"/>
+            <a:ext cx="2692400" cy="2197100"/>
           </a:xfrm>
           <a:prstGeom prst="rect">
             <a:avLst/>
@@ -19136,63 +18979,7 @@
                 <a:latin typeface="Georgia" panose="02040502050405020303" charset="0"/>
                 <a:cs typeface="Georgia" panose="02040502050405020303" charset="0"/>
               </a:rPr>
-              <a:t>T</a:t>
-            </a:r>
-            <a:r>
-              <a:rPr sz="1600">
-                <a:latin typeface="Georgia" panose="02040502050405020303" charset="0"/>
-                <a:cs typeface="Georgia" panose="02040502050405020303" charset="0"/>
-              </a:rPr>
-              <a:t>o </a:t>
-            </a:r>
-            <a:r>
-              <a:rPr lang="en-US" sz="1600">
-                <a:latin typeface="Georgia" panose="02040502050405020303" charset="0"/>
-                <a:cs typeface="Georgia" panose="02040502050405020303" charset="0"/>
-              </a:rPr>
-              <a:t>label </a:t>
-            </a:r>
-            <a:r>
-              <a:rPr sz="1600">
-                <a:latin typeface="Georgia" panose="02040502050405020303" charset="0"/>
-                <a:cs typeface="Georgia" panose="02040502050405020303" charset="0"/>
-              </a:rPr>
-              <a:t>a meme </a:t>
-            </a:r>
-            <a:r>
-              <a:rPr lang="en-US" sz="1600">
-                <a:latin typeface="Georgia" panose="02040502050405020303" charset="0"/>
-                <a:cs typeface="Georgia" panose="02040502050405020303" charset="0"/>
-              </a:rPr>
-              <a:t>as </a:t>
-            </a:r>
-            <a:r>
-              <a:rPr sz="1600">
-                <a:latin typeface="Georgia" panose="02040502050405020303" charset="0"/>
-                <a:cs typeface="Georgia" panose="02040502050405020303" charset="0"/>
-              </a:rPr>
-              <a:t>hateful or non-hateful </a:t>
-            </a:r>
-            <a:r>
-              <a:rPr lang="en-US" sz="1600">
-                <a:latin typeface="Georgia" panose="02040502050405020303" charset="0"/>
-                <a:cs typeface="Georgia" panose="02040502050405020303" charset="0"/>
-              </a:rPr>
-              <a:t>by developing </a:t>
-            </a:r>
-            <a:r>
-              <a:rPr sz="1600">
-                <a:latin typeface="Georgia" panose="02040502050405020303" charset="0"/>
-                <a:cs typeface="Georgia" panose="02040502050405020303" charset="0"/>
-              </a:rPr>
-              <a:t>a </a:t>
-            </a:r>
-            <a:r>
-              <a:rPr lang="en-US" sz="1600">
-                <a:latin typeface="Georgia" panose="02040502050405020303" charset="0"/>
-                <a:cs typeface="Georgia" panose="02040502050405020303" charset="0"/>
-              </a:rPr>
-              <a:t>multimodal model.</a:t>
+              <a:t>To develop multimodal architecture which classifies the memes as hateful or non hateful.</a:t>
             </a:r>
             <a:endParaRPr lang="en-US" sz="1600">
               <a:latin typeface="Georgia" panose="02040502050405020303" charset="0"/>
@@ -19231,7 +19018,7 @@
         </p:nvSpPr>
         <p:spPr>
           <a:xfrm>
-            <a:off x="893445" y="2418080"/>
+            <a:off x="2026285" y="4072255"/>
             <a:ext cx="645795" cy="306705"/>
           </a:xfrm>
           <a:prstGeom prst="rect">
@@ -19267,7 +19054,7 @@
         </p:nvSpPr>
         <p:spPr>
           <a:xfrm>
-            <a:off x="827405" y="4140200"/>
+            <a:off x="7140575" y="3937000"/>
             <a:ext cx="777875" cy="306705"/>
           </a:xfrm>
           <a:prstGeom prst="rect">
@@ -19297,14 +19084,14 @@
       </p:sp>
       <p:sp>
         <p:nvSpPr>
-          <p:cNvPr id="8" name="Text Box 7"/>
+          <p:cNvPr id="9" name="Text Box 8"/>
           <p:cNvSpPr txBox="1"/>
           <p:nvPr/>
         </p:nvSpPr>
         <p:spPr>
           <a:xfrm>
-            <a:off x="6768465" y="4239895"/>
-            <a:ext cx="1012825" cy="306705"/>
+            <a:off x="7000875" y="2958465"/>
+            <a:ext cx="1167765" cy="306705"/>
           </a:xfrm>
           <a:prstGeom prst="rect">
             <a:avLst/>
@@ -19322,7 +19109,7 @@
                 <a:latin typeface="Georgia" panose="02040502050405020303" charset="0"/>
                 <a:cs typeface="Georgia" panose="02040502050405020303" charset="0"/>
               </a:rPr>
-              <a:t>Hateful(1)</a:t>
+              <a:t>Non Hateful</a:t>
             </a:r>
             <a:endParaRPr lang="en-US">
               <a:latin typeface="Georgia" panose="02040502050405020303" charset="0"/>
@@ -19331,39 +19118,9 @@
           </a:p>
         </p:txBody>
       </p:sp>
-      <p:sp>
-        <p:nvSpPr>
-          <p:cNvPr id="9" name="Text Box 8"/>
-          <p:cNvSpPr txBox="1"/>
-          <p:nvPr/>
-        </p:nvSpPr>
-        <p:spPr>
-          <a:xfrm>
-            <a:off x="2717165" y="4239895"/>
-            <a:ext cx="1388745" cy="306705"/>
-          </a:xfrm>
-          <a:prstGeom prst="rect">
-            <a:avLst/>
-          </a:prstGeom>
-          <a:noFill/>
-        </p:spPr>
-        <p:txBody>
-          <a:bodyPr wrap="square" rtlCol="0">
-            <a:spAutoFit/>
-          </a:bodyPr>
-          <a:lstStyle/>
-          <a:p>
-            <a:r>
-              <a:rPr lang="en-US"/>
-              <a:t>Non Hateful(0)</a:t>
-            </a:r>
-            <a:endParaRPr lang="en-US"/>
-          </a:p>
-        </p:txBody>
-      </p:sp>
       <p:pic>
         <p:nvPicPr>
-          <p:cNvPr id="10" name="Picture 9"/>
+          <p:cNvPr id="11" name="Picture 10"/>
           <p:cNvPicPr>
             <a:picLocks noChangeAspect="1"/>
           </p:cNvPicPr>
@@ -19377,31 +19134,7 @@
         </p:blipFill>
         <p:spPr>
           <a:xfrm>
-            <a:off x="6148705" y="2077720"/>
-            <a:ext cx="2244400" cy="1764000"/>
-          </a:xfrm>
-          <a:prstGeom prst="rect">
-            <a:avLst/>
-          </a:prstGeom>
-        </p:spPr>
-      </p:pic>
-      <p:pic>
-        <p:nvPicPr>
-          <p:cNvPr id="11" name="Picture 10"/>
-          <p:cNvPicPr>
-            <a:picLocks noChangeAspect="1"/>
-          </p:cNvPicPr>
-          <p:nvPr/>
-        </p:nvPicPr>
-        <p:blipFill>
-          <a:blip r:embed="rId2"/>
-          <a:stretch>
-            <a:fillRect/>
-          </a:stretch>
-        </p:blipFill>
-        <p:spPr>
-          <a:xfrm>
-            <a:off x="2107565" y="2077720"/>
+            <a:off x="1083310" y="2232025"/>
             <a:ext cx="2532380" cy="1769745"/>
           </a:xfrm>
           <a:prstGeom prst="rect">
@@ -19409,21 +19142,83 @@
           </a:prstGeom>
         </p:spPr>
       </p:pic>
+      <p:sp>
+        <p:nvSpPr>
+          <p:cNvPr id="2" name="Cube 1"/>
+          <p:cNvSpPr/>
+          <p:nvPr/>
+        </p:nvSpPr>
+        <p:spPr>
+          <a:xfrm>
+            <a:off x="4081145" y="2825115"/>
+            <a:ext cx="2262505" cy="575945"/>
+          </a:xfrm>
+          <a:prstGeom prst="cube">
+            <a:avLst/>
+          </a:prstGeom>
+          <a:solidFill>
+            <a:schemeClr val="accent1">
+              <a:lumMod val="40000"/>
+              <a:lumOff val="60000"/>
+              <a:alpha val="17000"/>
+            </a:schemeClr>
+          </a:solidFill>
+        </p:spPr>
+        <p:style>
+          <a:lnRef idx="2">
+            <a:schemeClr val="accent1">
+              <a:shade val="50000"/>
+            </a:schemeClr>
+          </a:lnRef>
+          <a:fillRef idx="1">
+            <a:schemeClr val="accent1"/>
+          </a:fillRef>
+          <a:effectRef idx="0">
+            <a:schemeClr val="accent1"/>
+          </a:effectRef>
+          <a:fontRef idx="minor">
+            <a:schemeClr val="lt1"/>
+          </a:fontRef>
+        </p:style>
+        <p:txBody>
+          <a:bodyPr rtlCol="0" anchor="ctr"/>
+          <a:p>
+            <a:pPr algn="ctr"/>
+            <a:r>
+              <a:rPr lang="en-US">
+                <a:solidFill>
+                  <a:schemeClr val="bg2"/>
+                </a:solidFill>
+                <a:latin typeface="Georgia" panose="02040502050405020303" charset="0"/>
+                <a:cs typeface="Georgia" panose="02040502050405020303" charset="0"/>
+              </a:rPr>
+              <a:t>Multimodal Architecture</a:t>
+            </a:r>
+            <a:endParaRPr lang="en-US">
+              <a:solidFill>
+                <a:schemeClr val="bg2"/>
+              </a:solidFill>
+              <a:latin typeface="Georgia" panose="02040502050405020303" charset="0"/>
+              <a:cs typeface="Georgia" panose="02040502050405020303" charset="0"/>
+            </a:endParaRPr>
+          </a:p>
+        </p:txBody>
+      </p:sp>
       <p:cxnSp>
         <p:nvCxnSpPr>
-          <p:cNvPr id="12" name="Straight Arrow Connector 11"/>
+          <p:cNvPr id="6" name="Straight Arrow Connector 5"/>
           <p:cNvCxnSpPr/>
           <p:nvPr/>
         </p:nvCxnSpPr>
         <p:spPr>
-          <a:xfrm>
-            <a:off x="7272655" y="3847465"/>
-            <a:ext cx="3810" cy="392430"/>
+          <a:xfrm flipV="1">
+            <a:off x="3615690" y="3155950"/>
+            <a:ext cx="432000" cy="10160"/>
           </a:xfrm>
           <a:prstGeom prst="straightConnector1">
             <a:avLst/>
           </a:prstGeom>
-          <a:ln w="41275" cmpd="sng">
+          <a:ln w="28575" cmpd="sng">
             <a:solidFill>
               <a:schemeClr val="accent1">
                 <a:shade val="50000"/>
@@ -19450,19 +19245,19 @@
       </p:cxnSp>
       <p:cxnSp>
         <p:nvCxnSpPr>
-          <p:cNvPr id="13" name="Straight Arrow Connector 12"/>
+          <p:cNvPr id="7" name="Straight Arrow Connector 6"/>
           <p:cNvCxnSpPr/>
           <p:nvPr/>
         </p:nvCxnSpPr>
         <p:spPr>
-          <a:xfrm>
-            <a:off x="3409950" y="3818255"/>
-            <a:ext cx="3810" cy="392430"/>
+          <a:xfrm flipV="1">
+            <a:off x="6337935" y="3117215"/>
+            <a:ext cx="684000" cy="10160"/>
           </a:xfrm>
           <a:prstGeom prst="straightConnector1">
             <a:avLst/>
           </a:prstGeom>
-          <a:ln w="41275" cmpd="sng">
+          <a:ln w="28575" cmpd="sng">
             <a:solidFill>
               <a:schemeClr val="accent1">
                 <a:shade val="50000"/>
@@ -19589,7 +19384,7 @@
         <p:spPr>
           <a:xfrm>
             <a:off x="1303655" y="1878330"/>
-            <a:ext cx="7030720" cy="1386205"/>
+            <a:ext cx="7030720" cy="1682750"/>
           </a:xfrm>
           <a:prstGeom prst="rect">
             <a:avLst/>
@@ -19669,14 +19464,37 @@
                 <a:latin typeface="Georgia" panose="02040502050405020303" charset="0"/>
                 <a:cs typeface="Georgia" panose="02040502050405020303" charset="0"/>
               </a:rPr>
-              <a:t>performace</a:t>
+              <a:t>performance</a:t>
             </a:r>
             <a:r>
               <a:rPr lang="en-US" dirty="0">
                 <a:latin typeface="Georgia" panose="02040502050405020303" charset="0"/>
                 <a:cs typeface="Georgia" panose="02040502050405020303" charset="0"/>
               </a:rPr>
-              <a:t> of the multimodal model using AUC ROC.</a:t>
+              <a:t> of the multimodal model.</a:t>
+            </a:r>
+            <a:endParaRPr lang="en-US" dirty="0">
+              <a:latin typeface="Georgia" panose="02040502050405020303" charset="0"/>
+              <a:cs typeface="Georgia" panose="02040502050405020303" charset="0"/>
+            </a:endParaRPr>
+          </a:p>
+          <a:p>
+            <a:pPr marL="342900" lvl="0" indent="-342900" algn="l" rtl="0">
+              <a:spcBef>
+                <a:spcPts val="0"/>
+              </a:spcBef>
+              <a:spcAft>
+                <a:spcPts val="1600"/>
+              </a:spcAft>
+              <a:buFont typeface="Wingdings" panose="05000000000000000000" charset="0"/>
+              <a:buAutoNum type="arabicPeriod"/>
+            </a:pPr>
+            <a:r>
+              <a:rPr lang="en-US" dirty="0">
+                <a:latin typeface="Georgia" panose="02040502050405020303" charset="0"/>
+                <a:cs typeface="Georgia" panose="02040502050405020303" charset="0"/>
+              </a:rPr>
+              <a:t>To compare proposed architecture with state-of-art technique.</a:t>
             </a:r>
             <a:endParaRPr lang="en-US" dirty="0">
               <a:latin typeface="Georgia" panose="02040502050405020303" charset="0"/>

--- a/MINI PROJECT REVIEW.pptx
+++ b/MINI PROJECT REVIEW.pptx
@@ -3857,6 +3857,7 @@
   <p:clrMapOvr>
     <a:masterClrMapping/>
   </p:clrMapOvr>
+  <p:hf hdr="0" ftr="0" dt="0"/>
 </p:sldLayout>
 </file>
 
@@ -9178,6 +9179,7 @@
   <p:clrMapOvr>
     <a:masterClrMapping/>
   </p:clrMapOvr>
+  <p:hf hdr="0" ftr="0" dt="0"/>
 </p:sldLayout>
 </file>
 
@@ -9281,6 +9283,7 @@
   <p:clrMapOvr>
     <a:masterClrMapping/>
   </p:clrMapOvr>
+  <p:hf hdr="0" ftr="0" dt="0"/>
 </p:sldLayout>
 </file>
 
@@ -9463,6 +9466,7 @@
   <p:clrMapOvr>
     <a:masterClrMapping/>
   </p:clrMapOvr>
+  <p:hf hdr="0" ftr="0" dt="0"/>
 </p:sldLayout>
 </file>
 
@@ -9711,6 +9715,7 @@
   <p:clrMapOvr>
     <a:masterClrMapping/>
   </p:clrMapOvr>
+  <p:hf hdr="0" ftr="0" dt="0"/>
 </p:sldLayout>
 </file>
 
@@ -11195,6 +11200,7 @@
   <p:clrMapOvr>
     <a:masterClrMapping/>
   </p:clrMapOvr>
+  <p:hf hdr="0" ftr="0" dt="0"/>
 </p:sldLayout>
 </file>
 
@@ -11655,6 +11661,7 @@
   <p:clrMapOvr>
     <a:masterClrMapping/>
   </p:clrMapOvr>
+  <p:hf hdr="0" ftr="0" dt="0"/>
 </p:sldLayout>
 </file>
 
@@ -12242,6 +12249,7 @@
   <p:clrMapOvr>
     <a:masterClrMapping/>
   </p:clrMapOvr>
+  <p:hf hdr="0" ftr="0" dt="0"/>
 </p:sldLayout>
 </file>
 
@@ -12575,6 +12583,7 @@
   <p:clrMapOvr>
     <a:masterClrMapping/>
   </p:clrMapOvr>
+  <p:hf hdr="0" ftr="0" dt="0"/>
 </p:sldLayout>
 </file>
 
@@ -13035,6 +13044,7 @@
   <p:clrMapOvr>
     <a:masterClrMapping/>
   </p:clrMapOvr>
+  <p:hf hdr="0" ftr="0" dt="0"/>
 </p:sldLayout>
 </file>
 
@@ -13769,6 +13779,7 @@
   <p:clrMapOvr>
     <a:masterClrMapping/>
   </p:clrMapOvr>
+  <p:hf hdr="0" ftr="0" dt="0"/>
 </p:sldLayout>
 </file>
 
@@ -14410,6 +14421,7 @@
   <p:clrMapOvr>
     <a:masterClrMapping/>
   </p:clrMapOvr>
+  <p:hf hdr="0" ftr="0" dt="0"/>
 </p:sldLayout>
 </file>
 
@@ -14658,6 +14670,7 @@
   <p:clrMapOvr>
     <a:masterClrMapping/>
   </p:clrMapOvr>
+  <p:hf hdr="0" ftr="0" dt="0"/>
 </p:sldLayout>
 </file>
 
@@ -15363,7 +15376,7 @@
     <p:sldLayoutId id="2147483660" r:id="rId12"/>
     <p:sldLayoutId id="2147483661" r:id="rId13"/>
   </p:sldLayoutIdLst>
-  <p:hf sldNum="0" hdr="0" ftr="0" dt="0"/>
+  <p:hf hdr="0" ftr="0" dt="0"/>
   <p:txStyles>
     <p:titleStyle>
       <a:defPPr marR="0" lvl="0" algn="l" rtl="0">
@@ -16209,7 +16222,7 @@
               </a:rPr>
             </a:br>
             <a:r>
-              <a:rPr lang="en-US" sz="3200">
+              <a:rPr lang="en-US" sz="1600">
                 <a:solidFill>
                   <a:schemeClr val="bg2"/>
                 </a:solidFill>
@@ -16223,9 +16236,8 @@
                 <a:uFillTx/>
                 <a:latin typeface="Georgia" panose="02040502050405020303" charset="0"/>
                 <a:cs typeface="Georgia" panose="02040502050405020303" charset="0"/>
-                <a:sym typeface="+mn-ea"/>
               </a:rPr>
-              <a:t>Meme Classification </a:t>
+              <a:t>Multimodal Hateful Meme Detection. </a:t>
             </a:r>
             <a:br>
               <a:rPr lang="en-US" sz="3200">
@@ -16566,6 +16578,36 @@
           </a:prstGeom>
         </p:spPr>
       </p:pic>
+      <p:sp>
+        <p:nvSpPr>
+          <p:cNvPr id="3" name="Slide Number Placeholder 2"/>
+          <p:cNvSpPr>
+            <a:spLocks noGrp="1"/>
+          </p:cNvSpPr>
+          <p:nvPr>
+            <p:ph type="sldNum" idx="12"/>
+          </p:nvPr>
+        </p:nvSpPr>
+        <p:spPr/>
+        <p:txBody>
+          <a:bodyPr/>
+          <a:p>
+            <a:pPr marL="0" lvl="0" indent="0" algn="r" rtl="0">
+              <a:spcBef>
+                <a:spcPts val="0"/>
+              </a:spcBef>
+              <a:spcAft>
+                <a:spcPts val="0"/>
+              </a:spcAft>
+              <a:buNone/>
+            </a:pPr>
+            <a:fld id="{00000000-1234-1234-1234-123412341234}" type="slidenum">
+              <a:rPr lang="en-GB"/>
+            </a:fld>
+            <a:endParaRPr lang="en-GB"/>
+          </a:p>
+        </p:txBody>
+      </p:sp>
     </p:spTree>
   </p:cSld>
   <p:clrMapOvr>
@@ -16809,6 +16851,32 @@
           </a:prstGeom>
         </p:spPr>
       </p:pic>
+      <p:sp>
+        <p:nvSpPr>
+          <p:cNvPr id="3" name="Slide Number Placeholder 2"/>
+          <p:cNvSpPr>
+            <a:spLocks noGrp="1"/>
+          </p:cNvSpPr>
+          <p:nvPr>
+            <p:ph type="sldNum" sz="quarter" idx="12"/>
+          </p:nvPr>
+        </p:nvSpPr>
+        <p:spPr/>
+        <p:txBody>
+          <a:bodyPr/>
+          <a:p>
+            <a:pPr lvl="0" fontAlgn="base"/>
+            <a:fld id="{9A0DB2DC-4C9A-4742-B13C-FB6460FD3503}" type="slidenum">
+              <a:rPr lang="zh-CN" altLang="en-US" strike="noStrike" noProof="1" dirty="0">
+                <a:latin typeface="Arial" panose="020B0604020202020204" pitchFamily="34" charset="0"/>
+                <a:ea typeface="SimSun" panose="02010600030101010101" pitchFamily="2" charset="-122"/>
+                <a:cs typeface="+mn-cs"/>
+              </a:rPr>
+            </a:fld>
+            <a:endParaRPr lang="zh-CN" altLang="en-US" strike="noStrike" noProof="1"/>
+          </a:p>
+        </p:txBody>
+      </p:sp>
     </p:spTree>
   </p:cSld>
   <p:clrMapOvr>
@@ -17497,6 +17565,32 @@
           </a:fontRef>
         </p:style>
       </p:cxnSp>
+      <p:sp>
+        <p:nvSpPr>
+          <p:cNvPr id="6" name="Slide Number Placeholder 5"/>
+          <p:cNvSpPr>
+            <a:spLocks noGrp="1"/>
+          </p:cNvSpPr>
+          <p:nvPr>
+            <p:ph type="sldNum" sz="quarter" idx="12"/>
+          </p:nvPr>
+        </p:nvSpPr>
+        <p:spPr/>
+        <p:txBody>
+          <a:bodyPr/>
+          <a:p>
+            <a:pPr lvl="0" fontAlgn="base"/>
+            <a:fld id="{9A0DB2DC-4C9A-4742-B13C-FB6460FD3503}" type="slidenum">
+              <a:rPr lang="zh-CN" altLang="en-US" strike="noStrike" noProof="1" dirty="0">
+                <a:latin typeface="Arial" panose="020B0604020202020204" pitchFamily="34" charset="0"/>
+                <a:ea typeface="SimSun" panose="02010600030101010101" pitchFamily="2" charset="-122"/>
+                <a:cs typeface="+mn-cs"/>
+              </a:rPr>
+            </a:fld>
+            <a:endParaRPr lang="zh-CN" altLang="en-US" strike="noStrike" noProof="1"/>
+          </a:p>
+        </p:txBody>
+      </p:sp>
     </p:spTree>
   </p:cSld>
   <p:clrMapOvr>
@@ -17606,7 +17700,7 @@
           <a:p>
             <a:pPr marL="0" lvl="0" indent="0" algn="l" rtl="0">
               <a:lnSpc>
-                <a:spcPct val="100000"/>
+                <a:spcPct val="130000"/>
               </a:lnSpc>
               <a:spcBef>
                 <a:spcPts val="0"/>
@@ -17635,7 +17729,7 @@
             </a:endParaRPr>
           </a:p>
           <a:p>
-            <a:pPr marL="0" lvl="0" indent="0" algn="l" rtl="0">
+            <a:pPr marL="285750" lvl="0" indent="-285750" algn="l" rtl="0">
               <a:lnSpc>
                 <a:spcPct val="25000"/>
               </a:lnSpc>
@@ -17645,7 +17739,8 @@
               <a:spcAft>
                 <a:spcPts val="1600"/>
               </a:spcAft>
-              <a:buNone/>
+              <a:buFont typeface="Wingdings" panose="05000000000000000000" charset="0"/>
+              <a:buChar char="§"/>
             </a:pPr>
             <a:r>
               <a:rPr lang="en-US" dirty="0">
@@ -17721,7 +17816,7 @@
                 <a:latin typeface="Georgia" panose="02040502050405020303" charset="0"/>
                 <a:cs typeface="Georgia" panose="02040502050405020303" charset="0"/>
               </a:rPr>
-              <a:t>The system shall be comparable to the state of art techniques.</a:t>
+              <a:t>The system shall be comparable to the state of the art techniques.</a:t>
             </a:r>
             <a:endParaRPr lang="en-US" dirty="0">
               <a:latin typeface="Georgia" panose="02040502050405020303" charset="0"/>
@@ -17730,6 +17825,9 @@
           </a:p>
           <a:p>
             <a:pPr marL="0" lvl="0" indent="0" algn="l" rtl="0">
+              <a:lnSpc>
+                <a:spcPct val="125000"/>
+              </a:lnSpc>
               <a:spcBef>
                 <a:spcPts val="0"/>
               </a:spcBef>
@@ -17752,6 +17850,9 @@
           </a:p>
           <a:p>
             <a:pPr marL="285750" lvl="0" indent="-285750" algn="l" rtl="0">
+              <a:lnSpc>
+                <a:spcPct val="45000"/>
+              </a:lnSpc>
               <a:spcBef>
                 <a:spcPts val="0"/>
               </a:spcBef>
@@ -17766,7 +17867,7 @@
                 <a:latin typeface="Georgia" panose="02040502050405020303" charset="0"/>
                 <a:cs typeface="Georgia" panose="02040502050405020303" charset="0"/>
               </a:rPr>
-              <a:t>The model should be atleast 70% accurate .</a:t>
+              <a:t>The system should be atleast 70% accurate .</a:t>
             </a:r>
             <a:endParaRPr lang="en-US" dirty="0">
               <a:latin typeface="Georgia" panose="02040502050405020303" charset="0"/>
@@ -17789,7 +17890,7 @@
                 <a:latin typeface="Georgia" panose="02040502050405020303" charset="0"/>
                 <a:cs typeface="Georgia" panose="02040502050405020303" charset="0"/>
               </a:rPr>
-              <a:t>The model should not under-perform on limited computing resources.</a:t>
+              <a:t>The system should not under-perform on limited computing resources.</a:t>
             </a:r>
             <a:endParaRPr lang="en-US" dirty="0">
               <a:latin typeface="Georgia" panose="02040502050405020303" charset="0"/>
@@ -17812,7 +17913,7 @@
                 <a:latin typeface="Georgia" panose="02040502050405020303" charset="0"/>
                 <a:cs typeface="Georgia" panose="02040502050405020303" charset="0"/>
               </a:rPr>
-              <a:t>In building the system , the framework used should be Keras on Linux platform   </a:t>
+              <a:t>In building the system , the framework used should be Keras,on Linux platform.   </a:t>
             </a:r>
             <a:endParaRPr lang="en-US" dirty="0">
               <a:latin typeface="Georgia" panose="02040502050405020303" charset="0"/>
@@ -17850,6 +17951,36 @@
               <a:latin typeface="Georgia" panose="02040502050405020303" charset="0"/>
               <a:cs typeface="Georgia" panose="02040502050405020303" charset="0"/>
             </a:endParaRPr>
+          </a:p>
+        </p:txBody>
+      </p:sp>
+      <p:sp>
+        <p:nvSpPr>
+          <p:cNvPr id="2" name="Slide Number Placeholder 1"/>
+          <p:cNvSpPr>
+            <a:spLocks noGrp="1"/>
+          </p:cNvSpPr>
+          <p:nvPr>
+            <p:ph type="sldNum" idx="12"/>
+          </p:nvPr>
+        </p:nvSpPr>
+        <p:spPr/>
+        <p:txBody>
+          <a:bodyPr/>
+          <a:p>
+            <a:pPr marL="0" lvl="0" indent="0" algn="r" rtl="0">
+              <a:spcBef>
+                <a:spcPts val="0"/>
+              </a:spcBef>
+              <a:spcAft>
+                <a:spcPts val="0"/>
+              </a:spcAft>
+              <a:buNone/>
+            </a:pPr>
+            <a:fld id="{00000000-1234-1234-1234-123412341234}" type="slidenum">
+              <a:rPr lang="en-GB"/>
+            </a:fld>
+            <a:endParaRPr lang="en-GB"/>
           </a:p>
         </p:txBody>
       </p:sp>
@@ -17881,7 +18012,11 @@
             <p:ph type="title"/>
           </p:nvPr>
         </p:nvSpPr>
-        <p:spPr/>
+        <p:spPr>
+          <a:ln>
+            <a:noFill/>
+          </a:ln>
+        </p:spPr>
         <p:txBody>
           <a:bodyPr/>
           <a:p>
@@ -17900,14 +18035,40 @@
           </a:p>
         </p:txBody>
       </p:sp>
+      <p:sp>
+        <p:nvSpPr>
+          <p:cNvPr id="3" name="Slide Number Placeholder 2"/>
+          <p:cNvSpPr>
+            <a:spLocks noGrp="1"/>
+          </p:cNvSpPr>
+          <p:nvPr>
+            <p:ph type="sldNum" sz="quarter" idx="12"/>
+          </p:nvPr>
+        </p:nvSpPr>
+        <p:spPr/>
+        <p:txBody>
+          <a:bodyPr/>
+          <a:p>
+            <a:pPr lvl="0" fontAlgn="base"/>
+            <a:fld id="{9A0DB2DC-4C9A-4742-B13C-FB6460FD3503}" type="slidenum">
+              <a:rPr lang="zh-CN" altLang="en-US" strike="noStrike" noProof="1" dirty="0">
+                <a:latin typeface="Arial" panose="020B0604020202020204" pitchFamily="34" charset="0"/>
+                <a:ea typeface="SimSun" panose="02010600030101010101" pitchFamily="2" charset="-122"/>
+                <a:cs typeface="+mn-cs"/>
+              </a:rPr>
+            </a:fld>
+            <a:endParaRPr lang="zh-CN" altLang="en-US" strike="noStrike" noProof="1"/>
+          </a:p>
+        </p:txBody>
+      </p:sp>
       <p:pic>
         <p:nvPicPr>
-          <p:cNvPr id="7" name="Content Placeholder 6"/>
+          <p:cNvPr id="20" name="Content Placeholder 19"/>
           <p:cNvPicPr>
             <a:picLocks noChangeAspect="1"/>
           </p:cNvPicPr>
           <p:nvPr>
-            <p:ph idx="1"/>
+            <p:ph sz="half" idx="2"/>
           </p:nvPr>
         </p:nvPicPr>
         <p:blipFill>
@@ -17918,8 +18079,8 @@
         </p:blipFill>
         <p:spPr>
           <a:xfrm>
-            <a:off x="1877695" y="956310"/>
-            <a:ext cx="5124450" cy="4053840"/>
+            <a:off x="2399030" y="1243330"/>
+            <a:ext cx="4032250" cy="3169920"/>
           </a:xfrm>
           <a:prstGeom prst="rect">
             <a:avLst/>
@@ -18173,6 +18334,36 @@
           </a:p>
         </p:txBody>
       </p:sp>
+      <p:sp>
+        <p:nvSpPr>
+          <p:cNvPr id="2" name="Slide Number Placeholder 1"/>
+          <p:cNvSpPr>
+            <a:spLocks noGrp="1"/>
+          </p:cNvSpPr>
+          <p:nvPr>
+            <p:ph type="sldNum" idx="12"/>
+          </p:nvPr>
+        </p:nvSpPr>
+        <p:spPr/>
+        <p:txBody>
+          <a:bodyPr/>
+          <a:p>
+            <a:pPr marL="0" lvl="0" indent="0" algn="r" rtl="0">
+              <a:spcBef>
+                <a:spcPts val="0"/>
+              </a:spcBef>
+              <a:spcAft>
+                <a:spcPts val="0"/>
+              </a:spcAft>
+              <a:buNone/>
+            </a:pPr>
+            <a:fld id="{00000000-1234-1234-1234-123412341234}" type="slidenum">
+              <a:rPr lang="en-GB"/>
+            </a:fld>
+            <a:endParaRPr lang="en-GB"/>
+          </a:p>
+        </p:txBody>
+      </p:sp>
     </p:spTree>
   </p:cSld>
   <p:clrMapOvr>
@@ -18230,6 +18421,36 @@
           </a:p>
         </p:txBody>
       </p:sp>
+      <p:sp>
+        <p:nvSpPr>
+          <p:cNvPr id="3" name="Slide Number Placeholder 2"/>
+          <p:cNvSpPr>
+            <a:spLocks noGrp="1"/>
+          </p:cNvSpPr>
+          <p:nvPr>
+            <p:ph type="sldNum" idx="12"/>
+          </p:nvPr>
+        </p:nvSpPr>
+        <p:spPr/>
+        <p:txBody>
+          <a:bodyPr/>
+          <a:p>
+            <a:pPr marL="0" lvl="0" indent="0" algn="r" rtl="0">
+              <a:spcBef>
+                <a:spcPts val="0"/>
+              </a:spcBef>
+              <a:spcAft>
+                <a:spcPts val="0"/>
+              </a:spcAft>
+              <a:buNone/>
+            </a:pPr>
+            <a:fld id="{00000000-1234-1234-1234-123412341234}" type="slidenum">
+              <a:rPr lang="en-GB"/>
+            </a:fld>
+            <a:endParaRPr lang="en-GB"/>
+          </a:p>
+        </p:txBody>
+      </p:sp>
     </p:spTree>
   </p:cSld>
   <p:clrMapOvr>
@@ -18508,6 +18729,36 @@
               <a:latin typeface="Georgia" panose="02040502050405020303" charset="0"/>
               <a:cs typeface="Georgia" panose="02040502050405020303" charset="0"/>
             </a:endParaRPr>
+          </a:p>
+        </p:txBody>
+      </p:sp>
+      <p:sp>
+        <p:nvSpPr>
+          <p:cNvPr id="2" name="Slide Number Placeholder 1"/>
+          <p:cNvSpPr>
+            <a:spLocks noGrp="1"/>
+          </p:cNvSpPr>
+          <p:nvPr>
+            <p:ph type="sldNum" idx="12"/>
+          </p:nvPr>
+        </p:nvSpPr>
+        <p:spPr/>
+        <p:txBody>
+          <a:bodyPr/>
+          <a:p>
+            <a:pPr marL="0" lvl="0" indent="0" algn="r" rtl="0">
+              <a:spcBef>
+                <a:spcPts val="0"/>
+              </a:spcBef>
+              <a:spcAft>
+                <a:spcPts val="0"/>
+              </a:spcAft>
+              <a:buNone/>
+            </a:pPr>
+            <a:fld id="{00000000-1234-1234-1234-123412341234}" type="slidenum">
+              <a:rPr lang="en-GB"/>
+            </a:fld>
+            <a:endParaRPr lang="en-GB"/>
           </a:p>
         </p:txBody>
       </p:sp>
@@ -18760,6 +19011,36 @@
           </a:prstGeom>
         </p:spPr>
       </p:pic>
+      <p:sp>
+        <p:nvSpPr>
+          <p:cNvPr id="4" name="Slide Number Placeholder 3"/>
+          <p:cNvSpPr>
+            <a:spLocks noGrp="1"/>
+          </p:cNvSpPr>
+          <p:nvPr>
+            <p:ph type="sldNum" idx="12"/>
+          </p:nvPr>
+        </p:nvSpPr>
+        <p:spPr/>
+        <p:txBody>
+          <a:bodyPr/>
+          <a:p>
+            <a:pPr marL="0" lvl="0" indent="0" algn="r" rtl="0">
+              <a:spcBef>
+                <a:spcPts val="0"/>
+              </a:spcBef>
+              <a:spcAft>
+                <a:spcPts val="0"/>
+              </a:spcAft>
+              <a:buNone/>
+            </a:pPr>
+            <a:fld id="{00000000-1234-1234-1234-123412341234}" type="slidenum">
+              <a:rPr lang="en-GB"/>
+            </a:fld>
+            <a:endParaRPr lang="en-GB"/>
+          </a:p>
+        </p:txBody>
+      </p:sp>
     </p:spTree>
   </p:cSld>
   <p:clrMapOvr>
@@ -18860,6 +19141,32 @@
           </a:prstGeom>
         </p:spPr>
       </p:pic>
+      <p:sp>
+        <p:nvSpPr>
+          <p:cNvPr id="2" name="Slide Number Placeholder 1"/>
+          <p:cNvSpPr>
+            <a:spLocks noGrp="1"/>
+          </p:cNvSpPr>
+          <p:nvPr>
+            <p:ph type="sldNum" sz="quarter" idx="12"/>
+          </p:nvPr>
+        </p:nvSpPr>
+        <p:spPr/>
+        <p:txBody>
+          <a:bodyPr/>
+          <a:p>
+            <a:pPr lvl="0" fontAlgn="base"/>
+            <a:fld id="{9A0DB2DC-4C9A-4742-B13C-FB6460FD3503}" type="slidenum">
+              <a:rPr lang="zh-CN" altLang="en-US" strike="noStrike" noProof="1" dirty="0">
+                <a:latin typeface="Arial" panose="020B0604020202020204" pitchFamily="34" charset="0"/>
+                <a:ea typeface="SimSun" panose="02010600030101010101" pitchFamily="2" charset="-122"/>
+                <a:cs typeface="+mn-cs"/>
+              </a:rPr>
+            </a:fld>
+            <a:endParaRPr lang="zh-CN" altLang="en-US" strike="noStrike" noProof="1"/>
+          </a:p>
+        </p:txBody>
+      </p:sp>
     </p:spTree>
   </p:cSld>
   <p:clrMapOvr>
@@ -19282,6 +19589,36 @@
           </a:fontRef>
         </p:style>
       </p:cxnSp>
+      <p:sp>
+        <p:nvSpPr>
+          <p:cNvPr id="5" name="Slide Number Placeholder 4"/>
+          <p:cNvSpPr>
+            <a:spLocks noGrp="1"/>
+          </p:cNvSpPr>
+          <p:nvPr>
+            <p:ph type="sldNum" idx="12"/>
+          </p:nvPr>
+        </p:nvSpPr>
+        <p:spPr/>
+        <p:txBody>
+          <a:bodyPr/>
+          <a:p>
+            <a:pPr marL="0" lvl="0" indent="0" algn="r" rtl="0">
+              <a:spcBef>
+                <a:spcPts val="0"/>
+              </a:spcBef>
+              <a:spcAft>
+                <a:spcPts val="0"/>
+              </a:spcAft>
+              <a:buNone/>
+            </a:pPr>
+            <a:fld id="{00000000-1234-1234-1234-123412341234}" type="slidenum">
+              <a:rPr lang="en-GB"/>
+            </a:fld>
+            <a:endParaRPr lang="en-GB"/>
+          </a:p>
+        </p:txBody>
+      </p:sp>
     </p:spTree>
   </p:cSld>
   <p:clrMapOvr>
@@ -19471,7 +19808,7 @@
                 <a:latin typeface="Georgia" panose="02040502050405020303" charset="0"/>
                 <a:cs typeface="Georgia" panose="02040502050405020303" charset="0"/>
               </a:rPr>
-              <a:t> of the multimodal model.</a:t>
+              <a:t> of the multimodal architecture.</a:t>
             </a:r>
             <a:endParaRPr lang="en-US" dirty="0">
               <a:latin typeface="Georgia" panose="02040502050405020303" charset="0"/>
@@ -19515,6 +19852,36 @@
               <a:latin typeface="Georgia" panose="02040502050405020303" charset="0"/>
               <a:cs typeface="Georgia" panose="02040502050405020303" charset="0"/>
             </a:endParaRPr>
+          </a:p>
+        </p:txBody>
+      </p:sp>
+      <p:sp>
+        <p:nvSpPr>
+          <p:cNvPr id="2" name="Slide Number Placeholder 1"/>
+          <p:cNvSpPr>
+            <a:spLocks noGrp="1"/>
+          </p:cNvSpPr>
+          <p:nvPr>
+            <p:ph type="sldNum" idx="12"/>
+          </p:nvPr>
+        </p:nvSpPr>
+        <p:spPr/>
+        <p:txBody>
+          <a:bodyPr/>
+          <a:p>
+            <a:pPr marL="0" lvl="0" indent="0" algn="r" rtl="0">
+              <a:spcBef>
+                <a:spcPts val="0"/>
+              </a:spcBef>
+              <a:spcAft>
+                <a:spcPts val="0"/>
+              </a:spcAft>
+              <a:buNone/>
+            </a:pPr>
+            <a:fld id="{00000000-1234-1234-1234-123412341234}" type="slidenum">
+              <a:rPr lang="en-GB"/>
+            </a:fld>
+            <a:endParaRPr lang="en-GB"/>
           </a:p>
         </p:txBody>
       </p:sp>
@@ -19597,6 +19964,36 @@
               <a:cs typeface="Georgia" panose="02040502050405020303" charset="0"/>
               <a:sym typeface="+mn-ea"/>
             </a:endParaRPr>
+          </a:p>
+        </p:txBody>
+      </p:sp>
+      <p:sp>
+        <p:nvSpPr>
+          <p:cNvPr id="2" name="Slide Number Placeholder 1"/>
+          <p:cNvSpPr>
+            <a:spLocks noGrp="1"/>
+          </p:cNvSpPr>
+          <p:nvPr>
+            <p:ph type="sldNum" idx="12"/>
+          </p:nvPr>
+        </p:nvSpPr>
+        <p:spPr/>
+        <p:txBody>
+          <a:bodyPr/>
+          <a:p>
+            <a:pPr marL="0" lvl="0" indent="0" algn="r" rtl="0">
+              <a:spcBef>
+                <a:spcPts val="0"/>
+              </a:spcBef>
+              <a:spcAft>
+                <a:spcPts val="0"/>
+              </a:spcAft>
+              <a:buNone/>
+            </a:pPr>
+            <a:fld id="{00000000-1234-1234-1234-123412341234}" type="slidenum">
+              <a:rPr lang="en-GB"/>
+            </a:fld>
+            <a:endParaRPr lang="en-GB"/>
           </a:p>
         </p:txBody>
       </p:sp>
@@ -20250,6 +20647,32 @@
           </a:ln>
         </p:spPr>
       </p:pic>
+      <p:sp>
+        <p:nvSpPr>
+          <p:cNvPr id="2" name="Slide Number Placeholder 1"/>
+          <p:cNvSpPr>
+            <a:spLocks noGrp="1"/>
+          </p:cNvSpPr>
+          <p:nvPr>
+            <p:ph type="sldNum" sz="quarter" idx="12"/>
+          </p:nvPr>
+        </p:nvSpPr>
+        <p:spPr/>
+        <p:txBody>
+          <a:bodyPr/>
+          <a:p>
+            <a:pPr lvl="0" fontAlgn="base"/>
+            <a:fld id="{9A0DB2DC-4C9A-4742-B13C-FB6460FD3503}" type="slidenum">
+              <a:rPr lang="zh-CN" altLang="en-US" strike="noStrike" noProof="1" dirty="0">
+                <a:latin typeface="Arial" panose="020B0604020202020204" pitchFamily="34" charset="0"/>
+                <a:ea typeface="SimSun" panose="02010600030101010101" pitchFamily="2" charset="-122"/>
+                <a:cs typeface="+mn-cs"/>
+              </a:rPr>
+            </a:fld>
+            <a:endParaRPr lang="zh-CN" altLang="en-US" strike="noStrike" noProof="1"/>
+          </a:p>
+        </p:txBody>
+      </p:sp>
     </p:spTree>
   </p:cSld>
   <p:clrMapOvr>

--- a/MINI PROJECT REVIEW.pptx
+++ b/MINI PROJECT REVIEW.pptx
@@ -5,58 +5,54 @@
     <p:sldMasterId id="2147483648" r:id="rId1"/>
   </p:sldMasterIdLst>
   <p:notesMasterIdLst>
-    <p:notesMasterId r:id="rId4"/>
+    <p:notesMasterId r:id="rId17"/>
   </p:notesMasterIdLst>
   <p:sldIdLst>
-    <p:sldId id="256" r:id="rId3"/>
-    <p:sldId id="257" r:id="rId5"/>
-    <p:sldId id="258" r:id="rId6"/>
-    <p:sldId id="259" r:id="rId7"/>
-    <p:sldId id="260" r:id="rId8"/>
-    <p:sldId id="261" r:id="rId9"/>
-    <p:sldId id="262" r:id="rId10"/>
-    <p:sldId id="281" r:id="rId11"/>
-    <p:sldId id="279" r:id="rId12"/>
-    <p:sldId id="296" r:id="rId13"/>
-    <p:sldId id="263" r:id="rId14"/>
-    <p:sldId id="264" r:id="rId15"/>
-    <p:sldId id="313" r:id="rId16"/>
-    <p:sldId id="265" r:id="rId17"/>
-    <p:sldId id="312" r:id="rId18"/>
+    <p:sldId id="256" r:id="rId2"/>
+    <p:sldId id="257" r:id="rId3"/>
+    <p:sldId id="258" r:id="rId4"/>
+    <p:sldId id="259" r:id="rId5"/>
+    <p:sldId id="260" r:id="rId6"/>
+    <p:sldId id="261" r:id="rId7"/>
+    <p:sldId id="262" r:id="rId8"/>
+    <p:sldId id="281" r:id="rId9"/>
+    <p:sldId id="279" r:id="rId10"/>
+    <p:sldId id="296" r:id="rId11"/>
+    <p:sldId id="263" r:id="rId12"/>
+    <p:sldId id="264" r:id="rId13"/>
+    <p:sldId id="313" r:id="rId14"/>
+    <p:sldId id="265" r:id="rId15"/>
+    <p:sldId id="312" r:id="rId16"/>
   </p:sldIdLst>
   <p:sldSz cx="9144000" cy="5143500" type="screen16x9"/>
   <p:notesSz cx="6858000" cy="9144000"/>
   <p:embeddedFontLst>
     <p:embeddedFont>
-      <p:font typeface="SimSun" panose="02010600030101010101" pitchFamily="2" charset="-122"/>
-      <p:regular r:id="rId22"/>
+      <p:font typeface="Agency FB" panose="020B0503020202020204" pitchFamily="34" charset="0"/>
+      <p:regular r:id="rId18"/>
+      <p:bold r:id="rId19"/>
     </p:embeddedFont>
     <p:embeddedFont>
-      <p:font typeface="Maven Pro"/>
-      <p:regular r:id="rId23"/>
+      <p:font typeface="Cambria" panose="02040503050406030204" pitchFamily="18" charset="0"/>
+      <p:regular r:id="rId20"/>
+      <p:bold r:id="rId21"/>
+      <p:italic r:id="rId22"/>
+      <p:boldItalic r:id="rId23"/>
     </p:embeddedFont>
     <p:embeddedFont>
-      <p:font typeface="Nunito" panose="00000500000000000000"/>
+      <p:font typeface="Georgia" panose="02040502050405020303" pitchFamily="18" charset="0"/>
       <p:regular r:id="rId24"/>
+      <p:bold r:id="rId25"/>
+      <p:italic r:id="rId26"/>
+      <p:boldItalic r:id="rId27"/>
     </p:embeddedFont>
     <p:embeddedFont>
-      <p:font typeface="Georgia" panose="02040502050405020303" charset="0"/>
-      <p:regular r:id="rId25"/>
-      <p:bold r:id="rId26"/>
-      <p:italic r:id="rId27"/>
-      <p:boldItalic r:id="rId28"/>
+      <p:font typeface="Maven Pro" panose="020B0604020202020204" charset="0"/>
+      <p:regular r:id="rId28"/>
     </p:embeddedFont>
     <p:embeddedFont>
-      <p:font typeface="Cambria" panose="02040503050406030204" charset="0"/>
+      <p:font typeface="Nunito" panose="020B0604020202020204" charset="0"/>
       <p:regular r:id="rId29"/>
-      <p:bold r:id="rId30"/>
-      <p:italic r:id="rId31"/>
-      <p:boldItalic r:id="rId32"/>
-    </p:embeddedFont>
-    <p:embeddedFont>
-      <p:font typeface="Agency FB" panose="020B0503020202020204" charset="0"/>
-      <p:regular r:id="rId33"/>
-      <p:bold r:id="rId34"/>
     </p:embeddedFont>
   </p:embeddedFontLst>
   <p:defaultTextStyle>
@@ -288,6 +284,22 @@
       </a:defRPr>
     </a:lvl9pPr>
   </p:defaultTextStyle>
+  <p:extLst>
+    <p:ext uri="{EFAFB233-063F-42B5-8137-9DF3F51BA10A}">
+      <p15:sldGuideLst xmlns:p15="http://schemas.microsoft.com/office/powerpoint/2012/main">
+        <p15:guide id="1" orient="horz" pos="1620">
+          <p15:clr>
+            <a:srgbClr val="A4A3A4"/>
+          </p15:clr>
+        </p15:guide>
+        <p15:guide id="2" pos="2880">
+          <p15:clr>
+            <a:srgbClr val="A4A3A4"/>
+          </p15:clr>
+        </p15:guide>
+      </p15:sldGuideLst>
+    </p:ext>
+  </p:extLst>
 </p:presentation>
 </file>
 
@@ -492,7 +504,9 @@
               <a:defRPr sz="1100"/>
             </a:lvl9pPr>
           </a:lstStyle>
-          <a:p/>
+          <a:p>
+            <a:endParaRPr/>
+          </a:p>
         </p:txBody>
       </p:sp>
     </p:spTree>
@@ -731,7 +745,7 @@
 </file>
 
 <file path=ppt/notesSlides/notesSlide1.xml><?xml version="1.0" encoding="utf-8"?>
-<p:notes xmlns:a="http://schemas.openxmlformats.org/drawingml/2006/main" xmlns:r="http://schemas.openxmlformats.org/officeDocument/2006/relationships" xmlns:p="http://schemas.openxmlformats.org/presentationml/2006/main" showMasterPhAnim="0" showMasterSp="0">
+<p:notes xmlns:a="http://schemas.openxmlformats.org/drawingml/2006/main" xmlns:r="http://schemas.openxmlformats.org/officeDocument/2006/relationships" xmlns:p="http://schemas.openxmlformats.org/presentationml/2006/main" showMasterSp="0" showMasterPhAnim="0">
   <p:cSld>
     <p:spTree>
       <p:nvGrpSpPr>
@@ -822,6 +836,7 @@
               </a:spcAft>
               <a:buNone/>
             </a:pPr>
+            <a:endParaRPr/>
           </a:p>
         </p:txBody>
       </p:sp>
@@ -895,7 +910,7 @@
 </file>
 
 <file path=ppt/notesSlides/notesSlide11.xml><?xml version="1.0" encoding="utf-8"?>
-<p:notes xmlns:a="http://schemas.openxmlformats.org/drawingml/2006/main" xmlns:r="http://schemas.openxmlformats.org/officeDocument/2006/relationships" xmlns:p="http://schemas.openxmlformats.org/presentationml/2006/main" showMasterPhAnim="0" showMasterSp="0">
+<p:notes xmlns:a="http://schemas.openxmlformats.org/drawingml/2006/main" xmlns:r="http://schemas.openxmlformats.org/officeDocument/2006/relationships" xmlns:p="http://schemas.openxmlformats.org/presentationml/2006/main" showMasterSp="0" showMasterPhAnim="0">
   <p:cSld>
     <p:spTree>
       <p:nvGrpSpPr>
@@ -986,6 +1001,7 @@
               </a:spcAft>
               <a:buNone/>
             </a:pPr>
+            <a:endParaRPr/>
           </a:p>
         </p:txBody>
       </p:sp>
@@ -998,7 +1014,7 @@
 </file>
 
 <file path=ppt/notesSlides/notesSlide12.xml><?xml version="1.0" encoding="utf-8"?>
-<p:notes xmlns:a="http://schemas.openxmlformats.org/drawingml/2006/main" xmlns:r="http://schemas.openxmlformats.org/officeDocument/2006/relationships" xmlns:p="http://schemas.openxmlformats.org/presentationml/2006/main" showMasterPhAnim="0" showMasterSp="0">
+<p:notes xmlns:a="http://schemas.openxmlformats.org/drawingml/2006/main" xmlns:r="http://schemas.openxmlformats.org/officeDocument/2006/relationships" xmlns:p="http://schemas.openxmlformats.org/presentationml/2006/main" showMasterSp="0" showMasterPhAnim="0">
   <p:cSld>
     <p:spTree>
       <p:nvGrpSpPr>
@@ -1089,6 +1105,7 @@
               </a:spcAft>
               <a:buNone/>
             </a:pPr>
+            <a:endParaRPr/>
           </a:p>
         </p:txBody>
       </p:sp>
@@ -1101,7 +1118,7 @@
 </file>
 
 <file path=ppt/notesSlides/notesSlide13.xml><?xml version="1.0" encoding="utf-8"?>
-<p:notes xmlns:a="http://schemas.openxmlformats.org/drawingml/2006/main" xmlns:r="http://schemas.openxmlformats.org/officeDocument/2006/relationships" xmlns:p="http://schemas.openxmlformats.org/presentationml/2006/main" showMasterPhAnim="0" showMasterSp="0">
+<p:notes xmlns:a="http://schemas.openxmlformats.org/drawingml/2006/main" xmlns:r="http://schemas.openxmlformats.org/officeDocument/2006/relationships" xmlns:p="http://schemas.openxmlformats.org/presentationml/2006/main" showMasterSp="0" showMasterPhAnim="0">
   <p:cSld>
     <p:spTree>
       <p:nvGrpSpPr>
@@ -1192,6 +1209,7 @@
               </a:spcAft>
               <a:buNone/>
             </a:pPr>
+            <a:endParaRPr/>
           </a:p>
         </p:txBody>
       </p:sp>
@@ -1204,7 +1222,7 @@
 </file>
 
 <file path=ppt/notesSlides/notesSlide2.xml><?xml version="1.0" encoding="utf-8"?>
-<p:notes xmlns:a="http://schemas.openxmlformats.org/drawingml/2006/main" xmlns:r="http://schemas.openxmlformats.org/officeDocument/2006/relationships" xmlns:p="http://schemas.openxmlformats.org/presentationml/2006/main" showMasterPhAnim="0" showMasterSp="0">
+<p:notes xmlns:a="http://schemas.openxmlformats.org/drawingml/2006/main" xmlns:r="http://schemas.openxmlformats.org/officeDocument/2006/relationships" xmlns:p="http://schemas.openxmlformats.org/presentationml/2006/main" showMasterSp="0" showMasterPhAnim="0">
   <p:cSld>
     <p:spTree>
       <p:nvGrpSpPr>
@@ -1295,6 +1313,7 @@
               </a:spcAft>
               <a:buNone/>
             </a:pPr>
+            <a:endParaRPr/>
           </a:p>
         </p:txBody>
       </p:sp>
@@ -1307,7 +1326,7 @@
 </file>
 
 <file path=ppt/notesSlides/notesSlide3.xml><?xml version="1.0" encoding="utf-8"?>
-<p:notes xmlns:a="http://schemas.openxmlformats.org/drawingml/2006/main" xmlns:r="http://schemas.openxmlformats.org/officeDocument/2006/relationships" xmlns:p="http://schemas.openxmlformats.org/presentationml/2006/main" showMasterPhAnim="0" showMasterSp="0">
+<p:notes xmlns:a="http://schemas.openxmlformats.org/drawingml/2006/main" xmlns:r="http://schemas.openxmlformats.org/officeDocument/2006/relationships" xmlns:p="http://schemas.openxmlformats.org/presentationml/2006/main" showMasterSp="0" showMasterPhAnim="0">
   <p:cSld>
     <p:spTree>
       <p:nvGrpSpPr>
@@ -1398,6 +1417,7 @@
               </a:spcAft>
               <a:buNone/>
             </a:pPr>
+            <a:endParaRPr/>
           </a:p>
         </p:txBody>
       </p:sp>
@@ -1410,7 +1430,7 @@
 </file>
 
 <file path=ppt/notesSlides/notesSlide4.xml><?xml version="1.0" encoding="utf-8"?>
-<p:notes xmlns:a="http://schemas.openxmlformats.org/drawingml/2006/main" xmlns:r="http://schemas.openxmlformats.org/officeDocument/2006/relationships" xmlns:p="http://schemas.openxmlformats.org/presentationml/2006/main" showMasterPhAnim="0" showMasterSp="0">
+<p:notes xmlns:a="http://schemas.openxmlformats.org/drawingml/2006/main" xmlns:r="http://schemas.openxmlformats.org/officeDocument/2006/relationships" xmlns:p="http://schemas.openxmlformats.org/presentationml/2006/main" showMasterSp="0" showMasterPhAnim="0">
   <p:cSld>
     <p:spTree>
       <p:nvGrpSpPr>
@@ -1501,6 +1521,7 @@
               </a:spcAft>
               <a:buNone/>
             </a:pPr>
+            <a:endParaRPr/>
           </a:p>
         </p:txBody>
       </p:sp>
@@ -1513,7 +1534,7 @@
 </file>
 
 <file path=ppt/notesSlides/notesSlide5.xml><?xml version="1.0" encoding="utf-8"?>
-<p:notes xmlns:a="http://schemas.openxmlformats.org/drawingml/2006/main" xmlns:r="http://schemas.openxmlformats.org/officeDocument/2006/relationships" xmlns:p="http://schemas.openxmlformats.org/presentationml/2006/main" showMasterPhAnim="0" showMasterSp="0">
+<p:notes xmlns:a="http://schemas.openxmlformats.org/drawingml/2006/main" xmlns:r="http://schemas.openxmlformats.org/officeDocument/2006/relationships" xmlns:p="http://schemas.openxmlformats.org/presentationml/2006/main" showMasterSp="0" showMasterPhAnim="0">
   <p:cSld>
     <p:spTree>
       <p:nvGrpSpPr>
@@ -1604,6 +1625,7 @@
               </a:spcAft>
               <a:buNone/>
             </a:pPr>
+            <a:endParaRPr/>
           </a:p>
         </p:txBody>
       </p:sp>
@@ -1616,7 +1638,7 @@
 </file>
 
 <file path=ppt/notesSlides/notesSlide6.xml><?xml version="1.0" encoding="utf-8"?>
-<p:notes xmlns:a="http://schemas.openxmlformats.org/drawingml/2006/main" xmlns:r="http://schemas.openxmlformats.org/officeDocument/2006/relationships" xmlns:p="http://schemas.openxmlformats.org/presentationml/2006/main" showMasterPhAnim="0" showMasterSp="0">
+<p:notes xmlns:a="http://schemas.openxmlformats.org/drawingml/2006/main" xmlns:r="http://schemas.openxmlformats.org/officeDocument/2006/relationships" xmlns:p="http://schemas.openxmlformats.org/presentationml/2006/main" showMasterSp="0" showMasterPhAnim="0">
   <p:cSld>
     <p:spTree>
       <p:nvGrpSpPr>
@@ -1707,6 +1729,7 @@
               </a:spcAft>
               <a:buNone/>
             </a:pPr>
+            <a:endParaRPr/>
           </a:p>
         </p:txBody>
       </p:sp>
@@ -1719,7 +1742,7 @@
 </file>
 
 <file path=ppt/notesSlides/notesSlide7.xml><?xml version="1.0" encoding="utf-8"?>
-<p:notes xmlns:a="http://schemas.openxmlformats.org/drawingml/2006/main" xmlns:r="http://schemas.openxmlformats.org/officeDocument/2006/relationships" xmlns:p="http://schemas.openxmlformats.org/presentationml/2006/main" showMasterPhAnim="0" showMasterSp="0">
+<p:notes xmlns:a="http://schemas.openxmlformats.org/drawingml/2006/main" xmlns:r="http://schemas.openxmlformats.org/officeDocument/2006/relationships" xmlns:p="http://schemas.openxmlformats.org/presentationml/2006/main" showMasterSp="0" showMasterPhAnim="0">
   <p:cSld>
     <p:spTree>
       <p:nvGrpSpPr>
@@ -1810,6 +1833,7 @@
               </a:spcAft>
               <a:buNone/>
             </a:pPr>
+            <a:endParaRPr/>
           </a:p>
         </p:txBody>
       </p:sp>
@@ -1968,7 +1992,6 @@
               <a:rPr lang="en-US" altLang="zh-CN" sz="1200"/>
               <a:t>Varun Bohara</a:t>
             </a:r>
-            <a:endParaRPr lang="en-US" altLang="zh-CN" sz="1200"/>
           </a:p>
         </p:txBody>
       </p:sp>
@@ -1981,7 +2004,7 @@
 </file>
 
 <file path=ppt/slideLayouts/slideLayout1.xml><?xml version="1.0" encoding="utf-8"?>
-<p:sldLayout xmlns:a="http://schemas.openxmlformats.org/drawingml/2006/main" xmlns:r="http://schemas.openxmlformats.org/officeDocument/2006/relationships" xmlns:p="http://schemas.openxmlformats.org/presentationml/2006/main" type="title" matchingName="Title slide">
+<p:sldLayout xmlns:a="http://schemas.openxmlformats.org/drawingml/2006/main" xmlns:r="http://schemas.openxmlformats.org/officeDocument/2006/relationships" xmlns:p="http://schemas.openxmlformats.org/presentationml/2006/main" matchingName="Title slide" type="title">
   <p:cSld name="TITLE">
     <p:bg>
       <p:bgPr>
@@ -2074,6 +2097,7 @@
                   </a:spcAft>
                   <a:buNone/>
                 </a:pPr>
+                <a:endParaRPr/>
               </a:p>
             </p:txBody>
           </p:sp>
@@ -2118,6 +2142,7 @@
                   </a:spcAft>
                   <a:buNone/>
                 </a:pPr>
+                <a:endParaRPr/>
               </a:p>
             </p:txBody>
           </p:sp>
@@ -2177,6 +2202,7 @@
                   </a:spcAft>
                   <a:buNone/>
                 </a:pPr>
+                <a:endParaRPr/>
               </a:p>
             </p:txBody>
           </p:sp>
@@ -2221,6 +2247,7 @@
                   </a:spcAft>
                   <a:buNone/>
                 </a:pPr>
+                <a:endParaRPr/>
               </a:p>
             </p:txBody>
           </p:sp>
@@ -2265,6 +2292,7 @@
                   </a:spcAft>
                   <a:buNone/>
                 </a:pPr>
+                <a:endParaRPr/>
               </a:p>
             </p:txBody>
           </p:sp>
@@ -2324,6 +2352,7 @@
                   </a:spcAft>
                   <a:buNone/>
                 </a:pPr>
+                <a:endParaRPr/>
               </a:p>
             </p:txBody>
           </p:sp>
@@ -2368,6 +2397,7 @@
                   </a:spcAft>
                   <a:buNone/>
                 </a:pPr>
+                <a:endParaRPr/>
               </a:p>
             </p:txBody>
           </p:sp>
@@ -2412,6 +2442,7 @@
                   </a:spcAft>
                   <a:buNone/>
                 </a:pPr>
+                <a:endParaRPr/>
               </a:p>
             </p:txBody>
           </p:sp>
@@ -2456,6 +2487,7 @@
                   </a:spcAft>
                   <a:buNone/>
                 </a:pPr>
+                <a:endParaRPr/>
               </a:p>
             </p:txBody>
           </p:sp>
@@ -2515,6 +2547,7 @@
                   </a:spcAft>
                   <a:buNone/>
                 </a:pPr>
+                <a:endParaRPr/>
               </a:p>
             </p:txBody>
           </p:sp>
@@ -2559,6 +2592,7 @@
                   </a:spcAft>
                   <a:buNone/>
                 </a:pPr>
+                <a:endParaRPr/>
               </a:p>
             </p:txBody>
           </p:sp>
@@ -2603,6 +2637,7 @@
                   </a:spcAft>
                   <a:buNone/>
                 </a:pPr>
+                <a:endParaRPr/>
               </a:p>
             </p:txBody>
           </p:sp>
@@ -2647,6 +2682,7 @@
                   </a:spcAft>
                   <a:buNone/>
                 </a:pPr>
+                <a:endParaRPr/>
               </a:p>
             </p:txBody>
           </p:sp>
@@ -2691,6 +2727,7 @@
                   </a:spcAft>
                   <a:buNone/>
                 </a:pPr>
+                <a:endParaRPr/>
               </a:p>
             </p:txBody>
           </p:sp>
@@ -2748,6 +2785,7 @@
                 </a:spcAft>
                 <a:buNone/>
               </a:pPr>
+              <a:endParaRPr/>
             </a:p>
           </p:txBody>
         </p:sp>
@@ -2789,6 +2827,7 @@
                 </a:spcAft>
                 <a:buNone/>
               </a:pPr>
+              <a:endParaRPr/>
             </a:p>
           </p:txBody>
         </p:sp>
@@ -2844,6 +2883,7 @@
                   </a:spcAft>
                   <a:buNone/>
                 </a:pPr>
+                <a:endParaRPr/>
               </a:p>
             </p:txBody>
           </p:sp>
@@ -2888,6 +2928,7 @@
                   </a:spcAft>
                   <a:buNone/>
                 </a:pPr>
+                <a:endParaRPr/>
               </a:p>
             </p:txBody>
           </p:sp>
@@ -2929,6 +2970,7 @@
                   </a:spcAft>
                   <a:buNone/>
                 </a:pPr>
+                <a:endParaRPr/>
               </a:p>
             </p:txBody>
           </p:sp>
@@ -2974,6 +3016,7 @@
                 </a:spcAft>
                 <a:buNone/>
               </a:pPr>
+              <a:endParaRPr/>
             </a:p>
           </p:txBody>
         </p:sp>
@@ -3029,6 +3072,7 @@
                   </a:spcAft>
                   <a:buNone/>
                 </a:pPr>
+                <a:endParaRPr/>
               </a:p>
             </p:txBody>
           </p:sp>
@@ -3073,6 +3117,7 @@
                   </a:spcAft>
                   <a:buNone/>
                 </a:pPr>
+                <a:endParaRPr/>
               </a:p>
             </p:txBody>
           </p:sp>
@@ -3115,6 +3160,7 @@
                 </a:spcAft>
                 <a:buNone/>
               </a:pPr>
+              <a:endParaRPr/>
             </a:p>
           </p:txBody>
         </p:sp>
@@ -3156,6 +3202,7 @@
                 </a:spcAft>
                 <a:buNone/>
               </a:pPr>
+              <a:endParaRPr/>
             </a:p>
           </p:txBody>
         </p:sp>
@@ -3200,6 +3247,7 @@
                 </a:spcAft>
                 <a:buNone/>
               </a:pPr>
+              <a:endParaRPr/>
             </a:p>
           </p:txBody>
         </p:sp>
@@ -3239,6 +3287,7 @@
                 </a:spcAft>
                 <a:buNone/>
               </a:pPr>
+              <a:endParaRPr/>
             </a:p>
           </p:txBody>
         </p:sp>
@@ -3283,6 +3332,7 @@
                 </a:spcAft>
                 <a:buNone/>
               </a:pPr>
+              <a:endParaRPr/>
             </a:p>
           </p:txBody>
         </p:sp>
@@ -3327,6 +3377,7 @@
                 </a:spcAft>
                 <a:buNone/>
               </a:pPr>
+              <a:endParaRPr/>
             </a:p>
           </p:txBody>
         </p:sp>
@@ -3518,7 +3569,9 @@
               </a:defRPr>
             </a:lvl9pPr>
           </a:lstStyle>
-          <a:p/>
+          <a:p>
+            <a:endParaRPr/>
+          </a:p>
         </p:txBody>
       </p:sp>
       <p:sp>
@@ -3735,7 +3788,9 @@
               </a:defRPr>
             </a:lvl9pPr>
           </a:lstStyle>
-          <a:p/>
+          <a:p>
+            <a:endParaRPr/>
+          </a:p>
         </p:txBody>
       </p:sp>
       <p:sp>
@@ -3847,6 +3902,7 @@
             </a:pPr>
             <a:fld id="{00000000-1234-1234-1234-123412341234}" type="slidenum">
               <a:rPr lang="en-GB"/>
+              <a:t>‹#›</a:t>
             </a:fld>
             <a:endParaRPr lang="en-GB"/>
           </a:p>
@@ -3955,6 +4011,7 @@
                   </a:spcAft>
                   <a:buNone/>
                 </a:pPr>
+                <a:endParaRPr/>
               </a:p>
             </p:txBody>
           </p:sp>
@@ -3999,6 +4056,7 @@
                   </a:spcAft>
                   <a:buNone/>
                 </a:pPr>
+                <a:endParaRPr/>
               </a:p>
             </p:txBody>
           </p:sp>
@@ -4043,6 +4101,7 @@
                   </a:spcAft>
                   <a:buNone/>
                 </a:pPr>
+                <a:endParaRPr/>
               </a:p>
             </p:txBody>
           </p:sp>
@@ -4087,6 +4146,7 @@
                   </a:spcAft>
                   <a:buNone/>
                 </a:pPr>
+                <a:endParaRPr/>
               </a:p>
             </p:txBody>
           </p:sp>
@@ -4146,6 +4206,7 @@
                   </a:spcAft>
                   <a:buNone/>
                 </a:pPr>
+                <a:endParaRPr/>
               </a:p>
             </p:txBody>
           </p:sp>
@@ -4190,6 +4251,7 @@
                   </a:spcAft>
                   <a:buNone/>
                 </a:pPr>
+                <a:endParaRPr/>
               </a:p>
             </p:txBody>
           </p:sp>
@@ -4234,6 +4296,7 @@
                   </a:spcAft>
                   <a:buNone/>
                 </a:pPr>
+                <a:endParaRPr/>
               </a:p>
             </p:txBody>
           </p:sp>
@@ -4278,6 +4341,7 @@
                   </a:spcAft>
                   <a:buNone/>
                 </a:pPr>
+                <a:endParaRPr/>
               </a:p>
             </p:txBody>
           </p:sp>
@@ -4322,6 +4386,7 @@
                   </a:spcAft>
                   <a:buNone/>
                 </a:pPr>
+                <a:endParaRPr/>
               </a:p>
             </p:txBody>
           </p:sp>
@@ -4381,6 +4446,7 @@
                   </a:spcAft>
                   <a:buNone/>
                 </a:pPr>
+                <a:endParaRPr/>
               </a:p>
             </p:txBody>
           </p:sp>
@@ -4425,6 +4491,7 @@
                   </a:spcAft>
                   <a:buNone/>
                 </a:pPr>
+                <a:endParaRPr/>
               </a:p>
             </p:txBody>
           </p:sp>
@@ -4469,6 +4536,7 @@
                   </a:spcAft>
                   <a:buNone/>
                 </a:pPr>
+                <a:endParaRPr/>
               </a:p>
             </p:txBody>
           </p:sp>
@@ -4513,6 +4581,7 @@
                   </a:spcAft>
                   <a:buNone/>
                 </a:pPr>
+                <a:endParaRPr/>
               </a:p>
             </p:txBody>
           </p:sp>
@@ -4572,6 +4641,7 @@
                   </a:spcAft>
                   <a:buNone/>
                 </a:pPr>
+                <a:endParaRPr/>
               </a:p>
             </p:txBody>
           </p:sp>
@@ -4616,6 +4686,7 @@
                   </a:spcAft>
                   <a:buNone/>
                 </a:pPr>
+                <a:endParaRPr/>
               </a:p>
             </p:txBody>
           </p:sp>
@@ -4660,6 +4731,7 @@
                   </a:spcAft>
                   <a:buNone/>
                 </a:pPr>
+                <a:endParaRPr/>
               </a:p>
             </p:txBody>
           </p:sp>
@@ -4719,6 +4791,7 @@
                   </a:spcAft>
                   <a:buNone/>
                 </a:pPr>
+                <a:endParaRPr/>
               </a:p>
             </p:txBody>
           </p:sp>
@@ -4763,6 +4836,7 @@
                   </a:spcAft>
                   <a:buNone/>
                 </a:pPr>
+                <a:endParaRPr/>
               </a:p>
             </p:txBody>
           </p:sp>
@@ -4807,6 +4881,7 @@
                   </a:spcAft>
                   <a:buNone/>
                 </a:pPr>
+                <a:endParaRPr/>
               </a:p>
             </p:txBody>
           </p:sp>
@@ -4851,6 +4926,7 @@
                   </a:spcAft>
                   <a:buNone/>
                 </a:pPr>
+                <a:endParaRPr/>
               </a:p>
             </p:txBody>
           </p:sp>
@@ -4895,6 +4971,7 @@
                   </a:spcAft>
                   <a:buNone/>
                 </a:pPr>
+                <a:endParaRPr/>
               </a:p>
             </p:txBody>
           </p:sp>
@@ -4954,6 +5031,7 @@
                   </a:spcAft>
                   <a:buNone/>
                 </a:pPr>
+                <a:endParaRPr/>
               </a:p>
             </p:txBody>
           </p:sp>
@@ -4998,6 +5076,7 @@
                   </a:spcAft>
                   <a:buNone/>
                 </a:pPr>
+                <a:endParaRPr/>
               </a:p>
             </p:txBody>
           </p:sp>
@@ -5042,6 +5121,7 @@
                   </a:spcAft>
                   <a:buNone/>
                 </a:pPr>
+                <a:endParaRPr/>
               </a:p>
             </p:txBody>
           </p:sp>
@@ -5086,6 +5166,7 @@
                   </a:spcAft>
                   <a:buNone/>
                 </a:pPr>
+                <a:endParaRPr/>
               </a:p>
             </p:txBody>
           </p:sp>
@@ -5145,6 +5226,7 @@
                   </a:spcAft>
                   <a:buNone/>
                 </a:pPr>
+                <a:endParaRPr/>
               </a:p>
             </p:txBody>
           </p:sp>
@@ -5189,6 +5271,7 @@
                   </a:spcAft>
                   <a:buNone/>
                 </a:pPr>
+                <a:endParaRPr/>
               </a:p>
             </p:txBody>
           </p:sp>
@@ -5233,6 +5316,7 @@
                   </a:spcAft>
                   <a:buNone/>
                 </a:pPr>
+                <a:endParaRPr/>
               </a:p>
             </p:txBody>
           </p:sp>
@@ -5292,6 +5376,7 @@
                   </a:spcAft>
                   <a:buNone/>
                 </a:pPr>
+                <a:endParaRPr/>
               </a:p>
             </p:txBody>
           </p:sp>
@@ -5336,6 +5421,7 @@
                   </a:spcAft>
                   <a:buNone/>
                 </a:pPr>
+                <a:endParaRPr/>
               </a:p>
             </p:txBody>
           </p:sp>
@@ -5380,6 +5466,7 @@
                   </a:spcAft>
                   <a:buNone/>
                 </a:pPr>
+                <a:endParaRPr/>
               </a:p>
             </p:txBody>
           </p:sp>
@@ -5424,6 +5511,7 @@
                   </a:spcAft>
                   <a:buNone/>
                 </a:pPr>
+                <a:endParaRPr/>
               </a:p>
             </p:txBody>
           </p:sp>
@@ -5468,6 +5556,7 @@
                   </a:spcAft>
                   <a:buNone/>
                 </a:pPr>
+                <a:endParaRPr/>
               </a:p>
             </p:txBody>
           </p:sp>
@@ -5527,6 +5616,7 @@
                   </a:spcAft>
                   <a:buNone/>
                 </a:pPr>
+                <a:endParaRPr/>
               </a:p>
             </p:txBody>
           </p:sp>
@@ -5571,6 +5661,7 @@
                   </a:spcAft>
                   <a:buNone/>
                 </a:pPr>
+                <a:endParaRPr/>
               </a:p>
             </p:txBody>
           </p:sp>
@@ -5615,6 +5706,7 @@
                   </a:spcAft>
                   <a:buNone/>
                 </a:pPr>
+                <a:endParaRPr/>
               </a:p>
             </p:txBody>
           </p:sp>
@@ -5659,6 +5751,7 @@
                   </a:spcAft>
                   <a:buNone/>
                 </a:pPr>
+                <a:endParaRPr/>
               </a:p>
             </p:txBody>
           </p:sp>
@@ -5718,6 +5811,7 @@
                   </a:spcAft>
                   <a:buNone/>
                 </a:pPr>
+                <a:endParaRPr/>
               </a:p>
             </p:txBody>
           </p:sp>
@@ -5762,6 +5856,7 @@
                   </a:spcAft>
                   <a:buNone/>
                 </a:pPr>
+                <a:endParaRPr/>
               </a:p>
             </p:txBody>
           </p:sp>
@@ -5806,6 +5901,7 @@
                   </a:spcAft>
                   <a:buNone/>
                 </a:pPr>
+                <a:endParaRPr/>
               </a:p>
             </p:txBody>
           </p:sp>
@@ -5850,6 +5946,7 @@
                   </a:spcAft>
                   <a:buNone/>
                 </a:pPr>
+                <a:endParaRPr/>
               </a:p>
             </p:txBody>
           </p:sp>
@@ -5909,6 +6006,7 @@
                   </a:spcAft>
                   <a:buNone/>
                 </a:pPr>
+                <a:endParaRPr/>
               </a:p>
             </p:txBody>
           </p:sp>
@@ -5953,6 +6051,7 @@
                   </a:spcAft>
                   <a:buNone/>
                 </a:pPr>
+                <a:endParaRPr/>
               </a:p>
             </p:txBody>
           </p:sp>
@@ -5997,6 +6096,7 @@
                   </a:spcAft>
                   <a:buNone/>
                 </a:pPr>
+                <a:endParaRPr/>
               </a:p>
             </p:txBody>
           </p:sp>
@@ -6056,6 +6156,7 @@
                   </a:spcAft>
                   <a:buNone/>
                 </a:pPr>
+                <a:endParaRPr/>
               </a:p>
             </p:txBody>
           </p:sp>
@@ -6100,6 +6201,7 @@
                   </a:spcAft>
                   <a:buNone/>
                 </a:pPr>
+                <a:endParaRPr/>
               </a:p>
             </p:txBody>
           </p:sp>
@@ -6144,6 +6246,7 @@
                   </a:spcAft>
                   <a:buNone/>
                 </a:pPr>
+                <a:endParaRPr/>
               </a:p>
             </p:txBody>
           </p:sp>
@@ -6188,6 +6291,7 @@
                   </a:spcAft>
                   <a:buNone/>
                 </a:pPr>
+                <a:endParaRPr/>
               </a:p>
             </p:txBody>
           </p:sp>
@@ -6247,6 +6351,7 @@
                   </a:spcAft>
                   <a:buNone/>
                 </a:pPr>
+                <a:endParaRPr/>
               </a:p>
             </p:txBody>
           </p:sp>
@@ -6291,6 +6396,7 @@
                   </a:spcAft>
                   <a:buNone/>
                 </a:pPr>
+                <a:endParaRPr/>
               </a:p>
             </p:txBody>
           </p:sp>
@@ -6335,6 +6441,7 @@
                   </a:spcAft>
                   <a:buNone/>
                 </a:pPr>
+                <a:endParaRPr/>
               </a:p>
             </p:txBody>
           </p:sp>
@@ -6379,6 +6486,7 @@
                   </a:spcAft>
                   <a:buNone/>
                 </a:pPr>
+                <a:endParaRPr/>
               </a:p>
             </p:txBody>
           </p:sp>
@@ -6438,6 +6546,7 @@
                   </a:spcAft>
                   <a:buNone/>
                 </a:pPr>
+                <a:endParaRPr/>
               </a:p>
             </p:txBody>
           </p:sp>
@@ -6482,6 +6591,7 @@
                   </a:spcAft>
                   <a:buNone/>
                 </a:pPr>
+                <a:endParaRPr/>
               </a:p>
             </p:txBody>
           </p:sp>
@@ -6526,6 +6636,7 @@
                   </a:spcAft>
                   <a:buNone/>
                 </a:pPr>
+                <a:endParaRPr/>
               </a:p>
             </p:txBody>
           </p:sp>
@@ -6570,6 +6681,7 @@
                   </a:spcAft>
                   <a:buNone/>
                 </a:pPr>
+                <a:endParaRPr/>
               </a:p>
             </p:txBody>
           </p:sp>
@@ -6614,6 +6726,7 @@
                   </a:spcAft>
                   <a:buNone/>
                 </a:pPr>
+                <a:endParaRPr/>
               </a:p>
             </p:txBody>
           </p:sp>
@@ -6673,6 +6786,7 @@
                   </a:spcAft>
                   <a:buNone/>
                 </a:pPr>
+                <a:endParaRPr/>
               </a:p>
             </p:txBody>
           </p:sp>
@@ -6717,6 +6831,7 @@
                   </a:spcAft>
                   <a:buNone/>
                 </a:pPr>
+                <a:endParaRPr/>
               </a:p>
             </p:txBody>
           </p:sp>
@@ -6761,6 +6876,7 @@
                   </a:spcAft>
                   <a:buNone/>
                 </a:pPr>
+                <a:endParaRPr/>
               </a:p>
             </p:txBody>
           </p:sp>
@@ -6805,6 +6921,7 @@
                   </a:spcAft>
                   <a:buNone/>
                 </a:pPr>
+                <a:endParaRPr/>
               </a:p>
             </p:txBody>
           </p:sp>
@@ -6864,6 +6981,7 @@
                   </a:spcAft>
                   <a:buNone/>
                 </a:pPr>
+                <a:endParaRPr/>
               </a:p>
             </p:txBody>
           </p:sp>
@@ -6908,6 +7026,7 @@
                   </a:spcAft>
                   <a:buNone/>
                 </a:pPr>
+                <a:endParaRPr/>
               </a:p>
             </p:txBody>
           </p:sp>
@@ -6952,6 +7071,7 @@
                   </a:spcAft>
                   <a:buNone/>
                 </a:pPr>
+                <a:endParaRPr/>
               </a:p>
             </p:txBody>
           </p:sp>
@@ -7011,6 +7131,7 @@
                   </a:spcAft>
                   <a:buNone/>
                 </a:pPr>
+                <a:endParaRPr/>
               </a:p>
             </p:txBody>
           </p:sp>
@@ -7055,6 +7176,7 @@
                   </a:spcAft>
                   <a:buNone/>
                 </a:pPr>
+                <a:endParaRPr/>
               </a:p>
             </p:txBody>
           </p:sp>
@@ -7099,6 +7221,7 @@
                   </a:spcAft>
                   <a:buNone/>
                 </a:pPr>
+                <a:endParaRPr/>
               </a:p>
             </p:txBody>
           </p:sp>
@@ -7143,6 +7266,7 @@
                   </a:spcAft>
                   <a:buNone/>
                 </a:pPr>
+                <a:endParaRPr/>
               </a:p>
             </p:txBody>
           </p:sp>
@@ -7202,6 +7326,7 @@
                   </a:spcAft>
                   <a:buNone/>
                 </a:pPr>
+                <a:endParaRPr/>
               </a:p>
             </p:txBody>
           </p:sp>
@@ -7246,6 +7371,7 @@
                   </a:spcAft>
                   <a:buNone/>
                 </a:pPr>
+                <a:endParaRPr/>
               </a:p>
             </p:txBody>
           </p:sp>
@@ -7290,6 +7416,7 @@
                   </a:spcAft>
                   <a:buNone/>
                 </a:pPr>
+                <a:endParaRPr/>
               </a:p>
             </p:txBody>
           </p:sp>
@@ -7334,6 +7461,7 @@
                   </a:spcAft>
                   <a:buNone/>
                 </a:pPr>
+                <a:endParaRPr/>
               </a:p>
             </p:txBody>
           </p:sp>
@@ -7378,6 +7506,7 @@
                   </a:spcAft>
                   <a:buNone/>
                 </a:pPr>
+                <a:endParaRPr/>
               </a:p>
             </p:txBody>
           </p:sp>
@@ -7437,6 +7566,7 @@
                   </a:spcAft>
                   <a:buNone/>
                 </a:pPr>
+                <a:endParaRPr/>
               </a:p>
             </p:txBody>
           </p:sp>
@@ -7481,6 +7611,7 @@
                   </a:spcAft>
                   <a:buNone/>
                 </a:pPr>
+                <a:endParaRPr/>
               </a:p>
             </p:txBody>
           </p:sp>
@@ -7525,6 +7656,7 @@
                   </a:spcAft>
                   <a:buNone/>
                 </a:pPr>
+                <a:endParaRPr/>
               </a:p>
             </p:txBody>
           </p:sp>
@@ -7569,6 +7701,7 @@
                   </a:spcAft>
                   <a:buNone/>
                 </a:pPr>
+                <a:endParaRPr/>
               </a:p>
             </p:txBody>
           </p:sp>
@@ -7628,6 +7761,7 @@
                   </a:spcAft>
                   <a:buNone/>
                 </a:pPr>
+                <a:endParaRPr/>
               </a:p>
             </p:txBody>
           </p:sp>
@@ -7672,6 +7806,7 @@
                   </a:spcAft>
                   <a:buNone/>
                 </a:pPr>
+                <a:endParaRPr/>
               </a:p>
             </p:txBody>
           </p:sp>
@@ -7716,6 +7851,7 @@
                   </a:spcAft>
                   <a:buNone/>
                 </a:pPr>
+                <a:endParaRPr/>
               </a:p>
             </p:txBody>
           </p:sp>
@@ -7775,6 +7911,7 @@
                   </a:spcAft>
                   <a:buNone/>
                 </a:pPr>
+                <a:endParaRPr/>
               </a:p>
             </p:txBody>
           </p:sp>
@@ -7819,6 +7956,7 @@
                   </a:spcAft>
                   <a:buNone/>
                 </a:pPr>
+                <a:endParaRPr/>
               </a:p>
             </p:txBody>
           </p:sp>
@@ -7863,6 +8001,7 @@
                   </a:spcAft>
                   <a:buNone/>
                 </a:pPr>
+                <a:endParaRPr/>
               </a:p>
             </p:txBody>
           </p:sp>
@@ -7907,6 +8046,7 @@
                   </a:spcAft>
                   <a:buNone/>
                 </a:pPr>
+                <a:endParaRPr/>
               </a:p>
             </p:txBody>
           </p:sp>
@@ -7951,6 +8091,7 @@
                   </a:spcAft>
                   <a:buNone/>
                 </a:pPr>
+                <a:endParaRPr/>
               </a:p>
             </p:txBody>
           </p:sp>
@@ -8010,6 +8151,7 @@
                   </a:spcAft>
                   <a:buNone/>
                 </a:pPr>
+                <a:endParaRPr/>
               </a:p>
             </p:txBody>
           </p:sp>
@@ -8054,6 +8196,7 @@
                   </a:spcAft>
                   <a:buNone/>
                 </a:pPr>
+                <a:endParaRPr/>
               </a:p>
             </p:txBody>
           </p:sp>
@@ -8098,6 +8241,7 @@
                   </a:spcAft>
                   <a:buNone/>
                 </a:pPr>
+                <a:endParaRPr/>
               </a:p>
             </p:txBody>
           </p:sp>
@@ -8142,6 +8286,7 @@
                   </a:spcAft>
                   <a:buNone/>
                 </a:pPr>
+                <a:endParaRPr/>
               </a:p>
             </p:txBody>
           </p:sp>
@@ -8201,6 +8346,7 @@
                   </a:spcAft>
                   <a:buNone/>
                 </a:pPr>
+                <a:endParaRPr/>
               </a:p>
             </p:txBody>
           </p:sp>
@@ -8245,6 +8391,7 @@
                   </a:spcAft>
                   <a:buNone/>
                 </a:pPr>
+                <a:endParaRPr/>
               </a:p>
             </p:txBody>
           </p:sp>
@@ -8289,6 +8436,7 @@
                   </a:spcAft>
                   <a:buNone/>
                 </a:pPr>
+                <a:endParaRPr/>
               </a:p>
             </p:txBody>
           </p:sp>
@@ -8333,6 +8481,7 @@
                   </a:spcAft>
                   <a:buNone/>
                 </a:pPr>
+                <a:endParaRPr/>
               </a:p>
             </p:txBody>
           </p:sp>
@@ -8392,6 +8541,7 @@
                   </a:spcAft>
                   <a:buNone/>
                 </a:pPr>
+                <a:endParaRPr/>
               </a:p>
             </p:txBody>
           </p:sp>
@@ -8436,6 +8586,7 @@
                   </a:spcAft>
                   <a:buNone/>
                 </a:pPr>
+                <a:endParaRPr/>
               </a:p>
             </p:txBody>
           </p:sp>
@@ -8480,6 +8631,7 @@
                   </a:spcAft>
                   <a:buNone/>
                 </a:pPr>
+                <a:endParaRPr/>
               </a:p>
             </p:txBody>
           </p:sp>
@@ -8539,6 +8691,7 @@
                   </a:spcAft>
                   <a:buNone/>
                 </a:pPr>
+                <a:endParaRPr/>
               </a:p>
             </p:txBody>
           </p:sp>
@@ -8583,6 +8736,7 @@
                   </a:spcAft>
                   <a:buNone/>
                 </a:pPr>
+                <a:endParaRPr/>
               </a:p>
             </p:txBody>
           </p:sp>
@@ -8627,6 +8781,7 @@
                   </a:spcAft>
                   <a:buNone/>
                 </a:pPr>
+                <a:endParaRPr/>
               </a:p>
             </p:txBody>
           </p:sp>
@@ -8671,6 +8826,7 @@
                   </a:spcAft>
                   <a:buNone/>
                 </a:pPr>
+                <a:endParaRPr/>
               </a:p>
             </p:txBody>
           </p:sp>
@@ -9057,7 +9213,9 @@
               </a:defRPr>
             </a:lvl9pPr>
           </a:lstStyle>
-          <a:p/>
+          <a:p>
+            <a:endParaRPr/>
+          </a:p>
         </p:txBody>
       </p:sp>
       <p:sp>
@@ -9169,6 +9327,7 @@
             </a:pPr>
             <a:fld id="{00000000-1234-1234-1234-123412341234}" type="slidenum">
               <a:rPr lang="en-GB"/>
+              <a:t>‹#›</a:t>
             </a:fld>
             <a:endParaRPr lang="en-GB"/>
           </a:p>
@@ -9184,7 +9343,7 @@
 </file>
 
 <file path=ppt/slideLayouts/slideLayout11.xml><?xml version="1.0" encoding="utf-8"?>
-<p:sldLayout xmlns:a="http://schemas.openxmlformats.org/drawingml/2006/main" xmlns:r="http://schemas.openxmlformats.org/officeDocument/2006/relationships" xmlns:p="http://schemas.openxmlformats.org/presentationml/2006/main" type="blank" matchingName="Blank">
+<p:sldLayout xmlns:a="http://schemas.openxmlformats.org/drawingml/2006/main" xmlns:r="http://schemas.openxmlformats.org/officeDocument/2006/relationships" xmlns:p="http://schemas.openxmlformats.org/presentationml/2006/main" matchingName="Blank" type="blank">
   <p:cSld name="BLANK">
     <p:spTree>
       <p:nvGrpSpPr>
@@ -9273,6 +9432,7 @@
             </a:pPr>
             <a:fld id="{00000000-1234-1234-1234-123412341234}" type="slidenum">
               <a:rPr lang="en-GB"/>
+              <a:t>‹#›</a:t>
             </a:fld>
             <a:endParaRPr lang="en-GB"/>
           </a:p>
@@ -9324,7 +9484,6 @@
               <a:rPr lang="en-US" strike="noStrike" noProof="1"/>
               <a:t>Click to edit Master title style</a:t>
             </a:r>
-            <a:endParaRPr lang="en-US" strike="noStrike" noProof="1"/>
           </a:p>
         </p:txBody>
       </p:sp>
@@ -9348,7 +9507,6 @@
               <a:rPr lang="en-US" strike="noStrike" noProof="1"/>
               <a:t>Click to edit Master text styles</a:t>
             </a:r>
-            <a:endParaRPr lang="en-US" strike="noStrike" noProof="1"/>
           </a:p>
           <a:p>
             <a:pPr lvl="1" fontAlgn="base"/>
@@ -9356,7 +9514,6 @@
               <a:rPr lang="en-US" strike="noStrike" noProof="1"/>
               <a:t>Second level</a:t>
             </a:r>
-            <a:endParaRPr lang="en-US" strike="noStrike" noProof="1"/>
           </a:p>
           <a:p>
             <a:pPr lvl="2" fontAlgn="base"/>
@@ -9364,7 +9521,6 @@
               <a:rPr lang="en-US" strike="noStrike" noProof="1"/>
               <a:t>Third level</a:t>
             </a:r>
-            <a:endParaRPr lang="en-US" strike="noStrike" noProof="1"/>
           </a:p>
           <a:p>
             <a:pPr lvl="3" fontAlgn="base"/>
@@ -9372,7 +9528,6 @@
               <a:rPr lang="en-US" strike="noStrike" noProof="1"/>
               <a:t>Fourth level</a:t>
             </a:r>
-            <a:endParaRPr lang="en-US" strike="noStrike" noProof="1"/>
           </a:p>
           <a:p>
             <a:pPr lvl="4" fontAlgn="base"/>
@@ -9380,7 +9535,6 @@
               <a:rPr lang="en-US" strike="noStrike" noProof="1"/>
               <a:t>Fifth level</a:t>
             </a:r>
-            <a:endParaRPr lang="en-US" strike="noStrike" noProof="1"/>
           </a:p>
         </p:txBody>
       </p:sp>
@@ -9456,6 +9610,7 @@
                 <a:ea typeface="SimSun" panose="02010600030101010101" pitchFamily="2" charset="-122"/>
                 <a:cs typeface="+mn-cs"/>
               </a:rPr>
+              <a:t>‹#›</a:t>
             </a:fld>
             <a:endParaRPr lang="zh-CN" altLang="en-US" strike="noStrike" noProof="1"/>
           </a:p>
@@ -9507,7 +9662,6 @@
               <a:rPr lang="en-US" strike="noStrike" noProof="1"/>
               <a:t>Click to edit Master title style</a:t>
             </a:r>
-            <a:endParaRPr lang="en-US" strike="noStrike" noProof="1"/>
           </a:p>
         </p:txBody>
       </p:sp>
@@ -9536,7 +9690,6 @@
               <a:rPr lang="en-US" strike="noStrike" noProof="1"/>
               <a:t>Click to edit Master text styles</a:t>
             </a:r>
-            <a:endParaRPr lang="en-US" strike="noStrike" noProof="1"/>
           </a:p>
           <a:p>
             <a:pPr lvl="1" fontAlgn="base"/>
@@ -9544,7 +9697,6 @@
               <a:rPr lang="en-US" strike="noStrike" noProof="1"/>
               <a:t>Second level</a:t>
             </a:r>
-            <a:endParaRPr lang="en-US" strike="noStrike" noProof="1"/>
           </a:p>
           <a:p>
             <a:pPr lvl="2" fontAlgn="base"/>
@@ -9552,7 +9704,6 @@
               <a:rPr lang="en-US" strike="noStrike" noProof="1"/>
               <a:t>Third level</a:t>
             </a:r>
-            <a:endParaRPr lang="en-US" strike="noStrike" noProof="1"/>
           </a:p>
           <a:p>
             <a:pPr lvl="3" fontAlgn="base"/>
@@ -9560,7 +9711,6 @@
               <a:rPr lang="en-US" strike="noStrike" noProof="1"/>
               <a:t>Fourth level</a:t>
             </a:r>
-            <a:endParaRPr lang="en-US" strike="noStrike" noProof="1"/>
           </a:p>
           <a:p>
             <a:pPr lvl="4" fontAlgn="base"/>
@@ -9568,7 +9718,6 @@
               <a:rPr lang="en-US" strike="noStrike" noProof="1"/>
               <a:t>Fifth level</a:t>
             </a:r>
-            <a:endParaRPr lang="en-US" strike="noStrike" noProof="1"/>
           </a:p>
         </p:txBody>
       </p:sp>
@@ -9597,7 +9746,6 @@
               <a:rPr lang="en-US" strike="noStrike" noProof="1"/>
               <a:t>Click to edit Master text styles</a:t>
             </a:r>
-            <a:endParaRPr lang="en-US" strike="noStrike" noProof="1"/>
           </a:p>
           <a:p>
             <a:pPr lvl="1" fontAlgn="base"/>
@@ -9605,7 +9753,6 @@
               <a:rPr lang="en-US" strike="noStrike" noProof="1"/>
               <a:t>Second level</a:t>
             </a:r>
-            <a:endParaRPr lang="en-US" strike="noStrike" noProof="1"/>
           </a:p>
           <a:p>
             <a:pPr lvl="2" fontAlgn="base"/>
@@ -9613,7 +9760,6 @@
               <a:rPr lang="en-US" strike="noStrike" noProof="1"/>
               <a:t>Third level</a:t>
             </a:r>
-            <a:endParaRPr lang="en-US" strike="noStrike" noProof="1"/>
           </a:p>
           <a:p>
             <a:pPr lvl="3" fontAlgn="base"/>
@@ -9621,7 +9767,6 @@
               <a:rPr lang="en-US" strike="noStrike" noProof="1"/>
               <a:t>Fourth level</a:t>
             </a:r>
-            <a:endParaRPr lang="en-US" strike="noStrike" noProof="1"/>
           </a:p>
           <a:p>
             <a:pPr lvl="4" fontAlgn="base"/>
@@ -9629,7 +9774,6 @@
               <a:rPr lang="en-US" strike="noStrike" noProof="1"/>
               <a:t>Fifth level</a:t>
             </a:r>
-            <a:endParaRPr lang="en-US" strike="noStrike" noProof="1"/>
           </a:p>
         </p:txBody>
       </p:sp>
@@ -9705,6 +9849,7 @@
                 <a:ea typeface="SimSun" panose="02010600030101010101" pitchFamily="2" charset="-122"/>
                 <a:cs typeface="+mn-cs"/>
               </a:rPr>
+              <a:t>‹#›</a:t>
             </a:fld>
             <a:endParaRPr lang="zh-CN" altLang="en-US" strike="noStrike" noProof="1"/>
           </a:p>
@@ -9720,7 +9865,7 @@
 </file>
 
 <file path=ppt/slideLayouts/slideLayout2.xml><?xml version="1.0" encoding="utf-8"?>
-<p:sldLayout xmlns:a="http://schemas.openxmlformats.org/drawingml/2006/main" xmlns:r="http://schemas.openxmlformats.org/officeDocument/2006/relationships" xmlns:p="http://schemas.openxmlformats.org/presentationml/2006/main" type="secHead" matchingName="Section header">
+<p:sldLayout xmlns:a="http://schemas.openxmlformats.org/drawingml/2006/main" xmlns:r="http://schemas.openxmlformats.org/officeDocument/2006/relationships" xmlns:p="http://schemas.openxmlformats.org/presentationml/2006/main" matchingName="Section header" type="secHead">
   <p:cSld name="SECTION_HEADER">
     <p:bg>
       <p:bgPr>
@@ -9813,6 +9958,7 @@
                   </a:spcAft>
                   <a:buNone/>
                 </a:pPr>
+                <a:endParaRPr/>
               </a:p>
             </p:txBody>
           </p:sp>
@@ -9857,6 +10003,7 @@
                   </a:spcAft>
                   <a:buNone/>
                 </a:pPr>
+                <a:endParaRPr/>
               </a:p>
             </p:txBody>
           </p:sp>
@@ -9916,6 +10063,7 @@
                   </a:spcAft>
                   <a:buNone/>
                 </a:pPr>
+                <a:endParaRPr/>
               </a:p>
             </p:txBody>
           </p:sp>
@@ -9960,6 +10108,7 @@
                   </a:spcAft>
                   <a:buNone/>
                 </a:pPr>
+                <a:endParaRPr/>
               </a:p>
             </p:txBody>
           </p:sp>
@@ -10004,6 +10153,7 @@
                   </a:spcAft>
                   <a:buNone/>
                 </a:pPr>
+                <a:endParaRPr/>
               </a:p>
             </p:txBody>
           </p:sp>
@@ -10063,6 +10213,7 @@
                   </a:spcAft>
                   <a:buNone/>
                 </a:pPr>
+                <a:endParaRPr/>
               </a:p>
             </p:txBody>
           </p:sp>
@@ -10107,6 +10258,7 @@
                   </a:spcAft>
                   <a:buNone/>
                 </a:pPr>
+                <a:endParaRPr/>
               </a:p>
             </p:txBody>
           </p:sp>
@@ -10151,6 +10303,7 @@
                   </a:spcAft>
                   <a:buNone/>
                 </a:pPr>
+                <a:endParaRPr/>
               </a:p>
             </p:txBody>
           </p:sp>
@@ -10195,6 +10348,7 @@
                   </a:spcAft>
                   <a:buNone/>
                 </a:pPr>
+                <a:endParaRPr/>
               </a:p>
             </p:txBody>
           </p:sp>
@@ -10269,6 +10423,7 @@
                   </a:spcAft>
                   <a:buNone/>
                 </a:pPr>
+                <a:endParaRPr/>
               </a:p>
             </p:txBody>
           </p:sp>
@@ -10313,6 +10468,7 @@
                   </a:spcAft>
                   <a:buNone/>
                 </a:pPr>
+                <a:endParaRPr/>
               </a:p>
             </p:txBody>
           </p:sp>
@@ -10372,6 +10528,7 @@
                   </a:spcAft>
                   <a:buNone/>
                 </a:pPr>
+                <a:endParaRPr/>
               </a:p>
             </p:txBody>
           </p:sp>
@@ -10416,6 +10573,7 @@
                   </a:spcAft>
                   <a:buNone/>
                 </a:pPr>
+                <a:endParaRPr/>
               </a:p>
             </p:txBody>
           </p:sp>
@@ -10460,6 +10618,7 @@
                   </a:spcAft>
                   <a:buNone/>
                 </a:pPr>
+                <a:endParaRPr/>
               </a:p>
             </p:txBody>
           </p:sp>
@@ -10519,6 +10678,7 @@
                   </a:spcAft>
                   <a:buNone/>
                 </a:pPr>
+                <a:endParaRPr/>
               </a:p>
             </p:txBody>
           </p:sp>
@@ -10563,6 +10723,7 @@
                   </a:spcAft>
                   <a:buNone/>
                 </a:pPr>
+                <a:endParaRPr/>
               </a:p>
             </p:txBody>
           </p:sp>
@@ -10607,6 +10768,7 @@
                   </a:spcAft>
                   <a:buNone/>
                 </a:pPr>
+                <a:endParaRPr/>
               </a:p>
             </p:txBody>
           </p:sp>
@@ -10651,6 +10813,7 @@
                   </a:spcAft>
                   <a:buNone/>
                 </a:pPr>
+                <a:endParaRPr/>
               </a:p>
             </p:txBody>
           </p:sp>
@@ -10710,6 +10873,7 @@
                   </a:spcAft>
                   <a:buNone/>
                 </a:pPr>
+                <a:endParaRPr/>
               </a:p>
             </p:txBody>
           </p:sp>
@@ -10754,6 +10918,7 @@
                   </a:spcAft>
                   <a:buNone/>
                 </a:pPr>
+                <a:endParaRPr/>
               </a:p>
             </p:txBody>
           </p:sp>
@@ -10798,6 +10963,7 @@
                   </a:spcAft>
                   <a:buNone/>
                 </a:pPr>
+                <a:endParaRPr/>
               </a:p>
             </p:txBody>
           </p:sp>
@@ -10842,6 +11008,7 @@
                   </a:spcAft>
                   <a:buNone/>
                 </a:pPr>
+                <a:endParaRPr/>
               </a:p>
             </p:txBody>
           </p:sp>
@@ -10886,6 +11053,7 @@
                   </a:spcAft>
                   <a:buNone/>
                 </a:pPr>
+                <a:endParaRPr/>
               </a:p>
             </p:txBody>
           </p:sp>
@@ -11078,7 +11246,9 @@
               </a:defRPr>
             </a:lvl9pPr>
           </a:lstStyle>
-          <a:p/>
+          <a:p>
+            <a:endParaRPr/>
+          </a:p>
         </p:txBody>
       </p:sp>
       <p:sp>
@@ -11190,6 +11360,7 @@
             </a:pPr>
             <a:fld id="{00000000-1234-1234-1234-123412341234}" type="slidenum">
               <a:rPr lang="en-GB"/>
+              <a:t>‹#›</a:t>
             </a:fld>
             <a:endParaRPr lang="en-GB"/>
           </a:p>
@@ -11205,7 +11376,7 @@
 </file>
 
 <file path=ppt/slideLayouts/slideLayout3.xml><?xml version="1.0" encoding="utf-8"?>
-<p:sldLayout xmlns:a="http://schemas.openxmlformats.org/drawingml/2006/main" xmlns:r="http://schemas.openxmlformats.org/officeDocument/2006/relationships" xmlns:p="http://schemas.openxmlformats.org/presentationml/2006/main" type="tx" matchingName="Title and body">
+<p:sldLayout xmlns:a="http://schemas.openxmlformats.org/drawingml/2006/main" xmlns:r="http://schemas.openxmlformats.org/officeDocument/2006/relationships" xmlns:p="http://schemas.openxmlformats.org/presentationml/2006/main" matchingName="Title and body" type="tx">
   <p:cSld name="TITLE_AND_BODY">
     <p:spTree>
       <p:nvGrpSpPr>
@@ -11276,6 +11447,7 @@
                 </a:spcAft>
                 <a:buNone/>
               </a:pPr>
+              <a:endParaRPr/>
             </a:p>
           </p:txBody>
         </p:sp>
@@ -11320,6 +11492,7 @@
                 </a:spcAft>
                 <a:buNone/>
               </a:pPr>
+              <a:endParaRPr/>
             </a:p>
           </p:txBody>
         </p:sp>
@@ -11448,7 +11621,9 @@
               <a:defRPr/>
             </a:lvl9pPr>
           </a:lstStyle>
-          <a:p/>
+          <a:p>
+            <a:endParaRPr/>
+          </a:p>
         </p:txBody>
       </p:sp>
       <p:sp>
@@ -11575,7 +11750,9 @@
               <a:defRPr/>
             </a:lvl9pPr>
           </a:lstStyle>
-          <a:p/>
+          <a:p>
+            <a:endParaRPr/>
+          </a:p>
         </p:txBody>
       </p:sp>
       <p:sp>
@@ -11651,6 +11828,7 @@
             </a:pPr>
             <a:fld id="{00000000-1234-1234-1234-123412341234}" type="slidenum">
               <a:rPr lang="en-GB"/>
+              <a:t>‹#›</a:t>
             </a:fld>
             <a:endParaRPr lang="en-GB"/>
           </a:p>
@@ -11666,7 +11844,7 @@
 </file>
 
 <file path=ppt/slideLayouts/slideLayout4.xml><?xml version="1.0" encoding="utf-8"?>
-<p:sldLayout xmlns:a="http://schemas.openxmlformats.org/drawingml/2006/main" xmlns:r="http://schemas.openxmlformats.org/officeDocument/2006/relationships" xmlns:p="http://schemas.openxmlformats.org/presentationml/2006/main" type="twoColTx" matchingName="Title and two columns">
+<p:sldLayout xmlns:a="http://schemas.openxmlformats.org/drawingml/2006/main" xmlns:r="http://schemas.openxmlformats.org/officeDocument/2006/relationships" xmlns:p="http://schemas.openxmlformats.org/presentationml/2006/main" matchingName="Title and two columns" type="twoColTx">
   <p:cSld name="TITLE_AND_TWO_COLUMNS">
     <p:spTree>
       <p:nvGrpSpPr>
@@ -11737,6 +11915,7 @@
                 </a:spcAft>
                 <a:buNone/>
               </a:pPr>
+              <a:endParaRPr/>
             </a:p>
           </p:txBody>
         </p:sp>
@@ -11781,6 +11960,7 @@
                 </a:spcAft>
                 <a:buNone/>
               </a:pPr>
+              <a:endParaRPr/>
             </a:p>
           </p:txBody>
         </p:sp>
@@ -11909,7 +12089,9 @@
               <a:defRPr/>
             </a:lvl9pPr>
           </a:lstStyle>
-          <a:p/>
+          <a:p>
+            <a:endParaRPr/>
+          </a:p>
         </p:txBody>
       </p:sp>
       <p:sp>
@@ -12036,7 +12218,9 @@
               <a:defRPr/>
             </a:lvl9pPr>
           </a:lstStyle>
-          <a:p/>
+          <a:p>
+            <a:endParaRPr/>
+          </a:p>
         </p:txBody>
       </p:sp>
       <p:sp>
@@ -12163,7 +12347,9 @@
               <a:defRPr/>
             </a:lvl9pPr>
           </a:lstStyle>
-          <a:p/>
+          <a:p>
+            <a:endParaRPr/>
+          </a:p>
         </p:txBody>
       </p:sp>
       <p:sp>
@@ -12239,6 +12425,7 @@
             </a:pPr>
             <a:fld id="{00000000-1234-1234-1234-123412341234}" type="slidenum">
               <a:rPr lang="en-GB"/>
+              <a:t>‹#›</a:t>
             </a:fld>
             <a:endParaRPr lang="en-GB"/>
           </a:p>
@@ -12254,7 +12441,7 @@
 </file>
 
 <file path=ppt/slideLayouts/slideLayout5.xml><?xml version="1.0" encoding="utf-8"?>
-<p:sldLayout xmlns:a="http://schemas.openxmlformats.org/drawingml/2006/main" xmlns:r="http://schemas.openxmlformats.org/officeDocument/2006/relationships" xmlns:p="http://schemas.openxmlformats.org/presentationml/2006/main" type="titleOnly" matchingName="Title only">
+<p:sldLayout xmlns:a="http://schemas.openxmlformats.org/drawingml/2006/main" xmlns:r="http://schemas.openxmlformats.org/officeDocument/2006/relationships" xmlns:p="http://schemas.openxmlformats.org/presentationml/2006/main" matchingName="Title only" type="titleOnly">
   <p:cSld name="TITLE_ONLY">
     <p:spTree>
       <p:nvGrpSpPr>
@@ -12325,6 +12512,7 @@
                 </a:spcAft>
                 <a:buNone/>
               </a:pPr>
+              <a:endParaRPr/>
             </a:p>
           </p:txBody>
         </p:sp>
@@ -12369,6 +12557,7 @@
                 </a:spcAft>
                 <a:buNone/>
               </a:pPr>
+              <a:endParaRPr/>
             </a:p>
           </p:txBody>
         </p:sp>
@@ -12497,7 +12686,9 @@
               <a:defRPr/>
             </a:lvl9pPr>
           </a:lstStyle>
-          <a:p/>
+          <a:p>
+            <a:endParaRPr/>
+          </a:p>
         </p:txBody>
       </p:sp>
       <p:sp>
@@ -12573,6 +12764,7 @@
             </a:pPr>
             <a:fld id="{00000000-1234-1234-1234-123412341234}" type="slidenum">
               <a:rPr lang="en-GB"/>
+              <a:t>‹#›</a:t>
             </a:fld>
             <a:endParaRPr lang="en-GB"/>
           </a:p>
@@ -12659,6 +12851,7 @@
                 </a:spcAft>
                 <a:buNone/>
               </a:pPr>
+              <a:endParaRPr/>
             </a:p>
           </p:txBody>
         </p:sp>
@@ -12703,6 +12896,7 @@
                 </a:spcAft>
                 <a:buNone/>
               </a:pPr>
+              <a:endParaRPr/>
             </a:p>
           </p:txBody>
         </p:sp>
@@ -12831,7 +13025,9 @@
               <a:defRPr/>
             </a:lvl9pPr>
           </a:lstStyle>
-          <a:p/>
+          <a:p>
+            <a:endParaRPr/>
+          </a:p>
         </p:txBody>
       </p:sp>
       <p:sp>
@@ -12958,7 +13154,9 @@
               <a:defRPr/>
             </a:lvl9pPr>
           </a:lstStyle>
-          <a:p/>
+          <a:p>
+            <a:endParaRPr/>
+          </a:p>
         </p:txBody>
       </p:sp>
       <p:sp>
@@ -13034,6 +13232,7 @@
             </a:pPr>
             <a:fld id="{00000000-1234-1234-1234-123412341234}" type="slidenum">
               <a:rPr lang="en-GB"/>
+              <a:t>‹#›</a:t>
             </a:fld>
             <a:endParaRPr lang="en-GB"/>
           </a:p>
@@ -13139,6 +13338,7 @@
                   </a:spcAft>
                   <a:buNone/>
                 </a:pPr>
+                <a:endParaRPr/>
               </a:p>
             </p:txBody>
           </p:sp>
@@ -13183,6 +13383,7 @@
                   </a:spcAft>
                   <a:buNone/>
                 </a:pPr>
+                <a:endParaRPr/>
               </a:p>
             </p:txBody>
           </p:sp>
@@ -13224,6 +13425,7 @@
                   </a:spcAft>
                   <a:buNone/>
                 </a:pPr>
+                <a:endParaRPr/>
               </a:p>
             </p:txBody>
           </p:sp>
@@ -13280,6 +13482,7 @@
                   </a:spcAft>
                   <a:buNone/>
                 </a:pPr>
+                <a:endParaRPr/>
               </a:p>
             </p:txBody>
           </p:sp>
@@ -13321,6 +13524,7 @@
                   </a:spcAft>
                   <a:buNone/>
                 </a:pPr>
+                <a:endParaRPr/>
               </a:p>
             </p:txBody>
           </p:sp>
@@ -13365,6 +13569,7 @@
                   </a:spcAft>
                   <a:buNone/>
                 </a:pPr>
+                <a:endParaRPr/>
               </a:p>
             </p:txBody>
           </p:sp>
@@ -13421,6 +13626,7 @@
                   </a:spcAft>
                   <a:buNone/>
                 </a:pPr>
+                <a:endParaRPr/>
               </a:p>
             </p:txBody>
           </p:sp>
@@ -13465,6 +13671,7 @@
                   </a:spcAft>
                   <a:buNone/>
                 </a:pPr>
+                <a:endParaRPr/>
               </a:p>
             </p:txBody>
           </p:sp>
@@ -13657,7 +13864,9 @@
               </a:defRPr>
             </a:lvl9pPr>
           </a:lstStyle>
-          <a:p/>
+          <a:p>
+            <a:endParaRPr/>
+          </a:p>
         </p:txBody>
       </p:sp>
       <p:sp>
@@ -13769,6 +13978,7 @@
             </a:pPr>
             <a:fld id="{00000000-1234-1234-1234-123412341234}" type="slidenum">
               <a:rPr lang="en-GB"/>
+              <a:t>‹#›</a:t>
             </a:fld>
             <a:endParaRPr lang="en-GB"/>
           </a:p>
@@ -13855,6 +14065,7 @@
                 </a:spcAft>
                 <a:buNone/>
               </a:pPr>
+              <a:endParaRPr/>
             </a:p>
           </p:txBody>
         </p:sp>
@@ -13899,6 +14110,7 @@
                 </a:spcAft>
                 <a:buNone/>
               </a:pPr>
+              <a:endParaRPr/>
             </a:p>
           </p:txBody>
         </p:sp>
@@ -14036,7 +14248,9 @@
               <a:defRPr/>
             </a:lvl9pPr>
           </a:lstStyle>
-          <a:p/>
+          <a:p>
+            <a:endParaRPr/>
+          </a:p>
         </p:txBody>
       </p:sp>
       <p:sp>
@@ -14199,7 +14413,9 @@
               <a:defRPr sz="1600"/>
             </a:lvl9pPr>
           </a:lstStyle>
-          <a:p/>
+          <a:p>
+            <a:endParaRPr/>
+          </a:p>
         </p:txBody>
       </p:sp>
       <p:sp>
@@ -14335,7 +14551,9 @@
               <a:defRPr/>
             </a:lvl9pPr>
           </a:lstStyle>
-          <a:p/>
+          <a:p>
+            <a:endParaRPr/>
+          </a:p>
         </p:txBody>
       </p:sp>
       <p:sp>
@@ -14411,6 +14629,7 @@
             </a:pPr>
             <a:fld id="{00000000-1234-1234-1234-123412341234}" type="slidenum">
               <a:rPr lang="en-GB"/>
+              <a:t>‹#›</a:t>
             </a:fld>
             <a:endParaRPr lang="en-GB"/>
           </a:p>
@@ -14497,6 +14716,7 @@
                 </a:spcAft>
                 <a:buNone/>
               </a:pPr>
+              <a:endParaRPr/>
             </a:p>
           </p:txBody>
         </p:sp>
@@ -14541,6 +14761,7 @@
                 </a:spcAft>
                 <a:buNone/>
               </a:pPr>
+              <a:endParaRPr/>
             </a:p>
           </p:txBody>
         </p:sp>
@@ -14584,7 +14805,9 @@
               <a:defRPr/>
             </a:lvl1pPr>
           </a:lstStyle>
-          <a:p/>
+          <a:p>
+            <a:endParaRPr/>
+          </a:p>
         </p:txBody>
       </p:sp>
       <p:sp>
@@ -14660,6 +14883,7 @@
             </a:pPr>
             <a:fld id="{00000000-1234-1234-1234-123412341234}" type="slidenum">
               <a:rPr lang="en-GB"/>
+              <a:t>‹#›</a:t>
             </a:fld>
             <a:endParaRPr lang="en-GB"/>
           </a:p>
@@ -14935,7 +15159,9 @@
               </a:defRPr>
             </a:lvl9pPr>
           </a:lstStyle>
-          <a:p/>
+          <a:p>
+            <a:endParaRPr/>
+          </a:p>
         </p:txBody>
       </p:sp>
       <p:sp>
@@ -15201,7 +15427,9 @@
               </a:defRPr>
             </a:lvl9pPr>
           </a:lstStyle>
-          <a:p/>
+          <a:p>
+            <a:endParaRPr/>
+          </a:p>
         </p:txBody>
       </p:sp>
       <p:sp>
@@ -15353,6 +15581,7 @@
             </a:pPr>
             <a:fld id="{00000000-1234-1234-1234-123412341234}" type="slidenum">
               <a:rPr lang="en-GB"/>
+              <a:t>‹#›</a:t>
             </a:fld>
             <a:endParaRPr lang="en-GB"/>
           </a:p>
@@ -16358,13 +16587,6 @@
               </a:rPr>
               <a:t>Guide : Dr P.G. Sunita Hiremath.</a:t>
             </a:r>
-            <a:endParaRPr lang="en-US">
-              <a:solidFill>
-                <a:schemeClr val="bg2"/>
-              </a:solidFill>
-              <a:latin typeface="Georgia" panose="02040502050405020303" charset="0"/>
-              <a:cs typeface="Georgia" panose="02040502050405020303" charset="0"/>
-            </a:endParaRPr>
           </a:p>
           <a:p>
             <a:pPr marL="0" lvl="0" indent="0" algn="l" rtl="0">
@@ -16386,13 +16608,6 @@
               </a:rPr>
               <a:t>TEAM Members:</a:t>
             </a:r>
-            <a:endParaRPr lang="en-US">
-              <a:solidFill>
-                <a:schemeClr val="bg2"/>
-              </a:solidFill>
-              <a:latin typeface="Georgia" panose="02040502050405020303" charset="0"/>
-              <a:cs typeface="Georgia" panose="02040502050405020303" charset="0"/>
-            </a:endParaRPr>
           </a:p>
           <a:p>
             <a:pPr marL="0" lvl="0" indent="0" algn="l" rtl="0">
@@ -16414,13 +16629,6 @@
               </a:rPr>
               <a:t>* Varun Bohara.                01fe18bcs278</a:t>
             </a:r>
-            <a:endParaRPr lang="en-US">
-              <a:solidFill>
-                <a:schemeClr val="bg2"/>
-              </a:solidFill>
-              <a:latin typeface="Georgia" panose="02040502050405020303" charset="0"/>
-              <a:cs typeface="Georgia" panose="02040502050405020303" charset="0"/>
-            </a:endParaRPr>
           </a:p>
           <a:p>
             <a:pPr marL="0" lvl="0" indent="0" algn="l" rtl="0">
@@ -16442,13 +16650,6 @@
               </a:rPr>
               <a:t>* Sakshi Tahlani.               01fe18bcs271</a:t>
             </a:r>
-            <a:endParaRPr lang="en-US">
-              <a:solidFill>
-                <a:schemeClr val="bg2"/>
-              </a:solidFill>
-              <a:latin typeface="Georgia" panose="02040502050405020303" charset="0"/>
-              <a:cs typeface="Georgia" panose="02040502050405020303" charset="0"/>
-            </a:endParaRPr>
           </a:p>
           <a:p>
             <a:pPr marL="0" lvl="0" indent="0" algn="l" rtl="0">
@@ -16470,13 +16671,6 @@
               </a:rPr>
               <a:t>* Abhishek Rao.                01fe18bcs297</a:t>
             </a:r>
-            <a:endParaRPr lang="en-US">
-              <a:solidFill>
-                <a:schemeClr val="bg2"/>
-              </a:solidFill>
-              <a:latin typeface="Georgia" panose="02040502050405020303" charset="0"/>
-              <a:cs typeface="Georgia" panose="02040502050405020303" charset="0"/>
-            </a:endParaRPr>
           </a:p>
           <a:p>
             <a:pPr marL="0" lvl="0" indent="0" algn="l" rtl="0">
@@ -16548,7 +16742,7 @@
           <p:nvPr/>
         </p:nvPicPr>
         <p:blipFill>
-          <a:blip r:embed="rId1">
+          <a:blip r:embed="rId3">
             <a:clrChange>
               <a:clrFrom>
                 <a:srgbClr val="FFFFFF">
@@ -16591,6 +16785,7 @@
         <p:spPr/>
         <p:txBody>
           <a:bodyPr/>
+          <a:lstStyle/>
           <a:p>
             <a:pPr marL="0" lvl="0" indent="0" algn="r" rtl="0">
               <a:spcBef>
@@ -16603,6 +16798,7 @@
             </a:pPr>
             <a:fld id="{00000000-1234-1234-1234-123412341234}" type="slidenum">
               <a:rPr lang="en-GB"/>
+              <a:t>1</a:t>
             </a:fld>
             <a:endParaRPr lang="en-GB"/>
           </a:p>
@@ -16739,11 +16935,6 @@
               </a:rPr>
               <a:t>Text Embedding : LSTM</a:t>
             </a:r>
-            <a:endParaRPr lang="en-IN" altLang="en-US" sz="1400" dirty="0">
-              <a:latin typeface="Georgia" panose="02040502050405020303" charset="0"/>
-              <a:cs typeface="Georgia" panose="02040502050405020303" charset="0"/>
-              <a:sym typeface="+mn-ea"/>
-            </a:endParaRPr>
           </a:p>
           <a:p>
             <a:pPr marL="285750" indent="-285750" algn="l">
@@ -16758,11 +16949,6 @@
               </a:rPr>
               <a:t>Image Embedding : VGG16</a:t>
             </a:r>
-            <a:endParaRPr lang="en-IN" altLang="en-US" sz="1400" dirty="0">
-              <a:latin typeface="Georgia" panose="02040502050405020303" charset="0"/>
-              <a:cs typeface="Georgia" panose="02040502050405020303" charset="0"/>
-              <a:sym typeface="+mn-ea"/>
-            </a:endParaRPr>
           </a:p>
           <a:p>
             <a:pPr marL="285750" indent="-285750" algn="l">
@@ -16835,7 +17021,7 @@
           </p:nvPr>
         </p:nvPicPr>
         <p:blipFill rotWithShape="1">
-          <a:blip r:embed="rId1"/>
+          <a:blip r:embed="rId3"/>
           <a:srcRect t="762"/>
           <a:stretch>
             <a:fillRect/>
@@ -16864,6 +17050,7 @@
         <p:spPr/>
         <p:txBody>
           <a:bodyPr/>
+          <a:lstStyle/>
           <a:p>
             <a:pPr lvl="0" fontAlgn="base"/>
             <a:fld id="{9A0DB2DC-4C9A-4742-B13C-FB6460FD3503}" type="slidenum">
@@ -16872,6 +17059,7 @@
                 <a:ea typeface="SimSun" panose="02010600030101010101" pitchFamily="2" charset="-122"/>
                 <a:cs typeface="+mn-cs"/>
               </a:rPr>
+              <a:t>10</a:t>
             </a:fld>
             <a:endParaRPr lang="zh-CN" altLang="en-US" strike="noStrike" noProof="1"/>
           </a:p>
@@ -16957,44 +17145,6 @@
       </p:sp>
       <p:sp>
         <p:nvSpPr>
-          <p:cNvPr id="2" name="Rounded Rectangle 1"/>
-          <p:cNvSpPr/>
-          <p:nvPr/>
-        </p:nvSpPr>
-        <p:spPr>
-          <a:xfrm>
-            <a:off x="2187575" y="1633220"/>
-            <a:ext cx="2330450" cy="2085975"/>
-          </a:xfrm>
-          <a:prstGeom prst="roundRect">
-            <a:avLst/>
-          </a:prstGeom>
-        </p:spPr>
-        <p:style>
-          <a:lnRef idx="2">
-            <a:schemeClr val="accent3"/>
-          </a:lnRef>
-          <a:fillRef idx="1">
-            <a:schemeClr val="lt1"/>
-          </a:fillRef>
-          <a:effectRef idx="0">
-            <a:schemeClr val="accent3"/>
-          </a:effectRef>
-          <a:fontRef idx="minor">
-            <a:schemeClr val="dk1"/>
-          </a:fontRef>
-        </p:style>
-        <p:txBody>
-          <a:bodyPr rtlCol="0" anchor="ctr"/>
-          <a:lstStyle/>
-          <a:p>
-            <a:pPr algn="ctr"/>
-            <a:endParaRPr lang="en-US"/>
-          </a:p>
-        </p:txBody>
-      </p:sp>
-      <p:sp>
-        <p:nvSpPr>
           <p:cNvPr id="5" name="Text Box 0"/>
           <p:cNvSpPr txBox="1"/>
           <p:nvPr/>
@@ -17016,16 +17166,12 @@
           <a:lstStyle/>
           <a:p>
             <a:r>
-              <a:rPr lang="en-US">
+              <a:rPr lang="en-US" dirty="0">
                 <a:latin typeface="Georgia" panose="02040502050405020303" charset="0"/>
                 <a:cs typeface="Georgia" panose="02040502050405020303" charset="0"/>
               </a:rPr>
               <a:t>Input</a:t>
             </a:r>
-            <a:endParaRPr lang="en-US">
-              <a:latin typeface="Georgia" panose="02040502050405020303" charset="0"/>
-              <a:cs typeface="Georgia" panose="02040502050405020303" charset="0"/>
-            </a:endParaRPr>
           </a:p>
         </p:txBody>
       </p:sp>
@@ -17052,16 +17198,12 @@
           <a:lstStyle/>
           <a:p>
             <a:r>
-              <a:rPr lang="en-US">
+              <a:rPr lang="en-US" dirty="0">
                 <a:latin typeface="Georgia" panose="02040502050405020303" charset="0"/>
                 <a:cs typeface="Georgia" panose="02040502050405020303" charset="0"/>
               </a:rPr>
               <a:t>Output</a:t>
             </a:r>
-            <a:endParaRPr lang="en-US">
-              <a:latin typeface="Georgia" panose="02040502050405020303" charset="0"/>
-              <a:cs typeface="Georgia" panose="02040502050405020303" charset="0"/>
-            </a:endParaRPr>
           </a:p>
         </p:txBody>
       </p:sp>
@@ -17076,7 +17218,7 @@
           </p:nvPr>
         </p:nvPicPr>
         <p:blipFill>
-          <a:blip r:embed="rId1"/>
+          <a:blip r:embed="rId3"/>
           <a:stretch>
             <a:fillRect/>
           </a:stretch>
@@ -17091,329 +17233,6 @@
           </a:prstGeom>
         </p:spPr>
       </p:pic>
-      <p:sp>
-        <p:nvSpPr>
-          <p:cNvPr id="7" name="Rounded Rectangle 6"/>
-          <p:cNvSpPr/>
-          <p:nvPr/>
-        </p:nvSpPr>
-        <p:spPr>
-          <a:xfrm>
-            <a:off x="2545080" y="2910205"/>
-            <a:ext cx="1640205" cy="471805"/>
-          </a:xfrm>
-          <a:prstGeom prst="roundRect">
-            <a:avLst/>
-          </a:prstGeom>
-        </p:spPr>
-        <p:style>
-          <a:lnRef idx="2">
-            <a:schemeClr val="accent1"/>
-          </a:lnRef>
-          <a:fillRef idx="1">
-            <a:schemeClr val="lt1"/>
-          </a:fillRef>
-          <a:effectRef idx="0">
-            <a:schemeClr val="accent1"/>
-          </a:effectRef>
-          <a:fontRef idx="minor">
-            <a:schemeClr val="dk1"/>
-          </a:fontRef>
-        </p:style>
-        <p:txBody>
-          <a:bodyPr rtlCol="0" anchor="ctr"/>
-          <a:lstStyle/>
-          <a:p>
-            <a:pPr algn="ctr"/>
-            <a:r>
-              <a:rPr lang="en-US" dirty="0">
-                <a:latin typeface="Georgia" panose="02040502050405020303" charset="0"/>
-                <a:cs typeface="Georgia" panose="02040502050405020303" charset="0"/>
-              </a:rPr>
-              <a:t>Visual Module</a:t>
-            </a:r>
-            <a:br>
-              <a:rPr lang="en-US" dirty="0">
-                <a:latin typeface="Georgia" panose="02040502050405020303" charset="0"/>
-                <a:cs typeface="Georgia" panose="02040502050405020303" charset="0"/>
-              </a:rPr>
-            </a:br>
-            <a:r>
-              <a:rPr lang="en-US" dirty="0">
-                <a:latin typeface="Georgia" panose="02040502050405020303" charset="0"/>
-                <a:cs typeface="Georgia" panose="02040502050405020303" charset="0"/>
-              </a:rPr>
-              <a:t>(Inception v3)</a:t>
-            </a:r>
-            <a:endParaRPr lang="en-US" dirty="0">
-              <a:latin typeface="Georgia" panose="02040502050405020303" charset="0"/>
-              <a:cs typeface="Georgia" panose="02040502050405020303" charset="0"/>
-            </a:endParaRPr>
-          </a:p>
-        </p:txBody>
-      </p:sp>
-      <p:sp>
-        <p:nvSpPr>
-          <p:cNvPr id="8" name="Rounded Rectangle 7"/>
-          <p:cNvSpPr/>
-          <p:nvPr/>
-        </p:nvSpPr>
-        <p:spPr>
-          <a:xfrm>
-            <a:off x="2532380" y="1953260"/>
-            <a:ext cx="1640205" cy="471805"/>
-          </a:xfrm>
-          <a:prstGeom prst="roundRect">
-            <a:avLst/>
-          </a:prstGeom>
-        </p:spPr>
-        <p:style>
-          <a:lnRef idx="2">
-            <a:schemeClr val="accent1"/>
-          </a:lnRef>
-          <a:fillRef idx="1">
-            <a:schemeClr val="lt1"/>
-          </a:fillRef>
-          <a:effectRef idx="0">
-            <a:schemeClr val="accent1"/>
-          </a:effectRef>
-          <a:fontRef idx="minor">
-            <a:schemeClr val="dk1"/>
-          </a:fontRef>
-        </p:style>
-        <p:txBody>
-          <a:bodyPr rtlCol="0" anchor="ctr"/>
-          <a:lstStyle/>
-          <a:p>
-            <a:pPr algn="ctr"/>
-            <a:r>
-              <a:rPr lang="en-US" dirty="0">
-                <a:latin typeface="Georgia" panose="02040502050405020303" charset="0"/>
-                <a:cs typeface="Georgia" panose="02040502050405020303" charset="0"/>
-              </a:rPr>
-              <a:t>Text Module</a:t>
-            </a:r>
-            <a:br>
-              <a:rPr lang="en-US" dirty="0">
-                <a:latin typeface="Georgia" panose="02040502050405020303" charset="0"/>
-                <a:cs typeface="Georgia" panose="02040502050405020303" charset="0"/>
-              </a:rPr>
-            </a:br>
-            <a:r>
-              <a:rPr lang="en-US" dirty="0">
-                <a:latin typeface="Georgia" panose="02040502050405020303" charset="0"/>
-                <a:cs typeface="Georgia" panose="02040502050405020303" charset="0"/>
-              </a:rPr>
-              <a:t>(Sbert)</a:t>
-            </a:r>
-            <a:endParaRPr lang="en-US" dirty="0">
-              <a:latin typeface="Georgia" panose="02040502050405020303" charset="0"/>
-              <a:cs typeface="Georgia" panose="02040502050405020303" charset="0"/>
-            </a:endParaRPr>
-          </a:p>
-        </p:txBody>
-      </p:sp>
-      <p:sp>
-        <p:nvSpPr>
-          <p:cNvPr id="9" name="Rounded Rectangle 8"/>
-          <p:cNvSpPr/>
-          <p:nvPr/>
-        </p:nvSpPr>
-        <p:spPr>
-          <a:xfrm>
-            <a:off x="4808220" y="2425065"/>
-            <a:ext cx="1640205" cy="471805"/>
-          </a:xfrm>
-          <a:prstGeom prst="roundRect">
-            <a:avLst/>
-          </a:prstGeom>
-        </p:spPr>
-        <p:style>
-          <a:lnRef idx="2">
-            <a:schemeClr val="accent1"/>
-          </a:lnRef>
-          <a:fillRef idx="1">
-            <a:schemeClr val="lt1"/>
-          </a:fillRef>
-          <a:effectRef idx="0">
-            <a:schemeClr val="accent1"/>
-          </a:effectRef>
-          <a:fontRef idx="minor">
-            <a:schemeClr val="dk1"/>
-          </a:fontRef>
-        </p:style>
-        <p:txBody>
-          <a:bodyPr rtlCol="0" anchor="ctr"/>
-          <a:lstStyle/>
-          <a:p>
-            <a:pPr algn="ctr"/>
-            <a:r>
-              <a:rPr lang="en-US">
-                <a:latin typeface="Georgia" panose="02040502050405020303" charset="0"/>
-                <a:cs typeface="Georgia" panose="02040502050405020303" charset="0"/>
-              </a:rPr>
-              <a:t>Decoder</a:t>
-            </a:r>
-            <a:endParaRPr lang="en-US">
-              <a:latin typeface="Georgia" panose="02040502050405020303" charset="0"/>
-              <a:cs typeface="Georgia" panose="02040502050405020303" charset="0"/>
-            </a:endParaRPr>
-          </a:p>
-        </p:txBody>
-      </p:sp>
-      <p:cxnSp>
-        <p:nvCxnSpPr>
-          <p:cNvPr id="10" name="Straight Arrow Connector 9"/>
-          <p:cNvCxnSpPr/>
-          <p:nvPr/>
-        </p:nvCxnSpPr>
-        <p:spPr>
-          <a:xfrm>
-            <a:off x="6212840" y="2922270"/>
-            <a:ext cx="1905" cy="503555"/>
-          </a:xfrm>
-          <a:prstGeom prst="straightConnector1">
-            <a:avLst/>
-          </a:prstGeom>
-          <a:ln w="41275" cmpd="sng">
-            <a:solidFill>
-              <a:schemeClr val="accent1">
-                <a:shade val="50000"/>
-              </a:schemeClr>
-            </a:solidFill>
-            <a:prstDash val="solid"/>
-            <a:tailEnd type="arrow"/>
-          </a:ln>
-        </p:spPr>
-        <p:style>
-          <a:lnRef idx="1">
-            <a:schemeClr val="accent1"/>
-          </a:lnRef>
-          <a:fillRef idx="0">
-            <a:schemeClr val="accent1"/>
-          </a:fillRef>
-          <a:effectRef idx="0">
-            <a:schemeClr val="accent1"/>
-          </a:effectRef>
-          <a:fontRef idx="minor">
-            <a:schemeClr val="tx1"/>
-          </a:fontRef>
-        </p:style>
-      </p:cxnSp>
-      <p:cxnSp>
-        <p:nvCxnSpPr>
-          <p:cNvPr id="11" name="Straight Arrow Connector 10"/>
-          <p:cNvCxnSpPr/>
-          <p:nvPr/>
-        </p:nvCxnSpPr>
-        <p:spPr>
-          <a:xfrm>
-            <a:off x="6461125" y="2661285"/>
-            <a:ext cx="576000" cy="10160"/>
-          </a:xfrm>
-          <a:prstGeom prst="straightConnector1">
-            <a:avLst/>
-          </a:prstGeom>
-          <a:ln w="41275" cmpd="sng">
-            <a:tailEnd type="arrow"/>
-          </a:ln>
-        </p:spPr>
-        <p:style>
-          <a:lnRef idx="1">
-            <a:schemeClr val="accent1"/>
-          </a:lnRef>
-          <a:fillRef idx="0">
-            <a:schemeClr val="accent1"/>
-          </a:fillRef>
-          <a:effectRef idx="0">
-            <a:schemeClr val="accent1"/>
-          </a:effectRef>
-          <a:fontRef idx="minor">
-            <a:schemeClr val="tx1"/>
-          </a:fontRef>
-        </p:style>
-      </p:cxnSp>
-      <p:sp>
-        <p:nvSpPr>
-          <p:cNvPr id="12" name="Rounded Rectangle 11"/>
-          <p:cNvSpPr/>
-          <p:nvPr/>
-        </p:nvSpPr>
-        <p:spPr>
-          <a:xfrm>
-            <a:off x="7024370" y="2425065"/>
-            <a:ext cx="1640205" cy="471805"/>
-          </a:xfrm>
-          <a:prstGeom prst="roundRect">
-            <a:avLst/>
-          </a:prstGeom>
-        </p:spPr>
-        <p:style>
-          <a:lnRef idx="2">
-            <a:schemeClr val="accent1"/>
-          </a:lnRef>
-          <a:fillRef idx="1">
-            <a:schemeClr val="lt1"/>
-          </a:fillRef>
-          <a:effectRef idx="0">
-            <a:schemeClr val="accent1"/>
-          </a:effectRef>
-          <a:fontRef idx="minor">
-            <a:schemeClr val="dk1"/>
-          </a:fontRef>
-        </p:style>
-        <p:txBody>
-          <a:bodyPr rtlCol="0" anchor="ctr"/>
-          <a:lstStyle/>
-          <a:p>
-            <a:pPr algn="ctr"/>
-            <a:r>
-              <a:rPr lang="en-US">
-                <a:latin typeface="Georgia" panose="02040502050405020303" charset="0"/>
-                <a:cs typeface="Georgia" panose="02040502050405020303" charset="0"/>
-              </a:rPr>
-              <a:t>Performance Evaluation</a:t>
-            </a:r>
-            <a:endParaRPr lang="en-US">
-              <a:latin typeface="Georgia" panose="02040502050405020303" charset="0"/>
-              <a:cs typeface="Georgia" panose="02040502050405020303" charset="0"/>
-            </a:endParaRPr>
-          </a:p>
-        </p:txBody>
-      </p:sp>
-      <p:cxnSp>
-        <p:nvCxnSpPr>
-          <p:cNvPr id="13" name="Straight Arrow Connector 12"/>
-          <p:cNvCxnSpPr/>
-          <p:nvPr/>
-        </p:nvCxnSpPr>
-        <p:spPr>
-          <a:xfrm>
-            <a:off x="4518025" y="2671445"/>
-            <a:ext cx="282575" cy="6985"/>
-          </a:xfrm>
-          <a:prstGeom prst="straightConnector1">
-            <a:avLst/>
-          </a:prstGeom>
-          <a:ln w="41275" cmpd="sng">
-            <a:tailEnd type="arrow"/>
-          </a:ln>
-        </p:spPr>
-        <p:style>
-          <a:lnRef idx="1">
-            <a:schemeClr val="accent1"/>
-          </a:lnRef>
-          <a:fillRef idx="0">
-            <a:schemeClr val="accent1"/>
-          </a:fillRef>
-          <a:effectRef idx="0">
-            <a:schemeClr val="accent1"/>
-          </a:effectRef>
-          <a:fontRef idx="minor">
-            <a:schemeClr val="tx1"/>
-          </a:fontRef>
-        </p:style>
-      </p:cxnSp>
       <p:sp>
         <p:nvSpPr>
           <p:cNvPr id="14" name="Text Box 13"/>
@@ -17464,39 +17283,6 @@
           </a:p>
         </p:txBody>
       </p:sp>
-      <p:cxnSp>
-        <p:nvCxnSpPr>
-          <p:cNvPr id="15" name="Straight Arrow Connector 14"/>
-          <p:cNvCxnSpPr/>
-          <p:nvPr/>
-        </p:nvCxnSpPr>
-        <p:spPr>
-          <a:xfrm flipV="1">
-            <a:off x="1804670" y="2088515"/>
-            <a:ext cx="377825" cy="14605"/>
-          </a:xfrm>
-          <a:prstGeom prst="straightConnector1">
-            <a:avLst/>
-          </a:prstGeom>
-          <a:ln w="41275" cmpd="sng">
-            <a:tailEnd type="arrow"/>
-          </a:ln>
-        </p:spPr>
-        <p:style>
-          <a:lnRef idx="1">
-            <a:schemeClr val="accent1"/>
-          </a:lnRef>
-          <a:fillRef idx="0">
-            <a:schemeClr val="accent1"/>
-          </a:fillRef>
-          <a:effectRef idx="0">
-            <a:schemeClr val="accent1"/>
-          </a:effectRef>
-          <a:fontRef idx="minor">
-            <a:schemeClr val="tx1"/>
-          </a:fontRef>
-        </p:style>
-      </p:cxnSp>
       <p:sp>
         <p:nvSpPr>
           <p:cNvPr id="16" name="Text Box 15"/>
@@ -17517,54 +17303,450 @@
           <a:bodyPr wrap="none" rtlCol="0">
             <a:spAutoFit/>
           </a:bodyPr>
+          <a:lstStyle/>
           <a:p>
             <a:r>
-              <a:rPr lang="en-US">
+              <a:rPr lang="en-US" dirty="0">
                 <a:latin typeface="Georgia" panose="02040502050405020303" charset="0"/>
                 <a:cs typeface="Georgia" panose="02040502050405020303" charset="0"/>
               </a:rPr>
               <a:t>look! a blow up doll</a:t>
             </a:r>
-            <a:endParaRPr lang="en-US">
-              <a:latin typeface="Georgia" panose="02040502050405020303" charset="0"/>
-              <a:cs typeface="Georgia" panose="02040502050405020303" charset="0"/>
-            </a:endParaRPr>
           </a:p>
         </p:txBody>
       </p:sp>
-      <p:cxnSp>
-        <p:nvCxnSpPr>
-          <p:cNvPr id="17" name="Straight Arrow Connector 16"/>
-          <p:cNvCxnSpPr/>
+      <p:grpSp>
+        <p:nvGrpSpPr>
+          <p:cNvPr id="18" name="Group 17">
+            <a:extLst>
+              <a:ext uri="{FF2B5EF4-FFF2-40B4-BE49-F238E27FC236}">
+                <a16:creationId xmlns:a16="http://schemas.microsoft.com/office/drawing/2014/main" id="{B818FE38-BC93-4A0A-89CA-FCBDB3A4D3C8}"/>
+              </a:ext>
+            </a:extLst>
+          </p:cNvPr>
+          <p:cNvGrpSpPr/>
           <p:nvPr/>
-        </p:nvCxnSpPr>
-        <p:spPr>
-          <a:xfrm flipV="1">
-            <a:off x="1809750" y="3166745"/>
-            <a:ext cx="377825" cy="14605"/>
+        </p:nvGrpSpPr>
+        <p:grpSpPr>
+          <a:xfrm>
+            <a:off x="1804670" y="1633220"/>
+            <a:ext cx="6859905" cy="2085975"/>
+            <a:chOff x="1804670" y="1633220"/>
+            <a:chExt cx="6859905" cy="2085975"/>
           </a:xfrm>
-          <a:prstGeom prst="straightConnector1">
-            <a:avLst/>
-          </a:prstGeom>
-          <a:ln w="41275" cmpd="sng">
-            <a:tailEnd type="arrow"/>
-          </a:ln>
-        </p:spPr>
-        <p:style>
-          <a:lnRef idx="1">
-            <a:schemeClr val="accent1"/>
-          </a:lnRef>
-          <a:fillRef idx="0">
-            <a:schemeClr val="accent1"/>
-          </a:fillRef>
-          <a:effectRef idx="0">
-            <a:schemeClr val="accent1"/>
-          </a:effectRef>
-          <a:fontRef idx="minor">
-            <a:schemeClr val="tx1"/>
-          </a:fontRef>
-        </p:style>
-      </p:cxnSp>
+        </p:grpSpPr>
+        <p:sp>
+          <p:nvSpPr>
+            <p:cNvPr id="2" name="Rounded Rectangle 1"/>
+            <p:cNvSpPr/>
+            <p:nvPr/>
+          </p:nvSpPr>
+          <p:spPr>
+            <a:xfrm>
+              <a:off x="2187575" y="1633220"/>
+              <a:ext cx="2330450" cy="2085975"/>
+            </a:xfrm>
+            <a:prstGeom prst="roundRect">
+              <a:avLst/>
+            </a:prstGeom>
+          </p:spPr>
+          <p:style>
+            <a:lnRef idx="2">
+              <a:schemeClr val="accent3"/>
+            </a:lnRef>
+            <a:fillRef idx="1">
+              <a:schemeClr val="lt1"/>
+            </a:fillRef>
+            <a:effectRef idx="0">
+              <a:schemeClr val="accent3"/>
+            </a:effectRef>
+            <a:fontRef idx="minor">
+              <a:schemeClr val="dk1"/>
+            </a:fontRef>
+          </p:style>
+          <p:txBody>
+            <a:bodyPr rtlCol="0" anchor="ctr"/>
+            <a:lstStyle/>
+            <a:p>
+              <a:pPr algn="ctr"/>
+              <a:endParaRPr lang="en-US"/>
+            </a:p>
+          </p:txBody>
+        </p:sp>
+        <p:sp>
+          <p:nvSpPr>
+            <p:cNvPr id="7" name="Rounded Rectangle 6"/>
+            <p:cNvSpPr/>
+            <p:nvPr/>
+          </p:nvSpPr>
+          <p:spPr>
+            <a:xfrm>
+              <a:off x="2545080" y="2910205"/>
+              <a:ext cx="1640205" cy="471805"/>
+            </a:xfrm>
+            <a:prstGeom prst="roundRect">
+              <a:avLst/>
+            </a:prstGeom>
+          </p:spPr>
+          <p:style>
+            <a:lnRef idx="2">
+              <a:schemeClr val="accent1"/>
+            </a:lnRef>
+            <a:fillRef idx="1">
+              <a:schemeClr val="lt1"/>
+            </a:fillRef>
+            <a:effectRef idx="0">
+              <a:schemeClr val="accent1"/>
+            </a:effectRef>
+            <a:fontRef idx="minor">
+              <a:schemeClr val="dk1"/>
+            </a:fontRef>
+          </p:style>
+          <p:txBody>
+            <a:bodyPr rtlCol="0" anchor="ctr"/>
+            <a:lstStyle/>
+            <a:p>
+              <a:pPr algn="ctr"/>
+              <a:r>
+                <a:rPr lang="en-US" dirty="0">
+                  <a:latin typeface="Georgia" panose="02040502050405020303" charset="0"/>
+                  <a:cs typeface="Georgia" panose="02040502050405020303" charset="0"/>
+                </a:rPr>
+                <a:t>Visual Module</a:t>
+              </a:r>
+              <a:br>
+                <a:rPr lang="en-US" dirty="0">
+                  <a:latin typeface="Georgia" panose="02040502050405020303" charset="0"/>
+                  <a:cs typeface="Georgia" panose="02040502050405020303" charset="0"/>
+                </a:rPr>
+              </a:br>
+              <a:r>
+                <a:rPr lang="en-US" dirty="0">
+                  <a:latin typeface="Georgia" panose="02040502050405020303" charset="0"/>
+                  <a:cs typeface="Georgia" panose="02040502050405020303" charset="0"/>
+                </a:rPr>
+                <a:t>(Inception v3)</a:t>
+              </a:r>
+            </a:p>
+          </p:txBody>
+        </p:sp>
+        <p:sp>
+          <p:nvSpPr>
+            <p:cNvPr id="8" name="Rounded Rectangle 7"/>
+            <p:cNvSpPr/>
+            <p:nvPr/>
+          </p:nvSpPr>
+          <p:spPr>
+            <a:xfrm>
+              <a:off x="2532380" y="1953260"/>
+              <a:ext cx="1640205" cy="471805"/>
+            </a:xfrm>
+            <a:prstGeom prst="roundRect">
+              <a:avLst/>
+            </a:prstGeom>
+          </p:spPr>
+          <p:style>
+            <a:lnRef idx="2">
+              <a:schemeClr val="accent1"/>
+            </a:lnRef>
+            <a:fillRef idx="1">
+              <a:schemeClr val="lt1"/>
+            </a:fillRef>
+            <a:effectRef idx="0">
+              <a:schemeClr val="accent1"/>
+            </a:effectRef>
+            <a:fontRef idx="minor">
+              <a:schemeClr val="dk1"/>
+            </a:fontRef>
+          </p:style>
+          <p:txBody>
+            <a:bodyPr rtlCol="0" anchor="ctr"/>
+            <a:lstStyle/>
+            <a:p>
+              <a:pPr algn="ctr"/>
+              <a:r>
+                <a:rPr lang="en-US" dirty="0">
+                  <a:latin typeface="Georgia" panose="02040502050405020303" charset="0"/>
+                  <a:cs typeface="Georgia" panose="02040502050405020303" charset="0"/>
+                </a:rPr>
+                <a:t>Text Module</a:t>
+              </a:r>
+              <a:br>
+                <a:rPr lang="en-US" dirty="0">
+                  <a:latin typeface="Georgia" panose="02040502050405020303" charset="0"/>
+                  <a:cs typeface="Georgia" panose="02040502050405020303" charset="0"/>
+                </a:rPr>
+              </a:br>
+              <a:r>
+                <a:rPr lang="en-US" dirty="0">
+                  <a:latin typeface="Georgia" panose="02040502050405020303" charset="0"/>
+                  <a:cs typeface="Georgia" panose="02040502050405020303" charset="0"/>
+                </a:rPr>
+                <a:t>(Sbert)</a:t>
+              </a:r>
+            </a:p>
+          </p:txBody>
+        </p:sp>
+        <p:sp>
+          <p:nvSpPr>
+            <p:cNvPr id="9" name="Rounded Rectangle 8"/>
+            <p:cNvSpPr/>
+            <p:nvPr/>
+          </p:nvSpPr>
+          <p:spPr>
+            <a:xfrm>
+              <a:off x="4808220" y="2425065"/>
+              <a:ext cx="1640205" cy="471805"/>
+            </a:xfrm>
+            <a:prstGeom prst="roundRect">
+              <a:avLst/>
+            </a:prstGeom>
+          </p:spPr>
+          <p:style>
+            <a:lnRef idx="2">
+              <a:schemeClr val="accent1"/>
+            </a:lnRef>
+            <a:fillRef idx="1">
+              <a:schemeClr val="lt1"/>
+            </a:fillRef>
+            <a:effectRef idx="0">
+              <a:schemeClr val="accent1"/>
+            </a:effectRef>
+            <a:fontRef idx="minor">
+              <a:schemeClr val="dk1"/>
+            </a:fontRef>
+          </p:style>
+          <p:txBody>
+            <a:bodyPr rtlCol="0" anchor="ctr"/>
+            <a:lstStyle/>
+            <a:p>
+              <a:pPr algn="ctr"/>
+              <a:r>
+                <a:rPr lang="en-US" dirty="0">
+                  <a:latin typeface="Georgia" panose="02040502050405020303" charset="0"/>
+                  <a:cs typeface="Georgia" panose="02040502050405020303" charset="0"/>
+                </a:rPr>
+                <a:t>Decoder</a:t>
+              </a:r>
+            </a:p>
+          </p:txBody>
+        </p:sp>
+        <p:cxnSp>
+          <p:nvCxnSpPr>
+            <p:cNvPr id="10" name="Straight Arrow Connector 9"/>
+            <p:cNvCxnSpPr/>
+            <p:nvPr/>
+          </p:nvCxnSpPr>
+          <p:spPr>
+            <a:xfrm>
+              <a:off x="6212840" y="2922270"/>
+              <a:ext cx="1905" cy="503555"/>
+            </a:xfrm>
+            <a:prstGeom prst="straightConnector1">
+              <a:avLst/>
+            </a:prstGeom>
+            <a:ln w="41275" cmpd="sng">
+              <a:solidFill>
+                <a:schemeClr val="accent1">
+                  <a:shade val="50000"/>
+                </a:schemeClr>
+              </a:solidFill>
+              <a:prstDash val="solid"/>
+              <a:tailEnd type="arrow"/>
+            </a:ln>
+          </p:spPr>
+          <p:style>
+            <a:lnRef idx="1">
+              <a:schemeClr val="accent1"/>
+            </a:lnRef>
+            <a:fillRef idx="0">
+              <a:schemeClr val="accent1"/>
+            </a:fillRef>
+            <a:effectRef idx="0">
+              <a:schemeClr val="accent1"/>
+            </a:effectRef>
+            <a:fontRef idx="minor">
+              <a:schemeClr val="tx1"/>
+            </a:fontRef>
+          </p:style>
+        </p:cxnSp>
+        <p:cxnSp>
+          <p:nvCxnSpPr>
+            <p:cNvPr id="11" name="Straight Arrow Connector 10"/>
+            <p:cNvCxnSpPr/>
+            <p:nvPr/>
+          </p:nvCxnSpPr>
+          <p:spPr>
+            <a:xfrm>
+              <a:off x="6461125" y="2661285"/>
+              <a:ext cx="576000" cy="10160"/>
+            </a:xfrm>
+            <a:prstGeom prst="straightConnector1">
+              <a:avLst/>
+            </a:prstGeom>
+            <a:ln w="41275" cmpd="sng">
+              <a:tailEnd type="arrow"/>
+            </a:ln>
+          </p:spPr>
+          <p:style>
+            <a:lnRef idx="1">
+              <a:schemeClr val="accent1"/>
+            </a:lnRef>
+            <a:fillRef idx="0">
+              <a:schemeClr val="accent1"/>
+            </a:fillRef>
+            <a:effectRef idx="0">
+              <a:schemeClr val="accent1"/>
+            </a:effectRef>
+            <a:fontRef idx="minor">
+              <a:schemeClr val="tx1"/>
+            </a:fontRef>
+          </p:style>
+        </p:cxnSp>
+        <p:sp>
+          <p:nvSpPr>
+            <p:cNvPr id="12" name="Rounded Rectangle 11"/>
+            <p:cNvSpPr/>
+            <p:nvPr/>
+          </p:nvSpPr>
+          <p:spPr>
+            <a:xfrm>
+              <a:off x="7024370" y="2425065"/>
+              <a:ext cx="1640205" cy="471805"/>
+            </a:xfrm>
+            <a:prstGeom prst="roundRect">
+              <a:avLst/>
+            </a:prstGeom>
+          </p:spPr>
+          <p:style>
+            <a:lnRef idx="2">
+              <a:schemeClr val="accent1"/>
+            </a:lnRef>
+            <a:fillRef idx="1">
+              <a:schemeClr val="lt1"/>
+            </a:fillRef>
+            <a:effectRef idx="0">
+              <a:schemeClr val="accent1"/>
+            </a:effectRef>
+            <a:fontRef idx="minor">
+              <a:schemeClr val="dk1"/>
+            </a:fontRef>
+          </p:style>
+          <p:txBody>
+            <a:bodyPr rtlCol="0" anchor="ctr"/>
+            <a:lstStyle/>
+            <a:p>
+              <a:pPr algn="ctr"/>
+              <a:r>
+                <a:rPr lang="en-US">
+                  <a:latin typeface="Georgia" panose="02040502050405020303" charset="0"/>
+                  <a:cs typeface="Georgia" panose="02040502050405020303" charset="0"/>
+                </a:rPr>
+                <a:t>Performance Evaluation</a:t>
+              </a:r>
+            </a:p>
+          </p:txBody>
+        </p:sp>
+        <p:cxnSp>
+          <p:nvCxnSpPr>
+            <p:cNvPr id="13" name="Straight Arrow Connector 12"/>
+            <p:cNvCxnSpPr/>
+            <p:nvPr/>
+          </p:nvCxnSpPr>
+          <p:spPr>
+            <a:xfrm>
+              <a:off x="4518025" y="2671445"/>
+              <a:ext cx="282575" cy="6985"/>
+            </a:xfrm>
+            <a:prstGeom prst="straightConnector1">
+              <a:avLst/>
+            </a:prstGeom>
+            <a:ln w="41275" cmpd="sng">
+              <a:tailEnd type="arrow"/>
+            </a:ln>
+          </p:spPr>
+          <p:style>
+            <a:lnRef idx="1">
+              <a:schemeClr val="accent1"/>
+            </a:lnRef>
+            <a:fillRef idx="0">
+              <a:schemeClr val="accent1"/>
+            </a:fillRef>
+            <a:effectRef idx="0">
+              <a:schemeClr val="accent1"/>
+            </a:effectRef>
+            <a:fontRef idx="minor">
+              <a:schemeClr val="tx1"/>
+            </a:fontRef>
+          </p:style>
+        </p:cxnSp>
+        <p:cxnSp>
+          <p:nvCxnSpPr>
+            <p:cNvPr id="15" name="Straight Arrow Connector 14"/>
+            <p:cNvCxnSpPr/>
+            <p:nvPr/>
+          </p:nvCxnSpPr>
+          <p:spPr>
+            <a:xfrm flipV="1">
+              <a:off x="1804670" y="2088515"/>
+              <a:ext cx="377825" cy="14605"/>
+            </a:xfrm>
+            <a:prstGeom prst="straightConnector1">
+              <a:avLst/>
+            </a:prstGeom>
+            <a:ln w="41275" cmpd="sng">
+              <a:tailEnd type="arrow"/>
+            </a:ln>
+          </p:spPr>
+          <p:style>
+            <a:lnRef idx="1">
+              <a:schemeClr val="accent1"/>
+            </a:lnRef>
+            <a:fillRef idx="0">
+              <a:schemeClr val="accent1"/>
+            </a:fillRef>
+            <a:effectRef idx="0">
+              <a:schemeClr val="accent1"/>
+            </a:effectRef>
+            <a:fontRef idx="minor">
+              <a:schemeClr val="tx1"/>
+            </a:fontRef>
+          </p:style>
+        </p:cxnSp>
+        <p:cxnSp>
+          <p:nvCxnSpPr>
+            <p:cNvPr id="17" name="Straight Arrow Connector 16"/>
+            <p:cNvCxnSpPr/>
+            <p:nvPr/>
+          </p:nvCxnSpPr>
+          <p:spPr>
+            <a:xfrm flipV="1">
+              <a:off x="1809750" y="3166745"/>
+              <a:ext cx="377825" cy="14605"/>
+            </a:xfrm>
+            <a:prstGeom prst="straightConnector1">
+              <a:avLst/>
+            </a:prstGeom>
+            <a:ln w="41275" cmpd="sng">
+              <a:tailEnd type="arrow"/>
+            </a:ln>
+          </p:spPr>
+          <p:style>
+            <a:lnRef idx="1">
+              <a:schemeClr val="accent1"/>
+            </a:lnRef>
+            <a:fillRef idx="0">
+              <a:schemeClr val="accent1"/>
+            </a:fillRef>
+            <a:effectRef idx="0">
+              <a:schemeClr val="accent1"/>
+            </a:effectRef>
+            <a:fontRef idx="minor">
+              <a:schemeClr val="tx1"/>
+            </a:fontRef>
+          </p:style>
+        </p:cxnSp>
+      </p:grpSp>
       <p:sp>
         <p:nvSpPr>
           <p:cNvPr id="6" name="Slide Number Placeholder 5"/>
@@ -17578,6 +17760,7 @@
         <p:spPr/>
         <p:txBody>
           <a:bodyPr/>
+          <a:lstStyle/>
           <a:p>
             <a:pPr lvl="0" fontAlgn="base"/>
             <a:fld id="{9A0DB2DC-4C9A-4742-B13C-FB6460FD3503}" type="slidenum">
@@ -17586,6 +17769,7 @@
                 <a:ea typeface="SimSun" panose="02010600030101010101" pitchFamily="2" charset="-122"/>
                 <a:cs typeface="+mn-cs"/>
               </a:rPr>
+              <a:t>11</a:t>
             </a:fld>
             <a:endParaRPr lang="zh-CN" altLang="en-US" strike="noStrike" noProof="1"/>
           </a:p>
@@ -17723,10 +17907,6 @@
               </a:rPr>
               <a:t>Functional</a:t>
             </a:r>
-            <a:endParaRPr lang="en-US" sz="1400" b="1" dirty="0">
-              <a:latin typeface="Georgia" panose="02040502050405020303" charset="0"/>
-              <a:cs typeface="Georgia" panose="02040502050405020303" charset="0"/>
-            </a:endParaRPr>
           </a:p>
           <a:p>
             <a:pPr marL="285750" lvl="0" indent="-285750" algn="l" rtl="0">
@@ -17749,10 +17929,6 @@
               </a:rPr>
               <a:t>The system shall be able to generate image and text representations .</a:t>
             </a:r>
-            <a:endParaRPr lang="en-US" dirty="0">
-              <a:latin typeface="Georgia" panose="02040502050405020303" charset="0"/>
-              <a:cs typeface="Georgia" panose="02040502050405020303" charset="0"/>
-            </a:endParaRPr>
           </a:p>
           <a:p>
             <a:pPr marL="285750" lvl="0" indent="-285750" algn="l" rtl="0">
@@ -17772,10 +17948,6 @@
               </a:rPr>
               <a:t>The system shall be able to classify the meme as hateful or non hateful using provided embeddings .</a:t>
             </a:r>
-            <a:endParaRPr lang="en-US" dirty="0">
-              <a:latin typeface="Georgia" panose="02040502050405020303" charset="0"/>
-              <a:cs typeface="Georgia" panose="02040502050405020303" charset="0"/>
-            </a:endParaRPr>
           </a:p>
           <a:p>
             <a:pPr marL="285750" lvl="0" indent="-285750" algn="l" rtl="0">
@@ -17795,10 +17967,6 @@
               </a:rPr>
               <a:t>The system shall be able to generate the probability of the meme being hateful .</a:t>
             </a:r>
-            <a:endParaRPr lang="en-US" dirty="0">
-              <a:latin typeface="Georgia" panose="02040502050405020303" charset="0"/>
-              <a:cs typeface="Georgia" panose="02040502050405020303" charset="0"/>
-            </a:endParaRPr>
           </a:p>
           <a:p>
             <a:pPr marL="285750" lvl="0" indent="-285750" algn="l" rtl="0">
@@ -17818,10 +17986,6 @@
               </a:rPr>
               <a:t>The system shall be comparable to the state of the art techniques.</a:t>
             </a:r>
-            <a:endParaRPr lang="en-US" dirty="0">
-              <a:latin typeface="Georgia" panose="02040502050405020303" charset="0"/>
-              <a:cs typeface="Georgia" panose="02040502050405020303" charset="0"/>
-            </a:endParaRPr>
           </a:p>
           <a:p>
             <a:pPr marL="0" lvl="0" indent="0" algn="l" rtl="0">
@@ -17843,10 +18007,6 @@
               </a:rPr>
               <a:t>Non Functional</a:t>
             </a:r>
-            <a:endParaRPr lang="en-US" sz="1400" b="1" dirty="0">
-              <a:latin typeface="Georgia" panose="02040502050405020303" charset="0"/>
-              <a:cs typeface="Georgia" panose="02040502050405020303" charset="0"/>
-            </a:endParaRPr>
           </a:p>
           <a:p>
             <a:pPr marL="285750" lvl="0" indent="-285750" algn="l" rtl="0">
@@ -17869,10 +18029,6 @@
               </a:rPr>
               <a:t>The system should be atleast 70% accurate .</a:t>
             </a:r>
-            <a:endParaRPr lang="en-US" dirty="0">
-              <a:latin typeface="Georgia" panose="02040502050405020303" charset="0"/>
-              <a:cs typeface="Georgia" panose="02040502050405020303" charset="0"/>
-            </a:endParaRPr>
           </a:p>
           <a:p>
             <a:pPr marL="285750" lvl="0" indent="-285750" algn="l" rtl="0">
@@ -17892,10 +18048,6 @@
               </a:rPr>
               <a:t>The system should not under-perform on limited computing resources.</a:t>
             </a:r>
-            <a:endParaRPr lang="en-US" dirty="0">
-              <a:latin typeface="Georgia" panose="02040502050405020303" charset="0"/>
-              <a:cs typeface="Georgia" panose="02040502050405020303" charset="0"/>
-            </a:endParaRPr>
           </a:p>
           <a:p>
             <a:pPr marL="285750" lvl="0" indent="-285750" algn="l" rtl="0">
@@ -17915,10 +18067,6 @@
               </a:rPr>
               <a:t>In building the system , the framework used should be Keras,on Linux platform.   </a:t>
             </a:r>
-            <a:endParaRPr lang="en-US" dirty="0">
-              <a:latin typeface="Georgia" panose="02040502050405020303" charset="0"/>
-              <a:cs typeface="Georgia" panose="02040502050405020303" charset="0"/>
-            </a:endParaRPr>
           </a:p>
           <a:p>
             <a:pPr marL="285750" lvl="0" indent="-285750" algn="l" rtl="0">
@@ -17967,6 +18115,7 @@
         <p:spPr/>
         <p:txBody>
           <a:bodyPr/>
+          <a:lstStyle/>
           <a:p>
             <a:pPr marL="0" lvl="0" indent="0" algn="r" rtl="0">
               <a:spcBef>
@@ -17979,6 +18128,7 @@
             </a:pPr>
             <a:fld id="{00000000-1234-1234-1234-123412341234}" type="slidenum">
               <a:rPr lang="en-GB"/>
+              <a:t>12</a:t>
             </a:fld>
             <a:endParaRPr lang="en-GB"/>
           </a:p>
@@ -18001,7 +18151,14 @@
         <p:cNvGrpSpPr/>
         <p:nvPr/>
       </p:nvGrpSpPr>
-      <p:grpSpPr/>
+      <p:grpSpPr>
+        <a:xfrm>
+          <a:off x="0" y="0"/>
+          <a:ext cx="0" cy="0"/>
+          <a:chOff x="0" y="0"/>
+          <a:chExt cx="0" cy="0"/>
+        </a:xfrm>
+      </p:grpSpPr>
       <p:sp>
         <p:nvSpPr>
           <p:cNvPr id="2" name="Title 1"/>
@@ -18019,6 +18176,7 @@
         </p:spPr>
         <p:txBody>
           <a:bodyPr/>
+          <a:lstStyle/>
           <a:p>
             <a:pPr algn="ctr"/>
             <a:r>
@@ -18028,10 +18186,6 @@
               </a:rPr>
               <a:t>Use Case Diagram</a:t>
             </a:r>
-            <a:endParaRPr lang="en-US" sz="2000">
-              <a:latin typeface="Georgia" panose="02040502050405020303" charset="0"/>
-              <a:cs typeface="Georgia" panose="02040502050405020303" charset="0"/>
-            </a:endParaRPr>
           </a:p>
         </p:txBody>
       </p:sp>
@@ -18048,6 +18202,7 @@
         <p:spPr/>
         <p:txBody>
           <a:bodyPr/>
+          <a:lstStyle/>
           <a:p>
             <a:pPr lvl="0" fontAlgn="base"/>
             <a:fld id="{9A0DB2DC-4C9A-4742-B13C-FB6460FD3503}" type="slidenum">
@@ -18056,6 +18211,7 @@
                 <a:ea typeface="SimSun" panose="02010600030101010101" pitchFamily="2" charset="-122"/>
                 <a:cs typeface="+mn-cs"/>
               </a:rPr>
+              <a:t>13</a:t>
             </a:fld>
             <a:endParaRPr lang="zh-CN" altLang="en-US" strike="noStrike" noProof="1"/>
           </a:p>
@@ -18065,14 +18221,14 @@
         <p:nvPicPr>
           <p:cNvPr id="20" name="Content Placeholder 19"/>
           <p:cNvPicPr>
-            <a:picLocks noChangeAspect="1"/>
+            <a:picLocks noGrp="1" noChangeAspect="1"/>
           </p:cNvPicPr>
           <p:nvPr>
             <p:ph sz="half" idx="2"/>
           </p:nvPr>
         </p:nvPicPr>
         <p:blipFill>
-          <a:blip r:embed="rId1"/>
+          <a:blip r:embed="rId2"/>
           <a:stretch>
             <a:fillRect/>
           </a:stretch>
@@ -18154,11 +18310,6 @@
               </a:rPr>
               <a:t>References</a:t>
             </a:r>
-            <a:endParaRPr lang="en-US" dirty="0">
-              <a:latin typeface="Georgia" panose="02040502050405020303" charset="0"/>
-              <a:cs typeface="Georgia" panose="02040502050405020303" charset="0"/>
-              <a:sym typeface="+mn-ea"/>
-            </a:endParaRPr>
           </a:p>
         </p:txBody>
       </p:sp>
@@ -18200,10 +18351,6 @@
               </a:rPr>
               <a:t>[1]  Raul Gomez, Jaume Gibert, Lluis Gomez,Dimosthenis Karatzas : Exploring Hate Speech Detection in Multimodal Publications,WACV,2020</a:t>
             </a:r>
-            <a:endParaRPr lang="en-IN" dirty="0">
-              <a:latin typeface="Georgia" panose="02040502050405020303" charset="0"/>
-              <a:cs typeface="Georgia" panose="02040502050405020303" charset="0"/>
-            </a:endParaRPr>
           </a:p>
           <a:p>
             <a:pPr marL="0" lvl="0" indent="0" algn="l" rtl="0">
@@ -18298,10 +18445,6 @@
               </a:rPr>
               <a:t>https://nirkin.com/hateful-memes/</a:t>
             </a:r>
-            <a:endParaRPr dirty="0">
-              <a:latin typeface="Georgia" panose="02040502050405020303" charset="0"/>
-              <a:cs typeface="Georgia" panose="02040502050405020303" charset="0"/>
-            </a:endParaRPr>
           </a:p>
           <a:p>
             <a:pPr marL="0" lvl="0" indent="0" algn="l" rtl="0">
@@ -18327,10 +18470,6 @@
               </a:rPr>
               <a:t>Mihael Arcan, Paul Buitelaar : Multimodal Meme Dataset (MultiOFF) for Identifying Offensive Content in Image and Text,2020.</a:t>
             </a:r>
-            <a:endParaRPr dirty="0">
-              <a:latin typeface="Georgia" panose="02040502050405020303" charset="0"/>
-              <a:cs typeface="Georgia" panose="02040502050405020303" charset="0"/>
-            </a:endParaRPr>
           </a:p>
         </p:txBody>
       </p:sp>
@@ -18347,6 +18486,7 @@
         <p:spPr/>
         <p:txBody>
           <a:bodyPr/>
+          <a:lstStyle/>
           <a:p>
             <a:pPr marL="0" lvl="0" indent="0" algn="r" rtl="0">
               <a:spcBef>
@@ -18359,6 +18499,7 @@
             </a:pPr>
             <a:fld id="{00000000-1234-1234-1234-123412341234}" type="slidenum">
               <a:rPr lang="en-GB"/>
+              <a:t>14</a:t>
             </a:fld>
             <a:endParaRPr lang="en-GB"/>
           </a:p>
@@ -18381,7 +18522,14 @@
         <p:cNvGrpSpPr/>
         <p:nvPr/>
       </p:nvGrpSpPr>
-      <p:grpSpPr/>
+      <p:grpSpPr>
+        <a:xfrm>
+          <a:off x="0" y="0"/>
+          <a:ext cx="0" cy="0"/>
+          <a:chOff x="0" y="0"/>
+          <a:chExt cx="0" cy="0"/>
+        </a:xfrm>
+      </p:grpSpPr>
       <p:sp>
         <p:nvSpPr>
           <p:cNvPr id="2" name="Title 1"/>
@@ -18400,6 +18548,7 @@
         </p:spPr>
         <p:txBody>
           <a:bodyPr/>
+          <a:lstStyle/>
           <a:p>
             <a:r>
               <a:rPr lang="en-US">
@@ -18411,13 +18560,6 @@
               </a:rPr>
               <a:t>THANK YOU</a:t>
             </a:r>
-            <a:endParaRPr lang="en-US">
-              <a:solidFill>
-                <a:schemeClr val="bg2"/>
-              </a:solidFill>
-              <a:latin typeface="Georgia" panose="02040502050405020303" charset="0"/>
-              <a:cs typeface="Georgia" panose="02040502050405020303" charset="0"/>
-            </a:endParaRPr>
           </a:p>
         </p:txBody>
       </p:sp>
@@ -18434,6 +18576,7 @@
         <p:spPr/>
         <p:txBody>
           <a:bodyPr/>
+          <a:lstStyle/>
           <a:p>
             <a:pPr marL="0" lvl="0" indent="0" algn="r" rtl="0">
               <a:spcBef>
@@ -18446,6 +18589,7 @@
             </a:pPr>
             <a:fld id="{00000000-1234-1234-1234-123412341234}" type="slidenum">
               <a:rPr lang="en-GB"/>
+              <a:t>15</a:t>
             </a:fld>
             <a:endParaRPr lang="en-GB"/>
           </a:p>
@@ -18517,10 +18661,6 @@
               </a:rPr>
               <a:t>Outline</a:t>
             </a:r>
-            <a:endParaRPr lang="en-US" dirty="0">
-              <a:latin typeface="Georgia" panose="02040502050405020303" charset="0"/>
-              <a:cs typeface="Georgia" panose="02040502050405020303" charset="0"/>
-            </a:endParaRPr>
           </a:p>
         </p:txBody>
       </p:sp>
@@ -18569,10 +18709,6 @@
               </a:rPr>
               <a:t>INTRODUCTION AND MOTIVATION</a:t>
             </a:r>
-            <a:endParaRPr lang="en-US" dirty="0">
-              <a:latin typeface="Georgia" panose="02040502050405020303" charset="0"/>
-              <a:cs typeface="Georgia" panose="02040502050405020303" charset="0"/>
-            </a:endParaRPr>
           </a:p>
           <a:p>
             <a:pPr marL="400050" lvl="0" indent="-400050" algn="l" rtl="0">
@@ -18595,10 +18731,6 @@
               </a:rPr>
               <a:t>PROBLEM STATEMENT</a:t>
             </a:r>
-            <a:endParaRPr lang="en-US" dirty="0">
-              <a:latin typeface="Georgia" panose="02040502050405020303" charset="0"/>
-              <a:cs typeface="Georgia" panose="02040502050405020303" charset="0"/>
-            </a:endParaRPr>
           </a:p>
           <a:p>
             <a:pPr marL="400050" lvl="0" indent="-400050" algn="l" rtl="0">
@@ -18621,10 +18753,6 @@
               </a:rPr>
               <a:t>OBJECTIVES</a:t>
             </a:r>
-            <a:endParaRPr lang="en-US" dirty="0">
-              <a:latin typeface="Georgia" panose="02040502050405020303" charset="0"/>
-              <a:cs typeface="Georgia" panose="02040502050405020303" charset="0"/>
-            </a:endParaRPr>
           </a:p>
           <a:p>
             <a:pPr marL="400050" lvl="0" indent="-400050" algn="l" rtl="0">
@@ -18647,10 +18775,6 @@
               </a:rPr>
               <a:t>LITERATURE SURVEY</a:t>
             </a:r>
-            <a:endParaRPr lang="en-US" dirty="0">
-              <a:latin typeface="Georgia" panose="02040502050405020303" charset="0"/>
-              <a:cs typeface="Georgia" panose="02040502050405020303" charset="0"/>
-            </a:endParaRPr>
           </a:p>
           <a:p>
             <a:pPr marL="400050" lvl="0" indent="-400050" algn="l" rtl="0">
@@ -18673,10 +18797,6 @@
               </a:rPr>
               <a:t>PROPOSED METHODOLOGY</a:t>
             </a:r>
-            <a:endParaRPr lang="en-US" dirty="0">
-              <a:latin typeface="Georgia" panose="02040502050405020303" charset="0"/>
-              <a:cs typeface="Georgia" panose="02040502050405020303" charset="0"/>
-            </a:endParaRPr>
           </a:p>
           <a:p>
             <a:pPr marL="400050" lvl="0" indent="-400050" algn="l" rtl="0">
@@ -18699,10 +18819,6 @@
               </a:rPr>
               <a:t>REQUIREMENT ANALYSIS</a:t>
             </a:r>
-            <a:endParaRPr lang="en-US" dirty="0">
-              <a:latin typeface="Georgia" panose="02040502050405020303" charset="0"/>
-              <a:cs typeface="Georgia" panose="02040502050405020303" charset="0"/>
-            </a:endParaRPr>
           </a:p>
           <a:p>
             <a:pPr marL="400050" lvl="0" indent="-400050" algn="l" rtl="0">
@@ -18725,10 +18841,6 @@
               </a:rPr>
               <a:t>REFERENCES</a:t>
             </a:r>
-            <a:endParaRPr lang="en-US" dirty="0">
-              <a:latin typeface="Georgia" panose="02040502050405020303" charset="0"/>
-              <a:cs typeface="Georgia" panose="02040502050405020303" charset="0"/>
-            </a:endParaRPr>
           </a:p>
         </p:txBody>
       </p:sp>
@@ -18745,6 +18857,7 @@
         <p:spPr/>
         <p:txBody>
           <a:bodyPr/>
+          <a:lstStyle/>
           <a:p>
             <a:pPr marL="0" lvl="0" indent="0" algn="r" rtl="0">
               <a:spcBef>
@@ -18757,6 +18870,7 @@
             </a:pPr>
             <a:fld id="{00000000-1234-1234-1234-123412341234}" type="slidenum">
               <a:rPr lang="en-GB"/>
+              <a:t>2</a:t>
             </a:fld>
             <a:endParaRPr lang="en-GB"/>
           </a:p>
@@ -18831,13 +18945,6 @@
               </a:rPr>
               <a:t>Introduction and Motivation</a:t>
             </a:r>
-            <a:endParaRPr lang="en-US" dirty="0">
-              <a:solidFill>
-                <a:schemeClr val="bg2"/>
-              </a:solidFill>
-              <a:latin typeface="Georgia" panose="02040502050405020303" charset="0"/>
-              <a:cs typeface="Georgia" panose="02040502050405020303" charset="0"/>
-            </a:endParaRPr>
           </a:p>
         </p:txBody>
       </p:sp>
@@ -18882,10 +18989,6 @@
               </a:rPr>
               <a:t>A meme is an idea, behavior, or style that becomes a trend and spreads by means of imitation from person to person within a culture and often carries symbolic meaning representing a particular phenomenon or theme.</a:t>
             </a:r>
-            <a:endParaRPr lang="en-US" dirty="0">
-              <a:latin typeface="Georgia" panose="02040502050405020303" charset="0"/>
-              <a:cs typeface="Georgia" panose="02040502050405020303" charset="0"/>
-            </a:endParaRPr>
           </a:p>
           <a:p>
             <a:pPr marL="0" lvl="0" indent="0" algn="l" rtl="0">
@@ -18911,10 +19014,6 @@
               </a:rPr>
               <a:t> :   </a:t>
             </a:r>
-            <a:endParaRPr lang="en-US" dirty="0">
-              <a:latin typeface="Georgia" panose="02040502050405020303" charset="0"/>
-              <a:cs typeface="Georgia" panose="02040502050405020303" charset="0"/>
-            </a:endParaRPr>
           </a:p>
           <a:p>
             <a:pPr marL="0" lvl="0" indent="0" algn="l" rtl="0">
@@ -18972,7 +19071,7 @@
           <p:nvPr/>
         </p:nvPicPr>
         <p:blipFill>
-          <a:blip r:embed="rId1"/>
+          <a:blip r:embed="rId3"/>
           <a:stretch>
             <a:fillRect/>
           </a:stretch>
@@ -18996,7 +19095,7 @@
           <p:nvPr/>
         </p:nvPicPr>
         <p:blipFill>
-          <a:blip r:embed="rId2"/>
+          <a:blip r:embed="rId4"/>
           <a:stretch>
             <a:fillRect/>
           </a:stretch>
@@ -19024,6 +19123,7 @@
         <p:spPr/>
         <p:txBody>
           <a:bodyPr/>
+          <a:lstStyle/>
           <a:p>
             <a:pPr marL="0" lvl="0" indent="0" algn="r" rtl="0">
               <a:spcBef>
@@ -19036,6 +19136,7 @@
             </a:pPr>
             <a:fld id="{00000000-1234-1234-1234-123412341234}" type="slidenum">
               <a:rPr lang="en-GB"/>
+              <a:t>3</a:t>
             </a:fld>
             <a:endParaRPr lang="en-GB"/>
           </a:p>
@@ -19070,14 +19171,14 @@
         <p:nvPicPr>
           <p:cNvPr id="7" name="Content Placeholder 6"/>
           <p:cNvPicPr>
-            <a:picLocks noChangeAspect="1"/>
+            <a:picLocks noGrp="1" noChangeAspect="1"/>
           </p:cNvPicPr>
           <p:nvPr>
             <p:ph sz="half" idx="2"/>
           </p:nvPr>
         </p:nvPicPr>
         <p:blipFill>
-          <a:blip r:embed="rId1"/>
+          <a:blip r:embed="rId3"/>
           <a:srcRect r="9065" b="23937"/>
           <a:stretch>
             <a:fillRect/>
@@ -19102,7 +19203,7 @@
           <p:nvPr/>
         </p:nvPicPr>
         <p:blipFill>
-          <a:blip r:embed="rId2"/>
+          <a:blip r:embed="rId4"/>
           <a:stretch>
             <a:fillRect/>
           </a:stretch>
@@ -19126,7 +19227,7 @@
           <p:nvPr/>
         </p:nvPicPr>
         <p:blipFill>
-          <a:blip r:embed="rId3"/>
+          <a:blip r:embed="rId5"/>
           <a:stretch>
             <a:fillRect/>
           </a:stretch>
@@ -19154,6 +19255,7 @@
         <p:spPr/>
         <p:txBody>
           <a:bodyPr/>
+          <a:lstStyle/>
           <a:p>
             <a:pPr lvl="0" fontAlgn="base"/>
             <a:fld id="{9A0DB2DC-4C9A-4742-B13C-FB6460FD3503}" type="slidenum">
@@ -19162,6 +19264,7 @@
                 <a:ea typeface="SimSun" panose="02010600030101010101" pitchFamily="2" charset="-122"/>
                 <a:cs typeface="+mn-cs"/>
               </a:rPr>
+              <a:t>4</a:t>
             </a:fld>
             <a:endParaRPr lang="zh-CN" altLang="en-US" strike="noStrike" noProof="1"/>
           </a:p>
@@ -19288,10 +19391,6 @@
               </a:rPr>
               <a:t>To develop multimodal architecture which classifies the memes as hateful or non hateful.</a:t>
             </a:r>
-            <a:endParaRPr lang="en-US" sz="1600">
-              <a:latin typeface="Georgia" panose="02040502050405020303" charset="0"/>
-              <a:cs typeface="Georgia" panose="02040502050405020303" charset="0"/>
-            </a:endParaRPr>
           </a:p>
           <a:p>
             <a:pPr marL="0" lvl="0" indent="0" algn="l" rtl="0">
@@ -19310,10 +19409,6 @@
               </a:rPr>
               <a:t>			</a:t>
             </a:r>
-            <a:endParaRPr lang="en-US">
-              <a:latin typeface="Georgia" panose="02040502050405020303" charset="0"/>
-              <a:cs typeface="Georgia" panose="02040502050405020303" charset="0"/>
-            </a:endParaRPr>
           </a:p>
         </p:txBody>
       </p:sp>
@@ -19346,10 +19441,6 @@
               </a:rPr>
               <a:t>Input</a:t>
             </a:r>
-            <a:endParaRPr lang="en-US">
-              <a:latin typeface="Georgia" panose="02040502050405020303" charset="0"/>
-              <a:cs typeface="Georgia" panose="02040502050405020303" charset="0"/>
-            </a:endParaRPr>
           </a:p>
         </p:txBody>
       </p:sp>
@@ -19382,10 +19473,6 @@
               </a:rPr>
               <a:t>Output</a:t>
             </a:r>
-            <a:endParaRPr lang="en-US">
-              <a:latin typeface="Georgia" panose="02040502050405020303" charset="0"/>
-              <a:cs typeface="Georgia" panose="02040502050405020303" charset="0"/>
-            </a:endParaRPr>
           </a:p>
         </p:txBody>
       </p:sp>
@@ -19418,10 +19505,6 @@
               </a:rPr>
               <a:t>Non Hateful</a:t>
             </a:r>
-            <a:endParaRPr lang="en-US">
-              <a:latin typeface="Georgia" panose="02040502050405020303" charset="0"/>
-              <a:cs typeface="Georgia" panose="02040502050405020303" charset="0"/>
-            </a:endParaRPr>
           </a:p>
         </p:txBody>
       </p:sp>
@@ -19434,7 +19517,7 @@
           <p:nvPr/>
         </p:nvPicPr>
         <p:blipFill>
-          <a:blip r:embed="rId1"/>
+          <a:blip r:embed="rId3"/>
           <a:stretch>
             <a:fillRect/>
           </a:stretch>
@@ -19489,6 +19572,7 @@
         </p:style>
         <p:txBody>
           <a:bodyPr rtlCol="0" anchor="ctr"/>
+          <a:lstStyle/>
           <a:p>
             <a:pPr algn="ctr"/>
             <a:r>
@@ -19501,13 +19585,6 @@
               </a:rPr>
               <a:t>Multimodal Architecture</a:t>
             </a:r>
-            <a:endParaRPr lang="en-US">
-              <a:solidFill>
-                <a:schemeClr val="bg2"/>
-              </a:solidFill>
-              <a:latin typeface="Georgia" panose="02040502050405020303" charset="0"/>
-              <a:cs typeface="Georgia" panose="02040502050405020303" charset="0"/>
-            </a:endParaRPr>
           </a:p>
         </p:txBody>
       </p:sp>
@@ -19602,6 +19679,7 @@
         <p:spPr/>
         <p:txBody>
           <a:bodyPr/>
+          <a:lstStyle/>
           <a:p>
             <a:pPr marL="0" lvl="0" indent="0" algn="r" rtl="0">
               <a:spcBef>
@@ -19614,6 +19692,7 @@
             </a:pPr>
             <a:fld id="{00000000-1234-1234-1234-123412341234}" type="slidenum">
               <a:rPr lang="en-GB"/>
+              <a:t>5</a:t>
             </a:fld>
             <a:endParaRPr lang="en-GB"/>
           </a:p>
@@ -19750,10 +19829,6 @@
               </a:rPr>
               <a:t>To generate embeddings of image and text .</a:t>
             </a:r>
-            <a:endParaRPr lang="en-US" dirty="0">
-              <a:latin typeface="Georgia" panose="02040502050405020303" charset="0"/>
-              <a:cs typeface="Georgia" panose="02040502050405020303" charset="0"/>
-            </a:endParaRPr>
           </a:p>
           <a:p>
             <a:pPr marL="342900" lvl="0" indent="-342900" algn="l" rtl="0">
@@ -19773,10 +19848,6 @@
               </a:rPr>
               <a:t>To fuse the text and image embeddings and build a classifier. </a:t>
             </a:r>
-            <a:endParaRPr lang="en-US" dirty="0">
-              <a:latin typeface="Georgia" panose="02040502050405020303" charset="0"/>
-              <a:cs typeface="Georgia" panose="02040502050405020303" charset="0"/>
-            </a:endParaRPr>
           </a:p>
           <a:p>
             <a:pPr marL="342900" lvl="0" indent="-342900" algn="l" rtl="0">
@@ -19810,10 +19881,6 @@
               </a:rPr>
               <a:t> of the multimodal architecture.</a:t>
             </a:r>
-            <a:endParaRPr lang="en-US" dirty="0">
-              <a:latin typeface="Georgia" panose="02040502050405020303" charset="0"/>
-              <a:cs typeface="Georgia" panose="02040502050405020303" charset="0"/>
-            </a:endParaRPr>
           </a:p>
           <a:p>
             <a:pPr marL="342900" lvl="0" indent="-342900" algn="l" rtl="0">
@@ -19833,10 +19900,6 @@
               </a:rPr>
               <a:t>To compare proposed architecture with state-of-art technique.</a:t>
             </a:r>
-            <a:endParaRPr lang="en-US" dirty="0">
-              <a:latin typeface="Georgia" panose="02040502050405020303" charset="0"/>
-              <a:cs typeface="Georgia" panose="02040502050405020303" charset="0"/>
-            </a:endParaRPr>
           </a:p>
           <a:p>
             <a:pPr marL="342900" lvl="0" indent="-342900" algn="l" rtl="0">
@@ -19868,6 +19931,7 @@
         <p:spPr/>
         <p:txBody>
           <a:bodyPr/>
+          <a:lstStyle/>
           <a:p>
             <a:pPr marL="0" lvl="0" indent="0" algn="r" rtl="0">
               <a:spcBef>
@@ -19880,6 +19944,7 @@
             </a:pPr>
             <a:fld id="{00000000-1234-1234-1234-123412341234}" type="slidenum">
               <a:rPr lang="en-GB"/>
+              <a:t>6</a:t>
             </a:fld>
             <a:endParaRPr lang="en-GB"/>
           </a:p>
@@ -19980,6 +20045,7 @@
         <p:spPr/>
         <p:txBody>
           <a:bodyPr/>
+          <a:lstStyle/>
           <a:p>
             <a:pPr marL="0" lvl="0" indent="0" algn="r" rtl="0">
               <a:spcBef>
@@ -19992,6 +20058,7 @@
             </a:pPr>
             <a:fld id="{00000000-1234-1234-1234-123412341234}" type="slidenum">
               <a:rPr lang="en-GB"/>
+              <a:t>7</a:t>
             </a:fld>
             <a:endParaRPr lang="en-GB"/>
           </a:p>
@@ -20085,10 +20152,6 @@
               </a:rPr>
               <a:t>( Textual Kernels Model ): </a:t>
             </a:r>
-            <a:endParaRPr lang="en-IN" sz="1200" dirty="0">
-              <a:latin typeface="Georgia" panose="02040502050405020303" charset="0"/>
-              <a:cs typeface="Georgia" panose="02040502050405020303" charset="0"/>
-            </a:endParaRPr>
           </a:p>
           <a:p>
             <a:pPr marL="146050" indent="0">
@@ -20118,6 +20181,7 @@
           <a:p>
             <a:fld id="{7870A25B-082D-42BE-9910-664729240837}" type="slidenum">
               <a:rPr lang="en-IN" smtClean="0"/>
+              <a:t>8</a:t>
             </a:fld>
             <a:endParaRPr lang="en-IN" dirty="0"/>
           </a:p>
@@ -20132,7 +20196,7 @@
           <p:nvPr/>
         </p:nvPicPr>
         <p:blipFill rotWithShape="1">
-          <a:blip r:embed="rId1">
+          <a:blip r:embed="rId3">
             <a:extLst>
               <a:ext uri="{28A0092B-C50C-407E-A947-70E740481C1C}">
                 <a14:useLocalDpi xmlns:a14="http://schemas.microsoft.com/office/drawing/2010/main" val="0"/>
@@ -20184,7 +20248,6 @@
               <a:rPr lang="en-IN" sz="1200" dirty="0"/>
               <a:t>Inception Model</a:t>
             </a:r>
-            <a:endParaRPr lang="en-IN" sz="1200" dirty="0"/>
           </a:p>
           <a:p>
             <a:pPr marL="285750" indent="-285750">
@@ -20195,7 +20258,6 @@
               <a:rPr lang="en-IN" sz="1200" dirty="0"/>
               <a:t>LSTM Model </a:t>
             </a:r>
-            <a:endParaRPr lang="en-IN" sz="1200" dirty="0"/>
           </a:p>
           <a:p>
             <a:pPr marL="285750" indent="-285750">
@@ -20206,7 +20268,6 @@
               <a:rPr lang="en-IN" sz="1200" dirty="0"/>
               <a:t>Kernel </a:t>
             </a:r>
-            <a:endParaRPr lang="en-IN" sz="1200" dirty="0"/>
           </a:p>
         </p:txBody>
       </p:sp>
@@ -20284,10 +20345,6 @@
               </a:rPr>
               <a:t>Yuval Nirkin   Assaf Rabinowitz   Yoni Solel [2]</a:t>
             </a:r>
-            <a:endParaRPr lang="en-US" altLang="zh-CN" sz="1600" dirty="0">
-              <a:latin typeface="Georgia" panose="02040502050405020303" charset="0"/>
-              <a:cs typeface="Georgia" panose="02040502050405020303" charset="0"/>
-            </a:endParaRPr>
           </a:p>
         </p:txBody>
       </p:sp>
@@ -20339,16 +20396,6 @@
               </a:rPr>
               <a:t>Data Processing </a:t>
             </a:r>
-            <a:endParaRPr kumimoji="0" lang="en-US" sz="1600" b="0" i="0" u="none" strike="noStrike" kern="1200" cap="none" spc="0" normalizeH="0" baseline="0" noProof="1">
-              <a:solidFill>
-                <a:schemeClr val="bg2">
-                  <a:lumMod val="50000"/>
-                </a:schemeClr>
-              </a:solidFill>
-              <a:latin typeface="Georgia" panose="02040502050405020303" charset="0"/>
-              <a:ea typeface="+mn-ea"/>
-              <a:cs typeface="Georgia" panose="02040502050405020303" charset="0"/>
-            </a:endParaRPr>
           </a:p>
           <a:p>
             <a:pPr marL="342900" marR="0" indent="-342900" algn="l" defTabSz="914400" rtl="0" eaLnBrk="1" fontAlgn="base" latinLnBrk="0" hangingPunct="1">
@@ -20419,16 +20466,6 @@
               </a:rPr>
               <a:t>Image Embedding: MobileNetV2 </a:t>
             </a:r>
-            <a:endParaRPr kumimoji="0" lang="en-US" sz="1600" b="0" i="0" u="none" strike="noStrike" kern="1200" cap="none" spc="0" normalizeH="0" baseline="0" noProof="1">
-              <a:solidFill>
-                <a:schemeClr val="bg2">
-                  <a:lumMod val="50000"/>
-                </a:schemeClr>
-              </a:solidFill>
-              <a:latin typeface="Georgia" panose="02040502050405020303" charset="0"/>
-              <a:ea typeface="+mn-ea"/>
-              <a:cs typeface="Georgia" panose="02040502050405020303" charset="0"/>
-            </a:endParaRPr>
           </a:p>
           <a:p>
             <a:pPr marL="342900" marR="0" indent="-342900" algn="l" defTabSz="914400" rtl="0" eaLnBrk="1" fontAlgn="base" latinLnBrk="0" hangingPunct="1">
@@ -20499,16 +20536,6 @@
               </a:rPr>
               <a:t>Decoder</a:t>
             </a:r>
-            <a:endParaRPr kumimoji="0" lang="en-US" sz="1600" b="0" i="0" u="none" strike="noStrike" kern="1200" cap="none" spc="0" normalizeH="0" baseline="0" noProof="1">
-              <a:solidFill>
-                <a:schemeClr val="bg2">
-                  <a:lumMod val="50000"/>
-                </a:schemeClr>
-              </a:solidFill>
-              <a:latin typeface="Georgia" panose="02040502050405020303" charset="0"/>
-              <a:ea typeface="+mn-ea"/>
-              <a:cs typeface="Georgia" panose="02040502050405020303" charset="0"/>
-            </a:endParaRPr>
           </a:p>
           <a:p>
             <a:pPr marL="0" marR="0" indent="0" algn="l" defTabSz="914400" rtl="0" eaLnBrk="1" fontAlgn="base" latinLnBrk="0" hangingPunct="1">
@@ -20597,9 +20624,6 @@
               </a:rPr>
               <a:t>Varun Bohara</a:t>
             </a:r>
-            <a:endParaRPr lang="en-US" altLang="zh-CN">
-              <a:latin typeface="Cambria" panose="02040503050406030204" charset="0"/>
-            </a:endParaRPr>
           </a:p>
         </p:txBody>
       </p:sp>
@@ -20614,7 +20638,7 @@
           </p:nvPr>
         </p:nvPicPr>
         <p:blipFill>
-          <a:blip r:embed="rId1">
+          <a:blip r:embed="rId3">
             <a:clrChange>
               <a:clrFrom>
                 <a:srgbClr val="FFFFFF">
@@ -20660,6 +20684,7 @@
         <p:spPr/>
         <p:txBody>
           <a:bodyPr/>
+          <a:lstStyle/>
           <a:p>
             <a:pPr lvl="0" fontAlgn="base"/>
             <a:fld id="{9A0DB2DC-4C9A-4742-B13C-FB6460FD3503}" type="slidenum">
@@ -20668,6 +20693,7 @@
                 <a:ea typeface="SimSun" panose="02010600030101010101" pitchFamily="2" charset="-122"/>
                 <a:cs typeface="+mn-cs"/>
               </a:rPr>
+              <a:t>9</a:t>
             </a:fld>
             <a:endParaRPr lang="zh-CN" altLang="en-US" strike="noStrike" noProof="1"/>
           </a:p>
@@ -20957,6 +20983,8 @@
       </a:bgFillStyleLst>
     </a:fmtScheme>
   </a:themeElements>
+  <a:objectDefaults/>
+  <a:extraClrSchemeLst/>
   <a:extLst>
     <a:ext uri="{05A4C25C-085E-4340-85A3-A5531E510DB2}">
       <thm15:themeFamily xmlns:thm15="http://schemas.microsoft.com/office/thememl/2012/main" name="Office Theme" id="{62F939B6-93AF-4DB8-9C6B-D6C7DFDC589F}" vid="{4A3C46E8-61CC-4603-A589-7422A47A8E4A}"/>
@@ -21241,6 +21269,8 @@
       </a:bgFillStyleLst>
     </a:fmtScheme>
   </a:themeElements>
+  <a:objectDefaults/>
+  <a:extraClrSchemeLst/>
   <a:extLst>
     <a:ext uri="{05A4C25C-085E-4340-85A3-A5531E510DB2}">
       <thm15:themeFamily xmlns:thm15="http://schemas.microsoft.com/office/thememl/2012/main" name="Office Theme" id="{62F939B6-93AF-4DB8-9C6B-D6C7DFDC589F}" vid="{4A3C46E8-61CC-4603-A589-7422A47A8E4A}"/>

--- a/MINI PROJECT REVIEW.pptx
+++ b/MINI PROJECT REVIEW.pptx
@@ -16,47 +16,56 @@
     <p:sldId id="261" r:id="rId9"/>
     <p:sldId id="262" r:id="rId10"/>
     <p:sldId id="281" r:id="rId11"/>
-    <p:sldId id="279" r:id="rId12"/>
-    <p:sldId id="296" r:id="rId13"/>
-    <p:sldId id="263" r:id="rId14"/>
-    <p:sldId id="264" r:id="rId15"/>
-    <p:sldId id="313" r:id="rId16"/>
-    <p:sldId id="265" r:id="rId17"/>
-    <p:sldId id="312" r:id="rId18"/>
+    <p:sldId id="317" r:id="rId12"/>
+    <p:sldId id="279" r:id="rId13"/>
+    <p:sldId id="316" r:id="rId14"/>
+    <p:sldId id="296" r:id="rId15"/>
+    <p:sldId id="263" r:id="rId16"/>
+    <p:sldId id="264" r:id="rId17"/>
+    <p:sldId id="313" r:id="rId18"/>
+    <p:sldId id="265" r:id="rId19"/>
+    <p:sldId id="312" r:id="rId20"/>
   </p:sldIdLst>
   <p:sldSz cx="9144000" cy="5143500" type="screen16x9"/>
   <p:notesSz cx="6858000" cy="9144000"/>
   <p:embeddedFontLst>
     <p:embeddedFont>
       <p:font typeface="SimSun" panose="02010600030101010101" pitchFamily="2" charset="-122"/>
-      <p:regular r:id="rId22"/>
+      <p:regular r:id="rId24"/>
     </p:embeddedFont>
     <p:embeddedFont>
       <p:font typeface="Maven Pro"/>
-      <p:regular r:id="rId23"/>
+      <p:regular r:id="rId25"/>
     </p:embeddedFont>
     <p:embeddedFont>
       <p:font typeface="Nunito" panose="00000500000000000000"/>
-      <p:regular r:id="rId24"/>
+      <p:regular r:id="rId26"/>
     </p:embeddedFont>
     <p:embeddedFont>
       <p:font typeface="Georgia" panose="02040502050405020303" charset="0"/>
-      <p:regular r:id="rId25"/>
-      <p:bold r:id="rId26"/>
-      <p:italic r:id="rId27"/>
-      <p:boldItalic r:id="rId28"/>
+      <p:regular r:id="rId27"/>
+      <p:bold r:id="rId28"/>
+      <p:italic r:id="rId29"/>
+      <p:boldItalic r:id="rId30"/>
     </p:embeddedFont>
     <p:embeddedFont>
       <p:font typeface="Cambria" panose="02040503050406030204" charset="0"/>
-      <p:regular r:id="rId29"/>
-      <p:bold r:id="rId30"/>
-      <p:italic r:id="rId31"/>
-      <p:boldItalic r:id="rId32"/>
+      <p:regular r:id="rId31"/>
+      <p:bold r:id="rId32"/>
+      <p:italic r:id="rId33"/>
+      <p:boldItalic r:id="rId34"/>
     </p:embeddedFont>
     <p:embeddedFont>
       <p:font typeface="Agency FB" panose="020B0503020202020204" charset="0"/>
-      <p:regular r:id="rId33"/>
-      <p:bold r:id="rId34"/>
+      <p:regular r:id="rId35"/>
+      <p:bold r:id="rId36"/>
+    </p:embeddedFont>
+    <p:embeddedFont>
+      <p:font typeface="Calibri" panose="020F0502020204030204" pitchFamily="34" charset="0"/>
+      <p:regular r:id="rId37"/>
+      <p:bold r:id="rId38"/>
+      <p:italic r:id="rId39"/>
+      <p:boldItalic r:id="rId40"/>
     </p:embeddedFont>
   </p:embeddedFontLst>
   <p:defaultTextStyle>
@@ -16468,7 +16477,7 @@
                 <a:latin typeface="Georgia" panose="02040502050405020303" charset="0"/>
                 <a:cs typeface="Georgia" panose="02040502050405020303" charset="0"/>
               </a:rPr>
-              <a:t>* Abhishek Rao.                01fe18bcs297</a:t>
+              <a:t>* Abhishek Rao.                 01fe18bcs297</a:t>
             </a:r>
             <a:endParaRPr lang="en-US">
               <a:solidFill>
@@ -16635,6 +16644,764 @@
       </p:grpSpPr>
       <p:sp>
         <p:nvSpPr>
+          <p:cNvPr id="4097" name="Title 1"/>
+          <p:cNvSpPr>
+            <a:spLocks noGrp="1"/>
+          </p:cNvSpPr>
+          <p:nvPr>
+            <p:ph type="title"/>
+          </p:nvPr>
+        </p:nvSpPr>
+        <p:spPr/>
+        <p:txBody>
+          <a:bodyPr anchor="ctr"/>
+          <a:lstStyle/>
+          <a:p>
+            <a:pPr algn="ctr"/>
+            <a:r>
+              <a:rPr lang="en-US" altLang="zh-CN" sz="1600" dirty="0">
+                <a:latin typeface="Georgia" panose="02040502050405020303" charset="0"/>
+                <a:cs typeface="Georgia" panose="02040502050405020303" charset="0"/>
+              </a:rPr>
+              <a:t>Hateful Memes Challenge</a:t>
+            </a:r>
+            <a:br>
+              <a:rPr lang="en-US" altLang="zh-CN" sz="1600" dirty="0">
+                <a:latin typeface="Georgia" panose="02040502050405020303" charset="0"/>
+                <a:cs typeface="Georgia" panose="02040502050405020303" charset="0"/>
+              </a:rPr>
+            </a:br>
+            <a:r>
+              <a:rPr lang="en-US" altLang="zh-CN" sz="1600" dirty="0">
+                <a:latin typeface="Georgia" panose="02040502050405020303" charset="0"/>
+                <a:cs typeface="Georgia" panose="02040502050405020303" charset="0"/>
+              </a:rPr>
+              <a:t>2020, SEP 22    </a:t>
+            </a:r>
+            <a:br>
+              <a:rPr lang="en-US" altLang="zh-CN" sz="1600" dirty="0">
+                <a:latin typeface="Georgia" panose="02040502050405020303" charset="0"/>
+                <a:cs typeface="Georgia" panose="02040502050405020303" charset="0"/>
+              </a:rPr>
+            </a:br>
+            <a:r>
+              <a:rPr lang="en-US" altLang="zh-CN" sz="1600" dirty="0">
+                <a:latin typeface="Georgia" panose="02040502050405020303" charset="0"/>
+                <a:cs typeface="Georgia" panose="02040502050405020303" charset="0"/>
+              </a:rPr>
+              <a:t>Yuval Nirkin   Assaf Rabinowitz   Yoni Solel [3]</a:t>
+            </a:r>
+            <a:endParaRPr lang="en-US" altLang="zh-CN" sz="1600" dirty="0">
+              <a:latin typeface="Georgia" panose="02040502050405020303" charset="0"/>
+              <a:cs typeface="Georgia" panose="02040502050405020303" charset="0"/>
+            </a:endParaRPr>
+          </a:p>
+        </p:txBody>
+      </p:sp>
+      <p:sp>
+        <p:nvSpPr>
+          <p:cNvPr id="3" name="Content Placeholder 2"/>
+          <p:cNvSpPr>
+            <a:spLocks noGrp="1"/>
+          </p:cNvSpPr>
+          <p:nvPr>
+            <p:ph sz="half" idx="1"/>
+          </p:nvPr>
+        </p:nvSpPr>
+        <p:spPr>
+          <a:xfrm>
+            <a:off x="445008" y="1331976"/>
+            <a:ext cx="4032504" cy="4525963"/>
+          </a:xfrm>
+        </p:spPr>
+        <p:txBody>
+          <a:bodyPr/>
+          <a:lstStyle/>
+          <a:p>
+            <a:pPr marL="0" marR="0" indent="0" algn="l" defTabSz="914400" rtl="0" eaLnBrk="1" fontAlgn="base" latinLnBrk="0" hangingPunct="1">
+              <a:lnSpc>
+                <a:spcPct val="100000"/>
+              </a:lnSpc>
+              <a:spcBef>
+                <a:spcPct val="20000"/>
+              </a:spcBef>
+              <a:spcAft>
+                <a:spcPct val="0"/>
+              </a:spcAft>
+              <a:buClrTx/>
+              <a:buSzTx/>
+              <a:buFontTx/>
+              <a:buNone/>
+            </a:pPr>
+            <a:r>
+              <a:rPr kumimoji="0" lang="en-US" sz="1600" b="0" i="0" u="none" strike="noStrike" kern="1200" cap="none" spc="0" normalizeH="0" baseline="0" noProof="1">
+                <a:solidFill>
+                  <a:schemeClr val="bg2">
+                    <a:lumMod val="50000"/>
+                  </a:schemeClr>
+                </a:solidFill>
+                <a:latin typeface="Georgia" panose="02040502050405020303" charset="0"/>
+                <a:ea typeface="+mn-ea"/>
+                <a:cs typeface="Georgia" panose="02040502050405020303" charset="0"/>
+              </a:rPr>
+              <a:t>Data Processing </a:t>
+            </a:r>
+            <a:endParaRPr kumimoji="0" lang="en-US" sz="1600" b="0" i="0" u="none" strike="noStrike" kern="1200" cap="none" spc="0" normalizeH="0" baseline="0" noProof="1">
+              <a:solidFill>
+                <a:schemeClr val="bg2">
+                  <a:lumMod val="50000"/>
+                </a:schemeClr>
+              </a:solidFill>
+              <a:latin typeface="Georgia" panose="02040502050405020303" charset="0"/>
+              <a:ea typeface="+mn-ea"/>
+              <a:cs typeface="Georgia" panose="02040502050405020303" charset="0"/>
+            </a:endParaRPr>
+          </a:p>
+          <a:p>
+            <a:pPr marL="342900" marR="0" indent="-342900" algn="l" defTabSz="914400" rtl="0" eaLnBrk="1" fontAlgn="base" latinLnBrk="0" hangingPunct="1">
+              <a:lnSpc>
+                <a:spcPct val="100000"/>
+              </a:lnSpc>
+              <a:spcBef>
+                <a:spcPct val="20000"/>
+              </a:spcBef>
+              <a:spcAft>
+                <a:spcPct val="0"/>
+              </a:spcAft>
+              <a:buClrTx/>
+              <a:buSzTx/>
+              <a:buFontTx/>
+              <a:buChar char="•"/>
+            </a:pPr>
+            <a:r>
+              <a:rPr kumimoji="0" lang="en-US" sz="1600" b="0" i="0" u="none" strike="noStrike" kern="1200" cap="none" spc="0" normalizeH="0" baseline="0" noProof="1">
+                <a:solidFill>
+                  <a:schemeClr val="bg2">
+                    <a:lumMod val="50000"/>
+                  </a:schemeClr>
+                </a:solidFill>
+                <a:latin typeface="Georgia" panose="02040502050405020303" charset="0"/>
+                <a:ea typeface="+mn-ea"/>
+                <a:cs typeface="Georgia" panose="02040502050405020303" charset="0"/>
+              </a:rPr>
+              <a:t>Text embedding :SBERT	         </a:t>
+            </a:r>
+            <a:endParaRPr kumimoji="0" lang="en-US" sz="1100" b="0" i="0" u="none" strike="noStrike" kern="1200" cap="none" spc="0" normalizeH="0" baseline="0" noProof="1">
+              <a:solidFill>
+                <a:schemeClr val="bg2">
+                  <a:lumMod val="50000"/>
+                </a:schemeClr>
+              </a:solidFill>
+              <a:latin typeface="Georgia" panose="02040502050405020303" charset="0"/>
+              <a:ea typeface="+mn-ea"/>
+              <a:cs typeface="Georgia" panose="02040502050405020303" charset="0"/>
+            </a:endParaRPr>
+          </a:p>
+          <a:p>
+            <a:pPr marL="342900" marR="0" indent="-342900" algn="l" defTabSz="914400" rtl="0" eaLnBrk="1" fontAlgn="base" latinLnBrk="0" hangingPunct="1">
+              <a:lnSpc>
+                <a:spcPct val="100000"/>
+              </a:lnSpc>
+              <a:spcBef>
+                <a:spcPct val="20000"/>
+              </a:spcBef>
+              <a:spcAft>
+                <a:spcPct val="0"/>
+              </a:spcAft>
+              <a:buClrTx/>
+              <a:buSzTx/>
+              <a:buFontTx/>
+              <a:buChar char="•"/>
+            </a:pPr>
+            <a:r>
+              <a:rPr kumimoji="0" lang="en-US" sz="1600" b="0" i="0" u="none" strike="noStrike" kern="1200" cap="none" spc="0" normalizeH="0" baseline="0" noProof="1">
+                <a:solidFill>
+                  <a:schemeClr val="bg2">
+                    <a:lumMod val="50000"/>
+                  </a:schemeClr>
+                </a:solidFill>
+                <a:latin typeface="Georgia" panose="02040502050405020303" charset="0"/>
+                <a:ea typeface="+mn-ea"/>
+                <a:cs typeface="Georgia" panose="02040502050405020303" charset="0"/>
+              </a:rPr>
+              <a:t>Image Embedding: MobileNetV2 </a:t>
+            </a:r>
+            <a:endParaRPr kumimoji="0" lang="en-US" sz="1600" b="0" i="0" u="none" strike="noStrike" kern="1200" cap="none" spc="0" normalizeH="0" baseline="0" noProof="1">
+              <a:solidFill>
+                <a:schemeClr val="bg2">
+                  <a:lumMod val="50000"/>
+                </a:schemeClr>
+              </a:solidFill>
+              <a:latin typeface="Georgia" panose="02040502050405020303" charset="0"/>
+              <a:ea typeface="+mn-ea"/>
+              <a:cs typeface="Georgia" panose="02040502050405020303" charset="0"/>
+            </a:endParaRPr>
+          </a:p>
+          <a:p>
+            <a:pPr marL="342900" marR="0" indent="-342900" algn="l" defTabSz="914400" rtl="0" eaLnBrk="1" fontAlgn="base" latinLnBrk="0" hangingPunct="1">
+              <a:lnSpc>
+                <a:spcPct val="100000"/>
+              </a:lnSpc>
+              <a:spcBef>
+                <a:spcPct val="20000"/>
+              </a:spcBef>
+              <a:spcAft>
+                <a:spcPct val="0"/>
+              </a:spcAft>
+              <a:buClrTx/>
+              <a:buSzTx/>
+              <a:buFontTx/>
+              <a:buChar char="•"/>
+            </a:pPr>
+            <a:r>
+              <a:rPr kumimoji="0" lang="en-US" sz="1600" i="0" u="none" strike="noStrike" kern="1200" cap="none" spc="0" normalizeH="0" baseline="0" noProof="1">
+                <a:solidFill>
+                  <a:schemeClr val="bg2">
+                    <a:lumMod val="50000"/>
+                  </a:schemeClr>
+                </a:solidFill>
+                <a:latin typeface="Georgia" panose="02040502050405020303" charset="0"/>
+                <a:ea typeface="+mn-ea"/>
+                <a:cs typeface="Georgia" panose="02040502050405020303" charset="0"/>
+              </a:rPr>
+              <a:t>Hypernetworks</a:t>
+            </a:r>
+            <a:endParaRPr kumimoji="0" lang="en-US" sz="1600" b="1" i="0" u="none" strike="noStrike" kern="1200" cap="none" spc="0" normalizeH="0" baseline="0" noProof="1">
+              <a:solidFill>
+                <a:schemeClr val="bg2">
+                  <a:lumMod val="50000"/>
+                </a:schemeClr>
+              </a:solidFill>
+              <a:latin typeface="Georgia" panose="02040502050405020303" charset="0"/>
+              <a:ea typeface="+mn-ea"/>
+              <a:cs typeface="Georgia" panose="02040502050405020303" charset="0"/>
+            </a:endParaRPr>
+          </a:p>
+          <a:p>
+            <a:pPr marL="342900" marR="0" indent="-342900" algn="l" defTabSz="914400" rtl="0" eaLnBrk="1" fontAlgn="base" latinLnBrk="0" hangingPunct="1">
+              <a:lnSpc>
+                <a:spcPct val="100000"/>
+              </a:lnSpc>
+              <a:spcBef>
+                <a:spcPct val="20000"/>
+              </a:spcBef>
+              <a:spcAft>
+                <a:spcPct val="0"/>
+              </a:spcAft>
+              <a:buClrTx/>
+              <a:buSzTx/>
+              <a:buFontTx/>
+              <a:buChar char="•"/>
+            </a:pPr>
+            <a:r>
+              <a:rPr kumimoji="0" lang="en-US" sz="1600" b="0" i="0" u="none" strike="noStrike" kern="1200" cap="none" spc="0" normalizeH="0" baseline="0" noProof="1">
+                <a:solidFill>
+                  <a:schemeClr val="bg2">
+                    <a:lumMod val="50000"/>
+                  </a:schemeClr>
+                </a:solidFill>
+                <a:latin typeface="Georgia" panose="02040502050405020303" charset="0"/>
+                <a:ea typeface="+mn-ea"/>
+                <a:cs typeface="Georgia" panose="02040502050405020303" charset="0"/>
+              </a:rPr>
+              <a:t>Decoder</a:t>
+            </a:r>
+            <a:endParaRPr kumimoji="0" lang="en-US" sz="1600" b="0" i="0" u="none" strike="noStrike" kern="1200" cap="none" spc="0" normalizeH="0" baseline="0" noProof="1">
+              <a:solidFill>
+                <a:schemeClr val="bg2">
+                  <a:lumMod val="50000"/>
+                </a:schemeClr>
+              </a:solidFill>
+              <a:latin typeface="Georgia" panose="02040502050405020303" charset="0"/>
+              <a:ea typeface="+mn-ea"/>
+              <a:cs typeface="Georgia" panose="02040502050405020303" charset="0"/>
+            </a:endParaRPr>
+          </a:p>
+          <a:p>
+            <a:pPr marL="0" marR="0" indent="0" algn="l" defTabSz="914400" rtl="0" eaLnBrk="1" fontAlgn="base" latinLnBrk="0" hangingPunct="1">
+              <a:lnSpc>
+                <a:spcPct val="100000"/>
+              </a:lnSpc>
+              <a:spcBef>
+                <a:spcPct val="20000"/>
+              </a:spcBef>
+              <a:spcAft>
+                <a:spcPct val="0"/>
+              </a:spcAft>
+              <a:buClrTx/>
+              <a:buSzTx/>
+              <a:buFontTx/>
+              <a:buNone/>
+            </a:pPr>
+            <a:endParaRPr kumimoji="0" lang="en-US" sz="1800" b="0" i="0" u="none" strike="noStrike" kern="1200" cap="none" spc="0" normalizeH="0" baseline="0" noProof="1">
+              <a:solidFill>
+                <a:schemeClr val="bg2">
+                  <a:lumMod val="50000"/>
+                </a:schemeClr>
+              </a:solidFill>
+              <a:latin typeface="Georgia" panose="02040502050405020303" charset="0"/>
+              <a:ea typeface="+mn-ea"/>
+              <a:cs typeface="Georgia" panose="02040502050405020303" charset="0"/>
+            </a:endParaRPr>
+          </a:p>
+          <a:p>
+            <a:pPr marL="0" marR="0" indent="0" algn="l" defTabSz="914400" rtl="0" eaLnBrk="1" fontAlgn="base" latinLnBrk="0" hangingPunct="1">
+              <a:lnSpc>
+                <a:spcPct val="100000"/>
+              </a:lnSpc>
+              <a:spcBef>
+                <a:spcPct val="20000"/>
+              </a:spcBef>
+              <a:spcAft>
+                <a:spcPct val="0"/>
+              </a:spcAft>
+              <a:buClrTx/>
+              <a:buSzTx/>
+              <a:buFontTx/>
+              <a:buNone/>
+            </a:pPr>
+            <a:endParaRPr kumimoji="0" lang="en-US" sz="1800" b="0" i="0" u="none" strike="noStrike" kern="1200" cap="none" spc="0" normalizeH="0" baseline="0" noProof="1">
+              <a:solidFill>
+                <a:schemeClr val="bg2">
+                  <a:lumMod val="50000"/>
+                </a:schemeClr>
+              </a:solidFill>
+              <a:latin typeface="Georgia" panose="02040502050405020303" charset="0"/>
+              <a:ea typeface="+mn-ea"/>
+              <a:cs typeface="Georgia" panose="02040502050405020303" charset="0"/>
+            </a:endParaRPr>
+          </a:p>
+        </p:txBody>
+      </p:sp>
+      <p:sp>
+        <p:nvSpPr>
+          <p:cNvPr id="4099" name="Text Box 61"/>
+          <p:cNvSpPr txBox="1"/>
+          <p:nvPr/>
+        </p:nvSpPr>
+        <p:spPr>
+          <a:xfrm>
+            <a:off x="7183438" y="6167438"/>
+            <a:ext cx="1781175" cy="368300"/>
+          </a:xfrm>
+          <a:prstGeom prst="rect">
+            <a:avLst/>
+          </a:prstGeom>
+          <a:noFill/>
+          <a:ln w="9525">
+            <a:noFill/>
+          </a:ln>
+        </p:spPr>
+        <p:txBody>
+          <a:bodyPr wrap="square" anchor="t">
+            <a:spAutoFit/>
+          </a:bodyPr>
+          <a:lstStyle/>
+          <a:p>
+            <a:r>
+              <a:rPr lang="en-US" altLang="zh-CN">
+                <a:latin typeface="Cambria" panose="02040503050406030204" charset="0"/>
+              </a:rPr>
+              <a:t>Varun Bohara</a:t>
+            </a:r>
+            <a:endParaRPr lang="en-US" altLang="zh-CN">
+              <a:latin typeface="Cambria" panose="02040503050406030204" charset="0"/>
+            </a:endParaRPr>
+          </a:p>
+        </p:txBody>
+      </p:sp>
+      <p:pic>
+        <p:nvPicPr>
+          <p:cNvPr id="6147" name="Picture 3"/>
+          <p:cNvPicPr>
+            <a:picLocks noGrp="1" noChangeAspect="1"/>
+          </p:cNvPicPr>
+          <p:nvPr>
+            <p:ph sz="half" idx="2"/>
+          </p:nvPr>
+        </p:nvPicPr>
+        <p:blipFill>
+          <a:blip r:embed="rId1">
+            <a:clrChange>
+              <a:clrFrom>
+                <a:srgbClr val="FFFFFF">
+                  <a:alpha val="100000"/>
+                </a:srgbClr>
+              </a:clrFrom>
+              <a:clrTo>
+                <a:srgbClr val="FFFFFF">
+                  <a:alpha val="100000"/>
+                  <a:alpha val="0"/>
+                </a:srgbClr>
+              </a:clrTo>
+            </a:clrChange>
+          </a:blip>
+          <a:stretch>
+            <a:fillRect/>
+          </a:stretch>
+        </p:blipFill>
+        <p:spPr>
+          <a:xfrm>
+            <a:off x="2489200" y="1809750"/>
+            <a:ext cx="6666865" cy="3058795"/>
+          </a:xfrm>
+          <a:prstGeom prst="rect">
+            <a:avLst/>
+          </a:prstGeom>
+          <a:noFill/>
+          <a:ln w="9525">
+            <a:noFill/>
+          </a:ln>
+        </p:spPr>
+      </p:pic>
+      <p:sp>
+        <p:nvSpPr>
+          <p:cNvPr id="2" name="Slide Number Placeholder 1"/>
+          <p:cNvSpPr>
+            <a:spLocks noGrp="1"/>
+          </p:cNvSpPr>
+          <p:nvPr>
+            <p:ph type="sldNum" sz="quarter" idx="12"/>
+          </p:nvPr>
+        </p:nvSpPr>
+        <p:spPr/>
+        <p:txBody>
+          <a:bodyPr/>
+          <a:p>
+            <a:pPr lvl="0" fontAlgn="base"/>
+            <a:fld id="{9A0DB2DC-4C9A-4742-B13C-FB6460FD3503}" type="slidenum">
+              <a:rPr lang="zh-CN" altLang="en-US" strike="noStrike" noProof="1" dirty="0">
+                <a:latin typeface="Arial" panose="020B0604020202020204" pitchFamily="34" charset="0"/>
+                <a:ea typeface="SimSun" panose="02010600030101010101" pitchFamily="2" charset="-122"/>
+                <a:cs typeface="+mn-cs"/>
+              </a:rPr>
+            </a:fld>
+            <a:endParaRPr lang="zh-CN" altLang="en-US" strike="noStrike" noProof="1"/>
+          </a:p>
+        </p:txBody>
+      </p:sp>
+    </p:spTree>
+  </p:cSld>
+  <p:clrMapOvr>
+    <a:masterClrMapping/>
+  </p:clrMapOvr>
+</p:sld>
+</file>
+
+<file path=ppt/slides/slide11.xml><?xml version="1.0" encoding="utf-8"?>
+<p:sld xmlns:a="http://schemas.openxmlformats.org/drawingml/2006/main" xmlns:r="http://schemas.openxmlformats.org/officeDocument/2006/relationships" xmlns:p="http://schemas.openxmlformats.org/presentationml/2006/main">
+  <p:cSld>
+    <p:spTree>
+      <p:nvGrpSpPr>
+        <p:cNvPr id="1" name=""/>
+        <p:cNvGrpSpPr/>
+        <p:nvPr/>
+      </p:nvGrpSpPr>
+      <p:grpSpPr/>
+      <p:sp>
+        <p:nvSpPr>
+          <p:cNvPr id="2" name="Title 1"/>
+          <p:cNvSpPr>
+            <a:spLocks noGrp="1"/>
+          </p:cNvSpPr>
+          <p:nvPr>
+            <p:ph type="title"/>
+          </p:nvPr>
+        </p:nvSpPr>
+        <p:spPr>
+          <a:xfrm>
+            <a:off x="311785" y="445135"/>
+            <a:ext cx="8520430" cy="618490"/>
+          </a:xfrm>
+        </p:spPr>
+        <p:txBody>
+          <a:bodyPr/>
+          <a:p>
+            <a:r>
+              <a:rPr lang="en-IN" sz="1600" dirty="0">
+                <a:effectLst/>
+                <a:latin typeface="Georgia" panose="02040502050405020303" charset="0"/>
+                <a:ea typeface="Calibri" panose="020F0502020204030204" pitchFamily="34" charset="0"/>
+                <a:cs typeface="Georgia" panose="02040502050405020303" charset="0"/>
+                <a:sym typeface="+mn-ea"/>
+              </a:rPr>
+              <a:t>Multimodal Hate Speech Detection in Memes.</a:t>
+            </a:r>
+            <a:r>
+              <a:rPr lang="en-US" altLang="en-IN" sz="1600" dirty="0">
+                <a:effectLst/>
+                <a:latin typeface="Georgia" panose="02040502050405020303" charset="0"/>
+                <a:ea typeface="Calibri" panose="020F0502020204030204" pitchFamily="34" charset="0"/>
+                <a:cs typeface="Georgia" panose="02040502050405020303" charset="0"/>
+                <a:sym typeface="+mn-ea"/>
+              </a:rPr>
+              <a:t>[4]</a:t>
+            </a:r>
+            <a:br>
+              <a:rPr lang="en-IN" sz="1600" dirty="0">
+                <a:effectLst/>
+                <a:latin typeface="Georgia" panose="02040502050405020303" charset="0"/>
+                <a:ea typeface="Calibri" panose="020F0502020204030204" pitchFamily="34" charset="0"/>
+                <a:cs typeface="Georgia" panose="02040502050405020303" charset="0"/>
+                <a:sym typeface="+mn-ea"/>
+              </a:rPr>
+            </a:br>
+            <a:r>
+              <a:rPr lang="en-US" altLang="en-IN" sz="1600" dirty="0">
+                <a:effectLst/>
+                <a:latin typeface="Georgia" panose="02040502050405020303" charset="0"/>
+                <a:ea typeface="Calibri" panose="020F0502020204030204" pitchFamily="34" charset="0"/>
+                <a:cs typeface="Georgia" panose="02040502050405020303" charset="0"/>
+                <a:sym typeface="+mn-ea"/>
+              </a:rPr>
+              <a:t>	</a:t>
+            </a:r>
+            <a:br>
+              <a:rPr lang="en-IN" sz="1600" dirty="0">
+                <a:effectLst/>
+                <a:latin typeface="Georgia" panose="02040502050405020303" charset="0"/>
+                <a:ea typeface="Calibri" panose="020F0502020204030204" pitchFamily="34" charset="0"/>
+                <a:cs typeface="Georgia" panose="02040502050405020303" charset="0"/>
+              </a:rPr>
+            </a:br>
+            <a:endParaRPr lang="en-IN" sz="1600" dirty="0">
+              <a:effectLst/>
+              <a:latin typeface="Georgia" panose="02040502050405020303" charset="0"/>
+              <a:ea typeface="Calibri" panose="020F0502020204030204" pitchFamily="34" charset="0"/>
+              <a:cs typeface="Georgia" panose="02040502050405020303" charset="0"/>
+            </a:endParaRPr>
+          </a:p>
+        </p:txBody>
+      </p:sp>
+      <p:sp>
+        <p:nvSpPr>
+          <p:cNvPr id="3" name="Content Placeholder 2"/>
+          <p:cNvSpPr>
+            <a:spLocks noGrp="1"/>
+          </p:cNvSpPr>
+          <p:nvPr>
+            <p:ph idx="1"/>
+          </p:nvPr>
+        </p:nvSpPr>
+        <p:spPr>
+          <a:xfrm>
+            <a:off x="197485" y="1167765"/>
+            <a:ext cx="6024880" cy="1683385"/>
+          </a:xfrm>
+        </p:spPr>
+        <p:txBody>
+          <a:bodyPr/>
+          <a:p>
+            <a:pPr algn="just">
+              <a:lnSpc>
+                <a:spcPct val="107000"/>
+              </a:lnSpc>
+              <a:spcAft>
+                <a:spcPts val="800"/>
+              </a:spcAft>
+              <a:buFont typeface="Wingdings" panose="05000000000000000000" pitchFamily="2" charset="2"/>
+              <a:buChar char="q"/>
+              <a:tabLst>
+                <a:tab pos="3589020" algn="l"/>
+              </a:tabLst>
+            </a:pPr>
+            <a:r>
+              <a:rPr lang="en-IN" sz="1300" dirty="0">
+                <a:effectLst/>
+                <a:latin typeface="Georgia" panose="02040502050405020303" charset="0"/>
+                <a:ea typeface="Calibri" panose="020F0502020204030204" pitchFamily="34" charset="0"/>
+                <a:cs typeface="Georgia" panose="02040502050405020303" charset="0"/>
+                <a:sym typeface="+mn-ea"/>
+              </a:rPr>
+              <a:t>Architecture :</a:t>
+            </a:r>
+            <a:endParaRPr lang="en-IN" sz="1300" dirty="0">
+              <a:effectLst/>
+              <a:latin typeface="Georgia" panose="02040502050405020303" charset="0"/>
+              <a:ea typeface="Calibri" panose="020F0502020204030204" pitchFamily="34" charset="0"/>
+              <a:cs typeface="Georgia" panose="02040502050405020303" charset="0"/>
+            </a:endParaRPr>
+          </a:p>
+          <a:p>
+            <a:pPr marL="1143000" lvl="2" indent="-228600" algn="just">
+              <a:lnSpc>
+                <a:spcPct val="7000"/>
+              </a:lnSpc>
+              <a:buFont typeface="Wingdings" panose="05000000000000000000" pitchFamily="2" charset="2"/>
+              <a:buChar char=""/>
+              <a:tabLst>
+                <a:tab pos="3589020" algn="l"/>
+              </a:tabLst>
+            </a:pPr>
+            <a:r>
+              <a:rPr lang="en-IN" sz="1300" dirty="0">
+                <a:effectLst/>
+                <a:latin typeface="Georgia" panose="02040502050405020303" charset="0"/>
+                <a:ea typeface="Calibri" panose="020F0502020204030204" pitchFamily="34" charset="0"/>
+                <a:cs typeface="Georgia" panose="02040502050405020303" charset="0"/>
+                <a:sym typeface="+mn-ea"/>
+              </a:rPr>
+              <a:t>Using OCR – Extract the text of the image(pytesseract)</a:t>
+            </a:r>
+            <a:endParaRPr lang="en-IN" sz="1300" dirty="0">
+              <a:effectLst/>
+              <a:latin typeface="Georgia" panose="02040502050405020303" charset="0"/>
+              <a:ea typeface="Calibri" panose="020F0502020204030204" pitchFamily="34" charset="0"/>
+              <a:cs typeface="Georgia" panose="02040502050405020303" charset="0"/>
+            </a:endParaRPr>
+          </a:p>
+          <a:p>
+            <a:pPr marL="1143000" lvl="2" indent="-228600" algn="just">
+              <a:lnSpc>
+                <a:spcPct val="107000"/>
+              </a:lnSpc>
+              <a:buFont typeface="Wingdings" panose="05000000000000000000" pitchFamily="2" charset="2"/>
+              <a:buChar char=""/>
+              <a:tabLst>
+                <a:tab pos="3589020" algn="l"/>
+              </a:tabLst>
+            </a:pPr>
+            <a:r>
+              <a:rPr lang="en-IN" sz="1300" dirty="0">
+                <a:effectLst/>
+                <a:latin typeface="Georgia" panose="02040502050405020303" charset="0"/>
+                <a:ea typeface="Calibri" panose="020F0502020204030204" pitchFamily="34" charset="0"/>
+                <a:cs typeface="Georgia" panose="02040502050405020303" charset="0"/>
+                <a:sym typeface="+mn-ea"/>
+              </a:rPr>
+              <a:t>Text Embeddings – BERT (bert-base-multilingual-cased.)</a:t>
+            </a:r>
+            <a:endParaRPr lang="en-IN" sz="1300" dirty="0">
+              <a:effectLst/>
+              <a:latin typeface="Georgia" panose="02040502050405020303" charset="0"/>
+              <a:ea typeface="Calibri" panose="020F0502020204030204" pitchFamily="34" charset="0"/>
+              <a:cs typeface="Georgia" panose="02040502050405020303" charset="0"/>
+            </a:endParaRPr>
+          </a:p>
+          <a:p>
+            <a:pPr marL="1143000" lvl="2" indent="-228600">
+              <a:lnSpc>
+                <a:spcPct val="107000"/>
+              </a:lnSpc>
+              <a:buFont typeface="Wingdings" panose="05000000000000000000" pitchFamily="2" charset="2"/>
+              <a:buChar char=""/>
+              <a:tabLst>
+                <a:tab pos="3589020" algn="l"/>
+              </a:tabLst>
+            </a:pPr>
+            <a:r>
+              <a:rPr lang="en-IN" sz="1300" dirty="0">
+                <a:effectLst/>
+                <a:latin typeface="Georgia" panose="02040502050405020303" charset="0"/>
+                <a:ea typeface="Calibri" panose="020F0502020204030204" pitchFamily="34" charset="0"/>
+                <a:cs typeface="Georgia" panose="02040502050405020303" charset="0"/>
+                <a:sym typeface="+mn-ea"/>
+              </a:rPr>
+              <a:t>Image Embeddings – VGG-16 (Pre-trained on ImageNet)   </a:t>
+            </a:r>
+            <a:endParaRPr lang="en-US">
+              <a:latin typeface="Georgia" panose="02040502050405020303" charset="0"/>
+              <a:cs typeface="Georgia" panose="02040502050405020303" charset="0"/>
+            </a:endParaRPr>
+          </a:p>
+        </p:txBody>
+      </p:sp>
+      <p:sp>
+        <p:nvSpPr>
+          <p:cNvPr id="4" name="Slide Number Placeholder 3"/>
+          <p:cNvSpPr>
+            <a:spLocks noGrp="1"/>
+          </p:cNvSpPr>
+          <p:nvPr>
+            <p:ph type="sldNum" sz="quarter" idx="12"/>
+          </p:nvPr>
+        </p:nvSpPr>
+        <p:spPr/>
+        <p:txBody>
+          <a:bodyPr/>
+          <a:p>
+            <a:pPr lvl="0" fontAlgn="base"/>
+            <a:fld id="{9A0DB2DC-4C9A-4742-B13C-FB6460FD3503}" type="slidenum">
+              <a:rPr lang="zh-CN" altLang="en-US" strike="noStrike" noProof="1" dirty="0">
+                <a:latin typeface="Arial" panose="020B0604020202020204" pitchFamily="34" charset="0"/>
+                <a:ea typeface="SimSun" panose="02010600030101010101" pitchFamily="2" charset="-122"/>
+                <a:cs typeface="+mn-cs"/>
+              </a:rPr>
+            </a:fld>
+            <a:endParaRPr lang="zh-CN" altLang="en-US" strike="noStrike" noProof="1"/>
+          </a:p>
+        </p:txBody>
+      </p:sp>
+      <p:pic>
+        <p:nvPicPr>
+          <p:cNvPr id="5" name="Picture 4"/>
+          <p:cNvPicPr>
+            <a:picLocks noChangeAspect="1"/>
+          </p:cNvPicPr>
+          <p:nvPr/>
+        </p:nvPicPr>
+        <p:blipFill>
+          <a:blip r:embed="rId1">
+            <a:clrChange>
+              <a:clrFrom>
+                <a:srgbClr val="FFFFFF">
+                  <a:alpha val="100000"/>
+                </a:srgbClr>
+              </a:clrFrom>
+              <a:clrTo>
+                <a:srgbClr val="FFFFFF">
+                  <a:alpha val="100000"/>
+                  <a:alpha val="0"/>
+                </a:srgbClr>
+              </a:clrTo>
+            </a:clrChange>
+            <a:extLst>
+              <a:ext uri="{28A0092B-C50C-407E-A947-70E740481C1C}">
+                <a14:useLocalDpi xmlns:a14="http://schemas.microsoft.com/office/drawing/2010/main" val="0"/>
+              </a:ext>
+            </a:extLst>
+          </a:blip>
+          <a:stretch>
+            <a:fillRect/>
+          </a:stretch>
+        </p:blipFill>
+        <p:spPr>
+          <a:xfrm>
+            <a:off x="1587500" y="2667635"/>
+            <a:ext cx="6370320" cy="2225040"/>
+          </a:xfrm>
+          <a:prstGeom prst="rect">
+            <a:avLst/>
+          </a:prstGeom>
+        </p:spPr>
+      </p:pic>
+    </p:spTree>
+  </p:cSld>
+  <p:clrMapOvr>
+    <a:masterClrMapping/>
+  </p:clrMapOvr>
+</p:sld>
+</file>
+
+<file path=ppt/slides/slide12.xml><?xml version="1.0" encoding="utf-8"?>
+<p:sld xmlns:a="http://schemas.openxmlformats.org/drawingml/2006/main" xmlns:r="http://schemas.openxmlformats.org/officeDocument/2006/relationships" xmlns:p="http://schemas.openxmlformats.org/presentationml/2006/main">
+  <p:cSld>
+    <p:spTree>
+      <p:nvGrpSpPr>
+        <p:cNvPr id="1" name=""/>
+        <p:cNvGrpSpPr/>
+        <p:nvPr/>
+      </p:nvGrpSpPr>
+      <p:grpSpPr>
+        <a:xfrm>
+          <a:off x="0" y="0"/>
+          <a:ext cx="0" cy="0"/>
+          <a:chOff x="0" y="0"/>
+          <a:chExt cx="0" cy="0"/>
+        </a:xfrm>
+      </p:grpSpPr>
+      <p:sp>
+        <p:nvSpPr>
           <p:cNvPr id="2" name="Title 1"/>
           <p:cNvSpPr>
             <a:spLocks noGrp="1"/>
@@ -16660,7 +17427,7 @@
                 <a:cs typeface="Georgia" panose="02040502050405020303" charset="0"/>
                 <a:sym typeface="+mn-ea"/>
               </a:rPr>
-              <a:t>Multimodal Meme Dataset (MultiOFF) for Identifying Offensive Content in Image and Text [3]</a:t>
+              <a:t>Multimodal Meme Dataset (MultiOFF) for Identifying Offensive Content in Image and Text [5]</a:t>
             </a:r>
             <a:br>
               <a:rPr lang="en-US" sz="1400" dirty="0">
@@ -16885,7 +17652,7 @@
 </p:sld>
 </file>
 
-<file path=ppt/slides/slide11.xml><?xml version="1.0" encoding="utf-8"?>
+<file path=ppt/slides/slide13.xml><?xml version="1.0" encoding="utf-8"?>
 <p:sld xmlns:a="http://schemas.openxmlformats.org/drawingml/2006/main" xmlns:r="http://schemas.openxmlformats.org/officeDocument/2006/relationships" xmlns:p="http://schemas.openxmlformats.org/presentationml/2006/main">
   <p:cSld>
     <p:spTree>
@@ -17065,32 +17832,6 @@
           </a:p>
         </p:txBody>
       </p:sp>
-      <p:pic>
-        <p:nvPicPr>
-          <p:cNvPr id="4" name="Content Placeholder 3" descr="02891"/>
-          <p:cNvPicPr>
-            <a:picLocks noGrp="1" noChangeAspect="1"/>
-          </p:cNvPicPr>
-          <p:nvPr>
-            <p:ph idx="1"/>
-          </p:nvPr>
-        </p:nvPicPr>
-        <p:blipFill>
-          <a:blip r:embed="rId1"/>
-          <a:stretch>
-            <a:fillRect/>
-          </a:stretch>
-        </p:blipFill>
-        <p:spPr>
-          <a:xfrm>
-            <a:off x="400685" y="2661285"/>
-            <a:ext cx="1403985" cy="934720"/>
-          </a:xfrm>
-          <a:prstGeom prst="rect">
-            <a:avLst/>
-          </a:prstGeom>
-        </p:spPr>
-      </p:pic>
       <p:sp>
         <p:nvSpPr>
           <p:cNvPr id="7" name="Rounded Rectangle 6"/>
@@ -17505,8 +18246,8 @@
         </p:nvSpPr>
         <p:spPr>
           <a:xfrm>
-            <a:off x="159385" y="1953260"/>
-            <a:ext cx="1722755" cy="306705"/>
+            <a:off x="178435" y="1883410"/>
+            <a:ext cx="1883410" cy="398780"/>
           </a:xfrm>
           <a:prstGeom prst="rect">
             <a:avLst/>
@@ -17519,13 +18260,26 @@
           </a:bodyPr>
           <a:p>
             <a:r>
-              <a:rPr lang="en-US">
+              <a:rPr lang="en-US" sz="1000">
                 <a:latin typeface="Georgia" panose="02040502050405020303" charset="0"/>
                 <a:cs typeface="Georgia" panose="02040502050405020303" charset="0"/>
               </a:rPr>
-              <a:t>look! a blow up doll</a:t>
+              <a:t>She hates Jews but  she didn't </a:t>
             </a:r>
-            <a:endParaRPr lang="en-US">
+            <a:endParaRPr lang="en-US" sz="1000">
+              <a:latin typeface="Georgia" panose="02040502050405020303" charset="0"/>
+              <a:cs typeface="Georgia" panose="02040502050405020303" charset="0"/>
+            </a:endParaRPr>
+          </a:p>
+          <a:p>
+            <a:r>
+              <a:rPr lang="en-US" sz="1000">
+                <a:latin typeface="Georgia" panose="02040502050405020303" charset="0"/>
+                <a:cs typeface="Georgia" panose="02040502050405020303" charset="0"/>
+              </a:rPr>
+              <a:t>mean to say she hates Jews</a:t>
+            </a:r>
+            <a:endParaRPr lang="en-US" sz="1000">
               <a:latin typeface="Georgia" panose="02040502050405020303" charset="0"/>
               <a:cs typeface="Georgia" panose="02040502050405020303" charset="0"/>
             </a:endParaRPr>
@@ -17591,6 +18345,32 @@
           </a:p>
         </p:txBody>
       </p:sp>
+      <p:pic>
+        <p:nvPicPr>
+          <p:cNvPr id="19" name="Content Placeholder 18"/>
+          <p:cNvPicPr>
+            <a:picLocks noChangeAspect="1"/>
+          </p:cNvPicPr>
+          <p:nvPr>
+            <p:ph idx="1"/>
+          </p:nvPr>
+        </p:nvPicPr>
+        <p:blipFill>
+          <a:blip r:embed="rId1"/>
+          <a:stretch>
+            <a:fillRect/>
+          </a:stretch>
+        </p:blipFill>
+        <p:spPr>
+          <a:xfrm>
+            <a:off x="157480" y="2936875"/>
+            <a:ext cx="1652270" cy="1156970"/>
+          </a:xfrm>
+          <a:prstGeom prst="rect">
+            <a:avLst/>
+          </a:prstGeom>
+        </p:spPr>
+      </p:pic>
     </p:spTree>
   </p:cSld>
   <p:clrMapOvr>
@@ -17599,7 +18379,7 @@
 </p:sld>
 </file>
 
-<file path=ppt/slides/slide12.xml><?xml version="1.0" encoding="utf-8"?>
+<file path=ppt/slides/slide14.xml><?xml version="1.0" encoding="utf-8"?>
 <p:sld xmlns:a="http://schemas.openxmlformats.org/drawingml/2006/main" xmlns:r="http://schemas.openxmlformats.org/officeDocument/2006/relationships" xmlns:p="http://schemas.openxmlformats.org/presentationml/2006/main">
   <p:cSld>
     <p:spTree>
@@ -17992,7 +18772,7 @@
 </p:sld>
 </file>
 
-<file path=ppt/slides/slide13.xml><?xml version="1.0" encoding="utf-8"?>
+<file path=ppt/slides/slide15.xml><?xml version="1.0" encoding="utf-8"?>
 <p:sld xmlns:a="http://schemas.openxmlformats.org/drawingml/2006/main" xmlns:r="http://schemas.openxmlformats.org/officeDocument/2006/relationships" xmlns:p="http://schemas.openxmlformats.org/presentationml/2006/main">
   <p:cSld>
     <p:spTree>
@@ -18095,7 +18875,7 @@
 </p:sld>
 </file>
 
-<file path=ppt/slides/slide14.xml><?xml version="1.0" encoding="utf-8"?>
+<file path=ppt/slides/slide16.xml><?xml version="1.0" encoding="utf-8"?>
 <p:sld xmlns:a="http://schemas.openxmlformats.org/drawingml/2006/main" xmlns:r="http://schemas.openxmlformats.org/officeDocument/2006/relationships" xmlns:p="http://schemas.openxmlformats.org/presentationml/2006/main">
   <p:cSld>
     <p:spTree>
@@ -18206,6 +18986,33 @@
             </a:endParaRPr>
           </a:p>
           <a:p>
+            <a:pPr marL="0" indent="0">
+              <a:spcAft>
+                <a:spcPts val="1600"/>
+              </a:spcAft>
+              <a:buNone/>
+            </a:pPr>
+            <a:r>
+              <a:rPr lang="en-US" altLang="en-IN" dirty="0">
+                <a:latin typeface="Georgia" panose="02040502050405020303" charset="0"/>
+                <a:cs typeface="Georgia" panose="02040502050405020303" charset="0"/>
+              </a:rPr>
+              <a:t>[2] Fan Yang ,Xiaochang Peng ,Gargi Ghosh,Facebook Inc,</a:t>
+            </a:r>
+            <a:r>
+              <a:rPr lang="en-US">
+                <a:latin typeface="Georgia" panose="02040502050405020303" charset="0"/>
+                <a:cs typeface="Georgia" panose="02040502050405020303" charset="0"/>
+                <a:sym typeface="+mn-ea"/>
+              </a:rPr>
+              <a:t>Exploring Deep Multimodal Fusion of Text and Photo for Hate Speech classification,2019</a:t>
+            </a:r>
+            <a:endParaRPr lang="en-US" altLang="en-IN" dirty="0">
+              <a:latin typeface="Georgia" panose="02040502050405020303" charset="0"/>
+              <a:cs typeface="Georgia" panose="02040502050405020303" charset="0"/>
+            </a:endParaRPr>
+          </a:p>
+          <a:p>
             <a:pPr marL="0" lvl="0" indent="0" algn="l" rtl="0">
               <a:spcBef>
                 <a:spcPts val="0"/>
@@ -18220,21 +19027,21 @@
                 <a:latin typeface="Georgia" panose="02040502050405020303" charset="0"/>
                 <a:cs typeface="Georgia" panose="02040502050405020303" charset="0"/>
               </a:rPr>
-              <a:t>[2] Hateful Memes Challenge</a:t>
+              <a:t>[</a:t>
             </a:r>
             <a:r>
               <a:rPr lang="en-US" altLang="en-IN" dirty="0">
                 <a:latin typeface="Georgia" panose="02040502050405020303" charset="0"/>
                 <a:cs typeface="Georgia" panose="02040502050405020303" charset="0"/>
               </a:rPr>
-              <a:t>,</a:t>
+              <a:t>3</a:t>
             </a:r>
             <a:r>
               <a:rPr lang="en-IN" dirty="0">
                 <a:latin typeface="Georgia" panose="02040502050405020303" charset="0"/>
                 <a:cs typeface="Georgia" panose="02040502050405020303" charset="0"/>
               </a:rPr>
-              <a:t>Yuval Nirkin</a:t>
+              <a:t>] Yuval Nirkin</a:t>
             </a:r>
             <a:r>
               <a:rPr lang="en-US" altLang="en-IN" dirty="0">
@@ -18275,8 +19082,31 @@
               <a:rPr lang="en-IN" dirty="0">
                 <a:latin typeface="Georgia" panose="02040502050405020303" charset="0"/>
                 <a:cs typeface="Georgia" panose="02040502050405020303" charset="0"/>
+                <a:sym typeface="+mn-ea"/>
               </a:rPr>
-              <a:t>2020, Sep 22   </a:t>
+              <a:t>Hateful Memes Challenge</a:t>
+            </a:r>
+            <a:r>
+              <a:rPr lang="en-US" altLang="en-IN" dirty="0">
+                <a:latin typeface="Georgia" panose="02040502050405020303" charset="0"/>
+                <a:cs typeface="Georgia" panose="02040502050405020303" charset="0"/>
+                <a:sym typeface="+mn-ea"/>
+              </a:rPr>
+              <a:t>,</a:t>
+            </a:r>
+            <a:r>
+              <a:rPr lang="en-IN" dirty="0">
+                <a:latin typeface="Georgia" panose="02040502050405020303" charset="0"/>
+                <a:cs typeface="Georgia" panose="02040502050405020303" charset="0"/>
+              </a:rPr>
+              <a:t>Sep 22   </a:t>
+            </a:r>
+            <a:r>
+              <a:rPr lang="en-US" altLang="en-IN" dirty="0">
+                <a:latin typeface="Georgia" panose="02040502050405020303" charset="0"/>
+                <a:cs typeface="Georgia" panose="02040502050405020303" charset="0"/>
+              </a:rPr>
+              <a:t>2020</a:t>
             </a:r>
             <a:br>
               <a:rPr lang="en-IN" dirty="0">
@@ -18314,11 +19144,55 @@
               <a:buNone/>
             </a:pPr>
             <a:r>
+              <a:rPr lang="en-US" dirty="0">
+                <a:latin typeface="Georgia" panose="02040502050405020303" charset="0"/>
+                <a:cs typeface="Georgia" panose="02040502050405020303" charset="0"/>
+              </a:rPr>
+              <a:t>[4] </a:t>
+            </a:r>
+            <a:r>
+              <a:rPr lang="en-US" altLang="en-IN" dirty="0">
+                <a:latin typeface="Georgia" panose="02040502050405020303" charset="0"/>
+                <a:cs typeface="Georgia" panose="02040502050405020303" charset="0"/>
+                <a:sym typeface="+mn-ea"/>
+              </a:rPr>
+              <a:t>Benet Oriol S`abat: Multimodal Hate Speech Detection in Memes,Universitat Polit`ecnica de Catalunya (UPC),2019</a:t>
+            </a:r>
+            <a:endParaRPr dirty="0">
+              <a:latin typeface="Georgia" panose="02040502050405020303" charset="0"/>
+              <a:cs typeface="Georgia" panose="02040502050405020303" charset="0"/>
+            </a:endParaRPr>
+          </a:p>
+          <a:p>
+            <a:pPr marL="0" lvl="0" indent="0" algn="l" rtl="0">
+              <a:spcBef>
+                <a:spcPts val="0"/>
+              </a:spcBef>
+              <a:spcAft>
+                <a:spcPts val="1600"/>
+              </a:spcAft>
+              <a:buNone/>
+            </a:pPr>
+            <a:r>
               <a:rPr lang="en-IN" dirty="0">
                 <a:latin typeface="Georgia" panose="02040502050405020303" charset="0"/>
                 <a:cs typeface="Georgia" panose="02040502050405020303" charset="0"/>
               </a:rPr>
-              <a:t>[3]  Shardul Suryawanshi, Bharathi Raja Chakravarthi,</a:t>
+              <a:t>[</a:t>
+            </a:r>
+            <a:r>
+              <a:rPr lang="en-US" altLang="en-IN" dirty="0">
+                <a:latin typeface="Georgia" panose="02040502050405020303" charset="0"/>
+                <a:cs typeface="Georgia" panose="02040502050405020303" charset="0"/>
+              </a:rPr>
+              <a:t>5</a:t>
+            </a:r>
+            <a:r>
+              <a:rPr lang="en-IN" dirty="0">
+                <a:latin typeface="Georgia" panose="02040502050405020303" charset="0"/>
+                <a:cs typeface="Georgia" panose="02040502050405020303" charset="0"/>
+              </a:rPr>
+              <a:t>]  Shardul Suryawanshi, Bharathi Raja Chakravarthi,</a:t>
             </a:r>
             <a:r>
               <a:rPr dirty="0">
@@ -18372,7 +19246,7 @@
 </p:sld>
 </file>
 
-<file path=ppt/slides/slide15.xml><?xml version="1.0" encoding="utf-8"?>
+<file path=ppt/slides/slide17.xml><?xml version="1.0" encoding="utf-8"?>
 <p:sld xmlns:a="http://schemas.openxmlformats.org/drawingml/2006/main" xmlns:r="http://schemas.openxmlformats.org/officeDocument/2006/relationships" xmlns:p="http://schemas.openxmlformats.org/presentationml/2006/main">
   <p:cSld>
     <p:spTree>
@@ -19325,7 +20199,7 @@
         </p:nvSpPr>
         <p:spPr>
           <a:xfrm>
-            <a:off x="2026285" y="4072255"/>
+            <a:off x="1937385" y="4142105"/>
             <a:ext cx="645795" cy="306705"/>
           </a:xfrm>
           <a:prstGeom prst="rect">
@@ -19441,8 +20315,8 @@
         </p:blipFill>
         <p:spPr>
           <a:xfrm>
-            <a:off x="1083310" y="2232025"/>
-            <a:ext cx="2532380" cy="1769745"/>
+            <a:off x="806450" y="2184400"/>
+            <a:ext cx="2809240" cy="1963420"/>
           </a:xfrm>
           <a:prstGeom prst="rect">
             <a:avLst/>
@@ -19519,7 +20393,7 @@
         </p:nvCxnSpPr>
         <p:spPr>
           <a:xfrm flipV="1">
-            <a:off x="3615690" y="3155950"/>
+            <a:off x="3622040" y="3155950"/>
             <a:ext cx="432000" cy="10160"/>
           </a:xfrm>
           <a:prstGeom prst="straightConnector1">
@@ -20227,17 +21101,10 @@
         <p:cNvGrpSpPr/>
         <p:nvPr/>
       </p:nvGrpSpPr>
-      <p:grpSpPr>
-        <a:xfrm>
-          <a:off x="0" y="0"/>
-          <a:ext cx="0" cy="0"/>
-          <a:chOff x="0" y="0"/>
-          <a:chExt cx="0" cy="0"/>
-        </a:xfrm>
-      </p:grpSpPr>
+      <p:grpSpPr/>
       <p:sp>
         <p:nvSpPr>
-          <p:cNvPr id="4097" name="Title 1"/>
+          <p:cNvPr id="2" name="Title 1"/>
           <p:cNvSpPr>
             <a:spLocks noGrp="1"/>
           </p:cNvSpPr>
@@ -20247,44 +21114,16 @@
         </p:nvSpPr>
         <p:spPr/>
         <p:txBody>
-          <a:bodyPr anchor="ctr"/>
-          <a:lstStyle/>
+          <a:bodyPr/>
           <a:p>
-            <a:pPr algn="ctr"/>
             <a:r>
-              <a:rPr lang="en-US" altLang="zh-CN" sz="1600" dirty="0">
+              <a:rPr lang="en-US" sz="1600">
                 <a:latin typeface="Georgia" panose="02040502050405020303" charset="0"/>
                 <a:cs typeface="Georgia" panose="02040502050405020303" charset="0"/>
               </a:rPr>
-              <a:t>Hateful Memes Challenge</a:t>
+              <a:t>Exploring Deep Multimodal Fusion of Text and Photo for Hate Speech classification[2]</a:t>
             </a:r>
-            <a:br>
-              <a:rPr lang="en-US" altLang="zh-CN" sz="1600" dirty="0">
-                <a:latin typeface="Georgia" panose="02040502050405020303" charset="0"/>
-                <a:cs typeface="Georgia" panose="02040502050405020303" charset="0"/>
-              </a:rPr>
-            </a:br>
-            <a:r>
-              <a:rPr lang="en-US" altLang="zh-CN" sz="1600" dirty="0">
-                <a:latin typeface="Georgia" panose="02040502050405020303" charset="0"/>
-                <a:cs typeface="Georgia" panose="02040502050405020303" charset="0"/>
-              </a:rPr>
-              <a:t>2020, SEP 22    </a:t>
-            </a:r>
-            <a:br>
-              <a:rPr lang="en-US" altLang="zh-CN" sz="1600" dirty="0">
-                <a:latin typeface="Georgia" panose="02040502050405020303" charset="0"/>
-                <a:cs typeface="Georgia" panose="02040502050405020303" charset="0"/>
-              </a:rPr>
-            </a:br>
-            <a:r>
-              <a:rPr lang="en-US" altLang="zh-CN" sz="1600" dirty="0">
-                <a:latin typeface="Georgia" panose="02040502050405020303" charset="0"/>
-                <a:cs typeface="Georgia" panose="02040502050405020303" charset="0"/>
-              </a:rPr>
-              <a:t>Yuval Nirkin   Assaf Rabinowitz   Yoni Solel [2]</a:t>
-            </a:r>
-            <a:endParaRPr lang="en-US" altLang="zh-CN" sz="1600" dirty="0">
+            <a:endParaRPr lang="en-US" sz="1600">
               <a:latin typeface="Georgia" panose="02040502050405020303" charset="0"/>
               <a:cs typeface="Georgia" panose="02040502050405020303" charset="0"/>
             </a:endParaRPr>
@@ -20303,264 +21142,80 @@
         </p:nvSpPr>
         <p:spPr>
           <a:xfrm>
-            <a:off x="445008" y="1331976"/>
-            <a:ext cx="4032504" cy="4525963"/>
+            <a:off x="6082665" y="1551940"/>
+            <a:ext cx="3343275" cy="2456815"/>
           </a:xfrm>
         </p:spPr>
         <p:txBody>
           <a:bodyPr/>
-          <a:lstStyle/>
           <a:p>
-            <a:pPr marL="0" marR="0" indent="0" algn="l" defTabSz="914400" rtl="0" eaLnBrk="1" fontAlgn="base" latinLnBrk="0" hangingPunct="1">
-              <a:lnSpc>
-                <a:spcPct val="100000"/>
-              </a:lnSpc>
-              <a:spcBef>
-                <a:spcPct val="20000"/>
-              </a:spcBef>
-              <a:spcAft>
-                <a:spcPct val="0"/>
-              </a:spcAft>
-              <a:buClrTx/>
-              <a:buSzTx/>
-              <a:buFontTx/>
-              <a:buNone/>
+            <a:pPr>
+              <a:buFont typeface="Wingdings" panose="05000000000000000000" charset="0"/>
+              <a:buChar char="ü"/>
             </a:pPr>
-            <a:r>
-              <a:rPr kumimoji="0" lang="en-US" sz="1600" b="0" i="0" u="none" strike="noStrike" kern="1200" cap="none" spc="0" normalizeH="0" baseline="0" noProof="1">
-                <a:solidFill>
-                  <a:schemeClr val="bg2">
-                    <a:lumMod val="50000"/>
-                  </a:schemeClr>
-                </a:solidFill>
-                <a:latin typeface="Georgia" panose="02040502050405020303" charset="0"/>
-                <a:ea typeface="+mn-ea"/>
-                <a:cs typeface="Georgia" panose="02040502050405020303" charset="0"/>
-              </a:rPr>
-              <a:t>Data Processing </a:t>
-            </a:r>
-            <a:endParaRPr kumimoji="0" lang="en-US" sz="1600" b="0" i="0" u="none" strike="noStrike" kern="1200" cap="none" spc="0" normalizeH="0" baseline="0" noProof="1">
-              <a:solidFill>
-                <a:schemeClr val="bg2">
-                  <a:lumMod val="50000"/>
-                </a:schemeClr>
-              </a:solidFill>
+            <a:endParaRPr lang="en-US">
               <a:latin typeface="Georgia" panose="02040502050405020303" charset="0"/>
-              <a:ea typeface="+mn-ea"/>
               <a:cs typeface="Georgia" panose="02040502050405020303" charset="0"/>
             </a:endParaRPr>
           </a:p>
           <a:p>
-            <a:pPr marL="342900" marR="0" indent="-342900" algn="l" defTabSz="914400" rtl="0" eaLnBrk="1" fontAlgn="base" latinLnBrk="0" hangingPunct="1">
-              <a:lnSpc>
-                <a:spcPct val="100000"/>
-              </a:lnSpc>
-              <a:spcBef>
-                <a:spcPct val="20000"/>
-              </a:spcBef>
-              <a:spcAft>
-                <a:spcPct val="0"/>
-              </a:spcAft>
-              <a:buClrTx/>
-              <a:buSzTx/>
-              <a:buFontTx/>
-              <a:buChar char="•"/>
+            <a:pPr>
+              <a:buFont typeface="Wingdings" panose="05000000000000000000" charset="0"/>
+              <a:buChar char="ü"/>
             </a:pPr>
-            <a:r>
-              <a:rPr kumimoji="0" lang="en-US" sz="1600" b="0" i="0" u="none" strike="noStrike" kern="1200" cap="none" spc="0" normalizeH="0" baseline="0" noProof="1">
-                <a:solidFill>
-                  <a:schemeClr val="bg2">
-                    <a:lumMod val="50000"/>
-                  </a:schemeClr>
-                </a:solidFill>
-                <a:latin typeface="Georgia" panose="02040502050405020303" charset="0"/>
-                <a:ea typeface="+mn-ea"/>
-                <a:cs typeface="Georgia" panose="02040502050405020303" charset="0"/>
-              </a:rPr>
-              <a:t>Text embedding :SBERT	         </a:t>
-            </a:r>
-            <a:endParaRPr kumimoji="0" lang="en-US" sz="1100" b="0" i="0" u="none" strike="noStrike" kern="1200" cap="none" spc="0" normalizeH="0" baseline="0" noProof="1">
-              <a:solidFill>
-                <a:schemeClr val="bg2">
-                  <a:lumMod val="50000"/>
-                </a:schemeClr>
-              </a:solidFill>
+            <a:endParaRPr lang="en-US">
               <a:latin typeface="Georgia" panose="02040502050405020303" charset="0"/>
-              <a:ea typeface="+mn-ea"/>
               <a:cs typeface="Georgia" panose="02040502050405020303" charset="0"/>
             </a:endParaRPr>
           </a:p>
           <a:p>
-            <a:pPr marL="342900" marR="0" indent="-342900" algn="l" defTabSz="914400" rtl="0" eaLnBrk="1" fontAlgn="base" latinLnBrk="0" hangingPunct="1">
-              <a:lnSpc>
-                <a:spcPct val="100000"/>
-              </a:lnSpc>
-              <a:spcBef>
-                <a:spcPct val="20000"/>
-              </a:spcBef>
-              <a:spcAft>
-                <a:spcPct val="0"/>
-              </a:spcAft>
-              <a:buClrTx/>
-              <a:buSzTx/>
-              <a:buFontTx/>
-              <a:buChar char="•"/>
+            <a:pPr>
+              <a:buFont typeface="Wingdings" panose="05000000000000000000" charset="0"/>
+              <a:buChar char="ü"/>
             </a:pPr>
             <a:r>
-              <a:rPr kumimoji="0" lang="en-US" sz="1600" b="0" i="0" u="none" strike="noStrike" kern="1200" cap="none" spc="0" normalizeH="0" baseline="0" noProof="1">
-                <a:solidFill>
-                  <a:schemeClr val="bg2">
-                    <a:lumMod val="50000"/>
-                  </a:schemeClr>
-                </a:solidFill>
+              <a:rPr lang="en-US">
                 <a:latin typeface="Georgia" panose="02040502050405020303" charset="0"/>
-                <a:ea typeface="+mn-ea"/>
                 <a:cs typeface="Georgia" panose="02040502050405020303" charset="0"/>
               </a:rPr>
-              <a:t>Image Embedding: MobileNetV2 </a:t>
+              <a:t>Text: Convolutional classification model</a:t>
             </a:r>
-            <a:endParaRPr kumimoji="0" lang="en-US" sz="1600" b="0" i="0" u="none" strike="noStrike" kern="1200" cap="none" spc="0" normalizeH="0" baseline="0" noProof="1">
-              <a:solidFill>
-                <a:schemeClr val="bg2">
-                  <a:lumMod val="50000"/>
-                </a:schemeClr>
-              </a:solidFill>
+            <a:endParaRPr lang="en-US">
               <a:latin typeface="Georgia" panose="02040502050405020303" charset="0"/>
-              <a:ea typeface="+mn-ea"/>
               <a:cs typeface="Georgia" panose="02040502050405020303" charset="0"/>
             </a:endParaRPr>
           </a:p>
           <a:p>
-            <a:pPr marL="342900" marR="0" indent="-342900" algn="l" defTabSz="914400" rtl="0" eaLnBrk="1" fontAlgn="base" latinLnBrk="0" hangingPunct="1">
-              <a:lnSpc>
-                <a:spcPct val="100000"/>
-              </a:lnSpc>
-              <a:spcBef>
-                <a:spcPct val="20000"/>
-              </a:spcBef>
-              <a:spcAft>
-                <a:spcPct val="0"/>
-              </a:spcAft>
-              <a:buClrTx/>
-              <a:buSzTx/>
-              <a:buFontTx/>
-              <a:buChar char="•"/>
+            <a:pPr>
+              <a:buFont typeface="Wingdings" panose="05000000000000000000" charset="0"/>
+              <a:buChar char="ü"/>
             </a:pPr>
             <a:r>
-              <a:rPr kumimoji="0" lang="en-US" sz="1600" i="0" u="none" strike="noStrike" kern="1200" cap="none" spc="0" normalizeH="0" baseline="0" noProof="1">
-                <a:solidFill>
-                  <a:schemeClr val="bg2">
-                    <a:lumMod val="50000"/>
-                  </a:schemeClr>
-                </a:solidFill>
+              <a:rPr lang="en-US">
                 <a:latin typeface="Georgia" panose="02040502050405020303" charset="0"/>
-                <a:ea typeface="+mn-ea"/>
                 <a:cs typeface="Georgia" panose="02040502050405020303" charset="0"/>
               </a:rPr>
-              <a:t>Hypernetworks</a:t>
+              <a:t>Attention mechanism </a:t>
             </a:r>
-            <a:endParaRPr kumimoji="0" lang="en-US" sz="1600" b="1" i="0" u="none" strike="noStrike" kern="1200" cap="none" spc="0" normalizeH="0" baseline="0" noProof="1">
-              <a:solidFill>
-                <a:schemeClr val="bg2">
-                  <a:lumMod val="50000"/>
-                </a:schemeClr>
-              </a:solidFill>
+            <a:endParaRPr lang="en-US">
               <a:latin typeface="Georgia" panose="02040502050405020303" charset="0"/>
-              <a:ea typeface="+mn-ea"/>
               <a:cs typeface="Georgia" panose="02040502050405020303" charset="0"/>
             </a:endParaRPr>
           </a:p>
           <a:p>
-            <a:pPr marL="342900" marR="0" indent="-342900" algn="l" defTabSz="914400" rtl="0" eaLnBrk="1" fontAlgn="base" latinLnBrk="0" hangingPunct="1">
-              <a:lnSpc>
-                <a:spcPct val="100000"/>
-              </a:lnSpc>
-              <a:spcBef>
-                <a:spcPct val="20000"/>
-              </a:spcBef>
-              <a:spcAft>
-                <a:spcPct val="0"/>
-              </a:spcAft>
-              <a:buClrTx/>
-              <a:buSzTx/>
-              <a:buFontTx/>
-              <a:buChar char="•"/>
+            <a:pPr>
+              <a:buFont typeface="Wingdings" panose="05000000000000000000" charset="0"/>
+              <a:buChar char="ü"/>
             </a:pPr>
             <a:r>
-              <a:rPr kumimoji="0" lang="en-US" sz="1600" b="0" i="0" u="none" strike="noStrike" kern="1200" cap="none" spc="0" normalizeH="0" baseline="0" noProof="1">
-                <a:solidFill>
-                  <a:schemeClr val="bg2">
-                    <a:lumMod val="50000"/>
-                  </a:schemeClr>
-                </a:solidFill>
+              <a:rPr lang="en-US">
                 <a:latin typeface="Georgia" panose="02040502050405020303" charset="0"/>
-                <a:ea typeface="+mn-ea"/>
                 <a:cs typeface="Georgia" panose="02040502050405020303" charset="0"/>
               </a:rPr>
-              <a:t>Decoder</a:t>
+              <a:t>Fusion</a:t>
             </a:r>
-            <a:endParaRPr kumimoji="0" lang="en-US" sz="1600" b="0" i="0" u="none" strike="noStrike" kern="1200" cap="none" spc="0" normalizeH="0" baseline="0" noProof="1">
-              <a:solidFill>
-                <a:schemeClr val="bg2">
-                  <a:lumMod val="50000"/>
-                </a:schemeClr>
-              </a:solidFill>
+            <a:endParaRPr lang="en-US">
               <a:latin typeface="Georgia" panose="02040502050405020303" charset="0"/>
-              <a:ea typeface="+mn-ea"/>
-              <a:cs typeface="Georgia" panose="02040502050405020303" charset="0"/>
-            </a:endParaRPr>
-          </a:p>
-          <a:p>
-            <a:pPr marL="0" marR="0" indent="0" algn="l" defTabSz="914400" rtl="0" eaLnBrk="1" fontAlgn="base" latinLnBrk="0" hangingPunct="1">
-              <a:lnSpc>
-                <a:spcPct val="100000"/>
-              </a:lnSpc>
-              <a:spcBef>
-                <a:spcPct val="20000"/>
-              </a:spcBef>
-              <a:spcAft>
-                <a:spcPct val="0"/>
-              </a:spcAft>
-              <a:buClrTx/>
-              <a:buSzTx/>
-              <a:buFontTx/>
-              <a:buNone/>
-            </a:pPr>
-            <a:endParaRPr kumimoji="0" lang="en-US" sz="1800" b="0" i="0" u="none" strike="noStrike" kern="1200" cap="none" spc="0" normalizeH="0" baseline="0" noProof="1">
-              <a:solidFill>
-                <a:schemeClr val="bg2">
-                  <a:lumMod val="50000"/>
-                </a:schemeClr>
-              </a:solidFill>
-              <a:latin typeface="Georgia" panose="02040502050405020303" charset="0"/>
-              <a:ea typeface="+mn-ea"/>
-              <a:cs typeface="Georgia" panose="02040502050405020303" charset="0"/>
-            </a:endParaRPr>
-          </a:p>
-          <a:p>
-            <a:pPr marL="0" marR="0" indent="0" algn="l" defTabSz="914400" rtl="0" eaLnBrk="1" fontAlgn="base" latinLnBrk="0" hangingPunct="1">
-              <a:lnSpc>
-                <a:spcPct val="100000"/>
-              </a:lnSpc>
-              <a:spcBef>
-                <a:spcPct val="20000"/>
-              </a:spcBef>
-              <a:spcAft>
-                <a:spcPct val="0"/>
-              </a:spcAft>
-              <a:buClrTx/>
-              <a:buSzTx/>
-              <a:buFontTx/>
-              <a:buNone/>
-            </a:pPr>
-            <a:endParaRPr kumimoji="0" lang="en-US" sz="1800" b="0" i="0" u="none" strike="noStrike" kern="1200" cap="none" spc="0" normalizeH="0" baseline="0" noProof="1">
-              <a:solidFill>
-                <a:schemeClr val="bg2">
-                  <a:lumMod val="50000"/>
-                </a:schemeClr>
-              </a:solidFill>
-              <a:latin typeface="Georgia" panose="02040502050405020303" charset="0"/>
-              <a:ea typeface="+mn-ea"/>
               <a:cs typeface="Georgia" panose="02040502050405020303" charset="0"/>
             </a:endParaRPr>
           </a:p>
@@ -20568,46 +21223,35 @@
       </p:sp>
       <p:sp>
         <p:nvSpPr>
-          <p:cNvPr id="4099" name="Text Box 61"/>
-          <p:cNvSpPr txBox="1"/>
-          <p:nvPr/>
+          <p:cNvPr id="5" name="Slide Number Placeholder 4"/>
+          <p:cNvSpPr>
+            <a:spLocks noGrp="1"/>
+          </p:cNvSpPr>
+          <p:nvPr>
+            <p:ph type="sldNum" sz="quarter" idx="12"/>
+          </p:nvPr>
         </p:nvSpPr>
-        <p:spPr>
-          <a:xfrm>
-            <a:off x="7183438" y="6167438"/>
-            <a:ext cx="1781175" cy="368300"/>
-          </a:xfrm>
-          <a:prstGeom prst="rect">
-            <a:avLst/>
-          </a:prstGeom>
-          <a:noFill/>
-          <a:ln w="9525">
-            <a:noFill/>
-          </a:ln>
-        </p:spPr>
+        <p:spPr/>
         <p:txBody>
-          <a:bodyPr wrap="square" anchor="t">
-            <a:spAutoFit/>
-          </a:bodyPr>
-          <a:lstStyle/>
+          <a:bodyPr/>
           <a:p>
-            <a:r>
-              <a:rPr lang="en-US" altLang="zh-CN">
-                <a:latin typeface="Cambria" panose="02040503050406030204" charset="0"/>
+            <a:pPr lvl="0" fontAlgn="base"/>
+            <a:fld id="{9A0DB2DC-4C9A-4742-B13C-FB6460FD3503}" type="slidenum">
+              <a:rPr lang="zh-CN" altLang="en-US" strike="noStrike" noProof="1" dirty="0">
+                <a:latin typeface="Arial" panose="020B0604020202020204" pitchFamily="34" charset="0"/>
+                <a:ea typeface="SimSun" panose="02010600030101010101" pitchFamily="2" charset="-122"/>
+                <a:cs typeface="+mn-cs"/>
               </a:rPr>
-              <a:t>Varun Bohara</a:t>
-            </a:r>
-            <a:endParaRPr lang="en-US" altLang="zh-CN">
-              <a:latin typeface="Cambria" panose="02040503050406030204" charset="0"/>
-            </a:endParaRPr>
+            </a:fld>
+            <a:endParaRPr lang="zh-CN" altLang="en-US" strike="noStrike" noProof="1"/>
           </a:p>
         </p:txBody>
       </p:sp>
       <p:pic>
         <p:nvPicPr>
-          <p:cNvPr id="6147" name="Picture 3"/>
+          <p:cNvPr id="6" name="Content Placeholder 5"/>
           <p:cNvPicPr>
-            <a:picLocks noGrp="1" noChangeAspect="1"/>
+            <a:picLocks noChangeAspect="1"/>
           </p:cNvPicPr>
           <p:nvPr>
             <p:ph sz="half" idx="2"/>
@@ -20635,44 +21279,14 @@
         </p:blipFill>
         <p:spPr>
           <a:xfrm>
-            <a:off x="2489200" y="1809750"/>
-            <a:ext cx="6666865" cy="3058795"/>
+            <a:off x="444500" y="1017905"/>
+            <a:ext cx="5804535" cy="3910330"/>
           </a:xfrm>
           <a:prstGeom prst="rect">
             <a:avLst/>
           </a:prstGeom>
-          <a:noFill/>
-          <a:ln w="9525">
-            <a:noFill/>
-          </a:ln>
         </p:spPr>
       </p:pic>
-      <p:sp>
-        <p:nvSpPr>
-          <p:cNvPr id="2" name="Slide Number Placeholder 1"/>
-          <p:cNvSpPr>
-            <a:spLocks noGrp="1"/>
-          </p:cNvSpPr>
-          <p:nvPr>
-            <p:ph type="sldNum" sz="quarter" idx="12"/>
-          </p:nvPr>
-        </p:nvSpPr>
-        <p:spPr/>
-        <p:txBody>
-          <a:bodyPr/>
-          <a:p>
-            <a:pPr lvl="0" fontAlgn="base"/>
-            <a:fld id="{9A0DB2DC-4C9A-4742-B13C-FB6460FD3503}" type="slidenum">
-              <a:rPr lang="zh-CN" altLang="en-US" strike="noStrike" noProof="1" dirty="0">
-                <a:latin typeface="Arial" panose="020B0604020202020204" pitchFamily="34" charset="0"/>
-                <a:ea typeface="SimSun" panose="02010600030101010101" pitchFamily="2" charset="-122"/>
-                <a:cs typeface="+mn-cs"/>
-              </a:rPr>
-            </a:fld>
-            <a:endParaRPr lang="zh-CN" altLang="en-US" strike="noStrike" noProof="1"/>
-          </a:p>
-        </p:txBody>
-      </p:sp>
     </p:spTree>
   </p:cSld>
   <p:clrMapOvr>

--- a/MINI PROJECT REVIEW.pptx
+++ b/MINI PROJECT REVIEW.pptx
@@ -24,48 +24,47 @@
     <p:sldId id="264" r:id="rId17"/>
     <p:sldId id="313" r:id="rId18"/>
     <p:sldId id="265" r:id="rId19"/>
-    <p:sldId id="312" r:id="rId20"/>
   </p:sldIdLst>
   <p:sldSz cx="9144000" cy="5143500" type="screen16x9"/>
   <p:notesSz cx="6858000" cy="9144000"/>
   <p:embeddedFontLst>
     <p:embeddedFont>
       <p:font typeface="SimSun" panose="02010600030101010101" pitchFamily="2" charset="-122"/>
+      <p:regular r:id="rId23"/>
+    </p:embeddedFont>
+    <p:embeddedFont>
+      <p:font typeface="Maven Pro"/>
       <p:regular r:id="rId24"/>
     </p:embeddedFont>
     <p:embeddedFont>
-      <p:font typeface="Maven Pro"/>
+      <p:font typeface="Nunito" panose="00000500000000000000"/>
       <p:regular r:id="rId25"/>
     </p:embeddedFont>
     <p:embeddedFont>
-      <p:font typeface="Nunito" panose="00000500000000000000"/>
+      <p:font typeface="Georgia" panose="02040502050405020303" charset="0"/>
       <p:regular r:id="rId26"/>
-    </p:embeddedFont>
-    <p:embeddedFont>
-      <p:font typeface="Georgia" panose="02040502050405020303" charset="0"/>
-      <p:regular r:id="rId27"/>
-      <p:bold r:id="rId28"/>
-      <p:italic r:id="rId29"/>
-      <p:boldItalic r:id="rId30"/>
+      <p:bold r:id="rId27"/>
+      <p:italic r:id="rId28"/>
+      <p:boldItalic r:id="rId29"/>
     </p:embeddedFont>
     <p:embeddedFont>
       <p:font typeface="Cambria" panose="02040503050406030204" charset="0"/>
-      <p:regular r:id="rId31"/>
-      <p:bold r:id="rId32"/>
-      <p:italic r:id="rId33"/>
-      <p:boldItalic r:id="rId34"/>
+      <p:regular r:id="rId30"/>
+      <p:bold r:id="rId31"/>
+      <p:italic r:id="rId32"/>
+      <p:boldItalic r:id="rId33"/>
     </p:embeddedFont>
     <p:embeddedFont>
       <p:font typeface="Calibri" panose="020F0502020204030204" pitchFamily="34" charset="0"/>
-      <p:regular r:id="rId35"/>
-      <p:bold r:id="rId36"/>
-      <p:italic r:id="rId37"/>
-      <p:boldItalic r:id="rId38"/>
+      <p:regular r:id="rId34"/>
+      <p:bold r:id="rId35"/>
+      <p:italic r:id="rId36"/>
+      <p:boldItalic r:id="rId37"/>
     </p:embeddedFont>
     <p:embeddedFont>
       <p:font typeface="Agency FB" panose="020B0503020202020204" charset="0"/>
-      <p:regular r:id="rId39"/>
-      <p:bold r:id="rId40"/>
+      <p:regular r:id="rId38"/>
+      <p:bold r:id="rId39"/>
     </p:embeddedFont>
   </p:embeddedFontLst>
   <p:defaultTextStyle>
@@ -19221,93 +19220,6 @@
       <p:sp>
         <p:nvSpPr>
           <p:cNvPr id="2" name="Slide Number Placeholder 1"/>
-          <p:cNvSpPr>
-            <a:spLocks noGrp="1"/>
-          </p:cNvSpPr>
-          <p:nvPr>
-            <p:ph type="sldNum" idx="12"/>
-          </p:nvPr>
-        </p:nvSpPr>
-        <p:spPr/>
-        <p:txBody>
-          <a:bodyPr/>
-          <a:p>
-            <a:pPr marL="0" lvl="0" indent="0" algn="r" rtl="0">
-              <a:spcBef>
-                <a:spcPts val="0"/>
-              </a:spcBef>
-              <a:spcAft>
-                <a:spcPts val="0"/>
-              </a:spcAft>
-              <a:buNone/>
-            </a:pPr>
-            <a:fld id="{00000000-1234-1234-1234-123412341234}" type="slidenum">
-              <a:rPr lang="en-GB"/>
-            </a:fld>
-            <a:endParaRPr lang="en-GB"/>
-          </a:p>
-        </p:txBody>
-      </p:sp>
-    </p:spTree>
-  </p:cSld>
-  <p:clrMapOvr>
-    <a:masterClrMapping/>
-  </p:clrMapOvr>
-</p:sld>
-</file>
-
-<file path=ppt/slides/slide17.xml><?xml version="1.0" encoding="utf-8"?>
-<p:sld xmlns:a="http://schemas.openxmlformats.org/drawingml/2006/main" xmlns:r="http://schemas.openxmlformats.org/officeDocument/2006/relationships" xmlns:p="http://schemas.openxmlformats.org/presentationml/2006/main">
-  <p:cSld>
-    <p:spTree>
-      <p:nvGrpSpPr>
-        <p:cNvPr id="1" name=""/>
-        <p:cNvGrpSpPr/>
-        <p:nvPr/>
-      </p:nvGrpSpPr>
-      <p:grpSpPr/>
-      <p:sp>
-        <p:nvSpPr>
-          <p:cNvPr id="2" name="Title 1"/>
-          <p:cNvSpPr>
-            <a:spLocks noGrp="1"/>
-          </p:cNvSpPr>
-          <p:nvPr>
-            <p:ph type="title"/>
-          </p:nvPr>
-        </p:nvSpPr>
-        <p:spPr>
-          <a:xfrm>
-            <a:off x="3414395" y="2199640"/>
-            <a:ext cx="2657475" cy="743585"/>
-          </a:xfrm>
-        </p:spPr>
-        <p:txBody>
-          <a:bodyPr/>
-          <a:p>
-            <a:r>
-              <a:rPr lang="en-US">
-                <a:solidFill>
-                  <a:schemeClr val="bg2"/>
-                </a:solidFill>
-                <a:latin typeface="Georgia" panose="02040502050405020303" charset="0"/>
-                <a:cs typeface="Georgia" panose="02040502050405020303" charset="0"/>
-              </a:rPr>
-              <a:t>THANK YOU</a:t>
-            </a:r>
-            <a:endParaRPr lang="en-US">
-              <a:solidFill>
-                <a:schemeClr val="bg2"/>
-              </a:solidFill>
-              <a:latin typeface="Georgia" panose="02040502050405020303" charset="0"/>
-              <a:cs typeface="Georgia" panose="02040502050405020303" charset="0"/>
-            </a:endParaRPr>
-          </a:p>
-        </p:txBody>
-      </p:sp>
-      <p:sp>
-        <p:nvSpPr>
-          <p:cNvPr id="3" name="Slide Number Placeholder 2"/>
           <p:cNvSpPr>
             <a:spLocks noGrp="1"/>
           </p:cNvSpPr>

--- a/MINI PROJECT REVIEW.pptx
+++ b/MINI PROJECT REVIEW.pptx
@@ -16229,6 +16229,82 @@
                 <a:cs typeface="Georgia" panose="02040502050405020303" charset="0"/>
               </a:rPr>
             </a:br>
+            <a:br>
+              <a:rPr lang="en-US" sz="1600">
+                <a:solidFill>
+                  <a:schemeClr val="accent1">
+                    <a:lumMod val="50000"/>
+                  </a:schemeClr>
+                </a:solidFill>
+                <a:effectLst>
+                  <a:innerShdw blurRad="63500" dist="50800" dir="13500000">
+                    <a:srgbClr val="000000">
+                      <a:alpha val="50000"/>
+                    </a:srgbClr>
+                  </a:innerShdw>
+                </a:effectLst>
+                <a:uFillTx/>
+                <a:latin typeface="Georgia" panose="02040502050405020303" charset="0"/>
+                <a:cs typeface="Georgia" panose="02040502050405020303" charset="0"/>
+                <a:sym typeface="+mn-ea"/>
+              </a:rPr>
+            </a:br>
+            <a:r>
+              <a:rPr lang="en-US" sz="1600">
+                <a:solidFill>
+                  <a:schemeClr val="bg2"/>
+                </a:solidFill>
+                <a:effectLst>
+                  <a:innerShdw blurRad="63500" dist="50800" dir="13500000">
+                    <a:srgbClr val="000000">
+                      <a:alpha val="50000"/>
+                    </a:srgbClr>
+                  </a:innerShdw>
+                </a:effectLst>
+                <a:uFillTx/>
+                <a:latin typeface="Georgia" panose="02040502050405020303" charset="0"/>
+                <a:cs typeface="Georgia" panose="02040502050405020303" charset="0"/>
+                <a:sym typeface="+mn-ea"/>
+              </a:rPr>
+              <a:t>Detecting Hate Speech in </a:t>
+            </a:r>
+            <a:br>
+              <a:rPr lang="en-US" sz="1600">
+                <a:solidFill>
+                  <a:schemeClr val="bg2"/>
+                </a:solidFill>
+                <a:effectLst>
+                  <a:innerShdw blurRad="63500" dist="50800" dir="13500000">
+                    <a:srgbClr val="000000">
+                      <a:alpha val="50000"/>
+                    </a:srgbClr>
+                  </a:innerShdw>
+                </a:effectLst>
+                <a:uFillTx/>
+                <a:latin typeface="Georgia" panose="02040502050405020303" charset="0"/>
+                <a:cs typeface="Georgia" panose="02040502050405020303" charset="0"/>
+                <a:sym typeface="+mn-ea"/>
+              </a:rPr>
+            </a:br>
+            <a:r>
+              <a:rPr lang="en-US" sz="1600">
+                <a:solidFill>
+                  <a:schemeClr val="bg2"/>
+                </a:solidFill>
+                <a:effectLst>
+                  <a:innerShdw blurRad="63500" dist="50800" dir="13500000">
+                    <a:srgbClr val="000000">
+                      <a:alpha val="50000"/>
+                    </a:srgbClr>
+                  </a:innerShdw>
+                </a:effectLst>
+                <a:uFillTx/>
+                <a:latin typeface="Georgia" panose="02040502050405020303" charset="0"/>
+                <a:cs typeface="Georgia" panose="02040502050405020303" charset="0"/>
+                <a:sym typeface="+mn-ea"/>
+              </a:rPr>
+              <a:t>Memes </a:t>
+            </a:r>
             <a:r>
               <a:rPr lang="en-US" sz="1600">
                 <a:solidFill>
@@ -16245,7 +16321,7 @@
                 <a:latin typeface="Georgia" panose="02040502050405020303" charset="0"/>
                 <a:cs typeface="Georgia" panose="02040502050405020303" charset="0"/>
               </a:rPr>
-              <a:t>Multimodal Hateful Meme Detection. </a:t>
+              <a:t> </a:t>
             </a:r>
             <a:br>
               <a:rPr lang="en-US" sz="3200">
